--- a/problems/binary-tree-maximum-path-sum/124. binary-tree-maximum-path-sum.pptx
+++ b/problems/binary-tree-maximum-path-sum/124. binary-tree-maximum-path-sum.pptx
@@ -320,6 +320,11 @@
       </a:defRPr>
     </a:lvl9pPr>
   </p:defaultTextStyle>
+  <p:extLst>
+    <p:ext uri="{EFAFB233-063F-42B5-8137-9DF3F51BA10A}">
+      <p15:sldGuideLst xmlns:p15="http://schemas.microsoft.com/office/powerpoint/2012/main"/>
+    </p:ext>
+  </p:extLst>
 </p:presentation>
 </file>
 
@@ -2161,7 +2166,7 @@
           </a:ln>
           <a:extLst>
             <a:ext uri="{C572A759-6A51-4108-AA02-DFA0A04FC94B}">
-              <ma14:wrappingTextBoxFlag xmlns:ma14="http://schemas.microsoft.com/office/mac/drawingml/2011/main" xmlns:a14="http://schemas.microsoft.com/office/drawing/2010/main" xmlns:m="http://schemas.openxmlformats.org/officeDocument/2006/math" xmlns="" val="1"/>
+              <ma14:wrappingTextBoxFlag xmlns="" xmlns:m="http://schemas.openxmlformats.org/officeDocument/2006/math" xmlns:a14="http://schemas.microsoft.com/office/drawing/2010/main" xmlns:ma14="http://schemas.microsoft.com/office/mac/drawingml/2011/main" val="1"/>
             </a:ext>
           </a:extLst>
         </p:spPr>
@@ -2200,7 +2205,7 @@
           </a:ln>
           <a:extLst>
             <a:ext uri="{C572A759-6A51-4108-AA02-DFA0A04FC94B}">
-              <ma14:wrappingTextBoxFlag xmlns:ma14="http://schemas.microsoft.com/office/mac/drawingml/2011/main" xmlns:a14="http://schemas.microsoft.com/office/drawing/2010/main" xmlns:m="http://schemas.openxmlformats.org/officeDocument/2006/math" xmlns="" val="1"/>
+              <ma14:wrappingTextBoxFlag xmlns="" xmlns:m="http://schemas.openxmlformats.org/officeDocument/2006/math" xmlns:a14="http://schemas.microsoft.com/office/drawing/2010/main" xmlns:ma14="http://schemas.microsoft.com/office/mac/drawingml/2011/main" val="1"/>
             </a:ext>
           </a:extLst>
         </p:spPr>
@@ -3051,7 +3056,7 @@
           </a:ln>
           <a:extLst>
             <a:ext uri="{C572A759-6A51-4108-AA02-DFA0A04FC94B}">
-              <ma14:wrappingTextBoxFlag xmlns:ma14="http://schemas.microsoft.com/office/mac/drawingml/2011/main" xmlns:a14="http://schemas.microsoft.com/office/drawing/2010/main" xmlns:m="http://schemas.openxmlformats.org/officeDocument/2006/math" xmlns="" val="1"/>
+              <ma14:wrappingTextBoxFlag xmlns="" xmlns:m="http://schemas.openxmlformats.org/officeDocument/2006/math" xmlns:a14="http://schemas.microsoft.com/office/drawing/2010/main" xmlns:ma14="http://schemas.microsoft.com/office/mac/drawingml/2011/main" val="1"/>
             </a:ext>
           </a:extLst>
         </p:spPr>
@@ -3122,7 +3127,7 @@
           </a:ln>
           <a:extLst>
             <a:ext uri="{C572A759-6A51-4108-AA02-DFA0A04FC94B}">
-              <ma14:wrappingTextBoxFlag xmlns:ma14="http://schemas.microsoft.com/office/mac/drawingml/2011/main" xmlns:a14="http://schemas.microsoft.com/office/drawing/2010/main" xmlns:m="http://schemas.openxmlformats.org/officeDocument/2006/math" xmlns="" val="1"/>
+              <ma14:wrappingTextBoxFlag xmlns="" xmlns:m="http://schemas.openxmlformats.org/officeDocument/2006/math" xmlns:a14="http://schemas.microsoft.com/office/drawing/2010/main" xmlns:ma14="http://schemas.microsoft.com/office/mac/drawingml/2011/main" val="1"/>
             </a:ext>
           </a:extLst>
         </p:spPr>
@@ -3167,7 +3172,7 @@
           </a:ln>
           <a:extLst>
             <a:ext uri="{C572A759-6A51-4108-AA02-DFA0A04FC94B}">
-              <ma14:wrappingTextBoxFlag xmlns:ma14="http://schemas.microsoft.com/office/mac/drawingml/2011/main" xmlns:a14="http://schemas.microsoft.com/office/drawing/2010/main" xmlns:m="http://schemas.openxmlformats.org/officeDocument/2006/math" xmlns="" val="1"/>
+              <ma14:wrappingTextBoxFlag xmlns="" xmlns:m="http://schemas.openxmlformats.org/officeDocument/2006/math" xmlns:a14="http://schemas.microsoft.com/office/drawing/2010/main" xmlns:ma14="http://schemas.microsoft.com/office/mac/drawingml/2011/main" val="1"/>
             </a:ext>
           </a:extLst>
         </p:spPr>
@@ -3252,7 +3257,7 @@
           </a:ln>
           <a:extLst>
             <a:ext uri="{C572A759-6A51-4108-AA02-DFA0A04FC94B}">
-              <ma14:wrappingTextBoxFlag xmlns:ma14="http://schemas.microsoft.com/office/mac/drawingml/2011/main" xmlns:a14="http://schemas.microsoft.com/office/drawing/2010/main" xmlns:m="http://schemas.openxmlformats.org/officeDocument/2006/math" xmlns="" val="1"/>
+              <ma14:wrappingTextBoxFlag xmlns="" xmlns:m="http://schemas.openxmlformats.org/officeDocument/2006/math" xmlns:a14="http://schemas.microsoft.com/office/drawing/2010/main" xmlns:ma14="http://schemas.microsoft.com/office/mac/drawingml/2011/main" val="1"/>
             </a:ext>
           </a:extLst>
         </p:spPr>
@@ -4201,7 +4206,7 @@
           </a:ln>
           <a:extLst>
             <a:ext uri="{C572A759-6A51-4108-AA02-DFA0A04FC94B}">
-              <ma14:wrappingTextBoxFlag xmlns:ma14="http://schemas.microsoft.com/office/mac/drawingml/2011/main" xmlns:a14="http://schemas.microsoft.com/office/drawing/2010/main" xmlns:m="http://schemas.openxmlformats.org/officeDocument/2006/math" xmlns="" val="1"/>
+              <ma14:wrappingTextBoxFlag xmlns="" xmlns:m="http://schemas.openxmlformats.org/officeDocument/2006/math" xmlns:a14="http://schemas.microsoft.com/office/drawing/2010/main" xmlns:ma14="http://schemas.microsoft.com/office/mac/drawingml/2011/main" val="1"/>
             </a:ext>
           </a:extLst>
         </p:spPr>
@@ -4272,7 +4277,7 @@
           </a:ln>
           <a:extLst>
             <a:ext uri="{C572A759-6A51-4108-AA02-DFA0A04FC94B}">
-              <ma14:wrappingTextBoxFlag xmlns:ma14="http://schemas.microsoft.com/office/mac/drawingml/2011/main" xmlns:a14="http://schemas.microsoft.com/office/drawing/2010/main" xmlns:m="http://schemas.openxmlformats.org/officeDocument/2006/math" xmlns="" val="1"/>
+              <ma14:wrappingTextBoxFlag xmlns="" xmlns:m="http://schemas.openxmlformats.org/officeDocument/2006/math" xmlns:a14="http://schemas.microsoft.com/office/drawing/2010/main" xmlns:ma14="http://schemas.microsoft.com/office/mac/drawingml/2011/main" val="1"/>
             </a:ext>
           </a:extLst>
         </p:spPr>
@@ -4318,7 +4323,7 @@
           </a:ln>
           <a:extLst>
             <a:ext uri="{C572A759-6A51-4108-AA02-DFA0A04FC94B}">
-              <ma14:wrappingTextBoxFlag xmlns:ma14="http://schemas.microsoft.com/office/mac/drawingml/2011/main" xmlns:a14="http://schemas.microsoft.com/office/drawing/2010/main" xmlns:m="http://schemas.openxmlformats.org/officeDocument/2006/math" xmlns="" val="1"/>
+              <ma14:wrappingTextBoxFlag xmlns="" xmlns:m="http://schemas.openxmlformats.org/officeDocument/2006/math" xmlns:a14="http://schemas.microsoft.com/office/drawing/2010/main" xmlns:ma14="http://schemas.microsoft.com/office/mac/drawingml/2011/main" val="1"/>
             </a:ext>
           </a:extLst>
         </p:spPr>
@@ -4374,7 +4379,7 @@
           </a:ln>
           <a:extLst>
             <a:ext uri="{C572A759-6A51-4108-AA02-DFA0A04FC94B}">
-              <ma14:wrappingTextBoxFlag xmlns:ma14="http://schemas.microsoft.com/office/mac/drawingml/2011/main" xmlns:a14="http://schemas.microsoft.com/office/drawing/2010/main" xmlns:m="http://schemas.openxmlformats.org/officeDocument/2006/math" xmlns="" val="1"/>
+              <ma14:wrappingTextBoxFlag xmlns="" xmlns:m="http://schemas.openxmlformats.org/officeDocument/2006/math" xmlns:a14="http://schemas.microsoft.com/office/drawing/2010/main" xmlns:ma14="http://schemas.microsoft.com/office/mac/drawingml/2011/main" val="1"/>
             </a:ext>
           </a:extLst>
         </p:spPr>
@@ -4427,7 +4432,7 @@
           </a:ln>
           <a:extLst>
             <a:ext uri="{C572A759-6A51-4108-AA02-DFA0A04FC94B}">
-              <ma14:wrappingTextBoxFlag xmlns:ma14="http://schemas.microsoft.com/office/mac/drawingml/2011/main" xmlns:a14="http://schemas.microsoft.com/office/drawing/2010/main" xmlns:m="http://schemas.openxmlformats.org/officeDocument/2006/math" xmlns="" val="1"/>
+              <ma14:wrappingTextBoxFlag xmlns="" xmlns:m="http://schemas.openxmlformats.org/officeDocument/2006/math" xmlns:a14="http://schemas.microsoft.com/office/drawing/2010/main" xmlns:ma14="http://schemas.microsoft.com/office/mac/drawingml/2011/main" val="1"/>
             </a:ext>
           </a:extLst>
         </p:spPr>
@@ -4488,7 +4493,7 @@
           </a:ln>
           <a:extLst>
             <a:ext uri="{C572A759-6A51-4108-AA02-DFA0A04FC94B}">
-              <ma14:wrappingTextBoxFlag xmlns:ma14="http://schemas.microsoft.com/office/mac/drawingml/2011/main" xmlns:a14="http://schemas.microsoft.com/office/drawing/2010/main" xmlns:m="http://schemas.openxmlformats.org/officeDocument/2006/math" xmlns="" val="1"/>
+              <ma14:wrappingTextBoxFlag xmlns="" xmlns:m="http://schemas.openxmlformats.org/officeDocument/2006/math" xmlns:a14="http://schemas.microsoft.com/office/drawing/2010/main" xmlns:ma14="http://schemas.microsoft.com/office/mac/drawingml/2011/main" val="1"/>
             </a:ext>
           </a:extLst>
         </p:spPr>
@@ -4716,39 +4721,21 @@
                                   </p:childTnLst>
                                 </p:cTn>
                               </p:par>
-                            </p:childTnLst>
-                          </p:cTn>
-                        </p:par>
-                      </p:childTnLst>
-                    </p:cTn>
-                  </p:par>
-                  <p:par>
-                    <p:cTn id="7" fill="hold">
-                      <p:stCondLst>
-                        <p:cond delay="indefinite"/>
-                      </p:stCondLst>
-                      <p:childTnLst>
-                        <p:par>
-                          <p:cTn id="8" fill="hold">
-                            <p:stCondLst>
-                              <p:cond delay="0"/>
-                            </p:stCondLst>
-                            <p:childTnLst>
                               <p:par>
-                                <p:cTn id="9" presetID="1" presetClass="entr" presetSubtype="0" fill="hold" grpId="0" nodeType="clickEffect">
+                                <p:cTn id="7" presetID="1" presetClass="entr" presetSubtype="0" fill="hold" grpId="0" nodeType="withEffect">
                                   <p:stCondLst>
                                     <p:cond delay="0"/>
                                   </p:stCondLst>
                                   <p:childTnLst>
                                     <p:set>
                                       <p:cBhvr>
-                                        <p:cTn id="10" dur="1" fill="hold">
+                                        <p:cTn id="8" dur="1" fill="hold">
                                           <p:stCondLst>
                                             <p:cond delay="0"/>
                                           </p:stCondLst>
                                         </p:cTn>
                                         <p:tgtEl>
-                                          <p:spTgt spid="122"/>
+                                          <p:spTgt spid="12"/>
                                         </p:tgtEl>
                                         <p:attrNameLst>
                                           <p:attrName>style.visibility</p:attrName>
@@ -4768,26 +4755,26 @@
                     </p:cTn>
                   </p:par>
                   <p:par>
-                    <p:cTn id="11" fill="hold">
+                    <p:cTn id="9" fill="hold">
                       <p:stCondLst>
                         <p:cond delay="indefinite"/>
                       </p:stCondLst>
                       <p:childTnLst>
                         <p:par>
-                          <p:cTn id="12" fill="hold">
+                          <p:cTn id="10" fill="hold">
                             <p:stCondLst>
                               <p:cond delay="0"/>
                             </p:stCondLst>
                             <p:childTnLst>
                               <p:par>
-                                <p:cTn id="13" presetID="1" presetClass="entr" presetSubtype="0" fill="hold" grpId="0" nodeType="clickEffect">
+                                <p:cTn id="11" presetID="1" presetClass="entr" presetSubtype="0" fill="hold" grpId="0" nodeType="clickEffect">
                                   <p:stCondLst>
                                     <p:cond delay="0"/>
                                   </p:stCondLst>
                                   <p:childTnLst>
                                     <p:set>
                                       <p:cBhvr>
-                                        <p:cTn id="14" dur="1" fill="hold">
+                                        <p:cTn id="12" dur="1" fill="hold">
                                           <p:stCondLst>
                                             <p:cond delay="0"/>
                                           </p:stCondLst>
@@ -4813,26 +4800,26 @@
                     </p:cTn>
                   </p:par>
                   <p:par>
-                    <p:cTn id="15" fill="hold">
+                    <p:cTn id="13" fill="hold">
                       <p:stCondLst>
                         <p:cond delay="indefinite"/>
                       </p:stCondLst>
                       <p:childTnLst>
                         <p:par>
-                          <p:cTn id="16" fill="hold">
+                          <p:cTn id="14" fill="hold">
                             <p:stCondLst>
                               <p:cond delay="0"/>
                             </p:stCondLst>
                             <p:childTnLst>
                               <p:par>
-                                <p:cTn id="17" presetID="1" presetClass="entr" presetSubtype="0" fill="hold" grpId="0" nodeType="clickEffect">
+                                <p:cTn id="15" presetID="1" presetClass="entr" presetSubtype="0" fill="hold" grpId="0" nodeType="clickEffect">
                                   <p:stCondLst>
                                     <p:cond delay="0"/>
                                   </p:stCondLst>
                                   <p:childTnLst>
                                     <p:set>
                                       <p:cBhvr>
-                                        <p:cTn id="18" dur="1" fill="hold">
+                                        <p:cTn id="16" dur="1" fill="hold">
                                           <p:stCondLst>
                                             <p:cond delay="0"/>
                                           </p:stCondLst>
@@ -4858,32 +4845,32 @@
                     </p:cTn>
                   </p:par>
                   <p:par>
-                    <p:cTn id="19" fill="hold">
+                    <p:cTn id="17" fill="hold">
                       <p:stCondLst>
                         <p:cond delay="indefinite"/>
                       </p:stCondLst>
                       <p:childTnLst>
                         <p:par>
-                          <p:cTn id="20" fill="hold">
+                          <p:cTn id="18" fill="hold">
                             <p:stCondLst>
                               <p:cond delay="0"/>
                             </p:stCondLst>
                             <p:childTnLst>
                               <p:par>
-                                <p:cTn id="21" presetID="1" presetClass="entr" presetSubtype="0" fill="hold" grpId="0" nodeType="clickEffect">
+                                <p:cTn id="19" presetID="1" presetClass="entr" presetSubtype="0" fill="hold" grpId="0" nodeType="clickEffect">
                                   <p:stCondLst>
                                     <p:cond delay="0"/>
                                   </p:stCondLst>
                                   <p:childTnLst>
                                     <p:set>
                                       <p:cBhvr>
-                                        <p:cTn id="22" dur="1" fill="hold">
+                                        <p:cTn id="20" dur="1" fill="hold">
                                           <p:stCondLst>
                                             <p:cond delay="0"/>
                                           </p:stCondLst>
                                         </p:cTn>
                                         <p:tgtEl>
-                                          <p:spTgt spid="12"/>
+                                          <p:spTgt spid="122"/>
                                         </p:tgtEl>
                                         <p:attrNameLst>
                                           <p:attrName>style.visibility</p:attrName>
@@ -4970,7 +4957,7 @@
           </a:ln>
           <a:extLst>
             <a:ext uri="{C572A759-6A51-4108-AA02-DFA0A04FC94B}">
-              <ma14:wrappingTextBoxFlag xmlns:ma14="http://schemas.microsoft.com/office/mac/drawingml/2011/main" xmlns:a14="http://schemas.microsoft.com/office/drawing/2010/main" xmlns:m="http://schemas.openxmlformats.org/officeDocument/2006/math" xmlns="" val="1"/>
+              <ma14:wrappingTextBoxFlag xmlns="" xmlns:m="http://schemas.openxmlformats.org/officeDocument/2006/math" xmlns:a14="http://schemas.microsoft.com/office/drawing/2010/main" xmlns:ma14="http://schemas.microsoft.com/office/mac/drawingml/2011/main" val="1"/>
             </a:ext>
           </a:extLst>
         </p:spPr>
@@ -5041,7 +5028,7 @@
           </a:ln>
           <a:extLst>
             <a:ext uri="{C572A759-6A51-4108-AA02-DFA0A04FC94B}">
-              <ma14:wrappingTextBoxFlag xmlns:ma14="http://schemas.microsoft.com/office/mac/drawingml/2011/main" xmlns:a14="http://schemas.microsoft.com/office/drawing/2010/main" xmlns:m="http://schemas.openxmlformats.org/officeDocument/2006/math" xmlns="" val="1"/>
+              <ma14:wrappingTextBoxFlag xmlns="" xmlns:m="http://schemas.openxmlformats.org/officeDocument/2006/math" xmlns:a14="http://schemas.microsoft.com/office/drawing/2010/main" xmlns:ma14="http://schemas.microsoft.com/office/mac/drawingml/2011/main" val="1"/>
             </a:ext>
           </a:extLst>
         </p:spPr>
@@ -10147,7 +10134,7 @@
           </a:ln>
           <a:extLst>
             <a:ext uri="{C572A759-6A51-4108-AA02-DFA0A04FC94B}">
-              <ma14:wrappingTextBoxFlag xmlns:ma14="http://schemas.microsoft.com/office/mac/drawingml/2011/main" xmlns:a14="http://schemas.microsoft.com/office/drawing/2010/main" xmlns:m="http://schemas.openxmlformats.org/officeDocument/2006/math" xmlns="" val="1"/>
+              <ma14:wrappingTextBoxFlag xmlns="" xmlns:m="http://schemas.openxmlformats.org/officeDocument/2006/math" xmlns:a14="http://schemas.microsoft.com/office/drawing/2010/main" xmlns:ma14="http://schemas.microsoft.com/office/mac/drawingml/2011/main" val="1"/>
             </a:ext>
           </a:extLst>
         </p:spPr>
@@ -10218,7 +10205,7 @@
           </a:ln>
           <a:extLst>
             <a:ext uri="{C572A759-6A51-4108-AA02-DFA0A04FC94B}">
-              <ma14:wrappingTextBoxFlag xmlns:ma14="http://schemas.microsoft.com/office/mac/drawingml/2011/main" xmlns:a14="http://schemas.microsoft.com/office/drawing/2010/main" xmlns:m="http://schemas.openxmlformats.org/officeDocument/2006/math" xmlns="" val="1"/>
+              <ma14:wrappingTextBoxFlag xmlns="" xmlns:m="http://schemas.openxmlformats.org/officeDocument/2006/math" xmlns:a14="http://schemas.microsoft.com/office/drawing/2010/main" xmlns:ma14="http://schemas.microsoft.com/office/mac/drawingml/2011/main" val="1"/>
             </a:ext>
           </a:extLst>
         </p:spPr>
@@ -10263,7 +10250,7 @@
           </a:ln>
           <a:extLst>
             <a:ext uri="{C572A759-6A51-4108-AA02-DFA0A04FC94B}">
-              <ma14:wrappingTextBoxFlag xmlns:ma14="http://schemas.microsoft.com/office/mac/drawingml/2011/main" xmlns:a14="http://schemas.microsoft.com/office/drawing/2010/main" xmlns:m="http://schemas.openxmlformats.org/officeDocument/2006/math" xmlns="" val="1"/>
+              <ma14:wrappingTextBoxFlag xmlns="" xmlns:m="http://schemas.openxmlformats.org/officeDocument/2006/math" xmlns:a14="http://schemas.microsoft.com/office/drawing/2010/main" xmlns:ma14="http://schemas.microsoft.com/office/mac/drawingml/2011/main" val="1"/>
             </a:ext>
           </a:extLst>
         </p:spPr>
@@ -10348,7 +10335,7 @@
           </a:ln>
           <a:extLst>
             <a:ext uri="{C572A759-6A51-4108-AA02-DFA0A04FC94B}">
-              <ma14:wrappingTextBoxFlag xmlns:ma14="http://schemas.microsoft.com/office/mac/drawingml/2011/main" xmlns:a14="http://schemas.microsoft.com/office/drawing/2010/main" xmlns:m="http://schemas.openxmlformats.org/officeDocument/2006/math" xmlns="" val="1"/>
+              <ma14:wrappingTextBoxFlag xmlns="" xmlns:m="http://schemas.openxmlformats.org/officeDocument/2006/math" xmlns:a14="http://schemas.microsoft.com/office/drawing/2010/main" xmlns:ma14="http://schemas.microsoft.com/office/mac/drawingml/2011/main" val="1"/>
             </a:ext>
           </a:extLst>
         </p:spPr>
@@ -11042,7 +11029,7 @@
           </a:ln>
           <a:extLst>
             <a:ext uri="{C572A759-6A51-4108-AA02-DFA0A04FC94B}">
-              <ma14:wrappingTextBoxFlag xmlns:ma14="http://schemas.microsoft.com/office/mac/drawingml/2011/main" xmlns:a14="http://schemas.microsoft.com/office/drawing/2010/main" xmlns:m="http://schemas.openxmlformats.org/officeDocument/2006/math" xmlns="" val="1"/>
+              <ma14:wrappingTextBoxFlag xmlns="" xmlns:m="http://schemas.openxmlformats.org/officeDocument/2006/math" xmlns:a14="http://schemas.microsoft.com/office/drawing/2010/main" xmlns:ma14="http://schemas.microsoft.com/office/mac/drawingml/2011/main" val="1"/>
             </a:ext>
           </a:extLst>
         </p:spPr>
@@ -11113,7 +11100,7 @@
           </a:ln>
           <a:extLst>
             <a:ext uri="{C572A759-6A51-4108-AA02-DFA0A04FC94B}">
-              <ma14:wrappingTextBoxFlag xmlns:ma14="http://schemas.microsoft.com/office/mac/drawingml/2011/main" xmlns:a14="http://schemas.microsoft.com/office/drawing/2010/main" xmlns:m="http://schemas.openxmlformats.org/officeDocument/2006/math" xmlns="" val="1"/>
+              <ma14:wrappingTextBoxFlag xmlns="" xmlns:m="http://schemas.openxmlformats.org/officeDocument/2006/math" xmlns:a14="http://schemas.microsoft.com/office/drawing/2010/main" xmlns:ma14="http://schemas.microsoft.com/office/mac/drawingml/2011/main" val="1"/>
             </a:ext>
           </a:extLst>
         </p:spPr>
@@ -11159,7 +11146,7 @@
           </a:ln>
           <a:extLst>
             <a:ext uri="{C572A759-6A51-4108-AA02-DFA0A04FC94B}">
-              <ma14:wrappingTextBoxFlag xmlns:ma14="http://schemas.microsoft.com/office/mac/drawingml/2011/main" xmlns:a14="http://schemas.microsoft.com/office/drawing/2010/main" xmlns:m="http://schemas.openxmlformats.org/officeDocument/2006/math" xmlns="" val="1"/>
+              <ma14:wrappingTextBoxFlag xmlns="" xmlns:m="http://schemas.openxmlformats.org/officeDocument/2006/math" xmlns:a14="http://schemas.microsoft.com/office/drawing/2010/main" xmlns:ma14="http://schemas.microsoft.com/office/mac/drawingml/2011/main" val="1"/>
             </a:ext>
           </a:extLst>
         </p:spPr>
@@ -11206,7 +11193,7 @@
           </a:ln>
           <a:extLst>
             <a:ext uri="{C572A759-6A51-4108-AA02-DFA0A04FC94B}">
-              <ma14:wrappingTextBoxFlag xmlns:ma14="http://schemas.microsoft.com/office/mac/drawingml/2011/main" xmlns:a14="http://schemas.microsoft.com/office/drawing/2010/main" xmlns:m="http://schemas.openxmlformats.org/officeDocument/2006/math" xmlns="" val="1"/>
+              <ma14:wrappingTextBoxFlag xmlns="" xmlns:m="http://schemas.openxmlformats.org/officeDocument/2006/math" xmlns:a14="http://schemas.microsoft.com/office/drawing/2010/main" xmlns:ma14="http://schemas.microsoft.com/office/mac/drawingml/2011/main" val="1"/>
             </a:ext>
           </a:extLst>
         </p:spPr>
@@ -11259,7 +11246,7 @@
           </a:ln>
           <a:extLst>
             <a:ext uri="{C572A759-6A51-4108-AA02-DFA0A04FC94B}">
-              <ma14:wrappingTextBoxFlag xmlns:ma14="http://schemas.microsoft.com/office/mac/drawingml/2011/main" xmlns:a14="http://schemas.microsoft.com/office/drawing/2010/main" xmlns:m="http://schemas.openxmlformats.org/officeDocument/2006/math" xmlns="" val="1"/>
+              <ma14:wrappingTextBoxFlag xmlns="" xmlns:m="http://schemas.openxmlformats.org/officeDocument/2006/math" xmlns:a14="http://schemas.microsoft.com/office/drawing/2010/main" xmlns:ma14="http://schemas.microsoft.com/office/mac/drawingml/2011/main" val="1"/>
             </a:ext>
           </a:extLst>
         </p:spPr>
@@ -11312,7 +11299,7 @@
           </a:ln>
           <a:extLst>
             <a:ext uri="{C572A759-6A51-4108-AA02-DFA0A04FC94B}">
-              <ma14:wrappingTextBoxFlag xmlns:ma14="http://schemas.microsoft.com/office/mac/drawingml/2011/main" xmlns:a14="http://schemas.microsoft.com/office/drawing/2010/main" xmlns:m="http://schemas.openxmlformats.org/officeDocument/2006/math" xmlns="" val="1"/>
+              <ma14:wrappingTextBoxFlag xmlns="" xmlns:m="http://schemas.openxmlformats.org/officeDocument/2006/math" xmlns:a14="http://schemas.microsoft.com/office/drawing/2010/main" xmlns:ma14="http://schemas.microsoft.com/office/mac/drawingml/2011/main" val="1"/>
             </a:ext>
           </a:extLst>
         </p:spPr>
@@ -12070,39 +12057,21 @@
                                   </p:childTnLst>
                                 </p:cTn>
                               </p:par>
-                            </p:childTnLst>
-                          </p:cTn>
-                        </p:par>
-                      </p:childTnLst>
-                    </p:cTn>
-                  </p:par>
-                  <p:par>
-                    <p:cTn id="7" fill="hold">
-                      <p:stCondLst>
-                        <p:cond delay="indefinite"/>
-                      </p:stCondLst>
-                      <p:childTnLst>
-                        <p:par>
-                          <p:cTn id="8" fill="hold">
-                            <p:stCondLst>
-                              <p:cond delay="0"/>
-                            </p:stCondLst>
-                            <p:childTnLst>
                               <p:par>
-                                <p:cTn id="9" presetID="1" presetClass="entr" presetSubtype="0" fill="hold" grpId="0" nodeType="clickEffect">
+                                <p:cTn id="7" presetID="1" presetClass="entr" presetSubtype="0" fill="hold" grpId="0" nodeType="withEffect">
                                   <p:stCondLst>
                                     <p:cond delay="0"/>
                                   </p:stCondLst>
                                   <p:childTnLst>
                                     <p:set>
                                       <p:cBhvr>
-                                        <p:cTn id="10" dur="1" fill="hold">
+                                        <p:cTn id="8" dur="1" fill="hold">
                                           <p:stCondLst>
                                             <p:cond delay="0"/>
                                           </p:stCondLst>
                                         </p:cTn>
                                         <p:tgtEl>
-                                          <p:spTgt spid="122"/>
+                                          <p:spTgt spid="14"/>
                                         </p:tgtEl>
                                         <p:attrNameLst>
                                           <p:attrName>style.visibility</p:attrName>
@@ -12122,19 +12091,46 @@
                     </p:cTn>
                   </p:par>
                   <p:par>
-                    <p:cTn id="11" fill="hold">
+                    <p:cTn id="9" fill="hold">
                       <p:stCondLst>
                         <p:cond delay="indefinite"/>
                       </p:stCondLst>
                       <p:childTnLst>
                         <p:par>
-                          <p:cTn id="12" fill="hold">
+                          <p:cTn id="10" fill="hold">
                             <p:stCondLst>
                               <p:cond delay="0"/>
                             </p:stCondLst>
                             <p:childTnLst>
                               <p:par>
-                                <p:cTn id="13" presetID="1" presetClass="entr" presetSubtype="0" fill="hold" grpId="0" nodeType="clickEffect">
+                                <p:cTn id="11" presetID="1" presetClass="entr" presetSubtype="0" fill="hold" grpId="0" nodeType="clickEffect">
+                                  <p:stCondLst>
+                                    <p:cond delay="0"/>
+                                  </p:stCondLst>
+                                  <p:childTnLst>
+                                    <p:set>
+                                      <p:cBhvr>
+                                        <p:cTn id="12" dur="1" fill="hold">
+                                          <p:stCondLst>
+                                            <p:cond delay="0"/>
+                                          </p:stCondLst>
+                                        </p:cTn>
+                                        <p:tgtEl>
+                                          <p:spTgt spid="122"/>
+                                        </p:tgtEl>
+                                        <p:attrNameLst>
+                                          <p:attrName>style.visibility</p:attrName>
+                                        </p:attrNameLst>
+                                      </p:cBhvr>
+                                      <p:to>
+                                        <p:strVal val="visible"/>
+                                      </p:to>
+                                    </p:set>
+                                  </p:childTnLst>
+                                </p:cTn>
+                              </p:par>
+                              <p:par>
+                                <p:cTn id="13" presetID="1" presetClass="entr" presetSubtype="0" fill="hold" grpId="0" nodeType="withEffect">
                                   <p:stCondLst>
                                     <p:cond delay="0"/>
                                   </p:stCondLst>
@@ -12147,7 +12143,7 @@
                                           </p:stCondLst>
                                         </p:cTn>
                                         <p:tgtEl>
-                                          <p:spTgt spid="123"/>
+                                          <p:spTgt spid="18"/>
                                         </p:tgtEl>
                                         <p:attrNameLst>
                                           <p:attrName>style.visibility</p:attrName>
@@ -12192,7 +12188,7 @@
                                           </p:stCondLst>
                                         </p:cTn>
                                         <p:tgtEl>
-                                          <p:spTgt spid="10"/>
+                                          <p:spTgt spid="123"/>
                                         </p:tgtEl>
                                         <p:attrNameLst>
                                           <p:attrName>style.visibility</p:attrName>
@@ -12205,123 +12201,15 @@
                                   </p:childTnLst>
                                 </p:cTn>
                               </p:par>
-                            </p:childTnLst>
-                          </p:cTn>
-                        </p:par>
-                      </p:childTnLst>
-                    </p:cTn>
-                  </p:par>
-                  <p:par>
-                    <p:cTn id="19" fill="hold">
-                      <p:stCondLst>
-                        <p:cond delay="indefinite"/>
-                      </p:stCondLst>
-                      <p:childTnLst>
-                        <p:par>
-                          <p:cTn id="20" fill="hold">
-                            <p:stCondLst>
-                              <p:cond delay="0"/>
-                            </p:stCondLst>
-                            <p:childTnLst>
                               <p:par>
-                                <p:cTn id="21" presetID="1" presetClass="entr" presetSubtype="0" fill="hold" grpId="0" nodeType="clickEffect">
+                                <p:cTn id="19" presetID="1" presetClass="entr" presetSubtype="0" fill="hold" grpId="0" nodeType="withEffect">
                                   <p:stCondLst>
                                     <p:cond delay="0"/>
                                   </p:stCondLst>
                                   <p:childTnLst>
                                     <p:set>
                                       <p:cBhvr>
-                                        <p:cTn id="22" dur="1" fill="hold">
-                                          <p:stCondLst>
-                                            <p:cond delay="0"/>
-                                          </p:stCondLst>
-                                        </p:cTn>
-                                        <p:tgtEl>
-                                          <p:spTgt spid="14"/>
-                                        </p:tgtEl>
-                                        <p:attrNameLst>
-                                          <p:attrName>style.visibility</p:attrName>
-                                        </p:attrNameLst>
-                                      </p:cBhvr>
-                                      <p:to>
-                                        <p:strVal val="visible"/>
-                                      </p:to>
-                                    </p:set>
-                                  </p:childTnLst>
-                                </p:cTn>
-                              </p:par>
-                            </p:childTnLst>
-                          </p:cTn>
-                        </p:par>
-                      </p:childTnLst>
-                    </p:cTn>
-                  </p:par>
-                  <p:par>
-                    <p:cTn id="23" fill="hold">
-                      <p:stCondLst>
-                        <p:cond delay="indefinite"/>
-                      </p:stCondLst>
-                      <p:childTnLst>
-                        <p:par>
-                          <p:cTn id="24" fill="hold">
-                            <p:stCondLst>
-                              <p:cond delay="0"/>
-                            </p:stCondLst>
-                            <p:childTnLst>
-                              <p:par>
-                                <p:cTn id="25" presetID="1" presetClass="entr" presetSubtype="0" fill="hold" grpId="0" nodeType="clickEffect">
-                                  <p:stCondLst>
-                                    <p:cond delay="0"/>
-                                  </p:stCondLst>
-                                  <p:childTnLst>
-                                    <p:set>
-                                      <p:cBhvr>
-                                        <p:cTn id="26" dur="1" fill="hold">
-                                          <p:stCondLst>
-                                            <p:cond delay="0"/>
-                                          </p:stCondLst>
-                                        </p:cTn>
-                                        <p:tgtEl>
-                                          <p:spTgt spid="18"/>
-                                        </p:tgtEl>
-                                        <p:attrNameLst>
-                                          <p:attrName>style.visibility</p:attrName>
-                                        </p:attrNameLst>
-                                      </p:cBhvr>
-                                      <p:to>
-                                        <p:strVal val="visible"/>
-                                      </p:to>
-                                    </p:set>
-                                  </p:childTnLst>
-                                </p:cTn>
-                              </p:par>
-                            </p:childTnLst>
-                          </p:cTn>
-                        </p:par>
-                      </p:childTnLst>
-                    </p:cTn>
-                  </p:par>
-                  <p:par>
-                    <p:cTn id="27" fill="hold">
-                      <p:stCondLst>
-                        <p:cond delay="indefinite"/>
-                      </p:stCondLst>
-                      <p:childTnLst>
-                        <p:par>
-                          <p:cTn id="28" fill="hold">
-                            <p:stCondLst>
-                              <p:cond delay="0"/>
-                            </p:stCondLst>
-                            <p:childTnLst>
-                              <p:par>
-                                <p:cTn id="29" presetID="1" presetClass="entr" presetSubtype="0" fill="hold" grpId="0" nodeType="clickEffect">
-                                  <p:stCondLst>
-                                    <p:cond delay="0"/>
-                                  </p:stCondLst>
-                                  <p:childTnLst>
-                                    <p:set>
-                                      <p:cBhvr>
-                                        <p:cTn id="30" dur="1" fill="hold">
+                                        <p:cTn id="20" dur="1" fill="hold">
                                           <p:stCondLst>
                                             <p:cond delay="0"/>
                                           </p:stCondLst>
@@ -12347,26 +12235,53 @@
                     </p:cTn>
                   </p:par>
                   <p:par>
-                    <p:cTn id="31" fill="hold">
+                    <p:cTn id="21" fill="hold">
                       <p:stCondLst>
                         <p:cond delay="indefinite"/>
                       </p:stCondLst>
                       <p:childTnLst>
                         <p:par>
-                          <p:cTn id="32" fill="hold">
+                          <p:cTn id="22" fill="hold">
                             <p:stCondLst>
                               <p:cond delay="0"/>
                             </p:stCondLst>
                             <p:childTnLst>
                               <p:par>
-                                <p:cTn id="33" presetID="1" presetClass="entr" presetSubtype="0" fill="hold" grpId="0" nodeType="clickEffect">
+                                <p:cTn id="23" presetID="1" presetClass="entr" presetSubtype="0" fill="hold" grpId="0" nodeType="clickEffect">
                                   <p:stCondLst>
                                     <p:cond delay="0"/>
                                   </p:stCondLst>
                                   <p:childTnLst>
                                     <p:set>
                                       <p:cBhvr>
-                                        <p:cTn id="34" dur="1" fill="hold">
+                                        <p:cTn id="24" dur="1" fill="hold">
+                                          <p:stCondLst>
+                                            <p:cond delay="0"/>
+                                          </p:stCondLst>
+                                        </p:cTn>
+                                        <p:tgtEl>
+                                          <p:spTgt spid="10"/>
+                                        </p:tgtEl>
+                                        <p:attrNameLst>
+                                          <p:attrName>style.visibility</p:attrName>
+                                        </p:attrNameLst>
+                                      </p:cBhvr>
+                                      <p:to>
+                                        <p:strVal val="visible"/>
+                                      </p:to>
+                                    </p:set>
+                                  </p:childTnLst>
+                                </p:cTn>
+                              </p:par>
+                              <p:par>
+                                <p:cTn id="25" presetID="1" presetClass="entr" presetSubtype="0" fill="hold" grpId="0" nodeType="withEffect">
+                                  <p:stCondLst>
+                                    <p:cond delay="0"/>
+                                  </p:stCondLst>
+                                  <p:childTnLst>
+                                    <p:set>
+                                      <p:cBhvr>
+                                        <p:cTn id="26" dur="1" fill="hold">
                                           <p:stCondLst>
                                             <p:cond delay="0"/>
                                           </p:stCondLst>
@@ -12462,7 +12377,7 @@
           </a:ln>
           <a:extLst>
             <a:ext uri="{C572A759-6A51-4108-AA02-DFA0A04FC94B}">
-              <ma14:wrappingTextBoxFlag xmlns:ma14="http://schemas.microsoft.com/office/mac/drawingml/2011/main" xmlns:a14="http://schemas.microsoft.com/office/drawing/2010/main" xmlns:m="http://schemas.openxmlformats.org/officeDocument/2006/math" xmlns="" val="1"/>
+              <ma14:wrappingTextBoxFlag xmlns="" xmlns:m="http://schemas.openxmlformats.org/officeDocument/2006/math" xmlns:a14="http://schemas.microsoft.com/office/drawing/2010/main" xmlns:ma14="http://schemas.microsoft.com/office/mac/drawingml/2011/main" val="1"/>
             </a:ext>
           </a:extLst>
         </p:spPr>
@@ -12533,7 +12448,7 @@
           </a:ln>
           <a:extLst>
             <a:ext uri="{C572A759-6A51-4108-AA02-DFA0A04FC94B}">
-              <ma14:wrappingTextBoxFlag xmlns:ma14="http://schemas.microsoft.com/office/mac/drawingml/2011/main" xmlns:a14="http://schemas.microsoft.com/office/drawing/2010/main" xmlns:m="http://schemas.openxmlformats.org/officeDocument/2006/math" xmlns="" val="1"/>
+              <ma14:wrappingTextBoxFlag xmlns="" xmlns:m="http://schemas.openxmlformats.org/officeDocument/2006/math" xmlns:a14="http://schemas.microsoft.com/office/drawing/2010/main" xmlns:ma14="http://schemas.microsoft.com/office/mac/drawingml/2011/main" val="1"/>
             </a:ext>
           </a:extLst>
         </p:spPr>
@@ -12579,7 +12494,7 @@
           </a:ln>
           <a:extLst>
             <a:ext uri="{C572A759-6A51-4108-AA02-DFA0A04FC94B}">
-              <ma14:wrappingTextBoxFlag xmlns:ma14="http://schemas.microsoft.com/office/mac/drawingml/2011/main" xmlns:a14="http://schemas.microsoft.com/office/drawing/2010/main" xmlns:m="http://schemas.openxmlformats.org/officeDocument/2006/math" xmlns="" val="1"/>
+              <ma14:wrappingTextBoxFlag xmlns="" xmlns:m="http://schemas.openxmlformats.org/officeDocument/2006/math" xmlns:a14="http://schemas.microsoft.com/office/drawing/2010/main" xmlns:ma14="http://schemas.microsoft.com/office/mac/drawingml/2011/main" val="1"/>
             </a:ext>
           </a:extLst>
         </p:spPr>
@@ -12626,7 +12541,7 @@
           </a:ln>
           <a:extLst>
             <a:ext uri="{C572A759-6A51-4108-AA02-DFA0A04FC94B}">
-              <ma14:wrappingTextBoxFlag xmlns:ma14="http://schemas.microsoft.com/office/mac/drawingml/2011/main" xmlns:a14="http://schemas.microsoft.com/office/drawing/2010/main" xmlns:m="http://schemas.openxmlformats.org/officeDocument/2006/math" xmlns="" val="1"/>
+              <ma14:wrappingTextBoxFlag xmlns="" xmlns:m="http://schemas.openxmlformats.org/officeDocument/2006/math" xmlns:a14="http://schemas.microsoft.com/office/drawing/2010/main" xmlns:ma14="http://schemas.microsoft.com/office/mac/drawingml/2011/main" val="1"/>
             </a:ext>
           </a:extLst>
         </p:spPr>
@@ -12679,7 +12594,7 @@
           </a:ln>
           <a:extLst>
             <a:ext uri="{C572A759-6A51-4108-AA02-DFA0A04FC94B}">
-              <ma14:wrappingTextBoxFlag xmlns:ma14="http://schemas.microsoft.com/office/mac/drawingml/2011/main" xmlns:a14="http://schemas.microsoft.com/office/drawing/2010/main" xmlns:m="http://schemas.openxmlformats.org/officeDocument/2006/math" xmlns="" val="1"/>
+              <ma14:wrappingTextBoxFlag xmlns="" xmlns:m="http://schemas.openxmlformats.org/officeDocument/2006/math" xmlns:a14="http://schemas.microsoft.com/office/drawing/2010/main" xmlns:ma14="http://schemas.microsoft.com/office/mac/drawingml/2011/main" val="1"/>
             </a:ext>
           </a:extLst>
         </p:spPr>
@@ -12732,7 +12647,7 @@
           </a:ln>
           <a:extLst>
             <a:ext uri="{C572A759-6A51-4108-AA02-DFA0A04FC94B}">
-              <ma14:wrappingTextBoxFlag xmlns:ma14="http://schemas.microsoft.com/office/mac/drawingml/2011/main" xmlns:a14="http://schemas.microsoft.com/office/drawing/2010/main" xmlns:m="http://schemas.openxmlformats.org/officeDocument/2006/math" xmlns="" val="1"/>
+              <ma14:wrappingTextBoxFlag xmlns="" xmlns:m="http://schemas.openxmlformats.org/officeDocument/2006/math" xmlns:a14="http://schemas.microsoft.com/office/drawing/2010/main" xmlns:ma14="http://schemas.microsoft.com/office/mac/drawingml/2011/main" val="1"/>
             </a:ext>
           </a:extLst>
         </p:spPr>
@@ -13188,26 +13103,35 @@
                                   </p:childTnLst>
                                 </p:cTn>
                               </p:par>
-                            </p:childTnLst>
-                          </p:cTn>
-                        </p:par>
-                      </p:childTnLst>
-                    </p:cTn>
-                  </p:par>
-                  <p:par>
-                    <p:cTn id="7" fill="hold">
-                      <p:stCondLst>
-                        <p:cond delay="indefinite"/>
-                      </p:stCondLst>
-                      <p:childTnLst>
-                        <p:par>
-                          <p:cTn id="8" fill="hold">
-                            <p:stCondLst>
-                              <p:cond delay="0"/>
-                            </p:stCondLst>
-                            <p:childTnLst>
                               <p:par>
-                                <p:cTn id="9" presetID="1" presetClass="entr" presetSubtype="0" fill="hold" grpId="0" nodeType="clickEffect">
+                                <p:cTn id="7" presetID="1" presetClass="entr" presetSubtype="0" fill="hold" grpId="0" nodeType="withEffect">
+                                  <p:stCondLst>
+                                    <p:cond delay="0"/>
+                                  </p:stCondLst>
+                                  <p:childTnLst>
+                                    <p:set>
+                                      <p:cBhvr>
+                                        <p:cTn id="8" dur="1" fill="hold">
+                                          <p:stCondLst>
+                                            <p:cond delay="0"/>
+                                          </p:stCondLst>
+                                        </p:cTn>
+                                        <p:tgtEl>
+                                          <p:spTgt spid="122"/>
+                                        </p:tgtEl>
+                                        <p:attrNameLst>
+                                          <p:attrName>style.visibility</p:attrName>
+                                        </p:attrNameLst>
+                                      </p:cBhvr>
+                                      <p:to>
+                                        <p:strVal val="visible"/>
+                                      </p:to>
+                                    </p:set>
+                                  </p:childTnLst>
+                                </p:cTn>
+                              </p:par>
+                              <p:par>
+                                <p:cTn id="9" presetID="1" presetClass="entr" presetSubtype="0" fill="hold" grpId="0" nodeType="withEffect">
                                   <p:stCondLst>
                                     <p:cond delay="0"/>
                                   </p:stCondLst>
@@ -13220,7 +13144,7 @@
                                           </p:stCondLst>
                                         </p:cTn>
                                         <p:tgtEl>
-                                          <p:spTgt spid="122"/>
+                                          <p:spTgt spid="14"/>
                                         </p:tgtEl>
                                         <p:attrNameLst>
                                           <p:attrName>style.visibility</p:attrName>
@@ -13278,33 +13202,15 @@
                                   </p:childTnLst>
                                 </p:cTn>
                               </p:par>
-                            </p:childTnLst>
-                          </p:cTn>
-                        </p:par>
-                      </p:childTnLst>
-                    </p:cTn>
-                  </p:par>
-                  <p:par>
-                    <p:cTn id="15" fill="hold">
-                      <p:stCondLst>
-                        <p:cond delay="indefinite"/>
-                      </p:stCondLst>
-                      <p:childTnLst>
-                        <p:par>
-                          <p:cTn id="16" fill="hold">
-                            <p:stCondLst>
-                              <p:cond delay="0"/>
-                            </p:stCondLst>
-                            <p:childTnLst>
                               <p:par>
-                                <p:cTn id="17" presetID="1" presetClass="entr" presetSubtype="0" fill="hold" grpId="0" nodeType="clickEffect">
+                                <p:cTn id="15" presetID="1" presetClass="entr" presetSubtype="0" fill="hold" grpId="0" nodeType="withEffect">
                                   <p:stCondLst>
                                     <p:cond delay="0"/>
                                   </p:stCondLst>
                                   <p:childTnLst>
                                     <p:set>
                                       <p:cBhvr>
-                                        <p:cTn id="18" dur="1" fill="hold">
+                                        <p:cTn id="16" dur="1" fill="hold">
                                           <p:stCondLst>
                                             <p:cond delay="0"/>
                                           </p:stCondLst>
@@ -13323,78 +13229,15 @@
                                   </p:childTnLst>
                                 </p:cTn>
                               </p:par>
-                            </p:childTnLst>
-                          </p:cTn>
-                        </p:par>
-                      </p:childTnLst>
-                    </p:cTn>
-                  </p:par>
-                  <p:par>
-                    <p:cTn id="19" fill="hold">
-                      <p:stCondLst>
-                        <p:cond delay="indefinite"/>
-                      </p:stCondLst>
-                      <p:childTnLst>
-                        <p:par>
-                          <p:cTn id="20" fill="hold">
-                            <p:stCondLst>
-                              <p:cond delay="0"/>
-                            </p:stCondLst>
-                            <p:childTnLst>
                               <p:par>
-                                <p:cTn id="21" presetID="1" presetClass="entr" presetSubtype="0" fill="hold" grpId="0" nodeType="clickEffect">
+                                <p:cTn id="17" presetID="1" presetClass="entr" presetSubtype="0" fill="hold" grpId="0" nodeType="withEffect">
                                   <p:stCondLst>
                                     <p:cond delay="0"/>
                                   </p:stCondLst>
                                   <p:childTnLst>
                                     <p:set>
                                       <p:cBhvr>
-                                        <p:cTn id="22" dur="1" fill="hold">
-                                          <p:stCondLst>
-                                            <p:cond delay="0"/>
-                                          </p:stCondLst>
-                                        </p:cTn>
-                                        <p:tgtEl>
-                                          <p:spTgt spid="14"/>
-                                        </p:tgtEl>
-                                        <p:attrNameLst>
-                                          <p:attrName>style.visibility</p:attrName>
-                                        </p:attrNameLst>
-                                      </p:cBhvr>
-                                      <p:to>
-                                        <p:strVal val="visible"/>
-                                      </p:to>
-                                    </p:set>
-                                  </p:childTnLst>
-                                </p:cTn>
-                              </p:par>
-                            </p:childTnLst>
-                          </p:cTn>
-                        </p:par>
-                      </p:childTnLst>
-                    </p:cTn>
-                  </p:par>
-                  <p:par>
-                    <p:cTn id="23" fill="hold">
-                      <p:stCondLst>
-                        <p:cond delay="indefinite"/>
-                      </p:stCondLst>
-                      <p:childTnLst>
-                        <p:par>
-                          <p:cTn id="24" fill="hold">
-                            <p:stCondLst>
-                              <p:cond delay="0"/>
-                            </p:stCondLst>
-                            <p:childTnLst>
-                              <p:par>
-                                <p:cTn id="25" presetID="1" presetClass="entr" presetSubtype="0" fill="hold" grpId="0" nodeType="clickEffect">
-                                  <p:stCondLst>
-                                    <p:cond delay="0"/>
-                                  </p:stCondLst>
-                                  <p:childTnLst>
-                                    <p:set>
-                                      <p:cBhvr>
-                                        <p:cTn id="26" dur="1" fill="hold">
+                                        <p:cTn id="18" dur="1" fill="hold">
                                           <p:stCondLst>
                                             <p:cond delay="0"/>
                                           </p:stCondLst>
@@ -13488,7 +13331,7 @@
           </a:ln>
           <a:extLst>
             <a:ext uri="{C572A759-6A51-4108-AA02-DFA0A04FC94B}">
-              <ma14:wrappingTextBoxFlag xmlns:ma14="http://schemas.microsoft.com/office/mac/drawingml/2011/main" xmlns:a14="http://schemas.microsoft.com/office/drawing/2010/main" xmlns:m="http://schemas.openxmlformats.org/officeDocument/2006/math" xmlns="" val="1"/>
+              <ma14:wrappingTextBoxFlag xmlns="" xmlns:m="http://schemas.openxmlformats.org/officeDocument/2006/math" xmlns:a14="http://schemas.microsoft.com/office/drawing/2010/main" xmlns:ma14="http://schemas.microsoft.com/office/mac/drawingml/2011/main" val="1"/>
             </a:ext>
           </a:extLst>
         </p:spPr>
@@ -13559,7 +13402,7 @@
           </a:ln>
           <a:extLst>
             <a:ext uri="{C572A759-6A51-4108-AA02-DFA0A04FC94B}">
-              <ma14:wrappingTextBoxFlag xmlns:ma14="http://schemas.microsoft.com/office/mac/drawingml/2011/main" xmlns:a14="http://schemas.microsoft.com/office/drawing/2010/main" xmlns:m="http://schemas.openxmlformats.org/officeDocument/2006/math" xmlns="" val="1"/>
+              <ma14:wrappingTextBoxFlag xmlns="" xmlns:m="http://schemas.openxmlformats.org/officeDocument/2006/math" xmlns:a14="http://schemas.microsoft.com/office/drawing/2010/main" xmlns:ma14="http://schemas.microsoft.com/office/mac/drawingml/2011/main" val="1"/>
             </a:ext>
           </a:extLst>
         </p:spPr>
@@ -13605,7 +13448,7 @@
           </a:ln>
           <a:extLst>
             <a:ext uri="{C572A759-6A51-4108-AA02-DFA0A04FC94B}">
-              <ma14:wrappingTextBoxFlag xmlns:ma14="http://schemas.microsoft.com/office/mac/drawingml/2011/main" xmlns:a14="http://schemas.microsoft.com/office/drawing/2010/main" xmlns:m="http://schemas.openxmlformats.org/officeDocument/2006/math" xmlns="" val="1"/>
+              <ma14:wrappingTextBoxFlag xmlns="" xmlns:m="http://schemas.openxmlformats.org/officeDocument/2006/math" xmlns:a14="http://schemas.microsoft.com/office/drawing/2010/main" xmlns:ma14="http://schemas.microsoft.com/office/mac/drawingml/2011/main" val="1"/>
             </a:ext>
           </a:extLst>
         </p:spPr>
@@ -13641,8 +13484,8 @@
         </p:nvSpPr>
         <p:spPr>
           <a:xfrm>
-            <a:off x="1528824" y="6799298"/>
-            <a:ext cx="4013919" cy="641201"/>
+            <a:off x="1528823" y="6799298"/>
+            <a:ext cx="8995741" cy="641201"/>
           </a:xfrm>
           <a:prstGeom prst="rect">
             <a:avLst/>
@@ -13652,18 +13495,19 @@
           </a:ln>
           <a:extLst>
             <a:ext uri="{C572A759-6A51-4108-AA02-DFA0A04FC94B}">
-              <ma14:wrappingTextBoxFlag xmlns:ma14="http://schemas.microsoft.com/office/mac/drawingml/2011/main" xmlns:a14="http://schemas.microsoft.com/office/drawing/2010/main" xmlns:m="http://schemas.openxmlformats.org/officeDocument/2006/math" xmlns="" val="1"/>
+              <ma14:wrappingTextBoxFlag xmlns="" xmlns:m="http://schemas.openxmlformats.org/officeDocument/2006/math" xmlns:a14="http://schemas.microsoft.com/office/drawing/2010/main" xmlns:ma14="http://schemas.microsoft.com/office/mac/drawingml/2011/main" val="1"/>
             </a:ext>
           </a:extLst>
         </p:spPr>
         <p:txBody>
-          <a:bodyPr wrap="none" lIns="50800" tIns="50800" rIns="50800" bIns="50800" anchor="ctr">
+          <a:bodyPr wrap="square" lIns="50800" tIns="50800" rIns="50800" bIns="50800" anchor="ctr">
             <a:spAutoFit/>
           </a:bodyPr>
           <a:lstStyle/>
           <a:p>
             <a:pPr marL="762000" lvl="3" indent="-381000" algn="l">
               <a:buSzPct val="100000"/>
+              <a:buFontTx/>
               <a:buChar char="-"/>
               <a:defRPr sz="3500" b="0">
                 <a:latin typeface="Helvetica Neue Light"/>
@@ -13674,9 +13518,8 @@
             </a:pPr>
             <a:r>
               <a:rPr lang="zh-CN" altLang="en-US" dirty="0"/>
-              <a:t>否则，不再向上</a:t>
-            </a:r>
-            <a:endParaRPr dirty="0"/>
+              <a:t>否则，不再向上，连接左右子节点</a:t>
+            </a:r>
           </a:p>
         </p:txBody>
       </p:sp>
@@ -13695,7 +13538,7 @@
         <p:spPr>
           <a:xfrm>
             <a:off x="1524755" y="7624190"/>
-            <a:ext cx="4013919" cy="641201"/>
+            <a:ext cx="872034" cy="641201"/>
           </a:xfrm>
           <a:prstGeom prst="rect">
             <a:avLst/>
@@ -13705,7 +13548,7 @@
           </a:ln>
           <a:extLst>
             <a:ext uri="{C572A759-6A51-4108-AA02-DFA0A04FC94B}">
-              <ma14:wrappingTextBoxFlag xmlns:ma14="http://schemas.microsoft.com/office/mac/drawingml/2011/main" xmlns:a14="http://schemas.microsoft.com/office/drawing/2010/main" xmlns:m="http://schemas.openxmlformats.org/officeDocument/2006/math" xmlns="" val="1"/>
+              <ma14:wrappingTextBoxFlag xmlns="" xmlns:m="http://schemas.openxmlformats.org/officeDocument/2006/math" xmlns:a14="http://schemas.microsoft.com/office/drawing/2010/main" xmlns:ma14="http://schemas.microsoft.com/office/mac/drawingml/2011/main" val="1"/>
             </a:ext>
           </a:extLst>
         </p:spPr>
@@ -13725,10 +13568,6 @@
                 <a:sym typeface="Helvetica Neue Light"/>
               </a:defRPr>
             </a:pPr>
-            <a:r>
-              <a:rPr lang="zh-CN" altLang="en-US" dirty="0"/>
-              <a:t>连接左右子节点</a:t>
-            </a:r>
             <a:endParaRPr dirty="0"/>
           </a:p>
         </p:txBody>
@@ -13758,7 +13597,7 @@
           </a:ln>
           <a:extLst>
             <a:ext uri="{C572A759-6A51-4108-AA02-DFA0A04FC94B}">
-              <ma14:wrappingTextBoxFlag xmlns:ma14="http://schemas.microsoft.com/office/mac/drawingml/2011/main" xmlns:a14="http://schemas.microsoft.com/office/drawing/2010/main" xmlns:m="http://schemas.openxmlformats.org/officeDocument/2006/math" xmlns="" val="1"/>
+              <ma14:wrappingTextBoxFlag xmlns="" xmlns:m="http://schemas.openxmlformats.org/officeDocument/2006/math" xmlns:a14="http://schemas.microsoft.com/office/drawing/2010/main" xmlns:ma14="http://schemas.microsoft.com/office/mac/drawingml/2011/main" val="1"/>
             </a:ext>
           </a:extLst>
         </p:spPr>
@@ -14662,39 +14501,21 @@
                                   </p:childTnLst>
                                 </p:cTn>
                               </p:par>
-                            </p:childTnLst>
-                          </p:cTn>
-                        </p:par>
-                      </p:childTnLst>
-                    </p:cTn>
-                  </p:par>
-                  <p:par>
-                    <p:cTn id="7" fill="hold">
-                      <p:stCondLst>
-                        <p:cond delay="indefinite"/>
-                      </p:stCondLst>
-                      <p:childTnLst>
-                        <p:par>
-                          <p:cTn id="8" fill="hold">
-                            <p:stCondLst>
-                              <p:cond delay="0"/>
-                            </p:stCondLst>
-                            <p:childTnLst>
                               <p:par>
-                                <p:cTn id="9" presetID="1" presetClass="entr" presetSubtype="0" fill="hold" grpId="0" nodeType="clickEffect">
+                                <p:cTn id="7" presetID="1" presetClass="entr" presetSubtype="0" fill="hold" grpId="0" nodeType="withEffect">
                                   <p:stCondLst>
                                     <p:cond delay="0"/>
                                   </p:stCondLst>
                                   <p:childTnLst>
                                     <p:set>
                                       <p:cBhvr>
-                                        <p:cTn id="10" dur="1" fill="hold">
+                                        <p:cTn id="8" dur="1" fill="hold">
                                           <p:stCondLst>
                                             <p:cond delay="0"/>
                                           </p:stCondLst>
                                         </p:cTn>
                                         <p:tgtEl>
-                                          <p:spTgt spid="122"/>
+                                          <p:spTgt spid="14"/>
                                         </p:tgtEl>
                                         <p:attrNameLst>
                                           <p:attrName>style.visibility</p:attrName>
@@ -14714,19 +14535,46 @@
                     </p:cTn>
                   </p:par>
                   <p:par>
-                    <p:cTn id="11" fill="hold">
+                    <p:cTn id="9" fill="hold">
                       <p:stCondLst>
                         <p:cond delay="indefinite"/>
                       </p:stCondLst>
                       <p:childTnLst>
                         <p:par>
-                          <p:cTn id="12" fill="hold">
+                          <p:cTn id="10" fill="hold">
                             <p:stCondLst>
                               <p:cond delay="0"/>
                             </p:stCondLst>
                             <p:childTnLst>
                               <p:par>
-                                <p:cTn id="13" presetID="1" presetClass="entr" presetSubtype="0" fill="hold" grpId="0" nodeType="clickEffect">
+                                <p:cTn id="11" presetID="1" presetClass="entr" presetSubtype="0" fill="hold" grpId="0" nodeType="clickEffect">
+                                  <p:stCondLst>
+                                    <p:cond delay="0"/>
+                                  </p:stCondLst>
+                                  <p:childTnLst>
+                                    <p:set>
+                                      <p:cBhvr>
+                                        <p:cTn id="12" dur="1" fill="hold">
+                                          <p:stCondLst>
+                                            <p:cond delay="0"/>
+                                          </p:stCondLst>
+                                        </p:cTn>
+                                        <p:tgtEl>
+                                          <p:spTgt spid="122"/>
+                                        </p:tgtEl>
+                                        <p:attrNameLst>
+                                          <p:attrName>style.visibility</p:attrName>
+                                        </p:attrNameLst>
+                                      </p:cBhvr>
+                                      <p:to>
+                                        <p:strVal val="visible"/>
+                                      </p:to>
+                                    </p:set>
+                                  </p:childTnLst>
+                                </p:cTn>
+                              </p:par>
+                              <p:par>
+                                <p:cTn id="13" presetID="1" presetClass="entr" presetSubtype="0" fill="hold" grpId="0" nodeType="withEffect">
                                   <p:stCondLst>
                                     <p:cond delay="0"/>
                                   </p:stCondLst>
@@ -14739,7 +14587,7 @@
                                           </p:stCondLst>
                                         </p:cTn>
                                         <p:tgtEl>
-                                          <p:spTgt spid="123"/>
+                                          <p:spTgt spid="18"/>
                                         </p:tgtEl>
                                         <p:attrNameLst>
                                           <p:attrName>style.visibility</p:attrName>
@@ -14784,7 +14632,7 @@
                                           </p:stCondLst>
                                         </p:cTn>
                                         <p:tgtEl>
-                                          <p:spTgt spid="10"/>
+                                          <p:spTgt spid="123"/>
                                         </p:tgtEl>
                                         <p:attrNameLst>
                                           <p:attrName>style.visibility</p:attrName>
@@ -14797,26 +14645,35 @@
                                   </p:childTnLst>
                                 </p:cTn>
                               </p:par>
-                            </p:childTnLst>
-                          </p:cTn>
-                        </p:par>
-                      </p:childTnLst>
-                    </p:cTn>
-                  </p:par>
-                  <p:par>
-                    <p:cTn id="19" fill="hold">
-                      <p:stCondLst>
-                        <p:cond delay="indefinite"/>
-                      </p:stCondLst>
-                      <p:childTnLst>
-                        <p:par>
-                          <p:cTn id="20" fill="hold">
-                            <p:stCondLst>
-                              <p:cond delay="0"/>
-                            </p:stCondLst>
-                            <p:childTnLst>
                               <p:par>
-                                <p:cTn id="21" presetID="1" presetClass="entr" presetSubtype="0" fill="hold" grpId="0" nodeType="clickEffect">
+                                <p:cTn id="19" presetID="1" presetClass="entr" presetSubtype="0" fill="hold" grpId="0" nodeType="withEffect">
+                                  <p:stCondLst>
+                                    <p:cond delay="0"/>
+                                  </p:stCondLst>
+                                  <p:childTnLst>
+                                    <p:set>
+                                      <p:cBhvr>
+                                        <p:cTn id="20" dur="1" fill="hold">
+                                          <p:stCondLst>
+                                            <p:cond delay="0"/>
+                                          </p:stCondLst>
+                                        </p:cTn>
+                                        <p:tgtEl>
+                                          <p:spTgt spid="13"/>
+                                        </p:tgtEl>
+                                        <p:attrNameLst>
+                                          <p:attrName>style.visibility</p:attrName>
+                                        </p:attrNameLst>
+                                      </p:cBhvr>
+                                      <p:to>
+                                        <p:strVal val="visible"/>
+                                      </p:to>
+                                    </p:set>
+                                  </p:childTnLst>
+                                </p:cTn>
+                              </p:par>
+                              <p:par>
+                                <p:cTn id="21" presetID="1" presetClass="entr" presetSubtype="0" fill="hold" grpId="0" nodeType="withEffect">
                                   <p:stCondLst>
                                     <p:cond delay="0"/>
                                   </p:stCondLst>
@@ -14829,142 +14686,7 @@
                                           </p:stCondLst>
                                         </p:cTn>
                                         <p:tgtEl>
-                                          <p:spTgt spid="14"/>
-                                        </p:tgtEl>
-                                        <p:attrNameLst>
-                                          <p:attrName>style.visibility</p:attrName>
-                                        </p:attrNameLst>
-                                      </p:cBhvr>
-                                      <p:to>
-                                        <p:strVal val="visible"/>
-                                      </p:to>
-                                    </p:set>
-                                  </p:childTnLst>
-                                </p:cTn>
-                              </p:par>
-                            </p:childTnLst>
-                          </p:cTn>
-                        </p:par>
-                      </p:childTnLst>
-                    </p:cTn>
-                  </p:par>
-                  <p:par>
-                    <p:cTn id="23" fill="hold">
-                      <p:stCondLst>
-                        <p:cond delay="indefinite"/>
-                      </p:stCondLst>
-                      <p:childTnLst>
-                        <p:par>
-                          <p:cTn id="24" fill="hold">
-                            <p:stCondLst>
-                              <p:cond delay="0"/>
-                            </p:stCondLst>
-                            <p:childTnLst>
-                              <p:par>
-                                <p:cTn id="25" presetID="1" presetClass="entr" presetSubtype="0" fill="hold" grpId="0" nodeType="clickEffect">
-                                  <p:stCondLst>
-                                    <p:cond delay="0"/>
-                                  </p:stCondLst>
-                                  <p:childTnLst>
-                                    <p:set>
-                                      <p:cBhvr>
-                                        <p:cTn id="26" dur="1" fill="hold">
-                                          <p:stCondLst>
-                                            <p:cond delay="0"/>
-                                          </p:stCondLst>
-                                        </p:cTn>
-                                        <p:tgtEl>
-                                          <p:spTgt spid="18"/>
-                                        </p:tgtEl>
-                                        <p:attrNameLst>
-                                          <p:attrName>style.visibility</p:attrName>
-                                        </p:attrNameLst>
-                                      </p:cBhvr>
-                                      <p:to>
-                                        <p:strVal val="visible"/>
-                                      </p:to>
-                                    </p:set>
-                                  </p:childTnLst>
-                                </p:cTn>
-                              </p:par>
-                            </p:childTnLst>
-                          </p:cTn>
-                        </p:par>
-                      </p:childTnLst>
-                    </p:cTn>
-                  </p:par>
-                  <p:par>
-                    <p:cTn id="27" fill="hold">
-                      <p:stCondLst>
-                        <p:cond delay="indefinite"/>
-                      </p:stCondLst>
-                      <p:childTnLst>
-                        <p:par>
-                          <p:cTn id="28" fill="hold">
-                            <p:stCondLst>
-                              <p:cond delay="0"/>
-                            </p:stCondLst>
-                            <p:childTnLst>
-                              <p:par>
-                                <p:cTn id="29" presetID="1" presetClass="entr" presetSubtype="0" fill="hold" grpId="0" nodeType="clickEffect">
-                                  <p:stCondLst>
-                                    <p:cond delay="0"/>
-                                  </p:stCondLst>
-                                  <p:childTnLst>
-                                    <p:set>
-                                      <p:cBhvr>
-                                        <p:cTn id="30" dur="1" fill="hold">
-                                          <p:stCondLst>
-                                            <p:cond delay="0"/>
-                                          </p:stCondLst>
-                                        </p:cTn>
-                                        <p:tgtEl>
                                           <p:spTgt spid="12"/>
-                                        </p:tgtEl>
-                                        <p:attrNameLst>
-                                          <p:attrName>style.visibility</p:attrName>
-                                        </p:attrNameLst>
-                                      </p:cBhvr>
-                                      <p:to>
-                                        <p:strVal val="visible"/>
-                                      </p:to>
-                                    </p:set>
-                                  </p:childTnLst>
-                                </p:cTn>
-                              </p:par>
-                            </p:childTnLst>
-                          </p:cTn>
-                        </p:par>
-                      </p:childTnLst>
-                    </p:cTn>
-                  </p:par>
-                  <p:par>
-                    <p:cTn id="31" fill="hold">
-                      <p:stCondLst>
-                        <p:cond delay="indefinite"/>
-                      </p:stCondLst>
-                      <p:childTnLst>
-                        <p:par>
-                          <p:cTn id="32" fill="hold">
-                            <p:stCondLst>
-                              <p:cond delay="0"/>
-                            </p:stCondLst>
-                            <p:childTnLst>
-                              <p:par>
-                                <p:cTn id="33" presetID="1" presetClass="entr" presetSubtype="0" fill="hold" grpId="0" nodeType="clickEffect">
-                                  <p:stCondLst>
-                                    <p:cond delay="0"/>
-                                  </p:stCondLst>
-                                  <p:childTnLst>
-                                    <p:set>
-                                      <p:cBhvr>
-                                        <p:cTn id="34" dur="1" fill="hold">
-                                          <p:stCondLst>
-                                            <p:cond delay="0"/>
-                                          </p:stCondLst>
-                                        </p:cTn>
-                                        <p:tgtEl>
-                                          <p:spTgt spid="13"/>
                                         </p:tgtEl>
                                         <p:attrNameLst>
                                           <p:attrName>style.visibility</p:attrName>
@@ -15007,7 +14729,6 @@
     <p:bldLst>
       <p:bldP spid="122" grpId="0" animBg="1"/>
       <p:bldP spid="123" grpId="0" animBg="1"/>
-      <p:bldP spid="10" grpId="0" animBg="1"/>
       <p:bldP spid="11" grpId="0" animBg="1"/>
       <p:bldP spid="14" grpId="0"/>
       <p:bldP spid="18" grpId="0"/>
@@ -15054,7 +14775,7 @@
           </a:ln>
           <a:extLst>
             <a:ext uri="{C572A759-6A51-4108-AA02-DFA0A04FC94B}">
-              <ma14:wrappingTextBoxFlag xmlns:ma14="http://schemas.microsoft.com/office/mac/drawingml/2011/main" xmlns:a14="http://schemas.microsoft.com/office/drawing/2010/main" xmlns:m="http://schemas.openxmlformats.org/officeDocument/2006/math" xmlns="" val="1"/>
+              <ma14:wrappingTextBoxFlag xmlns="" xmlns:m="http://schemas.openxmlformats.org/officeDocument/2006/math" xmlns:a14="http://schemas.microsoft.com/office/drawing/2010/main" xmlns:ma14="http://schemas.microsoft.com/office/mac/drawingml/2011/main" val="1"/>
             </a:ext>
           </a:extLst>
         </p:spPr>
@@ -15125,7 +14846,7 @@
           </a:ln>
           <a:extLst>
             <a:ext uri="{C572A759-6A51-4108-AA02-DFA0A04FC94B}">
-              <ma14:wrappingTextBoxFlag xmlns:ma14="http://schemas.microsoft.com/office/mac/drawingml/2011/main" xmlns:a14="http://schemas.microsoft.com/office/drawing/2010/main" xmlns:m="http://schemas.openxmlformats.org/officeDocument/2006/math" xmlns="" val="1"/>
+              <ma14:wrappingTextBoxFlag xmlns="" xmlns:m="http://schemas.openxmlformats.org/officeDocument/2006/math" xmlns:a14="http://schemas.microsoft.com/office/drawing/2010/main" xmlns:ma14="http://schemas.microsoft.com/office/mac/drawingml/2011/main" val="1"/>
             </a:ext>
           </a:extLst>
         </p:spPr>
@@ -15171,7 +14892,7 @@
           </a:ln>
           <a:extLst>
             <a:ext uri="{C572A759-6A51-4108-AA02-DFA0A04FC94B}">
-              <ma14:wrappingTextBoxFlag xmlns:ma14="http://schemas.microsoft.com/office/mac/drawingml/2011/main" xmlns:a14="http://schemas.microsoft.com/office/drawing/2010/main" xmlns:m="http://schemas.openxmlformats.org/officeDocument/2006/math" xmlns="" val="1"/>
+              <ma14:wrappingTextBoxFlag xmlns="" xmlns:m="http://schemas.openxmlformats.org/officeDocument/2006/math" xmlns:a14="http://schemas.microsoft.com/office/drawing/2010/main" xmlns:ma14="http://schemas.microsoft.com/office/mac/drawingml/2011/main" val="1"/>
             </a:ext>
           </a:extLst>
         </p:spPr>
@@ -15218,7 +14939,7 @@
           </a:ln>
           <a:extLst>
             <a:ext uri="{C572A759-6A51-4108-AA02-DFA0A04FC94B}">
-              <ma14:wrappingTextBoxFlag xmlns:ma14="http://schemas.microsoft.com/office/mac/drawingml/2011/main" xmlns:a14="http://schemas.microsoft.com/office/drawing/2010/main" xmlns:m="http://schemas.openxmlformats.org/officeDocument/2006/math" xmlns="" val="1"/>
+              <ma14:wrappingTextBoxFlag xmlns="" xmlns:m="http://schemas.openxmlformats.org/officeDocument/2006/math" xmlns:a14="http://schemas.microsoft.com/office/drawing/2010/main" xmlns:ma14="http://schemas.microsoft.com/office/mac/drawingml/2011/main" val="1"/>
             </a:ext>
           </a:extLst>
         </p:spPr>
@@ -15271,7 +14992,7 @@
           </a:ln>
           <a:extLst>
             <a:ext uri="{C572A759-6A51-4108-AA02-DFA0A04FC94B}">
-              <ma14:wrappingTextBoxFlag xmlns:ma14="http://schemas.microsoft.com/office/mac/drawingml/2011/main" xmlns:a14="http://schemas.microsoft.com/office/drawing/2010/main" xmlns:m="http://schemas.openxmlformats.org/officeDocument/2006/math" xmlns="" val="1"/>
+              <ma14:wrappingTextBoxFlag xmlns="" xmlns:m="http://schemas.openxmlformats.org/officeDocument/2006/math" xmlns:a14="http://schemas.microsoft.com/office/drawing/2010/main" xmlns:ma14="http://schemas.microsoft.com/office/mac/drawingml/2011/main" val="1"/>
             </a:ext>
           </a:extLst>
         </p:spPr>
@@ -15324,7 +15045,7 @@
           </a:ln>
           <a:extLst>
             <a:ext uri="{C572A759-6A51-4108-AA02-DFA0A04FC94B}">
-              <ma14:wrappingTextBoxFlag xmlns:ma14="http://schemas.microsoft.com/office/mac/drawingml/2011/main" xmlns:a14="http://schemas.microsoft.com/office/drawing/2010/main" xmlns:m="http://schemas.openxmlformats.org/officeDocument/2006/math" xmlns="" val="1"/>
+              <ma14:wrappingTextBoxFlag xmlns="" xmlns:m="http://schemas.openxmlformats.org/officeDocument/2006/math" xmlns:a14="http://schemas.microsoft.com/office/drawing/2010/main" xmlns:ma14="http://schemas.microsoft.com/office/mac/drawingml/2011/main" val="1"/>
             </a:ext>
           </a:extLst>
         </p:spPr>
@@ -15549,7 +15270,7 @@
           </a:ln>
           <a:extLst>
             <a:ext uri="{C572A759-6A51-4108-AA02-DFA0A04FC94B}">
-              <ma14:wrappingTextBoxFlag xmlns:ma14="http://schemas.microsoft.com/office/mac/drawingml/2011/main" xmlns:a14="http://schemas.microsoft.com/office/drawing/2010/main" xmlns:m="http://schemas.openxmlformats.org/officeDocument/2006/math" xmlns="" val="1"/>
+              <ma14:wrappingTextBoxFlag xmlns="" xmlns:m="http://schemas.openxmlformats.org/officeDocument/2006/math" xmlns:a14="http://schemas.microsoft.com/office/drawing/2010/main" xmlns:ma14="http://schemas.microsoft.com/office/mac/drawingml/2011/main" val="1"/>
             </a:ext>
           </a:extLst>
         </p:spPr>
@@ -15602,7 +15323,7 @@
           </a:ln>
           <a:extLst>
             <a:ext uri="{C572A759-6A51-4108-AA02-DFA0A04FC94B}">
-              <ma14:wrappingTextBoxFlag xmlns:ma14="http://schemas.microsoft.com/office/mac/drawingml/2011/main" xmlns:a14="http://schemas.microsoft.com/office/drawing/2010/main" xmlns:m="http://schemas.openxmlformats.org/officeDocument/2006/math" xmlns="" val="1"/>
+              <ma14:wrappingTextBoxFlag xmlns="" xmlns:m="http://schemas.openxmlformats.org/officeDocument/2006/math" xmlns:a14="http://schemas.microsoft.com/office/drawing/2010/main" xmlns:ma14="http://schemas.microsoft.com/office/mac/drawingml/2011/main" val="1"/>
             </a:ext>
           </a:extLst>
         </p:spPr>
@@ -15663,7 +15384,7 @@
           </a:ln>
           <a:extLst>
             <a:ext uri="{C572A759-6A51-4108-AA02-DFA0A04FC94B}">
-              <ma14:wrappingTextBoxFlag xmlns:ma14="http://schemas.microsoft.com/office/mac/drawingml/2011/main" xmlns:a14="http://schemas.microsoft.com/office/drawing/2010/main" xmlns:m="http://schemas.openxmlformats.org/officeDocument/2006/math" xmlns="" val="1"/>
+              <ma14:wrappingTextBoxFlag xmlns="" xmlns:m="http://schemas.openxmlformats.org/officeDocument/2006/math" xmlns:a14="http://schemas.microsoft.com/office/drawing/2010/main" xmlns:ma14="http://schemas.microsoft.com/office/mac/drawingml/2011/main" val="1"/>
             </a:ext>
           </a:extLst>
         </p:spPr>
@@ -16281,6 +16002,33 @@
                                   </p:childTnLst>
                                 </p:cTn>
                               </p:par>
+                              <p:par>
+                                <p:cTn id="7" presetID="1" presetClass="entr" presetSubtype="0" fill="hold" grpId="0" nodeType="withEffect">
+                                  <p:stCondLst>
+                                    <p:cond delay="0"/>
+                                  </p:stCondLst>
+                                  <p:childTnLst>
+                                    <p:set>
+                                      <p:cBhvr>
+                                        <p:cTn id="8" dur="1" fill="hold">
+                                          <p:stCondLst>
+                                            <p:cond delay="0"/>
+                                          </p:stCondLst>
+                                        </p:cTn>
+                                        <p:tgtEl>
+                                          <p:spTgt spid="22"/>
+                                        </p:tgtEl>
+                                        <p:attrNameLst>
+                                          <p:attrName>style.visibility</p:attrName>
+                                        </p:attrNameLst>
+                                      </p:cBhvr>
+                                      <p:to>
+                                        <p:strVal val="visible"/>
+                                      </p:to>
+                                    </p:set>
+                                  </p:childTnLst>
+                                </p:cTn>
+                              </p:par>
                             </p:childTnLst>
                           </p:cTn>
                         </p:par>
@@ -16288,26 +16036,116 @@
                     </p:cTn>
                   </p:par>
                   <p:par>
-                    <p:cTn id="7" fill="hold">
+                    <p:cTn id="9" fill="hold">
                       <p:stCondLst>
                         <p:cond delay="indefinite"/>
                       </p:stCondLst>
                       <p:childTnLst>
                         <p:par>
-                          <p:cTn id="8" fill="hold">
+                          <p:cTn id="10" fill="hold">
                             <p:stCondLst>
                               <p:cond delay="0"/>
                             </p:stCondLst>
                             <p:childTnLst>
                               <p:par>
-                                <p:cTn id="9" presetID="1" presetClass="entr" presetSubtype="0" fill="hold" grpId="0" nodeType="clickEffect">
+                                <p:cTn id="11" presetID="1" presetClass="entr" presetSubtype="0" fill="hold" grpId="0" nodeType="clickEffect">
                                   <p:stCondLst>
                                     <p:cond delay="0"/>
                                   </p:stCondLst>
                                   <p:childTnLst>
                                     <p:set>
                                       <p:cBhvr>
-                                        <p:cTn id="10" dur="1" fill="hold">
+                                        <p:cTn id="12" dur="1" fill="hold">
+                                          <p:stCondLst>
+                                            <p:cond delay="0"/>
+                                          </p:stCondLst>
+                                        </p:cTn>
+                                        <p:tgtEl>
+                                          <p:spTgt spid="16"/>
+                                        </p:tgtEl>
+                                        <p:attrNameLst>
+                                          <p:attrName>style.visibility</p:attrName>
+                                        </p:attrNameLst>
+                                      </p:cBhvr>
+                                      <p:to>
+                                        <p:strVal val="visible"/>
+                                      </p:to>
+                                    </p:set>
+                                  </p:childTnLst>
+                                </p:cTn>
+                              </p:par>
+                            </p:childTnLst>
+                          </p:cTn>
+                        </p:par>
+                      </p:childTnLst>
+                    </p:cTn>
+                  </p:par>
+                  <p:par>
+                    <p:cTn id="13" fill="hold">
+                      <p:stCondLst>
+                        <p:cond delay="indefinite"/>
+                      </p:stCondLst>
+                      <p:childTnLst>
+                        <p:par>
+                          <p:cTn id="14" fill="hold">
+                            <p:stCondLst>
+                              <p:cond delay="0"/>
+                            </p:stCondLst>
+                            <p:childTnLst>
+                              <p:par>
+                                <p:cTn id="15" presetID="1" presetClass="entr" presetSubtype="0" fill="hold" grpId="0" nodeType="clickEffect">
+                                  <p:stCondLst>
+                                    <p:cond delay="0"/>
+                                  </p:stCondLst>
+                                  <p:childTnLst>
+                                    <p:set>
+                                      <p:cBhvr>
+                                        <p:cTn id="16" dur="1" fill="hold">
+                                          <p:stCondLst>
+                                            <p:cond delay="0"/>
+                                          </p:stCondLst>
+                                        </p:cTn>
+                                        <p:tgtEl>
+                                          <p:spTgt spid="17"/>
+                                        </p:tgtEl>
+                                        <p:attrNameLst>
+                                          <p:attrName>style.visibility</p:attrName>
+                                        </p:attrNameLst>
+                                      </p:cBhvr>
+                                      <p:to>
+                                        <p:strVal val="visible"/>
+                                      </p:to>
+                                    </p:set>
+                                  </p:childTnLst>
+                                </p:cTn>
+                              </p:par>
+                            </p:childTnLst>
+                          </p:cTn>
+                        </p:par>
+                      </p:childTnLst>
+                    </p:cTn>
+                  </p:par>
+                  <p:par>
+                    <p:cTn id="17" fill="hold">
+                      <p:stCondLst>
+                        <p:cond delay="indefinite"/>
+                      </p:stCondLst>
+                      <p:childTnLst>
+                        <p:par>
+                          <p:cTn id="18" fill="hold">
+                            <p:stCondLst>
+                              <p:cond delay="0"/>
+                            </p:stCondLst>
+                            <p:childTnLst>
+                              <p:par>
+                                <p:cTn id="19" presetID="1" presetClass="entr" presetSubtype="0" fill="hold" grpId="0" nodeType="clickEffect">
+                                  <p:stCondLst>
+                                    <p:cond delay="0"/>
+                                  </p:stCondLst>
+                                  <p:childTnLst>
+                                    <p:set>
+                                      <p:cBhvr>
+                                        <p:cTn id="20" dur="1" fill="hold">
                                           <p:stCondLst>
                                             <p:cond delay="0"/>
                                           </p:stCondLst>
@@ -16333,26 +16171,26 @@
                     </p:cTn>
                   </p:par>
                   <p:par>
-                    <p:cTn id="11" fill="hold">
+                    <p:cTn id="21" fill="hold">
                       <p:stCondLst>
                         <p:cond delay="indefinite"/>
                       </p:stCondLst>
                       <p:childTnLst>
                         <p:par>
-                          <p:cTn id="12" fill="hold">
+                          <p:cTn id="22" fill="hold">
                             <p:stCondLst>
                               <p:cond delay="0"/>
                             </p:stCondLst>
                             <p:childTnLst>
                               <p:par>
-                                <p:cTn id="13" presetID="1" presetClass="entr" presetSubtype="0" fill="hold" grpId="0" nodeType="clickEffect">
+                                <p:cTn id="23" presetID="1" presetClass="entr" presetSubtype="0" fill="hold" grpId="0" nodeType="clickEffect">
                                   <p:stCondLst>
                                     <p:cond delay="0"/>
                                   </p:stCondLst>
                                   <p:childTnLst>
                                     <p:set>
                                       <p:cBhvr>
-                                        <p:cTn id="14" dur="1" fill="hold">
+                                        <p:cTn id="24" dur="1" fill="hold">
                                           <p:stCondLst>
                                             <p:cond delay="0"/>
                                           </p:stCondLst>
@@ -16371,116 +16209,8 @@
                                   </p:childTnLst>
                                 </p:cTn>
                               </p:par>
-                            </p:childTnLst>
-                          </p:cTn>
-                        </p:par>
-                      </p:childTnLst>
-                    </p:cTn>
-                  </p:par>
-                  <p:par>
-                    <p:cTn id="15" fill="hold">
-                      <p:stCondLst>
-                        <p:cond delay="indefinite"/>
-                      </p:stCondLst>
-                      <p:childTnLst>
-                        <p:par>
-                          <p:cTn id="16" fill="hold">
-                            <p:stCondLst>
-                              <p:cond delay="0"/>
-                            </p:stCondLst>
-                            <p:childTnLst>
                               <p:par>
-                                <p:cTn id="17" presetID="1" presetClass="entr" presetSubtype="0" fill="hold" grpId="0" nodeType="clickEffect">
-                                  <p:stCondLst>
-                                    <p:cond delay="0"/>
-                                  </p:stCondLst>
-                                  <p:childTnLst>
-                                    <p:set>
-                                      <p:cBhvr>
-                                        <p:cTn id="18" dur="1" fill="hold">
-                                          <p:stCondLst>
-                                            <p:cond delay="0"/>
-                                          </p:stCondLst>
-                                        </p:cTn>
-                                        <p:tgtEl>
-                                          <p:spTgt spid="10"/>
-                                        </p:tgtEl>
-                                        <p:attrNameLst>
-                                          <p:attrName>style.visibility</p:attrName>
-                                        </p:attrNameLst>
-                                      </p:cBhvr>
-                                      <p:to>
-                                        <p:strVal val="visible"/>
-                                      </p:to>
-                                    </p:set>
-                                  </p:childTnLst>
-                                </p:cTn>
-                              </p:par>
-                            </p:childTnLst>
-                          </p:cTn>
-                        </p:par>
-                      </p:childTnLst>
-                    </p:cTn>
-                  </p:par>
-                  <p:par>
-                    <p:cTn id="19" fill="hold">
-                      <p:stCondLst>
-                        <p:cond delay="indefinite"/>
-                      </p:stCondLst>
-                      <p:childTnLst>
-                        <p:par>
-                          <p:cTn id="20" fill="hold">
-                            <p:stCondLst>
-                              <p:cond delay="0"/>
-                            </p:stCondLst>
-                            <p:childTnLst>
-                              <p:par>
-                                <p:cTn id="21" presetID="1" presetClass="entr" presetSubtype="0" fill="hold" grpId="0" nodeType="clickEffect">
-                                  <p:stCondLst>
-                                    <p:cond delay="0"/>
-                                  </p:stCondLst>
-                                  <p:childTnLst>
-                                    <p:set>
-                                      <p:cBhvr>
-                                        <p:cTn id="22" dur="1" fill="hold">
-                                          <p:stCondLst>
-                                            <p:cond delay="0"/>
-                                          </p:stCondLst>
-                                        </p:cTn>
-                                        <p:tgtEl>
-                                          <p:spTgt spid="14"/>
-                                        </p:tgtEl>
-                                        <p:attrNameLst>
-                                          <p:attrName>style.visibility</p:attrName>
-                                        </p:attrNameLst>
-                                      </p:cBhvr>
-                                      <p:to>
-                                        <p:strVal val="visible"/>
-                                      </p:to>
-                                    </p:set>
-                                  </p:childTnLst>
-                                </p:cTn>
-                              </p:par>
-                            </p:childTnLst>
-                          </p:cTn>
-                        </p:par>
-                      </p:childTnLst>
-                    </p:cTn>
-                  </p:par>
-                  <p:par>
-                    <p:cTn id="23" fill="hold">
-                      <p:stCondLst>
-                        <p:cond delay="indefinite"/>
-                      </p:stCondLst>
-                      <p:childTnLst>
-                        <p:par>
-                          <p:cTn id="24" fill="hold">
-                            <p:stCondLst>
-                              <p:cond delay="0"/>
-                            </p:stCondLst>
-                            <p:childTnLst>
-                              <p:par>
-                                <p:cTn id="25" presetID="1" presetClass="entr" presetSubtype="0" fill="hold" grpId="0" nodeType="clickEffect">
+                                <p:cTn id="25" presetID="1" presetClass="entr" presetSubtype="0" fill="hold" grpId="0" nodeType="withEffect">
                                   <p:stCondLst>
                                     <p:cond delay="0"/>
                                   </p:stCondLst>
@@ -16493,7 +16223,7 @@
                                           </p:stCondLst>
                                         </p:cTn>
                                         <p:tgtEl>
-                                          <p:spTgt spid="15"/>
+                                          <p:spTgt spid="14"/>
                                         </p:tgtEl>
                                         <p:attrNameLst>
                                           <p:attrName>style.visibility</p:attrName>
@@ -16538,7 +16268,7 @@
                                           </p:stCondLst>
                                         </p:cTn>
                                         <p:tgtEl>
-                                          <p:spTgt spid="16"/>
+                                          <p:spTgt spid="10"/>
                                         </p:tgtEl>
                                         <p:attrNameLst>
                                           <p:attrName>style.visibility</p:attrName>
@@ -16551,78 +16281,15 @@
                                   </p:childTnLst>
                                 </p:cTn>
                               </p:par>
-                            </p:childTnLst>
-                          </p:cTn>
-                        </p:par>
-                      </p:childTnLst>
-                    </p:cTn>
-                  </p:par>
-                  <p:par>
-                    <p:cTn id="31" fill="hold">
-                      <p:stCondLst>
-                        <p:cond delay="indefinite"/>
-                      </p:stCondLst>
-                      <p:childTnLst>
-                        <p:par>
-                          <p:cTn id="32" fill="hold">
-                            <p:stCondLst>
-                              <p:cond delay="0"/>
-                            </p:stCondLst>
-                            <p:childTnLst>
                               <p:par>
-                                <p:cTn id="33" presetID="1" presetClass="entr" presetSubtype="0" fill="hold" grpId="0" nodeType="clickEffect">
+                                <p:cTn id="31" presetID="1" presetClass="entr" presetSubtype="0" fill="hold" grpId="0" nodeType="withEffect">
                                   <p:stCondLst>
                                     <p:cond delay="0"/>
                                   </p:stCondLst>
                                   <p:childTnLst>
                                     <p:set>
                                       <p:cBhvr>
-                                        <p:cTn id="34" dur="1" fill="hold">
-                                          <p:stCondLst>
-                                            <p:cond delay="0"/>
-                                          </p:stCondLst>
-                                        </p:cTn>
-                                        <p:tgtEl>
-                                          <p:spTgt spid="17"/>
-                                        </p:tgtEl>
-                                        <p:attrNameLst>
-                                          <p:attrName>style.visibility</p:attrName>
-                                        </p:attrNameLst>
-                                      </p:cBhvr>
-                                      <p:to>
-                                        <p:strVal val="visible"/>
-                                      </p:to>
-                                    </p:set>
-                                  </p:childTnLst>
-                                </p:cTn>
-                              </p:par>
-                            </p:childTnLst>
-                          </p:cTn>
-                        </p:par>
-                      </p:childTnLst>
-                    </p:cTn>
-                  </p:par>
-                  <p:par>
-                    <p:cTn id="35" fill="hold">
-                      <p:stCondLst>
-                        <p:cond delay="indefinite"/>
-                      </p:stCondLst>
-                      <p:childTnLst>
-                        <p:par>
-                          <p:cTn id="36" fill="hold">
-                            <p:stCondLst>
-                              <p:cond delay="0"/>
-                            </p:stCondLst>
-                            <p:childTnLst>
-                              <p:par>
-                                <p:cTn id="37" presetID="1" presetClass="entr" presetSubtype="0" fill="hold" grpId="0" nodeType="clickEffect">
-                                  <p:stCondLst>
-                                    <p:cond delay="0"/>
-                                  </p:stCondLst>
-                                  <p:childTnLst>
-                                    <p:set>
-                                      <p:cBhvr>
-                                        <p:cTn id="38" dur="1" fill="hold">
+                                        <p:cTn id="32" dur="1" fill="hold">
                                           <p:stCondLst>
                                             <p:cond delay="0"/>
                                           </p:stCondLst>
@@ -16648,32 +16315,32 @@
                     </p:cTn>
                   </p:par>
                   <p:par>
-                    <p:cTn id="39" fill="hold">
+                    <p:cTn id="33" fill="hold">
                       <p:stCondLst>
                         <p:cond delay="indefinite"/>
                       </p:stCondLst>
                       <p:childTnLst>
                         <p:par>
-                          <p:cTn id="40" fill="hold">
+                          <p:cTn id="34" fill="hold">
                             <p:stCondLst>
                               <p:cond delay="0"/>
                             </p:stCondLst>
                             <p:childTnLst>
                               <p:par>
-                                <p:cTn id="41" presetID="1" presetClass="entr" presetSubtype="0" fill="hold" grpId="0" nodeType="clickEffect">
+                                <p:cTn id="35" presetID="1" presetClass="entr" presetSubtype="0" fill="hold" grpId="0" nodeType="clickEffect">
                                   <p:stCondLst>
                                     <p:cond delay="0"/>
                                   </p:stCondLst>
                                   <p:childTnLst>
                                     <p:set>
                                       <p:cBhvr>
-                                        <p:cTn id="42" dur="1" fill="hold">
+                                        <p:cTn id="36" dur="1" fill="hold">
                                           <p:stCondLst>
                                             <p:cond delay="0"/>
                                           </p:stCondLst>
                                         </p:cTn>
                                         <p:tgtEl>
-                                          <p:spTgt spid="21"/>
+                                          <p:spTgt spid="15"/>
                                         </p:tgtEl>
                                         <p:attrNameLst>
                                           <p:attrName>style.visibility</p:attrName>
@@ -16686,39 +16353,21 @@
                                   </p:childTnLst>
                                 </p:cTn>
                               </p:par>
-                            </p:childTnLst>
-                          </p:cTn>
-                        </p:par>
-                      </p:childTnLst>
-                    </p:cTn>
-                  </p:par>
-                  <p:par>
-                    <p:cTn id="43" fill="hold">
-                      <p:stCondLst>
-                        <p:cond delay="indefinite"/>
-                      </p:stCondLst>
-                      <p:childTnLst>
-                        <p:par>
-                          <p:cTn id="44" fill="hold">
-                            <p:stCondLst>
-                              <p:cond delay="0"/>
-                            </p:stCondLst>
-                            <p:childTnLst>
                               <p:par>
-                                <p:cTn id="45" presetID="1" presetClass="entr" presetSubtype="0" fill="hold" grpId="0" nodeType="clickEffect">
+                                <p:cTn id="37" presetID="1" presetClass="entr" presetSubtype="0" fill="hold" grpId="0" nodeType="withEffect">
                                   <p:stCondLst>
                                     <p:cond delay="0"/>
                                   </p:stCondLst>
                                   <p:childTnLst>
                                     <p:set>
                                       <p:cBhvr>
-                                        <p:cTn id="46" dur="1" fill="hold">
+                                        <p:cTn id="38" dur="1" fill="hold">
                                           <p:stCondLst>
                                             <p:cond delay="0"/>
                                           </p:stCondLst>
                                         </p:cTn>
                                         <p:tgtEl>
-                                          <p:spTgt spid="22"/>
+                                          <p:spTgt spid="21"/>
                                         </p:tgtEl>
                                         <p:attrNameLst>
                                           <p:attrName>style.visibility</p:attrName>
@@ -16811,7 +16460,7 @@
           </a:ln>
           <a:extLst>
             <a:ext uri="{C572A759-6A51-4108-AA02-DFA0A04FC94B}">
-              <ma14:wrappingTextBoxFlag xmlns:ma14="http://schemas.microsoft.com/office/mac/drawingml/2011/main" xmlns:a14="http://schemas.microsoft.com/office/drawing/2010/main" xmlns:m="http://schemas.openxmlformats.org/officeDocument/2006/math" xmlns="" val="1"/>
+              <ma14:wrappingTextBoxFlag xmlns="" xmlns:m="http://schemas.openxmlformats.org/officeDocument/2006/math" xmlns:a14="http://schemas.microsoft.com/office/drawing/2010/main" xmlns:ma14="http://schemas.microsoft.com/office/mac/drawingml/2011/main" val="1"/>
             </a:ext>
           </a:extLst>
         </p:spPr>
@@ -16882,7 +16531,7 @@
           </a:ln>
           <a:extLst>
             <a:ext uri="{C572A759-6A51-4108-AA02-DFA0A04FC94B}">
-              <ma14:wrappingTextBoxFlag xmlns:ma14="http://schemas.microsoft.com/office/mac/drawingml/2011/main" xmlns:a14="http://schemas.microsoft.com/office/drawing/2010/main" xmlns:m="http://schemas.openxmlformats.org/officeDocument/2006/math" xmlns="" val="1"/>
+              <ma14:wrappingTextBoxFlag xmlns="" xmlns:m="http://schemas.openxmlformats.org/officeDocument/2006/math" xmlns:a14="http://schemas.microsoft.com/office/drawing/2010/main" xmlns:ma14="http://schemas.microsoft.com/office/mac/drawingml/2011/main" val="1"/>
             </a:ext>
           </a:extLst>
         </p:spPr>
@@ -16934,7 +16583,7 @@
           </a:ln>
           <a:extLst>
             <a:ext uri="{C572A759-6A51-4108-AA02-DFA0A04FC94B}">
-              <ma14:wrappingTextBoxFlag xmlns:ma14="http://schemas.microsoft.com/office/mac/drawingml/2011/main" xmlns:a14="http://schemas.microsoft.com/office/drawing/2010/main" xmlns:m="http://schemas.openxmlformats.org/officeDocument/2006/math" xmlns="" val="1"/>
+              <ma14:wrappingTextBoxFlag xmlns="" xmlns:m="http://schemas.openxmlformats.org/officeDocument/2006/math" xmlns:a14="http://schemas.microsoft.com/office/drawing/2010/main" xmlns:ma14="http://schemas.microsoft.com/office/mac/drawingml/2011/main" val="1"/>
             </a:ext>
           </a:extLst>
         </p:spPr>
@@ -16993,7 +16642,7 @@
           </a:ln>
           <a:extLst>
             <a:ext uri="{C572A759-6A51-4108-AA02-DFA0A04FC94B}">
-              <ma14:wrappingTextBoxFlag xmlns:ma14="http://schemas.microsoft.com/office/mac/drawingml/2011/main" xmlns:a14="http://schemas.microsoft.com/office/drawing/2010/main" xmlns:m="http://schemas.openxmlformats.org/officeDocument/2006/math" xmlns="" val="1"/>
+              <ma14:wrappingTextBoxFlag xmlns="" xmlns:m="http://schemas.openxmlformats.org/officeDocument/2006/math" xmlns:a14="http://schemas.microsoft.com/office/drawing/2010/main" xmlns:ma14="http://schemas.microsoft.com/office/mac/drawingml/2011/main" val="1"/>
             </a:ext>
           </a:extLst>
         </p:spPr>
@@ -17015,7 +16664,7 @@
             </a:pPr>
             <a:r>
               <a:rPr lang="zh-CN" altLang="en-US" dirty="0"/>
-              <a:t>递归的传入参数为某节点</a:t>
+              <a:t>递归的传入参数为：节点</a:t>
             </a:r>
             <a:endParaRPr lang="en-US" altLang="zh-CN" dirty="0"/>
           </a:p>
@@ -17046,7 +16695,7 @@
           </a:ln>
           <a:extLst>
             <a:ext uri="{C572A759-6A51-4108-AA02-DFA0A04FC94B}">
-              <ma14:wrappingTextBoxFlag xmlns:ma14="http://schemas.microsoft.com/office/mac/drawingml/2011/main" xmlns:a14="http://schemas.microsoft.com/office/drawing/2010/main" xmlns:m="http://schemas.openxmlformats.org/officeDocument/2006/math" xmlns="" val="1"/>
+              <ma14:wrappingTextBoxFlag xmlns="" xmlns:m="http://schemas.openxmlformats.org/officeDocument/2006/math" xmlns:a14="http://schemas.microsoft.com/office/drawing/2010/main" xmlns:ma14="http://schemas.microsoft.com/office/mac/drawingml/2011/main" val="1"/>
             </a:ext>
           </a:extLst>
         </p:spPr>
@@ -17294,7 +16943,7 @@
           </a:ln>
           <a:extLst>
             <a:ext uri="{C572A759-6A51-4108-AA02-DFA0A04FC94B}">
-              <ma14:wrappingTextBoxFlag xmlns:ma14="http://schemas.microsoft.com/office/mac/drawingml/2011/main" xmlns:a14="http://schemas.microsoft.com/office/drawing/2010/main" xmlns:m="http://schemas.openxmlformats.org/officeDocument/2006/math" xmlns="" val="1"/>
+              <ma14:wrappingTextBoxFlag xmlns="" xmlns:m="http://schemas.openxmlformats.org/officeDocument/2006/math" xmlns:a14="http://schemas.microsoft.com/office/drawing/2010/main" xmlns:ma14="http://schemas.microsoft.com/office/mac/drawingml/2011/main" val="1"/>
             </a:ext>
           </a:extLst>
         </p:spPr>
@@ -17365,7 +17014,7 @@
           </a:ln>
           <a:extLst>
             <a:ext uri="{C572A759-6A51-4108-AA02-DFA0A04FC94B}">
-              <ma14:wrappingTextBoxFlag xmlns:ma14="http://schemas.microsoft.com/office/mac/drawingml/2011/main" xmlns:a14="http://schemas.microsoft.com/office/drawing/2010/main" xmlns:m="http://schemas.openxmlformats.org/officeDocument/2006/math" xmlns="" val="1"/>
+              <ma14:wrappingTextBoxFlag xmlns="" xmlns:m="http://schemas.openxmlformats.org/officeDocument/2006/math" xmlns:a14="http://schemas.microsoft.com/office/drawing/2010/main" xmlns:ma14="http://schemas.microsoft.com/office/mac/drawingml/2011/main" val="1"/>
             </a:ext>
           </a:extLst>
         </p:spPr>
@@ -17411,7 +17060,7 @@
           </a:ln>
           <a:extLst>
             <a:ext uri="{C572A759-6A51-4108-AA02-DFA0A04FC94B}">
-              <ma14:wrappingTextBoxFlag xmlns:ma14="http://schemas.microsoft.com/office/mac/drawingml/2011/main" xmlns:a14="http://schemas.microsoft.com/office/drawing/2010/main" xmlns:m="http://schemas.openxmlformats.org/officeDocument/2006/math" xmlns="" val="1"/>
+              <ma14:wrappingTextBoxFlag xmlns="" xmlns:m="http://schemas.openxmlformats.org/officeDocument/2006/math" xmlns:a14="http://schemas.microsoft.com/office/drawing/2010/main" xmlns:ma14="http://schemas.microsoft.com/office/mac/drawingml/2011/main" val="1"/>
             </a:ext>
           </a:extLst>
         </p:spPr>
@@ -17464,7 +17113,7 @@
           </a:ln>
           <a:extLst>
             <a:ext uri="{C572A759-6A51-4108-AA02-DFA0A04FC94B}">
-              <ma14:wrappingTextBoxFlag xmlns:ma14="http://schemas.microsoft.com/office/mac/drawingml/2011/main" xmlns:a14="http://schemas.microsoft.com/office/drawing/2010/main" xmlns:m="http://schemas.openxmlformats.org/officeDocument/2006/math" xmlns="" val="1"/>
+              <ma14:wrappingTextBoxFlag xmlns="" xmlns:m="http://schemas.openxmlformats.org/officeDocument/2006/math" xmlns:a14="http://schemas.microsoft.com/office/drawing/2010/main" xmlns:ma14="http://schemas.microsoft.com/office/mac/drawingml/2011/main" val="1"/>
             </a:ext>
           </a:extLst>
         </p:spPr>
@@ -17533,7 +17182,7 @@
           </a:ln>
           <a:extLst>
             <a:ext uri="{C572A759-6A51-4108-AA02-DFA0A04FC94B}">
-              <ma14:wrappingTextBoxFlag xmlns:ma14="http://schemas.microsoft.com/office/mac/drawingml/2011/main" xmlns:a14="http://schemas.microsoft.com/office/drawing/2010/main" xmlns:m="http://schemas.openxmlformats.org/officeDocument/2006/math" xmlns="" val="1"/>
+              <ma14:wrappingTextBoxFlag xmlns="" xmlns:m="http://schemas.openxmlformats.org/officeDocument/2006/math" xmlns:a14="http://schemas.microsoft.com/office/drawing/2010/main" xmlns:ma14="http://schemas.microsoft.com/office/mac/drawingml/2011/main" val="1"/>
             </a:ext>
           </a:extLst>
         </p:spPr>
@@ -17598,7 +17247,7 @@
           </a:ln>
           <a:extLst>
             <a:ext uri="{C572A759-6A51-4108-AA02-DFA0A04FC94B}">
-              <ma14:wrappingTextBoxFlag xmlns:ma14="http://schemas.microsoft.com/office/mac/drawingml/2011/main" xmlns:a14="http://schemas.microsoft.com/office/drawing/2010/main" xmlns:m="http://schemas.openxmlformats.org/officeDocument/2006/math" xmlns="" val="1"/>
+              <ma14:wrappingTextBoxFlag xmlns="" xmlns:m="http://schemas.openxmlformats.org/officeDocument/2006/math" xmlns:a14="http://schemas.microsoft.com/office/drawing/2010/main" xmlns:ma14="http://schemas.microsoft.com/office/mac/drawingml/2011/main" val="1"/>
             </a:ext>
           </a:extLst>
         </p:spPr>
@@ -17667,7 +17316,7 @@
           </a:ln>
           <a:extLst>
             <a:ext uri="{C572A759-6A51-4108-AA02-DFA0A04FC94B}">
-              <ma14:wrappingTextBoxFlag xmlns:ma14="http://schemas.microsoft.com/office/mac/drawingml/2011/main" xmlns:a14="http://schemas.microsoft.com/office/drawing/2010/main" xmlns:m="http://schemas.openxmlformats.org/officeDocument/2006/math" xmlns="" val="1"/>
+              <ma14:wrappingTextBoxFlag xmlns="" xmlns:m="http://schemas.openxmlformats.org/officeDocument/2006/math" xmlns:a14="http://schemas.microsoft.com/office/drawing/2010/main" xmlns:ma14="http://schemas.microsoft.com/office/mac/drawingml/2011/main" val="1"/>
             </a:ext>
           </a:extLst>
         </p:spPr>
@@ -17719,7 +17368,7 @@
           </a:ln>
           <a:extLst>
             <a:ext uri="{C572A759-6A51-4108-AA02-DFA0A04FC94B}">
-              <ma14:wrappingTextBoxFlag xmlns:ma14="http://schemas.microsoft.com/office/mac/drawingml/2011/main" xmlns:a14="http://schemas.microsoft.com/office/drawing/2010/main" xmlns:m="http://schemas.openxmlformats.org/officeDocument/2006/math" xmlns="" val="1"/>
+              <ma14:wrappingTextBoxFlag xmlns="" xmlns:m="http://schemas.openxmlformats.org/officeDocument/2006/math" xmlns:a14="http://schemas.microsoft.com/office/drawing/2010/main" xmlns:ma14="http://schemas.microsoft.com/office/mac/drawingml/2011/main" val="1"/>
             </a:ext>
           </a:extLst>
         </p:spPr>
@@ -17804,26 +17453,35 @@
                                   </p:childTnLst>
                                 </p:cTn>
                               </p:par>
-                            </p:childTnLst>
-                          </p:cTn>
-                        </p:par>
-                      </p:childTnLst>
-                    </p:cTn>
-                  </p:par>
-                  <p:par>
-                    <p:cTn id="7" fill="hold">
-                      <p:stCondLst>
-                        <p:cond delay="indefinite"/>
-                      </p:stCondLst>
-                      <p:childTnLst>
-                        <p:par>
-                          <p:cTn id="8" fill="hold">
-                            <p:stCondLst>
-                              <p:cond delay="0"/>
-                            </p:stCondLst>
-                            <p:childTnLst>
                               <p:par>
-                                <p:cTn id="9" presetID="1" presetClass="entr" presetSubtype="0" fill="hold" grpId="0" nodeType="clickEffect">
+                                <p:cTn id="7" presetID="1" presetClass="entr" presetSubtype="0" fill="hold" grpId="0" nodeType="withEffect">
+                                  <p:stCondLst>
+                                    <p:cond delay="0"/>
+                                  </p:stCondLst>
+                                  <p:childTnLst>
+                                    <p:set>
+                                      <p:cBhvr>
+                                        <p:cTn id="8" dur="1" fill="hold">
+                                          <p:stCondLst>
+                                            <p:cond delay="0"/>
+                                          </p:stCondLst>
+                                        </p:cTn>
+                                        <p:tgtEl>
+                                          <p:spTgt spid="16"/>
+                                        </p:tgtEl>
+                                        <p:attrNameLst>
+                                          <p:attrName>style.visibility</p:attrName>
+                                        </p:attrNameLst>
+                                      </p:cBhvr>
+                                      <p:to>
+                                        <p:strVal val="visible"/>
+                                      </p:to>
+                                    </p:set>
+                                  </p:childTnLst>
+                                </p:cTn>
+                              </p:par>
+                              <p:par>
+                                <p:cTn id="9" presetID="1" presetClass="entr" presetSubtype="0" fill="hold" grpId="0" nodeType="withEffect">
                                   <p:stCondLst>
                                     <p:cond delay="0"/>
                                   </p:stCondLst>
@@ -17836,7 +17494,7 @@
                                           </p:stCondLst>
                                         </p:cTn>
                                         <p:tgtEl>
-                                          <p:spTgt spid="122"/>
+                                          <p:spTgt spid="17"/>
                                         </p:tgtEl>
                                         <p:attrNameLst>
                                           <p:attrName>style.visibility</p:attrName>
@@ -17881,6 +17539,33 @@
                                           </p:stCondLst>
                                         </p:cTn>
                                         <p:tgtEl>
+                                          <p:spTgt spid="122"/>
+                                        </p:tgtEl>
+                                        <p:attrNameLst>
+                                          <p:attrName>style.visibility</p:attrName>
+                                        </p:attrNameLst>
+                                      </p:cBhvr>
+                                      <p:to>
+                                        <p:strVal val="visible"/>
+                                      </p:to>
+                                    </p:set>
+                                  </p:childTnLst>
+                                </p:cTn>
+                              </p:par>
+                              <p:par>
+                                <p:cTn id="15" presetID="1" presetClass="entr" presetSubtype="0" fill="hold" grpId="0" nodeType="withEffect">
+                                  <p:stCondLst>
+                                    <p:cond delay="0"/>
+                                  </p:stCondLst>
+                                  <p:childTnLst>
+                                    <p:set>
+                                      <p:cBhvr>
+                                        <p:cTn id="16" dur="1" fill="hold">
+                                          <p:stCondLst>
+                                            <p:cond delay="0"/>
+                                          </p:stCondLst>
+                                        </p:cTn>
+                                        <p:tgtEl>
                                           <p:spTgt spid="10"/>
                                         </p:tgtEl>
                                         <p:attrNameLst>
@@ -17894,26 +17579,8 @@
                                   </p:childTnLst>
                                 </p:cTn>
                               </p:par>
-                            </p:childTnLst>
-                          </p:cTn>
-                        </p:par>
-                      </p:childTnLst>
-                    </p:cTn>
-                  </p:par>
-                  <p:par>
-                    <p:cTn id="15" fill="hold">
-                      <p:stCondLst>
-                        <p:cond delay="indefinite"/>
-                      </p:stCondLst>
-                      <p:childTnLst>
-                        <p:par>
-                          <p:cTn id="16" fill="hold">
-                            <p:stCondLst>
-                              <p:cond delay="0"/>
-                            </p:stCondLst>
-                            <p:childTnLst>
                               <p:par>
-                                <p:cTn id="17" presetID="1" presetClass="entr" presetSubtype="0" fill="hold" grpId="0" nodeType="clickEffect">
+                                <p:cTn id="17" presetID="1" presetClass="entr" presetSubtype="0" fill="hold" grpId="0" nodeType="withEffect">
                                   <p:stCondLst>
                                     <p:cond delay="0"/>
                                   </p:stCondLst>
@@ -17927,96 +17594,6 @@
                                         </p:cTn>
                                         <p:tgtEl>
                                           <p:spTgt spid="15"/>
-                                        </p:tgtEl>
-                                        <p:attrNameLst>
-                                          <p:attrName>style.visibility</p:attrName>
-                                        </p:attrNameLst>
-                                      </p:cBhvr>
-                                      <p:to>
-                                        <p:strVal val="visible"/>
-                                      </p:to>
-                                    </p:set>
-                                  </p:childTnLst>
-                                </p:cTn>
-                              </p:par>
-                            </p:childTnLst>
-                          </p:cTn>
-                        </p:par>
-                      </p:childTnLst>
-                    </p:cTn>
-                  </p:par>
-                  <p:par>
-                    <p:cTn id="19" fill="hold">
-                      <p:stCondLst>
-                        <p:cond delay="indefinite"/>
-                      </p:stCondLst>
-                      <p:childTnLst>
-                        <p:par>
-                          <p:cTn id="20" fill="hold">
-                            <p:stCondLst>
-                              <p:cond delay="0"/>
-                            </p:stCondLst>
-                            <p:childTnLst>
-                              <p:par>
-                                <p:cTn id="21" presetID="1" presetClass="entr" presetSubtype="0" fill="hold" grpId="0" nodeType="clickEffect">
-                                  <p:stCondLst>
-                                    <p:cond delay="0"/>
-                                  </p:stCondLst>
-                                  <p:childTnLst>
-                                    <p:set>
-                                      <p:cBhvr>
-                                        <p:cTn id="22" dur="1" fill="hold">
-                                          <p:stCondLst>
-                                            <p:cond delay="0"/>
-                                          </p:stCondLst>
-                                        </p:cTn>
-                                        <p:tgtEl>
-                                          <p:spTgt spid="16"/>
-                                        </p:tgtEl>
-                                        <p:attrNameLst>
-                                          <p:attrName>style.visibility</p:attrName>
-                                        </p:attrNameLst>
-                                      </p:cBhvr>
-                                      <p:to>
-                                        <p:strVal val="visible"/>
-                                      </p:to>
-                                    </p:set>
-                                  </p:childTnLst>
-                                </p:cTn>
-                              </p:par>
-                            </p:childTnLst>
-                          </p:cTn>
-                        </p:par>
-                      </p:childTnLst>
-                    </p:cTn>
-                  </p:par>
-                  <p:par>
-                    <p:cTn id="23" fill="hold">
-                      <p:stCondLst>
-                        <p:cond delay="indefinite"/>
-                      </p:stCondLst>
-                      <p:childTnLst>
-                        <p:par>
-                          <p:cTn id="24" fill="hold">
-                            <p:stCondLst>
-                              <p:cond delay="0"/>
-                            </p:stCondLst>
-                            <p:childTnLst>
-                              <p:par>
-                                <p:cTn id="25" presetID="1" presetClass="entr" presetSubtype="0" fill="hold" grpId="0" nodeType="clickEffect">
-                                  <p:stCondLst>
-                                    <p:cond delay="0"/>
-                                  </p:stCondLst>
-                                  <p:childTnLst>
-                                    <p:set>
-                                      <p:cBhvr>
-                                        <p:cTn id="26" dur="1" fill="hold">
-                                          <p:stCondLst>
-                                            <p:cond delay="0"/>
-                                          </p:stCondLst>
-                                        </p:cTn>
-                                        <p:tgtEl>
-                                          <p:spTgt spid="17"/>
                                         </p:tgtEl>
                                         <p:attrNameLst>
                                           <p:attrName>style.visibility</p:attrName>
@@ -18104,7 +17681,7 @@
           </a:ln>
           <a:extLst>
             <a:ext uri="{C572A759-6A51-4108-AA02-DFA0A04FC94B}">
-              <ma14:wrappingTextBoxFlag xmlns:ma14="http://schemas.microsoft.com/office/mac/drawingml/2011/main" xmlns:a14="http://schemas.microsoft.com/office/drawing/2010/main" xmlns:m="http://schemas.openxmlformats.org/officeDocument/2006/math" xmlns="" val="1"/>
+              <ma14:wrappingTextBoxFlag xmlns="" xmlns:m="http://schemas.openxmlformats.org/officeDocument/2006/math" xmlns:a14="http://schemas.microsoft.com/office/drawing/2010/main" xmlns:ma14="http://schemas.microsoft.com/office/mac/drawingml/2011/main" val="1"/>
             </a:ext>
           </a:extLst>
         </p:spPr>
@@ -18175,7 +17752,7 @@
           </a:ln>
           <a:extLst>
             <a:ext uri="{C572A759-6A51-4108-AA02-DFA0A04FC94B}">
-              <ma14:wrappingTextBoxFlag xmlns:ma14="http://schemas.microsoft.com/office/mac/drawingml/2011/main" xmlns:a14="http://schemas.microsoft.com/office/drawing/2010/main" xmlns:m="http://schemas.openxmlformats.org/officeDocument/2006/math" xmlns="" val="1"/>
+              <ma14:wrappingTextBoxFlag xmlns="" xmlns:m="http://schemas.openxmlformats.org/officeDocument/2006/math" xmlns:a14="http://schemas.microsoft.com/office/drawing/2010/main" xmlns:ma14="http://schemas.microsoft.com/office/mac/drawingml/2011/main" val="1"/>
             </a:ext>
           </a:extLst>
         </p:spPr>
@@ -18227,7 +17804,7 @@
           </a:ln>
           <a:extLst>
             <a:ext uri="{C572A759-6A51-4108-AA02-DFA0A04FC94B}">
-              <ma14:wrappingTextBoxFlag xmlns:ma14="http://schemas.microsoft.com/office/mac/drawingml/2011/main" xmlns:a14="http://schemas.microsoft.com/office/drawing/2010/main" xmlns:m="http://schemas.openxmlformats.org/officeDocument/2006/math" xmlns="" val="1"/>
+              <ma14:wrappingTextBoxFlag xmlns="" xmlns:m="http://schemas.openxmlformats.org/officeDocument/2006/math" xmlns:a14="http://schemas.microsoft.com/office/drawing/2010/main" xmlns:ma14="http://schemas.microsoft.com/office/mac/drawingml/2011/main" val="1"/>
             </a:ext>
           </a:extLst>
         </p:spPr>
@@ -18288,7 +17865,7 @@
           </a:ln>
           <a:extLst>
             <a:ext uri="{C572A759-6A51-4108-AA02-DFA0A04FC94B}">
-              <ma14:wrappingTextBoxFlag xmlns:ma14="http://schemas.microsoft.com/office/mac/drawingml/2011/main" xmlns:a14="http://schemas.microsoft.com/office/drawing/2010/main" xmlns:m="http://schemas.openxmlformats.org/officeDocument/2006/math" xmlns="" val="1"/>
+              <ma14:wrappingTextBoxFlag xmlns="" xmlns:m="http://schemas.openxmlformats.org/officeDocument/2006/math" xmlns:a14="http://schemas.microsoft.com/office/drawing/2010/main" xmlns:ma14="http://schemas.microsoft.com/office/mac/drawingml/2011/main" val="1"/>
             </a:ext>
           </a:extLst>
         </p:spPr>
@@ -18342,7 +17919,7 @@
           </a:ln>
           <a:extLst>
             <a:ext uri="{C572A759-6A51-4108-AA02-DFA0A04FC94B}">
-              <ma14:wrappingTextBoxFlag xmlns:ma14="http://schemas.microsoft.com/office/mac/drawingml/2011/main" xmlns:a14="http://schemas.microsoft.com/office/drawing/2010/main" xmlns:m="http://schemas.openxmlformats.org/officeDocument/2006/math" xmlns="" val="1"/>
+              <ma14:wrappingTextBoxFlag xmlns="" xmlns:m="http://schemas.openxmlformats.org/officeDocument/2006/math" xmlns:a14="http://schemas.microsoft.com/office/drawing/2010/main" xmlns:ma14="http://schemas.microsoft.com/office/mac/drawingml/2011/main" val="1"/>
             </a:ext>
           </a:extLst>
         </p:spPr>
@@ -18391,7 +17968,7 @@
           </a:ln>
           <a:extLst>
             <a:ext uri="{C572A759-6A51-4108-AA02-DFA0A04FC94B}">
-              <ma14:wrappingTextBoxFlag xmlns:ma14="http://schemas.microsoft.com/office/mac/drawingml/2011/main" xmlns:a14="http://schemas.microsoft.com/office/drawing/2010/main" xmlns:m="http://schemas.openxmlformats.org/officeDocument/2006/math" xmlns="" val="1"/>
+              <ma14:wrappingTextBoxFlag xmlns="" xmlns:m="http://schemas.openxmlformats.org/officeDocument/2006/math" xmlns:a14="http://schemas.microsoft.com/office/drawing/2010/main" xmlns:ma14="http://schemas.microsoft.com/office/mac/drawingml/2011/main" val="1"/>
             </a:ext>
           </a:extLst>
         </p:spPr>
@@ -18444,7 +18021,7 @@
           </a:ln>
           <a:extLst>
             <a:ext uri="{C572A759-6A51-4108-AA02-DFA0A04FC94B}">
-              <ma14:wrappingTextBoxFlag xmlns:ma14="http://schemas.microsoft.com/office/mac/drawingml/2011/main" xmlns:a14="http://schemas.microsoft.com/office/drawing/2010/main" xmlns:m="http://schemas.openxmlformats.org/officeDocument/2006/math" xmlns="" val="1"/>
+              <ma14:wrappingTextBoxFlag xmlns="" xmlns:m="http://schemas.openxmlformats.org/officeDocument/2006/math" xmlns:a14="http://schemas.microsoft.com/office/drawing/2010/main" xmlns:ma14="http://schemas.microsoft.com/office/mac/drawingml/2011/main" val="1"/>
             </a:ext>
           </a:extLst>
         </p:spPr>
@@ -18497,7 +18074,7 @@
           </a:ln>
           <a:extLst>
             <a:ext uri="{C572A759-6A51-4108-AA02-DFA0A04FC94B}">
-              <ma14:wrappingTextBoxFlag xmlns:ma14="http://schemas.microsoft.com/office/mac/drawingml/2011/main" xmlns:a14="http://schemas.microsoft.com/office/drawing/2010/main" xmlns:m="http://schemas.openxmlformats.org/officeDocument/2006/math" xmlns="" val="1"/>
+              <ma14:wrappingTextBoxFlag xmlns="" xmlns:m="http://schemas.openxmlformats.org/officeDocument/2006/math" xmlns:a14="http://schemas.microsoft.com/office/drawing/2010/main" xmlns:ma14="http://schemas.microsoft.com/office/mac/drawingml/2011/main" val="1"/>
             </a:ext>
           </a:extLst>
         </p:spPr>
@@ -18685,7 +18262,7 @@
                                           </p:stCondLst>
                                         </p:cTn>
                                         <p:tgtEl>
-                                          <p:spTgt spid="12"/>
+                                          <p:spTgt spid="18"/>
                                         </p:tgtEl>
                                         <p:attrNameLst>
                                           <p:attrName>style.visibility</p:attrName>
@@ -18794,51 +18371,6 @@
                       </p:childTnLst>
                     </p:cTn>
                   </p:par>
-                  <p:par>
-                    <p:cTn id="23" fill="hold">
-                      <p:stCondLst>
-                        <p:cond delay="indefinite"/>
-                      </p:stCondLst>
-                      <p:childTnLst>
-                        <p:par>
-                          <p:cTn id="24" fill="hold">
-                            <p:stCondLst>
-                              <p:cond delay="0"/>
-                            </p:stCondLst>
-                            <p:childTnLst>
-                              <p:par>
-                                <p:cTn id="25" presetID="1" presetClass="entr" presetSubtype="0" fill="hold" grpId="0" nodeType="clickEffect">
-                                  <p:stCondLst>
-                                    <p:cond delay="0"/>
-                                  </p:stCondLst>
-                                  <p:childTnLst>
-                                    <p:set>
-                                      <p:cBhvr>
-                                        <p:cTn id="26" dur="1" fill="hold">
-                                          <p:stCondLst>
-                                            <p:cond delay="0"/>
-                                          </p:stCondLst>
-                                        </p:cTn>
-                                        <p:tgtEl>
-                                          <p:spTgt spid="18"/>
-                                        </p:tgtEl>
-                                        <p:attrNameLst>
-                                          <p:attrName>style.visibility</p:attrName>
-                                        </p:attrNameLst>
-                                      </p:cBhvr>
-                                      <p:to>
-                                        <p:strVal val="visible"/>
-                                      </p:to>
-                                    </p:set>
-                                  </p:childTnLst>
-                                </p:cTn>
-                              </p:par>
-                            </p:childTnLst>
-                          </p:cTn>
-                        </p:par>
-                      </p:childTnLst>
-                    </p:cTn>
-                  </p:par>
                 </p:childTnLst>
               </p:cTn>
               <p:prevCondLst>
@@ -18863,7 +18395,6 @@
     <p:bldLst>
       <p:bldP spid="11" grpId="0" animBg="1"/>
       <p:bldP spid="16" grpId="0" animBg="1"/>
-      <p:bldP spid="12" grpId="0" animBg="1"/>
       <p:bldP spid="13" grpId="0" animBg="1"/>
       <p:bldP spid="14" grpId="0" animBg="1"/>
       <p:bldP spid="18" grpId="0" animBg="1"/>

--- a/problems/binary-tree-maximum-path-sum/124. binary-tree-maximum-path-sum.pptx
+++ b/problems/binary-tree-maximum-path-sum/124. binary-tree-maximum-path-sum.pptx
@@ -5,7 +5,7 @@
     <p:sldMasterId id="2147483648" r:id="rId1"/>
   </p:sldMasterIdLst>
   <p:notesMasterIdLst>
-    <p:notesMasterId r:id="rId13"/>
+    <p:notesMasterId r:id="rId12"/>
   </p:notesMasterIdLst>
   <p:sldIdLst>
     <p:sldId id="256" r:id="rId2"/>
@@ -15,10 +15,9 @@
     <p:sldId id="270" r:id="rId6"/>
     <p:sldId id="271" r:id="rId7"/>
     <p:sldId id="272" r:id="rId8"/>
-    <p:sldId id="275" r:id="rId9"/>
-    <p:sldId id="273" r:id="rId10"/>
-    <p:sldId id="274" r:id="rId11"/>
-    <p:sldId id="276" r:id="rId12"/>
+    <p:sldId id="273" r:id="rId9"/>
+    <p:sldId id="274" r:id="rId10"/>
+    <p:sldId id="276" r:id="rId11"/>
   </p:sldIdLst>
   <p:sldSz cx="24384000" cy="13716000"/>
   <p:notesSz cx="6858000" cy="9144000"/>
@@ -2166,7 +2165,7 @@
           </a:ln>
           <a:extLst>
             <a:ext uri="{C572A759-6A51-4108-AA02-DFA0A04FC94B}">
-              <ma14:wrappingTextBoxFlag xmlns="" xmlns:m="http://schemas.openxmlformats.org/officeDocument/2006/math" xmlns:a14="http://schemas.microsoft.com/office/drawing/2010/main" xmlns:ma14="http://schemas.microsoft.com/office/mac/drawingml/2011/main" val="1"/>
+              <ma14:wrappingTextBoxFlag xmlns:ma14="http://schemas.microsoft.com/office/mac/drawingml/2011/main" xmlns:a14="http://schemas.microsoft.com/office/drawing/2010/main" xmlns:m="http://schemas.openxmlformats.org/officeDocument/2006/math" xmlns="" val="1"/>
             </a:ext>
           </a:extLst>
         </p:spPr>
@@ -2205,7 +2204,7 @@
           </a:ln>
           <a:extLst>
             <a:ext uri="{C572A759-6A51-4108-AA02-DFA0A04FC94B}">
-              <ma14:wrappingTextBoxFlag xmlns="" xmlns:m="http://schemas.openxmlformats.org/officeDocument/2006/math" xmlns:a14="http://schemas.microsoft.com/office/drawing/2010/main" xmlns:ma14="http://schemas.microsoft.com/office/mac/drawingml/2011/main" val="1"/>
+              <ma14:wrappingTextBoxFlag xmlns:ma14="http://schemas.microsoft.com/office/mac/drawingml/2011/main" xmlns:a14="http://schemas.microsoft.com/office/drawing/2010/main" xmlns:m="http://schemas.openxmlformats.org/officeDocument/2006/math" xmlns="" val="1"/>
             </a:ext>
           </a:extLst>
         </p:spPr>
@@ -3056,7 +3055,7 @@
           </a:ln>
           <a:extLst>
             <a:ext uri="{C572A759-6A51-4108-AA02-DFA0A04FC94B}">
-              <ma14:wrappingTextBoxFlag xmlns="" xmlns:m="http://schemas.openxmlformats.org/officeDocument/2006/math" xmlns:a14="http://schemas.microsoft.com/office/drawing/2010/main" xmlns:ma14="http://schemas.microsoft.com/office/mac/drawingml/2011/main" val="1"/>
+              <ma14:wrappingTextBoxFlag xmlns:ma14="http://schemas.microsoft.com/office/mac/drawingml/2011/main" xmlns:a14="http://schemas.microsoft.com/office/drawing/2010/main" xmlns:m="http://schemas.openxmlformats.org/officeDocument/2006/math" xmlns="" val="1"/>
             </a:ext>
           </a:extLst>
         </p:spPr>
@@ -3127,7 +3126,7 @@
           </a:ln>
           <a:extLst>
             <a:ext uri="{C572A759-6A51-4108-AA02-DFA0A04FC94B}">
-              <ma14:wrappingTextBoxFlag xmlns="" xmlns:m="http://schemas.openxmlformats.org/officeDocument/2006/math" xmlns:a14="http://schemas.microsoft.com/office/drawing/2010/main" xmlns:ma14="http://schemas.microsoft.com/office/mac/drawingml/2011/main" val="1"/>
+              <ma14:wrappingTextBoxFlag xmlns:ma14="http://schemas.microsoft.com/office/mac/drawingml/2011/main" xmlns:a14="http://schemas.microsoft.com/office/drawing/2010/main" xmlns:m="http://schemas.openxmlformats.org/officeDocument/2006/math" xmlns="" val="1"/>
             </a:ext>
           </a:extLst>
         </p:spPr>
@@ -3172,7 +3171,7 @@
           </a:ln>
           <a:extLst>
             <a:ext uri="{C572A759-6A51-4108-AA02-DFA0A04FC94B}">
-              <ma14:wrappingTextBoxFlag xmlns="" xmlns:m="http://schemas.openxmlformats.org/officeDocument/2006/math" xmlns:a14="http://schemas.microsoft.com/office/drawing/2010/main" xmlns:ma14="http://schemas.microsoft.com/office/mac/drawingml/2011/main" val="1"/>
+              <ma14:wrappingTextBoxFlag xmlns:ma14="http://schemas.microsoft.com/office/mac/drawingml/2011/main" xmlns:a14="http://schemas.microsoft.com/office/drawing/2010/main" xmlns:m="http://schemas.openxmlformats.org/officeDocument/2006/math" xmlns="" val="1"/>
             </a:ext>
           </a:extLst>
         </p:spPr>
@@ -3257,7 +3256,7 @@
           </a:ln>
           <a:extLst>
             <a:ext uri="{C572A759-6A51-4108-AA02-DFA0A04FC94B}">
-              <ma14:wrappingTextBoxFlag xmlns="" xmlns:m="http://schemas.openxmlformats.org/officeDocument/2006/math" xmlns:a14="http://schemas.microsoft.com/office/drawing/2010/main" xmlns:ma14="http://schemas.microsoft.com/office/mac/drawingml/2011/main" val="1"/>
+              <ma14:wrappingTextBoxFlag xmlns:ma14="http://schemas.microsoft.com/office/mac/drawingml/2011/main" xmlns:a14="http://schemas.microsoft.com/office/drawing/2010/main" xmlns:m="http://schemas.openxmlformats.org/officeDocument/2006/math" xmlns="" val="1"/>
             </a:ext>
           </a:extLst>
         </p:spPr>
@@ -4043,130 +4042,6 @@
     <a:masterClrMapping/>
   </p:clrMapOvr>
   <p:transition spd="med"/>
-  <p:timing>
-    <p:tnLst>
-      <p:par>
-        <p:cTn id="1" dur="indefinite" restart="never" nodeType="tmRoot">
-          <p:childTnLst>
-            <p:seq concurrent="1" nextAc="seek">
-              <p:cTn id="2" dur="indefinite" nodeType="mainSeq">
-                <p:childTnLst>
-                  <p:par>
-                    <p:cTn id="3" fill="hold">
-                      <p:stCondLst>
-                        <p:cond delay="indefinite"/>
-                      </p:stCondLst>
-                      <p:childTnLst>
-                        <p:par>
-                          <p:cTn id="4" fill="hold">
-                            <p:stCondLst>
-                              <p:cond delay="0"/>
-                            </p:stCondLst>
-                            <p:childTnLst>
-                              <p:par>
-                                <p:cTn id="5" presetID="1" presetClass="entr" presetSubtype="0" fill="hold" grpId="0" nodeType="clickEffect">
-                                  <p:stCondLst>
-                                    <p:cond delay="0"/>
-                                  </p:stCondLst>
-                                  <p:childTnLst>
-                                    <p:set>
-                                      <p:cBhvr>
-                                        <p:cTn id="6" dur="1" fill="hold">
-                                          <p:stCondLst>
-                                            <p:cond delay="0"/>
-                                          </p:stCondLst>
-                                        </p:cTn>
-                                        <p:tgtEl>
-                                          <p:spTgt spid="3"/>
-                                        </p:tgtEl>
-                                        <p:attrNameLst>
-                                          <p:attrName>style.visibility</p:attrName>
-                                        </p:attrNameLst>
-                                      </p:cBhvr>
-                                      <p:to>
-                                        <p:strVal val="visible"/>
-                                      </p:to>
-                                    </p:set>
-                                  </p:childTnLst>
-                                </p:cTn>
-                              </p:par>
-                            </p:childTnLst>
-                          </p:cTn>
-                        </p:par>
-                      </p:childTnLst>
-                    </p:cTn>
-                  </p:par>
-                  <p:par>
-                    <p:cTn id="7" fill="hold">
-                      <p:stCondLst>
-                        <p:cond delay="indefinite"/>
-                      </p:stCondLst>
-                      <p:childTnLst>
-                        <p:par>
-                          <p:cTn id="8" fill="hold">
-                            <p:stCondLst>
-                              <p:cond delay="0"/>
-                            </p:stCondLst>
-                            <p:childTnLst>
-                              <p:par>
-                                <p:cTn id="9" presetID="1" presetClass="entr" presetSubtype="0" fill="hold" grpId="0" nodeType="clickEffect">
-                                  <p:stCondLst>
-                                    <p:cond delay="0"/>
-                                  </p:stCondLst>
-                                  <p:childTnLst>
-                                    <p:set>
-                                      <p:cBhvr>
-                                        <p:cTn id="10" dur="1" fill="hold">
-                                          <p:stCondLst>
-                                            <p:cond delay="0"/>
-                                          </p:stCondLst>
-                                        </p:cTn>
-                                        <p:tgtEl>
-                                          <p:spTgt spid="12"/>
-                                        </p:tgtEl>
-                                        <p:attrNameLst>
-                                          <p:attrName>style.visibility</p:attrName>
-                                        </p:attrNameLst>
-                                      </p:cBhvr>
-                                      <p:to>
-                                        <p:strVal val="visible"/>
-                                      </p:to>
-                                    </p:set>
-                                  </p:childTnLst>
-                                </p:cTn>
-                              </p:par>
-                            </p:childTnLst>
-                          </p:cTn>
-                        </p:par>
-                      </p:childTnLst>
-                    </p:cTn>
-                  </p:par>
-                </p:childTnLst>
-              </p:cTn>
-              <p:prevCondLst>
-                <p:cond evt="onPrev" delay="0">
-                  <p:tgtEl>
-                    <p:sldTgt/>
-                  </p:tgtEl>
-                </p:cond>
-              </p:prevCondLst>
-              <p:nextCondLst>
-                <p:cond evt="onNext" delay="0">
-                  <p:tgtEl>
-                    <p:sldTgt/>
-                  </p:tgtEl>
-                </p:cond>
-              </p:nextCondLst>
-            </p:seq>
-          </p:childTnLst>
-        </p:cTn>
-      </p:par>
-    </p:tnLst>
-    <p:bldLst>
-      <p:bldP spid="3" grpId="0" animBg="1"/>
-      <p:bldP spid="12" grpId="0" animBg="1"/>
-    </p:bldLst>
-  </p:timing>
 </p:sld>
 </file>
 
@@ -4206,7 +4081,7 @@
           </a:ln>
           <a:extLst>
             <a:ext uri="{C572A759-6A51-4108-AA02-DFA0A04FC94B}">
-              <ma14:wrappingTextBoxFlag xmlns="" xmlns:m="http://schemas.openxmlformats.org/officeDocument/2006/math" xmlns:a14="http://schemas.microsoft.com/office/drawing/2010/main" xmlns:ma14="http://schemas.microsoft.com/office/mac/drawingml/2011/main" val="1"/>
+              <ma14:wrappingTextBoxFlag xmlns:ma14="http://schemas.microsoft.com/office/mac/drawingml/2011/main" xmlns:a14="http://schemas.microsoft.com/office/drawing/2010/main" xmlns:m="http://schemas.openxmlformats.org/officeDocument/2006/math" xmlns="" val="1"/>
             </a:ext>
           </a:extLst>
         </p:spPr>
@@ -4277,758 +4152,7 @@
           </a:ln>
           <a:extLst>
             <a:ext uri="{C572A759-6A51-4108-AA02-DFA0A04FC94B}">
-              <ma14:wrappingTextBoxFlag xmlns="" xmlns:m="http://schemas.openxmlformats.org/officeDocument/2006/math" xmlns:a14="http://schemas.microsoft.com/office/drawing/2010/main" xmlns:ma14="http://schemas.microsoft.com/office/mac/drawingml/2011/main" val="1"/>
-            </a:ext>
-          </a:extLst>
-        </p:spPr>
-        <p:txBody>
-          <a:bodyPr wrap="none" lIns="50800" tIns="50800" rIns="50800" bIns="50800" anchor="ctr">
-            <a:spAutoFit/>
-          </a:bodyPr>
-          <a:lstStyle/>
-          <a:p>
-            <a:pPr marL="381000" lvl="3" indent="-381000" algn="l">
-              <a:buSzPct val="100000"/>
-              <a:buChar char="‣"/>
-              <a:defRPr sz="4000" b="0"/>
-            </a:pPr>
-            <a:r>
-              <a:rPr dirty="0"/>
-              <a:t> </a:t>
-            </a:r>
-            <a:r>
-              <a:rPr lang="zh-CN" altLang="en-US" dirty="0"/>
-              <a:t>解题思路</a:t>
-            </a:r>
-            <a:endParaRPr dirty="0"/>
-          </a:p>
-        </p:txBody>
-      </p:sp>
-      <p:sp>
-        <p:nvSpPr>
-          <p:cNvPr id="122" name="xxxxx"/>
-          <p:cNvSpPr txBox="1"/>
-          <p:nvPr/>
-        </p:nvSpPr>
-        <p:spPr>
-          <a:xfrm>
-            <a:off x="1534496" y="7616975"/>
-            <a:ext cx="7061228" cy="641201"/>
-          </a:xfrm>
-          <a:prstGeom prst="rect">
-            <a:avLst/>
-          </a:prstGeom>
-          <a:ln w="12700">
-            <a:miter lim="400000"/>
-          </a:ln>
-          <a:extLst>
-            <a:ext uri="{C572A759-6A51-4108-AA02-DFA0A04FC94B}">
-              <ma14:wrappingTextBoxFlag xmlns="" xmlns:m="http://schemas.openxmlformats.org/officeDocument/2006/math" xmlns:a14="http://schemas.microsoft.com/office/drawing/2010/main" xmlns:ma14="http://schemas.microsoft.com/office/mac/drawingml/2011/main" val="1"/>
-            </a:ext>
-          </a:extLst>
-        </p:spPr>
-        <p:txBody>
-          <a:bodyPr wrap="none" lIns="50800" tIns="50800" rIns="50800" bIns="50800" anchor="ctr">
-            <a:spAutoFit/>
-          </a:bodyPr>
-          <a:lstStyle/>
-          <a:p>
-            <a:pPr marL="762000" lvl="3" indent="-381000" algn="l">
-              <a:buSzPct val="100000"/>
-              <a:buChar char="-"/>
-              <a:defRPr sz="3500" b="0">
-                <a:latin typeface="Helvetica Neue Light"/>
-                <a:ea typeface="Helvetica Neue Light"/>
-                <a:cs typeface="Helvetica Neue Light"/>
-                <a:sym typeface="Helvetica Neue Light"/>
-              </a:defRPr>
-            </a:pPr>
-            <a:r>
-              <a:rPr lang="en-US" altLang="zh-CN" dirty="0"/>
-              <a:t>a </a:t>
-            </a:r>
-            <a:r>
-              <a:rPr lang="zh-CN" altLang="en-US" dirty="0"/>
-              <a:t>作为必经之路，是不能舍弃的</a:t>
-            </a:r>
-          </a:p>
-        </p:txBody>
-      </p:sp>
-      <p:sp>
-        <p:nvSpPr>
-          <p:cNvPr id="11" name="xxxxx">
-            <a:extLst>
-              <a:ext uri="{FF2B5EF4-FFF2-40B4-BE49-F238E27FC236}">
-                <a16:creationId xmlns:a16="http://schemas.microsoft.com/office/drawing/2014/main" id="{2FA336E7-065F-44EE-9546-2206454DC3BA}"/>
-              </a:ext>
-            </a:extLst>
-          </p:cNvPr>
-          <p:cNvSpPr txBox="1"/>
-          <p:nvPr/>
-        </p:nvSpPr>
-        <p:spPr>
-          <a:xfrm>
-            <a:off x="1524755" y="5149514"/>
-            <a:ext cx="3116238" cy="641201"/>
-          </a:xfrm>
-          <a:prstGeom prst="rect">
-            <a:avLst/>
-          </a:prstGeom>
-          <a:ln w="12700">
-            <a:miter lim="400000"/>
-          </a:ln>
-          <a:extLst>
-            <a:ext uri="{C572A759-6A51-4108-AA02-DFA0A04FC94B}">
-              <ma14:wrappingTextBoxFlag xmlns="" xmlns:m="http://schemas.openxmlformats.org/officeDocument/2006/math" xmlns:a14="http://schemas.microsoft.com/office/drawing/2010/main" xmlns:ma14="http://schemas.microsoft.com/office/mac/drawingml/2011/main" val="1"/>
-            </a:ext>
-          </a:extLst>
-        </p:spPr>
-        <p:txBody>
-          <a:bodyPr wrap="none" lIns="50800" tIns="50800" rIns="50800" bIns="50800" anchor="ctr">
-            <a:spAutoFit/>
-          </a:bodyPr>
-          <a:lstStyle/>
-          <a:p>
-            <a:pPr marL="762000" lvl="3" indent="-381000" algn="l">
-              <a:buSzPct val="100000"/>
-              <a:buChar char="-"/>
-              <a:defRPr sz="3500" b="0">
-                <a:latin typeface="Helvetica Neue Light"/>
-                <a:ea typeface="Helvetica Neue Light"/>
-                <a:cs typeface="Helvetica Neue Light"/>
-                <a:sym typeface="Helvetica Neue Light"/>
-              </a:defRPr>
-            </a:pPr>
-            <a:r>
-              <a:rPr lang="zh-CN" altLang="en-US" dirty="0"/>
-              <a:t>负数的处理</a:t>
-            </a:r>
-            <a:endParaRPr dirty="0"/>
-          </a:p>
-        </p:txBody>
-      </p:sp>
-      <p:sp>
-        <p:nvSpPr>
-          <p:cNvPr id="16" name="xxxxx">
-            <a:extLst>
-              <a:ext uri="{FF2B5EF4-FFF2-40B4-BE49-F238E27FC236}">
-                <a16:creationId xmlns:a16="http://schemas.microsoft.com/office/drawing/2014/main" id="{F64E741B-D212-40B0-A755-B82B04FCFEB6}"/>
-              </a:ext>
-            </a:extLst>
-          </p:cNvPr>
-          <p:cNvSpPr txBox="1"/>
-          <p:nvPr/>
-        </p:nvSpPr>
-        <p:spPr>
-          <a:xfrm>
-            <a:off x="1534496" y="5972001"/>
-            <a:ext cx="9420849" cy="641201"/>
-          </a:xfrm>
-          <a:prstGeom prst="rect">
-            <a:avLst/>
-          </a:prstGeom>
-          <a:ln w="12700">
-            <a:miter lim="400000"/>
-          </a:ln>
-          <a:extLst>
-            <a:ext uri="{C572A759-6A51-4108-AA02-DFA0A04FC94B}">
-              <ma14:wrappingTextBoxFlag xmlns="" xmlns:m="http://schemas.openxmlformats.org/officeDocument/2006/math" xmlns:a14="http://schemas.microsoft.com/office/drawing/2010/main" xmlns:ma14="http://schemas.microsoft.com/office/mac/drawingml/2011/main" val="1"/>
-            </a:ext>
-          </a:extLst>
-        </p:spPr>
-        <p:txBody>
-          <a:bodyPr wrap="none" lIns="50800" tIns="50800" rIns="50800" bIns="50800" anchor="ctr">
-            <a:spAutoFit/>
-          </a:bodyPr>
-          <a:lstStyle/>
-          <a:p>
-            <a:pPr marL="762000" lvl="3" indent="-381000" algn="l">
-              <a:buSzPct val="100000"/>
-              <a:buChar char="-"/>
-              <a:defRPr sz="3500" b="0">
-                <a:latin typeface="Helvetica Neue Light"/>
-                <a:ea typeface="Helvetica Neue Light"/>
-                <a:cs typeface="Helvetica Neue Light"/>
-                <a:sym typeface="Helvetica Neue Light"/>
-              </a:defRPr>
-            </a:pPr>
-            <a:r>
-              <a:rPr lang="zh-CN" altLang="en-US" dirty="0"/>
-              <a:t>求最大和，负数能舍弃就舍弃（</a:t>
-            </a:r>
-            <a:r>
-              <a:rPr lang="en-US" altLang="zh-CN" dirty="0"/>
-              <a:t>max(0, x)</a:t>
-            </a:r>
-            <a:r>
-              <a:rPr lang="zh-CN" altLang="en-US" dirty="0"/>
-              <a:t>）</a:t>
-            </a:r>
-            <a:endParaRPr lang="en-US" altLang="zh-CN" dirty="0"/>
-          </a:p>
-        </p:txBody>
-      </p:sp>
-      <p:sp>
-        <p:nvSpPr>
-          <p:cNvPr id="17" name="xxxxx">
-            <a:extLst>
-              <a:ext uri="{FF2B5EF4-FFF2-40B4-BE49-F238E27FC236}">
-                <a16:creationId xmlns:a16="http://schemas.microsoft.com/office/drawing/2014/main" id="{A29ADDA2-DE86-4EAC-A5DC-1E452DCE7C3D}"/>
-              </a:ext>
-            </a:extLst>
-          </p:cNvPr>
-          <p:cNvSpPr txBox="1"/>
-          <p:nvPr/>
-        </p:nvSpPr>
-        <p:spPr>
-          <a:xfrm>
-            <a:off x="1534496" y="6794488"/>
-            <a:ext cx="7753726" cy="641201"/>
-          </a:xfrm>
-          <a:prstGeom prst="rect">
-            <a:avLst/>
-          </a:prstGeom>
-          <a:ln w="12700">
-            <a:miter lim="400000"/>
-          </a:ln>
-          <a:extLst>
-            <a:ext uri="{C572A759-6A51-4108-AA02-DFA0A04FC94B}">
-              <ma14:wrappingTextBoxFlag xmlns="" xmlns:m="http://schemas.openxmlformats.org/officeDocument/2006/math" xmlns:a14="http://schemas.microsoft.com/office/drawing/2010/main" xmlns:ma14="http://schemas.microsoft.com/office/mac/drawingml/2011/main" val="1"/>
-            </a:ext>
-          </a:extLst>
-        </p:spPr>
-        <p:txBody>
-          <a:bodyPr wrap="none" lIns="50800" tIns="50800" rIns="50800" bIns="50800" anchor="ctr">
-            <a:spAutoFit/>
-          </a:bodyPr>
-          <a:lstStyle/>
-          <a:p>
-            <a:pPr marL="762000" lvl="3" indent="-381000" algn="l">
-              <a:buSzPct val="100000"/>
-              <a:buChar char="-"/>
-              <a:defRPr sz="3500" b="0">
-                <a:latin typeface="Helvetica Neue Light"/>
-                <a:ea typeface="Helvetica Neue Light"/>
-                <a:cs typeface="Helvetica Neue Light"/>
-                <a:sym typeface="Helvetica Neue Light"/>
-              </a:defRPr>
-            </a:pPr>
-            <a:r>
-              <a:rPr lang="zh-CN" altLang="en-US" dirty="0"/>
-              <a:t>但是无论是继续向上，还是连接 </a:t>
-            </a:r>
-            <a:r>
-              <a:rPr lang="en-US" altLang="zh-CN" dirty="0" err="1"/>
-              <a:t>bc</a:t>
-            </a:r>
-            <a:endParaRPr dirty="0"/>
-          </a:p>
-        </p:txBody>
-      </p:sp>
-      <p:sp>
-        <p:nvSpPr>
-          <p:cNvPr id="12" name="Rectangle 2">
-            <a:extLst>
-              <a:ext uri="{FF2B5EF4-FFF2-40B4-BE49-F238E27FC236}">
-                <a16:creationId xmlns:a16="http://schemas.microsoft.com/office/drawing/2014/main" id="{25BEA6B7-172E-4F94-AE34-E69B1D6CE99A}"/>
-              </a:ext>
-            </a:extLst>
-          </p:cNvPr>
-          <p:cNvSpPr>
-            <a:spLocks noChangeArrowheads="1"/>
-          </p:cNvSpPr>
-          <p:nvPr/>
-        </p:nvSpPr>
-        <p:spPr bwMode="auto">
-          <a:xfrm>
-            <a:off x="14400000" y="2880000"/>
-            <a:ext cx="4971090" cy="1938992"/>
-          </a:xfrm>
-          <a:prstGeom prst="rect">
-            <a:avLst/>
-          </a:prstGeom>
-          <a:noFill/>
-          <a:ln>
-            <a:noFill/>
-          </a:ln>
-          <a:effectLst/>
-        </p:spPr>
-        <p:txBody>
-          <a:bodyPr vert="horz" wrap="square" lIns="91440" tIns="45720" rIns="91440" bIns="45720" numCol="1" anchor="ctr" anchorCtr="0" compatLnSpc="1">
-            <a:prstTxWarp prst="textNoShape">
-              <a:avLst/>
-            </a:prstTxWarp>
-            <a:spAutoFit/>
-          </a:bodyPr>
-          <a:lstStyle/>
-          <a:p>
-            <a:pPr lvl="0" defTabSz="914400" eaLnBrk="0" fontAlgn="base">
-              <a:spcBef>
-                <a:spcPct val="0"/>
-              </a:spcBef>
-              <a:spcAft>
-                <a:spcPct val="0"/>
-              </a:spcAft>
-            </a:pPr>
-            <a:r>
-              <a:rPr lang="en-US" altLang="zh-CN" sz="2400" dirty="0">
-                <a:solidFill>
-                  <a:schemeClr val="tx1"/>
-                </a:solidFill>
-                <a:latin typeface="华文细黑" panose="02010600040101010101" pitchFamily="2" charset="-122"/>
-                <a:ea typeface="华文细黑" panose="02010600040101010101" pitchFamily="2" charset="-122"/>
-              </a:rPr>
-              <a:t>|</a:t>
-            </a:r>
-          </a:p>
-          <a:p>
-            <a:pPr lvl="0" defTabSz="914400" eaLnBrk="0" fontAlgn="base">
-              <a:spcBef>
-                <a:spcPct val="0"/>
-              </a:spcBef>
-              <a:spcAft>
-                <a:spcPct val="0"/>
-              </a:spcAft>
-            </a:pPr>
-            <a:r>
-              <a:rPr lang="en-US" altLang="zh-CN" sz="2400" dirty="0">
-                <a:solidFill>
-                  <a:srgbClr val="FF0000"/>
-                </a:solidFill>
-                <a:latin typeface="华文细黑" panose="02010600040101010101" pitchFamily="2" charset="-122"/>
-                <a:ea typeface="华文细黑" panose="02010600040101010101" pitchFamily="2" charset="-122"/>
-              </a:rPr>
-              <a:t>-1</a:t>
-            </a:r>
-          </a:p>
-          <a:p>
-            <a:pPr lvl="0" defTabSz="914400" eaLnBrk="0" fontAlgn="base">
-              <a:spcBef>
-                <a:spcPct val="0"/>
-              </a:spcBef>
-              <a:spcAft>
-                <a:spcPct val="0"/>
-              </a:spcAft>
-            </a:pPr>
-            <a:r>
-              <a:rPr lang="en-US" altLang="zh-CN" sz="2400" dirty="0">
-                <a:solidFill>
-                  <a:schemeClr val="tx1"/>
-                </a:solidFill>
-                <a:latin typeface="华文细黑" panose="02010600040101010101" pitchFamily="2" charset="-122"/>
-                <a:ea typeface="华文细黑" panose="02010600040101010101" pitchFamily="2" charset="-122"/>
-              </a:rPr>
-              <a:t>/  \</a:t>
-            </a:r>
-          </a:p>
-          <a:p>
-            <a:pPr lvl="0" defTabSz="914400" eaLnBrk="0" fontAlgn="base">
-              <a:spcBef>
-                <a:spcPct val="0"/>
-              </a:spcBef>
-              <a:spcAft>
-                <a:spcPct val="0"/>
-              </a:spcAft>
-            </a:pPr>
-            <a:r>
-              <a:rPr lang="en-US" altLang="zh-CN" sz="2400" dirty="0">
-                <a:solidFill>
-                  <a:schemeClr val="tx1"/>
-                </a:solidFill>
-                <a:latin typeface="华文细黑" panose="02010600040101010101" pitchFamily="2" charset="-122"/>
-                <a:ea typeface="华文细黑" panose="02010600040101010101" pitchFamily="2" charset="-122"/>
-              </a:rPr>
-              <a:t>-1      -1</a:t>
-            </a:r>
-          </a:p>
-          <a:p>
-            <a:pPr defTabSz="914400" eaLnBrk="0" fontAlgn="base">
-              <a:spcBef>
-                <a:spcPct val="0"/>
-              </a:spcBef>
-              <a:spcAft>
-                <a:spcPct val="0"/>
-              </a:spcAft>
-            </a:pPr>
-            <a:r>
-              <a:rPr lang="en-US" altLang="zh-CN" sz="2400" dirty="0">
-                <a:solidFill>
-                  <a:schemeClr val="tx1"/>
-                </a:solidFill>
-                <a:latin typeface="华文细黑" panose="02010600040101010101" pitchFamily="2" charset="-122"/>
-                <a:ea typeface="华文细黑" panose="02010600040101010101" pitchFamily="2" charset="-122"/>
-              </a:rPr>
-              <a:t>/  \   /  \</a:t>
-            </a:r>
-          </a:p>
-        </p:txBody>
-      </p:sp>
-    </p:spTree>
-    <p:extLst>
-      <p:ext uri="{BB962C8B-B14F-4D97-AF65-F5344CB8AC3E}">
-        <p14:creationId xmlns:p14="http://schemas.microsoft.com/office/powerpoint/2010/main" val="2526951899"/>
-      </p:ext>
-    </p:extLst>
-  </p:cSld>
-  <p:clrMapOvr>
-    <a:masterClrMapping/>
-  </p:clrMapOvr>
-  <p:transition spd="med"/>
-  <p:timing>
-    <p:tnLst>
-      <p:par>
-        <p:cTn id="1" dur="indefinite" restart="never" nodeType="tmRoot">
-          <p:childTnLst>
-            <p:seq concurrent="1" nextAc="seek">
-              <p:cTn id="2" dur="indefinite" nodeType="mainSeq">
-                <p:childTnLst>
-                  <p:par>
-                    <p:cTn id="3" fill="hold">
-                      <p:stCondLst>
-                        <p:cond delay="indefinite"/>
-                      </p:stCondLst>
-                      <p:childTnLst>
-                        <p:par>
-                          <p:cTn id="4" fill="hold">
-                            <p:stCondLst>
-                              <p:cond delay="0"/>
-                            </p:stCondLst>
-                            <p:childTnLst>
-                              <p:par>
-                                <p:cTn id="5" presetID="1" presetClass="entr" presetSubtype="0" fill="hold" grpId="0" nodeType="clickEffect">
-                                  <p:stCondLst>
-                                    <p:cond delay="0"/>
-                                  </p:stCondLst>
-                                  <p:childTnLst>
-                                    <p:set>
-                                      <p:cBhvr>
-                                        <p:cTn id="6" dur="1" fill="hold">
-                                          <p:stCondLst>
-                                            <p:cond delay="0"/>
-                                          </p:stCondLst>
-                                        </p:cTn>
-                                        <p:tgtEl>
-                                          <p:spTgt spid="11"/>
-                                        </p:tgtEl>
-                                        <p:attrNameLst>
-                                          <p:attrName>style.visibility</p:attrName>
-                                        </p:attrNameLst>
-                                      </p:cBhvr>
-                                      <p:to>
-                                        <p:strVal val="visible"/>
-                                      </p:to>
-                                    </p:set>
-                                  </p:childTnLst>
-                                </p:cTn>
-                              </p:par>
-                              <p:par>
-                                <p:cTn id="7" presetID="1" presetClass="entr" presetSubtype="0" fill="hold" grpId="0" nodeType="withEffect">
-                                  <p:stCondLst>
-                                    <p:cond delay="0"/>
-                                  </p:stCondLst>
-                                  <p:childTnLst>
-                                    <p:set>
-                                      <p:cBhvr>
-                                        <p:cTn id="8" dur="1" fill="hold">
-                                          <p:stCondLst>
-                                            <p:cond delay="0"/>
-                                          </p:stCondLst>
-                                        </p:cTn>
-                                        <p:tgtEl>
-                                          <p:spTgt spid="12"/>
-                                        </p:tgtEl>
-                                        <p:attrNameLst>
-                                          <p:attrName>style.visibility</p:attrName>
-                                        </p:attrNameLst>
-                                      </p:cBhvr>
-                                      <p:to>
-                                        <p:strVal val="visible"/>
-                                      </p:to>
-                                    </p:set>
-                                  </p:childTnLst>
-                                </p:cTn>
-                              </p:par>
-                            </p:childTnLst>
-                          </p:cTn>
-                        </p:par>
-                      </p:childTnLst>
-                    </p:cTn>
-                  </p:par>
-                  <p:par>
-                    <p:cTn id="9" fill="hold">
-                      <p:stCondLst>
-                        <p:cond delay="indefinite"/>
-                      </p:stCondLst>
-                      <p:childTnLst>
-                        <p:par>
-                          <p:cTn id="10" fill="hold">
-                            <p:stCondLst>
-                              <p:cond delay="0"/>
-                            </p:stCondLst>
-                            <p:childTnLst>
-                              <p:par>
-                                <p:cTn id="11" presetID="1" presetClass="entr" presetSubtype="0" fill="hold" grpId="0" nodeType="clickEffect">
-                                  <p:stCondLst>
-                                    <p:cond delay="0"/>
-                                  </p:stCondLst>
-                                  <p:childTnLst>
-                                    <p:set>
-                                      <p:cBhvr>
-                                        <p:cTn id="12" dur="1" fill="hold">
-                                          <p:stCondLst>
-                                            <p:cond delay="0"/>
-                                          </p:stCondLst>
-                                        </p:cTn>
-                                        <p:tgtEl>
-                                          <p:spTgt spid="16"/>
-                                        </p:tgtEl>
-                                        <p:attrNameLst>
-                                          <p:attrName>style.visibility</p:attrName>
-                                        </p:attrNameLst>
-                                      </p:cBhvr>
-                                      <p:to>
-                                        <p:strVal val="visible"/>
-                                      </p:to>
-                                    </p:set>
-                                  </p:childTnLst>
-                                </p:cTn>
-                              </p:par>
-                            </p:childTnLst>
-                          </p:cTn>
-                        </p:par>
-                      </p:childTnLst>
-                    </p:cTn>
-                  </p:par>
-                  <p:par>
-                    <p:cTn id="13" fill="hold">
-                      <p:stCondLst>
-                        <p:cond delay="indefinite"/>
-                      </p:stCondLst>
-                      <p:childTnLst>
-                        <p:par>
-                          <p:cTn id="14" fill="hold">
-                            <p:stCondLst>
-                              <p:cond delay="0"/>
-                            </p:stCondLst>
-                            <p:childTnLst>
-                              <p:par>
-                                <p:cTn id="15" presetID="1" presetClass="entr" presetSubtype="0" fill="hold" grpId="0" nodeType="clickEffect">
-                                  <p:stCondLst>
-                                    <p:cond delay="0"/>
-                                  </p:stCondLst>
-                                  <p:childTnLst>
-                                    <p:set>
-                                      <p:cBhvr>
-                                        <p:cTn id="16" dur="1" fill="hold">
-                                          <p:stCondLst>
-                                            <p:cond delay="0"/>
-                                          </p:stCondLst>
-                                        </p:cTn>
-                                        <p:tgtEl>
-                                          <p:spTgt spid="17"/>
-                                        </p:tgtEl>
-                                        <p:attrNameLst>
-                                          <p:attrName>style.visibility</p:attrName>
-                                        </p:attrNameLst>
-                                      </p:cBhvr>
-                                      <p:to>
-                                        <p:strVal val="visible"/>
-                                      </p:to>
-                                    </p:set>
-                                  </p:childTnLst>
-                                </p:cTn>
-                              </p:par>
-                            </p:childTnLst>
-                          </p:cTn>
-                        </p:par>
-                      </p:childTnLst>
-                    </p:cTn>
-                  </p:par>
-                  <p:par>
-                    <p:cTn id="17" fill="hold">
-                      <p:stCondLst>
-                        <p:cond delay="indefinite"/>
-                      </p:stCondLst>
-                      <p:childTnLst>
-                        <p:par>
-                          <p:cTn id="18" fill="hold">
-                            <p:stCondLst>
-                              <p:cond delay="0"/>
-                            </p:stCondLst>
-                            <p:childTnLst>
-                              <p:par>
-                                <p:cTn id="19" presetID="1" presetClass="entr" presetSubtype="0" fill="hold" grpId="0" nodeType="clickEffect">
-                                  <p:stCondLst>
-                                    <p:cond delay="0"/>
-                                  </p:stCondLst>
-                                  <p:childTnLst>
-                                    <p:set>
-                                      <p:cBhvr>
-                                        <p:cTn id="20" dur="1" fill="hold">
-                                          <p:stCondLst>
-                                            <p:cond delay="0"/>
-                                          </p:stCondLst>
-                                        </p:cTn>
-                                        <p:tgtEl>
-                                          <p:spTgt spid="122"/>
-                                        </p:tgtEl>
-                                        <p:attrNameLst>
-                                          <p:attrName>style.visibility</p:attrName>
-                                        </p:attrNameLst>
-                                      </p:cBhvr>
-                                      <p:to>
-                                        <p:strVal val="visible"/>
-                                      </p:to>
-                                    </p:set>
-                                  </p:childTnLst>
-                                </p:cTn>
-                              </p:par>
-                            </p:childTnLst>
-                          </p:cTn>
-                        </p:par>
-                      </p:childTnLst>
-                    </p:cTn>
-                  </p:par>
-                </p:childTnLst>
-              </p:cTn>
-              <p:prevCondLst>
-                <p:cond evt="onPrev" delay="0">
-                  <p:tgtEl>
-                    <p:sldTgt/>
-                  </p:tgtEl>
-                </p:cond>
-              </p:prevCondLst>
-              <p:nextCondLst>
-                <p:cond evt="onNext" delay="0">
-                  <p:tgtEl>
-                    <p:sldTgt/>
-                  </p:tgtEl>
-                </p:cond>
-              </p:nextCondLst>
-            </p:seq>
-          </p:childTnLst>
-        </p:cTn>
-      </p:par>
-    </p:tnLst>
-    <p:bldLst>
-      <p:bldP spid="122" grpId="0" animBg="1"/>
-      <p:bldP spid="11" grpId="0" animBg="1"/>
-      <p:bldP spid="16" grpId="0" animBg="1"/>
-      <p:bldP spid="17" grpId="0" animBg="1"/>
-      <p:bldP spid="12" grpId="0"/>
-    </p:bldLst>
-  </p:timing>
-</p:sld>
-</file>
-
-<file path=ppt/slides/slide11.xml><?xml version="1.0" encoding="utf-8"?>
-<p:sld xmlns:a="http://schemas.openxmlformats.org/drawingml/2006/main" xmlns:r="http://schemas.openxmlformats.org/officeDocument/2006/relationships" xmlns:p="http://schemas.openxmlformats.org/presentationml/2006/main">
-  <p:cSld>
-    <p:spTree>
-      <p:nvGrpSpPr>
-        <p:cNvPr id="1" name=""/>
-        <p:cNvGrpSpPr/>
-        <p:nvPr/>
-      </p:nvGrpSpPr>
-      <p:grpSpPr>
-        <a:xfrm>
-          <a:off x="0" y="0"/>
-          <a:ext cx="0" cy="0"/>
-          <a:chOff x="0" y="0"/>
-          <a:chExt cx="0" cy="0"/>
-        </a:xfrm>
-      </p:grpSpPr>
-      <p:sp>
-        <p:nvSpPr>
-          <p:cNvPr id="119" name="小标题"/>
-          <p:cNvSpPr txBox="1"/>
-          <p:nvPr/>
-        </p:nvSpPr>
-        <p:spPr>
-          <a:xfrm>
-            <a:off x="1524755" y="1062583"/>
-            <a:ext cx="6718186" cy="872034"/>
-          </a:xfrm>
-          <a:prstGeom prst="rect">
-            <a:avLst/>
-          </a:prstGeom>
-          <a:ln w="12700">
-            <a:miter lim="400000"/>
-          </a:ln>
-          <a:extLst>
-            <a:ext uri="{C572A759-6A51-4108-AA02-DFA0A04FC94B}">
-              <ma14:wrappingTextBoxFlag xmlns="" xmlns:m="http://schemas.openxmlformats.org/officeDocument/2006/math" xmlns:a14="http://schemas.microsoft.com/office/drawing/2010/main" xmlns:ma14="http://schemas.microsoft.com/office/mac/drawingml/2011/main" val="1"/>
-            </a:ext>
-          </a:extLst>
-        </p:spPr>
-        <p:txBody>
-          <a:bodyPr wrap="none" lIns="50800" tIns="50800" rIns="50800" bIns="50800" anchor="ctr">
-            <a:spAutoFit/>
-          </a:bodyPr>
-          <a:lstStyle>
-            <a:lvl1pPr algn="l">
-              <a:defRPr sz="5000" b="0"/>
-            </a:lvl1pPr>
-          </a:lstStyle>
-          <a:p>
-            <a:r>
-              <a:rPr lang="zh-CN" altLang="en-US" dirty="0"/>
-              <a:t>二叉树中的最大路径和</a:t>
-            </a:r>
-            <a:endParaRPr sz="2400" dirty="0">
-              <a:latin typeface="华文楷体" panose="02010600040101010101" pitchFamily="2" charset="-122"/>
-              <a:ea typeface="华文楷体" panose="02010600040101010101" pitchFamily="2" charset="-122"/>
-            </a:endParaRPr>
-          </a:p>
-        </p:txBody>
-      </p:sp>
-      <p:pic>
-        <p:nvPicPr>
-          <p:cNvPr id="120" name="15@3x.png" descr="15@3x.png"/>
-          <p:cNvPicPr>
-            <a:picLocks noChangeAspect="1"/>
-          </p:cNvPicPr>
-          <p:nvPr/>
-        </p:nvPicPr>
-        <p:blipFill>
-          <a:blip r:embed="rId2"/>
-          <a:stretch>
-            <a:fillRect/>
-          </a:stretch>
-        </p:blipFill>
-        <p:spPr>
-          <a:xfrm>
-            <a:off x="20137758" y="955097"/>
-            <a:ext cx="2540001" cy="1195755"/>
-          </a:xfrm>
-          <a:prstGeom prst="rect">
-            <a:avLst/>
-          </a:prstGeom>
-          <a:ln w="12700">
-            <a:miter lim="400000"/>
-          </a:ln>
-        </p:spPr>
-      </p:pic>
-      <p:sp>
-        <p:nvSpPr>
-          <p:cNvPr id="121" name="xxx"/>
-          <p:cNvSpPr txBox="1"/>
-          <p:nvPr/>
-        </p:nvSpPr>
-        <p:spPr>
-          <a:xfrm>
-            <a:off x="1528824" y="4181801"/>
-            <a:ext cx="2681824" cy="718145"/>
-          </a:xfrm>
-          <a:prstGeom prst="rect">
-            <a:avLst/>
-          </a:prstGeom>
-          <a:ln w="12700">
-            <a:miter lim="400000"/>
-          </a:ln>
-          <a:extLst>
-            <a:ext uri="{C572A759-6A51-4108-AA02-DFA0A04FC94B}">
-              <ma14:wrappingTextBoxFlag xmlns="" xmlns:m="http://schemas.openxmlformats.org/officeDocument/2006/math" xmlns:a14="http://schemas.microsoft.com/office/drawing/2010/main" xmlns:ma14="http://schemas.microsoft.com/office/mac/drawingml/2011/main" val="1"/>
+              <ma14:wrappingTextBoxFlag xmlns:ma14="http://schemas.microsoft.com/office/mac/drawingml/2011/main" xmlns:a14="http://schemas.microsoft.com/office/drawing/2010/main" xmlns:m="http://schemas.openxmlformats.org/officeDocument/2006/math" xmlns="" val="1"/>
             </a:ext>
           </a:extLst>
         </p:spPr>
@@ -10134,7 +9258,7 @@
           </a:ln>
           <a:extLst>
             <a:ext uri="{C572A759-6A51-4108-AA02-DFA0A04FC94B}">
-              <ma14:wrappingTextBoxFlag xmlns="" xmlns:m="http://schemas.openxmlformats.org/officeDocument/2006/math" xmlns:a14="http://schemas.microsoft.com/office/drawing/2010/main" xmlns:ma14="http://schemas.microsoft.com/office/mac/drawingml/2011/main" val="1"/>
+              <ma14:wrappingTextBoxFlag xmlns:ma14="http://schemas.microsoft.com/office/mac/drawingml/2011/main" xmlns:a14="http://schemas.microsoft.com/office/drawing/2010/main" xmlns:m="http://schemas.openxmlformats.org/officeDocument/2006/math" xmlns="" val="1"/>
             </a:ext>
           </a:extLst>
         </p:spPr>
@@ -10205,7 +9329,7 @@
           </a:ln>
           <a:extLst>
             <a:ext uri="{C572A759-6A51-4108-AA02-DFA0A04FC94B}">
-              <ma14:wrappingTextBoxFlag xmlns="" xmlns:m="http://schemas.openxmlformats.org/officeDocument/2006/math" xmlns:a14="http://schemas.microsoft.com/office/drawing/2010/main" xmlns:ma14="http://schemas.microsoft.com/office/mac/drawingml/2011/main" val="1"/>
+              <ma14:wrappingTextBoxFlag xmlns:ma14="http://schemas.microsoft.com/office/mac/drawingml/2011/main" xmlns:a14="http://schemas.microsoft.com/office/drawing/2010/main" xmlns:m="http://schemas.openxmlformats.org/officeDocument/2006/math" xmlns="" val="1"/>
             </a:ext>
           </a:extLst>
         </p:spPr>
@@ -10250,7 +9374,7 @@
           </a:ln>
           <a:extLst>
             <a:ext uri="{C572A759-6A51-4108-AA02-DFA0A04FC94B}">
-              <ma14:wrappingTextBoxFlag xmlns="" xmlns:m="http://schemas.openxmlformats.org/officeDocument/2006/math" xmlns:a14="http://schemas.microsoft.com/office/drawing/2010/main" xmlns:ma14="http://schemas.microsoft.com/office/mac/drawingml/2011/main" val="1"/>
+              <ma14:wrappingTextBoxFlag xmlns:ma14="http://schemas.microsoft.com/office/mac/drawingml/2011/main" xmlns:a14="http://schemas.microsoft.com/office/drawing/2010/main" xmlns:m="http://schemas.openxmlformats.org/officeDocument/2006/math" xmlns="" val="1"/>
             </a:ext>
           </a:extLst>
         </p:spPr>
@@ -10335,7 +9459,7 @@
           </a:ln>
           <a:extLst>
             <a:ext uri="{C572A759-6A51-4108-AA02-DFA0A04FC94B}">
-              <ma14:wrappingTextBoxFlag xmlns="" xmlns:m="http://schemas.openxmlformats.org/officeDocument/2006/math" xmlns:a14="http://schemas.microsoft.com/office/drawing/2010/main" xmlns:ma14="http://schemas.microsoft.com/office/mac/drawingml/2011/main" val="1"/>
+              <ma14:wrappingTextBoxFlag xmlns:ma14="http://schemas.microsoft.com/office/mac/drawingml/2011/main" xmlns:a14="http://schemas.microsoft.com/office/drawing/2010/main" xmlns:m="http://schemas.openxmlformats.org/officeDocument/2006/math" xmlns="" val="1"/>
             </a:ext>
           </a:extLst>
         </p:spPr>
@@ -10839,7 +9963,7 @@
                 <a:latin typeface="华文细黑" panose="02010600040101010101" pitchFamily="2" charset="-122"/>
                 <a:ea typeface="华文细黑" panose="02010600040101010101" pitchFamily="2" charset="-122"/>
               </a:rPr>
-              <a:t>7] = 42</a:t>
+              <a:t>7 = 42</a:t>
             </a:r>
             <a:endParaRPr kumimoji="0" lang="zh-CN" altLang="zh-CN" sz="2400" b="0" i="0" u="none" strike="noStrike" cap="none" normalizeH="0" baseline="0" dirty="0">
               <a:ln>
@@ -10866,130 +9990,6 @@
     <a:masterClrMapping/>
   </p:clrMapOvr>
   <p:transition spd="med"/>
-  <p:timing>
-    <p:tnLst>
-      <p:par>
-        <p:cTn id="1" dur="indefinite" restart="never" nodeType="tmRoot">
-          <p:childTnLst>
-            <p:seq concurrent="1" nextAc="seek">
-              <p:cTn id="2" dur="indefinite" nodeType="mainSeq">
-                <p:childTnLst>
-                  <p:par>
-                    <p:cTn id="3" fill="hold">
-                      <p:stCondLst>
-                        <p:cond delay="indefinite"/>
-                      </p:stCondLst>
-                      <p:childTnLst>
-                        <p:par>
-                          <p:cTn id="4" fill="hold">
-                            <p:stCondLst>
-                              <p:cond delay="0"/>
-                            </p:stCondLst>
-                            <p:childTnLst>
-                              <p:par>
-                                <p:cTn id="5" presetID="1" presetClass="entr" presetSubtype="0" fill="hold" grpId="0" nodeType="clickEffect">
-                                  <p:stCondLst>
-                                    <p:cond delay="0"/>
-                                  </p:stCondLst>
-                                  <p:childTnLst>
-                                    <p:set>
-                                      <p:cBhvr>
-                                        <p:cTn id="6" dur="1" fill="hold">
-                                          <p:stCondLst>
-                                            <p:cond delay="0"/>
-                                          </p:stCondLst>
-                                        </p:cTn>
-                                        <p:tgtEl>
-                                          <p:spTgt spid="3"/>
-                                        </p:tgtEl>
-                                        <p:attrNameLst>
-                                          <p:attrName>style.visibility</p:attrName>
-                                        </p:attrNameLst>
-                                      </p:cBhvr>
-                                      <p:to>
-                                        <p:strVal val="visible"/>
-                                      </p:to>
-                                    </p:set>
-                                  </p:childTnLst>
-                                </p:cTn>
-                              </p:par>
-                            </p:childTnLst>
-                          </p:cTn>
-                        </p:par>
-                      </p:childTnLst>
-                    </p:cTn>
-                  </p:par>
-                  <p:par>
-                    <p:cTn id="7" fill="hold">
-                      <p:stCondLst>
-                        <p:cond delay="indefinite"/>
-                      </p:stCondLst>
-                      <p:childTnLst>
-                        <p:par>
-                          <p:cTn id="8" fill="hold">
-                            <p:stCondLst>
-                              <p:cond delay="0"/>
-                            </p:stCondLst>
-                            <p:childTnLst>
-                              <p:par>
-                                <p:cTn id="9" presetID="1" presetClass="entr" presetSubtype="0" fill="hold" grpId="0" nodeType="clickEffect">
-                                  <p:stCondLst>
-                                    <p:cond delay="0"/>
-                                  </p:stCondLst>
-                                  <p:childTnLst>
-                                    <p:set>
-                                      <p:cBhvr>
-                                        <p:cTn id="10" dur="1" fill="hold">
-                                          <p:stCondLst>
-                                            <p:cond delay="0"/>
-                                          </p:stCondLst>
-                                        </p:cTn>
-                                        <p:tgtEl>
-                                          <p:spTgt spid="12"/>
-                                        </p:tgtEl>
-                                        <p:attrNameLst>
-                                          <p:attrName>style.visibility</p:attrName>
-                                        </p:attrNameLst>
-                                      </p:cBhvr>
-                                      <p:to>
-                                        <p:strVal val="visible"/>
-                                      </p:to>
-                                    </p:set>
-                                  </p:childTnLst>
-                                </p:cTn>
-                              </p:par>
-                            </p:childTnLst>
-                          </p:cTn>
-                        </p:par>
-                      </p:childTnLst>
-                    </p:cTn>
-                  </p:par>
-                </p:childTnLst>
-              </p:cTn>
-              <p:prevCondLst>
-                <p:cond evt="onPrev" delay="0">
-                  <p:tgtEl>
-                    <p:sldTgt/>
-                  </p:tgtEl>
-                </p:cond>
-              </p:prevCondLst>
-              <p:nextCondLst>
-                <p:cond evt="onNext" delay="0">
-                  <p:tgtEl>
-                    <p:sldTgt/>
-                  </p:tgtEl>
-                </p:cond>
-              </p:nextCondLst>
-            </p:seq>
-          </p:childTnLst>
-        </p:cTn>
-      </p:par>
-    </p:tnLst>
-    <p:bldLst>
-      <p:bldP spid="3" grpId="0" animBg="1"/>
-      <p:bldP spid="12" grpId="0" animBg="1"/>
-    </p:bldLst>
-  </p:timing>
 </p:sld>
 </file>
 
@@ -11029,7 +10029,7 @@
           </a:ln>
           <a:extLst>
             <a:ext uri="{C572A759-6A51-4108-AA02-DFA0A04FC94B}">
-              <ma14:wrappingTextBoxFlag xmlns="" xmlns:m="http://schemas.openxmlformats.org/officeDocument/2006/math" xmlns:a14="http://schemas.microsoft.com/office/drawing/2010/main" xmlns:ma14="http://schemas.microsoft.com/office/mac/drawingml/2011/main" val="1"/>
+              <ma14:wrappingTextBoxFlag xmlns:ma14="http://schemas.microsoft.com/office/mac/drawingml/2011/main" xmlns:a14="http://schemas.microsoft.com/office/drawing/2010/main" xmlns:m="http://schemas.openxmlformats.org/officeDocument/2006/math" xmlns="" val="1"/>
             </a:ext>
           </a:extLst>
         </p:spPr>
@@ -11100,7 +10100,7 @@
           </a:ln>
           <a:extLst>
             <a:ext uri="{C572A759-6A51-4108-AA02-DFA0A04FC94B}">
-              <ma14:wrappingTextBoxFlag xmlns="" xmlns:m="http://schemas.openxmlformats.org/officeDocument/2006/math" xmlns:a14="http://schemas.microsoft.com/office/drawing/2010/main" xmlns:ma14="http://schemas.microsoft.com/office/mac/drawingml/2011/main" val="1"/>
+              <ma14:wrappingTextBoxFlag xmlns:ma14="http://schemas.microsoft.com/office/mac/drawingml/2011/main" xmlns:a14="http://schemas.microsoft.com/office/drawing/2010/main" xmlns:m="http://schemas.openxmlformats.org/officeDocument/2006/math" xmlns="" val="1"/>
             </a:ext>
           </a:extLst>
         </p:spPr>
@@ -11135,8 +10135,8 @@
         </p:nvSpPr>
         <p:spPr>
           <a:xfrm>
-            <a:off x="1528824" y="5983953"/>
-            <a:ext cx="8502328" cy="641201"/>
+            <a:off x="1528824" y="5149514"/>
+            <a:ext cx="9848850" cy="641201"/>
           </a:xfrm>
           <a:prstGeom prst="rect">
             <a:avLst/>
@@ -11146,7 +10146,7 @@
           </a:ln>
           <a:extLst>
             <a:ext uri="{C572A759-6A51-4108-AA02-DFA0A04FC94B}">
-              <ma14:wrappingTextBoxFlag xmlns="" xmlns:m="http://schemas.openxmlformats.org/officeDocument/2006/math" xmlns:a14="http://schemas.microsoft.com/office/drawing/2010/main" xmlns:ma14="http://schemas.microsoft.com/office/mac/drawingml/2011/main" val="1"/>
+              <ma14:wrappingTextBoxFlag xmlns:ma14="http://schemas.microsoft.com/office/mac/drawingml/2011/main" xmlns:a14="http://schemas.microsoft.com/office/drawing/2010/main" xmlns:m="http://schemas.openxmlformats.org/officeDocument/2006/math" xmlns="" val="1"/>
             </a:ext>
           </a:extLst>
         </p:spPr>
@@ -11168,7 +10168,7 @@
             </a:pPr>
             <a:r>
               <a:rPr lang="zh-CN" altLang="en-US" dirty="0"/>
-              <a:t>路径：从任意节点出发，到达任意节点</a:t>
+              <a:t>二叉树路径：从任意节点出发，到达任意节点</a:t>
             </a:r>
             <a:endParaRPr dirty="0"/>
           </a:p>
@@ -11182,7 +10182,7 @@
         </p:nvSpPr>
         <p:spPr>
           <a:xfrm>
-            <a:off x="1528824" y="6818392"/>
+            <a:off x="1528824" y="5983953"/>
             <a:ext cx="10297691" cy="641201"/>
           </a:xfrm>
           <a:prstGeom prst="rect">
@@ -11193,7 +10193,7 @@
           </a:ln>
           <a:extLst>
             <a:ext uri="{C572A759-6A51-4108-AA02-DFA0A04FC94B}">
-              <ma14:wrappingTextBoxFlag xmlns="" xmlns:m="http://schemas.openxmlformats.org/officeDocument/2006/math" xmlns:a14="http://schemas.microsoft.com/office/drawing/2010/main" xmlns:ma14="http://schemas.microsoft.com/office/mac/drawingml/2011/main" val="1"/>
+              <ma14:wrappingTextBoxFlag xmlns:ma14="http://schemas.microsoft.com/office/mac/drawingml/2011/main" xmlns:a14="http://schemas.microsoft.com/office/drawing/2010/main" xmlns:m="http://schemas.openxmlformats.org/officeDocument/2006/math" xmlns="" val="1"/>
             </a:ext>
           </a:extLst>
         </p:spPr>
@@ -11235,7 +10235,7 @@
         </p:nvSpPr>
         <p:spPr>
           <a:xfrm>
-            <a:off x="1524755" y="7652831"/>
+            <a:off x="1524755" y="6818392"/>
             <a:ext cx="6258123" cy="641201"/>
           </a:xfrm>
           <a:prstGeom prst="rect">
@@ -11246,7 +10246,7 @@
           </a:ln>
           <a:extLst>
             <a:ext uri="{C572A759-6A51-4108-AA02-DFA0A04FC94B}">
-              <ma14:wrappingTextBoxFlag xmlns="" xmlns:m="http://schemas.openxmlformats.org/officeDocument/2006/math" xmlns:a14="http://schemas.microsoft.com/office/drawing/2010/main" xmlns:ma14="http://schemas.microsoft.com/office/mac/drawingml/2011/main" val="1"/>
+              <ma14:wrappingTextBoxFlag xmlns:ma14="http://schemas.microsoft.com/office/mac/drawingml/2011/main" xmlns:a14="http://schemas.microsoft.com/office/drawing/2010/main" xmlns:m="http://schemas.openxmlformats.org/officeDocument/2006/math" xmlns="" val="1"/>
             </a:ext>
           </a:extLst>
         </p:spPr>
@@ -11271,197 +10271,6 @@
               <a:t>求所有可能路径和的最大值</a:t>
             </a:r>
             <a:endParaRPr dirty="0"/>
-          </a:p>
-        </p:txBody>
-      </p:sp>
-      <p:sp>
-        <p:nvSpPr>
-          <p:cNvPr id="11" name="xxxxx">
-            <a:extLst>
-              <a:ext uri="{FF2B5EF4-FFF2-40B4-BE49-F238E27FC236}">
-                <a16:creationId xmlns:a16="http://schemas.microsoft.com/office/drawing/2014/main" id="{2FA336E7-065F-44EE-9546-2206454DC3BA}"/>
-              </a:ext>
-            </a:extLst>
-          </p:cNvPr>
-          <p:cNvSpPr txBox="1"/>
-          <p:nvPr/>
-        </p:nvSpPr>
-        <p:spPr>
-          <a:xfrm>
-            <a:off x="1524755" y="5149514"/>
-            <a:ext cx="2218556" cy="641201"/>
-          </a:xfrm>
-          <a:prstGeom prst="rect">
-            <a:avLst/>
-          </a:prstGeom>
-          <a:ln w="12700">
-            <a:miter lim="400000"/>
-          </a:ln>
-          <a:extLst>
-            <a:ext uri="{C572A759-6A51-4108-AA02-DFA0A04FC94B}">
-              <ma14:wrappingTextBoxFlag xmlns="" xmlns:m="http://schemas.openxmlformats.org/officeDocument/2006/math" xmlns:a14="http://schemas.microsoft.com/office/drawing/2010/main" xmlns:ma14="http://schemas.microsoft.com/office/mac/drawingml/2011/main" val="1"/>
-            </a:ext>
-          </a:extLst>
-        </p:spPr>
-        <p:txBody>
-          <a:bodyPr wrap="none" lIns="50800" tIns="50800" rIns="50800" bIns="50800" anchor="ctr">
-            <a:spAutoFit/>
-          </a:bodyPr>
-          <a:lstStyle/>
-          <a:p>
-            <a:pPr marL="762000" lvl="3" indent="-381000" algn="l">
-              <a:buSzPct val="100000"/>
-              <a:buChar char="-"/>
-              <a:defRPr sz="3500" b="0">
-                <a:latin typeface="Helvetica Neue Light"/>
-                <a:ea typeface="Helvetica Neue Light"/>
-                <a:cs typeface="Helvetica Neue Light"/>
-                <a:sym typeface="Helvetica Neue Light"/>
-              </a:defRPr>
-            </a:pPr>
-            <a:r>
-              <a:rPr lang="zh-CN" altLang="en-US" dirty="0"/>
-              <a:t>二叉树</a:t>
-            </a:r>
-            <a:endParaRPr dirty="0"/>
-          </a:p>
-        </p:txBody>
-      </p:sp>
-      <p:sp>
-        <p:nvSpPr>
-          <p:cNvPr id="14" name="Rectangle 2">
-            <a:extLst>
-              <a:ext uri="{FF2B5EF4-FFF2-40B4-BE49-F238E27FC236}">
-                <a16:creationId xmlns:a16="http://schemas.microsoft.com/office/drawing/2014/main" id="{105F56B2-B52D-4A20-BDCC-8D7A9FB69B0A}"/>
-              </a:ext>
-            </a:extLst>
-          </p:cNvPr>
-          <p:cNvSpPr>
-            <a:spLocks noChangeArrowheads="1"/>
-          </p:cNvSpPr>
-          <p:nvPr/>
-        </p:nvSpPr>
-        <p:spPr bwMode="auto">
-          <a:xfrm>
-            <a:off x="14400000" y="2915741"/>
-            <a:ext cx="4971090" cy="1938992"/>
-          </a:xfrm>
-          <a:prstGeom prst="rect">
-            <a:avLst/>
-          </a:prstGeom>
-          <a:noFill/>
-          <a:ln>
-            <a:noFill/>
-          </a:ln>
-          <a:effectLst/>
-        </p:spPr>
-        <p:txBody>
-          <a:bodyPr vert="horz" wrap="square" lIns="91440" tIns="45720" rIns="91440" bIns="45720" numCol="1" anchor="ctr" anchorCtr="0" compatLnSpc="1">
-            <a:prstTxWarp prst="textNoShape">
-              <a:avLst/>
-            </a:prstTxWarp>
-            <a:spAutoFit/>
-          </a:bodyPr>
-          <a:lstStyle/>
-          <a:p>
-            <a:pPr lvl="0" defTabSz="914400" eaLnBrk="0" fontAlgn="base">
-              <a:spcBef>
-                <a:spcPct val="0"/>
-              </a:spcBef>
-              <a:spcAft>
-                <a:spcPct val="0"/>
-              </a:spcAft>
-            </a:pPr>
-            <a:r>
-              <a:rPr lang="en-US" altLang="zh-CN" sz="2400" dirty="0">
-                <a:solidFill>
-                  <a:schemeClr val="tx1"/>
-                </a:solidFill>
-                <a:latin typeface="华文细黑" panose="02010600040101010101" pitchFamily="2" charset="-122"/>
-                <a:ea typeface="华文细黑" panose="02010600040101010101" pitchFamily="2" charset="-122"/>
-              </a:rPr>
-              <a:t>a</a:t>
-            </a:r>
-          </a:p>
-          <a:p>
-            <a:pPr lvl="0" defTabSz="914400" eaLnBrk="0" fontAlgn="base">
-              <a:spcBef>
-                <a:spcPct val="0"/>
-              </a:spcBef>
-              <a:spcAft>
-                <a:spcPct val="0"/>
-              </a:spcAft>
-            </a:pPr>
-            <a:r>
-              <a:rPr lang="en-US" altLang="zh-CN" sz="2400" dirty="0">
-                <a:solidFill>
-                  <a:schemeClr val="tx1"/>
-                </a:solidFill>
-                <a:latin typeface="华文细黑" panose="02010600040101010101" pitchFamily="2" charset="-122"/>
-                <a:ea typeface="华文细黑" panose="02010600040101010101" pitchFamily="2" charset="-122"/>
-              </a:rPr>
-              <a:t>/  \</a:t>
-            </a:r>
-          </a:p>
-          <a:p>
-            <a:pPr lvl="0" defTabSz="914400" eaLnBrk="0" fontAlgn="base">
-              <a:spcBef>
-                <a:spcPct val="0"/>
-              </a:spcBef>
-              <a:spcAft>
-                <a:spcPct val="0"/>
-              </a:spcAft>
-            </a:pPr>
-            <a:r>
-              <a:rPr lang="en-US" altLang="zh-CN" sz="2400" dirty="0">
-                <a:solidFill>
-                  <a:schemeClr val="tx1"/>
-                </a:solidFill>
-                <a:latin typeface="华文细黑" panose="02010600040101010101" pitchFamily="2" charset="-122"/>
-                <a:ea typeface="华文细黑" panose="02010600040101010101" pitchFamily="2" charset="-122"/>
-              </a:rPr>
-              <a:t>b     c</a:t>
-            </a:r>
-          </a:p>
-          <a:p>
-            <a:pPr defTabSz="914400" eaLnBrk="0" fontAlgn="base">
-              <a:spcBef>
-                <a:spcPct val="0"/>
-              </a:spcBef>
-              <a:spcAft>
-                <a:spcPct val="0"/>
-              </a:spcAft>
-            </a:pPr>
-            <a:r>
-              <a:rPr lang="en-US" altLang="zh-CN" sz="2400" dirty="0">
-                <a:solidFill>
-                  <a:schemeClr val="tx1"/>
-                </a:solidFill>
-                <a:latin typeface="华文细黑" panose="02010600040101010101" pitchFamily="2" charset="-122"/>
-                <a:ea typeface="华文细黑" panose="02010600040101010101" pitchFamily="2" charset="-122"/>
-              </a:rPr>
-              <a:t>/  \    /  \</a:t>
-            </a:r>
-          </a:p>
-          <a:p>
-            <a:pPr defTabSz="914400" eaLnBrk="0" fontAlgn="base">
-              <a:spcBef>
-                <a:spcPct val="0"/>
-              </a:spcBef>
-              <a:spcAft>
-                <a:spcPct val="0"/>
-              </a:spcAft>
-            </a:pPr>
-            <a:r>
-              <a:rPr lang="en-US" altLang="zh-CN" sz="2400" dirty="0">
-                <a:solidFill>
-                  <a:schemeClr val="tx1"/>
-                </a:solidFill>
-                <a:latin typeface="华文细黑" panose="02010600040101010101" pitchFamily="2" charset="-122"/>
-                <a:ea typeface="华文细黑" panose="02010600040101010101" pitchFamily="2" charset="-122"/>
-              </a:rPr>
-              <a:t>d    e   f    g</a:t>
-            </a:r>
           </a:p>
         </p:txBody>
       </p:sp>
@@ -12044,7 +10853,7 @@
                                           </p:stCondLst>
                                         </p:cTn>
                                         <p:tgtEl>
-                                          <p:spTgt spid="11"/>
+                                          <p:spTgt spid="122"/>
                                         </p:tgtEl>
                                         <p:attrNameLst>
                                           <p:attrName>style.visibility</p:attrName>
@@ -12071,7 +10880,34 @@
                                           </p:stCondLst>
                                         </p:cTn>
                                         <p:tgtEl>
-                                          <p:spTgt spid="14"/>
+                                          <p:spTgt spid="123"/>
+                                        </p:tgtEl>
+                                        <p:attrNameLst>
+                                          <p:attrName>style.visibility</p:attrName>
+                                        </p:attrNameLst>
+                                      </p:cBhvr>
+                                      <p:to>
+                                        <p:strVal val="visible"/>
+                                      </p:to>
+                                    </p:set>
+                                  </p:childTnLst>
+                                </p:cTn>
+                              </p:par>
+                              <p:par>
+                                <p:cTn id="9" presetID="1" presetClass="entr" presetSubtype="0" fill="hold" grpId="0" nodeType="withEffect">
+                                  <p:stCondLst>
+                                    <p:cond delay="0"/>
+                                  </p:stCondLst>
+                                  <p:childTnLst>
+                                    <p:set>
+                                      <p:cBhvr>
+                                        <p:cTn id="10" dur="1" fill="hold">
+                                          <p:stCondLst>
+                                            <p:cond delay="0"/>
+                                          </p:stCondLst>
+                                        </p:cTn>
+                                        <p:tgtEl>
+                                          <p:spTgt spid="10"/>
                                         </p:tgtEl>
                                         <p:attrNameLst>
                                           <p:attrName>style.visibility</p:attrName>
@@ -12091,46 +10927,19 @@
                     </p:cTn>
                   </p:par>
                   <p:par>
-                    <p:cTn id="9" fill="hold">
+                    <p:cTn id="11" fill="hold">
                       <p:stCondLst>
                         <p:cond delay="indefinite"/>
                       </p:stCondLst>
                       <p:childTnLst>
                         <p:par>
-                          <p:cTn id="10" fill="hold">
+                          <p:cTn id="12" fill="hold">
                             <p:stCondLst>
                               <p:cond delay="0"/>
                             </p:stCondLst>
                             <p:childTnLst>
                               <p:par>
-                                <p:cTn id="11" presetID="1" presetClass="entr" presetSubtype="0" fill="hold" grpId="0" nodeType="clickEffect">
-                                  <p:stCondLst>
-                                    <p:cond delay="0"/>
-                                  </p:stCondLst>
-                                  <p:childTnLst>
-                                    <p:set>
-                                      <p:cBhvr>
-                                        <p:cTn id="12" dur="1" fill="hold">
-                                          <p:stCondLst>
-                                            <p:cond delay="0"/>
-                                          </p:stCondLst>
-                                        </p:cTn>
-                                        <p:tgtEl>
-                                          <p:spTgt spid="122"/>
-                                        </p:tgtEl>
-                                        <p:attrNameLst>
-                                          <p:attrName>style.visibility</p:attrName>
-                                        </p:attrNameLst>
-                                      </p:cBhvr>
-                                      <p:to>
-                                        <p:strVal val="visible"/>
-                                      </p:to>
-                                    </p:set>
-                                  </p:childTnLst>
-                                </p:cTn>
-                              </p:par>
-                              <p:par>
-                                <p:cTn id="13" presetID="1" presetClass="entr" presetSubtype="0" fill="hold" grpId="0" nodeType="withEffect">
+                                <p:cTn id="13" presetID="1" presetClass="entr" presetSubtype="0" fill="hold" grpId="0" nodeType="clickEffect">
                                   <p:stCondLst>
                                     <p:cond delay="0"/>
                                   </p:stCondLst>
@@ -12156,60 +10965,15 @@
                                   </p:childTnLst>
                                 </p:cTn>
                               </p:par>
-                            </p:childTnLst>
-                          </p:cTn>
-                        </p:par>
-                      </p:childTnLst>
-                    </p:cTn>
-                  </p:par>
-                  <p:par>
-                    <p:cTn id="15" fill="hold">
-                      <p:stCondLst>
-                        <p:cond delay="indefinite"/>
-                      </p:stCondLst>
-                      <p:childTnLst>
-                        <p:par>
-                          <p:cTn id="16" fill="hold">
-                            <p:stCondLst>
-                              <p:cond delay="0"/>
-                            </p:stCondLst>
-                            <p:childTnLst>
                               <p:par>
-                                <p:cTn id="17" presetID="1" presetClass="entr" presetSubtype="0" fill="hold" grpId="0" nodeType="clickEffect">
+                                <p:cTn id="15" presetID="1" presetClass="entr" presetSubtype="0" fill="hold" grpId="0" nodeType="withEffect">
                                   <p:stCondLst>
                                     <p:cond delay="0"/>
                                   </p:stCondLst>
                                   <p:childTnLst>
                                     <p:set>
                                       <p:cBhvr>
-                                        <p:cTn id="18" dur="1" fill="hold">
-                                          <p:stCondLst>
-                                            <p:cond delay="0"/>
-                                          </p:stCondLst>
-                                        </p:cTn>
-                                        <p:tgtEl>
-                                          <p:spTgt spid="123"/>
-                                        </p:tgtEl>
-                                        <p:attrNameLst>
-                                          <p:attrName>style.visibility</p:attrName>
-                                        </p:attrNameLst>
-                                      </p:cBhvr>
-                                      <p:to>
-                                        <p:strVal val="visible"/>
-                                      </p:to>
-                                    </p:set>
-                                  </p:childTnLst>
-                                </p:cTn>
-                              </p:par>
-                              <p:par>
-                                <p:cTn id="19" presetID="1" presetClass="entr" presetSubtype="0" fill="hold" grpId="0" nodeType="withEffect">
-                                  <p:stCondLst>
-                                    <p:cond delay="0"/>
-                                  </p:stCondLst>
-                                  <p:childTnLst>
-                                    <p:set>
-                                      <p:cBhvr>
-                                        <p:cTn id="20" dur="1" fill="hold">
+                                        <p:cTn id="16" dur="1" fill="hold">
                                           <p:stCondLst>
                                             <p:cond delay="0"/>
                                           </p:stCondLst>
@@ -12228,60 +10992,15 @@
                                   </p:childTnLst>
                                 </p:cTn>
                               </p:par>
-                            </p:childTnLst>
-                          </p:cTn>
-                        </p:par>
-                      </p:childTnLst>
-                    </p:cTn>
-                  </p:par>
-                  <p:par>
-                    <p:cTn id="21" fill="hold">
-                      <p:stCondLst>
-                        <p:cond delay="indefinite"/>
-                      </p:stCondLst>
-                      <p:childTnLst>
-                        <p:par>
-                          <p:cTn id="22" fill="hold">
-                            <p:stCondLst>
-                              <p:cond delay="0"/>
-                            </p:stCondLst>
-                            <p:childTnLst>
                               <p:par>
-                                <p:cTn id="23" presetID="1" presetClass="entr" presetSubtype="0" fill="hold" grpId="0" nodeType="clickEffect">
+                                <p:cTn id="17" presetID="1" presetClass="entr" presetSubtype="0" fill="hold" grpId="0" nodeType="withEffect">
                                   <p:stCondLst>
                                     <p:cond delay="0"/>
                                   </p:stCondLst>
                                   <p:childTnLst>
                                     <p:set>
                                       <p:cBhvr>
-                                        <p:cTn id="24" dur="1" fill="hold">
-                                          <p:stCondLst>
-                                            <p:cond delay="0"/>
-                                          </p:stCondLst>
-                                        </p:cTn>
-                                        <p:tgtEl>
-                                          <p:spTgt spid="10"/>
-                                        </p:tgtEl>
-                                        <p:attrNameLst>
-                                          <p:attrName>style.visibility</p:attrName>
-                                        </p:attrNameLst>
-                                      </p:cBhvr>
-                                      <p:to>
-                                        <p:strVal val="visible"/>
-                                      </p:to>
-                                    </p:set>
-                                  </p:childTnLst>
-                                </p:cTn>
-                              </p:par>
-                              <p:par>
-                                <p:cTn id="25" presetID="1" presetClass="entr" presetSubtype="0" fill="hold" grpId="0" nodeType="withEffect">
-                                  <p:stCondLst>
-                                    <p:cond delay="0"/>
-                                  </p:stCondLst>
-                                  <p:childTnLst>
-                                    <p:set>
-                                      <p:cBhvr>
-                                        <p:cTn id="26" dur="1" fill="hold">
+                                        <p:cTn id="18" dur="1" fill="hold">
                                           <p:stCondLst>
                                             <p:cond delay="0"/>
                                           </p:stCondLst>
@@ -12331,8 +11050,6 @@
       <p:bldP spid="122" grpId="0" animBg="1"/>
       <p:bldP spid="123" grpId="0" animBg="1"/>
       <p:bldP spid="10" grpId="0" animBg="1"/>
-      <p:bldP spid="11" grpId="0" animBg="1"/>
-      <p:bldP spid="14" grpId="0"/>
       <p:bldP spid="18" grpId="0"/>
       <p:bldP spid="19" grpId="0"/>
       <p:bldP spid="20" grpId="0"/>
@@ -12377,7 +11094,7 @@
           </a:ln>
           <a:extLst>
             <a:ext uri="{C572A759-6A51-4108-AA02-DFA0A04FC94B}">
-              <ma14:wrappingTextBoxFlag xmlns="" xmlns:m="http://schemas.openxmlformats.org/officeDocument/2006/math" xmlns:a14="http://schemas.microsoft.com/office/drawing/2010/main" xmlns:ma14="http://schemas.microsoft.com/office/mac/drawingml/2011/main" val="1"/>
+              <ma14:wrappingTextBoxFlag xmlns:ma14="http://schemas.microsoft.com/office/mac/drawingml/2011/main" xmlns:a14="http://schemas.microsoft.com/office/drawing/2010/main" xmlns:m="http://schemas.openxmlformats.org/officeDocument/2006/math" xmlns="" val="1"/>
             </a:ext>
           </a:extLst>
         </p:spPr>
@@ -12438,7 +11155,7 @@
         <p:spPr>
           <a:xfrm>
             <a:off x="1528824" y="4181801"/>
-            <a:ext cx="3194785" cy="718145"/>
+            <a:ext cx="2681824" cy="718145"/>
           </a:xfrm>
           <a:prstGeom prst="rect">
             <a:avLst/>
@@ -12448,7 +11165,7 @@
           </a:ln>
           <a:extLst>
             <a:ext uri="{C572A759-6A51-4108-AA02-DFA0A04FC94B}">
-              <ma14:wrappingTextBoxFlag xmlns="" xmlns:m="http://schemas.openxmlformats.org/officeDocument/2006/math" xmlns:a14="http://schemas.microsoft.com/office/drawing/2010/main" xmlns:ma14="http://schemas.microsoft.com/office/mac/drawingml/2011/main" val="1"/>
+              <ma14:wrappingTextBoxFlag xmlns:ma14="http://schemas.microsoft.com/office/mac/drawingml/2011/main" xmlns:a14="http://schemas.microsoft.com/office/drawing/2010/main" xmlns:m="http://schemas.openxmlformats.org/officeDocument/2006/math" xmlns="" val="1"/>
             </a:ext>
           </a:extLst>
         </p:spPr>
@@ -12464,12 +11181,8 @@
               <a:defRPr sz="4000" b="0"/>
             </a:pPr>
             <a:r>
-              <a:rPr dirty="0"/>
-              <a:t> </a:t>
-            </a:r>
-            <a:r>
               <a:rPr lang="zh-CN" altLang="en-US" dirty="0"/>
-              <a:t>进一步分析</a:t>
+              <a:t> 分析题意</a:t>
             </a:r>
             <a:endParaRPr dirty="0"/>
           </a:p>
@@ -12494,7 +11207,7 @@
           </a:ln>
           <a:extLst>
             <a:ext uri="{C572A759-6A51-4108-AA02-DFA0A04FC94B}">
-              <ma14:wrappingTextBoxFlag xmlns="" xmlns:m="http://schemas.openxmlformats.org/officeDocument/2006/math" xmlns:a14="http://schemas.microsoft.com/office/drawing/2010/main" xmlns:ma14="http://schemas.microsoft.com/office/mac/drawingml/2011/main" val="1"/>
+              <ma14:wrappingTextBoxFlag xmlns:ma14="http://schemas.microsoft.com/office/mac/drawingml/2011/main" xmlns:a14="http://schemas.microsoft.com/office/drawing/2010/main" xmlns:m="http://schemas.openxmlformats.org/officeDocument/2006/math" xmlns="" val="1"/>
             </a:ext>
           </a:extLst>
         </p:spPr>
@@ -12541,7 +11254,7 @@
           </a:ln>
           <a:extLst>
             <a:ext uri="{C572A759-6A51-4108-AA02-DFA0A04FC94B}">
-              <ma14:wrappingTextBoxFlag xmlns="" xmlns:m="http://schemas.openxmlformats.org/officeDocument/2006/math" xmlns:a14="http://schemas.microsoft.com/office/drawing/2010/main" xmlns:ma14="http://schemas.microsoft.com/office/mac/drawingml/2011/main" val="1"/>
+              <ma14:wrappingTextBoxFlag xmlns:ma14="http://schemas.microsoft.com/office/mac/drawingml/2011/main" xmlns:a14="http://schemas.microsoft.com/office/drawing/2010/main" xmlns:m="http://schemas.openxmlformats.org/officeDocument/2006/math" xmlns="" val="1"/>
             </a:ext>
           </a:extLst>
         </p:spPr>
@@ -12594,7 +11307,7 @@
           </a:ln>
           <a:extLst>
             <a:ext uri="{C572A759-6A51-4108-AA02-DFA0A04FC94B}">
-              <ma14:wrappingTextBoxFlag xmlns="" xmlns:m="http://schemas.openxmlformats.org/officeDocument/2006/math" xmlns:a14="http://schemas.microsoft.com/office/drawing/2010/main" xmlns:ma14="http://schemas.microsoft.com/office/mac/drawingml/2011/main" val="1"/>
+              <ma14:wrappingTextBoxFlag xmlns:ma14="http://schemas.microsoft.com/office/mac/drawingml/2011/main" xmlns:a14="http://schemas.microsoft.com/office/drawing/2010/main" xmlns:m="http://schemas.openxmlformats.org/officeDocument/2006/math" xmlns="" val="1"/>
             </a:ext>
           </a:extLst>
         </p:spPr>
@@ -12647,7 +11360,7 @@
           </a:ln>
           <a:extLst>
             <a:ext uri="{C572A759-6A51-4108-AA02-DFA0A04FC94B}">
-              <ma14:wrappingTextBoxFlag xmlns="" xmlns:m="http://schemas.openxmlformats.org/officeDocument/2006/math" xmlns:a14="http://schemas.microsoft.com/office/drawing/2010/main" xmlns:ma14="http://schemas.microsoft.com/office/mac/drawingml/2011/main" val="1"/>
+              <ma14:wrappingTextBoxFlag xmlns:ma14="http://schemas.microsoft.com/office/mac/drawingml/2011/main" xmlns:a14="http://schemas.microsoft.com/office/drawing/2010/main" xmlns:m="http://schemas.openxmlformats.org/officeDocument/2006/math" xmlns="" val="1"/>
             </a:ext>
           </a:extLst>
         </p:spPr>
@@ -13331,7 +12044,7 @@
           </a:ln>
           <a:extLst>
             <a:ext uri="{C572A759-6A51-4108-AA02-DFA0A04FC94B}">
-              <ma14:wrappingTextBoxFlag xmlns="" xmlns:m="http://schemas.openxmlformats.org/officeDocument/2006/math" xmlns:a14="http://schemas.microsoft.com/office/drawing/2010/main" xmlns:ma14="http://schemas.microsoft.com/office/mac/drawingml/2011/main" val="1"/>
+              <ma14:wrappingTextBoxFlag xmlns:ma14="http://schemas.microsoft.com/office/mac/drawingml/2011/main" xmlns:a14="http://schemas.microsoft.com/office/drawing/2010/main" xmlns:m="http://schemas.openxmlformats.org/officeDocument/2006/math" xmlns="" val="1"/>
             </a:ext>
           </a:extLst>
         </p:spPr>
@@ -13392,7 +12105,7 @@
         <p:spPr>
           <a:xfrm>
             <a:off x="1528824" y="4181801"/>
-            <a:ext cx="1655903" cy="718145"/>
+            <a:ext cx="2681824" cy="718145"/>
           </a:xfrm>
           <a:prstGeom prst="rect">
             <a:avLst/>
@@ -13402,7 +12115,7 @@
           </a:ln>
           <a:extLst>
             <a:ext uri="{C572A759-6A51-4108-AA02-DFA0A04FC94B}">
-              <ma14:wrappingTextBoxFlag xmlns="" xmlns:m="http://schemas.openxmlformats.org/officeDocument/2006/math" xmlns:a14="http://schemas.microsoft.com/office/drawing/2010/main" xmlns:ma14="http://schemas.microsoft.com/office/mac/drawingml/2011/main" val="1"/>
+              <ma14:wrappingTextBoxFlag xmlns:ma14="http://schemas.microsoft.com/office/mac/drawingml/2011/main" xmlns:a14="http://schemas.microsoft.com/office/drawing/2010/main" xmlns:m="http://schemas.openxmlformats.org/officeDocument/2006/math" xmlns="" val="1"/>
             </a:ext>
           </a:extLst>
         </p:spPr>
@@ -13418,12 +12131,8 @@
               <a:defRPr sz="4000" b="0"/>
             </a:pPr>
             <a:r>
-              <a:rPr dirty="0"/>
-              <a:t> </a:t>
-            </a:r>
-            <a:r>
               <a:rPr lang="zh-CN" altLang="en-US" dirty="0"/>
-              <a:t>结论</a:t>
+              <a:t> 分析题意</a:t>
             </a:r>
             <a:endParaRPr dirty="0"/>
           </a:p>
@@ -13448,7 +12157,7 @@
           </a:ln>
           <a:extLst>
             <a:ext uri="{C572A759-6A51-4108-AA02-DFA0A04FC94B}">
-              <ma14:wrappingTextBoxFlag xmlns="" xmlns:m="http://schemas.openxmlformats.org/officeDocument/2006/math" xmlns:a14="http://schemas.microsoft.com/office/drawing/2010/main" xmlns:ma14="http://schemas.microsoft.com/office/mac/drawingml/2011/main" val="1"/>
+              <ma14:wrappingTextBoxFlag xmlns:ma14="http://schemas.microsoft.com/office/mac/drawingml/2011/main" xmlns:a14="http://schemas.microsoft.com/office/drawing/2010/main" xmlns:m="http://schemas.openxmlformats.org/officeDocument/2006/math" xmlns="" val="1"/>
             </a:ext>
           </a:extLst>
         </p:spPr>
@@ -13485,7 +12194,7 @@
         <p:spPr>
           <a:xfrm>
             <a:off x="1528823" y="6799298"/>
-            <a:ext cx="8995741" cy="641201"/>
+            <a:ext cx="10293623" cy="641201"/>
           </a:xfrm>
           <a:prstGeom prst="rect">
             <a:avLst/>
@@ -13495,7 +12204,7 @@
           </a:ln>
           <a:extLst>
             <a:ext uri="{C572A759-6A51-4108-AA02-DFA0A04FC94B}">
-              <ma14:wrappingTextBoxFlag xmlns="" xmlns:m="http://schemas.openxmlformats.org/officeDocument/2006/math" xmlns:a14="http://schemas.microsoft.com/office/drawing/2010/main" xmlns:ma14="http://schemas.microsoft.com/office/mac/drawingml/2011/main" val="1"/>
+              <ma14:wrappingTextBoxFlag xmlns:ma14="http://schemas.microsoft.com/office/mac/drawingml/2011/main" xmlns:a14="http://schemas.microsoft.com/office/drawing/2010/main" xmlns:m="http://schemas.openxmlformats.org/officeDocument/2006/math" xmlns="" val="1"/>
             </a:ext>
           </a:extLst>
         </p:spPr>
@@ -13518,7 +12227,7 @@
             </a:pPr>
             <a:r>
               <a:rPr lang="zh-CN" altLang="en-US" dirty="0"/>
-              <a:t>否则，不再向上，连接左右子节点</a:t>
+              <a:t>否则，只能不再向上，拐弯连接左右子节点</a:t>
             </a:r>
           </a:p>
         </p:txBody>
@@ -13548,7 +12257,7 @@
           </a:ln>
           <a:extLst>
             <a:ext uri="{C572A759-6A51-4108-AA02-DFA0A04FC94B}">
-              <ma14:wrappingTextBoxFlag xmlns="" xmlns:m="http://schemas.openxmlformats.org/officeDocument/2006/math" xmlns:a14="http://schemas.microsoft.com/office/drawing/2010/main" xmlns:ma14="http://schemas.microsoft.com/office/mac/drawingml/2011/main" val="1"/>
+              <ma14:wrappingTextBoxFlag xmlns:ma14="http://schemas.microsoft.com/office/mac/drawingml/2011/main" xmlns:a14="http://schemas.microsoft.com/office/drawing/2010/main" xmlns:m="http://schemas.openxmlformats.org/officeDocument/2006/math" xmlns="" val="1"/>
             </a:ext>
           </a:extLst>
         </p:spPr>
@@ -13587,7 +12296,7 @@
         <p:spPr>
           <a:xfrm>
             <a:off x="1524755" y="5149514"/>
-            <a:ext cx="3565079" cy="641201"/>
+            <a:ext cx="5809283" cy="641201"/>
           </a:xfrm>
           <a:prstGeom prst="rect">
             <a:avLst/>
@@ -13597,7 +12306,7 @@
           </a:ln>
           <a:extLst>
             <a:ext uri="{C572A759-6A51-4108-AA02-DFA0A04FC94B}">
-              <ma14:wrappingTextBoxFlag xmlns="" xmlns:m="http://schemas.openxmlformats.org/officeDocument/2006/math" xmlns:a14="http://schemas.microsoft.com/office/drawing/2010/main" xmlns:ma14="http://schemas.microsoft.com/office/mac/drawingml/2011/main" val="1"/>
+              <ma14:wrappingTextBoxFlag xmlns:ma14="http://schemas.microsoft.com/office/mac/drawingml/2011/main" xmlns:a14="http://schemas.microsoft.com/office/drawing/2010/main" xmlns:m="http://schemas.openxmlformats.org/officeDocument/2006/math" xmlns="" val="1"/>
             </a:ext>
           </a:extLst>
         </p:spPr>
@@ -13619,7 +12328,7 @@
             </a:pPr>
             <a:r>
               <a:rPr lang="zh-CN" altLang="en-US" dirty="0"/>
-              <a:t>从底向上出发</a:t>
+              <a:t>假设，我们从底向上出发</a:t>
             </a:r>
             <a:endParaRPr dirty="0"/>
           </a:p>
@@ -14069,7 +12778,7 @@
         </p:nvSpPr>
         <p:spPr bwMode="auto">
           <a:xfrm>
-            <a:off x="14352850" y="7383287"/>
+            <a:off x="18181136" y="5149514"/>
             <a:ext cx="4971090" cy="1938992"/>
           </a:xfrm>
           <a:prstGeom prst="rect">
@@ -14291,7 +13000,7 @@
         </p:nvSpPr>
         <p:spPr bwMode="auto">
           <a:xfrm>
-            <a:off x="17884086" y="5180906"/>
+            <a:off x="14400000" y="7853395"/>
             <a:ext cx="4971090" cy="1938992"/>
           </a:xfrm>
           <a:prstGeom prst="rect">
@@ -14600,39 +13309,21 @@
                                   </p:childTnLst>
                                 </p:cTn>
                               </p:par>
-                            </p:childTnLst>
-                          </p:cTn>
-                        </p:par>
-                      </p:childTnLst>
-                    </p:cTn>
-                  </p:par>
-                  <p:par>
-                    <p:cTn id="15" fill="hold">
-                      <p:stCondLst>
-                        <p:cond delay="indefinite"/>
-                      </p:stCondLst>
-                      <p:childTnLst>
-                        <p:par>
-                          <p:cTn id="16" fill="hold">
-                            <p:stCondLst>
-                              <p:cond delay="0"/>
-                            </p:stCondLst>
-                            <p:childTnLst>
                               <p:par>
-                                <p:cTn id="17" presetID="1" presetClass="entr" presetSubtype="0" fill="hold" grpId="0" nodeType="clickEffect">
+                                <p:cTn id="15" presetID="1" presetClass="entr" presetSubtype="0" fill="hold" grpId="0" nodeType="withEffect">
                                   <p:stCondLst>
                                     <p:cond delay="0"/>
                                   </p:stCondLst>
                                   <p:childTnLst>
                                     <p:set>
                                       <p:cBhvr>
-                                        <p:cTn id="18" dur="1" fill="hold">
+                                        <p:cTn id="16" dur="1" fill="hold">
                                           <p:stCondLst>
                                             <p:cond delay="0"/>
                                           </p:stCondLst>
                                         </p:cTn>
                                         <p:tgtEl>
-                                          <p:spTgt spid="123"/>
+                                          <p:spTgt spid="12"/>
                                         </p:tgtEl>
                                         <p:attrNameLst>
                                           <p:attrName>style.visibility</p:attrName>
@@ -14645,8 +13336,26 @@
                                   </p:childTnLst>
                                 </p:cTn>
                               </p:par>
+                            </p:childTnLst>
+                          </p:cTn>
+                        </p:par>
+                      </p:childTnLst>
+                    </p:cTn>
+                  </p:par>
+                  <p:par>
+                    <p:cTn id="17" fill="hold">
+                      <p:stCondLst>
+                        <p:cond delay="indefinite"/>
+                      </p:stCondLst>
+                      <p:childTnLst>
+                        <p:par>
+                          <p:cTn id="18" fill="hold">
+                            <p:stCondLst>
+                              <p:cond delay="0"/>
+                            </p:stCondLst>
+                            <p:childTnLst>
                               <p:par>
-                                <p:cTn id="19" presetID="1" presetClass="entr" presetSubtype="0" fill="hold" grpId="0" nodeType="withEffect">
+                                <p:cTn id="19" presetID="1" presetClass="entr" presetSubtype="0" fill="hold" grpId="0" nodeType="clickEffect">
                                   <p:stCondLst>
                                     <p:cond delay="0"/>
                                   </p:stCondLst>
@@ -14659,7 +13368,7 @@
                                           </p:stCondLst>
                                         </p:cTn>
                                         <p:tgtEl>
-                                          <p:spTgt spid="13"/>
+                                          <p:spTgt spid="123"/>
                                         </p:tgtEl>
                                         <p:attrNameLst>
                                           <p:attrName>style.visibility</p:attrName>
@@ -14686,7 +13395,7 @@
                                           </p:stCondLst>
                                         </p:cTn>
                                         <p:tgtEl>
-                                          <p:spTgt spid="12"/>
+                                          <p:spTgt spid="13"/>
                                         </p:tgtEl>
                                         <p:attrNameLst>
                                           <p:attrName>style.visibility</p:attrName>
@@ -14775,7 +13484,7 @@
           </a:ln>
           <a:extLst>
             <a:ext uri="{C572A759-6A51-4108-AA02-DFA0A04FC94B}">
-              <ma14:wrappingTextBoxFlag xmlns="" xmlns:m="http://schemas.openxmlformats.org/officeDocument/2006/math" xmlns:a14="http://schemas.microsoft.com/office/drawing/2010/main" xmlns:ma14="http://schemas.microsoft.com/office/mac/drawingml/2011/main" val="1"/>
+              <ma14:wrappingTextBoxFlag xmlns:ma14="http://schemas.microsoft.com/office/mac/drawingml/2011/main" xmlns:a14="http://schemas.microsoft.com/office/drawing/2010/main" xmlns:m="http://schemas.openxmlformats.org/officeDocument/2006/math" xmlns="" val="1"/>
             </a:ext>
           </a:extLst>
         </p:spPr>
@@ -14846,7 +13555,7 @@
           </a:ln>
           <a:extLst>
             <a:ext uri="{C572A759-6A51-4108-AA02-DFA0A04FC94B}">
-              <ma14:wrappingTextBoxFlag xmlns="" xmlns:m="http://schemas.openxmlformats.org/officeDocument/2006/math" xmlns:a14="http://schemas.microsoft.com/office/drawing/2010/main" xmlns:ma14="http://schemas.microsoft.com/office/mac/drawingml/2011/main" val="1"/>
+              <ma14:wrappingTextBoxFlag xmlns:ma14="http://schemas.microsoft.com/office/mac/drawingml/2011/main" xmlns:a14="http://schemas.microsoft.com/office/drawing/2010/main" xmlns:m="http://schemas.openxmlformats.org/officeDocument/2006/math" xmlns="" val="1"/>
             </a:ext>
           </a:extLst>
         </p:spPr>
@@ -14892,7 +13601,7 @@
           </a:ln>
           <a:extLst>
             <a:ext uri="{C572A759-6A51-4108-AA02-DFA0A04FC94B}">
-              <ma14:wrappingTextBoxFlag xmlns="" xmlns:m="http://schemas.openxmlformats.org/officeDocument/2006/math" xmlns:a14="http://schemas.microsoft.com/office/drawing/2010/main" xmlns:ma14="http://schemas.microsoft.com/office/mac/drawingml/2011/main" val="1"/>
+              <ma14:wrappingTextBoxFlag xmlns:ma14="http://schemas.microsoft.com/office/mac/drawingml/2011/main" xmlns:a14="http://schemas.microsoft.com/office/drawing/2010/main" xmlns:m="http://schemas.openxmlformats.org/officeDocument/2006/math" xmlns="" val="1"/>
             </a:ext>
           </a:extLst>
         </p:spPr>
@@ -14939,7 +13648,7 @@
           </a:ln>
           <a:extLst>
             <a:ext uri="{C572A759-6A51-4108-AA02-DFA0A04FC94B}">
-              <ma14:wrappingTextBoxFlag xmlns="" xmlns:m="http://schemas.openxmlformats.org/officeDocument/2006/math" xmlns:a14="http://schemas.microsoft.com/office/drawing/2010/main" xmlns:ma14="http://schemas.microsoft.com/office/mac/drawingml/2011/main" val="1"/>
+              <ma14:wrappingTextBoxFlag xmlns:ma14="http://schemas.microsoft.com/office/mac/drawingml/2011/main" xmlns:a14="http://schemas.microsoft.com/office/drawing/2010/main" xmlns:m="http://schemas.openxmlformats.org/officeDocument/2006/math" xmlns="" val="1"/>
             </a:ext>
           </a:extLst>
         </p:spPr>
@@ -14992,7 +13701,7 @@
           </a:ln>
           <a:extLst>
             <a:ext uri="{C572A759-6A51-4108-AA02-DFA0A04FC94B}">
-              <ma14:wrappingTextBoxFlag xmlns="" xmlns:m="http://schemas.openxmlformats.org/officeDocument/2006/math" xmlns:a14="http://schemas.microsoft.com/office/drawing/2010/main" xmlns:ma14="http://schemas.microsoft.com/office/mac/drawingml/2011/main" val="1"/>
+              <ma14:wrappingTextBoxFlag xmlns:ma14="http://schemas.microsoft.com/office/mac/drawingml/2011/main" xmlns:a14="http://schemas.microsoft.com/office/drawing/2010/main" xmlns:m="http://schemas.openxmlformats.org/officeDocument/2006/math" xmlns="" val="1"/>
             </a:ext>
           </a:extLst>
         </p:spPr>
@@ -15045,7 +13754,7 @@
           </a:ln>
           <a:extLst>
             <a:ext uri="{C572A759-6A51-4108-AA02-DFA0A04FC94B}">
-              <ma14:wrappingTextBoxFlag xmlns="" xmlns:m="http://schemas.openxmlformats.org/officeDocument/2006/math" xmlns:a14="http://schemas.microsoft.com/office/drawing/2010/main" xmlns:ma14="http://schemas.microsoft.com/office/mac/drawingml/2011/main" val="1"/>
+              <ma14:wrappingTextBoxFlag xmlns:ma14="http://schemas.microsoft.com/office/mac/drawingml/2011/main" xmlns:a14="http://schemas.microsoft.com/office/drawing/2010/main" xmlns:m="http://schemas.openxmlformats.org/officeDocument/2006/math" xmlns="" val="1"/>
             </a:ext>
           </a:extLst>
         </p:spPr>
@@ -15270,7 +13979,7 @@
           </a:ln>
           <a:extLst>
             <a:ext uri="{C572A759-6A51-4108-AA02-DFA0A04FC94B}">
-              <ma14:wrappingTextBoxFlag xmlns="" xmlns:m="http://schemas.openxmlformats.org/officeDocument/2006/math" xmlns:a14="http://schemas.microsoft.com/office/drawing/2010/main" xmlns:ma14="http://schemas.microsoft.com/office/mac/drawingml/2011/main" val="1"/>
+              <ma14:wrappingTextBoxFlag xmlns:ma14="http://schemas.microsoft.com/office/mac/drawingml/2011/main" xmlns:a14="http://schemas.microsoft.com/office/drawing/2010/main" xmlns:m="http://schemas.openxmlformats.org/officeDocument/2006/math" xmlns="" val="1"/>
             </a:ext>
           </a:extLst>
         </p:spPr>
@@ -15323,7 +14032,7 @@
           </a:ln>
           <a:extLst>
             <a:ext uri="{C572A759-6A51-4108-AA02-DFA0A04FC94B}">
-              <ma14:wrappingTextBoxFlag xmlns="" xmlns:m="http://schemas.openxmlformats.org/officeDocument/2006/math" xmlns:a14="http://schemas.microsoft.com/office/drawing/2010/main" xmlns:ma14="http://schemas.microsoft.com/office/mac/drawingml/2011/main" val="1"/>
+              <ma14:wrappingTextBoxFlag xmlns:ma14="http://schemas.microsoft.com/office/mac/drawingml/2011/main" xmlns:a14="http://schemas.microsoft.com/office/drawing/2010/main" xmlns:m="http://schemas.openxmlformats.org/officeDocument/2006/math" xmlns="" val="1"/>
             </a:ext>
           </a:extLst>
         </p:spPr>
@@ -15384,7 +14093,7 @@
           </a:ln>
           <a:extLst>
             <a:ext uri="{C572A759-6A51-4108-AA02-DFA0A04FC94B}">
-              <ma14:wrappingTextBoxFlag xmlns="" xmlns:m="http://schemas.openxmlformats.org/officeDocument/2006/math" xmlns:a14="http://schemas.microsoft.com/office/drawing/2010/main" xmlns:ma14="http://schemas.microsoft.com/office/mac/drawingml/2011/main" val="1"/>
+              <ma14:wrappingTextBoxFlag xmlns:ma14="http://schemas.microsoft.com/office/mac/drawingml/2011/main" xmlns:a14="http://schemas.microsoft.com/office/drawing/2010/main" xmlns:m="http://schemas.openxmlformats.org/officeDocument/2006/math" xmlns="" val="1"/>
             </a:ext>
           </a:extLst>
         </p:spPr>
@@ -15405,16 +14114,10 @@
               </a:defRPr>
             </a:pPr>
             <a:r>
-              <a:rPr lang="en-US" altLang="zh-CN" sz="3500" b="0" dirty="0" err="1">
-                <a:sym typeface="Helvetica Neue Light"/>
-              </a:rPr>
-              <a:t>bc</a:t>
-            </a:r>
-            <a:r>
               <a:rPr lang="en-US" altLang="zh-CN" sz="3500" b="0" dirty="0">
                 <a:sym typeface="Helvetica Neue Light"/>
               </a:rPr>
-              <a:t> </a:t>
+              <a:t>b c </a:t>
             </a:r>
             <a:r>
               <a:rPr lang="zh-CN" altLang="en-US" sz="3500" b="0" dirty="0">
@@ -16029,26 +14732,35 @@
                                   </p:childTnLst>
                                 </p:cTn>
                               </p:par>
-                            </p:childTnLst>
-                          </p:cTn>
-                        </p:par>
-                      </p:childTnLst>
-                    </p:cTn>
-                  </p:par>
-                  <p:par>
-                    <p:cTn id="9" fill="hold">
-                      <p:stCondLst>
-                        <p:cond delay="indefinite"/>
-                      </p:stCondLst>
-                      <p:childTnLst>
-                        <p:par>
-                          <p:cTn id="10" fill="hold">
-                            <p:stCondLst>
-                              <p:cond delay="0"/>
-                            </p:stCondLst>
-                            <p:childTnLst>
                               <p:par>
-                                <p:cTn id="11" presetID="1" presetClass="entr" presetSubtype="0" fill="hold" grpId="0" nodeType="clickEffect">
+                                <p:cTn id="9" presetID="1" presetClass="entr" presetSubtype="0" fill="hold" grpId="0" nodeType="withEffect">
+                                  <p:stCondLst>
+                                    <p:cond delay="0"/>
+                                  </p:stCondLst>
+                                  <p:childTnLst>
+                                    <p:set>
+                                      <p:cBhvr>
+                                        <p:cTn id="10" dur="1" fill="hold">
+                                          <p:stCondLst>
+                                            <p:cond delay="0"/>
+                                          </p:stCondLst>
+                                        </p:cTn>
+                                        <p:tgtEl>
+                                          <p:spTgt spid="16"/>
+                                        </p:tgtEl>
+                                        <p:attrNameLst>
+                                          <p:attrName>style.visibility</p:attrName>
+                                        </p:attrNameLst>
+                                      </p:cBhvr>
+                                      <p:to>
+                                        <p:strVal val="visible"/>
+                                      </p:to>
+                                    </p:set>
+                                  </p:childTnLst>
+                                </p:cTn>
+                              </p:par>
+                              <p:par>
+                                <p:cTn id="11" presetID="1" presetClass="entr" presetSubtype="0" fill="hold" grpId="0" nodeType="withEffect">
                                   <p:stCondLst>
                                     <p:cond delay="0"/>
                                   </p:stCondLst>
@@ -16061,7 +14773,7 @@
                                           </p:stCondLst>
                                         </p:cTn>
                                         <p:tgtEl>
-                                          <p:spTgt spid="16"/>
+                                          <p:spTgt spid="17"/>
                                         </p:tgtEl>
                                         <p:attrNameLst>
                                           <p:attrName>style.visibility</p:attrName>
@@ -16106,7 +14818,7 @@
                                           </p:stCondLst>
                                         </p:cTn>
                                         <p:tgtEl>
-                                          <p:spTgt spid="17"/>
+                                          <p:spTgt spid="122"/>
                                         </p:tgtEl>
                                         <p:attrNameLst>
                                           <p:attrName>style.visibility</p:attrName>
@@ -16151,51 +14863,6 @@
                                           </p:stCondLst>
                                         </p:cTn>
                                         <p:tgtEl>
-                                          <p:spTgt spid="122"/>
-                                        </p:tgtEl>
-                                        <p:attrNameLst>
-                                          <p:attrName>style.visibility</p:attrName>
-                                        </p:attrNameLst>
-                                      </p:cBhvr>
-                                      <p:to>
-                                        <p:strVal val="visible"/>
-                                      </p:to>
-                                    </p:set>
-                                  </p:childTnLst>
-                                </p:cTn>
-                              </p:par>
-                            </p:childTnLst>
-                          </p:cTn>
-                        </p:par>
-                      </p:childTnLst>
-                    </p:cTn>
-                  </p:par>
-                  <p:par>
-                    <p:cTn id="21" fill="hold">
-                      <p:stCondLst>
-                        <p:cond delay="indefinite"/>
-                      </p:stCondLst>
-                      <p:childTnLst>
-                        <p:par>
-                          <p:cTn id="22" fill="hold">
-                            <p:stCondLst>
-                              <p:cond delay="0"/>
-                            </p:stCondLst>
-                            <p:childTnLst>
-                              <p:par>
-                                <p:cTn id="23" presetID="1" presetClass="entr" presetSubtype="0" fill="hold" grpId="0" nodeType="clickEffect">
-                                  <p:stCondLst>
-                                    <p:cond delay="0"/>
-                                  </p:stCondLst>
-                                  <p:childTnLst>
-                                    <p:set>
-                                      <p:cBhvr>
-                                        <p:cTn id="24" dur="1" fill="hold">
-                                          <p:stCondLst>
-                                            <p:cond delay="0"/>
-                                          </p:stCondLst>
-                                        </p:cTn>
-                                        <p:tgtEl>
                                           <p:spTgt spid="123"/>
                                         </p:tgtEl>
                                         <p:attrNameLst>
@@ -16210,14 +14877,14 @@
                                 </p:cTn>
                               </p:par>
                               <p:par>
-                                <p:cTn id="25" presetID="1" presetClass="entr" presetSubtype="0" fill="hold" grpId="0" nodeType="withEffect">
+                                <p:cTn id="21" presetID="1" presetClass="entr" presetSubtype="0" fill="hold" grpId="0" nodeType="withEffect">
                                   <p:stCondLst>
                                     <p:cond delay="0"/>
                                   </p:stCondLst>
                                   <p:childTnLst>
                                     <p:set>
                                       <p:cBhvr>
-                                        <p:cTn id="26" dur="1" fill="hold">
+                                        <p:cTn id="22" dur="1" fill="hold">
                                           <p:stCondLst>
                                             <p:cond delay="0"/>
                                           </p:stCondLst>
@@ -16243,26 +14910,26 @@
                     </p:cTn>
                   </p:par>
                   <p:par>
-                    <p:cTn id="27" fill="hold">
+                    <p:cTn id="23" fill="hold">
                       <p:stCondLst>
                         <p:cond delay="indefinite"/>
                       </p:stCondLst>
                       <p:childTnLst>
                         <p:par>
-                          <p:cTn id="28" fill="hold">
+                          <p:cTn id="24" fill="hold">
                             <p:stCondLst>
                               <p:cond delay="0"/>
                             </p:stCondLst>
                             <p:childTnLst>
                               <p:par>
-                                <p:cTn id="29" presetID="1" presetClass="entr" presetSubtype="0" fill="hold" grpId="0" nodeType="clickEffect">
+                                <p:cTn id="25" presetID="1" presetClass="entr" presetSubtype="0" fill="hold" grpId="0" nodeType="clickEffect">
                                   <p:stCondLst>
                                     <p:cond delay="0"/>
                                   </p:stCondLst>
                                   <p:childTnLst>
                                     <p:set>
                                       <p:cBhvr>
-                                        <p:cTn id="30" dur="1" fill="hold">
+                                        <p:cTn id="26" dur="1" fill="hold">
                                           <p:stCondLst>
                                             <p:cond delay="0"/>
                                           </p:stCondLst>
@@ -16282,14 +14949,14 @@
                                 </p:cTn>
                               </p:par>
                               <p:par>
-                                <p:cTn id="31" presetID="1" presetClass="entr" presetSubtype="0" fill="hold" grpId="0" nodeType="withEffect">
+                                <p:cTn id="27" presetID="1" presetClass="entr" presetSubtype="0" fill="hold" grpId="0" nodeType="withEffect">
                                   <p:stCondLst>
                                     <p:cond delay="0"/>
                                   </p:stCondLst>
                                   <p:childTnLst>
                                     <p:set>
                                       <p:cBhvr>
-                                        <p:cTn id="32" dur="1" fill="hold">
+                                        <p:cTn id="28" dur="1" fill="hold">
                                           <p:stCondLst>
                                             <p:cond delay="0"/>
                                           </p:stCondLst>
@@ -16315,26 +14982,26 @@
                     </p:cTn>
                   </p:par>
                   <p:par>
-                    <p:cTn id="33" fill="hold">
+                    <p:cTn id="29" fill="hold">
                       <p:stCondLst>
                         <p:cond delay="indefinite"/>
                       </p:stCondLst>
                       <p:childTnLst>
                         <p:par>
-                          <p:cTn id="34" fill="hold">
+                          <p:cTn id="30" fill="hold">
                             <p:stCondLst>
                               <p:cond delay="0"/>
                             </p:stCondLst>
                             <p:childTnLst>
                               <p:par>
-                                <p:cTn id="35" presetID="1" presetClass="entr" presetSubtype="0" fill="hold" grpId="0" nodeType="clickEffect">
+                                <p:cTn id="31" presetID="1" presetClass="entr" presetSubtype="0" fill="hold" grpId="0" nodeType="clickEffect">
                                   <p:stCondLst>
                                     <p:cond delay="0"/>
                                   </p:stCondLst>
                                   <p:childTnLst>
                                     <p:set>
                                       <p:cBhvr>
-                                        <p:cTn id="36" dur="1" fill="hold">
+                                        <p:cTn id="32" dur="1" fill="hold">
                                           <p:stCondLst>
                                             <p:cond delay="0"/>
                                           </p:stCondLst>
@@ -16354,14 +15021,14 @@
                                 </p:cTn>
                               </p:par>
                               <p:par>
-                                <p:cTn id="37" presetID="1" presetClass="entr" presetSubtype="0" fill="hold" grpId="0" nodeType="withEffect">
+                                <p:cTn id="33" presetID="1" presetClass="entr" presetSubtype="0" fill="hold" grpId="0" nodeType="withEffect">
                                   <p:stCondLst>
                                     <p:cond delay="0"/>
                                   </p:stCondLst>
                                   <p:childTnLst>
                                     <p:set>
                                       <p:cBhvr>
-                                        <p:cTn id="38" dur="1" fill="hold">
+                                        <p:cTn id="34" dur="1" fill="hold">
                                           <p:stCondLst>
                                             <p:cond delay="0"/>
                                           </p:stCondLst>
@@ -16460,7 +15127,7 @@
           </a:ln>
           <a:extLst>
             <a:ext uri="{C572A759-6A51-4108-AA02-DFA0A04FC94B}">
-              <ma14:wrappingTextBoxFlag xmlns="" xmlns:m="http://schemas.openxmlformats.org/officeDocument/2006/math" xmlns:a14="http://schemas.microsoft.com/office/drawing/2010/main" xmlns:ma14="http://schemas.microsoft.com/office/mac/drawingml/2011/main" val="1"/>
+              <ma14:wrappingTextBoxFlag xmlns:ma14="http://schemas.microsoft.com/office/mac/drawingml/2011/main" xmlns:a14="http://schemas.microsoft.com/office/drawing/2010/main" xmlns:m="http://schemas.openxmlformats.org/officeDocument/2006/math" xmlns="" val="1"/>
             </a:ext>
           </a:extLst>
         </p:spPr>
@@ -16531,7 +15198,7 @@
           </a:ln>
           <a:extLst>
             <a:ext uri="{C572A759-6A51-4108-AA02-DFA0A04FC94B}">
-              <ma14:wrappingTextBoxFlag xmlns="" xmlns:m="http://schemas.openxmlformats.org/officeDocument/2006/math" xmlns:a14="http://schemas.microsoft.com/office/drawing/2010/main" xmlns:ma14="http://schemas.microsoft.com/office/mac/drawingml/2011/main" val="1"/>
+              <ma14:wrappingTextBoxFlag xmlns:ma14="http://schemas.microsoft.com/office/mac/drawingml/2011/main" xmlns:a14="http://schemas.microsoft.com/office/drawing/2010/main" xmlns:m="http://schemas.openxmlformats.org/officeDocument/2006/math" xmlns="" val="1"/>
             </a:ext>
           </a:extLst>
         </p:spPr>
@@ -16583,7 +15250,7 @@
           </a:ln>
           <a:extLst>
             <a:ext uri="{C572A759-6A51-4108-AA02-DFA0A04FC94B}">
-              <ma14:wrappingTextBoxFlag xmlns="" xmlns:m="http://schemas.openxmlformats.org/officeDocument/2006/math" xmlns:a14="http://schemas.microsoft.com/office/drawing/2010/main" xmlns:ma14="http://schemas.microsoft.com/office/mac/drawingml/2011/main" val="1"/>
+              <ma14:wrappingTextBoxFlag xmlns:ma14="http://schemas.microsoft.com/office/mac/drawingml/2011/main" xmlns:a14="http://schemas.microsoft.com/office/drawing/2010/main" xmlns:m="http://schemas.openxmlformats.org/officeDocument/2006/math" xmlns="" val="1"/>
             </a:ext>
           </a:extLst>
         </p:spPr>
@@ -16642,7 +15309,7 @@
           </a:ln>
           <a:extLst>
             <a:ext uri="{C572A759-6A51-4108-AA02-DFA0A04FC94B}">
-              <ma14:wrappingTextBoxFlag xmlns="" xmlns:m="http://schemas.openxmlformats.org/officeDocument/2006/math" xmlns:a14="http://schemas.microsoft.com/office/drawing/2010/main" xmlns:ma14="http://schemas.microsoft.com/office/mac/drawingml/2011/main" val="1"/>
+              <ma14:wrappingTextBoxFlag xmlns:ma14="http://schemas.microsoft.com/office/mac/drawingml/2011/main" xmlns:a14="http://schemas.microsoft.com/office/drawing/2010/main" xmlns:m="http://schemas.openxmlformats.org/officeDocument/2006/math" xmlns="" val="1"/>
             </a:ext>
           </a:extLst>
         </p:spPr>
@@ -16695,7 +15362,7 @@
           </a:ln>
           <a:extLst>
             <a:ext uri="{C572A759-6A51-4108-AA02-DFA0A04FC94B}">
-              <ma14:wrappingTextBoxFlag xmlns="" xmlns:m="http://schemas.openxmlformats.org/officeDocument/2006/math" xmlns:a14="http://schemas.microsoft.com/office/drawing/2010/main" xmlns:ma14="http://schemas.microsoft.com/office/mac/drawingml/2011/main" val="1"/>
+              <ma14:wrappingTextBoxFlag xmlns:ma14="http://schemas.microsoft.com/office/mac/drawingml/2011/main" xmlns:a14="http://schemas.microsoft.com/office/drawing/2010/main" xmlns:m="http://schemas.openxmlformats.org/officeDocument/2006/math" xmlns="" val="1"/>
             </a:ext>
           </a:extLst>
         </p:spPr>
@@ -16718,6 +15385,262 @@
             <a:r>
               <a:rPr lang="zh-CN" altLang="en-US" dirty="0"/>
               <a:t>目的：得到从这个节点通往下方的最大路径和（联络最大和）</a:t>
+            </a:r>
+            <a:endParaRPr dirty="0"/>
+          </a:p>
+        </p:txBody>
+      </p:sp>
+      <p:sp>
+        <p:nvSpPr>
+          <p:cNvPr id="8" name="xxxxx">
+            <a:extLst>
+              <a:ext uri="{FF2B5EF4-FFF2-40B4-BE49-F238E27FC236}">
+                <a16:creationId xmlns:a16="http://schemas.microsoft.com/office/drawing/2014/main" id="{E0D2809E-8CFC-4BE7-A716-677E44B9D1E2}"/>
+              </a:ext>
+            </a:extLst>
+          </p:cNvPr>
+          <p:cNvSpPr txBox="1"/>
+          <p:nvPr/>
+        </p:nvSpPr>
+        <p:spPr>
+          <a:xfrm>
+            <a:off x="1524755" y="7616975"/>
+            <a:ext cx="4462760" cy="641201"/>
+          </a:xfrm>
+          <a:prstGeom prst="rect">
+            <a:avLst/>
+          </a:prstGeom>
+          <a:ln w="12700">
+            <a:miter lim="400000"/>
+          </a:ln>
+          <a:extLst>
+            <a:ext uri="{C572A759-6A51-4108-AA02-DFA0A04FC94B}">
+              <ma14:wrappingTextBoxFlag xmlns:ma14="http://schemas.microsoft.com/office/mac/drawingml/2011/main" xmlns:a14="http://schemas.microsoft.com/office/drawing/2010/main" xmlns:m="http://schemas.openxmlformats.org/officeDocument/2006/math" xmlns="" val="1"/>
+            </a:ext>
+          </a:extLst>
+        </p:spPr>
+        <p:txBody>
+          <a:bodyPr wrap="none" lIns="50800" tIns="50800" rIns="50800" bIns="50800" anchor="ctr">
+            <a:spAutoFit/>
+          </a:bodyPr>
+          <a:lstStyle/>
+          <a:p>
+            <a:pPr marL="762000" lvl="3" indent="-381000" algn="l">
+              <a:buSzPct val="100000"/>
+              <a:buChar char="-"/>
+              <a:defRPr sz="3500" b="0">
+                <a:latin typeface="Helvetica Neue Light"/>
+                <a:ea typeface="Helvetica Neue Light"/>
+                <a:cs typeface="Helvetica Neue Light"/>
+                <a:sym typeface="Helvetica Neue Light"/>
+              </a:defRPr>
+            </a:pPr>
+            <a:r>
+              <a:rPr lang="zh-CN" altLang="en-US" dirty="0"/>
+              <a:t>也就是情况 </a:t>
+            </a:r>
+            <a:r>
+              <a:rPr lang="en-US" altLang="zh-CN" dirty="0"/>
+              <a:t>2 </a:t>
+            </a:r>
+            <a:r>
+              <a:rPr lang="zh-CN" altLang="en-US" dirty="0"/>
+              <a:t>和 </a:t>
+            </a:r>
+            <a:r>
+              <a:rPr lang="en-US" altLang="zh-CN" dirty="0"/>
+              <a:t>3</a:t>
+            </a:r>
+            <a:endParaRPr lang="zh-CN" altLang="en-US" dirty="0"/>
+          </a:p>
+        </p:txBody>
+      </p:sp>
+      <p:sp>
+        <p:nvSpPr>
+          <p:cNvPr id="12" name="xxxxx">
+            <a:extLst>
+              <a:ext uri="{FF2B5EF4-FFF2-40B4-BE49-F238E27FC236}">
+                <a16:creationId xmlns:a16="http://schemas.microsoft.com/office/drawing/2014/main" id="{0C0F9EF4-2B45-41EF-92CC-C18C5FCBAC37}"/>
+              </a:ext>
+            </a:extLst>
+          </p:cNvPr>
+          <p:cNvSpPr txBox="1"/>
+          <p:nvPr/>
+        </p:nvSpPr>
+        <p:spPr>
+          <a:xfrm>
+            <a:off x="1534496" y="8439462"/>
+            <a:ext cx="2667397" cy="641201"/>
+          </a:xfrm>
+          <a:prstGeom prst="rect">
+            <a:avLst/>
+          </a:prstGeom>
+          <a:ln w="12700">
+            <a:miter lim="400000"/>
+          </a:ln>
+          <a:extLst>
+            <a:ext uri="{C572A759-6A51-4108-AA02-DFA0A04FC94B}">
+              <ma14:wrappingTextBoxFlag xmlns:ma14="http://schemas.microsoft.com/office/mac/drawingml/2011/main" xmlns:a14="http://schemas.microsoft.com/office/drawing/2010/main" xmlns:m="http://schemas.openxmlformats.org/officeDocument/2006/math" xmlns="" val="1"/>
+            </a:ext>
+          </a:extLst>
+        </p:spPr>
+        <p:txBody>
+          <a:bodyPr wrap="none" lIns="50800" tIns="50800" rIns="50800" bIns="50800" anchor="ctr">
+            <a:spAutoFit/>
+          </a:bodyPr>
+          <a:lstStyle/>
+          <a:p>
+            <a:pPr marL="762000" lvl="3" indent="-381000" algn="l">
+              <a:buSzPct val="100000"/>
+              <a:buChar char="-"/>
+              <a:defRPr sz="3500" b="0">
+                <a:latin typeface="Helvetica Neue Light"/>
+                <a:ea typeface="Helvetica Neue Light"/>
+                <a:cs typeface="Helvetica Neue Light"/>
+                <a:sym typeface="Helvetica Neue Light"/>
+              </a:defRPr>
+            </a:pPr>
+            <a:r>
+              <a:rPr lang="zh-CN" altLang="en-US" dirty="0"/>
+              <a:t>实现方法</a:t>
+            </a:r>
+            <a:endParaRPr dirty="0"/>
+          </a:p>
+        </p:txBody>
+      </p:sp>
+      <p:sp>
+        <p:nvSpPr>
+          <p:cNvPr id="13" name="xxxxx">
+            <a:extLst>
+              <a:ext uri="{FF2B5EF4-FFF2-40B4-BE49-F238E27FC236}">
+                <a16:creationId xmlns:a16="http://schemas.microsoft.com/office/drawing/2014/main" id="{A344F3AA-3D17-4712-88FD-7D863DD6F644}"/>
+              </a:ext>
+            </a:extLst>
+          </p:cNvPr>
+          <p:cNvSpPr txBox="1"/>
+          <p:nvPr/>
+        </p:nvSpPr>
+        <p:spPr>
+          <a:xfrm>
+            <a:off x="1534496" y="9261949"/>
+            <a:ext cx="9900146" cy="641201"/>
+          </a:xfrm>
+          <a:prstGeom prst="rect">
+            <a:avLst/>
+          </a:prstGeom>
+          <a:ln w="12700">
+            <a:miter lim="400000"/>
+          </a:ln>
+          <a:extLst>
+            <a:ext uri="{C572A759-6A51-4108-AA02-DFA0A04FC94B}">
+              <ma14:wrappingTextBoxFlag xmlns:ma14="http://schemas.microsoft.com/office/mac/drawingml/2011/main" xmlns:a14="http://schemas.microsoft.com/office/drawing/2010/main" xmlns:m="http://schemas.openxmlformats.org/officeDocument/2006/math" xmlns="" val="1"/>
+            </a:ext>
+          </a:extLst>
+        </p:spPr>
+        <p:txBody>
+          <a:bodyPr wrap="none" lIns="50800" tIns="50800" rIns="50800" bIns="50800" anchor="ctr">
+            <a:spAutoFit/>
+          </a:bodyPr>
+          <a:lstStyle/>
+          <a:p>
+            <a:pPr marL="762000" lvl="3" indent="-381000" algn="l">
+              <a:buSzPct val="100000"/>
+              <a:buChar char="-"/>
+              <a:defRPr sz="3500" b="0">
+                <a:latin typeface="Helvetica Neue Light"/>
+                <a:ea typeface="Helvetica Neue Light"/>
+                <a:cs typeface="Helvetica Neue Light"/>
+                <a:sym typeface="Helvetica Neue Light"/>
+              </a:defRPr>
+            </a:pPr>
+            <a:r>
+              <a:rPr lang="zh-CN" altLang="en-US" dirty="0"/>
+              <a:t>对 </a:t>
+            </a:r>
+            <a:r>
+              <a:rPr lang="en-US" altLang="zh-CN" dirty="0"/>
+              <a:t>b </a:t>
+            </a:r>
+            <a:r>
+              <a:rPr lang="zh-CN" altLang="en-US" dirty="0"/>
+              <a:t>和 </a:t>
+            </a:r>
+            <a:r>
+              <a:rPr lang="en-US" altLang="zh-CN" dirty="0"/>
+              <a:t>c </a:t>
+            </a:r>
+            <a:r>
+              <a:rPr lang="zh-CN" altLang="en-US" dirty="0"/>
+              <a:t>递归，求出其通往下方的路径最大值</a:t>
+            </a:r>
+            <a:endParaRPr dirty="0"/>
+          </a:p>
+        </p:txBody>
+      </p:sp>
+      <p:sp>
+        <p:nvSpPr>
+          <p:cNvPr id="14" name="xxxxx">
+            <a:extLst>
+              <a:ext uri="{FF2B5EF4-FFF2-40B4-BE49-F238E27FC236}">
+                <a16:creationId xmlns:a16="http://schemas.microsoft.com/office/drawing/2014/main" id="{1866A1EC-9067-47E1-BE8D-9F1AFE131885}"/>
+              </a:ext>
+            </a:extLst>
+          </p:cNvPr>
+          <p:cNvSpPr txBox="1"/>
+          <p:nvPr/>
+        </p:nvSpPr>
+        <p:spPr>
+          <a:xfrm>
+            <a:off x="1534496" y="10086841"/>
+            <a:ext cx="9101851" cy="641201"/>
+          </a:xfrm>
+          <a:prstGeom prst="rect">
+            <a:avLst/>
+          </a:prstGeom>
+          <a:ln w="12700">
+            <a:miter lim="400000"/>
+          </a:ln>
+          <a:extLst>
+            <a:ext uri="{C572A759-6A51-4108-AA02-DFA0A04FC94B}">
+              <ma14:wrappingTextBoxFlag xmlns:ma14="http://schemas.microsoft.com/office/mac/drawingml/2011/main" xmlns:a14="http://schemas.microsoft.com/office/drawing/2010/main" xmlns:m="http://schemas.openxmlformats.org/officeDocument/2006/math" xmlns="" val="1"/>
+            </a:ext>
+          </a:extLst>
+        </p:spPr>
+        <p:txBody>
+          <a:bodyPr wrap="none" lIns="50800" tIns="50800" rIns="50800" bIns="50800" anchor="ctr">
+            <a:spAutoFit/>
+          </a:bodyPr>
+          <a:lstStyle/>
+          <a:p>
+            <a:pPr marL="762000" lvl="3" indent="-381000" algn="l">
+              <a:buSzPct val="100000"/>
+              <a:buChar char="-"/>
+              <a:defRPr sz="3500" b="0">
+                <a:latin typeface="Helvetica Neue Light"/>
+                <a:ea typeface="Helvetica Neue Light"/>
+                <a:cs typeface="Helvetica Neue Light"/>
+                <a:sym typeface="Helvetica Neue Light"/>
+              </a:defRPr>
+            </a:pPr>
+            <a:r>
+              <a:rPr lang="zh-CN" altLang="en-US" dirty="0"/>
+              <a:t>选择 </a:t>
+            </a:r>
+            <a:r>
+              <a:rPr lang="en-US" altLang="zh-CN" dirty="0"/>
+              <a:t>b + a </a:t>
+            </a:r>
+            <a:r>
+              <a:rPr lang="zh-CN" altLang="en-US" dirty="0"/>
+              <a:t>和 </a:t>
+            </a:r>
+            <a:r>
+              <a:rPr lang="en-US" altLang="zh-CN" dirty="0"/>
+              <a:t>c + a </a:t>
+            </a:r>
+            <a:r>
+              <a:rPr lang="zh-CN" altLang="en-US" dirty="0"/>
+              <a:t>中较大的值作为返回值</a:t>
             </a:r>
             <a:endParaRPr dirty="0"/>
           </a:p>
@@ -16871,6 +15794,132 @@
                                   </p:childTnLst>
                                 </p:cTn>
                               </p:par>
+                              <p:par>
+                                <p:cTn id="15" presetID="1" presetClass="entr" presetSubtype="0" fill="hold" grpId="0" nodeType="withEffect">
+                                  <p:stCondLst>
+                                    <p:cond delay="0"/>
+                                  </p:stCondLst>
+                                  <p:childTnLst>
+                                    <p:set>
+                                      <p:cBhvr>
+                                        <p:cTn id="16" dur="1" fill="hold">
+                                          <p:stCondLst>
+                                            <p:cond delay="0"/>
+                                          </p:stCondLst>
+                                        </p:cTn>
+                                        <p:tgtEl>
+                                          <p:spTgt spid="8"/>
+                                        </p:tgtEl>
+                                        <p:attrNameLst>
+                                          <p:attrName>style.visibility</p:attrName>
+                                        </p:attrNameLst>
+                                      </p:cBhvr>
+                                      <p:to>
+                                        <p:strVal val="visible"/>
+                                      </p:to>
+                                    </p:set>
+                                  </p:childTnLst>
+                                </p:cTn>
+                              </p:par>
+                            </p:childTnLst>
+                          </p:cTn>
+                        </p:par>
+                      </p:childTnLst>
+                    </p:cTn>
+                  </p:par>
+                  <p:par>
+                    <p:cTn id="17" fill="hold">
+                      <p:stCondLst>
+                        <p:cond delay="indefinite"/>
+                      </p:stCondLst>
+                      <p:childTnLst>
+                        <p:par>
+                          <p:cTn id="18" fill="hold">
+                            <p:stCondLst>
+                              <p:cond delay="0"/>
+                            </p:stCondLst>
+                            <p:childTnLst>
+                              <p:par>
+                                <p:cTn id="19" presetID="1" presetClass="entr" presetSubtype="0" fill="hold" grpId="0" nodeType="clickEffect">
+                                  <p:stCondLst>
+                                    <p:cond delay="0"/>
+                                  </p:stCondLst>
+                                  <p:childTnLst>
+                                    <p:set>
+                                      <p:cBhvr>
+                                        <p:cTn id="20" dur="1" fill="hold">
+                                          <p:stCondLst>
+                                            <p:cond delay="0"/>
+                                          </p:stCondLst>
+                                        </p:cTn>
+                                        <p:tgtEl>
+                                          <p:spTgt spid="12"/>
+                                        </p:tgtEl>
+                                        <p:attrNameLst>
+                                          <p:attrName>style.visibility</p:attrName>
+                                        </p:attrNameLst>
+                                      </p:cBhvr>
+                                      <p:to>
+                                        <p:strVal val="visible"/>
+                                      </p:to>
+                                    </p:set>
+                                  </p:childTnLst>
+                                </p:cTn>
+                              </p:par>
+                              <p:par>
+                                <p:cTn id="21" presetID="1" presetClass="entr" presetSubtype="0" fill="hold" grpId="0" nodeType="withEffect">
+                                  <p:stCondLst>
+                                    <p:cond delay="0"/>
+                                  </p:stCondLst>
+                                  <p:childTnLst>
+                                    <p:set>
+                                      <p:cBhvr>
+                                        <p:cTn id="22" dur="1" fill="hold">
+                                          <p:stCondLst>
+                                            <p:cond delay="0"/>
+                                          </p:stCondLst>
+                                        </p:cTn>
+                                        <p:tgtEl>
+                                          <p:spTgt spid="13"/>
+                                        </p:tgtEl>
+                                        <p:attrNameLst>
+                                          <p:attrName>style.visibility</p:attrName>
+                                        </p:attrNameLst>
+                                      </p:cBhvr>
+                                      <p:to>
+                                        <p:strVal val="visible"/>
+                                      </p:to>
+                                    </p:set>
+                                  </p:childTnLst>
+                                </p:cTn>
+                              </p:par>
+                              <p:par>
+                                <p:cTn id="23" presetID="1" presetClass="entr" presetSubtype="0" fill="hold" grpId="0" nodeType="withEffect">
+                                  <p:stCondLst>
+                                    <p:cond delay="0"/>
+                                  </p:stCondLst>
+                                  <p:childTnLst>
+                                    <p:set>
+                                      <p:cBhvr>
+                                        <p:cTn id="24" dur="1" fill="hold">
+                                          <p:stCondLst>
+                                            <p:cond delay="0"/>
+                                          </p:stCondLst>
+                                        </p:cTn>
+                                        <p:tgtEl>
+                                          <p:spTgt spid="14"/>
+                                        </p:tgtEl>
+                                        <p:attrNameLst>
+                                          <p:attrName>style.visibility</p:attrName>
+                                        </p:attrNameLst>
+                                      </p:cBhvr>
+                                      <p:to>
+                                        <p:strVal val="visible"/>
+                                      </p:to>
+                                    </p:set>
+                                  </p:childTnLst>
+                                </p:cTn>
+                              </p:par>
                             </p:childTnLst>
                           </p:cTn>
                         </p:par>
@@ -16902,6 +15951,10 @@
       <p:bldP spid="11" grpId="0" animBg="1"/>
       <p:bldP spid="16" grpId="0" animBg="1"/>
       <p:bldP spid="17" grpId="0" animBg="1"/>
+      <p:bldP spid="8" grpId="0" animBg="1"/>
+      <p:bldP spid="12" grpId="0" animBg="1"/>
+      <p:bldP spid="13" grpId="0" animBg="1"/>
+      <p:bldP spid="14" grpId="0" animBg="1"/>
     </p:bldLst>
   </p:timing>
 </p:sld>
@@ -16943,7 +15996,7 @@
           </a:ln>
           <a:extLst>
             <a:ext uri="{C572A759-6A51-4108-AA02-DFA0A04FC94B}">
-              <ma14:wrappingTextBoxFlag xmlns="" xmlns:m="http://schemas.openxmlformats.org/officeDocument/2006/math" xmlns:a14="http://schemas.microsoft.com/office/drawing/2010/main" xmlns:ma14="http://schemas.microsoft.com/office/mac/drawingml/2011/main" val="1"/>
+              <ma14:wrappingTextBoxFlag xmlns:ma14="http://schemas.microsoft.com/office/mac/drawingml/2011/main" xmlns:a14="http://schemas.microsoft.com/office/drawing/2010/main" xmlns:m="http://schemas.openxmlformats.org/officeDocument/2006/math" xmlns="" val="1"/>
             </a:ext>
           </a:extLst>
         </p:spPr>
@@ -17014,7 +16067,7 @@
           </a:ln>
           <a:extLst>
             <a:ext uri="{C572A759-6A51-4108-AA02-DFA0A04FC94B}">
-              <ma14:wrappingTextBoxFlag xmlns="" xmlns:m="http://schemas.openxmlformats.org/officeDocument/2006/math" xmlns:a14="http://schemas.microsoft.com/office/drawing/2010/main" xmlns:ma14="http://schemas.microsoft.com/office/mac/drawingml/2011/main" val="1"/>
+              <ma14:wrappingTextBoxFlag xmlns:ma14="http://schemas.microsoft.com/office/mac/drawingml/2011/main" xmlns:a14="http://schemas.microsoft.com/office/drawing/2010/main" xmlns:m="http://schemas.openxmlformats.org/officeDocument/2006/math" xmlns="" val="1"/>
             </a:ext>
           </a:extLst>
         </p:spPr>
@@ -17036,122 +16089,6 @@
             <a:r>
               <a:rPr lang="zh-CN" altLang="en-US" dirty="0"/>
               <a:t>解题思路</a:t>
-            </a:r>
-            <a:endParaRPr dirty="0"/>
-          </a:p>
-        </p:txBody>
-      </p:sp>
-      <p:sp>
-        <p:nvSpPr>
-          <p:cNvPr id="122" name="xxxxx"/>
-          <p:cNvSpPr txBox="1"/>
-          <p:nvPr/>
-        </p:nvSpPr>
-        <p:spPr>
-          <a:xfrm>
-            <a:off x="1534496" y="7616975"/>
-            <a:ext cx="2667397" cy="641201"/>
-          </a:xfrm>
-          <a:prstGeom prst="rect">
-            <a:avLst/>
-          </a:prstGeom>
-          <a:ln w="12700">
-            <a:miter lim="400000"/>
-          </a:ln>
-          <a:extLst>
-            <a:ext uri="{C572A759-6A51-4108-AA02-DFA0A04FC94B}">
-              <ma14:wrappingTextBoxFlag xmlns="" xmlns:m="http://schemas.openxmlformats.org/officeDocument/2006/math" xmlns:a14="http://schemas.microsoft.com/office/drawing/2010/main" xmlns:ma14="http://schemas.microsoft.com/office/mac/drawingml/2011/main" val="1"/>
-            </a:ext>
-          </a:extLst>
-        </p:spPr>
-        <p:txBody>
-          <a:bodyPr wrap="none" lIns="50800" tIns="50800" rIns="50800" bIns="50800" anchor="ctr">
-            <a:spAutoFit/>
-          </a:bodyPr>
-          <a:lstStyle/>
-          <a:p>
-            <a:pPr marL="762000" lvl="3" indent="-381000" algn="l">
-              <a:buSzPct val="100000"/>
-              <a:buChar char="-"/>
-              <a:defRPr sz="3500" b="0">
-                <a:latin typeface="Helvetica Neue Light"/>
-                <a:ea typeface="Helvetica Neue Light"/>
-                <a:cs typeface="Helvetica Neue Light"/>
-                <a:sym typeface="Helvetica Neue Light"/>
-              </a:defRPr>
-            </a:pPr>
-            <a:r>
-              <a:rPr lang="zh-CN" altLang="en-US" dirty="0"/>
-              <a:t>实现方法</a:t>
-            </a:r>
-            <a:endParaRPr dirty="0"/>
-          </a:p>
-        </p:txBody>
-      </p:sp>
-      <p:sp>
-        <p:nvSpPr>
-          <p:cNvPr id="10" name="xxxxx">
-            <a:extLst>
-              <a:ext uri="{FF2B5EF4-FFF2-40B4-BE49-F238E27FC236}">
-                <a16:creationId xmlns:a16="http://schemas.microsoft.com/office/drawing/2014/main" id="{280CB99E-3EDB-4AF8-BB5E-12F0770E5E86}"/>
-              </a:ext>
-            </a:extLst>
-          </p:cNvPr>
-          <p:cNvSpPr txBox="1"/>
-          <p:nvPr/>
-        </p:nvSpPr>
-        <p:spPr>
-          <a:xfrm>
-            <a:off x="1534496" y="8439462"/>
-            <a:ext cx="9900146" cy="641201"/>
-          </a:xfrm>
-          <a:prstGeom prst="rect">
-            <a:avLst/>
-          </a:prstGeom>
-          <a:ln w="12700">
-            <a:miter lim="400000"/>
-          </a:ln>
-          <a:extLst>
-            <a:ext uri="{C572A759-6A51-4108-AA02-DFA0A04FC94B}">
-              <ma14:wrappingTextBoxFlag xmlns="" xmlns:m="http://schemas.openxmlformats.org/officeDocument/2006/math" xmlns:a14="http://schemas.microsoft.com/office/drawing/2010/main" xmlns:ma14="http://schemas.microsoft.com/office/mac/drawingml/2011/main" val="1"/>
-            </a:ext>
-          </a:extLst>
-        </p:spPr>
-        <p:txBody>
-          <a:bodyPr wrap="none" lIns="50800" tIns="50800" rIns="50800" bIns="50800" anchor="ctr">
-            <a:spAutoFit/>
-          </a:bodyPr>
-          <a:lstStyle/>
-          <a:p>
-            <a:pPr marL="762000" lvl="3" indent="-381000" algn="l">
-              <a:buSzPct val="100000"/>
-              <a:buChar char="-"/>
-              <a:defRPr sz="3500" b="0">
-                <a:latin typeface="Helvetica Neue Light"/>
-                <a:ea typeface="Helvetica Neue Light"/>
-                <a:cs typeface="Helvetica Neue Light"/>
-                <a:sym typeface="Helvetica Neue Light"/>
-              </a:defRPr>
-            </a:pPr>
-            <a:r>
-              <a:rPr lang="zh-CN" altLang="en-US" dirty="0"/>
-              <a:t>对 </a:t>
-            </a:r>
-            <a:r>
-              <a:rPr lang="en-US" altLang="zh-CN" dirty="0"/>
-              <a:t>b </a:t>
-            </a:r>
-            <a:r>
-              <a:rPr lang="zh-CN" altLang="en-US" dirty="0"/>
-              <a:t>和 </a:t>
-            </a:r>
-            <a:r>
-              <a:rPr lang="en-US" altLang="zh-CN" dirty="0"/>
-              <a:t>c </a:t>
-            </a:r>
-            <a:r>
-              <a:rPr lang="zh-CN" altLang="en-US" dirty="0"/>
-              <a:t>递归，求出其通往下方的路径最大值</a:t>
             </a:r>
             <a:endParaRPr dirty="0"/>
           </a:p>
@@ -17172,7 +16109,7 @@
         <p:spPr>
           <a:xfrm>
             <a:off x="1524755" y="5149514"/>
-            <a:ext cx="4462760" cy="641201"/>
+            <a:ext cx="7639912" cy="641201"/>
           </a:xfrm>
           <a:prstGeom prst="rect">
             <a:avLst/>
@@ -17182,7 +16119,7 @@
           </a:ln>
           <a:extLst>
             <a:ext uri="{C572A759-6A51-4108-AA02-DFA0A04FC94B}">
-              <ma14:wrappingTextBoxFlag xmlns="" xmlns:m="http://schemas.openxmlformats.org/officeDocument/2006/math" xmlns:a14="http://schemas.microsoft.com/office/drawing/2010/main" xmlns:ma14="http://schemas.microsoft.com/office/mac/drawingml/2011/main" val="1"/>
+              <ma14:wrappingTextBoxFlag xmlns:ma14="http://schemas.microsoft.com/office/mac/drawingml/2011/main" xmlns:a14="http://schemas.microsoft.com/office/drawing/2010/main" xmlns:m="http://schemas.openxmlformats.org/officeDocument/2006/math" xmlns="" val="1"/>
             </a:ext>
           </a:extLst>
         </p:spPr>
@@ -17204,88 +16141,15 @@
             </a:pPr>
             <a:r>
               <a:rPr lang="zh-CN" altLang="en-US" dirty="0"/>
-              <a:t>也就是情况 </a:t>
+              <a:t>情况 </a:t>
             </a:r>
             <a:r>
               <a:rPr lang="en-US" altLang="zh-CN" dirty="0"/>
-              <a:t>2 </a:t>
+              <a:t>1 </a:t>
             </a:r>
             <a:r>
               <a:rPr lang="zh-CN" altLang="en-US" dirty="0"/>
-              <a:t>和 </a:t>
-            </a:r>
-            <a:r>
-              <a:rPr lang="en-US" altLang="zh-CN" dirty="0"/>
-              <a:t>3</a:t>
-            </a:r>
-            <a:endParaRPr lang="zh-CN" altLang="en-US" dirty="0"/>
-          </a:p>
-        </p:txBody>
-      </p:sp>
-      <p:sp>
-        <p:nvSpPr>
-          <p:cNvPr id="15" name="xxxxx">
-            <a:extLst>
-              <a:ext uri="{FF2B5EF4-FFF2-40B4-BE49-F238E27FC236}">
-                <a16:creationId xmlns:a16="http://schemas.microsoft.com/office/drawing/2014/main" id="{7800DA4C-75FA-4AC0-AE85-892397E20131}"/>
-              </a:ext>
-            </a:extLst>
-          </p:cNvPr>
-          <p:cNvSpPr txBox="1"/>
-          <p:nvPr/>
-        </p:nvSpPr>
-        <p:spPr>
-          <a:xfrm>
-            <a:off x="1534496" y="9264354"/>
-            <a:ext cx="9101851" cy="641201"/>
-          </a:xfrm>
-          <a:prstGeom prst="rect">
-            <a:avLst/>
-          </a:prstGeom>
-          <a:ln w="12700">
-            <a:miter lim="400000"/>
-          </a:ln>
-          <a:extLst>
-            <a:ext uri="{C572A759-6A51-4108-AA02-DFA0A04FC94B}">
-              <ma14:wrappingTextBoxFlag xmlns="" xmlns:m="http://schemas.openxmlformats.org/officeDocument/2006/math" xmlns:a14="http://schemas.microsoft.com/office/drawing/2010/main" xmlns:ma14="http://schemas.microsoft.com/office/mac/drawingml/2011/main" val="1"/>
-            </a:ext>
-          </a:extLst>
-        </p:spPr>
-        <p:txBody>
-          <a:bodyPr wrap="none" lIns="50800" tIns="50800" rIns="50800" bIns="50800" anchor="ctr">
-            <a:spAutoFit/>
-          </a:bodyPr>
-          <a:lstStyle/>
-          <a:p>
-            <a:pPr marL="762000" lvl="3" indent="-381000" algn="l">
-              <a:buSzPct val="100000"/>
-              <a:buChar char="-"/>
-              <a:defRPr sz="3500" b="0">
-                <a:latin typeface="Helvetica Neue Light"/>
-                <a:ea typeface="Helvetica Neue Light"/>
-                <a:cs typeface="Helvetica Neue Light"/>
-                <a:sym typeface="Helvetica Neue Light"/>
-              </a:defRPr>
-            </a:pPr>
-            <a:r>
-              <a:rPr lang="zh-CN" altLang="en-US" dirty="0"/>
-              <a:t>选择 </a:t>
-            </a:r>
-            <a:r>
-              <a:rPr lang="en-US" altLang="zh-CN" dirty="0"/>
-              <a:t>b + a </a:t>
-            </a:r>
-            <a:r>
-              <a:rPr lang="zh-CN" altLang="en-US" dirty="0"/>
-              <a:t>和 </a:t>
-            </a:r>
-            <a:r>
-              <a:rPr lang="en-US" altLang="zh-CN" dirty="0"/>
-              <a:t>c + a </a:t>
-            </a:r>
-            <a:r>
-              <a:rPr lang="zh-CN" altLang="en-US" dirty="0"/>
-              <a:t>中较大的值作为返回值</a:t>
+              <a:t>中也有可能产生最大路径和</a:t>
             </a:r>
             <a:endParaRPr dirty="0"/>
           </a:p>
@@ -17305,556 +16169,7 @@
         </p:nvSpPr>
         <p:spPr>
           <a:xfrm>
-            <a:off x="1534496" y="5972001"/>
-            <a:ext cx="2335576" cy="641201"/>
-          </a:xfrm>
-          <a:prstGeom prst="rect">
-            <a:avLst/>
-          </a:prstGeom>
-          <a:ln w="12700">
-            <a:miter lim="400000"/>
-          </a:ln>
-          <a:extLst>
-            <a:ext uri="{C572A759-6A51-4108-AA02-DFA0A04FC94B}">
-              <ma14:wrappingTextBoxFlag xmlns="" xmlns:m="http://schemas.openxmlformats.org/officeDocument/2006/math" xmlns:a14="http://schemas.microsoft.com/office/drawing/2010/main" xmlns:ma14="http://schemas.microsoft.com/office/mac/drawingml/2011/main" val="1"/>
-            </a:ext>
-          </a:extLst>
-        </p:spPr>
-        <p:txBody>
-          <a:bodyPr wrap="none" lIns="50800" tIns="50800" rIns="50800" bIns="50800" anchor="ctr">
-            <a:spAutoFit/>
-          </a:bodyPr>
-          <a:lstStyle/>
-          <a:p>
-            <a:pPr marL="762000" lvl="3" indent="-381000" algn="l">
-              <a:buSzPct val="100000"/>
-              <a:buChar char="-"/>
-              <a:defRPr sz="3500" b="0">
-                <a:latin typeface="Helvetica Neue Light"/>
-                <a:ea typeface="Helvetica Neue Light"/>
-                <a:cs typeface="Helvetica Neue Light"/>
-                <a:sym typeface="Helvetica Neue Light"/>
-              </a:defRPr>
-            </a:pPr>
-            <a:r>
-              <a:rPr lang="en-US" altLang="zh-CN" dirty="0"/>
-              <a:t>2. b + a</a:t>
-            </a:r>
-          </a:p>
-        </p:txBody>
-      </p:sp>
-      <p:sp>
-        <p:nvSpPr>
-          <p:cNvPr id="17" name="xxxxx">
-            <a:extLst>
-              <a:ext uri="{FF2B5EF4-FFF2-40B4-BE49-F238E27FC236}">
-                <a16:creationId xmlns:a16="http://schemas.microsoft.com/office/drawing/2014/main" id="{A29ADDA2-DE86-4EAC-A5DC-1E452DCE7C3D}"/>
-              </a:ext>
-            </a:extLst>
-          </p:cNvPr>
-          <p:cNvSpPr txBox="1"/>
-          <p:nvPr/>
-        </p:nvSpPr>
-        <p:spPr>
-          <a:xfrm>
-            <a:off x="1534496" y="6794488"/>
-            <a:ext cx="2319546" cy="641201"/>
-          </a:xfrm>
-          <a:prstGeom prst="rect">
-            <a:avLst/>
-          </a:prstGeom>
-          <a:ln w="12700">
-            <a:miter lim="400000"/>
-          </a:ln>
-          <a:extLst>
-            <a:ext uri="{C572A759-6A51-4108-AA02-DFA0A04FC94B}">
-              <ma14:wrappingTextBoxFlag xmlns="" xmlns:m="http://schemas.openxmlformats.org/officeDocument/2006/math" xmlns:a14="http://schemas.microsoft.com/office/drawing/2010/main" xmlns:ma14="http://schemas.microsoft.com/office/mac/drawingml/2011/main" val="1"/>
-            </a:ext>
-          </a:extLst>
-        </p:spPr>
-        <p:txBody>
-          <a:bodyPr wrap="none" lIns="50800" tIns="50800" rIns="50800" bIns="50800" anchor="ctr">
-            <a:spAutoFit/>
-          </a:bodyPr>
-          <a:lstStyle/>
-          <a:p>
-            <a:pPr marL="762000" lvl="3" indent="-381000" algn="l">
-              <a:buSzPct val="100000"/>
-              <a:buChar char="-"/>
-              <a:defRPr sz="3500" b="0">
-                <a:latin typeface="Helvetica Neue Light"/>
-                <a:ea typeface="Helvetica Neue Light"/>
-                <a:cs typeface="Helvetica Neue Light"/>
-                <a:sym typeface="Helvetica Neue Light"/>
-              </a:defRPr>
-            </a:pPr>
-            <a:r>
-              <a:rPr lang="en-US" altLang="zh-CN" dirty="0"/>
-              <a:t>3. c + a</a:t>
-            </a:r>
-          </a:p>
-        </p:txBody>
-      </p:sp>
-    </p:spTree>
-    <p:extLst>
-      <p:ext uri="{BB962C8B-B14F-4D97-AF65-F5344CB8AC3E}">
-        <p14:creationId xmlns:p14="http://schemas.microsoft.com/office/powerpoint/2010/main" val="2851275213"/>
-      </p:ext>
-    </p:extLst>
-  </p:cSld>
-  <p:clrMapOvr>
-    <a:masterClrMapping/>
-  </p:clrMapOvr>
-  <p:transition spd="med"/>
-  <p:timing>
-    <p:tnLst>
-      <p:par>
-        <p:cTn id="1" dur="indefinite" restart="never" nodeType="tmRoot">
-          <p:childTnLst>
-            <p:seq concurrent="1" nextAc="seek">
-              <p:cTn id="2" dur="indefinite" nodeType="mainSeq">
-                <p:childTnLst>
-                  <p:par>
-                    <p:cTn id="3" fill="hold">
-                      <p:stCondLst>
-                        <p:cond delay="indefinite"/>
-                      </p:stCondLst>
-                      <p:childTnLst>
-                        <p:par>
-                          <p:cTn id="4" fill="hold">
-                            <p:stCondLst>
-                              <p:cond delay="0"/>
-                            </p:stCondLst>
-                            <p:childTnLst>
-                              <p:par>
-                                <p:cTn id="5" presetID="1" presetClass="entr" presetSubtype="0" fill="hold" grpId="0" nodeType="clickEffect">
-                                  <p:stCondLst>
-                                    <p:cond delay="0"/>
-                                  </p:stCondLst>
-                                  <p:childTnLst>
-                                    <p:set>
-                                      <p:cBhvr>
-                                        <p:cTn id="6" dur="1" fill="hold">
-                                          <p:stCondLst>
-                                            <p:cond delay="0"/>
-                                          </p:stCondLst>
-                                        </p:cTn>
-                                        <p:tgtEl>
-                                          <p:spTgt spid="11"/>
-                                        </p:tgtEl>
-                                        <p:attrNameLst>
-                                          <p:attrName>style.visibility</p:attrName>
-                                        </p:attrNameLst>
-                                      </p:cBhvr>
-                                      <p:to>
-                                        <p:strVal val="visible"/>
-                                      </p:to>
-                                    </p:set>
-                                  </p:childTnLst>
-                                </p:cTn>
-                              </p:par>
-                              <p:par>
-                                <p:cTn id="7" presetID="1" presetClass="entr" presetSubtype="0" fill="hold" grpId="0" nodeType="withEffect">
-                                  <p:stCondLst>
-                                    <p:cond delay="0"/>
-                                  </p:stCondLst>
-                                  <p:childTnLst>
-                                    <p:set>
-                                      <p:cBhvr>
-                                        <p:cTn id="8" dur="1" fill="hold">
-                                          <p:stCondLst>
-                                            <p:cond delay="0"/>
-                                          </p:stCondLst>
-                                        </p:cTn>
-                                        <p:tgtEl>
-                                          <p:spTgt spid="16"/>
-                                        </p:tgtEl>
-                                        <p:attrNameLst>
-                                          <p:attrName>style.visibility</p:attrName>
-                                        </p:attrNameLst>
-                                      </p:cBhvr>
-                                      <p:to>
-                                        <p:strVal val="visible"/>
-                                      </p:to>
-                                    </p:set>
-                                  </p:childTnLst>
-                                </p:cTn>
-                              </p:par>
-                              <p:par>
-                                <p:cTn id="9" presetID="1" presetClass="entr" presetSubtype="0" fill="hold" grpId="0" nodeType="withEffect">
-                                  <p:stCondLst>
-                                    <p:cond delay="0"/>
-                                  </p:stCondLst>
-                                  <p:childTnLst>
-                                    <p:set>
-                                      <p:cBhvr>
-                                        <p:cTn id="10" dur="1" fill="hold">
-                                          <p:stCondLst>
-                                            <p:cond delay="0"/>
-                                          </p:stCondLst>
-                                        </p:cTn>
-                                        <p:tgtEl>
-                                          <p:spTgt spid="17"/>
-                                        </p:tgtEl>
-                                        <p:attrNameLst>
-                                          <p:attrName>style.visibility</p:attrName>
-                                        </p:attrNameLst>
-                                      </p:cBhvr>
-                                      <p:to>
-                                        <p:strVal val="visible"/>
-                                      </p:to>
-                                    </p:set>
-                                  </p:childTnLst>
-                                </p:cTn>
-                              </p:par>
-                            </p:childTnLst>
-                          </p:cTn>
-                        </p:par>
-                      </p:childTnLst>
-                    </p:cTn>
-                  </p:par>
-                  <p:par>
-                    <p:cTn id="11" fill="hold">
-                      <p:stCondLst>
-                        <p:cond delay="indefinite"/>
-                      </p:stCondLst>
-                      <p:childTnLst>
-                        <p:par>
-                          <p:cTn id="12" fill="hold">
-                            <p:stCondLst>
-                              <p:cond delay="0"/>
-                            </p:stCondLst>
-                            <p:childTnLst>
-                              <p:par>
-                                <p:cTn id="13" presetID="1" presetClass="entr" presetSubtype="0" fill="hold" grpId="0" nodeType="clickEffect">
-                                  <p:stCondLst>
-                                    <p:cond delay="0"/>
-                                  </p:stCondLst>
-                                  <p:childTnLst>
-                                    <p:set>
-                                      <p:cBhvr>
-                                        <p:cTn id="14" dur="1" fill="hold">
-                                          <p:stCondLst>
-                                            <p:cond delay="0"/>
-                                          </p:stCondLst>
-                                        </p:cTn>
-                                        <p:tgtEl>
-                                          <p:spTgt spid="122"/>
-                                        </p:tgtEl>
-                                        <p:attrNameLst>
-                                          <p:attrName>style.visibility</p:attrName>
-                                        </p:attrNameLst>
-                                      </p:cBhvr>
-                                      <p:to>
-                                        <p:strVal val="visible"/>
-                                      </p:to>
-                                    </p:set>
-                                  </p:childTnLst>
-                                </p:cTn>
-                              </p:par>
-                              <p:par>
-                                <p:cTn id="15" presetID="1" presetClass="entr" presetSubtype="0" fill="hold" grpId="0" nodeType="withEffect">
-                                  <p:stCondLst>
-                                    <p:cond delay="0"/>
-                                  </p:stCondLst>
-                                  <p:childTnLst>
-                                    <p:set>
-                                      <p:cBhvr>
-                                        <p:cTn id="16" dur="1" fill="hold">
-                                          <p:stCondLst>
-                                            <p:cond delay="0"/>
-                                          </p:stCondLst>
-                                        </p:cTn>
-                                        <p:tgtEl>
-                                          <p:spTgt spid="10"/>
-                                        </p:tgtEl>
-                                        <p:attrNameLst>
-                                          <p:attrName>style.visibility</p:attrName>
-                                        </p:attrNameLst>
-                                      </p:cBhvr>
-                                      <p:to>
-                                        <p:strVal val="visible"/>
-                                      </p:to>
-                                    </p:set>
-                                  </p:childTnLst>
-                                </p:cTn>
-                              </p:par>
-                              <p:par>
-                                <p:cTn id="17" presetID="1" presetClass="entr" presetSubtype="0" fill="hold" grpId="0" nodeType="withEffect">
-                                  <p:stCondLst>
-                                    <p:cond delay="0"/>
-                                  </p:stCondLst>
-                                  <p:childTnLst>
-                                    <p:set>
-                                      <p:cBhvr>
-                                        <p:cTn id="18" dur="1" fill="hold">
-                                          <p:stCondLst>
-                                            <p:cond delay="0"/>
-                                          </p:stCondLst>
-                                        </p:cTn>
-                                        <p:tgtEl>
-                                          <p:spTgt spid="15"/>
-                                        </p:tgtEl>
-                                        <p:attrNameLst>
-                                          <p:attrName>style.visibility</p:attrName>
-                                        </p:attrNameLst>
-                                      </p:cBhvr>
-                                      <p:to>
-                                        <p:strVal val="visible"/>
-                                      </p:to>
-                                    </p:set>
-                                  </p:childTnLst>
-                                </p:cTn>
-                              </p:par>
-                            </p:childTnLst>
-                          </p:cTn>
-                        </p:par>
-                      </p:childTnLst>
-                    </p:cTn>
-                  </p:par>
-                </p:childTnLst>
-              </p:cTn>
-              <p:prevCondLst>
-                <p:cond evt="onPrev" delay="0">
-                  <p:tgtEl>
-                    <p:sldTgt/>
-                  </p:tgtEl>
-                </p:cond>
-              </p:prevCondLst>
-              <p:nextCondLst>
-                <p:cond evt="onNext" delay="0">
-                  <p:tgtEl>
-                    <p:sldTgt/>
-                  </p:tgtEl>
-                </p:cond>
-              </p:nextCondLst>
-            </p:seq>
-          </p:childTnLst>
-        </p:cTn>
-      </p:par>
-    </p:tnLst>
-    <p:bldLst>
-      <p:bldP spid="122" grpId="0" animBg="1"/>
-      <p:bldP spid="10" grpId="0" animBg="1"/>
-      <p:bldP spid="11" grpId="0" animBg="1"/>
-      <p:bldP spid="15" grpId="0" animBg="1"/>
-      <p:bldP spid="16" grpId="0" animBg="1"/>
-      <p:bldP spid="17" grpId="0" animBg="1"/>
-    </p:bldLst>
-  </p:timing>
-</p:sld>
-</file>
-
-<file path=ppt/slides/slide9.xml><?xml version="1.0" encoding="utf-8"?>
-<p:sld xmlns:a="http://schemas.openxmlformats.org/drawingml/2006/main" xmlns:r="http://schemas.openxmlformats.org/officeDocument/2006/relationships" xmlns:p="http://schemas.openxmlformats.org/presentationml/2006/main">
-  <p:cSld>
-    <p:spTree>
-      <p:nvGrpSpPr>
-        <p:cNvPr id="1" name=""/>
-        <p:cNvGrpSpPr/>
-        <p:nvPr/>
-      </p:nvGrpSpPr>
-      <p:grpSpPr>
-        <a:xfrm>
-          <a:off x="0" y="0"/>
-          <a:ext cx="0" cy="0"/>
-          <a:chOff x="0" y="0"/>
-          <a:chExt cx="0" cy="0"/>
-        </a:xfrm>
-      </p:grpSpPr>
-      <p:sp>
-        <p:nvSpPr>
-          <p:cNvPr id="119" name="小标题"/>
-          <p:cNvSpPr txBox="1"/>
-          <p:nvPr/>
-        </p:nvSpPr>
-        <p:spPr>
-          <a:xfrm>
-            <a:off x="1524755" y="1062583"/>
-            <a:ext cx="6718186" cy="872034"/>
-          </a:xfrm>
-          <a:prstGeom prst="rect">
-            <a:avLst/>
-          </a:prstGeom>
-          <a:ln w="12700">
-            <a:miter lim="400000"/>
-          </a:ln>
-          <a:extLst>
-            <a:ext uri="{C572A759-6A51-4108-AA02-DFA0A04FC94B}">
-              <ma14:wrappingTextBoxFlag xmlns="" xmlns:m="http://schemas.openxmlformats.org/officeDocument/2006/math" xmlns:a14="http://schemas.microsoft.com/office/drawing/2010/main" xmlns:ma14="http://schemas.microsoft.com/office/mac/drawingml/2011/main" val="1"/>
-            </a:ext>
-          </a:extLst>
-        </p:spPr>
-        <p:txBody>
-          <a:bodyPr wrap="none" lIns="50800" tIns="50800" rIns="50800" bIns="50800" anchor="ctr">
-            <a:spAutoFit/>
-          </a:bodyPr>
-          <a:lstStyle>
-            <a:lvl1pPr algn="l">
-              <a:defRPr sz="5000" b="0"/>
-            </a:lvl1pPr>
-          </a:lstStyle>
-          <a:p>
-            <a:r>
-              <a:rPr lang="zh-CN" altLang="en-US" dirty="0"/>
-              <a:t>二叉树中的最大路径和</a:t>
-            </a:r>
-            <a:endParaRPr sz="2400" dirty="0">
-              <a:latin typeface="华文楷体" panose="02010600040101010101" pitchFamily="2" charset="-122"/>
-              <a:ea typeface="华文楷体" panose="02010600040101010101" pitchFamily="2" charset="-122"/>
-            </a:endParaRPr>
-          </a:p>
-        </p:txBody>
-      </p:sp>
-      <p:pic>
-        <p:nvPicPr>
-          <p:cNvPr id="120" name="15@3x.png" descr="15@3x.png"/>
-          <p:cNvPicPr>
-            <a:picLocks noChangeAspect="1"/>
-          </p:cNvPicPr>
-          <p:nvPr/>
-        </p:nvPicPr>
-        <p:blipFill>
-          <a:blip r:embed="rId2"/>
-          <a:stretch>
-            <a:fillRect/>
-          </a:stretch>
-        </p:blipFill>
-        <p:spPr>
-          <a:xfrm>
-            <a:off x="20137758" y="955097"/>
-            <a:ext cx="2540001" cy="1195755"/>
-          </a:xfrm>
-          <a:prstGeom prst="rect">
-            <a:avLst/>
-          </a:prstGeom>
-          <a:ln w="12700">
-            <a:miter lim="400000"/>
-          </a:ln>
-        </p:spPr>
-      </p:pic>
-      <p:sp>
-        <p:nvSpPr>
-          <p:cNvPr id="121" name="xxx"/>
-          <p:cNvSpPr txBox="1"/>
-          <p:nvPr/>
-        </p:nvSpPr>
-        <p:spPr>
-          <a:xfrm>
-            <a:off x="1528824" y="4181801"/>
-            <a:ext cx="2681824" cy="718145"/>
-          </a:xfrm>
-          <a:prstGeom prst="rect">
-            <a:avLst/>
-          </a:prstGeom>
-          <a:ln w="12700">
-            <a:miter lim="400000"/>
-          </a:ln>
-          <a:extLst>
-            <a:ext uri="{C572A759-6A51-4108-AA02-DFA0A04FC94B}">
-              <ma14:wrappingTextBoxFlag xmlns="" xmlns:m="http://schemas.openxmlformats.org/officeDocument/2006/math" xmlns:a14="http://schemas.microsoft.com/office/drawing/2010/main" xmlns:ma14="http://schemas.microsoft.com/office/mac/drawingml/2011/main" val="1"/>
-            </a:ext>
-          </a:extLst>
-        </p:spPr>
-        <p:txBody>
-          <a:bodyPr wrap="none" lIns="50800" tIns="50800" rIns="50800" bIns="50800" anchor="ctr">
-            <a:spAutoFit/>
-          </a:bodyPr>
-          <a:lstStyle/>
-          <a:p>
-            <a:pPr marL="381000" lvl="3" indent="-381000" algn="l">
-              <a:buSzPct val="100000"/>
-              <a:buChar char="‣"/>
-              <a:defRPr sz="4000" b="0"/>
-            </a:pPr>
-            <a:r>
-              <a:rPr dirty="0"/>
-              <a:t> </a:t>
-            </a:r>
-            <a:r>
-              <a:rPr lang="zh-CN" altLang="en-US" dirty="0"/>
-              <a:t>解题思路</a:t>
-            </a:r>
-            <a:endParaRPr dirty="0"/>
-          </a:p>
-        </p:txBody>
-      </p:sp>
-      <p:sp>
-        <p:nvSpPr>
-          <p:cNvPr id="11" name="xxxxx">
-            <a:extLst>
-              <a:ext uri="{FF2B5EF4-FFF2-40B4-BE49-F238E27FC236}">
-                <a16:creationId xmlns:a16="http://schemas.microsoft.com/office/drawing/2014/main" id="{2FA336E7-065F-44EE-9546-2206454DC3BA}"/>
-              </a:ext>
-            </a:extLst>
-          </p:cNvPr>
-          <p:cNvSpPr txBox="1"/>
-          <p:nvPr/>
-        </p:nvSpPr>
-        <p:spPr>
-          <a:xfrm>
-            <a:off x="1524755" y="5149514"/>
-            <a:ext cx="8986434" cy="641201"/>
-          </a:xfrm>
-          <a:prstGeom prst="rect">
-            <a:avLst/>
-          </a:prstGeom>
-          <a:ln w="12700">
-            <a:miter lim="400000"/>
-          </a:ln>
-          <a:extLst>
-            <a:ext uri="{C572A759-6A51-4108-AA02-DFA0A04FC94B}">
-              <ma14:wrappingTextBoxFlag xmlns="" xmlns:m="http://schemas.openxmlformats.org/officeDocument/2006/math" xmlns:a14="http://schemas.microsoft.com/office/drawing/2010/main" xmlns:ma14="http://schemas.microsoft.com/office/mac/drawingml/2011/main" val="1"/>
-            </a:ext>
-          </a:extLst>
-        </p:spPr>
-        <p:txBody>
-          <a:bodyPr wrap="none" lIns="50800" tIns="50800" rIns="50800" bIns="50800" anchor="ctr">
-            <a:spAutoFit/>
-          </a:bodyPr>
-          <a:lstStyle/>
-          <a:p>
-            <a:pPr marL="762000" lvl="3" indent="-381000" algn="l">
-              <a:buSzPct val="100000"/>
-              <a:buChar char="-"/>
-              <a:defRPr sz="3500" b="0">
-                <a:latin typeface="Helvetica Neue Light"/>
-                <a:ea typeface="Helvetica Neue Light"/>
-                <a:cs typeface="Helvetica Neue Light"/>
-                <a:sym typeface="Helvetica Neue Light"/>
-              </a:defRPr>
-            </a:pPr>
-            <a:r>
-              <a:rPr lang="zh-CN" altLang="en-US" dirty="0"/>
-              <a:t>另外，情况 </a:t>
-            </a:r>
-            <a:r>
-              <a:rPr lang="en-US" altLang="zh-CN" dirty="0"/>
-              <a:t>1 </a:t>
-            </a:r>
-            <a:r>
-              <a:rPr lang="zh-CN" altLang="en-US" dirty="0"/>
-              <a:t>中也有可能产生最大路径和</a:t>
-            </a:r>
-            <a:endParaRPr dirty="0"/>
-          </a:p>
-        </p:txBody>
-      </p:sp>
-      <p:sp>
-        <p:nvSpPr>
-          <p:cNvPr id="16" name="xxxxx">
-            <a:extLst>
-              <a:ext uri="{FF2B5EF4-FFF2-40B4-BE49-F238E27FC236}">
-                <a16:creationId xmlns:a16="http://schemas.microsoft.com/office/drawing/2014/main" id="{F64E741B-D212-40B0-A755-B82B04FCFEB6}"/>
-              </a:ext>
-            </a:extLst>
-          </p:cNvPr>
-          <p:cNvSpPr txBox="1"/>
-          <p:nvPr/>
-        </p:nvSpPr>
-        <p:spPr>
-          <a:xfrm>
-            <a:off x="1534496" y="5972001"/>
+            <a:off x="1534496" y="6858752"/>
             <a:ext cx="8053487" cy="641201"/>
           </a:xfrm>
           <a:prstGeom prst="rect">
@@ -17865,7 +16180,7 @@
           </a:ln>
           <a:extLst>
             <a:ext uri="{C572A759-6A51-4108-AA02-DFA0A04FC94B}">
-              <ma14:wrappingTextBoxFlag xmlns="" xmlns:m="http://schemas.openxmlformats.org/officeDocument/2006/math" xmlns:a14="http://schemas.microsoft.com/office/drawing/2010/main" xmlns:ma14="http://schemas.microsoft.com/office/mac/drawingml/2011/main" val="1"/>
+              <ma14:wrappingTextBoxFlag xmlns:ma14="http://schemas.microsoft.com/office/mac/drawingml/2011/main" xmlns:a14="http://schemas.microsoft.com/office/drawing/2010/main" xmlns:m="http://schemas.openxmlformats.org/officeDocument/2006/math" xmlns="" val="1"/>
             </a:ext>
           </a:extLst>
         </p:spPr>
@@ -17919,7 +16234,7 @@
           </a:ln>
           <a:extLst>
             <a:ext uri="{C572A759-6A51-4108-AA02-DFA0A04FC94B}">
-              <ma14:wrappingTextBoxFlag xmlns="" xmlns:m="http://schemas.openxmlformats.org/officeDocument/2006/math" xmlns:a14="http://schemas.microsoft.com/office/drawing/2010/main" xmlns:ma14="http://schemas.microsoft.com/office/mac/drawingml/2011/main" val="1"/>
+              <ma14:wrappingTextBoxFlag xmlns:ma14="http://schemas.microsoft.com/office/mac/drawingml/2011/main" xmlns:a14="http://schemas.microsoft.com/office/drawing/2010/main" xmlns:m="http://schemas.openxmlformats.org/officeDocument/2006/math" xmlns="" val="1"/>
             </a:ext>
           </a:extLst>
         </p:spPr>
@@ -17957,7 +16272,7 @@
         </p:nvSpPr>
         <p:spPr>
           <a:xfrm>
-            <a:off x="1534495" y="7616975"/>
+            <a:off x="1534495" y="8503726"/>
             <a:ext cx="8502328" cy="641201"/>
           </a:xfrm>
           <a:prstGeom prst="rect">
@@ -17968,7 +16283,7 @@
           </a:ln>
           <a:extLst>
             <a:ext uri="{C572A759-6A51-4108-AA02-DFA0A04FC94B}">
-              <ma14:wrappingTextBoxFlag xmlns="" xmlns:m="http://schemas.openxmlformats.org/officeDocument/2006/math" xmlns:a14="http://schemas.microsoft.com/office/drawing/2010/main" xmlns:ma14="http://schemas.microsoft.com/office/mac/drawingml/2011/main" val="1"/>
+              <ma14:wrappingTextBoxFlag xmlns:ma14="http://schemas.microsoft.com/office/mac/drawingml/2011/main" xmlns:a14="http://schemas.microsoft.com/office/drawing/2010/main" xmlns:m="http://schemas.openxmlformats.org/officeDocument/2006/math" xmlns="" val="1"/>
             </a:ext>
           </a:extLst>
         </p:spPr>
@@ -18010,8 +16325,8 @@
         </p:nvSpPr>
         <p:spPr>
           <a:xfrm>
-            <a:off x="1524755" y="8439462"/>
-            <a:ext cx="4013919" cy="641201"/>
+            <a:off x="1524755" y="9326213"/>
+            <a:ext cx="8951168" cy="641201"/>
           </a:xfrm>
           <a:prstGeom prst="rect">
             <a:avLst/>
@@ -18021,7 +16336,7 @@
           </a:ln>
           <a:extLst>
             <a:ext uri="{C572A759-6A51-4108-AA02-DFA0A04FC94B}">
-              <ma14:wrappingTextBoxFlag xmlns="" xmlns:m="http://schemas.openxmlformats.org/officeDocument/2006/math" xmlns:a14="http://schemas.microsoft.com/office/drawing/2010/main" xmlns:ma14="http://schemas.microsoft.com/office/mac/drawingml/2011/main" val="1"/>
+              <ma14:wrappingTextBoxFlag xmlns:ma14="http://schemas.microsoft.com/office/mac/drawingml/2011/main" xmlns:a14="http://schemas.microsoft.com/office/drawing/2010/main" xmlns:m="http://schemas.openxmlformats.org/officeDocument/2006/math" xmlns="" val="1"/>
             </a:ext>
           </a:extLst>
         </p:spPr>
@@ -18043,7 +16358,7 @@
             </a:pPr>
             <a:r>
               <a:rPr lang="zh-CN" altLang="en-US" dirty="0"/>
-              <a:t>返回联络最大和</a:t>
+              <a:t>所有情况已处理，最后，返回联络最大和</a:t>
             </a:r>
             <a:endParaRPr lang="en-US" altLang="zh-CN" dirty="0"/>
           </a:p>
@@ -18063,7 +16378,7 @@
         </p:nvSpPr>
         <p:spPr>
           <a:xfrm>
-            <a:off x="1534495" y="6794488"/>
+            <a:off x="1534495" y="7681239"/>
             <a:ext cx="9579546" cy="641201"/>
           </a:xfrm>
           <a:prstGeom prst="rect">
@@ -18074,7 +16389,7 @@
           </a:ln>
           <a:extLst>
             <a:ext uri="{C572A759-6A51-4108-AA02-DFA0A04FC94B}">
-              <ma14:wrappingTextBoxFlag xmlns="" xmlns:m="http://schemas.openxmlformats.org/officeDocument/2006/math" xmlns:a14="http://schemas.microsoft.com/office/drawing/2010/main" xmlns:ma14="http://schemas.microsoft.com/office/mac/drawingml/2011/main" val="1"/>
+              <ma14:wrappingTextBoxFlag xmlns:ma14="http://schemas.microsoft.com/office/mac/drawingml/2011/main" xmlns:a14="http://schemas.microsoft.com/office/drawing/2010/main" xmlns:m="http://schemas.openxmlformats.org/officeDocument/2006/math" xmlns="" val="1"/>
             </a:ext>
           </a:extLst>
         </p:spPr>
@@ -18124,6 +16439,59 @@
               <a:t>的值</a:t>
             </a:r>
             <a:endParaRPr lang="en-US" altLang="zh-CN" dirty="0"/>
+          </a:p>
+        </p:txBody>
+      </p:sp>
+      <p:sp>
+        <p:nvSpPr>
+          <p:cNvPr id="15" name="xxxxx">
+            <a:extLst>
+              <a:ext uri="{FF2B5EF4-FFF2-40B4-BE49-F238E27FC236}">
+                <a16:creationId xmlns:a16="http://schemas.microsoft.com/office/drawing/2014/main" id="{A2DCA79C-1618-4ABF-B95C-C08EFA8A9A5C}"/>
+              </a:ext>
+            </a:extLst>
+          </p:cNvPr>
+          <p:cNvSpPr txBox="1"/>
+          <p:nvPr/>
+        </p:nvSpPr>
+        <p:spPr>
+          <a:xfrm>
+            <a:off x="1524755" y="6040283"/>
+            <a:ext cx="2667397" cy="641201"/>
+          </a:xfrm>
+          <a:prstGeom prst="rect">
+            <a:avLst/>
+          </a:prstGeom>
+          <a:ln w="12700">
+            <a:miter lim="400000"/>
+          </a:ln>
+          <a:extLst>
+            <a:ext uri="{C572A759-6A51-4108-AA02-DFA0A04FC94B}">
+              <ma14:wrappingTextBoxFlag xmlns:ma14="http://schemas.microsoft.com/office/mac/drawingml/2011/main" xmlns:a14="http://schemas.microsoft.com/office/drawing/2010/main" xmlns:m="http://schemas.openxmlformats.org/officeDocument/2006/math" xmlns="" val="1"/>
+            </a:ext>
+          </a:extLst>
+        </p:spPr>
+        <p:txBody>
+          <a:bodyPr wrap="none" lIns="50800" tIns="50800" rIns="50800" bIns="50800" anchor="ctr">
+            <a:spAutoFit/>
+          </a:bodyPr>
+          <a:lstStyle/>
+          <a:p>
+            <a:pPr marL="762000" lvl="3" indent="-381000" algn="l">
+              <a:buSzPct val="100000"/>
+              <a:buChar char="-"/>
+              <a:defRPr sz="3500" b="0">
+                <a:latin typeface="Helvetica Neue Light"/>
+                <a:ea typeface="Helvetica Neue Light"/>
+                <a:cs typeface="Helvetica Neue Light"/>
+                <a:sym typeface="Helvetica Neue Light"/>
+              </a:defRPr>
+            </a:pPr>
+            <a:r>
+              <a:rPr lang="zh-CN" altLang="en-US" dirty="0"/>
+              <a:t>实现方法</a:t>
+            </a:r>
+            <a:endParaRPr dirty="0"/>
           </a:p>
         </p:txBody>
       </p:sp>
@@ -18217,6 +16585,33 @@
                                           </p:stCondLst>
                                         </p:cTn>
                                         <p:tgtEl>
+                                          <p:spTgt spid="15"/>
+                                        </p:tgtEl>
+                                        <p:attrNameLst>
+                                          <p:attrName>style.visibility</p:attrName>
+                                        </p:attrNameLst>
+                                      </p:cBhvr>
+                                      <p:to>
+                                        <p:strVal val="visible"/>
+                                      </p:to>
+                                    </p:set>
+                                  </p:childTnLst>
+                                </p:cTn>
+                              </p:par>
+                              <p:par>
+                                <p:cTn id="11" presetID="1" presetClass="entr" presetSubtype="0" fill="hold" grpId="0" nodeType="withEffect">
+                                  <p:stCondLst>
+                                    <p:cond delay="0"/>
+                                  </p:stCondLst>
+                                  <p:childTnLst>
+                                    <p:set>
+                                      <p:cBhvr>
+                                        <p:cTn id="12" dur="1" fill="hold">
+                                          <p:stCondLst>
+                                            <p:cond delay="0"/>
+                                          </p:stCondLst>
+                                        </p:cTn>
+                                        <p:tgtEl>
                                           <p:spTgt spid="16"/>
                                         </p:tgtEl>
                                         <p:attrNameLst>
@@ -18230,26 +16625,8 @@
                                   </p:childTnLst>
                                 </p:cTn>
                               </p:par>
-                            </p:childTnLst>
-                          </p:cTn>
-                        </p:par>
-                      </p:childTnLst>
-                    </p:cTn>
-                  </p:par>
-                  <p:par>
-                    <p:cTn id="11" fill="hold">
-                      <p:stCondLst>
-                        <p:cond delay="indefinite"/>
-                      </p:stCondLst>
-                      <p:childTnLst>
-                        <p:par>
-                          <p:cTn id="12" fill="hold">
-                            <p:stCondLst>
-                              <p:cond delay="0"/>
-                            </p:stCondLst>
-                            <p:childTnLst>
                               <p:par>
-                                <p:cTn id="13" presetID="1" presetClass="entr" presetSubtype="0" fill="hold" grpId="0" nodeType="clickEffect">
+                                <p:cTn id="13" presetID="1" presetClass="entr" presetSubtype="0" fill="hold" grpId="0" nodeType="withEffect">
                                   <p:stCondLst>
                                     <p:cond delay="0"/>
                                   </p:stCondLst>
@@ -18275,33 +16652,15 @@
                                   </p:childTnLst>
                                 </p:cTn>
                               </p:par>
-                            </p:childTnLst>
-                          </p:cTn>
-                        </p:par>
-                      </p:childTnLst>
-                    </p:cTn>
-                  </p:par>
-                  <p:par>
-                    <p:cTn id="15" fill="hold">
-                      <p:stCondLst>
-                        <p:cond delay="indefinite"/>
-                      </p:stCondLst>
-                      <p:childTnLst>
-                        <p:par>
-                          <p:cTn id="16" fill="hold">
-                            <p:stCondLst>
-                              <p:cond delay="0"/>
-                            </p:stCondLst>
-                            <p:childTnLst>
                               <p:par>
-                                <p:cTn id="17" presetID="1" presetClass="entr" presetSubtype="0" fill="hold" grpId="0" nodeType="clickEffect">
+                                <p:cTn id="15" presetID="1" presetClass="entr" presetSubtype="0" fill="hold" grpId="0" nodeType="withEffect">
                                   <p:stCondLst>
                                     <p:cond delay="0"/>
                                   </p:stCondLst>
                                   <p:childTnLst>
                                     <p:set>
                                       <p:cBhvr>
-                                        <p:cTn id="18" dur="1" fill="hold">
+                                        <p:cTn id="16" dur="1" fill="hold">
                                           <p:stCondLst>
                                             <p:cond delay="0"/>
                                           </p:stCondLst>
@@ -18327,26 +16686,26 @@
                     </p:cTn>
                   </p:par>
                   <p:par>
-                    <p:cTn id="19" fill="hold">
+                    <p:cTn id="17" fill="hold">
                       <p:stCondLst>
                         <p:cond delay="indefinite"/>
                       </p:stCondLst>
                       <p:childTnLst>
                         <p:par>
-                          <p:cTn id="20" fill="hold">
+                          <p:cTn id="18" fill="hold">
                             <p:stCondLst>
                               <p:cond delay="0"/>
                             </p:stCondLst>
                             <p:childTnLst>
                               <p:par>
-                                <p:cTn id="21" presetID="1" presetClass="entr" presetSubtype="0" fill="hold" grpId="0" nodeType="clickEffect">
+                                <p:cTn id="19" presetID="1" presetClass="entr" presetSubtype="0" fill="hold" grpId="0" nodeType="clickEffect">
                                   <p:stCondLst>
                                     <p:cond delay="0"/>
                                   </p:stCondLst>
                                   <p:childTnLst>
                                     <p:set>
                                       <p:cBhvr>
-                                        <p:cTn id="22" dur="1" fill="hold">
+                                        <p:cTn id="20" dur="1" fill="hold">
                                           <p:stCondLst>
                                             <p:cond delay="0"/>
                                           </p:stCondLst>
@@ -18398,6 +16757,722 @@
       <p:bldP spid="13" grpId="0" animBg="1"/>
       <p:bldP spid="14" grpId="0" animBg="1"/>
       <p:bldP spid="18" grpId="0" animBg="1"/>
+      <p:bldP spid="15" grpId="0" animBg="1"/>
+    </p:bldLst>
+  </p:timing>
+</p:sld>
+</file>
+
+<file path=ppt/slides/slide9.xml><?xml version="1.0" encoding="utf-8"?>
+<p:sld xmlns:a="http://schemas.openxmlformats.org/drawingml/2006/main" xmlns:r="http://schemas.openxmlformats.org/officeDocument/2006/relationships" xmlns:p="http://schemas.openxmlformats.org/presentationml/2006/main">
+  <p:cSld>
+    <p:spTree>
+      <p:nvGrpSpPr>
+        <p:cNvPr id="1" name=""/>
+        <p:cNvGrpSpPr/>
+        <p:nvPr/>
+      </p:nvGrpSpPr>
+      <p:grpSpPr>
+        <a:xfrm>
+          <a:off x="0" y="0"/>
+          <a:ext cx="0" cy="0"/>
+          <a:chOff x="0" y="0"/>
+          <a:chExt cx="0" cy="0"/>
+        </a:xfrm>
+      </p:grpSpPr>
+      <p:sp>
+        <p:nvSpPr>
+          <p:cNvPr id="119" name="小标题"/>
+          <p:cNvSpPr txBox="1"/>
+          <p:nvPr/>
+        </p:nvSpPr>
+        <p:spPr>
+          <a:xfrm>
+            <a:off x="1524755" y="1062583"/>
+            <a:ext cx="6718186" cy="872034"/>
+          </a:xfrm>
+          <a:prstGeom prst="rect">
+            <a:avLst/>
+          </a:prstGeom>
+          <a:ln w="12700">
+            <a:miter lim="400000"/>
+          </a:ln>
+          <a:extLst>
+            <a:ext uri="{C572A759-6A51-4108-AA02-DFA0A04FC94B}">
+              <ma14:wrappingTextBoxFlag xmlns:ma14="http://schemas.microsoft.com/office/mac/drawingml/2011/main" xmlns:a14="http://schemas.microsoft.com/office/drawing/2010/main" xmlns:m="http://schemas.openxmlformats.org/officeDocument/2006/math" xmlns="" val="1"/>
+            </a:ext>
+          </a:extLst>
+        </p:spPr>
+        <p:txBody>
+          <a:bodyPr wrap="none" lIns="50800" tIns="50800" rIns="50800" bIns="50800" anchor="ctr">
+            <a:spAutoFit/>
+          </a:bodyPr>
+          <a:lstStyle>
+            <a:lvl1pPr algn="l">
+              <a:defRPr sz="5000" b="0"/>
+            </a:lvl1pPr>
+          </a:lstStyle>
+          <a:p>
+            <a:r>
+              <a:rPr lang="zh-CN" altLang="en-US" dirty="0"/>
+              <a:t>二叉树中的最大路径和</a:t>
+            </a:r>
+            <a:endParaRPr sz="2400" dirty="0">
+              <a:latin typeface="华文楷体" panose="02010600040101010101" pitchFamily="2" charset="-122"/>
+              <a:ea typeface="华文楷体" panose="02010600040101010101" pitchFamily="2" charset="-122"/>
+            </a:endParaRPr>
+          </a:p>
+        </p:txBody>
+      </p:sp>
+      <p:pic>
+        <p:nvPicPr>
+          <p:cNvPr id="120" name="15@3x.png" descr="15@3x.png"/>
+          <p:cNvPicPr>
+            <a:picLocks noChangeAspect="1"/>
+          </p:cNvPicPr>
+          <p:nvPr/>
+        </p:nvPicPr>
+        <p:blipFill>
+          <a:blip r:embed="rId2"/>
+          <a:stretch>
+            <a:fillRect/>
+          </a:stretch>
+        </p:blipFill>
+        <p:spPr>
+          <a:xfrm>
+            <a:off x="20137758" y="955097"/>
+            <a:ext cx="2540001" cy="1195755"/>
+          </a:xfrm>
+          <a:prstGeom prst="rect">
+            <a:avLst/>
+          </a:prstGeom>
+          <a:ln w="12700">
+            <a:miter lim="400000"/>
+          </a:ln>
+        </p:spPr>
+      </p:pic>
+      <p:sp>
+        <p:nvSpPr>
+          <p:cNvPr id="121" name="xxx"/>
+          <p:cNvSpPr txBox="1"/>
+          <p:nvPr/>
+        </p:nvSpPr>
+        <p:spPr>
+          <a:xfrm>
+            <a:off x="1528824" y="4181801"/>
+            <a:ext cx="2681824" cy="718145"/>
+          </a:xfrm>
+          <a:prstGeom prst="rect">
+            <a:avLst/>
+          </a:prstGeom>
+          <a:ln w="12700">
+            <a:miter lim="400000"/>
+          </a:ln>
+          <a:extLst>
+            <a:ext uri="{C572A759-6A51-4108-AA02-DFA0A04FC94B}">
+              <ma14:wrappingTextBoxFlag xmlns:ma14="http://schemas.microsoft.com/office/mac/drawingml/2011/main" xmlns:a14="http://schemas.microsoft.com/office/drawing/2010/main" xmlns:m="http://schemas.openxmlformats.org/officeDocument/2006/math" xmlns="" val="1"/>
+            </a:ext>
+          </a:extLst>
+        </p:spPr>
+        <p:txBody>
+          <a:bodyPr wrap="none" lIns="50800" tIns="50800" rIns="50800" bIns="50800" anchor="ctr">
+            <a:spAutoFit/>
+          </a:bodyPr>
+          <a:lstStyle/>
+          <a:p>
+            <a:pPr marL="381000" lvl="3" indent="-381000" algn="l">
+              <a:buSzPct val="100000"/>
+              <a:buChar char="‣"/>
+              <a:defRPr sz="4000" b="0"/>
+            </a:pPr>
+            <a:r>
+              <a:rPr dirty="0"/>
+              <a:t> </a:t>
+            </a:r>
+            <a:r>
+              <a:rPr lang="zh-CN" altLang="en-US" dirty="0"/>
+              <a:t>解题思路</a:t>
+            </a:r>
+            <a:endParaRPr dirty="0"/>
+          </a:p>
+        </p:txBody>
+      </p:sp>
+      <p:sp>
+        <p:nvSpPr>
+          <p:cNvPr id="122" name="xxxxx"/>
+          <p:cNvSpPr txBox="1"/>
+          <p:nvPr/>
+        </p:nvSpPr>
+        <p:spPr>
+          <a:xfrm>
+            <a:off x="1534496" y="7616975"/>
+            <a:ext cx="7061228" cy="641201"/>
+          </a:xfrm>
+          <a:prstGeom prst="rect">
+            <a:avLst/>
+          </a:prstGeom>
+          <a:ln w="12700">
+            <a:miter lim="400000"/>
+          </a:ln>
+          <a:extLst>
+            <a:ext uri="{C572A759-6A51-4108-AA02-DFA0A04FC94B}">
+              <ma14:wrappingTextBoxFlag xmlns:ma14="http://schemas.microsoft.com/office/mac/drawingml/2011/main" xmlns:a14="http://schemas.microsoft.com/office/drawing/2010/main" xmlns:m="http://schemas.openxmlformats.org/officeDocument/2006/math" xmlns="" val="1"/>
+            </a:ext>
+          </a:extLst>
+        </p:spPr>
+        <p:txBody>
+          <a:bodyPr wrap="none" lIns="50800" tIns="50800" rIns="50800" bIns="50800" anchor="ctr">
+            <a:spAutoFit/>
+          </a:bodyPr>
+          <a:lstStyle/>
+          <a:p>
+            <a:pPr marL="762000" lvl="3" indent="-381000" algn="l">
+              <a:buSzPct val="100000"/>
+              <a:buChar char="-"/>
+              <a:defRPr sz="3500" b="0">
+                <a:latin typeface="Helvetica Neue Light"/>
+                <a:ea typeface="Helvetica Neue Light"/>
+                <a:cs typeface="Helvetica Neue Light"/>
+                <a:sym typeface="Helvetica Neue Light"/>
+              </a:defRPr>
+            </a:pPr>
+            <a:r>
+              <a:rPr lang="en-US" altLang="zh-CN" dirty="0"/>
+              <a:t>a </a:t>
+            </a:r>
+            <a:r>
+              <a:rPr lang="zh-CN" altLang="en-US" dirty="0"/>
+              <a:t>作为必经之路，是不能舍弃的</a:t>
+            </a:r>
+          </a:p>
+        </p:txBody>
+      </p:sp>
+      <p:sp>
+        <p:nvSpPr>
+          <p:cNvPr id="11" name="xxxxx">
+            <a:extLst>
+              <a:ext uri="{FF2B5EF4-FFF2-40B4-BE49-F238E27FC236}">
+                <a16:creationId xmlns:a16="http://schemas.microsoft.com/office/drawing/2014/main" id="{2FA336E7-065F-44EE-9546-2206454DC3BA}"/>
+              </a:ext>
+            </a:extLst>
+          </p:cNvPr>
+          <p:cNvSpPr txBox="1"/>
+          <p:nvPr/>
+        </p:nvSpPr>
+        <p:spPr>
+          <a:xfrm>
+            <a:off x="1524755" y="5149514"/>
+            <a:ext cx="3116238" cy="641201"/>
+          </a:xfrm>
+          <a:prstGeom prst="rect">
+            <a:avLst/>
+          </a:prstGeom>
+          <a:ln w="12700">
+            <a:miter lim="400000"/>
+          </a:ln>
+          <a:extLst>
+            <a:ext uri="{C572A759-6A51-4108-AA02-DFA0A04FC94B}">
+              <ma14:wrappingTextBoxFlag xmlns:ma14="http://schemas.microsoft.com/office/mac/drawingml/2011/main" xmlns:a14="http://schemas.microsoft.com/office/drawing/2010/main" xmlns:m="http://schemas.openxmlformats.org/officeDocument/2006/math" xmlns="" val="1"/>
+            </a:ext>
+          </a:extLst>
+        </p:spPr>
+        <p:txBody>
+          <a:bodyPr wrap="none" lIns="50800" tIns="50800" rIns="50800" bIns="50800" anchor="ctr">
+            <a:spAutoFit/>
+          </a:bodyPr>
+          <a:lstStyle/>
+          <a:p>
+            <a:pPr marL="762000" lvl="3" indent="-381000" algn="l">
+              <a:buSzPct val="100000"/>
+              <a:buChar char="-"/>
+              <a:defRPr sz="3500" b="0">
+                <a:latin typeface="Helvetica Neue Light"/>
+                <a:ea typeface="Helvetica Neue Light"/>
+                <a:cs typeface="Helvetica Neue Light"/>
+                <a:sym typeface="Helvetica Neue Light"/>
+              </a:defRPr>
+            </a:pPr>
+            <a:r>
+              <a:rPr lang="zh-CN" altLang="en-US" dirty="0"/>
+              <a:t>负数的处理</a:t>
+            </a:r>
+            <a:endParaRPr dirty="0"/>
+          </a:p>
+        </p:txBody>
+      </p:sp>
+      <p:sp>
+        <p:nvSpPr>
+          <p:cNvPr id="16" name="xxxxx">
+            <a:extLst>
+              <a:ext uri="{FF2B5EF4-FFF2-40B4-BE49-F238E27FC236}">
+                <a16:creationId xmlns:a16="http://schemas.microsoft.com/office/drawing/2014/main" id="{F64E741B-D212-40B0-A755-B82B04FCFEB6}"/>
+              </a:ext>
+            </a:extLst>
+          </p:cNvPr>
+          <p:cNvSpPr txBox="1"/>
+          <p:nvPr/>
+        </p:nvSpPr>
+        <p:spPr>
+          <a:xfrm>
+            <a:off x="1534496" y="5972001"/>
+            <a:ext cx="9420849" cy="641201"/>
+          </a:xfrm>
+          <a:prstGeom prst="rect">
+            <a:avLst/>
+          </a:prstGeom>
+          <a:ln w="12700">
+            <a:miter lim="400000"/>
+          </a:ln>
+          <a:extLst>
+            <a:ext uri="{C572A759-6A51-4108-AA02-DFA0A04FC94B}">
+              <ma14:wrappingTextBoxFlag xmlns:ma14="http://schemas.microsoft.com/office/mac/drawingml/2011/main" xmlns:a14="http://schemas.microsoft.com/office/drawing/2010/main" xmlns:m="http://schemas.openxmlformats.org/officeDocument/2006/math" xmlns="" val="1"/>
+            </a:ext>
+          </a:extLst>
+        </p:spPr>
+        <p:txBody>
+          <a:bodyPr wrap="none" lIns="50800" tIns="50800" rIns="50800" bIns="50800" anchor="ctr">
+            <a:spAutoFit/>
+          </a:bodyPr>
+          <a:lstStyle/>
+          <a:p>
+            <a:pPr marL="762000" lvl="3" indent="-381000" algn="l">
+              <a:buSzPct val="100000"/>
+              <a:buChar char="-"/>
+              <a:defRPr sz="3500" b="0">
+                <a:latin typeface="Helvetica Neue Light"/>
+                <a:ea typeface="Helvetica Neue Light"/>
+                <a:cs typeface="Helvetica Neue Light"/>
+                <a:sym typeface="Helvetica Neue Light"/>
+              </a:defRPr>
+            </a:pPr>
+            <a:r>
+              <a:rPr lang="zh-CN" altLang="en-US" dirty="0"/>
+              <a:t>求最大和，负数能舍弃就舍弃（</a:t>
+            </a:r>
+            <a:r>
+              <a:rPr lang="en-US" altLang="zh-CN" dirty="0"/>
+              <a:t>max(0, x)</a:t>
+            </a:r>
+            <a:r>
+              <a:rPr lang="zh-CN" altLang="en-US" dirty="0"/>
+              <a:t>）</a:t>
+            </a:r>
+            <a:endParaRPr lang="en-US" altLang="zh-CN" dirty="0"/>
+          </a:p>
+        </p:txBody>
+      </p:sp>
+      <p:sp>
+        <p:nvSpPr>
+          <p:cNvPr id="17" name="xxxxx">
+            <a:extLst>
+              <a:ext uri="{FF2B5EF4-FFF2-40B4-BE49-F238E27FC236}">
+                <a16:creationId xmlns:a16="http://schemas.microsoft.com/office/drawing/2014/main" id="{A29ADDA2-DE86-4EAC-A5DC-1E452DCE7C3D}"/>
+              </a:ext>
+            </a:extLst>
+          </p:cNvPr>
+          <p:cNvSpPr txBox="1"/>
+          <p:nvPr/>
+        </p:nvSpPr>
+        <p:spPr>
+          <a:xfrm>
+            <a:off x="1534496" y="6794488"/>
+            <a:ext cx="7870744" cy="641201"/>
+          </a:xfrm>
+          <a:prstGeom prst="rect">
+            <a:avLst/>
+          </a:prstGeom>
+          <a:ln w="12700">
+            <a:miter lim="400000"/>
+          </a:ln>
+          <a:extLst>
+            <a:ext uri="{C572A759-6A51-4108-AA02-DFA0A04FC94B}">
+              <ma14:wrappingTextBoxFlag xmlns:ma14="http://schemas.microsoft.com/office/mac/drawingml/2011/main" xmlns:a14="http://schemas.microsoft.com/office/drawing/2010/main" xmlns:m="http://schemas.openxmlformats.org/officeDocument/2006/math" xmlns="" val="1"/>
+            </a:ext>
+          </a:extLst>
+        </p:spPr>
+        <p:txBody>
+          <a:bodyPr wrap="none" lIns="50800" tIns="50800" rIns="50800" bIns="50800" anchor="ctr">
+            <a:spAutoFit/>
+          </a:bodyPr>
+          <a:lstStyle/>
+          <a:p>
+            <a:pPr marL="762000" lvl="3" indent="-381000" algn="l">
+              <a:buSzPct val="100000"/>
+              <a:buChar char="-"/>
+              <a:defRPr sz="3500" b="0">
+                <a:latin typeface="Helvetica Neue Light"/>
+                <a:ea typeface="Helvetica Neue Light"/>
+                <a:cs typeface="Helvetica Neue Light"/>
+                <a:sym typeface="Helvetica Neue Light"/>
+              </a:defRPr>
+            </a:pPr>
+            <a:r>
+              <a:rPr lang="zh-CN" altLang="en-US" dirty="0"/>
+              <a:t>但是无论是继续向上，还是连接 </a:t>
+            </a:r>
+            <a:r>
+              <a:rPr lang="en-US" altLang="zh-CN" dirty="0"/>
+              <a:t>b c</a:t>
+            </a:r>
+            <a:endParaRPr dirty="0"/>
+          </a:p>
+        </p:txBody>
+      </p:sp>
+      <p:sp>
+        <p:nvSpPr>
+          <p:cNvPr id="12" name="Rectangle 2">
+            <a:extLst>
+              <a:ext uri="{FF2B5EF4-FFF2-40B4-BE49-F238E27FC236}">
+                <a16:creationId xmlns:a16="http://schemas.microsoft.com/office/drawing/2014/main" id="{25BEA6B7-172E-4F94-AE34-E69B1D6CE99A}"/>
+              </a:ext>
+            </a:extLst>
+          </p:cNvPr>
+          <p:cNvSpPr>
+            <a:spLocks noChangeArrowheads="1"/>
+          </p:cNvSpPr>
+          <p:nvPr/>
+        </p:nvSpPr>
+        <p:spPr bwMode="auto">
+          <a:xfrm>
+            <a:off x="14400000" y="2880000"/>
+            <a:ext cx="4971090" cy="1938992"/>
+          </a:xfrm>
+          <a:prstGeom prst="rect">
+            <a:avLst/>
+          </a:prstGeom>
+          <a:noFill/>
+          <a:ln>
+            <a:noFill/>
+          </a:ln>
+          <a:effectLst/>
+        </p:spPr>
+        <p:txBody>
+          <a:bodyPr vert="horz" wrap="square" lIns="91440" tIns="45720" rIns="91440" bIns="45720" numCol="1" anchor="ctr" anchorCtr="0" compatLnSpc="1">
+            <a:prstTxWarp prst="textNoShape">
+              <a:avLst/>
+            </a:prstTxWarp>
+            <a:spAutoFit/>
+          </a:bodyPr>
+          <a:lstStyle/>
+          <a:p>
+            <a:pPr lvl="0" defTabSz="914400" eaLnBrk="0" fontAlgn="base">
+              <a:spcBef>
+                <a:spcPct val="0"/>
+              </a:spcBef>
+              <a:spcAft>
+                <a:spcPct val="0"/>
+              </a:spcAft>
+            </a:pPr>
+            <a:r>
+              <a:rPr lang="en-US" altLang="zh-CN" sz="2400" dirty="0">
+                <a:solidFill>
+                  <a:schemeClr val="tx1"/>
+                </a:solidFill>
+                <a:latin typeface="华文细黑" panose="02010600040101010101" pitchFamily="2" charset="-122"/>
+                <a:ea typeface="华文细黑" panose="02010600040101010101" pitchFamily="2" charset="-122"/>
+              </a:rPr>
+              <a:t>|</a:t>
+            </a:r>
+          </a:p>
+          <a:p>
+            <a:pPr lvl="0" defTabSz="914400" eaLnBrk="0" fontAlgn="base">
+              <a:spcBef>
+                <a:spcPct val="0"/>
+              </a:spcBef>
+              <a:spcAft>
+                <a:spcPct val="0"/>
+              </a:spcAft>
+            </a:pPr>
+            <a:r>
+              <a:rPr lang="en-US" altLang="zh-CN" sz="2400" dirty="0">
+                <a:solidFill>
+                  <a:srgbClr val="FF0000"/>
+                </a:solidFill>
+                <a:latin typeface="华文细黑" panose="02010600040101010101" pitchFamily="2" charset="-122"/>
+                <a:ea typeface="华文细黑" panose="02010600040101010101" pitchFamily="2" charset="-122"/>
+              </a:rPr>
+              <a:t>-1</a:t>
+            </a:r>
+          </a:p>
+          <a:p>
+            <a:pPr lvl="0" defTabSz="914400" eaLnBrk="0" fontAlgn="base">
+              <a:spcBef>
+                <a:spcPct val="0"/>
+              </a:spcBef>
+              <a:spcAft>
+                <a:spcPct val="0"/>
+              </a:spcAft>
+            </a:pPr>
+            <a:r>
+              <a:rPr lang="en-US" altLang="zh-CN" sz="2400" dirty="0">
+                <a:solidFill>
+                  <a:schemeClr val="tx1"/>
+                </a:solidFill>
+                <a:latin typeface="华文细黑" panose="02010600040101010101" pitchFamily="2" charset="-122"/>
+                <a:ea typeface="华文细黑" panose="02010600040101010101" pitchFamily="2" charset="-122"/>
+              </a:rPr>
+              <a:t>/  \</a:t>
+            </a:r>
+          </a:p>
+          <a:p>
+            <a:pPr lvl="0" defTabSz="914400" eaLnBrk="0" fontAlgn="base">
+              <a:spcBef>
+                <a:spcPct val="0"/>
+              </a:spcBef>
+              <a:spcAft>
+                <a:spcPct val="0"/>
+              </a:spcAft>
+            </a:pPr>
+            <a:r>
+              <a:rPr lang="en-US" altLang="zh-CN" sz="2400" dirty="0">
+                <a:solidFill>
+                  <a:schemeClr val="tx1"/>
+                </a:solidFill>
+                <a:latin typeface="华文细黑" panose="02010600040101010101" pitchFamily="2" charset="-122"/>
+                <a:ea typeface="华文细黑" panose="02010600040101010101" pitchFamily="2" charset="-122"/>
+              </a:rPr>
+              <a:t>-1      -1</a:t>
+            </a:r>
+          </a:p>
+          <a:p>
+            <a:pPr defTabSz="914400" eaLnBrk="0" fontAlgn="base">
+              <a:spcBef>
+                <a:spcPct val="0"/>
+              </a:spcBef>
+              <a:spcAft>
+                <a:spcPct val="0"/>
+              </a:spcAft>
+            </a:pPr>
+            <a:r>
+              <a:rPr lang="en-US" altLang="zh-CN" sz="2400" dirty="0">
+                <a:solidFill>
+                  <a:schemeClr val="tx1"/>
+                </a:solidFill>
+                <a:latin typeface="华文细黑" panose="02010600040101010101" pitchFamily="2" charset="-122"/>
+                <a:ea typeface="华文细黑" panose="02010600040101010101" pitchFamily="2" charset="-122"/>
+              </a:rPr>
+              <a:t>/  \   /  \</a:t>
+            </a:r>
+          </a:p>
+        </p:txBody>
+      </p:sp>
+    </p:spTree>
+    <p:extLst>
+      <p:ext uri="{BB962C8B-B14F-4D97-AF65-F5344CB8AC3E}">
+        <p14:creationId xmlns:p14="http://schemas.microsoft.com/office/powerpoint/2010/main" val="2526951899"/>
+      </p:ext>
+    </p:extLst>
+  </p:cSld>
+  <p:clrMapOvr>
+    <a:masterClrMapping/>
+  </p:clrMapOvr>
+  <p:transition spd="med"/>
+  <p:timing>
+    <p:tnLst>
+      <p:par>
+        <p:cTn id="1" dur="indefinite" restart="never" nodeType="tmRoot">
+          <p:childTnLst>
+            <p:seq concurrent="1" nextAc="seek">
+              <p:cTn id="2" dur="indefinite" nodeType="mainSeq">
+                <p:childTnLst>
+                  <p:par>
+                    <p:cTn id="3" fill="hold">
+                      <p:stCondLst>
+                        <p:cond delay="indefinite"/>
+                      </p:stCondLst>
+                      <p:childTnLst>
+                        <p:par>
+                          <p:cTn id="4" fill="hold">
+                            <p:stCondLst>
+                              <p:cond delay="0"/>
+                            </p:stCondLst>
+                            <p:childTnLst>
+                              <p:par>
+                                <p:cTn id="5" presetID="1" presetClass="entr" presetSubtype="0" fill="hold" grpId="0" nodeType="clickEffect">
+                                  <p:stCondLst>
+                                    <p:cond delay="0"/>
+                                  </p:stCondLst>
+                                  <p:childTnLst>
+                                    <p:set>
+                                      <p:cBhvr>
+                                        <p:cTn id="6" dur="1" fill="hold">
+                                          <p:stCondLst>
+                                            <p:cond delay="0"/>
+                                          </p:stCondLst>
+                                        </p:cTn>
+                                        <p:tgtEl>
+                                          <p:spTgt spid="11"/>
+                                        </p:tgtEl>
+                                        <p:attrNameLst>
+                                          <p:attrName>style.visibility</p:attrName>
+                                        </p:attrNameLst>
+                                      </p:cBhvr>
+                                      <p:to>
+                                        <p:strVal val="visible"/>
+                                      </p:to>
+                                    </p:set>
+                                  </p:childTnLst>
+                                </p:cTn>
+                              </p:par>
+                              <p:par>
+                                <p:cTn id="7" presetID="1" presetClass="entr" presetSubtype="0" fill="hold" grpId="0" nodeType="withEffect">
+                                  <p:stCondLst>
+                                    <p:cond delay="0"/>
+                                  </p:stCondLst>
+                                  <p:childTnLst>
+                                    <p:set>
+                                      <p:cBhvr>
+                                        <p:cTn id="8" dur="1" fill="hold">
+                                          <p:stCondLst>
+                                            <p:cond delay="0"/>
+                                          </p:stCondLst>
+                                        </p:cTn>
+                                        <p:tgtEl>
+                                          <p:spTgt spid="12"/>
+                                        </p:tgtEl>
+                                        <p:attrNameLst>
+                                          <p:attrName>style.visibility</p:attrName>
+                                        </p:attrNameLst>
+                                      </p:cBhvr>
+                                      <p:to>
+                                        <p:strVal val="visible"/>
+                                      </p:to>
+                                    </p:set>
+                                  </p:childTnLst>
+                                </p:cTn>
+                              </p:par>
+                            </p:childTnLst>
+                          </p:cTn>
+                        </p:par>
+                      </p:childTnLst>
+                    </p:cTn>
+                  </p:par>
+                  <p:par>
+                    <p:cTn id="9" fill="hold">
+                      <p:stCondLst>
+                        <p:cond delay="indefinite"/>
+                      </p:stCondLst>
+                      <p:childTnLst>
+                        <p:par>
+                          <p:cTn id="10" fill="hold">
+                            <p:stCondLst>
+                              <p:cond delay="0"/>
+                            </p:stCondLst>
+                            <p:childTnLst>
+                              <p:par>
+                                <p:cTn id="11" presetID="1" presetClass="entr" presetSubtype="0" fill="hold" grpId="0" nodeType="clickEffect">
+                                  <p:stCondLst>
+                                    <p:cond delay="0"/>
+                                  </p:stCondLst>
+                                  <p:childTnLst>
+                                    <p:set>
+                                      <p:cBhvr>
+                                        <p:cTn id="12" dur="1" fill="hold">
+                                          <p:stCondLst>
+                                            <p:cond delay="0"/>
+                                          </p:stCondLst>
+                                        </p:cTn>
+                                        <p:tgtEl>
+                                          <p:spTgt spid="16"/>
+                                        </p:tgtEl>
+                                        <p:attrNameLst>
+                                          <p:attrName>style.visibility</p:attrName>
+                                        </p:attrNameLst>
+                                      </p:cBhvr>
+                                      <p:to>
+                                        <p:strVal val="visible"/>
+                                      </p:to>
+                                    </p:set>
+                                  </p:childTnLst>
+                                </p:cTn>
+                              </p:par>
+                              <p:par>
+                                <p:cTn id="13" presetID="1" presetClass="entr" presetSubtype="0" fill="hold" grpId="0" nodeType="withEffect">
+                                  <p:stCondLst>
+                                    <p:cond delay="0"/>
+                                  </p:stCondLst>
+                                  <p:childTnLst>
+                                    <p:set>
+                                      <p:cBhvr>
+                                        <p:cTn id="14" dur="1" fill="hold">
+                                          <p:stCondLst>
+                                            <p:cond delay="0"/>
+                                          </p:stCondLst>
+                                        </p:cTn>
+                                        <p:tgtEl>
+                                          <p:spTgt spid="17"/>
+                                        </p:tgtEl>
+                                        <p:attrNameLst>
+                                          <p:attrName>style.visibility</p:attrName>
+                                        </p:attrNameLst>
+                                      </p:cBhvr>
+                                      <p:to>
+                                        <p:strVal val="visible"/>
+                                      </p:to>
+                                    </p:set>
+                                  </p:childTnLst>
+                                </p:cTn>
+                              </p:par>
+                              <p:par>
+                                <p:cTn id="15" presetID="1" presetClass="entr" presetSubtype="0" fill="hold" grpId="0" nodeType="withEffect">
+                                  <p:stCondLst>
+                                    <p:cond delay="0"/>
+                                  </p:stCondLst>
+                                  <p:childTnLst>
+                                    <p:set>
+                                      <p:cBhvr>
+                                        <p:cTn id="16" dur="1" fill="hold">
+                                          <p:stCondLst>
+                                            <p:cond delay="0"/>
+                                          </p:stCondLst>
+                                        </p:cTn>
+                                        <p:tgtEl>
+                                          <p:spTgt spid="122"/>
+                                        </p:tgtEl>
+                                        <p:attrNameLst>
+                                          <p:attrName>style.visibility</p:attrName>
+                                        </p:attrNameLst>
+                                      </p:cBhvr>
+                                      <p:to>
+                                        <p:strVal val="visible"/>
+                                      </p:to>
+                                    </p:set>
+                                  </p:childTnLst>
+                                </p:cTn>
+                              </p:par>
+                            </p:childTnLst>
+                          </p:cTn>
+                        </p:par>
+                      </p:childTnLst>
+                    </p:cTn>
+                  </p:par>
+                </p:childTnLst>
+              </p:cTn>
+              <p:prevCondLst>
+                <p:cond evt="onPrev" delay="0">
+                  <p:tgtEl>
+                    <p:sldTgt/>
+                  </p:tgtEl>
+                </p:cond>
+              </p:prevCondLst>
+              <p:nextCondLst>
+                <p:cond evt="onNext" delay="0">
+                  <p:tgtEl>
+                    <p:sldTgt/>
+                  </p:tgtEl>
+                </p:cond>
+              </p:nextCondLst>
+            </p:seq>
+          </p:childTnLst>
+        </p:cTn>
+      </p:par>
+    </p:tnLst>
+    <p:bldLst>
+      <p:bldP spid="122" grpId="0" animBg="1"/>
+      <p:bldP spid="11" grpId="0" animBg="1"/>
+      <p:bldP spid="16" grpId="0" animBg="1"/>
+      <p:bldP spid="17" grpId="0" animBg="1"/>
+      <p:bldP spid="12" grpId="0"/>
     </p:bldLst>
   </p:timing>
 </p:sld>

--- a/problems/binary-tree-maximum-path-sum/124. binary-tree-maximum-path-sum.pptx
+++ b/problems/binary-tree-maximum-path-sum/124. binary-tree-maximum-path-sum.pptx
@@ -5,7 +5,7 @@
     <p:sldMasterId id="2147483648" r:id="rId1"/>
   </p:sldMasterIdLst>
   <p:notesMasterIdLst>
-    <p:notesMasterId r:id="rId12"/>
+    <p:notesMasterId r:id="rId13"/>
   </p:notesMasterIdLst>
   <p:sldIdLst>
     <p:sldId id="256" r:id="rId2"/>
@@ -17,7 +17,8 @@
     <p:sldId id="272" r:id="rId8"/>
     <p:sldId id="273" r:id="rId9"/>
     <p:sldId id="274" r:id="rId10"/>
-    <p:sldId id="276" r:id="rId11"/>
+    <p:sldId id="277" r:id="rId11"/>
+    <p:sldId id="276" r:id="rId12"/>
   </p:sldIdLst>
   <p:sldSz cx="24384000" cy="13716000"/>
   <p:notesSz cx="6858000" cy="9144000"/>
@@ -2165,7 +2166,7 @@
           </a:ln>
           <a:extLst>
             <a:ext uri="{C572A759-6A51-4108-AA02-DFA0A04FC94B}">
-              <ma14:wrappingTextBoxFlag xmlns:ma14="http://schemas.microsoft.com/office/mac/drawingml/2011/main" xmlns:a14="http://schemas.microsoft.com/office/drawing/2010/main" xmlns:m="http://schemas.openxmlformats.org/officeDocument/2006/math" xmlns="" val="1"/>
+              <ma14:wrappingTextBoxFlag xmlns="" xmlns:m="http://schemas.openxmlformats.org/officeDocument/2006/math" xmlns:a14="http://schemas.microsoft.com/office/drawing/2010/main" xmlns:ma14="http://schemas.microsoft.com/office/mac/drawingml/2011/main" val="1"/>
             </a:ext>
           </a:extLst>
         </p:spPr>
@@ -2204,7 +2205,7 @@
           </a:ln>
           <a:extLst>
             <a:ext uri="{C572A759-6A51-4108-AA02-DFA0A04FC94B}">
-              <ma14:wrappingTextBoxFlag xmlns:ma14="http://schemas.microsoft.com/office/mac/drawingml/2011/main" xmlns:a14="http://schemas.microsoft.com/office/drawing/2010/main" xmlns:m="http://schemas.openxmlformats.org/officeDocument/2006/math" xmlns="" val="1"/>
+              <ma14:wrappingTextBoxFlag xmlns="" xmlns:m="http://schemas.openxmlformats.org/officeDocument/2006/math" xmlns:a14="http://schemas.microsoft.com/office/drawing/2010/main" xmlns:ma14="http://schemas.microsoft.com/office/mac/drawingml/2011/main" val="1"/>
             </a:ext>
           </a:extLst>
         </p:spPr>
@@ -3055,7 +3056,7 @@
           </a:ln>
           <a:extLst>
             <a:ext uri="{C572A759-6A51-4108-AA02-DFA0A04FC94B}">
-              <ma14:wrappingTextBoxFlag xmlns:ma14="http://schemas.microsoft.com/office/mac/drawingml/2011/main" xmlns:a14="http://schemas.microsoft.com/office/drawing/2010/main" xmlns:m="http://schemas.openxmlformats.org/officeDocument/2006/math" xmlns="" val="1"/>
+              <ma14:wrappingTextBoxFlag xmlns="" xmlns:m="http://schemas.openxmlformats.org/officeDocument/2006/math" xmlns:a14="http://schemas.microsoft.com/office/drawing/2010/main" xmlns:ma14="http://schemas.microsoft.com/office/mac/drawingml/2011/main" val="1"/>
             </a:ext>
           </a:extLst>
         </p:spPr>
@@ -3126,7 +3127,7 @@
           </a:ln>
           <a:extLst>
             <a:ext uri="{C572A759-6A51-4108-AA02-DFA0A04FC94B}">
-              <ma14:wrappingTextBoxFlag xmlns:ma14="http://schemas.microsoft.com/office/mac/drawingml/2011/main" xmlns:a14="http://schemas.microsoft.com/office/drawing/2010/main" xmlns:m="http://schemas.openxmlformats.org/officeDocument/2006/math" xmlns="" val="1"/>
+              <ma14:wrappingTextBoxFlag xmlns="" xmlns:m="http://schemas.openxmlformats.org/officeDocument/2006/math" xmlns:a14="http://schemas.microsoft.com/office/drawing/2010/main" xmlns:ma14="http://schemas.microsoft.com/office/mac/drawingml/2011/main" val="1"/>
             </a:ext>
           </a:extLst>
         </p:spPr>
@@ -3171,7 +3172,7 @@
           </a:ln>
           <a:extLst>
             <a:ext uri="{C572A759-6A51-4108-AA02-DFA0A04FC94B}">
-              <ma14:wrappingTextBoxFlag xmlns:ma14="http://schemas.microsoft.com/office/mac/drawingml/2011/main" xmlns:a14="http://schemas.microsoft.com/office/drawing/2010/main" xmlns:m="http://schemas.openxmlformats.org/officeDocument/2006/math" xmlns="" val="1"/>
+              <ma14:wrappingTextBoxFlag xmlns="" xmlns:m="http://schemas.openxmlformats.org/officeDocument/2006/math" xmlns:a14="http://schemas.microsoft.com/office/drawing/2010/main" xmlns:ma14="http://schemas.microsoft.com/office/mac/drawingml/2011/main" val="1"/>
             </a:ext>
           </a:extLst>
         </p:spPr>
@@ -3256,7 +3257,7 @@
           </a:ln>
           <a:extLst>
             <a:ext uri="{C572A759-6A51-4108-AA02-DFA0A04FC94B}">
-              <ma14:wrappingTextBoxFlag xmlns:ma14="http://schemas.microsoft.com/office/mac/drawingml/2011/main" xmlns:a14="http://schemas.microsoft.com/office/drawing/2010/main" xmlns:m="http://schemas.openxmlformats.org/officeDocument/2006/math" xmlns="" val="1"/>
+              <ma14:wrappingTextBoxFlag xmlns="" xmlns:m="http://schemas.openxmlformats.org/officeDocument/2006/math" xmlns:a14="http://schemas.microsoft.com/office/drawing/2010/main" xmlns:ma14="http://schemas.microsoft.com/office/mac/drawingml/2011/main" val="1"/>
             </a:ext>
           </a:extLst>
         </p:spPr>
@@ -4081,7 +4082,2502 @@
           </a:ln>
           <a:extLst>
             <a:ext uri="{C572A759-6A51-4108-AA02-DFA0A04FC94B}">
-              <ma14:wrappingTextBoxFlag xmlns:ma14="http://schemas.microsoft.com/office/mac/drawingml/2011/main" xmlns:a14="http://schemas.microsoft.com/office/drawing/2010/main" xmlns:m="http://schemas.openxmlformats.org/officeDocument/2006/math" xmlns="" val="1"/>
+              <ma14:wrappingTextBoxFlag xmlns="" xmlns:m="http://schemas.openxmlformats.org/officeDocument/2006/math" xmlns:a14="http://schemas.microsoft.com/office/drawing/2010/main" xmlns:ma14="http://schemas.microsoft.com/office/mac/drawingml/2011/main" val="1"/>
+            </a:ext>
+          </a:extLst>
+        </p:spPr>
+        <p:txBody>
+          <a:bodyPr wrap="none" lIns="50800" tIns="50800" rIns="50800" bIns="50800" anchor="ctr">
+            <a:spAutoFit/>
+          </a:bodyPr>
+          <a:lstStyle>
+            <a:lvl1pPr algn="l">
+              <a:defRPr sz="5000" b="0"/>
+            </a:lvl1pPr>
+          </a:lstStyle>
+          <a:p>
+            <a:r>
+              <a:rPr lang="zh-CN" altLang="en-US" dirty="0"/>
+              <a:t>二叉树中的最大路径和</a:t>
+            </a:r>
+            <a:endParaRPr sz="2400" dirty="0">
+              <a:latin typeface="华文楷体" panose="02010600040101010101" pitchFamily="2" charset="-122"/>
+              <a:ea typeface="华文楷体" panose="02010600040101010101" pitchFamily="2" charset="-122"/>
+            </a:endParaRPr>
+          </a:p>
+        </p:txBody>
+      </p:sp>
+      <p:pic>
+        <p:nvPicPr>
+          <p:cNvPr id="120" name="15@3x.png" descr="15@3x.png"/>
+          <p:cNvPicPr>
+            <a:picLocks noChangeAspect="1"/>
+          </p:cNvPicPr>
+          <p:nvPr/>
+        </p:nvPicPr>
+        <p:blipFill>
+          <a:blip r:embed="rId2"/>
+          <a:stretch>
+            <a:fillRect/>
+          </a:stretch>
+        </p:blipFill>
+        <p:spPr>
+          <a:xfrm>
+            <a:off x="20137758" y="955097"/>
+            <a:ext cx="2540001" cy="1195755"/>
+          </a:xfrm>
+          <a:prstGeom prst="rect">
+            <a:avLst/>
+          </a:prstGeom>
+          <a:ln w="12700">
+            <a:miter lim="400000"/>
+          </a:ln>
+        </p:spPr>
+      </p:pic>
+      <p:sp>
+        <p:nvSpPr>
+          <p:cNvPr id="121" name="xxx"/>
+          <p:cNvSpPr txBox="1"/>
+          <p:nvPr/>
+        </p:nvSpPr>
+        <p:spPr>
+          <a:xfrm>
+            <a:off x="1528824" y="4181801"/>
+            <a:ext cx="1655903" cy="718145"/>
+          </a:xfrm>
+          <a:prstGeom prst="rect">
+            <a:avLst/>
+          </a:prstGeom>
+          <a:ln w="12700">
+            <a:miter lim="400000"/>
+          </a:ln>
+          <a:extLst>
+            <a:ext uri="{C572A759-6A51-4108-AA02-DFA0A04FC94B}">
+              <ma14:wrappingTextBoxFlag xmlns="" xmlns:m="http://schemas.openxmlformats.org/officeDocument/2006/math" xmlns:a14="http://schemas.microsoft.com/office/drawing/2010/main" xmlns:ma14="http://schemas.microsoft.com/office/mac/drawingml/2011/main" val="1"/>
+            </a:ext>
+          </a:extLst>
+        </p:spPr>
+        <p:txBody>
+          <a:bodyPr wrap="none" lIns="50800" tIns="50800" rIns="50800" bIns="50800" anchor="ctr">
+            <a:spAutoFit/>
+          </a:bodyPr>
+          <a:lstStyle/>
+          <a:p>
+            <a:pPr marL="381000" lvl="3" indent="-381000" algn="l">
+              <a:buSzPct val="100000"/>
+              <a:buChar char="‣"/>
+              <a:defRPr sz="4000" b="0"/>
+            </a:pPr>
+            <a:r>
+              <a:rPr dirty="0"/>
+              <a:t> </a:t>
+            </a:r>
+            <a:r>
+              <a:rPr lang="zh-CN" altLang="en-US" dirty="0"/>
+              <a:t>代码</a:t>
+            </a:r>
+            <a:endParaRPr dirty="0"/>
+          </a:p>
+        </p:txBody>
+      </p:sp>
+      <p:sp>
+        <p:nvSpPr>
+          <p:cNvPr id="122" name="xxxxx"/>
+          <p:cNvSpPr txBox="1"/>
+          <p:nvPr/>
+        </p:nvSpPr>
+        <p:spPr>
+          <a:xfrm>
+            <a:off x="2356775" y="5151844"/>
+            <a:ext cx="7239161" cy="471924"/>
+          </a:xfrm>
+          <a:prstGeom prst="rect">
+            <a:avLst/>
+          </a:prstGeom>
+          <a:ln w="12700">
+            <a:miter lim="400000"/>
+          </a:ln>
+          <a:extLst>
+            <a:ext uri="{C572A759-6A51-4108-AA02-DFA0A04FC94B}">
+              <ma14:wrappingTextBoxFlag xmlns="" xmlns:m="http://schemas.openxmlformats.org/officeDocument/2006/math" xmlns:a14="http://schemas.microsoft.com/office/drawing/2010/main" xmlns:ma14="http://schemas.microsoft.com/office/mac/drawingml/2011/main" val="1"/>
+            </a:ext>
+          </a:extLst>
+        </p:spPr>
+        <p:txBody>
+          <a:bodyPr wrap="none" lIns="50800" tIns="50800" rIns="50800" bIns="50800" anchor="ctr">
+            <a:spAutoFit/>
+          </a:bodyPr>
+          <a:lstStyle/>
+          <a:p>
+            <a:pPr algn="l"/>
+            <a:r>
+              <a:rPr lang="en-US" altLang="zh-CN" sz="2400" dirty="0">
+                <a:solidFill>
+                  <a:srgbClr val="0000FF"/>
+                </a:solidFill>
+                <a:latin typeface="Consolas" panose="020B0609020204030204" pitchFamily="49" charset="0"/>
+                <a:ea typeface="宋体" panose="02010600030101010101" pitchFamily="2" charset="-122"/>
+                <a:cs typeface="新宋体" panose="02010609030101010101" pitchFamily="49" charset="-122"/>
+              </a:rPr>
+              <a:t>int</a:t>
+            </a:r>
+            <a:r>
+              <a:rPr lang="en-US" altLang="zh-CN" sz="2400" dirty="0">
+                <a:latin typeface="Consolas" panose="020B0609020204030204" pitchFamily="49" charset="0"/>
+                <a:ea typeface="宋体" panose="02010600030101010101" pitchFamily="2" charset="-122"/>
+                <a:cs typeface="新宋体" panose="02010609030101010101" pitchFamily="49" charset="-122"/>
+              </a:rPr>
+              <a:t> </a:t>
+            </a:r>
+            <a:r>
+              <a:rPr lang="en-US" altLang="zh-CN" sz="2400" dirty="0" err="1">
+                <a:solidFill>
+                  <a:srgbClr val="880000"/>
+                </a:solidFill>
+                <a:latin typeface="Consolas" panose="020B0609020204030204" pitchFamily="49" charset="0"/>
+                <a:ea typeface="宋体" panose="02010600030101010101" pitchFamily="2" charset="-122"/>
+                <a:cs typeface="新宋体" panose="02010609030101010101" pitchFamily="49" charset="-122"/>
+              </a:rPr>
+              <a:t>maxPathSum</a:t>
+            </a:r>
+            <a:r>
+              <a:rPr lang="en-US" altLang="zh-CN" sz="2400" dirty="0">
+                <a:latin typeface="Consolas" panose="020B0609020204030204" pitchFamily="49" charset="0"/>
+                <a:ea typeface="宋体" panose="02010600030101010101" pitchFamily="2" charset="-122"/>
+                <a:cs typeface="新宋体" panose="02010609030101010101" pitchFamily="49" charset="-122"/>
+              </a:rPr>
+              <a:t>(</a:t>
+            </a:r>
+            <a:r>
+              <a:rPr lang="en-US" altLang="zh-CN" sz="2400" dirty="0" err="1">
+                <a:solidFill>
+                  <a:srgbClr val="0000FF"/>
+                </a:solidFill>
+                <a:latin typeface="Consolas" panose="020B0609020204030204" pitchFamily="49" charset="0"/>
+                <a:ea typeface="宋体" panose="02010600030101010101" pitchFamily="2" charset="-122"/>
+                <a:cs typeface="新宋体" panose="02010609030101010101" pitchFamily="49" charset="-122"/>
+              </a:rPr>
+              <a:t>TreeNode</a:t>
+            </a:r>
+            <a:r>
+              <a:rPr lang="en-US" altLang="zh-CN" sz="2400" dirty="0">
+                <a:latin typeface="Consolas" panose="020B0609020204030204" pitchFamily="49" charset="0"/>
+                <a:ea typeface="宋体" panose="02010600030101010101" pitchFamily="2" charset="-122"/>
+                <a:cs typeface="新宋体" panose="02010609030101010101" pitchFamily="49" charset="-122"/>
+              </a:rPr>
+              <a:t>* </a:t>
+            </a:r>
+            <a:r>
+              <a:rPr lang="en-US" altLang="zh-CN" sz="2400" dirty="0">
+                <a:solidFill>
+                  <a:srgbClr val="000080"/>
+                </a:solidFill>
+                <a:latin typeface="Consolas" panose="020B0609020204030204" pitchFamily="49" charset="0"/>
+                <a:ea typeface="宋体" panose="02010600030101010101" pitchFamily="2" charset="-122"/>
+                <a:cs typeface="新宋体" panose="02010609030101010101" pitchFamily="49" charset="-122"/>
+              </a:rPr>
+              <a:t>root</a:t>
+            </a:r>
+            <a:r>
+              <a:rPr lang="en-US" altLang="zh-CN" sz="2400" dirty="0">
+                <a:latin typeface="Consolas" panose="020B0609020204030204" pitchFamily="49" charset="0"/>
+                <a:ea typeface="宋体" panose="02010600030101010101" pitchFamily="2" charset="-122"/>
+                <a:cs typeface="新宋体" panose="02010609030101010101" pitchFamily="49" charset="-122"/>
+              </a:rPr>
+              <a:t>, </a:t>
+            </a:r>
+            <a:r>
+              <a:rPr lang="en-US" altLang="zh-CN" sz="2400" dirty="0">
+                <a:solidFill>
+                  <a:srgbClr val="0000FF"/>
+                </a:solidFill>
+                <a:latin typeface="Consolas" panose="020B0609020204030204" pitchFamily="49" charset="0"/>
+                <a:ea typeface="宋体" panose="02010600030101010101" pitchFamily="2" charset="-122"/>
+                <a:cs typeface="新宋体" panose="02010609030101010101" pitchFamily="49" charset="-122"/>
+              </a:rPr>
+              <a:t>int</a:t>
+            </a:r>
+            <a:r>
+              <a:rPr lang="en-US" altLang="zh-CN" sz="2400" dirty="0">
+                <a:latin typeface="Consolas" panose="020B0609020204030204" pitchFamily="49" charset="0"/>
+                <a:ea typeface="宋体" panose="02010600030101010101" pitchFamily="2" charset="-122"/>
+                <a:cs typeface="新宋体" panose="02010609030101010101" pitchFamily="49" charset="-122"/>
+              </a:rPr>
+              <a:t> &amp;</a:t>
+            </a:r>
+            <a:r>
+              <a:rPr lang="en-US" altLang="zh-CN" sz="2400" dirty="0" err="1">
+                <a:solidFill>
+                  <a:srgbClr val="000080"/>
+                </a:solidFill>
+                <a:latin typeface="Consolas" panose="020B0609020204030204" pitchFamily="49" charset="0"/>
+                <a:ea typeface="宋体" panose="02010600030101010101" pitchFamily="2" charset="-122"/>
+                <a:cs typeface="新宋体" panose="02010609030101010101" pitchFamily="49" charset="-122"/>
+              </a:rPr>
+              <a:t>val</a:t>
+            </a:r>
+            <a:r>
+              <a:rPr lang="en-US" altLang="zh-CN" sz="2400" dirty="0">
+                <a:latin typeface="Consolas" panose="020B0609020204030204" pitchFamily="49" charset="0"/>
+                <a:ea typeface="宋体" panose="02010600030101010101" pitchFamily="2" charset="-122"/>
+                <a:cs typeface="新宋体" panose="02010609030101010101" pitchFamily="49" charset="-122"/>
+              </a:rPr>
+              <a:t>) {</a:t>
+            </a:r>
+            <a:endParaRPr lang="zh-CN" altLang="zh-CN" sz="2400" kern="100" dirty="0">
+              <a:latin typeface="Consolas" panose="020B0609020204030204" pitchFamily="49" charset="0"/>
+              <a:ea typeface="宋体" panose="02010600030101010101" pitchFamily="2" charset="-122"/>
+              <a:cs typeface="Times New Roman" panose="02020603050405020304" pitchFamily="18" charset="0"/>
+            </a:endParaRPr>
+          </a:p>
+        </p:txBody>
+      </p:sp>
+      <p:sp>
+        <p:nvSpPr>
+          <p:cNvPr id="10" name="xxxxx">
+            <a:extLst>
+              <a:ext uri="{FF2B5EF4-FFF2-40B4-BE49-F238E27FC236}">
+                <a16:creationId xmlns:a16="http://schemas.microsoft.com/office/drawing/2014/main" id="{66FB7FB3-F238-4016-982B-0A3F6853CD7A}"/>
+              </a:ext>
+            </a:extLst>
+          </p:cNvPr>
+          <p:cNvSpPr txBox="1"/>
+          <p:nvPr/>
+        </p:nvSpPr>
+        <p:spPr>
+          <a:xfrm>
+            <a:off x="2359679" y="5618091"/>
+            <a:ext cx="6033703" cy="471924"/>
+          </a:xfrm>
+          <a:prstGeom prst="rect">
+            <a:avLst/>
+          </a:prstGeom>
+          <a:ln w="12700">
+            <a:miter lim="400000"/>
+          </a:ln>
+          <a:extLst>
+            <a:ext uri="{C572A759-6A51-4108-AA02-DFA0A04FC94B}">
+              <ma14:wrappingTextBoxFlag xmlns="" xmlns:m="http://schemas.openxmlformats.org/officeDocument/2006/math" xmlns:a14="http://schemas.microsoft.com/office/drawing/2010/main" xmlns:ma14="http://schemas.microsoft.com/office/mac/drawingml/2011/main" val="1"/>
+            </a:ext>
+          </a:extLst>
+        </p:spPr>
+        <p:txBody>
+          <a:bodyPr wrap="none" lIns="50800" tIns="50800" rIns="50800" bIns="50800" anchor="ctr">
+            <a:spAutoFit/>
+          </a:bodyPr>
+          <a:lstStyle/>
+          <a:p>
+            <a:pPr algn="l"/>
+            <a:r>
+              <a:rPr lang="en-US" altLang="zh-CN" sz="2400" dirty="0">
+                <a:latin typeface="Consolas" panose="020B0609020204030204" pitchFamily="49" charset="0"/>
+                <a:cs typeface="新宋体" panose="02010609030101010101" pitchFamily="49" charset="-122"/>
+              </a:rPr>
+              <a:t>	</a:t>
+            </a:r>
+            <a:r>
+              <a:rPr lang="en-US" altLang="zh-CN" sz="2400" dirty="0">
+                <a:solidFill>
+                  <a:srgbClr val="0000FF"/>
+                </a:solidFill>
+                <a:latin typeface="Consolas" panose="020B0609020204030204" pitchFamily="49" charset="0"/>
+                <a:cs typeface="新宋体" panose="02010609030101010101" pitchFamily="49" charset="-122"/>
+              </a:rPr>
+              <a:t>if</a:t>
+            </a:r>
+            <a:r>
+              <a:rPr lang="en-US" altLang="zh-CN" sz="2400" dirty="0">
+                <a:latin typeface="Consolas" panose="020B0609020204030204" pitchFamily="49" charset="0"/>
+                <a:cs typeface="新宋体" panose="02010609030101010101" pitchFamily="49" charset="-122"/>
+              </a:rPr>
+              <a:t> (</a:t>
+            </a:r>
+            <a:r>
+              <a:rPr lang="en-US" altLang="zh-CN" sz="2400" dirty="0">
+                <a:solidFill>
+                  <a:srgbClr val="000080"/>
+                </a:solidFill>
+                <a:latin typeface="Consolas" panose="020B0609020204030204" pitchFamily="49" charset="0"/>
+                <a:cs typeface="新宋体" panose="02010609030101010101" pitchFamily="49" charset="-122"/>
+              </a:rPr>
+              <a:t>root</a:t>
+            </a:r>
+            <a:r>
+              <a:rPr lang="en-US" altLang="zh-CN" sz="2400" dirty="0">
+                <a:latin typeface="Consolas" panose="020B0609020204030204" pitchFamily="49" charset="0"/>
+                <a:cs typeface="新宋体" panose="02010609030101010101" pitchFamily="49" charset="-122"/>
+              </a:rPr>
+              <a:t> == </a:t>
+            </a:r>
+            <a:r>
+              <a:rPr lang="en-US" altLang="zh-CN" sz="2400" dirty="0" err="1">
+                <a:solidFill>
+                  <a:srgbClr val="0000FF"/>
+                </a:solidFill>
+                <a:latin typeface="Consolas" panose="020B0609020204030204" pitchFamily="49" charset="0"/>
+                <a:cs typeface="新宋体" panose="02010609030101010101" pitchFamily="49" charset="-122"/>
+              </a:rPr>
+              <a:t>nullptr</a:t>
+            </a:r>
+            <a:r>
+              <a:rPr lang="en-US" altLang="zh-CN" sz="2400" dirty="0">
+                <a:latin typeface="Consolas" panose="020B0609020204030204" pitchFamily="49" charset="0"/>
+                <a:cs typeface="新宋体" panose="02010609030101010101" pitchFamily="49" charset="-122"/>
+              </a:rPr>
+              <a:t>) </a:t>
+            </a:r>
+            <a:r>
+              <a:rPr lang="en-US" altLang="zh-CN" sz="2400" dirty="0">
+                <a:solidFill>
+                  <a:srgbClr val="0000FF"/>
+                </a:solidFill>
+                <a:latin typeface="Consolas" panose="020B0609020204030204" pitchFamily="49" charset="0"/>
+                <a:cs typeface="新宋体" panose="02010609030101010101" pitchFamily="49" charset="-122"/>
+              </a:rPr>
+              <a:t>return</a:t>
+            </a:r>
+            <a:r>
+              <a:rPr lang="en-US" altLang="zh-CN" sz="2400" dirty="0">
+                <a:latin typeface="Consolas" panose="020B0609020204030204" pitchFamily="49" charset="0"/>
+                <a:cs typeface="新宋体" panose="02010609030101010101" pitchFamily="49" charset="-122"/>
+              </a:rPr>
+              <a:t> 0;</a:t>
+            </a:r>
+            <a:endParaRPr lang="zh-CN" altLang="zh-CN" sz="2400" kern="100" dirty="0">
+              <a:latin typeface="Consolas" panose="020B0609020204030204" pitchFamily="49" charset="0"/>
+              <a:ea typeface="宋体" panose="02010600030101010101" pitchFamily="2" charset="-122"/>
+              <a:cs typeface="Times New Roman" panose="02020603050405020304" pitchFamily="18" charset="0"/>
+            </a:endParaRPr>
+          </a:p>
+        </p:txBody>
+      </p:sp>
+      <p:sp>
+        <p:nvSpPr>
+          <p:cNvPr id="13" name="xxxxx">
+            <a:extLst>
+              <a:ext uri="{FF2B5EF4-FFF2-40B4-BE49-F238E27FC236}">
+                <a16:creationId xmlns:a16="http://schemas.microsoft.com/office/drawing/2014/main" id="{CEE45201-4DA0-424D-B111-3B8E0DE496C1}"/>
+              </a:ext>
+            </a:extLst>
+          </p:cNvPr>
+          <p:cNvSpPr txBox="1"/>
+          <p:nvPr/>
+        </p:nvSpPr>
+        <p:spPr>
+          <a:xfrm>
+            <a:off x="2356774" y="6090015"/>
+            <a:ext cx="8922314" cy="471924"/>
+          </a:xfrm>
+          <a:prstGeom prst="rect">
+            <a:avLst/>
+          </a:prstGeom>
+          <a:ln w="12700">
+            <a:miter lim="400000"/>
+          </a:ln>
+          <a:extLst>
+            <a:ext uri="{C572A759-6A51-4108-AA02-DFA0A04FC94B}">
+              <ma14:wrappingTextBoxFlag xmlns="" xmlns:m="http://schemas.openxmlformats.org/officeDocument/2006/math" xmlns:a14="http://schemas.microsoft.com/office/drawing/2010/main" xmlns:ma14="http://schemas.microsoft.com/office/mac/drawingml/2011/main" val="1"/>
+            </a:ext>
+          </a:extLst>
+        </p:spPr>
+        <p:txBody>
+          <a:bodyPr wrap="none" lIns="50800" tIns="50800" rIns="50800" bIns="50800" anchor="ctr">
+            <a:spAutoFit/>
+          </a:bodyPr>
+          <a:lstStyle/>
+          <a:p>
+            <a:pPr algn="l"/>
+            <a:r>
+              <a:rPr lang="en-US" altLang="zh-CN" sz="2400" dirty="0">
+                <a:latin typeface="Consolas" panose="020B0609020204030204" pitchFamily="49" charset="0"/>
+                <a:ea typeface="宋体" panose="02010600030101010101" pitchFamily="2" charset="-122"/>
+                <a:cs typeface="新宋体" panose="02010609030101010101" pitchFamily="49" charset="-122"/>
+              </a:rPr>
+              <a:t>	</a:t>
+            </a:r>
+            <a:r>
+              <a:rPr lang="en-US" altLang="zh-CN" sz="2400" dirty="0">
+                <a:solidFill>
+                  <a:srgbClr val="0000FF"/>
+                </a:solidFill>
+                <a:latin typeface="Consolas" panose="020B0609020204030204" pitchFamily="49" charset="0"/>
+                <a:ea typeface="宋体" panose="02010600030101010101" pitchFamily="2" charset="-122"/>
+                <a:cs typeface="新宋体" panose="02010609030101010101" pitchFamily="49" charset="-122"/>
+              </a:rPr>
+              <a:t>int</a:t>
+            </a:r>
+            <a:r>
+              <a:rPr lang="en-US" altLang="zh-CN" sz="2400" dirty="0">
+                <a:latin typeface="Consolas" panose="020B0609020204030204" pitchFamily="49" charset="0"/>
+                <a:ea typeface="宋体" panose="02010600030101010101" pitchFamily="2" charset="-122"/>
+                <a:cs typeface="新宋体" panose="02010609030101010101" pitchFamily="49" charset="-122"/>
+              </a:rPr>
+              <a:t> </a:t>
+            </a:r>
+            <a:r>
+              <a:rPr lang="en-US" altLang="zh-CN" sz="2400" dirty="0">
+                <a:solidFill>
+                  <a:srgbClr val="000080"/>
+                </a:solidFill>
+                <a:latin typeface="Consolas" panose="020B0609020204030204" pitchFamily="49" charset="0"/>
+                <a:ea typeface="宋体" panose="02010600030101010101" pitchFamily="2" charset="-122"/>
+                <a:cs typeface="新宋体" panose="02010609030101010101" pitchFamily="49" charset="-122"/>
+              </a:rPr>
+              <a:t>left</a:t>
+            </a:r>
+            <a:r>
+              <a:rPr lang="en-US" altLang="zh-CN" sz="2400" dirty="0">
+                <a:latin typeface="Consolas" panose="020B0609020204030204" pitchFamily="49" charset="0"/>
+                <a:ea typeface="宋体" panose="02010600030101010101" pitchFamily="2" charset="-122"/>
+                <a:cs typeface="新宋体" panose="02010609030101010101" pitchFamily="49" charset="-122"/>
+              </a:rPr>
+              <a:t> = </a:t>
+            </a:r>
+            <a:r>
+              <a:rPr lang="en-US" altLang="zh-CN" sz="2400" i="1" dirty="0">
+                <a:solidFill>
+                  <a:srgbClr val="A000A0"/>
+                </a:solidFill>
+                <a:latin typeface="Consolas" panose="020B0609020204030204" pitchFamily="49" charset="0"/>
+                <a:ea typeface="宋体" panose="02010600030101010101" pitchFamily="2" charset="-122"/>
+                <a:cs typeface="新宋体" panose="02010609030101010101" pitchFamily="49" charset="-122"/>
+              </a:rPr>
+              <a:t>max</a:t>
+            </a:r>
+            <a:r>
+              <a:rPr lang="en-US" altLang="zh-CN" sz="2400" dirty="0">
+                <a:latin typeface="Consolas" panose="020B0609020204030204" pitchFamily="49" charset="0"/>
+                <a:ea typeface="宋体" panose="02010600030101010101" pitchFamily="2" charset="-122"/>
+                <a:cs typeface="新宋体" panose="02010609030101010101" pitchFamily="49" charset="-122"/>
+              </a:rPr>
+              <a:t>(0, </a:t>
+            </a:r>
+            <a:r>
+              <a:rPr lang="en-US" altLang="zh-CN" sz="2400" dirty="0" err="1">
+                <a:solidFill>
+                  <a:srgbClr val="880000"/>
+                </a:solidFill>
+                <a:latin typeface="Consolas" panose="020B0609020204030204" pitchFamily="49" charset="0"/>
+                <a:ea typeface="宋体" panose="02010600030101010101" pitchFamily="2" charset="-122"/>
+                <a:cs typeface="新宋体" panose="02010609030101010101" pitchFamily="49" charset="-122"/>
+              </a:rPr>
+              <a:t>maxPathSum</a:t>
+            </a:r>
+            <a:r>
+              <a:rPr lang="en-US" altLang="zh-CN" sz="2400" dirty="0">
+                <a:latin typeface="Consolas" panose="020B0609020204030204" pitchFamily="49" charset="0"/>
+                <a:ea typeface="宋体" panose="02010600030101010101" pitchFamily="2" charset="-122"/>
+                <a:cs typeface="新宋体" panose="02010609030101010101" pitchFamily="49" charset="-122"/>
+              </a:rPr>
+              <a:t>(</a:t>
+            </a:r>
+            <a:r>
+              <a:rPr lang="en-US" altLang="zh-CN" sz="2400" dirty="0">
+                <a:solidFill>
+                  <a:srgbClr val="000080"/>
+                </a:solidFill>
+                <a:latin typeface="Consolas" panose="020B0609020204030204" pitchFamily="49" charset="0"/>
+                <a:ea typeface="宋体" panose="02010600030101010101" pitchFamily="2" charset="-122"/>
+                <a:cs typeface="新宋体" panose="02010609030101010101" pitchFamily="49" charset="-122"/>
+              </a:rPr>
+              <a:t>root</a:t>
+            </a:r>
+            <a:r>
+              <a:rPr lang="en-US" altLang="zh-CN" sz="2400" dirty="0">
+                <a:latin typeface="Consolas" panose="020B0609020204030204" pitchFamily="49" charset="0"/>
+                <a:ea typeface="宋体" panose="02010600030101010101" pitchFamily="2" charset="-122"/>
+                <a:cs typeface="新宋体" panose="02010609030101010101" pitchFamily="49" charset="-122"/>
+              </a:rPr>
+              <a:t>-&gt;</a:t>
+            </a:r>
+            <a:r>
+              <a:rPr lang="en-US" altLang="zh-CN" sz="2400" dirty="0">
+                <a:solidFill>
+                  <a:srgbClr val="000080"/>
+                </a:solidFill>
+                <a:latin typeface="Consolas" panose="020B0609020204030204" pitchFamily="49" charset="0"/>
+                <a:ea typeface="宋体" panose="02010600030101010101" pitchFamily="2" charset="-122"/>
+                <a:cs typeface="新宋体" panose="02010609030101010101" pitchFamily="49" charset="-122"/>
+              </a:rPr>
+              <a:t>left</a:t>
+            </a:r>
+            <a:r>
+              <a:rPr lang="en-US" altLang="zh-CN" sz="2400" dirty="0">
+                <a:latin typeface="Consolas" panose="020B0609020204030204" pitchFamily="49" charset="0"/>
+                <a:ea typeface="宋体" panose="02010600030101010101" pitchFamily="2" charset="-122"/>
+                <a:cs typeface="新宋体" panose="02010609030101010101" pitchFamily="49" charset="-122"/>
+              </a:rPr>
+              <a:t>, </a:t>
+            </a:r>
+            <a:r>
+              <a:rPr lang="en-US" altLang="zh-CN" sz="2400" dirty="0" err="1">
+                <a:solidFill>
+                  <a:srgbClr val="000080"/>
+                </a:solidFill>
+                <a:latin typeface="Consolas" panose="020B0609020204030204" pitchFamily="49" charset="0"/>
+                <a:ea typeface="宋体" panose="02010600030101010101" pitchFamily="2" charset="-122"/>
+                <a:cs typeface="新宋体" panose="02010609030101010101" pitchFamily="49" charset="-122"/>
+              </a:rPr>
+              <a:t>val</a:t>
+            </a:r>
+            <a:r>
+              <a:rPr lang="en-US" altLang="zh-CN" sz="2400" dirty="0">
+                <a:latin typeface="Consolas" panose="020B0609020204030204" pitchFamily="49" charset="0"/>
+                <a:ea typeface="宋体" panose="02010600030101010101" pitchFamily="2" charset="-122"/>
+                <a:cs typeface="新宋体" panose="02010609030101010101" pitchFamily="49" charset="-122"/>
+              </a:rPr>
+              <a:t>));</a:t>
+            </a:r>
+            <a:endParaRPr lang="zh-CN" altLang="zh-CN" sz="2400" kern="100" dirty="0">
+              <a:latin typeface="Consolas" panose="020B0609020204030204" pitchFamily="49" charset="0"/>
+              <a:ea typeface="宋体" panose="02010600030101010101" pitchFamily="2" charset="-122"/>
+              <a:cs typeface="Times New Roman" panose="02020603050405020304" pitchFamily="18" charset="0"/>
+            </a:endParaRPr>
+          </a:p>
+        </p:txBody>
+      </p:sp>
+      <p:sp>
+        <p:nvSpPr>
+          <p:cNvPr id="14" name="xxxxx">
+            <a:extLst>
+              <a:ext uri="{FF2B5EF4-FFF2-40B4-BE49-F238E27FC236}">
+                <a16:creationId xmlns:a16="http://schemas.microsoft.com/office/drawing/2014/main" id="{38DF43CD-D7FE-407D-A922-5E5DB2F0C300}"/>
+              </a:ext>
+            </a:extLst>
+          </p:cNvPr>
+          <p:cNvSpPr txBox="1"/>
+          <p:nvPr/>
+        </p:nvSpPr>
+        <p:spPr>
+          <a:xfrm>
+            <a:off x="2356774" y="6556262"/>
+            <a:ext cx="9262151" cy="471924"/>
+          </a:xfrm>
+          <a:prstGeom prst="rect">
+            <a:avLst/>
+          </a:prstGeom>
+          <a:ln w="12700">
+            <a:miter lim="400000"/>
+          </a:ln>
+          <a:extLst>
+            <a:ext uri="{C572A759-6A51-4108-AA02-DFA0A04FC94B}">
+              <ma14:wrappingTextBoxFlag xmlns="" xmlns:m="http://schemas.openxmlformats.org/officeDocument/2006/math" xmlns:a14="http://schemas.microsoft.com/office/drawing/2010/main" xmlns:ma14="http://schemas.microsoft.com/office/mac/drawingml/2011/main" val="1"/>
+            </a:ext>
+          </a:extLst>
+        </p:spPr>
+        <p:txBody>
+          <a:bodyPr wrap="none" lIns="50800" tIns="50800" rIns="50800" bIns="50800" anchor="ctr">
+            <a:spAutoFit/>
+          </a:bodyPr>
+          <a:lstStyle/>
+          <a:p>
+            <a:pPr algn="l"/>
+            <a:r>
+              <a:rPr lang="en-US" altLang="zh-CN" sz="2400" dirty="0">
+                <a:latin typeface="Consolas" panose="020B0609020204030204" pitchFamily="49" charset="0"/>
+                <a:ea typeface="宋体" panose="02010600030101010101" pitchFamily="2" charset="-122"/>
+                <a:cs typeface="新宋体" panose="02010609030101010101" pitchFamily="49" charset="-122"/>
+              </a:rPr>
+              <a:t>	</a:t>
+            </a:r>
+            <a:r>
+              <a:rPr lang="en-US" altLang="zh-CN" sz="2400" dirty="0">
+                <a:solidFill>
+                  <a:srgbClr val="0000FF"/>
+                </a:solidFill>
+                <a:latin typeface="Consolas" panose="020B0609020204030204" pitchFamily="49" charset="0"/>
+                <a:ea typeface="宋体" panose="02010600030101010101" pitchFamily="2" charset="-122"/>
+                <a:cs typeface="新宋体" panose="02010609030101010101" pitchFamily="49" charset="-122"/>
+              </a:rPr>
+              <a:t>int</a:t>
+            </a:r>
+            <a:r>
+              <a:rPr lang="en-US" altLang="zh-CN" sz="2400" dirty="0">
+                <a:latin typeface="Consolas" panose="020B0609020204030204" pitchFamily="49" charset="0"/>
+                <a:ea typeface="宋体" panose="02010600030101010101" pitchFamily="2" charset="-122"/>
+                <a:cs typeface="新宋体" panose="02010609030101010101" pitchFamily="49" charset="-122"/>
+              </a:rPr>
+              <a:t> </a:t>
+            </a:r>
+            <a:r>
+              <a:rPr lang="en-US" altLang="zh-CN" sz="2400" dirty="0">
+                <a:solidFill>
+                  <a:srgbClr val="000080"/>
+                </a:solidFill>
+                <a:latin typeface="Consolas" panose="020B0609020204030204" pitchFamily="49" charset="0"/>
+                <a:ea typeface="宋体" panose="02010600030101010101" pitchFamily="2" charset="-122"/>
+                <a:cs typeface="新宋体" panose="02010609030101010101" pitchFamily="49" charset="-122"/>
+              </a:rPr>
+              <a:t>right</a:t>
+            </a:r>
+            <a:r>
+              <a:rPr lang="en-US" altLang="zh-CN" sz="2400" dirty="0">
+                <a:latin typeface="Consolas" panose="020B0609020204030204" pitchFamily="49" charset="0"/>
+                <a:ea typeface="宋体" panose="02010600030101010101" pitchFamily="2" charset="-122"/>
+                <a:cs typeface="新宋体" panose="02010609030101010101" pitchFamily="49" charset="-122"/>
+              </a:rPr>
+              <a:t> = </a:t>
+            </a:r>
+            <a:r>
+              <a:rPr lang="en-US" altLang="zh-CN" sz="2400" i="1" dirty="0">
+                <a:solidFill>
+                  <a:srgbClr val="A000A0"/>
+                </a:solidFill>
+                <a:latin typeface="Consolas" panose="020B0609020204030204" pitchFamily="49" charset="0"/>
+                <a:ea typeface="宋体" panose="02010600030101010101" pitchFamily="2" charset="-122"/>
+                <a:cs typeface="新宋体" panose="02010609030101010101" pitchFamily="49" charset="-122"/>
+              </a:rPr>
+              <a:t>max</a:t>
+            </a:r>
+            <a:r>
+              <a:rPr lang="en-US" altLang="zh-CN" sz="2400" dirty="0">
+                <a:latin typeface="Consolas" panose="020B0609020204030204" pitchFamily="49" charset="0"/>
+                <a:ea typeface="宋体" panose="02010600030101010101" pitchFamily="2" charset="-122"/>
+                <a:cs typeface="新宋体" panose="02010609030101010101" pitchFamily="49" charset="-122"/>
+              </a:rPr>
+              <a:t>(0, </a:t>
+            </a:r>
+            <a:r>
+              <a:rPr lang="en-US" altLang="zh-CN" sz="2400" dirty="0" err="1">
+                <a:solidFill>
+                  <a:srgbClr val="880000"/>
+                </a:solidFill>
+                <a:latin typeface="Consolas" panose="020B0609020204030204" pitchFamily="49" charset="0"/>
+                <a:ea typeface="宋体" panose="02010600030101010101" pitchFamily="2" charset="-122"/>
+                <a:cs typeface="新宋体" panose="02010609030101010101" pitchFamily="49" charset="-122"/>
+              </a:rPr>
+              <a:t>maxPathSum</a:t>
+            </a:r>
+            <a:r>
+              <a:rPr lang="en-US" altLang="zh-CN" sz="2400" dirty="0">
+                <a:latin typeface="Consolas" panose="020B0609020204030204" pitchFamily="49" charset="0"/>
+                <a:ea typeface="宋体" panose="02010600030101010101" pitchFamily="2" charset="-122"/>
+                <a:cs typeface="新宋体" panose="02010609030101010101" pitchFamily="49" charset="-122"/>
+              </a:rPr>
+              <a:t>(</a:t>
+            </a:r>
+            <a:r>
+              <a:rPr lang="en-US" altLang="zh-CN" sz="2400" dirty="0">
+                <a:solidFill>
+                  <a:srgbClr val="000080"/>
+                </a:solidFill>
+                <a:latin typeface="Consolas" panose="020B0609020204030204" pitchFamily="49" charset="0"/>
+                <a:ea typeface="宋体" panose="02010600030101010101" pitchFamily="2" charset="-122"/>
+                <a:cs typeface="新宋体" panose="02010609030101010101" pitchFamily="49" charset="-122"/>
+              </a:rPr>
+              <a:t>root</a:t>
+            </a:r>
+            <a:r>
+              <a:rPr lang="en-US" altLang="zh-CN" sz="2400" dirty="0">
+                <a:latin typeface="Consolas" panose="020B0609020204030204" pitchFamily="49" charset="0"/>
+                <a:ea typeface="宋体" panose="02010600030101010101" pitchFamily="2" charset="-122"/>
+                <a:cs typeface="新宋体" panose="02010609030101010101" pitchFamily="49" charset="-122"/>
+              </a:rPr>
+              <a:t>-&gt;</a:t>
+            </a:r>
+            <a:r>
+              <a:rPr lang="en-US" altLang="zh-CN" sz="2400" dirty="0">
+                <a:solidFill>
+                  <a:srgbClr val="000080"/>
+                </a:solidFill>
+                <a:latin typeface="Consolas" panose="020B0609020204030204" pitchFamily="49" charset="0"/>
+                <a:ea typeface="宋体" panose="02010600030101010101" pitchFamily="2" charset="-122"/>
+                <a:cs typeface="新宋体" panose="02010609030101010101" pitchFamily="49" charset="-122"/>
+              </a:rPr>
+              <a:t>right</a:t>
+            </a:r>
+            <a:r>
+              <a:rPr lang="en-US" altLang="zh-CN" sz="2400" dirty="0">
+                <a:latin typeface="Consolas" panose="020B0609020204030204" pitchFamily="49" charset="0"/>
+                <a:ea typeface="宋体" panose="02010600030101010101" pitchFamily="2" charset="-122"/>
+                <a:cs typeface="新宋体" panose="02010609030101010101" pitchFamily="49" charset="-122"/>
+              </a:rPr>
+              <a:t>, </a:t>
+            </a:r>
+            <a:r>
+              <a:rPr lang="en-US" altLang="zh-CN" sz="2400" dirty="0" err="1">
+                <a:solidFill>
+                  <a:srgbClr val="000080"/>
+                </a:solidFill>
+                <a:latin typeface="Consolas" panose="020B0609020204030204" pitchFamily="49" charset="0"/>
+                <a:ea typeface="宋体" panose="02010600030101010101" pitchFamily="2" charset="-122"/>
+                <a:cs typeface="新宋体" panose="02010609030101010101" pitchFamily="49" charset="-122"/>
+              </a:rPr>
+              <a:t>val</a:t>
+            </a:r>
+            <a:r>
+              <a:rPr lang="en-US" altLang="zh-CN" sz="2400" dirty="0">
+                <a:latin typeface="Consolas" panose="020B0609020204030204" pitchFamily="49" charset="0"/>
+                <a:ea typeface="宋体" panose="02010600030101010101" pitchFamily="2" charset="-122"/>
+                <a:cs typeface="新宋体" panose="02010609030101010101" pitchFamily="49" charset="-122"/>
+              </a:rPr>
+              <a:t>));</a:t>
+            </a:r>
+            <a:endParaRPr lang="zh-CN" altLang="zh-CN" sz="2400" kern="100" dirty="0">
+              <a:latin typeface="Consolas" panose="020B0609020204030204" pitchFamily="49" charset="0"/>
+              <a:ea typeface="宋体" panose="02010600030101010101" pitchFamily="2" charset="-122"/>
+              <a:cs typeface="Times New Roman" panose="02020603050405020304" pitchFamily="18" charset="0"/>
+            </a:endParaRPr>
+          </a:p>
+        </p:txBody>
+      </p:sp>
+      <p:sp>
+        <p:nvSpPr>
+          <p:cNvPr id="15" name="xxxxx">
+            <a:extLst>
+              <a:ext uri="{FF2B5EF4-FFF2-40B4-BE49-F238E27FC236}">
+                <a16:creationId xmlns:a16="http://schemas.microsoft.com/office/drawing/2014/main" id="{D9E5ECC7-CA0B-40D4-B16E-22888C6F2EB2}"/>
+              </a:ext>
+            </a:extLst>
+          </p:cNvPr>
+          <p:cNvSpPr txBox="1"/>
+          <p:nvPr/>
+        </p:nvSpPr>
+        <p:spPr>
+          <a:xfrm>
+            <a:off x="2356774" y="7032856"/>
+            <a:ext cx="6883295" cy="471924"/>
+          </a:xfrm>
+          <a:prstGeom prst="rect">
+            <a:avLst/>
+          </a:prstGeom>
+          <a:ln w="12700">
+            <a:miter lim="400000"/>
+          </a:ln>
+          <a:extLst>
+            <a:ext uri="{C572A759-6A51-4108-AA02-DFA0A04FC94B}">
+              <ma14:wrappingTextBoxFlag xmlns="" xmlns:m="http://schemas.openxmlformats.org/officeDocument/2006/math" xmlns:a14="http://schemas.microsoft.com/office/drawing/2010/main" xmlns:ma14="http://schemas.microsoft.com/office/mac/drawingml/2011/main" val="1"/>
+            </a:ext>
+          </a:extLst>
+        </p:spPr>
+        <p:txBody>
+          <a:bodyPr wrap="none" lIns="50800" tIns="50800" rIns="50800" bIns="50800" anchor="ctr">
+            <a:spAutoFit/>
+          </a:bodyPr>
+          <a:lstStyle/>
+          <a:p>
+            <a:pPr algn="l"/>
+            <a:r>
+              <a:rPr lang="en-US" altLang="zh-CN" sz="2400" dirty="0">
+                <a:latin typeface="Consolas" panose="020B0609020204030204" pitchFamily="49" charset="0"/>
+                <a:ea typeface="宋体" panose="02010600030101010101" pitchFamily="2" charset="-122"/>
+                <a:cs typeface="新宋体" panose="02010609030101010101" pitchFamily="49" charset="-122"/>
+              </a:rPr>
+              <a:t>	</a:t>
+            </a:r>
+            <a:r>
+              <a:rPr lang="en-US" altLang="zh-CN" sz="2400" dirty="0">
+                <a:solidFill>
+                  <a:srgbClr val="0000FF"/>
+                </a:solidFill>
+                <a:latin typeface="Consolas" panose="020B0609020204030204" pitchFamily="49" charset="0"/>
+                <a:ea typeface="宋体" panose="02010600030101010101" pitchFamily="2" charset="-122"/>
+                <a:cs typeface="新宋体" panose="02010609030101010101" pitchFamily="49" charset="-122"/>
+              </a:rPr>
+              <a:t>int</a:t>
+            </a:r>
+            <a:r>
+              <a:rPr lang="en-US" altLang="zh-CN" sz="2400" dirty="0">
+                <a:latin typeface="Consolas" panose="020B0609020204030204" pitchFamily="49" charset="0"/>
+                <a:ea typeface="宋体" panose="02010600030101010101" pitchFamily="2" charset="-122"/>
+                <a:cs typeface="新宋体" panose="02010609030101010101" pitchFamily="49" charset="-122"/>
+              </a:rPr>
+              <a:t> </a:t>
+            </a:r>
+            <a:r>
+              <a:rPr lang="en-US" altLang="zh-CN" sz="2400" dirty="0" err="1">
+                <a:solidFill>
+                  <a:srgbClr val="000080"/>
+                </a:solidFill>
+                <a:latin typeface="Consolas" panose="020B0609020204030204" pitchFamily="49" charset="0"/>
+                <a:ea typeface="宋体" panose="02010600030101010101" pitchFamily="2" charset="-122"/>
+                <a:cs typeface="新宋体" panose="02010609030101010101" pitchFamily="49" charset="-122"/>
+              </a:rPr>
+              <a:t>lmr</a:t>
+            </a:r>
+            <a:r>
+              <a:rPr lang="en-US" altLang="zh-CN" sz="2400" dirty="0">
+                <a:latin typeface="Consolas" panose="020B0609020204030204" pitchFamily="49" charset="0"/>
+                <a:ea typeface="宋体" panose="02010600030101010101" pitchFamily="2" charset="-122"/>
+                <a:cs typeface="新宋体" panose="02010609030101010101" pitchFamily="49" charset="-122"/>
+              </a:rPr>
+              <a:t> = </a:t>
+            </a:r>
+            <a:r>
+              <a:rPr lang="en-US" altLang="zh-CN" sz="2400" dirty="0">
+                <a:solidFill>
+                  <a:srgbClr val="000080"/>
+                </a:solidFill>
+                <a:latin typeface="Consolas" panose="020B0609020204030204" pitchFamily="49" charset="0"/>
+                <a:ea typeface="宋体" panose="02010600030101010101" pitchFamily="2" charset="-122"/>
+                <a:cs typeface="新宋体" panose="02010609030101010101" pitchFamily="49" charset="-122"/>
+              </a:rPr>
+              <a:t>root</a:t>
+            </a:r>
+            <a:r>
+              <a:rPr lang="en-US" altLang="zh-CN" sz="2400" dirty="0">
+                <a:latin typeface="Consolas" panose="020B0609020204030204" pitchFamily="49" charset="0"/>
+                <a:ea typeface="宋体" panose="02010600030101010101" pitchFamily="2" charset="-122"/>
+                <a:cs typeface="新宋体" panose="02010609030101010101" pitchFamily="49" charset="-122"/>
+              </a:rPr>
+              <a:t>-&gt;</a:t>
+            </a:r>
+            <a:r>
+              <a:rPr lang="en-US" altLang="zh-CN" sz="2400" dirty="0" err="1">
+                <a:solidFill>
+                  <a:srgbClr val="000080"/>
+                </a:solidFill>
+                <a:latin typeface="Consolas" panose="020B0609020204030204" pitchFamily="49" charset="0"/>
+                <a:ea typeface="宋体" panose="02010600030101010101" pitchFamily="2" charset="-122"/>
+                <a:cs typeface="新宋体" panose="02010609030101010101" pitchFamily="49" charset="-122"/>
+              </a:rPr>
+              <a:t>val</a:t>
+            </a:r>
+            <a:r>
+              <a:rPr lang="en-US" altLang="zh-CN" sz="2400" dirty="0">
+                <a:latin typeface="Consolas" panose="020B0609020204030204" pitchFamily="49" charset="0"/>
+                <a:ea typeface="宋体" panose="02010600030101010101" pitchFamily="2" charset="-122"/>
+                <a:cs typeface="新宋体" panose="02010609030101010101" pitchFamily="49" charset="-122"/>
+              </a:rPr>
+              <a:t> + </a:t>
+            </a:r>
+            <a:r>
+              <a:rPr lang="en-US" altLang="zh-CN" sz="2400" dirty="0">
+                <a:solidFill>
+                  <a:srgbClr val="000080"/>
+                </a:solidFill>
+                <a:latin typeface="Consolas" panose="020B0609020204030204" pitchFamily="49" charset="0"/>
+                <a:ea typeface="宋体" panose="02010600030101010101" pitchFamily="2" charset="-122"/>
+                <a:cs typeface="新宋体" panose="02010609030101010101" pitchFamily="49" charset="-122"/>
+              </a:rPr>
+              <a:t>left</a:t>
+            </a:r>
+            <a:r>
+              <a:rPr lang="en-US" altLang="zh-CN" sz="2400" dirty="0">
+                <a:latin typeface="Consolas" panose="020B0609020204030204" pitchFamily="49" charset="0"/>
+                <a:ea typeface="宋体" panose="02010600030101010101" pitchFamily="2" charset="-122"/>
+                <a:cs typeface="新宋体" panose="02010609030101010101" pitchFamily="49" charset="-122"/>
+              </a:rPr>
+              <a:t> + </a:t>
+            </a:r>
+            <a:r>
+              <a:rPr lang="en-US" altLang="zh-CN" sz="2400" dirty="0">
+                <a:solidFill>
+                  <a:srgbClr val="000080"/>
+                </a:solidFill>
+                <a:latin typeface="Consolas" panose="020B0609020204030204" pitchFamily="49" charset="0"/>
+                <a:ea typeface="宋体" panose="02010600030101010101" pitchFamily="2" charset="-122"/>
+                <a:cs typeface="新宋体" panose="02010609030101010101" pitchFamily="49" charset="-122"/>
+              </a:rPr>
+              <a:t>right</a:t>
+            </a:r>
+            <a:r>
+              <a:rPr lang="en-US" altLang="zh-CN" sz="2400" dirty="0">
+                <a:latin typeface="Consolas" panose="020B0609020204030204" pitchFamily="49" charset="0"/>
+                <a:ea typeface="宋体" panose="02010600030101010101" pitchFamily="2" charset="-122"/>
+                <a:cs typeface="新宋体" panose="02010609030101010101" pitchFamily="49" charset="-122"/>
+              </a:rPr>
+              <a:t>;</a:t>
+            </a:r>
+            <a:endParaRPr lang="zh-CN" altLang="zh-CN" sz="2400" kern="100" dirty="0">
+              <a:latin typeface="Consolas" panose="020B0609020204030204" pitchFamily="49" charset="0"/>
+              <a:ea typeface="宋体" panose="02010600030101010101" pitchFamily="2" charset="-122"/>
+              <a:cs typeface="Times New Roman" panose="02020603050405020304" pitchFamily="18" charset="0"/>
+            </a:endParaRPr>
+          </a:p>
+        </p:txBody>
+      </p:sp>
+      <p:sp>
+        <p:nvSpPr>
+          <p:cNvPr id="18" name="xxxxx">
+            <a:extLst>
+              <a:ext uri="{FF2B5EF4-FFF2-40B4-BE49-F238E27FC236}">
+                <a16:creationId xmlns:a16="http://schemas.microsoft.com/office/drawing/2014/main" id="{4ADFEFC7-2CE5-49AA-BD2F-AC5A31970E41}"/>
+              </a:ext>
+            </a:extLst>
+          </p:cNvPr>
+          <p:cNvSpPr txBox="1"/>
+          <p:nvPr/>
+        </p:nvSpPr>
+        <p:spPr>
+          <a:xfrm>
+            <a:off x="2356774" y="7494433"/>
+            <a:ext cx="7562968" cy="471924"/>
+          </a:xfrm>
+          <a:prstGeom prst="rect">
+            <a:avLst/>
+          </a:prstGeom>
+          <a:ln w="12700">
+            <a:miter lim="400000"/>
+          </a:ln>
+          <a:extLst>
+            <a:ext uri="{C572A759-6A51-4108-AA02-DFA0A04FC94B}">
+              <ma14:wrappingTextBoxFlag xmlns="" xmlns:m="http://schemas.openxmlformats.org/officeDocument/2006/math" xmlns:a14="http://schemas.microsoft.com/office/drawing/2010/main" xmlns:ma14="http://schemas.microsoft.com/office/mac/drawingml/2011/main" val="1"/>
+            </a:ext>
+          </a:extLst>
+        </p:spPr>
+        <p:txBody>
+          <a:bodyPr wrap="none" lIns="50800" tIns="50800" rIns="50800" bIns="50800" anchor="ctr">
+            <a:spAutoFit/>
+          </a:bodyPr>
+          <a:lstStyle/>
+          <a:p>
+            <a:pPr algn="l"/>
+            <a:r>
+              <a:rPr lang="en-US" altLang="zh-CN" sz="2400" dirty="0">
+                <a:latin typeface="Consolas" panose="020B0609020204030204" pitchFamily="49" charset="0"/>
+                <a:ea typeface="宋体" panose="02010600030101010101" pitchFamily="2" charset="-122"/>
+                <a:cs typeface="新宋体" panose="02010609030101010101" pitchFamily="49" charset="-122"/>
+              </a:rPr>
+              <a:t>	</a:t>
+            </a:r>
+            <a:r>
+              <a:rPr lang="en-US" altLang="zh-CN" sz="2400" dirty="0">
+                <a:solidFill>
+                  <a:srgbClr val="0000FF"/>
+                </a:solidFill>
+                <a:latin typeface="Consolas" panose="020B0609020204030204" pitchFamily="49" charset="0"/>
+                <a:ea typeface="宋体" panose="02010600030101010101" pitchFamily="2" charset="-122"/>
+                <a:cs typeface="新宋体" panose="02010609030101010101" pitchFamily="49" charset="-122"/>
+              </a:rPr>
+              <a:t>int</a:t>
+            </a:r>
+            <a:r>
+              <a:rPr lang="en-US" altLang="zh-CN" sz="2400" dirty="0">
+                <a:latin typeface="Consolas" panose="020B0609020204030204" pitchFamily="49" charset="0"/>
+                <a:ea typeface="宋体" panose="02010600030101010101" pitchFamily="2" charset="-122"/>
+                <a:cs typeface="新宋体" panose="02010609030101010101" pitchFamily="49" charset="-122"/>
+              </a:rPr>
+              <a:t> </a:t>
+            </a:r>
+            <a:r>
+              <a:rPr lang="en-US" altLang="zh-CN" sz="2400" dirty="0">
+                <a:solidFill>
+                  <a:srgbClr val="000080"/>
+                </a:solidFill>
+                <a:latin typeface="Consolas" panose="020B0609020204030204" pitchFamily="49" charset="0"/>
+                <a:ea typeface="宋体" panose="02010600030101010101" pitchFamily="2" charset="-122"/>
+                <a:cs typeface="新宋体" panose="02010609030101010101" pitchFamily="49" charset="-122"/>
+              </a:rPr>
+              <a:t>ret</a:t>
+            </a:r>
+            <a:r>
+              <a:rPr lang="en-US" altLang="zh-CN" sz="2400" dirty="0">
+                <a:latin typeface="Consolas" panose="020B0609020204030204" pitchFamily="49" charset="0"/>
+                <a:ea typeface="宋体" panose="02010600030101010101" pitchFamily="2" charset="-122"/>
+                <a:cs typeface="新宋体" panose="02010609030101010101" pitchFamily="49" charset="-122"/>
+              </a:rPr>
+              <a:t> = </a:t>
+            </a:r>
+            <a:r>
+              <a:rPr lang="en-US" altLang="zh-CN" sz="2400" dirty="0">
+                <a:solidFill>
+                  <a:srgbClr val="000080"/>
+                </a:solidFill>
+                <a:latin typeface="Consolas" panose="020B0609020204030204" pitchFamily="49" charset="0"/>
+                <a:ea typeface="宋体" panose="02010600030101010101" pitchFamily="2" charset="-122"/>
+                <a:cs typeface="新宋体" panose="02010609030101010101" pitchFamily="49" charset="-122"/>
+              </a:rPr>
+              <a:t>root</a:t>
+            </a:r>
+            <a:r>
+              <a:rPr lang="en-US" altLang="zh-CN" sz="2400" dirty="0">
+                <a:latin typeface="Consolas" panose="020B0609020204030204" pitchFamily="49" charset="0"/>
+                <a:ea typeface="宋体" panose="02010600030101010101" pitchFamily="2" charset="-122"/>
+                <a:cs typeface="新宋体" panose="02010609030101010101" pitchFamily="49" charset="-122"/>
+              </a:rPr>
+              <a:t>-&gt;</a:t>
+            </a:r>
+            <a:r>
+              <a:rPr lang="en-US" altLang="zh-CN" sz="2400" dirty="0" err="1">
+                <a:solidFill>
+                  <a:srgbClr val="000080"/>
+                </a:solidFill>
+                <a:latin typeface="Consolas" panose="020B0609020204030204" pitchFamily="49" charset="0"/>
+                <a:ea typeface="宋体" panose="02010600030101010101" pitchFamily="2" charset="-122"/>
+                <a:cs typeface="新宋体" panose="02010609030101010101" pitchFamily="49" charset="-122"/>
+              </a:rPr>
+              <a:t>val</a:t>
+            </a:r>
+            <a:r>
+              <a:rPr lang="en-US" altLang="zh-CN" sz="2400" dirty="0">
+                <a:latin typeface="Consolas" panose="020B0609020204030204" pitchFamily="49" charset="0"/>
+                <a:ea typeface="宋体" panose="02010600030101010101" pitchFamily="2" charset="-122"/>
+                <a:cs typeface="新宋体" panose="02010609030101010101" pitchFamily="49" charset="-122"/>
+              </a:rPr>
+              <a:t> + </a:t>
+            </a:r>
+            <a:r>
+              <a:rPr lang="en-US" altLang="zh-CN" sz="2400" i="1" dirty="0">
+                <a:solidFill>
+                  <a:srgbClr val="A000A0"/>
+                </a:solidFill>
+                <a:latin typeface="Consolas" panose="020B0609020204030204" pitchFamily="49" charset="0"/>
+                <a:ea typeface="宋体" panose="02010600030101010101" pitchFamily="2" charset="-122"/>
+                <a:cs typeface="新宋体" panose="02010609030101010101" pitchFamily="49" charset="-122"/>
+              </a:rPr>
+              <a:t>max</a:t>
+            </a:r>
+            <a:r>
+              <a:rPr lang="en-US" altLang="zh-CN" sz="2400" dirty="0">
+                <a:latin typeface="Consolas" panose="020B0609020204030204" pitchFamily="49" charset="0"/>
+                <a:ea typeface="宋体" panose="02010600030101010101" pitchFamily="2" charset="-122"/>
+                <a:cs typeface="新宋体" panose="02010609030101010101" pitchFamily="49" charset="-122"/>
+              </a:rPr>
+              <a:t>(</a:t>
+            </a:r>
+            <a:r>
+              <a:rPr lang="en-US" altLang="zh-CN" sz="2400" dirty="0">
+                <a:solidFill>
+                  <a:srgbClr val="000080"/>
+                </a:solidFill>
+                <a:latin typeface="Consolas" panose="020B0609020204030204" pitchFamily="49" charset="0"/>
+                <a:ea typeface="宋体" panose="02010600030101010101" pitchFamily="2" charset="-122"/>
+                <a:cs typeface="新宋体" panose="02010609030101010101" pitchFamily="49" charset="-122"/>
+              </a:rPr>
+              <a:t>left</a:t>
+            </a:r>
+            <a:r>
+              <a:rPr lang="en-US" altLang="zh-CN" sz="2400" dirty="0">
+                <a:latin typeface="Consolas" panose="020B0609020204030204" pitchFamily="49" charset="0"/>
+                <a:ea typeface="宋体" panose="02010600030101010101" pitchFamily="2" charset="-122"/>
+                <a:cs typeface="新宋体" panose="02010609030101010101" pitchFamily="49" charset="-122"/>
+              </a:rPr>
+              <a:t>, </a:t>
+            </a:r>
+            <a:r>
+              <a:rPr lang="en-US" altLang="zh-CN" sz="2400" dirty="0">
+                <a:solidFill>
+                  <a:srgbClr val="000080"/>
+                </a:solidFill>
+                <a:latin typeface="Consolas" panose="020B0609020204030204" pitchFamily="49" charset="0"/>
+                <a:ea typeface="宋体" panose="02010600030101010101" pitchFamily="2" charset="-122"/>
+                <a:cs typeface="新宋体" panose="02010609030101010101" pitchFamily="49" charset="-122"/>
+              </a:rPr>
+              <a:t>right</a:t>
+            </a:r>
+            <a:r>
+              <a:rPr lang="en-US" altLang="zh-CN" sz="2400" dirty="0">
+                <a:latin typeface="Consolas" panose="020B0609020204030204" pitchFamily="49" charset="0"/>
+                <a:ea typeface="宋体" panose="02010600030101010101" pitchFamily="2" charset="-122"/>
+                <a:cs typeface="新宋体" panose="02010609030101010101" pitchFamily="49" charset="-122"/>
+              </a:rPr>
+              <a:t>);</a:t>
+            </a:r>
+            <a:endParaRPr lang="zh-CN" altLang="zh-CN" sz="2400" kern="100" dirty="0">
+              <a:latin typeface="Consolas" panose="020B0609020204030204" pitchFamily="49" charset="0"/>
+              <a:ea typeface="宋体" panose="02010600030101010101" pitchFamily="2" charset="-122"/>
+              <a:cs typeface="Times New Roman" panose="02020603050405020304" pitchFamily="18" charset="0"/>
+            </a:endParaRPr>
+          </a:p>
+        </p:txBody>
+      </p:sp>
+      <p:sp>
+        <p:nvSpPr>
+          <p:cNvPr id="19" name="xxxxx">
+            <a:extLst>
+              <a:ext uri="{FF2B5EF4-FFF2-40B4-BE49-F238E27FC236}">
+                <a16:creationId xmlns:a16="http://schemas.microsoft.com/office/drawing/2014/main" id="{12B26828-66A4-45B9-8FCE-894115DC1BE0}"/>
+              </a:ext>
+            </a:extLst>
+          </p:cNvPr>
+          <p:cNvSpPr txBox="1"/>
+          <p:nvPr/>
+        </p:nvSpPr>
+        <p:spPr>
+          <a:xfrm>
+            <a:off x="2356774" y="7959756"/>
+            <a:ext cx="6033703" cy="471924"/>
+          </a:xfrm>
+          <a:prstGeom prst="rect">
+            <a:avLst/>
+          </a:prstGeom>
+          <a:ln w="12700">
+            <a:miter lim="400000"/>
+          </a:ln>
+          <a:extLst>
+            <a:ext uri="{C572A759-6A51-4108-AA02-DFA0A04FC94B}">
+              <ma14:wrappingTextBoxFlag xmlns="" xmlns:m="http://schemas.openxmlformats.org/officeDocument/2006/math" xmlns:a14="http://schemas.microsoft.com/office/drawing/2010/main" xmlns:ma14="http://schemas.microsoft.com/office/mac/drawingml/2011/main" val="1"/>
+            </a:ext>
+          </a:extLst>
+        </p:spPr>
+        <p:txBody>
+          <a:bodyPr wrap="none" lIns="50800" tIns="50800" rIns="50800" bIns="50800" anchor="ctr">
+            <a:spAutoFit/>
+          </a:bodyPr>
+          <a:lstStyle/>
+          <a:p>
+            <a:pPr algn="l"/>
+            <a:r>
+              <a:rPr lang="en-US" altLang="zh-CN" sz="2400" dirty="0">
+                <a:latin typeface="Consolas" panose="020B0609020204030204" pitchFamily="49" charset="0"/>
+                <a:ea typeface="宋体" panose="02010600030101010101" pitchFamily="2" charset="-122"/>
+                <a:cs typeface="新宋体" panose="02010609030101010101" pitchFamily="49" charset="-122"/>
+              </a:rPr>
+              <a:t>	</a:t>
+            </a:r>
+            <a:r>
+              <a:rPr lang="en-US" altLang="zh-CN" sz="2400" dirty="0" err="1">
+                <a:solidFill>
+                  <a:srgbClr val="000080"/>
+                </a:solidFill>
+                <a:latin typeface="Consolas" panose="020B0609020204030204" pitchFamily="49" charset="0"/>
+                <a:ea typeface="宋体" panose="02010600030101010101" pitchFamily="2" charset="-122"/>
+                <a:cs typeface="新宋体" panose="02010609030101010101" pitchFamily="49" charset="-122"/>
+              </a:rPr>
+              <a:t>val</a:t>
+            </a:r>
+            <a:r>
+              <a:rPr lang="en-US" altLang="zh-CN" sz="2400" dirty="0">
+                <a:latin typeface="Consolas" panose="020B0609020204030204" pitchFamily="49" charset="0"/>
+                <a:ea typeface="宋体" panose="02010600030101010101" pitchFamily="2" charset="-122"/>
+                <a:cs typeface="新宋体" panose="02010609030101010101" pitchFamily="49" charset="-122"/>
+              </a:rPr>
+              <a:t> = </a:t>
+            </a:r>
+            <a:r>
+              <a:rPr lang="en-US" altLang="zh-CN" sz="2400" i="1" dirty="0">
+                <a:solidFill>
+                  <a:srgbClr val="A000A0"/>
+                </a:solidFill>
+                <a:latin typeface="Consolas" panose="020B0609020204030204" pitchFamily="49" charset="0"/>
+                <a:ea typeface="宋体" panose="02010600030101010101" pitchFamily="2" charset="-122"/>
+                <a:cs typeface="新宋体" panose="02010609030101010101" pitchFamily="49" charset="-122"/>
+              </a:rPr>
+              <a:t>max</a:t>
+            </a:r>
+            <a:r>
+              <a:rPr lang="en-US" altLang="zh-CN" sz="2400" dirty="0">
+                <a:latin typeface="Consolas" panose="020B0609020204030204" pitchFamily="49" charset="0"/>
+                <a:ea typeface="宋体" panose="02010600030101010101" pitchFamily="2" charset="-122"/>
+                <a:cs typeface="新宋体" panose="02010609030101010101" pitchFamily="49" charset="-122"/>
+              </a:rPr>
+              <a:t>(</a:t>
+            </a:r>
+            <a:r>
+              <a:rPr lang="en-US" altLang="zh-CN" sz="2400" dirty="0" err="1">
+                <a:solidFill>
+                  <a:srgbClr val="000080"/>
+                </a:solidFill>
+                <a:latin typeface="Consolas" panose="020B0609020204030204" pitchFamily="49" charset="0"/>
+                <a:ea typeface="宋体" panose="02010600030101010101" pitchFamily="2" charset="-122"/>
+                <a:cs typeface="新宋体" panose="02010609030101010101" pitchFamily="49" charset="-122"/>
+              </a:rPr>
+              <a:t>val</a:t>
+            </a:r>
+            <a:r>
+              <a:rPr lang="en-US" altLang="zh-CN" sz="2400" dirty="0">
+                <a:latin typeface="Consolas" panose="020B0609020204030204" pitchFamily="49" charset="0"/>
+                <a:ea typeface="宋体" panose="02010600030101010101" pitchFamily="2" charset="-122"/>
+                <a:cs typeface="新宋体" panose="02010609030101010101" pitchFamily="49" charset="-122"/>
+              </a:rPr>
+              <a:t>, </a:t>
+            </a:r>
+            <a:r>
+              <a:rPr lang="en-US" altLang="zh-CN" sz="2400" i="1" dirty="0">
+                <a:solidFill>
+                  <a:srgbClr val="A000A0"/>
+                </a:solidFill>
+                <a:latin typeface="Consolas" panose="020B0609020204030204" pitchFamily="49" charset="0"/>
+                <a:ea typeface="宋体" panose="02010600030101010101" pitchFamily="2" charset="-122"/>
+                <a:cs typeface="新宋体" panose="02010609030101010101" pitchFamily="49" charset="-122"/>
+              </a:rPr>
+              <a:t>max</a:t>
+            </a:r>
+            <a:r>
+              <a:rPr lang="en-US" altLang="zh-CN" sz="2400" dirty="0">
+                <a:latin typeface="Consolas" panose="020B0609020204030204" pitchFamily="49" charset="0"/>
+                <a:ea typeface="宋体" panose="02010600030101010101" pitchFamily="2" charset="-122"/>
+                <a:cs typeface="新宋体" panose="02010609030101010101" pitchFamily="49" charset="-122"/>
+              </a:rPr>
+              <a:t>(</a:t>
+            </a:r>
+            <a:r>
+              <a:rPr lang="en-US" altLang="zh-CN" sz="2400" dirty="0" err="1">
+                <a:solidFill>
+                  <a:srgbClr val="000080"/>
+                </a:solidFill>
+                <a:latin typeface="Consolas" panose="020B0609020204030204" pitchFamily="49" charset="0"/>
+                <a:ea typeface="宋体" panose="02010600030101010101" pitchFamily="2" charset="-122"/>
+                <a:cs typeface="新宋体" panose="02010609030101010101" pitchFamily="49" charset="-122"/>
+              </a:rPr>
+              <a:t>lmr</a:t>
+            </a:r>
+            <a:r>
+              <a:rPr lang="en-US" altLang="zh-CN" sz="2400" dirty="0">
+                <a:latin typeface="Consolas" panose="020B0609020204030204" pitchFamily="49" charset="0"/>
+                <a:ea typeface="宋体" panose="02010600030101010101" pitchFamily="2" charset="-122"/>
+                <a:cs typeface="新宋体" panose="02010609030101010101" pitchFamily="49" charset="-122"/>
+              </a:rPr>
+              <a:t>, </a:t>
+            </a:r>
+            <a:r>
+              <a:rPr lang="en-US" altLang="zh-CN" sz="2400" dirty="0">
+                <a:solidFill>
+                  <a:srgbClr val="000080"/>
+                </a:solidFill>
+                <a:latin typeface="Consolas" panose="020B0609020204030204" pitchFamily="49" charset="0"/>
+                <a:ea typeface="宋体" panose="02010600030101010101" pitchFamily="2" charset="-122"/>
+                <a:cs typeface="新宋体" panose="02010609030101010101" pitchFamily="49" charset="-122"/>
+              </a:rPr>
+              <a:t>ret</a:t>
+            </a:r>
+            <a:r>
+              <a:rPr lang="en-US" altLang="zh-CN" sz="2400" dirty="0">
+                <a:latin typeface="Consolas" panose="020B0609020204030204" pitchFamily="49" charset="0"/>
+                <a:ea typeface="宋体" panose="02010600030101010101" pitchFamily="2" charset="-122"/>
+                <a:cs typeface="新宋体" panose="02010609030101010101" pitchFamily="49" charset="-122"/>
+              </a:rPr>
+              <a:t>));</a:t>
+            </a:r>
+            <a:endParaRPr lang="zh-CN" altLang="zh-CN" sz="2400" kern="100" dirty="0">
+              <a:latin typeface="Consolas" panose="020B0609020204030204" pitchFamily="49" charset="0"/>
+              <a:ea typeface="宋体" panose="02010600030101010101" pitchFamily="2" charset="-122"/>
+              <a:cs typeface="Times New Roman" panose="02020603050405020304" pitchFamily="18" charset="0"/>
+            </a:endParaRPr>
+          </a:p>
+        </p:txBody>
+      </p:sp>
+      <p:sp>
+        <p:nvSpPr>
+          <p:cNvPr id="20" name="xxxxx">
+            <a:extLst>
+              <a:ext uri="{FF2B5EF4-FFF2-40B4-BE49-F238E27FC236}">
+                <a16:creationId xmlns:a16="http://schemas.microsoft.com/office/drawing/2014/main" id="{F4A9D20D-201D-4EA4-A5DC-F304B1B163E5}"/>
+              </a:ext>
+            </a:extLst>
+          </p:cNvPr>
+          <p:cNvSpPr txBox="1"/>
+          <p:nvPr/>
+        </p:nvSpPr>
+        <p:spPr>
+          <a:xfrm>
+            <a:off x="2356774" y="8421333"/>
+            <a:ext cx="2805255" cy="471924"/>
+          </a:xfrm>
+          <a:prstGeom prst="rect">
+            <a:avLst/>
+          </a:prstGeom>
+          <a:ln w="12700">
+            <a:miter lim="400000"/>
+          </a:ln>
+          <a:extLst>
+            <a:ext uri="{C572A759-6A51-4108-AA02-DFA0A04FC94B}">
+              <ma14:wrappingTextBoxFlag xmlns="" xmlns:m="http://schemas.openxmlformats.org/officeDocument/2006/math" xmlns:a14="http://schemas.microsoft.com/office/drawing/2010/main" xmlns:ma14="http://schemas.microsoft.com/office/mac/drawingml/2011/main" val="1"/>
+            </a:ext>
+          </a:extLst>
+        </p:spPr>
+        <p:txBody>
+          <a:bodyPr wrap="none" lIns="50800" tIns="50800" rIns="50800" bIns="50800" anchor="ctr">
+            <a:spAutoFit/>
+          </a:bodyPr>
+          <a:lstStyle/>
+          <a:p>
+            <a:pPr algn="l"/>
+            <a:r>
+              <a:rPr lang="en-US" altLang="zh-CN" sz="2400" dirty="0">
+                <a:latin typeface="Consolas" panose="020B0609020204030204" pitchFamily="49" charset="0"/>
+                <a:ea typeface="宋体" panose="02010600030101010101" pitchFamily="2" charset="-122"/>
+                <a:cs typeface="新宋体" panose="02010609030101010101" pitchFamily="49" charset="-122"/>
+              </a:rPr>
+              <a:t>	</a:t>
+            </a:r>
+            <a:r>
+              <a:rPr lang="en-US" altLang="zh-CN" sz="2400" dirty="0">
+                <a:solidFill>
+                  <a:srgbClr val="0000FF"/>
+                </a:solidFill>
+                <a:latin typeface="Consolas" panose="020B0609020204030204" pitchFamily="49" charset="0"/>
+                <a:ea typeface="宋体" panose="02010600030101010101" pitchFamily="2" charset="-122"/>
+                <a:cs typeface="新宋体" panose="02010609030101010101" pitchFamily="49" charset="-122"/>
+              </a:rPr>
+              <a:t>return</a:t>
+            </a:r>
+            <a:r>
+              <a:rPr lang="en-US" altLang="zh-CN" sz="2400" dirty="0">
+                <a:latin typeface="Consolas" panose="020B0609020204030204" pitchFamily="49" charset="0"/>
+                <a:ea typeface="宋体" panose="02010600030101010101" pitchFamily="2" charset="-122"/>
+                <a:cs typeface="新宋体" panose="02010609030101010101" pitchFamily="49" charset="-122"/>
+              </a:rPr>
+              <a:t> </a:t>
+            </a:r>
+            <a:r>
+              <a:rPr lang="en-US" altLang="zh-CN" sz="2400" dirty="0">
+                <a:solidFill>
+                  <a:srgbClr val="000080"/>
+                </a:solidFill>
+                <a:latin typeface="Consolas" panose="020B0609020204030204" pitchFamily="49" charset="0"/>
+                <a:ea typeface="宋体" panose="02010600030101010101" pitchFamily="2" charset="-122"/>
+                <a:cs typeface="新宋体" panose="02010609030101010101" pitchFamily="49" charset="-122"/>
+              </a:rPr>
+              <a:t>ret</a:t>
+            </a:r>
+            <a:r>
+              <a:rPr lang="en-US" altLang="zh-CN" sz="2400" dirty="0">
+                <a:latin typeface="Consolas" panose="020B0609020204030204" pitchFamily="49" charset="0"/>
+                <a:ea typeface="宋体" panose="02010600030101010101" pitchFamily="2" charset="-122"/>
+                <a:cs typeface="新宋体" panose="02010609030101010101" pitchFamily="49" charset="-122"/>
+              </a:rPr>
+              <a:t>;</a:t>
+            </a:r>
+            <a:endParaRPr lang="zh-CN" altLang="zh-CN" sz="2400" kern="100" dirty="0">
+              <a:latin typeface="Consolas" panose="020B0609020204030204" pitchFamily="49" charset="0"/>
+              <a:ea typeface="宋体" panose="02010600030101010101" pitchFamily="2" charset="-122"/>
+              <a:cs typeface="Times New Roman" panose="02020603050405020304" pitchFamily="18" charset="0"/>
+            </a:endParaRPr>
+          </a:p>
+        </p:txBody>
+      </p:sp>
+      <p:sp>
+        <p:nvSpPr>
+          <p:cNvPr id="21" name="xxxxx">
+            <a:extLst>
+              <a:ext uri="{FF2B5EF4-FFF2-40B4-BE49-F238E27FC236}">
+                <a16:creationId xmlns:a16="http://schemas.microsoft.com/office/drawing/2014/main" id="{0ADA744F-DB74-4EA9-A12E-E242C213ABFA}"/>
+              </a:ext>
+            </a:extLst>
+          </p:cNvPr>
+          <p:cNvSpPr txBox="1"/>
+          <p:nvPr/>
+        </p:nvSpPr>
+        <p:spPr>
+          <a:xfrm>
+            <a:off x="2356774" y="8893257"/>
+            <a:ext cx="272510" cy="471924"/>
+          </a:xfrm>
+          <a:prstGeom prst="rect">
+            <a:avLst/>
+          </a:prstGeom>
+          <a:ln w="12700">
+            <a:miter lim="400000"/>
+          </a:ln>
+          <a:extLst>
+            <a:ext uri="{C572A759-6A51-4108-AA02-DFA0A04FC94B}">
+              <ma14:wrappingTextBoxFlag xmlns="" xmlns:m="http://schemas.openxmlformats.org/officeDocument/2006/math" xmlns:a14="http://schemas.microsoft.com/office/drawing/2010/main" xmlns:ma14="http://schemas.microsoft.com/office/mac/drawingml/2011/main" val="1"/>
+            </a:ext>
+          </a:extLst>
+        </p:spPr>
+        <p:txBody>
+          <a:bodyPr wrap="none" lIns="50800" tIns="50800" rIns="50800" bIns="50800" anchor="ctr">
+            <a:spAutoFit/>
+          </a:bodyPr>
+          <a:lstStyle/>
+          <a:p>
+            <a:pPr algn="l"/>
+            <a:r>
+              <a:rPr lang="en-US" altLang="zh-CN" sz="2400" dirty="0">
+                <a:latin typeface="Consolas" panose="020B0609020204030204" pitchFamily="49" charset="0"/>
+                <a:ea typeface="宋体" panose="02010600030101010101" pitchFamily="2" charset="-122"/>
+                <a:cs typeface="新宋体" panose="02010609030101010101" pitchFamily="49" charset="-122"/>
+              </a:rPr>
+              <a:t>}</a:t>
+            </a:r>
+            <a:endParaRPr lang="zh-CN" altLang="zh-CN" sz="2400" kern="100" dirty="0">
+              <a:latin typeface="Consolas" panose="020B0609020204030204" pitchFamily="49" charset="0"/>
+              <a:ea typeface="宋体" panose="02010600030101010101" pitchFamily="2" charset="-122"/>
+              <a:cs typeface="Times New Roman" panose="02020603050405020304" pitchFamily="18" charset="0"/>
+            </a:endParaRPr>
+          </a:p>
+        </p:txBody>
+      </p:sp>
+      <p:sp>
+        <p:nvSpPr>
+          <p:cNvPr id="22" name="xxxxx">
+            <a:extLst>
+              <a:ext uri="{FF2B5EF4-FFF2-40B4-BE49-F238E27FC236}">
+                <a16:creationId xmlns:a16="http://schemas.microsoft.com/office/drawing/2014/main" id="{A2702593-09EF-42D4-9839-E02EACAE3891}"/>
+              </a:ext>
+            </a:extLst>
+          </p:cNvPr>
+          <p:cNvSpPr txBox="1"/>
+          <p:nvPr/>
+        </p:nvSpPr>
+        <p:spPr>
+          <a:xfrm>
+            <a:off x="2356774" y="10084672"/>
+            <a:ext cx="5539978" cy="471924"/>
+          </a:xfrm>
+          <a:prstGeom prst="rect">
+            <a:avLst/>
+          </a:prstGeom>
+          <a:ln w="12700">
+            <a:miter lim="400000"/>
+          </a:ln>
+          <a:extLst>
+            <a:ext uri="{C572A759-6A51-4108-AA02-DFA0A04FC94B}">
+              <ma14:wrappingTextBoxFlag xmlns="" xmlns:m="http://schemas.openxmlformats.org/officeDocument/2006/math" xmlns:a14="http://schemas.microsoft.com/office/drawing/2010/main" xmlns:ma14="http://schemas.microsoft.com/office/mac/drawingml/2011/main" val="1"/>
+            </a:ext>
+          </a:extLst>
+        </p:spPr>
+        <p:txBody>
+          <a:bodyPr wrap="none" lIns="50800" tIns="50800" rIns="50800" bIns="50800" anchor="ctr">
+            <a:spAutoFit/>
+          </a:bodyPr>
+          <a:lstStyle/>
+          <a:p>
+            <a:pPr algn="l"/>
+            <a:r>
+              <a:rPr lang="en-US" altLang="zh-CN" sz="2400" dirty="0">
+                <a:solidFill>
+                  <a:srgbClr val="0000FF"/>
+                </a:solidFill>
+                <a:latin typeface="Consolas" panose="020B0609020204030204" pitchFamily="49" charset="0"/>
+                <a:ea typeface="宋体" panose="02010600030101010101" pitchFamily="2" charset="-122"/>
+                <a:cs typeface="新宋体" panose="02010609030101010101" pitchFamily="49" charset="-122"/>
+              </a:rPr>
+              <a:t>int</a:t>
+            </a:r>
+            <a:r>
+              <a:rPr lang="en-US" altLang="zh-CN" sz="2400" dirty="0">
+                <a:latin typeface="Consolas" panose="020B0609020204030204" pitchFamily="49" charset="0"/>
+                <a:ea typeface="宋体" panose="02010600030101010101" pitchFamily="2" charset="-122"/>
+                <a:cs typeface="新宋体" panose="02010609030101010101" pitchFamily="49" charset="-122"/>
+              </a:rPr>
+              <a:t> </a:t>
+            </a:r>
+            <a:r>
+              <a:rPr lang="en-US" altLang="zh-CN" sz="2400" dirty="0" err="1">
+                <a:solidFill>
+                  <a:srgbClr val="880000"/>
+                </a:solidFill>
+                <a:latin typeface="Consolas" panose="020B0609020204030204" pitchFamily="49" charset="0"/>
+                <a:ea typeface="宋体" panose="02010600030101010101" pitchFamily="2" charset="-122"/>
+                <a:cs typeface="新宋体" panose="02010609030101010101" pitchFamily="49" charset="-122"/>
+              </a:rPr>
+              <a:t>maxPathSum</a:t>
+            </a:r>
+            <a:r>
+              <a:rPr lang="en-US" altLang="zh-CN" sz="2400" dirty="0">
+                <a:latin typeface="Consolas" panose="020B0609020204030204" pitchFamily="49" charset="0"/>
+                <a:ea typeface="宋体" panose="02010600030101010101" pitchFamily="2" charset="-122"/>
+                <a:cs typeface="新宋体" panose="02010609030101010101" pitchFamily="49" charset="-122"/>
+              </a:rPr>
+              <a:t>(</a:t>
+            </a:r>
+            <a:r>
+              <a:rPr lang="en-US" altLang="zh-CN" sz="2400" dirty="0" err="1">
+                <a:solidFill>
+                  <a:srgbClr val="0000FF"/>
+                </a:solidFill>
+                <a:latin typeface="Consolas" panose="020B0609020204030204" pitchFamily="49" charset="0"/>
+                <a:ea typeface="宋体" panose="02010600030101010101" pitchFamily="2" charset="-122"/>
+                <a:cs typeface="新宋体" panose="02010609030101010101" pitchFamily="49" charset="-122"/>
+              </a:rPr>
+              <a:t>TreeNode</a:t>
+            </a:r>
+            <a:r>
+              <a:rPr lang="en-US" altLang="zh-CN" sz="2400" dirty="0">
+                <a:latin typeface="Consolas" panose="020B0609020204030204" pitchFamily="49" charset="0"/>
+                <a:ea typeface="宋体" panose="02010600030101010101" pitchFamily="2" charset="-122"/>
+                <a:cs typeface="新宋体" panose="02010609030101010101" pitchFamily="49" charset="-122"/>
+              </a:rPr>
+              <a:t>* </a:t>
+            </a:r>
+            <a:r>
+              <a:rPr lang="en-US" altLang="zh-CN" sz="2400" dirty="0">
+                <a:solidFill>
+                  <a:srgbClr val="000080"/>
+                </a:solidFill>
+                <a:latin typeface="Consolas" panose="020B0609020204030204" pitchFamily="49" charset="0"/>
+                <a:ea typeface="宋体" panose="02010600030101010101" pitchFamily="2" charset="-122"/>
+                <a:cs typeface="新宋体" panose="02010609030101010101" pitchFamily="49" charset="-122"/>
+              </a:rPr>
+              <a:t>root</a:t>
+            </a:r>
+            <a:r>
+              <a:rPr lang="en-US" altLang="zh-CN" sz="2400" dirty="0">
+                <a:latin typeface="Consolas" panose="020B0609020204030204" pitchFamily="49" charset="0"/>
+                <a:ea typeface="宋体" panose="02010600030101010101" pitchFamily="2" charset="-122"/>
+                <a:cs typeface="新宋体" panose="02010609030101010101" pitchFamily="49" charset="-122"/>
+              </a:rPr>
+              <a:t>) {</a:t>
+            </a:r>
+            <a:endParaRPr lang="zh-CN" altLang="zh-CN" sz="2400" kern="100" dirty="0">
+              <a:latin typeface="Consolas" panose="020B0609020204030204" pitchFamily="49" charset="0"/>
+              <a:ea typeface="宋体" panose="02010600030101010101" pitchFamily="2" charset="-122"/>
+              <a:cs typeface="Times New Roman" panose="02020603050405020304" pitchFamily="18" charset="0"/>
+            </a:endParaRPr>
+          </a:p>
+        </p:txBody>
+      </p:sp>
+      <p:sp>
+        <p:nvSpPr>
+          <p:cNvPr id="23" name="xxxxx">
+            <a:extLst>
+              <a:ext uri="{FF2B5EF4-FFF2-40B4-BE49-F238E27FC236}">
+                <a16:creationId xmlns:a16="http://schemas.microsoft.com/office/drawing/2014/main" id="{1DE1D2A6-21FE-42FD-B363-DE252402292B}"/>
+              </a:ext>
+            </a:extLst>
+          </p:cNvPr>
+          <p:cNvSpPr txBox="1"/>
+          <p:nvPr/>
+        </p:nvSpPr>
+        <p:spPr>
+          <a:xfrm>
+            <a:off x="2356774" y="10546249"/>
+            <a:ext cx="3994683" cy="471924"/>
+          </a:xfrm>
+          <a:prstGeom prst="rect">
+            <a:avLst/>
+          </a:prstGeom>
+          <a:ln w="12700">
+            <a:miter lim="400000"/>
+          </a:ln>
+          <a:extLst>
+            <a:ext uri="{C572A759-6A51-4108-AA02-DFA0A04FC94B}">
+              <ma14:wrappingTextBoxFlag xmlns="" xmlns:m="http://schemas.openxmlformats.org/officeDocument/2006/math" xmlns:a14="http://schemas.microsoft.com/office/drawing/2010/main" xmlns:ma14="http://schemas.microsoft.com/office/mac/drawingml/2011/main" val="1"/>
+            </a:ext>
+          </a:extLst>
+        </p:spPr>
+        <p:txBody>
+          <a:bodyPr wrap="none" lIns="50800" tIns="50800" rIns="50800" bIns="50800" anchor="ctr">
+            <a:spAutoFit/>
+          </a:bodyPr>
+          <a:lstStyle/>
+          <a:p>
+            <a:pPr algn="l"/>
+            <a:r>
+              <a:rPr lang="en-US" altLang="zh-CN" sz="2400" dirty="0">
+                <a:latin typeface="Consolas" panose="020B0609020204030204" pitchFamily="49" charset="0"/>
+                <a:ea typeface="宋体" panose="02010600030101010101" pitchFamily="2" charset="-122"/>
+                <a:cs typeface="新宋体" panose="02010609030101010101" pitchFamily="49" charset="-122"/>
+              </a:rPr>
+              <a:t>	</a:t>
+            </a:r>
+            <a:r>
+              <a:rPr lang="en-US" altLang="zh-CN" sz="2400" dirty="0">
+                <a:solidFill>
+                  <a:srgbClr val="0000FF"/>
+                </a:solidFill>
+                <a:latin typeface="Consolas" panose="020B0609020204030204" pitchFamily="49" charset="0"/>
+                <a:ea typeface="宋体" panose="02010600030101010101" pitchFamily="2" charset="-122"/>
+                <a:cs typeface="新宋体" panose="02010609030101010101" pitchFamily="49" charset="-122"/>
+              </a:rPr>
+              <a:t>int</a:t>
+            </a:r>
+            <a:r>
+              <a:rPr lang="en-US" altLang="zh-CN" sz="2400" dirty="0">
+                <a:latin typeface="Consolas" panose="020B0609020204030204" pitchFamily="49" charset="0"/>
+                <a:ea typeface="宋体" panose="02010600030101010101" pitchFamily="2" charset="-122"/>
+                <a:cs typeface="新宋体" panose="02010609030101010101" pitchFamily="49" charset="-122"/>
+              </a:rPr>
+              <a:t> </a:t>
+            </a:r>
+            <a:r>
+              <a:rPr lang="en-US" altLang="zh-CN" sz="2400" dirty="0" err="1">
+                <a:solidFill>
+                  <a:srgbClr val="000080"/>
+                </a:solidFill>
+                <a:latin typeface="Consolas" panose="020B0609020204030204" pitchFamily="49" charset="0"/>
+                <a:ea typeface="宋体" panose="02010600030101010101" pitchFamily="2" charset="-122"/>
+                <a:cs typeface="新宋体" panose="02010609030101010101" pitchFamily="49" charset="-122"/>
+              </a:rPr>
+              <a:t>val</a:t>
+            </a:r>
+            <a:r>
+              <a:rPr lang="en-US" altLang="zh-CN" sz="2400" dirty="0">
+                <a:latin typeface="Consolas" panose="020B0609020204030204" pitchFamily="49" charset="0"/>
+                <a:ea typeface="宋体" panose="02010600030101010101" pitchFamily="2" charset="-122"/>
+                <a:cs typeface="新宋体" panose="02010609030101010101" pitchFamily="49" charset="-122"/>
+              </a:rPr>
+              <a:t> = </a:t>
+            </a:r>
+            <a:r>
+              <a:rPr lang="en-US" altLang="zh-CN" sz="2400" i="1" dirty="0">
+                <a:solidFill>
+                  <a:srgbClr val="A000A0"/>
+                </a:solidFill>
+                <a:latin typeface="Consolas" panose="020B0609020204030204" pitchFamily="49" charset="0"/>
+                <a:ea typeface="宋体" panose="02010600030101010101" pitchFamily="2" charset="-122"/>
+                <a:cs typeface="新宋体" panose="02010609030101010101" pitchFamily="49" charset="-122"/>
+              </a:rPr>
+              <a:t>INT_MIN</a:t>
+            </a:r>
+            <a:r>
+              <a:rPr lang="en-US" altLang="zh-CN" sz="2400" dirty="0">
+                <a:latin typeface="Consolas" panose="020B0609020204030204" pitchFamily="49" charset="0"/>
+                <a:ea typeface="宋体" panose="02010600030101010101" pitchFamily="2" charset="-122"/>
+                <a:cs typeface="新宋体" panose="02010609030101010101" pitchFamily="49" charset="-122"/>
+              </a:rPr>
+              <a:t>;</a:t>
+            </a:r>
+            <a:endParaRPr lang="zh-CN" altLang="zh-CN" sz="2800" kern="100" dirty="0">
+              <a:latin typeface="Consolas" panose="020B0609020204030204" pitchFamily="49" charset="0"/>
+              <a:ea typeface="宋体" panose="02010600030101010101" pitchFamily="2" charset="-122"/>
+              <a:cs typeface="Times New Roman" panose="02020603050405020304" pitchFamily="18" charset="0"/>
+            </a:endParaRPr>
+          </a:p>
+        </p:txBody>
+      </p:sp>
+      <p:sp>
+        <p:nvSpPr>
+          <p:cNvPr id="24" name="xxxxx">
+            <a:extLst>
+              <a:ext uri="{FF2B5EF4-FFF2-40B4-BE49-F238E27FC236}">
+                <a16:creationId xmlns:a16="http://schemas.microsoft.com/office/drawing/2014/main" id="{ED432F49-2C71-49D7-AE4C-9F8E1F992917}"/>
+              </a:ext>
+            </a:extLst>
+          </p:cNvPr>
+          <p:cNvSpPr txBox="1"/>
+          <p:nvPr/>
+        </p:nvSpPr>
+        <p:spPr>
+          <a:xfrm>
+            <a:off x="2356774" y="11018173"/>
+            <a:ext cx="4674357" cy="471924"/>
+          </a:xfrm>
+          <a:prstGeom prst="rect">
+            <a:avLst/>
+          </a:prstGeom>
+          <a:ln w="12700">
+            <a:miter lim="400000"/>
+          </a:ln>
+          <a:extLst>
+            <a:ext uri="{C572A759-6A51-4108-AA02-DFA0A04FC94B}">
+              <ma14:wrappingTextBoxFlag xmlns="" xmlns:m="http://schemas.openxmlformats.org/officeDocument/2006/math" xmlns:a14="http://schemas.microsoft.com/office/drawing/2010/main" xmlns:ma14="http://schemas.microsoft.com/office/mac/drawingml/2011/main" val="1"/>
+            </a:ext>
+          </a:extLst>
+        </p:spPr>
+        <p:txBody>
+          <a:bodyPr wrap="none" lIns="50800" tIns="50800" rIns="50800" bIns="50800" anchor="ctr">
+            <a:spAutoFit/>
+          </a:bodyPr>
+          <a:lstStyle/>
+          <a:p>
+            <a:pPr algn="l"/>
+            <a:r>
+              <a:rPr lang="en-US" altLang="zh-CN" sz="2400" dirty="0">
+                <a:latin typeface="Consolas" panose="020B0609020204030204" pitchFamily="49" charset="0"/>
+                <a:ea typeface="宋体" panose="02010600030101010101" pitchFamily="2" charset="-122"/>
+                <a:cs typeface="新宋体" panose="02010609030101010101" pitchFamily="49" charset="-122"/>
+              </a:rPr>
+              <a:t>	</a:t>
+            </a:r>
+            <a:r>
+              <a:rPr lang="en-US" altLang="zh-CN" sz="2400" dirty="0" err="1">
+                <a:solidFill>
+                  <a:srgbClr val="880000"/>
+                </a:solidFill>
+                <a:latin typeface="Consolas" panose="020B0609020204030204" pitchFamily="49" charset="0"/>
+                <a:ea typeface="宋体" panose="02010600030101010101" pitchFamily="2" charset="-122"/>
+                <a:cs typeface="新宋体" panose="02010609030101010101" pitchFamily="49" charset="-122"/>
+              </a:rPr>
+              <a:t>maxPathSum</a:t>
+            </a:r>
+            <a:r>
+              <a:rPr lang="en-US" altLang="zh-CN" sz="2400" dirty="0">
+                <a:latin typeface="Consolas" panose="020B0609020204030204" pitchFamily="49" charset="0"/>
+                <a:ea typeface="宋体" panose="02010600030101010101" pitchFamily="2" charset="-122"/>
+                <a:cs typeface="新宋体" panose="02010609030101010101" pitchFamily="49" charset="-122"/>
+              </a:rPr>
+              <a:t>(</a:t>
+            </a:r>
+            <a:r>
+              <a:rPr lang="en-US" altLang="zh-CN" sz="2400" dirty="0">
+                <a:solidFill>
+                  <a:srgbClr val="000080"/>
+                </a:solidFill>
+                <a:latin typeface="Consolas" panose="020B0609020204030204" pitchFamily="49" charset="0"/>
+                <a:ea typeface="宋体" panose="02010600030101010101" pitchFamily="2" charset="-122"/>
+                <a:cs typeface="新宋体" panose="02010609030101010101" pitchFamily="49" charset="-122"/>
+              </a:rPr>
+              <a:t>root</a:t>
+            </a:r>
+            <a:r>
+              <a:rPr lang="en-US" altLang="zh-CN" sz="2400" dirty="0">
+                <a:latin typeface="Consolas" panose="020B0609020204030204" pitchFamily="49" charset="0"/>
+                <a:ea typeface="宋体" panose="02010600030101010101" pitchFamily="2" charset="-122"/>
+                <a:cs typeface="新宋体" panose="02010609030101010101" pitchFamily="49" charset="-122"/>
+              </a:rPr>
+              <a:t>, </a:t>
+            </a:r>
+            <a:r>
+              <a:rPr lang="en-US" altLang="zh-CN" sz="2400" dirty="0" err="1">
+                <a:solidFill>
+                  <a:srgbClr val="000080"/>
+                </a:solidFill>
+                <a:latin typeface="Consolas" panose="020B0609020204030204" pitchFamily="49" charset="0"/>
+                <a:ea typeface="宋体" panose="02010600030101010101" pitchFamily="2" charset="-122"/>
+                <a:cs typeface="新宋体" panose="02010609030101010101" pitchFamily="49" charset="-122"/>
+              </a:rPr>
+              <a:t>val</a:t>
+            </a:r>
+            <a:r>
+              <a:rPr lang="en-US" altLang="zh-CN" sz="2400" dirty="0">
+                <a:latin typeface="Consolas" panose="020B0609020204030204" pitchFamily="49" charset="0"/>
+                <a:ea typeface="宋体" panose="02010600030101010101" pitchFamily="2" charset="-122"/>
+                <a:cs typeface="新宋体" panose="02010609030101010101" pitchFamily="49" charset="-122"/>
+              </a:rPr>
+              <a:t>);</a:t>
+            </a:r>
+            <a:endParaRPr lang="zh-CN" altLang="zh-CN" sz="2800" kern="100" dirty="0">
+              <a:latin typeface="Consolas" panose="020B0609020204030204" pitchFamily="49" charset="0"/>
+              <a:ea typeface="宋体" panose="02010600030101010101" pitchFamily="2" charset="-122"/>
+              <a:cs typeface="Times New Roman" panose="02020603050405020304" pitchFamily="18" charset="0"/>
+            </a:endParaRPr>
+          </a:p>
+        </p:txBody>
+      </p:sp>
+      <p:sp>
+        <p:nvSpPr>
+          <p:cNvPr id="25" name="xxxxx">
+            <a:extLst>
+              <a:ext uri="{FF2B5EF4-FFF2-40B4-BE49-F238E27FC236}">
+                <a16:creationId xmlns:a16="http://schemas.microsoft.com/office/drawing/2014/main" id="{3D2395C9-972A-435A-B980-BEAB3AF203A8}"/>
+              </a:ext>
+            </a:extLst>
+          </p:cNvPr>
+          <p:cNvSpPr txBox="1"/>
+          <p:nvPr/>
+        </p:nvSpPr>
+        <p:spPr>
+          <a:xfrm>
+            <a:off x="2356774" y="11479750"/>
+            <a:ext cx="2805255" cy="471924"/>
+          </a:xfrm>
+          <a:prstGeom prst="rect">
+            <a:avLst/>
+          </a:prstGeom>
+          <a:ln w="12700">
+            <a:miter lim="400000"/>
+          </a:ln>
+          <a:extLst>
+            <a:ext uri="{C572A759-6A51-4108-AA02-DFA0A04FC94B}">
+              <ma14:wrappingTextBoxFlag xmlns="" xmlns:m="http://schemas.openxmlformats.org/officeDocument/2006/math" xmlns:a14="http://schemas.microsoft.com/office/drawing/2010/main" xmlns:ma14="http://schemas.microsoft.com/office/mac/drawingml/2011/main" val="1"/>
+            </a:ext>
+          </a:extLst>
+        </p:spPr>
+        <p:txBody>
+          <a:bodyPr wrap="none" lIns="50800" tIns="50800" rIns="50800" bIns="50800" anchor="ctr">
+            <a:spAutoFit/>
+          </a:bodyPr>
+          <a:lstStyle/>
+          <a:p>
+            <a:pPr algn="l"/>
+            <a:r>
+              <a:rPr lang="en-US" altLang="zh-CN" sz="2400" dirty="0">
+                <a:latin typeface="Consolas" panose="020B0609020204030204" pitchFamily="49" charset="0"/>
+                <a:ea typeface="宋体" panose="02010600030101010101" pitchFamily="2" charset="-122"/>
+                <a:cs typeface="新宋体" panose="02010609030101010101" pitchFamily="49" charset="-122"/>
+              </a:rPr>
+              <a:t>	</a:t>
+            </a:r>
+            <a:r>
+              <a:rPr lang="en-US" altLang="zh-CN" sz="2400" dirty="0">
+                <a:solidFill>
+                  <a:srgbClr val="0000FF"/>
+                </a:solidFill>
+                <a:latin typeface="Consolas" panose="020B0609020204030204" pitchFamily="49" charset="0"/>
+                <a:ea typeface="宋体" panose="02010600030101010101" pitchFamily="2" charset="-122"/>
+                <a:cs typeface="新宋体" panose="02010609030101010101" pitchFamily="49" charset="-122"/>
+              </a:rPr>
+              <a:t>return</a:t>
+            </a:r>
+            <a:r>
+              <a:rPr lang="en-US" altLang="zh-CN" sz="2400" dirty="0">
+                <a:latin typeface="Consolas" panose="020B0609020204030204" pitchFamily="49" charset="0"/>
+                <a:ea typeface="宋体" panose="02010600030101010101" pitchFamily="2" charset="-122"/>
+                <a:cs typeface="新宋体" panose="02010609030101010101" pitchFamily="49" charset="-122"/>
+              </a:rPr>
+              <a:t> </a:t>
+            </a:r>
+            <a:r>
+              <a:rPr lang="en-US" altLang="zh-CN" sz="2400" dirty="0" err="1">
+                <a:solidFill>
+                  <a:srgbClr val="000080"/>
+                </a:solidFill>
+                <a:latin typeface="Consolas" panose="020B0609020204030204" pitchFamily="49" charset="0"/>
+                <a:cs typeface="新宋体" panose="02010609030101010101" pitchFamily="49" charset="-122"/>
+              </a:rPr>
+              <a:t>val</a:t>
+            </a:r>
+            <a:r>
+              <a:rPr lang="en-US" altLang="zh-CN" sz="2400" dirty="0">
+                <a:latin typeface="Consolas" panose="020B0609020204030204" pitchFamily="49" charset="0"/>
+                <a:ea typeface="宋体" panose="02010600030101010101" pitchFamily="2" charset="-122"/>
+                <a:cs typeface="新宋体" panose="02010609030101010101" pitchFamily="49" charset="-122"/>
+              </a:rPr>
+              <a:t>;</a:t>
+            </a:r>
+            <a:endParaRPr lang="zh-CN" altLang="zh-CN" sz="2400" kern="100" dirty="0">
+              <a:latin typeface="Consolas" panose="020B0609020204030204" pitchFamily="49" charset="0"/>
+              <a:ea typeface="宋体" panose="02010600030101010101" pitchFamily="2" charset="-122"/>
+              <a:cs typeface="Times New Roman" panose="02020603050405020304" pitchFamily="18" charset="0"/>
+            </a:endParaRPr>
+          </a:p>
+        </p:txBody>
+      </p:sp>
+      <p:sp>
+        <p:nvSpPr>
+          <p:cNvPr id="26" name="xxxxx">
+            <a:extLst>
+              <a:ext uri="{FF2B5EF4-FFF2-40B4-BE49-F238E27FC236}">
+                <a16:creationId xmlns:a16="http://schemas.microsoft.com/office/drawing/2014/main" id="{F7D51F30-6D7E-4303-926E-70D4E6D92DA3}"/>
+              </a:ext>
+            </a:extLst>
+          </p:cNvPr>
+          <p:cNvSpPr txBox="1"/>
+          <p:nvPr/>
+        </p:nvSpPr>
+        <p:spPr>
+          <a:xfrm>
+            <a:off x="2356774" y="11951674"/>
+            <a:ext cx="272510" cy="471924"/>
+          </a:xfrm>
+          <a:prstGeom prst="rect">
+            <a:avLst/>
+          </a:prstGeom>
+          <a:ln w="12700">
+            <a:miter lim="400000"/>
+          </a:ln>
+          <a:extLst>
+            <a:ext uri="{C572A759-6A51-4108-AA02-DFA0A04FC94B}">
+              <ma14:wrappingTextBoxFlag xmlns="" xmlns:m="http://schemas.openxmlformats.org/officeDocument/2006/math" xmlns:a14="http://schemas.microsoft.com/office/drawing/2010/main" xmlns:ma14="http://schemas.microsoft.com/office/mac/drawingml/2011/main" val="1"/>
+            </a:ext>
+          </a:extLst>
+        </p:spPr>
+        <p:txBody>
+          <a:bodyPr wrap="none" lIns="50800" tIns="50800" rIns="50800" bIns="50800" anchor="ctr">
+            <a:spAutoFit/>
+          </a:bodyPr>
+          <a:lstStyle/>
+          <a:p>
+            <a:pPr algn="l"/>
+            <a:r>
+              <a:rPr lang="en-US" altLang="zh-CN" sz="2400" dirty="0">
+                <a:latin typeface="Consolas" panose="020B0609020204030204" pitchFamily="49" charset="0"/>
+                <a:ea typeface="宋体" panose="02010600030101010101" pitchFamily="2" charset="-122"/>
+                <a:cs typeface="新宋体" panose="02010609030101010101" pitchFamily="49" charset="-122"/>
+              </a:rPr>
+              <a:t>}</a:t>
+            </a:r>
+            <a:endParaRPr lang="zh-CN" altLang="zh-CN" sz="2400" kern="100" dirty="0">
+              <a:latin typeface="Consolas" panose="020B0609020204030204" pitchFamily="49" charset="0"/>
+              <a:ea typeface="宋体" panose="02010600030101010101" pitchFamily="2" charset="-122"/>
+              <a:cs typeface="Times New Roman" panose="02020603050405020304" pitchFamily="18" charset="0"/>
+            </a:endParaRPr>
+          </a:p>
+        </p:txBody>
+      </p:sp>
+    </p:spTree>
+    <p:extLst>
+      <p:ext uri="{BB962C8B-B14F-4D97-AF65-F5344CB8AC3E}">
+        <p14:creationId xmlns:p14="http://schemas.microsoft.com/office/powerpoint/2010/main" val="1092599694"/>
+      </p:ext>
+    </p:extLst>
+  </p:cSld>
+  <p:clrMapOvr>
+    <a:masterClrMapping/>
+  </p:clrMapOvr>
+  <p:transition spd="med"/>
+  <p:timing>
+    <p:tnLst>
+      <p:par>
+        <p:cTn id="1" dur="indefinite" restart="never" nodeType="tmRoot">
+          <p:childTnLst>
+            <p:seq concurrent="1" nextAc="seek">
+              <p:cTn id="2" dur="indefinite" nodeType="mainSeq">
+                <p:childTnLst>
+                  <p:par>
+                    <p:cTn id="3" fill="hold">
+                      <p:stCondLst>
+                        <p:cond delay="indefinite"/>
+                      </p:stCondLst>
+                      <p:childTnLst>
+                        <p:par>
+                          <p:cTn id="4" fill="hold">
+                            <p:stCondLst>
+                              <p:cond delay="0"/>
+                            </p:stCondLst>
+                            <p:childTnLst>
+                              <p:par>
+                                <p:cTn id="5" presetID="1" presetClass="entr" presetSubtype="0" fill="hold" grpId="0" nodeType="clickEffect">
+                                  <p:stCondLst>
+                                    <p:cond delay="0"/>
+                                  </p:stCondLst>
+                                  <p:childTnLst>
+                                    <p:set>
+                                      <p:cBhvr>
+                                        <p:cTn id="6" dur="1" fill="hold">
+                                          <p:stCondLst>
+                                            <p:cond delay="0"/>
+                                          </p:stCondLst>
+                                        </p:cTn>
+                                        <p:tgtEl>
+                                          <p:spTgt spid="122"/>
+                                        </p:tgtEl>
+                                        <p:attrNameLst>
+                                          <p:attrName>style.visibility</p:attrName>
+                                        </p:attrNameLst>
+                                      </p:cBhvr>
+                                      <p:to>
+                                        <p:strVal val="visible"/>
+                                      </p:to>
+                                    </p:set>
+                                  </p:childTnLst>
+                                </p:cTn>
+                              </p:par>
+                              <p:par>
+                                <p:cTn id="7" presetID="1" presetClass="entr" presetSubtype="0" fill="hold" grpId="0" nodeType="withEffect">
+                                  <p:stCondLst>
+                                    <p:cond delay="0"/>
+                                  </p:stCondLst>
+                                  <p:childTnLst>
+                                    <p:set>
+                                      <p:cBhvr>
+                                        <p:cTn id="8" dur="1" fill="hold">
+                                          <p:stCondLst>
+                                            <p:cond delay="0"/>
+                                          </p:stCondLst>
+                                        </p:cTn>
+                                        <p:tgtEl>
+                                          <p:spTgt spid="21"/>
+                                        </p:tgtEl>
+                                        <p:attrNameLst>
+                                          <p:attrName>style.visibility</p:attrName>
+                                        </p:attrNameLst>
+                                      </p:cBhvr>
+                                      <p:to>
+                                        <p:strVal val="visible"/>
+                                      </p:to>
+                                    </p:set>
+                                  </p:childTnLst>
+                                </p:cTn>
+                              </p:par>
+                            </p:childTnLst>
+                          </p:cTn>
+                        </p:par>
+                      </p:childTnLst>
+                    </p:cTn>
+                  </p:par>
+                  <p:par>
+                    <p:cTn id="9" fill="hold">
+                      <p:stCondLst>
+                        <p:cond delay="indefinite"/>
+                      </p:stCondLst>
+                      <p:childTnLst>
+                        <p:par>
+                          <p:cTn id="10" fill="hold">
+                            <p:stCondLst>
+                              <p:cond delay="0"/>
+                            </p:stCondLst>
+                            <p:childTnLst>
+                              <p:par>
+                                <p:cTn id="11" presetID="1" presetClass="entr" presetSubtype="0" fill="hold" grpId="0" nodeType="clickEffect">
+                                  <p:stCondLst>
+                                    <p:cond delay="0"/>
+                                  </p:stCondLst>
+                                  <p:childTnLst>
+                                    <p:set>
+                                      <p:cBhvr>
+                                        <p:cTn id="12" dur="1" fill="hold">
+                                          <p:stCondLst>
+                                            <p:cond delay="0"/>
+                                          </p:stCondLst>
+                                        </p:cTn>
+                                        <p:tgtEl>
+                                          <p:spTgt spid="10"/>
+                                        </p:tgtEl>
+                                        <p:attrNameLst>
+                                          <p:attrName>style.visibility</p:attrName>
+                                        </p:attrNameLst>
+                                      </p:cBhvr>
+                                      <p:to>
+                                        <p:strVal val="visible"/>
+                                      </p:to>
+                                    </p:set>
+                                  </p:childTnLst>
+                                </p:cTn>
+                              </p:par>
+                            </p:childTnLst>
+                          </p:cTn>
+                        </p:par>
+                      </p:childTnLst>
+                    </p:cTn>
+                  </p:par>
+                  <p:par>
+                    <p:cTn id="13" fill="hold">
+                      <p:stCondLst>
+                        <p:cond delay="indefinite"/>
+                      </p:stCondLst>
+                      <p:childTnLst>
+                        <p:par>
+                          <p:cTn id="14" fill="hold">
+                            <p:stCondLst>
+                              <p:cond delay="0"/>
+                            </p:stCondLst>
+                            <p:childTnLst>
+                              <p:par>
+                                <p:cTn id="15" presetID="1" presetClass="entr" presetSubtype="0" fill="hold" grpId="0" nodeType="clickEffect">
+                                  <p:stCondLst>
+                                    <p:cond delay="0"/>
+                                  </p:stCondLst>
+                                  <p:childTnLst>
+                                    <p:set>
+                                      <p:cBhvr>
+                                        <p:cTn id="16" dur="1" fill="hold">
+                                          <p:stCondLst>
+                                            <p:cond delay="0"/>
+                                          </p:stCondLst>
+                                        </p:cTn>
+                                        <p:tgtEl>
+                                          <p:spTgt spid="13"/>
+                                        </p:tgtEl>
+                                        <p:attrNameLst>
+                                          <p:attrName>style.visibility</p:attrName>
+                                        </p:attrNameLst>
+                                      </p:cBhvr>
+                                      <p:to>
+                                        <p:strVal val="visible"/>
+                                      </p:to>
+                                    </p:set>
+                                  </p:childTnLst>
+                                </p:cTn>
+                              </p:par>
+                              <p:par>
+                                <p:cTn id="17" presetID="1" presetClass="entr" presetSubtype="0" fill="hold" grpId="0" nodeType="withEffect">
+                                  <p:stCondLst>
+                                    <p:cond delay="0"/>
+                                  </p:stCondLst>
+                                  <p:childTnLst>
+                                    <p:set>
+                                      <p:cBhvr>
+                                        <p:cTn id="18" dur="1" fill="hold">
+                                          <p:stCondLst>
+                                            <p:cond delay="0"/>
+                                          </p:stCondLst>
+                                        </p:cTn>
+                                        <p:tgtEl>
+                                          <p:spTgt spid="14"/>
+                                        </p:tgtEl>
+                                        <p:attrNameLst>
+                                          <p:attrName>style.visibility</p:attrName>
+                                        </p:attrNameLst>
+                                      </p:cBhvr>
+                                      <p:to>
+                                        <p:strVal val="visible"/>
+                                      </p:to>
+                                    </p:set>
+                                  </p:childTnLst>
+                                </p:cTn>
+                              </p:par>
+                            </p:childTnLst>
+                          </p:cTn>
+                        </p:par>
+                      </p:childTnLst>
+                    </p:cTn>
+                  </p:par>
+                  <p:par>
+                    <p:cTn id="19" fill="hold">
+                      <p:stCondLst>
+                        <p:cond delay="indefinite"/>
+                      </p:stCondLst>
+                      <p:childTnLst>
+                        <p:par>
+                          <p:cTn id="20" fill="hold">
+                            <p:stCondLst>
+                              <p:cond delay="0"/>
+                            </p:stCondLst>
+                            <p:childTnLst>
+                              <p:par>
+                                <p:cTn id="21" presetID="1" presetClass="entr" presetSubtype="0" fill="hold" grpId="0" nodeType="clickEffect">
+                                  <p:stCondLst>
+                                    <p:cond delay="0"/>
+                                  </p:stCondLst>
+                                  <p:childTnLst>
+                                    <p:set>
+                                      <p:cBhvr>
+                                        <p:cTn id="22" dur="1" fill="hold">
+                                          <p:stCondLst>
+                                            <p:cond delay="0"/>
+                                          </p:stCondLst>
+                                        </p:cTn>
+                                        <p:tgtEl>
+                                          <p:spTgt spid="15"/>
+                                        </p:tgtEl>
+                                        <p:attrNameLst>
+                                          <p:attrName>style.visibility</p:attrName>
+                                        </p:attrNameLst>
+                                      </p:cBhvr>
+                                      <p:to>
+                                        <p:strVal val="visible"/>
+                                      </p:to>
+                                    </p:set>
+                                  </p:childTnLst>
+                                </p:cTn>
+                              </p:par>
+                            </p:childTnLst>
+                          </p:cTn>
+                        </p:par>
+                      </p:childTnLst>
+                    </p:cTn>
+                  </p:par>
+                  <p:par>
+                    <p:cTn id="23" fill="hold">
+                      <p:stCondLst>
+                        <p:cond delay="indefinite"/>
+                      </p:stCondLst>
+                      <p:childTnLst>
+                        <p:par>
+                          <p:cTn id="24" fill="hold">
+                            <p:stCondLst>
+                              <p:cond delay="0"/>
+                            </p:stCondLst>
+                            <p:childTnLst>
+                              <p:par>
+                                <p:cTn id="25" presetID="1" presetClass="entr" presetSubtype="0" fill="hold" grpId="0" nodeType="clickEffect">
+                                  <p:stCondLst>
+                                    <p:cond delay="0"/>
+                                  </p:stCondLst>
+                                  <p:childTnLst>
+                                    <p:set>
+                                      <p:cBhvr>
+                                        <p:cTn id="26" dur="1" fill="hold">
+                                          <p:stCondLst>
+                                            <p:cond delay="0"/>
+                                          </p:stCondLst>
+                                        </p:cTn>
+                                        <p:tgtEl>
+                                          <p:spTgt spid="18"/>
+                                        </p:tgtEl>
+                                        <p:attrNameLst>
+                                          <p:attrName>style.visibility</p:attrName>
+                                        </p:attrNameLst>
+                                      </p:cBhvr>
+                                      <p:to>
+                                        <p:strVal val="visible"/>
+                                      </p:to>
+                                    </p:set>
+                                  </p:childTnLst>
+                                </p:cTn>
+                              </p:par>
+                            </p:childTnLst>
+                          </p:cTn>
+                        </p:par>
+                      </p:childTnLst>
+                    </p:cTn>
+                  </p:par>
+                  <p:par>
+                    <p:cTn id="27" fill="hold">
+                      <p:stCondLst>
+                        <p:cond delay="indefinite"/>
+                      </p:stCondLst>
+                      <p:childTnLst>
+                        <p:par>
+                          <p:cTn id="28" fill="hold">
+                            <p:stCondLst>
+                              <p:cond delay="0"/>
+                            </p:stCondLst>
+                            <p:childTnLst>
+                              <p:par>
+                                <p:cTn id="29" presetID="1" presetClass="entr" presetSubtype="0" fill="hold" grpId="0" nodeType="clickEffect">
+                                  <p:stCondLst>
+                                    <p:cond delay="0"/>
+                                  </p:stCondLst>
+                                  <p:childTnLst>
+                                    <p:set>
+                                      <p:cBhvr>
+                                        <p:cTn id="30" dur="1" fill="hold">
+                                          <p:stCondLst>
+                                            <p:cond delay="0"/>
+                                          </p:stCondLst>
+                                        </p:cTn>
+                                        <p:tgtEl>
+                                          <p:spTgt spid="19"/>
+                                        </p:tgtEl>
+                                        <p:attrNameLst>
+                                          <p:attrName>style.visibility</p:attrName>
+                                        </p:attrNameLst>
+                                      </p:cBhvr>
+                                      <p:to>
+                                        <p:strVal val="visible"/>
+                                      </p:to>
+                                    </p:set>
+                                  </p:childTnLst>
+                                </p:cTn>
+                              </p:par>
+                            </p:childTnLst>
+                          </p:cTn>
+                        </p:par>
+                      </p:childTnLst>
+                    </p:cTn>
+                  </p:par>
+                  <p:par>
+                    <p:cTn id="31" fill="hold">
+                      <p:stCondLst>
+                        <p:cond delay="indefinite"/>
+                      </p:stCondLst>
+                      <p:childTnLst>
+                        <p:par>
+                          <p:cTn id="32" fill="hold">
+                            <p:stCondLst>
+                              <p:cond delay="0"/>
+                            </p:stCondLst>
+                            <p:childTnLst>
+                              <p:par>
+                                <p:cTn id="33" presetID="1" presetClass="entr" presetSubtype="0" fill="hold" grpId="0" nodeType="clickEffect">
+                                  <p:stCondLst>
+                                    <p:cond delay="0"/>
+                                  </p:stCondLst>
+                                  <p:childTnLst>
+                                    <p:set>
+                                      <p:cBhvr>
+                                        <p:cTn id="34" dur="1" fill="hold">
+                                          <p:stCondLst>
+                                            <p:cond delay="0"/>
+                                          </p:stCondLst>
+                                        </p:cTn>
+                                        <p:tgtEl>
+                                          <p:spTgt spid="20"/>
+                                        </p:tgtEl>
+                                        <p:attrNameLst>
+                                          <p:attrName>style.visibility</p:attrName>
+                                        </p:attrNameLst>
+                                      </p:cBhvr>
+                                      <p:to>
+                                        <p:strVal val="visible"/>
+                                      </p:to>
+                                    </p:set>
+                                  </p:childTnLst>
+                                </p:cTn>
+                              </p:par>
+                            </p:childTnLst>
+                          </p:cTn>
+                        </p:par>
+                      </p:childTnLst>
+                    </p:cTn>
+                  </p:par>
+                  <p:par>
+                    <p:cTn id="35" fill="hold">
+                      <p:stCondLst>
+                        <p:cond delay="indefinite"/>
+                      </p:stCondLst>
+                      <p:childTnLst>
+                        <p:par>
+                          <p:cTn id="36" fill="hold">
+                            <p:stCondLst>
+                              <p:cond delay="0"/>
+                            </p:stCondLst>
+                            <p:childTnLst>
+                              <p:par>
+                                <p:cTn id="37" presetID="1" presetClass="entr" presetSubtype="0" fill="hold" grpId="0" nodeType="clickEffect">
+                                  <p:stCondLst>
+                                    <p:cond delay="0"/>
+                                  </p:stCondLst>
+                                  <p:childTnLst>
+                                    <p:set>
+                                      <p:cBhvr>
+                                        <p:cTn id="38" dur="1" fill="hold">
+                                          <p:stCondLst>
+                                            <p:cond delay="0"/>
+                                          </p:stCondLst>
+                                        </p:cTn>
+                                        <p:tgtEl>
+                                          <p:spTgt spid="22"/>
+                                        </p:tgtEl>
+                                        <p:attrNameLst>
+                                          <p:attrName>style.visibility</p:attrName>
+                                        </p:attrNameLst>
+                                      </p:cBhvr>
+                                      <p:to>
+                                        <p:strVal val="visible"/>
+                                      </p:to>
+                                    </p:set>
+                                  </p:childTnLst>
+                                </p:cTn>
+                              </p:par>
+                              <p:par>
+                                <p:cTn id="39" presetID="1" presetClass="entr" presetSubtype="0" fill="hold" grpId="0" nodeType="withEffect">
+                                  <p:stCondLst>
+                                    <p:cond delay="0"/>
+                                  </p:stCondLst>
+                                  <p:childTnLst>
+                                    <p:set>
+                                      <p:cBhvr>
+                                        <p:cTn id="40" dur="1" fill="hold">
+                                          <p:stCondLst>
+                                            <p:cond delay="0"/>
+                                          </p:stCondLst>
+                                        </p:cTn>
+                                        <p:tgtEl>
+                                          <p:spTgt spid="26"/>
+                                        </p:tgtEl>
+                                        <p:attrNameLst>
+                                          <p:attrName>style.visibility</p:attrName>
+                                        </p:attrNameLst>
+                                      </p:cBhvr>
+                                      <p:to>
+                                        <p:strVal val="visible"/>
+                                      </p:to>
+                                    </p:set>
+                                  </p:childTnLst>
+                                </p:cTn>
+                              </p:par>
+                              <p:par>
+                                <p:cTn id="41" presetID="1" presetClass="entr" presetSubtype="0" fill="hold" grpId="0" nodeType="withEffect">
+                                  <p:stCondLst>
+                                    <p:cond delay="0"/>
+                                  </p:stCondLst>
+                                  <p:childTnLst>
+                                    <p:set>
+                                      <p:cBhvr>
+                                        <p:cTn id="42" dur="1" fill="hold">
+                                          <p:stCondLst>
+                                            <p:cond delay="0"/>
+                                          </p:stCondLst>
+                                        </p:cTn>
+                                        <p:tgtEl>
+                                          <p:spTgt spid="23"/>
+                                        </p:tgtEl>
+                                        <p:attrNameLst>
+                                          <p:attrName>style.visibility</p:attrName>
+                                        </p:attrNameLst>
+                                      </p:cBhvr>
+                                      <p:to>
+                                        <p:strVal val="visible"/>
+                                      </p:to>
+                                    </p:set>
+                                  </p:childTnLst>
+                                </p:cTn>
+                              </p:par>
+                              <p:par>
+                                <p:cTn id="43" presetID="1" presetClass="entr" presetSubtype="0" fill="hold" grpId="0" nodeType="withEffect">
+                                  <p:stCondLst>
+                                    <p:cond delay="0"/>
+                                  </p:stCondLst>
+                                  <p:childTnLst>
+                                    <p:set>
+                                      <p:cBhvr>
+                                        <p:cTn id="44" dur="1" fill="hold">
+                                          <p:stCondLst>
+                                            <p:cond delay="0"/>
+                                          </p:stCondLst>
+                                        </p:cTn>
+                                        <p:tgtEl>
+                                          <p:spTgt spid="24"/>
+                                        </p:tgtEl>
+                                        <p:attrNameLst>
+                                          <p:attrName>style.visibility</p:attrName>
+                                        </p:attrNameLst>
+                                      </p:cBhvr>
+                                      <p:to>
+                                        <p:strVal val="visible"/>
+                                      </p:to>
+                                    </p:set>
+                                  </p:childTnLst>
+                                </p:cTn>
+                              </p:par>
+                              <p:par>
+                                <p:cTn id="45" presetID="1" presetClass="entr" presetSubtype="0" fill="hold" grpId="0" nodeType="withEffect">
+                                  <p:stCondLst>
+                                    <p:cond delay="0"/>
+                                  </p:stCondLst>
+                                  <p:childTnLst>
+                                    <p:set>
+                                      <p:cBhvr>
+                                        <p:cTn id="46" dur="1" fill="hold">
+                                          <p:stCondLst>
+                                            <p:cond delay="0"/>
+                                          </p:stCondLst>
+                                        </p:cTn>
+                                        <p:tgtEl>
+                                          <p:spTgt spid="25"/>
+                                        </p:tgtEl>
+                                        <p:attrNameLst>
+                                          <p:attrName>style.visibility</p:attrName>
+                                        </p:attrNameLst>
+                                      </p:cBhvr>
+                                      <p:to>
+                                        <p:strVal val="visible"/>
+                                      </p:to>
+                                    </p:set>
+                                  </p:childTnLst>
+                                </p:cTn>
+                              </p:par>
+                            </p:childTnLst>
+                          </p:cTn>
+                        </p:par>
+                      </p:childTnLst>
+                    </p:cTn>
+                  </p:par>
+                </p:childTnLst>
+              </p:cTn>
+              <p:prevCondLst>
+                <p:cond evt="onPrev" delay="0">
+                  <p:tgtEl>
+                    <p:sldTgt/>
+                  </p:tgtEl>
+                </p:cond>
+              </p:prevCondLst>
+              <p:nextCondLst>
+                <p:cond evt="onNext" delay="0">
+                  <p:tgtEl>
+                    <p:sldTgt/>
+                  </p:tgtEl>
+                </p:cond>
+              </p:nextCondLst>
+            </p:seq>
+          </p:childTnLst>
+        </p:cTn>
+      </p:par>
+    </p:tnLst>
+    <p:bldLst>
+      <p:bldP spid="122" grpId="0" animBg="1"/>
+      <p:bldP spid="10" grpId="0" animBg="1"/>
+      <p:bldP spid="13" grpId="0" animBg="1"/>
+      <p:bldP spid="14" grpId="0" animBg="1"/>
+      <p:bldP spid="15" grpId="0" animBg="1"/>
+      <p:bldP spid="18" grpId="0" animBg="1"/>
+      <p:bldP spid="19" grpId="0" animBg="1"/>
+      <p:bldP spid="20" grpId="0" animBg="1"/>
+      <p:bldP spid="21" grpId="0" animBg="1"/>
+      <p:bldP spid="22" grpId="0" animBg="1"/>
+      <p:bldP spid="23" grpId="0" animBg="1"/>
+      <p:bldP spid="24" grpId="0" animBg="1"/>
+      <p:bldP spid="25" grpId="0" animBg="1"/>
+      <p:bldP spid="26" grpId="0" animBg="1"/>
+    </p:bldLst>
+  </p:timing>
+</p:sld>
+</file>
+
+<file path=ppt/slides/slide11.xml><?xml version="1.0" encoding="utf-8"?>
+<p:sld xmlns:a="http://schemas.openxmlformats.org/drawingml/2006/main" xmlns:r="http://schemas.openxmlformats.org/officeDocument/2006/relationships" xmlns:p="http://schemas.openxmlformats.org/presentationml/2006/main">
+  <p:cSld>
+    <p:spTree>
+      <p:nvGrpSpPr>
+        <p:cNvPr id="1" name=""/>
+        <p:cNvGrpSpPr/>
+        <p:nvPr/>
+      </p:nvGrpSpPr>
+      <p:grpSpPr>
+        <a:xfrm>
+          <a:off x="0" y="0"/>
+          <a:ext cx="0" cy="0"/>
+          <a:chOff x="0" y="0"/>
+          <a:chExt cx="0" cy="0"/>
+        </a:xfrm>
+      </p:grpSpPr>
+      <p:sp>
+        <p:nvSpPr>
+          <p:cNvPr id="119" name="小标题"/>
+          <p:cNvSpPr txBox="1"/>
+          <p:nvPr/>
+        </p:nvSpPr>
+        <p:spPr>
+          <a:xfrm>
+            <a:off x="1524755" y="1062583"/>
+            <a:ext cx="6718186" cy="872034"/>
+          </a:xfrm>
+          <a:prstGeom prst="rect">
+            <a:avLst/>
+          </a:prstGeom>
+          <a:ln w="12700">
+            <a:miter lim="400000"/>
+          </a:ln>
+          <a:extLst>
+            <a:ext uri="{C572A759-6A51-4108-AA02-DFA0A04FC94B}">
+              <ma14:wrappingTextBoxFlag xmlns="" xmlns:m="http://schemas.openxmlformats.org/officeDocument/2006/math" xmlns:a14="http://schemas.microsoft.com/office/drawing/2010/main" xmlns:ma14="http://schemas.microsoft.com/office/mac/drawingml/2011/main" val="1"/>
             </a:ext>
           </a:extLst>
         </p:spPr>
@@ -4152,7 +6648,7 @@
           </a:ln>
           <a:extLst>
             <a:ext uri="{C572A759-6A51-4108-AA02-DFA0A04FC94B}">
-              <ma14:wrappingTextBoxFlag xmlns:ma14="http://schemas.microsoft.com/office/mac/drawingml/2011/main" xmlns:a14="http://schemas.microsoft.com/office/drawing/2010/main" xmlns:m="http://schemas.openxmlformats.org/officeDocument/2006/math" xmlns="" val="1"/>
+              <ma14:wrappingTextBoxFlag xmlns="" xmlns:m="http://schemas.openxmlformats.org/officeDocument/2006/math" xmlns:a14="http://schemas.microsoft.com/office/drawing/2010/main" xmlns:ma14="http://schemas.microsoft.com/office/mac/drawingml/2011/main" val="1"/>
             </a:ext>
           </a:extLst>
         </p:spPr>
@@ -9258,7 +11754,7 @@
           </a:ln>
           <a:extLst>
             <a:ext uri="{C572A759-6A51-4108-AA02-DFA0A04FC94B}">
-              <ma14:wrappingTextBoxFlag xmlns:ma14="http://schemas.microsoft.com/office/mac/drawingml/2011/main" xmlns:a14="http://schemas.microsoft.com/office/drawing/2010/main" xmlns:m="http://schemas.openxmlformats.org/officeDocument/2006/math" xmlns="" val="1"/>
+              <ma14:wrappingTextBoxFlag xmlns="" xmlns:m="http://schemas.openxmlformats.org/officeDocument/2006/math" xmlns:a14="http://schemas.microsoft.com/office/drawing/2010/main" xmlns:ma14="http://schemas.microsoft.com/office/mac/drawingml/2011/main" val="1"/>
             </a:ext>
           </a:extLst>
         </p:spPr>
@@ -9329,7 +11825,7 @@
           </a:ln>
           <a:extLst>
             <a:ext uri="{C572A759-6A51-4108-AA02-DFA0A04FC94B}">
-              <ma14:wrappingTextBoxFlag xmlns:ma14="http://schemas.microsoft.com/office/mac/drawingml/2011/main" xmlns:a14="http://schemas.microsoft.com/office/drawing/2010/main" xmlns:m="http://schemas.openxmlformats.org/officeDocument/2006/math" xmlns="" val="1"/>
+              <ma14:wrappingTextBoxFlag xmlns="" xmlns:m="http://schemas.openxmlformats.org/officeDocument/2006/math" xmlns:a14="http://schemas.microsoft.com/office/drawing/2010/main" xmlns:ma14="http://schemas.microsoft.com/office/mac/drawingml/2011/main" val="1"/>
             </a:ext>
           </a:extLst>
         </p:spPr>
@@ -9374,7 +11870,7 @@
           </a:ln>
           <a:extLst>
             <a:ext uri="{C572A759-6A51-4108-AA02-DFA0A04FC94B}">
-              <ma14:wrappingTextBoxFlag xmlns:ma14="http://schemas.microsoft.com/office/mac/drawingml/2011/main" xmlns:a14="http://schemas.microsoft.com/office/drawing/2010/main" xmlns:m="http://schemas.openxmlformats.org/officeDocument/2006/math" xmlns="" val="1"/>
+              <ma14:wrappingTextBoxFlag xmlns="" xmlns:m="http://schemas.openxmlformats.org/officeDocument/2006/math" xmlns:a14="http://schemas.microsoft.com/office/drawing/2010/main" xmlns:ma14="http://schemas.microsoft.com/office/mac/drawingml/2011/main" val="1"/>
             </a:ext>
           </a:extLst>
         </p:spPr>
@@ -9459,7 +11955,7 @@
           </a:ln>
           <a:extLst>
             <a:ext uri="{C572A759-6A51-4108-AA02-DFA0A04FC94B}">
-              <ma14:wrappingTextBoxFlag xmlns:ma14="http://schemas.microsoft.com/office/mac/drawingml/2011/main" xmlns:a14="http://schemas.microsoft.com/office/drawing/2010/main" xmlns:m="http://schemas.openxmlformats.org/officeDocument/2006/math" xmlns="" val="1"/>
+              <ma14:wrappingTextBoxFlag xmlns="" xmlns:m="http://schemas.openxmlformats.org/officeDocument/2006/math" xmlns:a14="http://schemas.microsoft.com/office/drawing/2010/main" xmlns:ma14="http://schemas.microsoft.com/office/mac/drawingml/2011/main" val="1"/>
             </a:ext>
           </a:extLst>
         </p:spPr>
@@ -10029,7 +12525,7 @@
           </a:ln>
           <a:extLst>
             <a:ext uri="{C572A759-6A51-4108-AA02-DFA0A04FC94B}">
-              <ma14:wrappingTextBoxFlag xmlns:ma14="http://schemas.microsoft.com/office/mac/drawingml/2011/main" xmlns:a14="http://schemas.microsoft.com/office/drawing/2010/main" xmlns:m="http://schemas.openxmlformats.org/officeDocument/2006/math" xmlns="" val="1"/>
+              <ma14:wrappingTextBoxFlag xmlns="" xmlns:m="http://schemas.openxmlformats.org/officeDocument/2006/math" xmlns:a14="http://schemas.microsoft.com/office/drawing/2010/main" xmlns:ma14="http://schemas.microsoft.com/office/mac/drawingml/2011/main" val="1"/>
             </a:ext>
           </a:extLst>
         </p:spPr>
@@ -10100,7 +12596,7 @@
           </a:ln>
           <a:extLst>
             <a:ext uri="{C572A759-6A51-4108-AA02-DFA0A04FC94B}">
-              <ma14:wrappingTextBoxFlag xmlns:ma14="http://schemas.microsoft.com/office/mac/drawingml/2011/main" xmlns:a14="http://schemas.microsoft.com/office/drawing/2010/main" xmlns:m="http://schemas.openxmlformats.org/officeDocument/2006/math" xmlns="" val="1"/>
+              <ma14:wrappingTextBoxFlag xmlns="" xmlns:m="http://schemas.openxmlformats.org/officeDocument/2006/math" xmlns:a14="http://schemas.microsoft.com/office/drawing/2010/main" xmlns:ma14="http://schemas.microsoft.com/office/mac/drawingml/2011/main" val="1"/>
             </a:ext>
           </a:extLst>
         </p:spPr>
@@ -10146,7 +12642,7 @@
           </a:ln>
           <a:extLst>
             <a:ext uri="{C572A759-6A51-4108-AA02-DFA0A04FC94B}">
-              <ma14:wrappingTextBoxFlag xmlns:ma14="http://schemas.microsoft.com/office/mac/drawingml/2011/main" xmlns:a14="http://schemas.microsoft.com/office/drawing/2010/main" xmlns:m="http://schemas.openxmlformats.org/officeDocument/2006/math" xmlns="" val="1"/>
+              <ma14:wrappingTextBoxFlag xmlns="" xmlns:m="http://schemas.openxmlformats.org/officeDocument/2006/math" xmlns:a14="http://schemas.microsoft.com/office/drawing/2010/main" xmlns:ma14="http://schemas.microsoft.com/office/mac/drawingml/2011/main" val="1"/>
             </a:ext>
           </a:extLst>
         </p:spPr>
@@ -10193,7 +12689,7 @@
           </a:ln>
           <a:extLst>
             <a:ext uri="{C572A759-6A51-4108-AA02-DFA0A04FC94B}">
-              <ma14:wrappingTextBoxFlag xmlns:ma14="http://schemas.microsoft.com/office/mac/drawingml/2011/main" xmlns:a14="http://schemas.microsoft.com/office/drawing/2010/main" xmlns:m="http://schemas.openxmlformats.org/officeDocument/2006/math" xmlns="" val="1"/>
+              <ma14:wrappingTextBoxFlag xmlns="" xmlns:m="http://schemas.openxmlformats.org/officeDocument/2006/math" xmlns:a14="http://schemas.microsoft.com/office/drawing/2010/main" xmlns:ma14="http://schemas.microsoft.com/office/mac/drawingml/2011/main" val="1"/>
             </a:ext>
           </a:extLst>
         </p:spPr>
@@ -10246,7 +12742,7 @@
           </a:ln>
           <a:extLst>
             <a:ext uri="{C572A759-6A51-4108-AA02-DFA0A04FC94B}">
-              <ma14:wrappingTextBoxFlag xmlns:ma14="http://schemas.microsoft.com/office/mac/drawingml/2011/main" xmlns:a14="http://schemas.microsoft.com/office/drawing/2010/main" xmlns:m="http://schemas.openxmlformats.org/officeDocument/2006/math" xmlns="" val="1"/>
+              <ma14:wrappingTextBoxFlag xmlns="" xmlns:m="http://schemas.openxmlformats.org/officeDocument/2006/math" xmlns:a14="http://schemas.microsoft.com/office/drawing/2010/main" xmlns:ma14="http://schemas.microsoft.com/office/mac/drawingml/2011/main" val="1"/>
             </a:ext>
           </a:extLst>
         </p:spPr>
@@ -11094,7 +13590,7 @@
           </a:ln>
           <a:extLst>
             <a:ext uri="{C572A759-6A51-4108-AA02-DFA0A04FC94B}">
-              <ma14:wrappingTextBoxFlag xmlns:ma14="http://schemas.microsoft.com/office/mac/drawingml/2011/main" xmlns:a14="http://schemas.microsoft.com/office/drawing/2010/main" xmlns:m="http://schemas.openxmlformats.org/officeDocument/2006/math" xmlns="" val="1"/>
+              <ma14:wrappingTextBoxFlag xmlns="" xmlns:m="http://schemas.openxmlformats.org/officeDocument/2006/math" xmlns:a14="http://schemas.microsoft.com/office/drawing/2010/main" xmlns:ma14="http://schemas.microsoft.com/office/mac/drawingml/2011/main" val="1"/>
             </a:ext>
           </a:extLst>
         </p:spPr>
@@ -11165,7 +13661,7 @@
           </a:ln>
           <a:extLst>
             <a:ext uri="{C572A759-6A51-4108-AA02-DFA0A04FC94B}">
-              <ma14:wrappingTextBoxFlag xmlns:ma14="http://schemas.microsoft.com/office/mac/drawingml/2011/main" xmlns:a14="http://schemas.microsoft.com/office/drawing/2010/main" xmlns:m="http://schemas.openxmlformats.org/officeDocument/2006/math" xmlns="" val="1"/>
+              <ma14:wrappingTextBoxFlag xmlns="" xmlns:m="http://schemas.openxmlformats.org/officeDocument/2006/math" xmlns:a14="http://schemas.microsoft.com/office/drawing/2010/main" xmlns:ma14="http://schemas.microsoft.com/office/mac/drawingml/2011/main" val="1"/>
             </a:ext>
           </a:extLst>
         </p:spPr>
@@ -11207,7 +13703,7 @@
           </a:ln>
           <a:extLst>
             <a:ext uri="{C572A759-6A51-4108-AA02-DFA0A04FC94B}">
-              <ma14:wrappingTextBoxFlag xmlns:ma14="http://schemas.microsoft.com/office/mac/drawingml/2011/main" xmlns:a14="http://schemas.microsoft.com/office/drawing/2010/main" xmlns:m="http://schemas.openxmlformats.org/officeDocument/2006/math" xmlns="" val="1"/>
+              <ma14:wrappingTextBoxFlag xmlns="" xmlns:m="http://schemas.openxmlformats.org/officeDocument/2006/math" xmlns:a14="http://schemas.microsoft.com/office/drawing/2010/main" xmlns:ma14="http://schemas.microsoft.com/office/mac/drawingml/2011/main" val="1"/>
             </a:ext>
           </a:extLst>
         </p:spPr>
@@ -11254,7 +13750,7 @@
           </a:ln>
           <a:extLst>
             <a:ext uri="{C572A759-6A51-4108-AA02-DFA0A04FC94B}">
-              <ma14:wrappingTextBoxFlag xmlns:ma14="http://schemas.microsoft.com/office/mac/drawingml/2011/main" xmlns:a14="http://schemas.microsoft.com/office/drawing/2010/main" xmlns:m="http://schemas.openxmlformats.org/officeDocument/2006/math" xmlns="" val="1"/>
+              <ma14:wrappingTextBoxFlag xmlns="" xmlns:m="http://schemas.openxmlformats.org/officeDocument/2006/math" xmlns:a14="http://schemas.microsoft.com/office/drawing/2010/main" xmlns:ma14="http://schemas.microsoft.com/office/mac/drawingml/2011/main" val="1"/>
             </a:ext>
           </a:extLst>
         </p:spPr>
@@ -11307,7 +13803,7 @@
           </a:ln>
           <a:extLst>
             <a:ext uri="{C572A759-6A51-4108-AA02-DFA0A04FC94B}">
-              <ma14:wrappingTextBoxFlag xmlns:ma14="http://schemas.microsoft.com/office/mac/drawingml/2011/main" xmlns:a14="http://schemas.microsoft.com/office/drawing/2010/main" xmlns:m="http://schemas.openxmlformats.org/officeDocument/2006/math" xmlns="" val="1"/>
+              <ma14:wrappingTextBoxFlag xmlns="" xmlns:m="http://schemas.openxmlformats.org/officeDocument/2006/math" xmlns:a14="http://schemas.microsoft.com/office/drawing/2010/main" xmlns:ma14="http://schemas.microsoft.com/office/mac/drawingml/2011/main" val="1"/>
             </a:ext>
           </a:extLst>
         </p:spPr>
@@ -11360,7 +13856,7 @@
           </a:ln>
           <a:extLst>
             <a:ext uri="{C572A759-6A51-4108-AA02-DFA0A04FC94B}">
-              <ma14:wrappingTextBoxFlag xmlns:ma14="http://schemas.microsoft.com/office/mac/drawingml/2011/main" xmlns:a14="http://schemas.microsoft.com/office/drawing/2010/main" xmlns:m="http://schemas.openxmlformats.org/officeDocument/2006/math" xmlns="" val="1"/>
+              <ma14:wrappingTextBoxFlag xmlns="" xmlns:m="http://schemas.openxmlformats.org/officeDocument/2006/math" xmlns:a14="http://schemas.microsoft.com/office/drawing/2010/main" xmlns:ma14="http://schemas.microsoft.com/office/mac/drawingml/2011/main" val="1"/>
             </a:ext>
           </a:extLst>
         </p:spPr>
@@ -12044,7 +14540,7 @@
           </a:ln>
           <a:extLst>
             <a:ext uri="{C572A759-6A51-4108-AA02-DFA0A04FC94B}">
-              <ma14:wrappingTextBoxFlag xmlns:ma14="http://schemas.microsoft.com/office/mac/drawingml/2011/main" xmlns:a14="http://schemas.microsoft.com/office/drawing/2010/main" xmlns:m="http://schemas.openxmlformats.org/officeDocument/2006/math" xmlns="" val="1"/>
+              <ma14:wrappingTextBoxFlag xmlns="" xmlns:m="http://schemas.openxmlformats.org/officeDocument/2006/math" xmlns:a14="http://schemas.microsoft.com/office/drawing/2010/main" xmlns:ma14="http://schemas.microsoft.com/office/mac/drawingml/2011/main" val="1"/>
             </a:ext>
           </a:extLst>
         </p:spPr>
@@ -12115,7 +14611,7 @@
           </a:ln>
           <a:extLst>
             <a:ext uri="{C572A759-6A51-4108-AA02-DFA0A04FC94B}">
-              <ma14:wrappingTextBoxFlag xmlns:ma14="http://schemas.microsoft.com/office/mac/drawingml/2011/main" xmlns:a14="http://schemas.microsoft.com/office/drawing/2010/main" xmlns:m="http://schemas.openxmlformats.org/officeDocument/2006/math" xmlns="" val="1"/>
+              <ma14:wrappingTextBoxFlag xmlns="" xmlns:m="http://schemas.openxmlformats.org/officeDocument/2006/math" xmlns:a14="http://schemas.microsoft.com/office/drawing/2010/main" xmlns:ma14="http://schemas.microsoft.com/office/mac/drawingml/2011/main" val="1"/>
             </a:ext>
           </a:extLst>
         </p:spPr>
@@ -12157,7 +14653,7 @@
           </a:ln>
           <a:extLst>
             <a:ext uri="{C572A759-6A51-4108-AA02-DFA0A04FC94B}">
-              <ma14:wrappingTextBoxFlag xmlns:ma14="http://schemas.microsoft.com/office/mac/drawingml/2011/main" xmlns:a14="http://schemas.microsoft.com/office/drawing/2010/main" xmlns:m="http://schemas.openxmlformats.org/officeDocument/2006/math" xmlns="" val="1"/>
+              <ma14:wrappingTextBoxFlag xmlns="" xmlns:m="http://schemas.openxmlformats.org/officeDocument/2006/math" xmlns:a14="http://schemas.microsoft.com/office/drawing/2010/main" xmlns:ma14="http://schemas.microsoft.com/office/mac/drawingml/2011/main" val="1"/>
             </a:ext>
           </a:extLst>
         </p:spPr>
@@ -12204,7 +14700,7 @@
           </a:ln>
           <a:extLst>
             <a:ext uri="{C572A759-6A51-4108-AA02-DFA0A04FC94B}">
-              <ma14:wrappingTextBoxFlag xmlns:ma14="http://schemas.microsoft.com/office/mac/drawingml/2011/main" xmlns:a14="http://schemas.microsoft.com/office/drawing/2010/main" xmlns:m="http://schemas.openxmlformats.org/officeDocument/2006/math" xmlns="" val="1"/>
+              <ma14:wrappingTextBoxFlag xmlns="" xmlns:m="http://schemas.openxmlformats.org/officeDocument/2006/math" xmlns:a14="http://schemas.microsoft.com/office/drawing/2010/main" xmlns:ma14="http://schemas.microsoft.com/office/mac/drawingml/2011/main" val="1"/>
             </a:ext>
           </a:extLst>
         </p:spPr>
@@ -12257,7 +14753,7 @@
           </a:ln>
           <a:extLst>
             <a:ext uri="{C572A759-6A51-4108-AA02-DFA0A04FC94B}">
-              <ma14:wrappingTextBoxFlag xmlns:ma14="http://schemas.microsoft.com/office/mac/drawingml/2011/main" xmlns:a14="http://schemas.microsoft.com/office/drawing/2010/main" xmlns:m="http://schemas.openxmlformats.org/officeDocument/2006/math" xmlns="" val="1"/>
+              <ma14:wrappingTextBoxFlag xmlns="" xmlns:m="http://schemas.openxmlformats.org/officeDocument/2006/math" xmlns:a14="http://schemas.microsoft.com/office/drawing/2010/main" xmlns:ma14="http://schemas.microsoft.com/office/mac/drawingml/2011/main" val="1"/>
             </a:ext>
           </a:extLst>
         </p:spPr>
@@ -12306,7 +14802,7 @@
           </a:ln>
           <a:extLst>
             <a:ext uri="{C572A759-6A51-4108-AA02-DFA0A04FC94B}">
-              <ma14:wrappingTextBoxFlag xmlns:ma14="http://schemas.microsoft.com/office/mac/drawingml/2011/main" xmlns:a14="http://schemas.microsoft.com/office/drawing/2010/main" xmlns:m="http://schemas.openxmlformats.org/officeDocument/2006/math" xmlns="" val="1"/>
+              <ma14:wrappingTextBoxFlag xmlns="" xmlns:m="http://schemas.openxmlformats.org/officeDocument/2006/math" xmlns:a14="http://schemas.microsoft.com/office/drawing/2010/main" xmlns:ma14="http://schemas.microsoft.com/office/mac/drawingml/2011/main" val="1"/>
             </a:ext>
           </a:extLst>
         </p:spPr>
@@ -13484,7 +15980,7 @@
           </a:ln>
           <a:extLst>
             <a:ext uri="{C572A759-6A51-4108-AA02-DFA0A04FC94B}">
-              <ma14:wrappingTextBoxFlag xmlns:ma14="http://schemas.microsoft.com/office/mac/drawingml/2011/main" xmlns:a14="http://schemas.microsoft.com/office/drawing/2010/main" xmlns:m="http://schemas.openxmlformats.org/officeDocument/2006/math" xmlns="" val="1"/>
+              <ma14:wrappingTextBoxFlag xmlns="" xmlns:m="http://schemas.openxmlformats.org/officeDocument/2006/math" xmlns:a14="http://schemas.microsoft.com/office/drawing/2010/main" xmlns:ma14="http://schemas.microsoft.com/office/mac/drawingml/2011/main" val="1"/>
             </a:ext>
           </a:extLst>
         </p:spPr>
@@ -13555,7 +16051,7 @@
           </a:ln>
           <a:extLst>
             <a:ext uri="{C572A759-6A51-4108-AA02-DFA0A04FC94B}">
-              <ma14:wrappingTextBoxFlag xmlns:ma14="http://schemas.microsoft.com/office/mac/drawingml/2011/main" xmlns:a14="http://schemas.microsoft.com/office/drawing/2010/main" xmlns:m="http://schemas.openxmlformats.org/officeDocument/2006/math" xmlns="" val="1"/>
+              <ma14:wrappingTextBoxFlag xmlns="" xmlns:m="http://schemas.openxmlformats.org/officeDocument/2006/math" xmlns:a14="http://schemas.microsoft.com/office/drawing/2010/main" xmlns:ma14="http://schemas.microsoft.com/office/mac/drawingml/2011/main" val="1"/>
             </a:ext>
           </a:extLst>
         </p:spPr>
@@ -13601,7 +16097,7 @@
           </a:ln>
           <a:extLst>
             <a:ext uri="{C572A759-6A51-4108-AA02-DFA0A04FC94B}">
-              <ma14:wrappingTextBoxFlag xmlns:ma14="http://schemas.microsoft.com/office/mac/drawingml/2011/main" xmlns:a14="http://schemas.microsoft.com/office/drawing/2010/main" xmlns:m="http://schemas.openxmlformats.org/officeDocument/2006/math" xmlns="" val="1"/>
+              <ma14:wrappingTextBoxFlag xmlns="" xmlns:m="http://schemas.openxmlformats.org/officeDocument/2006/math" xmlns:a14="http://schemas.microsoft.com/office/drawing/2010/main" xmlns:ma14="http://schemas.microsoft.com/office/mac/drawingml/2011/main" val="1"/>
             </a:ext>
           </a:extLst>
         </p:spPr>
@@ -13648,7 +16144,7 @@
           </a:ln>
           <a:extLst>
             <a:ext uri="{C572A759-6A51-4108-AA02-DFA0A04FC94B}">
-              <ma14:wrappingTextBoxFlag xmlns:ma14="http://schemas.microsoft.com/office/mac/drawingml/2011/main" xmlns:a14="http://schemas.microsoft.com/office/drawing/2010/main" xmlns:m="http://schemas.openxmlformats.org/officeDocument/2006/math" xmlns="" val="1"/>
+              <ma14:wrappingTextBoxFlag xmlns="" xmlns:m="http://schemas.openxmlformats.org/officeDocument/2006/math" xmlns:a14="http://schemas.microsoft.com/office/drawing/2010/main" xmlns:ma14="http://schemas.microsoft.com/office/mac/drawingml/2011/main" val="1"/>
             </a:ext>
           </a:extLst>
         </p:spPr>
@@ -13701,7 +16197,7 @@
           </a:ln>
           <a:extLst>
             <a:ext uri="{C572A759-6A51-4108-AA02-DFA0A04FC94B}">
-              <ma14:wrappingTextBoxFlag xmlns:ma14="http://schemas.microsoft.com/office/mac/drawingml/2011/main" xmlns:a14="http://schemas.microsoft.com/office/drawing/2010/main" xmlns:m="http://schemas.openxmlformats.org/officeDocument/2006/math" xmlns="" val="1"/>
+              <ma14:wrappingTextBoxFlag xmlns="" xmlns:m="http://schemas.openxmlformats.org/officeDocument/2006/math" xmlns:a14="http://schemas.microsoft.com/office/drawing/2010/main" xmlns:ma14="http://schemas.microsoft.com/office/mac/drawingml/2011/main" val="1"/>
             </a:ext>
           </a:extLst>
         </p:spPr>
@@ -13754,7 +16250,7 @@
           </a:ln>
           <a:extLst>
             <a:ext uri="{C572A759-6A51-4108-AA02-DFA0A04FC94B}">
-              <ma14:wrappingTextBoxFlag xmlns:ma14="http://schemas.microsoft.com/office/mac/drawingml/2011/main" xmlns:a14="http://schemas.microsoft.com/office/drawing/2010/main" xmlns:m="http://schemas.openxmlformats.org/officeDocument/2006/math" xmlns="" val="1"/>
+              <ma14:wrappingTextBoxFlag xmlns="" xmlns:m="http://schemas.openxmlformats.org/officeDocument/2006/math" xmlns:a14="http://schemas.microsoft.com/office/drawing/2010/main" xmlns:ma14="http://schemas.microsoft.com/office/mac/drawingml/2011/main" val="1"/>
             </a:ext>
           </a:extLst>
         </p:spPr>
@@ -13979,7 +16475,7 @@
           </a:ln>
           <a:extLst>
             <a:ext uri="{C572A759-6A51-4108-AA02-DFA0A04FC94B}">
-              <ma14:wrappingTextBoxFlag xmlns:ma14="http://schemas.microsoft.com/office/mac/drawingml/2011/main" xmlns:a14="http://schemas.microsoft.com/office/drawing/2010/main" xmlns:m="http://schemas.openxmlformats.org/officeDocument/2006/math" xmlns="" val="1"/>
+              <ma14:wrappingTextBoxFlag xmlns="" xmlns:m="http://schemas.openxmlformats.org/officeDocument/2006/math" xmlns:a14="http://schemas.microsoft.com/office/drawing/2010/main" xmlns:ma14="http://schemas.microsoft.com/office/mac/drawingml/2011/main" val="1"/>
             </a:ext>
           </a:extLst>
         </p:spPr>
@@ -14032,7 +16528,7 @@
           </a:ln>
           <a:extLst>
             <a:ext uri="{C572A759-6A51-4108-AA02-DFA0A04FC94B}">
-              <ma14:wrappingTextBoxFlag xmlns:ma14="http://schemas.microsoft.com/office/mac/drawingml/2011/main" xmlns:a14="http://schemas.microsoft.com/office/drawing/2010/main" xmlns:m="http://schemas.openxmlformats.org/officeDocument/2006/math" xmlns="" val="1"/>
+              <ma14:wrappingTextBoxFlag xmlns="" xmlns:m="http://schemas.openxmlformats.org/officeDocument/2006/math" xmlns:a14="http://schemas.microsoft.com/office/drawing/2010/main" xmlns:ma14="http://schemas.microsoft.com/office/mac/drawingml/2011/main" val="1"/>
             </a:ext>
           </a:extLst>
         </p:spPr>
@@ -14093,7 +16589,7 @@
           </a:ln>
           <a:extLst>
             <a:ext uri="{C572A759-6A51-4108-AA02-DFA0A04FC94B}">
-              <ma14:wrappingTextBoxFlag xmlns:ma14="http://schemas.microsoft.com/office/mac/drawingml/2011/main" xmlns:a14="http://schemas.microsoft.com/office/drawing/2010/main" xmlns:m="http://schemas.openxmlformats.org/officeDocument/2006/math" xmlns="" val="1"/>
+              <ma14:wrappingTextBoxFlag xmlns="" xmlns:m="http://schemas.openxmlformats.org/officeDocument/2006/math" xmlns:a14="http://schemas.microsoft.com/office/drawing/2010/main" xmlns:ma14="http://schemas.microsoft.com/office/mac/drawingml/2011/main" val="1"/>
             </a:ext>
           </a:extLst>
         </p:spPr>
@@ -15127,7 +17623,7 @@
           </a:ln>
           <a:extLst>
             <a:ext uri="{C572A759-6A51-4108-AA02-DFA0A04FC94B}">
-              <ma14:wrappingTextBoxFlag xmlns:ma14="http://schemas.microsoft.com/office/mac/drawingml/2011/main" xmlns:a14="http://schemas.microsoft.com/office/drawing/2010/main" xmlns:m="http://schemas.openxmlformats.org/officeDocument/2006/math" xmlns="" val="1"/>
+              <ma14:wrappingTextBoxFlag xmlns="" xmlns:m="http://schemas.openxmlformats.org/officeDocument/2006/math" xmlns:a14="http://schemas.microsoft.com/office/drawing/2010/main" xmlns:ma14="http://schemas.microsoft.com/office/mac/drawingml/2011/main" val="1"/>
             </a:ext>
           </a:extLst>
         </p:spPr>
@@ -15198,7 +17694,7 @@
           </a:ln>
           <a:extLst>
             <a:ext uri="{C572A759-6A51-4108-AA02-DFA0A04FC94B}">
-              <ma14:wrappingTextBoxFlag xmlns:ma14="http://schemas.microsoft.com/office/mac/drawingml/2011/main" xmlns:a14="http://schemas.microsoft.com/office/drawing/2010/main" xmlns:m="http://schemas.openxmlformats.org/officeDocument/2006/math" xmlns="" val="1"/>
+              <ma14:wrappingTextBoxFlag xmlns="" xmlns:m="http://schemas.openxmlformats.org/officeDocument/2006/math" xmlns:a14="http://schemas.microsoft.com/office/drawing/2010/main" xmlns:ma14="http://schemas.microsoft.com/office/mac/drawingml/2011/main" val="1"/>
             </a:ext>
           </a:extLst>
         </p:spPr>
@@ -15250,7 +17746,7 @@
           </a:ln>
           <a:extLst>
             <a:ext uri="{C572A759-6A51-4108-AA02-DFA0A04FC94B}">
-              <ma14:wrappingTextBoxFlag xmlns:ma14="http://schemas.microsoft.com/office/mac/drawingml/2011/main" xmlns:a14="http://schemas.microsoft.com/office/drawing/2010/main" xmlns:m="http://schemas.openxmlformats.org/officeDocument/2006/math" xmlns="" val="1"/>
+              <ma14:wrappingTextBoxFlag xmlns="" xmlns:m="http://schemas.openxmlformats.org/officeDocument/2006/math" xmlns:a14="http://schemas.microsoft.com/office/drawing/2010/main" xmlns:ma14="http://schemas.microsoft.com/office/mac/drawingml/2011/main" val="1"/>
             </a:ext>
           </a:extLst>
         </p:spPr>
@@ -15299,7 +17795,7 @@
         <p:spPr>
           <a:xfrm>
             <a:off x="1534496" y="5972001"/>
-            <a:ext cx="5809283" cy="641201"/>
+            <a:ext cx="15234940" cy="641201"/>
           </a:xfrm>
           <a:prstGeom prst="rect">
             <a:avLst/>
@@ -15309,7 +17805,7 @@
           </a:ln>
           <a:extLst>
             <a:ext uri="{C572A759-6A51-4108-AA02-DFA0A04FC94B}">
-              <ma14:wrappingTextBoxFlag xmlns:ma14="http://schemas.microsoft.com/office/mac/drawingml/2011/main" xmlns:a14="http://schemas.microsoft.com/office/drawing/2010/main" xmlns:m="http://schemas.openxmlformats.org/officeDocument/2006/math" xmlns="" val="1"/>
+              <ma14:wrappingTextBoxFlag xmlns="" xmlns:m="http://schemas.openxmlformats.org/officeDocument/2006/math" xmlns:a14="http://schemas.microsoft.com/office/drawing/2010/main" xmlns:ma14="http://schemas.microsoft.com/office/mac/drawingml/2011/main" val="1"/>
             </a:ext>
           </a:extLst>
         </p:spPr>
@@ -15331,9 +17827,8 @@
             </a:pPr>
             <a:r>
               <a:rPr lang="zh-CN" altLang="en-US" dirty="0"/>
-              <a:t>递归的传入参数为：节点</a:t>
-            </a:r>
-            <a:endParaRPr lang="en-US" altLang="zh-CN" dirty="0"/>
+              <a:t>目的：传入一个节点，得到它通往下方的最大路径和（向下路径最大和）</a:t>
+            </a:r>
           </a:p>
         </p:txBody>
       </p:sp>
@@ -15352,7 +17847,7 @@
         <p:spPr>
           <a:xfrm>
             <a:off x="1534496" y="6794488"/>
-            <a:ext cx="12990736" cy="641201"/>
+            <a:ext cx="4416274" cy="641201"/>
           </a:xfrm>
           <a:prstGeom prst="rect">
             <a:avLst/>
@@ -15362,7 +17857,7 @@
           </a:ln>
           <a:extLst>
             <a:ext uri="{C572A759-6A51-4108-AA02-DFA0A04FC94B}">
-              <ma14:wrappingTextBoxFlag xmlns:ma14="http://schemas.microsoft.com/office/mac/drawingml/2011/main" xmlns:a14="http://schemas.microsoft.com/office/drawing/2010/main" xmlns:m="http://schemas.openxmlformats.org/officeDocument/2006/math" xmlns="" val="1"/>
+              <ma14:wrappingTextBoxFlag xmlns="" xmlns:m="http://schemas.openxmlformats.org/officeDocument/2006/math" xmlns:a14="http://schemas.microsoft.com/office/drawing/2010/main" xmlns:ma14="http://schemas.microsoft.com/office/mac/drawingml/2011/main" val="1"/>
             </a:ext>
           </a:extLst>
         </p:spPr>
@@ -15384,9 +17879,21 @@
             </a:pPr>
             <a:r>
               <a:rPr lang="zh-CN" altLang="en-US" dirty="0"/>
-              <a:t>目的：得到从这个节点通往下方的最大路径和（联络最大和）</a:t>
-            </a:r>
-            <a:endParaRPr dirty="0"/>
+              <a:t>也就是情况 </a:t>
+            </a:r>
+            <a:r>
+              <a:rPr lang="en-US" altLang="zh-CN" dirty="0"/>
+              <a:t>2 </a:t>
+            </a:r>
+            <a:r>
+              <a:rPr lang="zh-CN" altLang="en-US" dirty="0"/>
+              <a:t>和 </a:t>
+            </a:r>
+            <a:r>
+              <a:rPr lang="en-US" altLang="zh-CN" dirty="0"/>
+              <a:t>3</a:t>
+            </a:r>
+            <a:endParaRPr lang="zh-CN" altLang="en-US" dirty="0"/>
           </a:p>
         </p:txBody>
       </p:sp>
@@ -15405,7 +17912,7 @@
         <p:spPr>
           <a:xfrm>
             <a:off x="1524755" y="7616975"/>
-            <a:ext cx="4462760" cy="641201"/>
+            <a:ext cx="2667397" cy="641201"/>
           </a:xfrm>
           <a:prstGeom prst="rect">
             <a:avLst/>
@@ -15415,7 +17922,7 @@
           </a:ln>
           <a:extLst>
             <a:ext uri="{C572A759-6A51-4108-AA02-DFA0A04FC94B}">
-              <ma14:wrappingTextBoxFlag xmlns:ma14="http://schemas.microsoft.com/office/mac/drawingml/2011/main" xmlns:a14="http://schemas.microsoft.com/office/drawing/2010/main" xmlns:m="http://schemas.openxmlformats.org/officeDocument/2006/math" xmlns="" val="1"/>
+              <ma14:wrappingTextBoxFlag xmlns="" xmlns:m="http://schemas.openxmlformats.org/officeDocument/2006/math" xmlns:a14="http://schemas.microsoft.com/office/drawing/2010/main" xmlns:ma14="http://schemas.microsoft.com/office/mac/drawingml/2011/main" val="1"/>
             </a:ext>
           </a:extLst>
         </p:spPr>
@@ -15437,21 +17944,8 @@
             </a:pPr>
             <a:r>
               <a:rPr lang="zh-CN" altLang="en-US" dirty="0"/>
-              <a:t>也就是情况 </a:t>
-            </a:r>
-            <a:r>
-              <a:rPr lang="en-US" altLang="zh-CN" dirty="0"/>
-              <a:t>2 </a:t>
-            </a:r>
-            <a:r>
-              <a:rPr lang="zh-CN" altLang="en-US" dirty="0"/>
-              <a:t>和 </a:t>
-            </a:r>
-            <a:r>
-              <a:rPr lang="en-US" altLang="zh-CN" dirty="0"/>
-              <a:t>3</a:t>
-            </a:r>
-            <a:endParaRPr lang="zh-CN" altLang="en-US" dirty="0"/>
+              <a:t>实现方法</a:t>
+            </a:r>
           </a:p>
         </p:txBody>
       </p:sp>
@@ -15470,7 +17964,7 @@
         <p:spPr>
           <a:xfrm>
             <a:off x="1534496" y="8439462"/>
-            <a:ext cx="2667397" cy="641201"/>
+            <a:ext cx="9900146" cy="641201"/>
           </a:xfrm>
           <a:prstGeom prst="rect">
             <a:avLst/>
@@ -15480,7 +17974,7 @@
           </a:ln>
           <a:extLst>
             <a:ext uri="{C572A759-6A51-4108-AA02-DFA0A04FC94B}">
-              <ma14:wrappingTextBoxFlag xmlns:ma14="http://schemas.microsoft.com/office/mac/drawingml/2011/main" xmlns:a14="http://schemas.microsoft.com/office/drawing/2010/main" xmlns:m="http://schemas.openxmlformats.org/officeDocument/2006/math" xmlns="" val="1"/>
+              <ma14:wrappingTextBoxFlag xmlns="" xmlns:m="http://schemas.openxmlformats.org/officeDocument/2006/math" xmlns:a14="http://schemas.microsoft.com/office/drawing/2010/main" xmlns:ma14="http://schemas.microsoft.com/office/mac/drawingml/2011/main" val="1"/>
             </a:ext>
           </a:extLst>
         </p:spPr>
@@ -15502,9 +17996,24 @@
             </a:pPr>
             <a:r>
               <a:rPr lang="zh-CN" altLang="en-US" dirty="0"/>
-              <a:t>实现方法</a:t>
-            </a:r>
-            <a:endParaRPr dirty="0"/>
+              <a:t>对 </a:t>
+            </a:r>
+            <a:r>
+              <a:rPr lang="en-US" altLang="zh-CN" dirty="0"/>
+              <a:t>b </a:t>
+            </a:r>
+            <a:r>
+              <a:rPr lang="zh-CN" altLang="en-US" dirty="0"/>
+              <a:t>和 </a:t>
+            </a:r>
+            <a:r>
+              <a:rPr lang="en-US" altLang="zh-CN" dirty="0"/>
+              <a:t>c </a:t>
+            </a:r>
+            <a:r>
+              <a:rPr lang="zh-CN" altLang="en-US" dirty="0"/>
+              <a:t>递归，求出其通往下方的路径最大值</a:t>
+            </a:r>
           </a:p>
         </p:txBody>
       </p:sp>
@@ -15523,7 +18032,7 @@
         <p:spPr>
           <a:xfrm>
             <a:off x="1534496" y="9261949"/>
-            <a:ext cx="9900146" cy="641201"/>
+            <a:ext cx="9101851" cy="641201"/>
           </a:xfrm>
           <a:prstGeom prst="rect">
             <a:avLst/>
@@ -15533,7 +18042,7 @@
           </a:ln>
           <a:extLst>
             <a:ext uri="{C572A759-6A51-4108-AA02-DFA0A04FC94B}">
-              <ma14:wrappingTextBoxFlag xmlns:ma14="http://schemas.microsoft.com/office/mac/drawingml/2011/main" xmlns:a14="http://schemas.microsoft.com/office/drawing/2010/main" xmlns:m="http://schemas.openxmlformats.org/officeDocument/2006/math" xmlns="" val="1"/>
+              <ma14:wrappingTextBoxFlag xmlns="" xmlns:m="http://schemas.openxmlformats.org/officeDocument/2006/math" xmlns:a14="http://schemas.microsoft.com/office/drawing/2010/main" xmlns:ma14="http://schemas.microsoft.com/office/mac/drawingml/2011/main" val="1"/>
             </a:ext>
           </a:extLst>
         </p:spPr>
@@ -15555,11 +18064,11 @@
             </a:pPr>
             <a:r>
               <a:rPr lang="zh-CN" altLang="en-US" dirty="0"/>
-              <a:t>对 </a:t>
+              <a:t>选择 </a:t>
             </a:r>
             <a:r>
               <a:rPr lang="en-US" altLang="zh-CN" dirty="0"/>
-              <a:t>b </a:t>
+              <a:t>b + a </a:t>
             </a:r>
             <a:r>
               <a:rPr lang="zh-CN" altLang="en-US" dirty="0"/>
@@ -15567,82 +18076,12 @@
             </a:r>
             <a:r>
               <a:rPr lang="en-US" altLang="zh-CN" dirty="0"/>
-              <a:t>c </a:t>
-            </a:r>
-            <a:r>
-              <a:rPr lang="zh-CN" altLang="en-US" dirty="0"/>
-              <a:t>递归，求出其通往下方的路径最大值</a:t>
-            </a:r>
-            <a:endParaRPr dirty="0"/>
-          </a:p>
-        </p:txBody>
-      </p:sp>
-      <p:sp>
-        <p:nvSpPr>
-          <p:cNvPr id="14" name="xxxxx">
-            <a:extLst>
-              <a:ext uri="{FF2B5EF4-FFF2-40B4-BE49-F238E27FC236}">
-                <a16:creationId xmlns:a16="http://schemas.microsoft.com/office/drawing/2014/main" id="{1866A1EC-9067-47E1-BE8D-9F1AFE131885}"/>
-              </a:ext>
-            </a:extLst>
-          </p:cNvPr>
-          <p:cNvSpPr txBox="1"/>
-          <p:nvPr/>
-        </p:nvSpPr>
-        <p:spPr>
-          <a:xfrm>
-            <a:off x="1534496" y="10086841"/>
-            <a:ext cx="9101851" cy="641201"/>
-          </a:xfrm>
-          <a:prstGeom prst="rect">
-            <a:avLst/>
-          </a:prstGeom>
-          <a:ln w="12700">
-            <a:miter lim="400000"/>
-          </a:ln>
-          <a:extLst>
-            <a:ext uri="{C572A759-6A51-4108-AA02-DFA0A04FC94B}">
-              <ma14:wrappingTextBoxFlag xmlns:ma14="http://schemas.microsoft.com/office/mac/drawingml/2011/main" xmlns:a14="http://schemas.microsoft.com/office/drawing/2010/main" xmlns:m="http://schemas.openxmlformats.org/officeDocument/2006/math" xmlns="" val="1"/>
-            </a:ext>
-          </a:extLst>
-        </p:spPr>
-        <p:txBody>
-          <a:bodyPr wrap="none" lIns="50800" tIns="50800" rIns="50800" bIns="50800" anchor="ctr">
-            <a:spAutoFit/>
-          </a:bodyPr>
-          <a:lstStyle/>
-          <a:p>
-            <a:pPr marL="762000" lvl="3" indent="-381000" algn="l">
-              <a:buSzPct val="100000"/>
-              <a:buChar char="-"/>
-              <a:defRPr sz="3500" b="0">
-                <a:latin typeface="Helvetica Neue Light"/>
-                <a:ea typeface="Helvetica Neue Light"/>
-                <a:cs typeface="Helvetica Neue Light"/>
-                <a:sym typeface="Helvetica Neue Light"/>
-              </a:defRPr>
-            </a:pPr>
-            <a:r>
-              <a:rPr lang="zh-CN" altLang="en-US" dirty="0"/>
-              <a:t>选择 </a:t>
-            </a:r>
-            <a:r>
-              <a:rPr lang="en-US" altLang="zh-CN" dirty="0"/>
-              <a:t>b + a </a:t>
-            </a:r>
-            <a:r>
-              <a:rPr lang="zh-CN" altLang="en-US" dirty="0"/>
-              <a:t>和 </a:t>
-            </a:r>
-            <a:r>
-              <a:rPr lang="en-US" altLang="zh-CN" dirty="0"/>
               <a:t>c + a </a:t>
             </a:r>
             <a:r>
               <a:rPr lang="zh-CN" altLang="en-US" dirty="0"/>
               <a:t>中较大的值作为返回值</a:t>
             </a:r>
-            <a:endParaRPr dirty="0"/>
           </a:p>
         </p:txBody>
       </p:sp>
@@ -15749,33 +18188,15 @@
                                   </p:childTnLst>
                                 </p:cTn>
                               </p:par>
-                            </p:childTnLst>
-                          </p:cTn>
-                        </p:par>
-                      </p:childTnLst>
-                    </p:cTn>
-                  </p:par>
-                  <p:par>
-                    <p:cTn id="11" fill="hold">
-                      <p:stCondLst>
-                        <p:cond delay="indefinite"/>
-                      </p:stCondLst>
-                      <p:childTnLst>
-                        <p:par>
-                          <p:cTn id="12" fill="hold">
-                            <p:stCondLst>
-                              <p:cond delay="0"/>
-                            </p:stCondLst>
-                            <p:childTnLst>
                               <p:par>
-                                <p:cTn id="13" presetID="1" presetClass="entr" presetSubtype="0" fill="hold" grpId="0" nodeType="clickEffect">
+                                <p:cTn id="11" presetID="1" presetClass="entr" presetSubtype="0" fill="hold" grpId="0" nodeType="withEffect">
                                   <p:stCondLst>
                                     <p:cond delay="0"/>
                                   </p:stCondLst>
                                   <p:childTnLst>
                                     <p:set>
                                       <p:cBhvr>
-                                        <p:cTn id="14" dur="1" fill="hold">
+                                        <p:cTn id="12" dur="1" fill="hold">
                                           <p:stCondLst>
                                             <p:cond delay="0"/>
                                           </p:stCondLst>
@@ -15794,8 +18215,26 @@
                                   </p:childTnLst>
                                 </p:cTn>
                               </p:par>
+                            </p:childTnLst>
+                          </p:cTn>
+                        </p:par>
+                      </p:childTnLst>
+                    </p:cTn>
+                  </p:par>
+                  <p:par>
+                    <p:cTn id="13" fill="hold">
+                      <p:stCondLst>
+                        <p:cond delay="indefinite"/>
+                      </p:stCondLst>
+                      <p:childTnLst>
+                        <p:par>
+                          <p:cTn id="14" fill="hold">
+                            <p:stCondLst>
+                              <p:cond delay="0"/>
+                            </p:stCondLst>
+                            <p:childTnLst>
                               <p:par>
-                                <p:cTn id="15" presetID="1" presetClass="entr" presetSubtype="0" fill="hold" grpId="0" nodeType="withEffect">
+                                <p:cTn id="15" presetID="1" presetClass="entr" presetSubtype="0" fill="hold" grpId="0" nodeType="clickEffect">
                                   <p:stCondLst>
                                     <p:cond delay="0"/>
                                   </p:stCondLst>
@@ -15821,33 +18260,15 @@
                                   </p:childTnLst>
                                 </p:cTn>
                               </p:par>
-                            </p:childTnLst>
-                          </p:cTn>
-                        </p:par>
-                      </p:childTnLst>
-                    </p:cTn>
-                  </p:par>
-                  <p:par>
-                    <p:cTn id="17" fill="hold">
-                      <p:stCondLst>
-                        <p:cond delay="indefinite"/>
-                      </p:stCondLst>
-                      <p:childTnLst>
-                        <p:par>
-                          <p:cTn id="18" fill="hold">
-                            <p:stCondLst>
-                              <p:cond delay="0"/>
-                            </p:stCondLst>
-                            <p:childTnLst>
                               <p:par>
-                                <p:cTn id="19" presetID="1" presetClass="entr" presetSubtype="0" fill="hold" grpId="0" nodeType="clickEffect">
+                                <p:cTn id="17" presetID="1" presetClass="entr" presetSubtype="0" fill="hold" grpId="0" nodeType="withEffect">
                                   <p:stCondLst>
                                     <p:cond delay="0"/>
                                   </p:stCondLst>
                                   <p:childTnLst>
                                     <p:set>
                                       <p:cBhvr>
-                                        <p:cTn id="20" dur="1" fill="hold">
+                                        <p:cTn id="18" dur="1" fill="hold">
                                           <p:stCondLst>
                                             <p:cond delay="0"/>
                                           </p:stCondLst>
@@ -15867,47 +18288,20 @@
                                 </p:cTn>
                               </p:par>
                               <p:par>
-                                <p:cTn id="21" presetID="1" presetClass="entr" presetSubtype="0" fill="hold" grpId="0" nodeType="withEffect">
+                                <p:cTn id="19" presetID="1" presetClass="entr" presetSubtype="0" fill="hold" grpId="0" nodeType="withEffect">
                                   <p:stCondLst>
                                     <p:cond delay="0"/>
                                   </p:stCondLst>
                                   <p:childTnLst>
                                     <p:set>
                                       <p:cBhvr>
-                                        <p:cTn id="22" dur="1" fill="hold">
+                                        <p:cTn id="20" dur="1" fill="hold">
                                           <p:stCondLst>
                                             <p:cond delay="0"/>
                                           </p:stCondLst>
                                         </p:cTn>
                                         <p:tgtEl>
                                           <p:spTgt spid="13"/>
-                                        </p:tgtEl>
-                                        <p:attrNameLst>
-                                          <p:attrName>style.visibility</p:attrName>
-                                        </p:attrNameLst>
-                                      </p:cBhvr>
-                                      <p:to>
-                                        <p:strVal val="visible"/>
-                                      </p:to>
-                                    </p:set>
-                                  </p:childTnLst>
-                                </p:cTn>
-                              </p:par>
-                              <p:par>
-                                <p:cTn id="23" presetID="1" presetClass="entr" presetSubtype="0" fill="hold" grpId="0" nodeType="withEffect">
-                                  <p:stCondLst>
-                                    <p:cond delay="0"/>
-                                  </p:stCondLst>
-                                  <p:childTnLst>
-                                    <p:set>
-                                      <p:cBhvr>
-                                        <p:cTn id="24" dur="1" fill="hold">
-                                          <p:stCondLst>
-                                            <p:cond delay="0"/>
-                                          </p:stCondLst>
-                                        </p:cTn>
-                                        <p:tgtEl>
-                                          <p:spTgt spid="14"/>
                                         </p:tgtEl>
                                         <p:attrNameLst>
                                           <p:attrName>style.visibility</p:attrName>
@@ -15954,7 +18348,6 @@
       <p:bldP spid="8" grpId="0" animBg="1"/>
       <p:bldP spid="12" grpId="0" animBg="1"/>
       <p:bldP spid="13" grpId="0" animBg="1"/>
-      <p:bldP spid="14" grpId="0" animBg="1"/>
     </p:bldLst>
   </p:timing>
 </p:sld>
@@ -15996,7 +18389,7 @@
           </a:ln>
           <a:extLst>
             <a:ext uri="{C572A759-6A51-4108-AA02-DFA0A04FC94B}">
-              <ma14:wrappingTextBoxFlag xmlns:ma14="http://schemas.microsoft.com/office/mac/drawingml/2011/main" xmlns:a14="http://schemas.microsoft.com/office/drawing/2010/main" xmlns:m="http://schemas.openxmlformats.org/officeDocument/2006/math" xmlns="" val="1"/>
+              <ma14:wrappingTextBoxFlag xmlns="" xmlns:m="http://schemas.openxmlformats.org/officeDocument/2006/math" xmlns:a14="http://schemas.microsoft.com/office/drawing/2010/main" xmlns:ma14="http://schemas.microsoft.com/office/mac/drawingml/2011/main" val="1"/>
             </a:ext>
           </a:extLst>
         </p:spPr>
@@ -16067,7 +18460,7 @@
           </a:ln>
           <a:extLst>
             <a:ext uri="{C572A759-6A51-4108-AA02-DFA0A04FC94B}">
-              <ma14:wrappingTextBoxFlag xmlns:ma14="http://schemas.microsoft.com/office/mac/drawingml/2011/main" xmlns:a14="http://schemas.microsoft.com/office/drawing/2010/main" xmlns:m="http://schemas.openxmlformats.org/officeDocument/2006/math" xmlns="" val="1"/>
+              <ma14:wrappingTextBoxFlag xmlns="" xmlns:m="http://schemas.openxmlformats.org/officeDocument/2006/math" xmlns:a14="http://schemas.microsoft.com/office/drawing/2010/main" xmlns:ma14="http://schemas.microsoft.com/office/mac/drawingml/2011/main" val="1"/>
             </a:ext>
           </a:extLst>
         </p:spPr>
@@ -16119,7 +18512,7 @@
           </a:ln>
           <a:extLst>
             <a:ext uri="{C572A759-6A51-4108-AA02-DFA0A04FC94B}">
-              <ma14:wrappingTextBoxFlag xmlns:ma14="http://schemas.microsoft.com/office/mac/drawingml/2011/main" xmlns:a14="http://schemas.microsoft.com/office/drawing/2010/main" xmlns:m="http://schemas.openxmlformats.org/officeDocument/2006/math" xmlns="" val="1"/>
+              <ma14:wrappingTextBoxFlag xmlns="" xmlns:m="http://schemas.openxmlformats.org/officeDocument/2006/math" xmlns:a14="http://schemas.microsoft.com/office/drawing/2010/main" xmlns:ma14="http://schemas.microsoft.com/office/mac/drawingml/2011/main" val="1"/>
             </a:ext>
           </a:extLst>
         </p:spPr>
@@ -16170,7 +18563,7 @@
         <p:spPr>
           <a:xfrm>
             <a:off x="1534496" y="6858752"/>
-            <a:ext cx="8053487" cy="641201"/>
+            <a:ext cx="5809283" cy="641201"/>
           </a:xfrm>
           <a:prstGeom prst="rect">
             <a:avLst/>
@@ -16180,7 +18573,7 @@
           </a:ln>
           <a:extLst>
             <a:ext uri="{C572A759-6A51-4108-AA02-DFA0A04FC94B}">
-              <ma14:wrappingTextBoxFlag xmlns:ma14="http://schemas.microsoft.com/office/mac/drawingml/2011/main" xmlns:a14="http://schemas.microsoft.com/office/drawing/2010/main" xmlns:m="http://schemas.openxmlformats.org/officeDocument/2006/math" xmlns="" val="1"/>
+              <ma14:wrappingTextBoxFlag xmlns="" xmlns:m="http://schemas.openxmlformats.org/officeDocument/2006/math" xmlns:a14="http://schemas.microsoft.com/office/drawing/2010/main" xmlns:ma14="http://schemas.microsoft.com/office/mac/drawingml/2011/main" val="1"/>
             </a:ext>
           </a:extLst>
         </p:spPr>
@@ -16203,7 +18596,7 @@
             </a:pPr>
             <a:r>
               <a:rPr lang="zh-CN" altLang="en-US" dirty="0"/>
-              <a:t>使用一个全局变量来记录全局最大和</a:t>
+              <a:t>在每个递归函数中都计算</a:t>
             </a:r>
             <a:endParaRPr lang="en-US" altLang="zh-CN" dirty="0"/>
           </a:p>
@@ -16234,7 +18627,7 @@
           </a:ln>
           <a:extLst>
             <a:ext uri="{C572A759-6A51-4108-AA02-DFA0A04FC94B}">
-              <ma14:wrappingTextBoxFlag xmlns:ma14="http://schemas.microsoft.com/office/mac/drawingml/2011/main" xmlns:a14="http://schemas.microsoft.com/office/drawing/2010/main" xmlns:m="http://schemas.openxmlformats.org/officeDocument/2006/math" xmlns="" val="1"/>
+              <ma14:wrappingTextBoxFlag xmlns="" xmlns:m="http://schemas.openxmlformats.org/officeDocument/2006/math" xmlns:a14="http://schemas.microsoft.com/office/drawing/2010/main" xmlns:ma14="http://schemas.microsoft.com/office/mac/drawingml/2011/main" val="1"/>
             </a:ext>
           </a:extLst>
         </p:spPr>
@@ -16273,7 +18666,7 @@
         <p:spPr>
           <a:xfrm>
             <a:off x="1534495" y="8503726"/>
-            <a:ext cx="8502328" cy="641201"/>
+            <a:ext cx="8951168" cy="641201"/>
           </a:xfrm>
           <a:prstGeom prst="rect">
             <a:avLst/>
@@ -16283,7 +18676,7 @@
           </a:ln>
           <a:extLst>
             <a:ext uri="{C572A759-6A51-4108-AA02-DFA0A04FC94B}">
-              <ma14:wrappingTextBoxFlag xmlns:ma14="http://schemas.microsoft.com/office/mac/drawingml/2011/main" xmlns:a14="http://schemas.microsoft.com/office/drawing/2010/main" xmlns:m="http://schemas.openxmlformats.org/officeDocument/2006/math" xmlns="" val="1"/>
+              <ma14:wrappingTextBoxFlag xmlns="" xmlns:m="http://schemas.openxmlformats.org/officeDocument/2006/math" xmlns:a14="http://schemas.microsoft.com/office/drawing/2010/main" xmlns:ma14="http://schemas.microsoft.com/office/mac/drawingml/2011/main" val="1"/>
             </a:ext>
           </a:extLst>
         </p:spPr>
@@ -16305,60 +18698,7 @@
             </a:pPr>
             <a:r>
               <a:rPr lang="zh-CN" altLang="en-US" dirty="0"/>
-              <a:t>将全局最大和更新成所有情况的最大值</a:t>
-            </a:r>
-            <a:endParaRPr lang="en-US" altLang="zh-CN" dirty="0"/>
-          </a:p>
-        </p:txBody>
-      </p:sp>
-      <p:sp>
-        <p:nvSpPr>
-          <p:cNvPr id="14" name="xxxxx">
-            <a:extLst>
-              <a:ext uri="{FF2B5EF4-FFF2-40B4-BE49-F238E27FC236}">
-                <a16:creationId xmlns:a16="http://schemas.microsoft.com/office/drawing/2014/main" id="{7880ECCE-5E69-427B-BC9F-A4BEC31A8DB0}"/>
-              </a:ext>
-            </a:extLst>
-          </p:cNvPr>
-          <p:cNvSpPr txBox="1"/>
-          <p:nvPr/>
-        </p:nvSpPr>
-        <p:spPr>
-          <a:xfrm>
-            <a:off x="1524755" y="9326213"/>
-            <a:ext cx="8951168" cy="641201"/>
-          </a:xfrm>
-          <a:prstGeom prst="rect">
-            <a:avLst/>
-          </a:prstGeom>
-          <a:ln w="12700">
-            <a:miter lim="400000"/>
-          </a:ln>
-          <a:extLst>
-            <a:ext uri="{C572A759-6A51-4108-AA02-DFA0A04FC94B}">
-              <ma14:wrappingTextBoxFlag xmlns:ma14="http://schemas.microsoft.com/office/mac/drawingml/2011/main" xmlns:a14="http://schemas.microsoft.com/office/drawing/2010/main" xmlns:m="http://schemas.openxmlformats.org/officeDocument/2006/math" xmlns="" val="1"/>
-            </a:ext>
-          </a:extLst>
-        </p:spPr>
-        <p:txBody>
-          <a:bodyPr wrap="none" lIns="50800" tIns="50800" rIns="50800" bIns="50800" anchor="ctr">
-            <a:spAutoFit/>
-          </a:bodyPr>
-          <a:lstStyle/>
-          <a:p>
-            <a:pPr marL="762000" lvl="3" indent="-381000" algn="l">
-              <a:buSzPct val="100000"/>
-              <a:buChar char="-"/>
-              <a:defRPr sz="3500" b="0">
-                <a:latin typeface="Helvetica Neue Light"/>
-                <a:ea typeface="Helvetica Neue Light"/>
-                <a:cs typeface="Helvetica Neue Light"/>
-                <a:sym typeface="Helvetica Neue Light"/>
-              </a:defRPr>
-            </a:pPr>
-            <a:r>
-              <a:rPr lang="zh-CN" altLang="en-US" dirty="0"/>
-              <a:t>所有情况已处理，最后，返回联络最大和</a:t>
+              <a:t>使用一个全局变量来记录（全局最大和）</a:t>
             </a:r>
             <a:endParaRPr lang="en-US" altLang="zh-CN" dirty="0"/>
           </a:p>
@@ -16389,7 +18729,7 @@
           </a:ln>
           <a:extLst>
             <a:ext uri="{C572A759-6A51-4108-AA02-DFA0A04FC94B}">
-              <ma14:wrappingTextBoxFlag xmlns:ma14="http://schemas.microsoft.com/office/mac/drawingml/2011/main" xmlns:a14="http://schemas.microsoft.com/office/drawing/2010/main" xmlns:m="http://schemas.openxmlformats.org/officeDocument/2006/math" xmlns="" val="1"/>
+              <ma14:wrappingTextBoxFlag xmlns="" xmlns:m="http://schemas.openxmlformats.org/officeDocument/2006/math" xmlns:a14="http://schemas.microsoft.com/office/drawing/2010/main" xmlns:ma14="http://schemas.microsoft.com/office/mac/drawingml/2011/main" val="1"/>
             </a:ext>
           </a:extLst>
         </p:spPr>
@@ -16467,7 +18807,7 @@
           </a:ln>
           <a:extLst>
             <a:ext uri="{C572A759-6A51-4108-AA02-DFA0A04FC94B}">
-              <ma14:wrappingTextBoxFlag xmlns:ma14="http://schemas.microsoft.com/office/mac/drawingml/2011/main" xmlns:a14="http://schemas.microsoft.com/office/drawing/2010/main" xmlns:m="http://schemas.openxmlformats.org/officeDocument/2006/math" xmlns="" val="1"/>
+              <ma14:wrappingTextBoxFlag xmlns="" xmlns:m="http://schemas.openxmlformats.org/officeDocument/2006/math" xmlns:a14="http://schemas.microsoft.com/office/drawing/2010/main" xmlns:ma14="http://schemas.microsoft.com/office/mac/drawingml/2011/main" val="1"/>
             </a:ext>
           </a:extLst>
         </p:spPr>
@@ -16685,51 +19025,6 @@
                       </p:childTnLst>
                     </p:cTn>
                   </p:par>
-                  <p:par>
-                    <p:cTn id="17" fill="hold">
-                      <p:stCondLst>
-                        <p:cond delay="indefinite"/>
-                      </p:stCondLst>
-                      <p:childTnLst>
-                        <p:par>
-                          <p:cTn id="18" fill="hold">
-                            <p:stCondLst>
-                              <p:cond delay="0"/>
-                            </p:stCondLst>
-                            <p:childTnLst>
-                              <p:par>
-                                <p:cTn id="19" presetID="1" presetClass="entr" presetSubtype="0" fill="hold" grpId="0" nodeType="clickEffect">
-                                  <p:stCondLst>
-                                    <p:cond delay="0"/>
-                                  </p:stCondLst>
-                                  <p:childTnLst>
-                                    <p:set>
-                                      <p:cBhvr>
-                                        <p:cTn id="20" dur="1" fill="hold">
-                                          <p:stCondLst>
-                                            <p:cond delay="0"/>
-                                          </p:stCondLst>
-                                        </p:cTn>
-                                        <p:tgtEl>
-                                          <p:spTgt spid="14"/>
-                                        </p:tgtEl>
-                                        <p:attrNameLst>
-                                          <p:attrName>style.visibility</p:attrName>
-                                        </p:attrNameLst>
-                                      </p:cBhvr>
-                                      <p:to>
-                                        <p:strVal val="visible"/>
-                                      </p:to>
-                                    </p:set>
-                                  </p:childTnLst>
-                                </p:cTn>
-                              </p:par>
-                            </p:childTnLst>
-                          </p:cTn>
-                        </p:par>
-                      </p:childTnLst>
-                    </p:cTn>
-                  </p:par>
                 </p:childTnLst>
               </p:cTn>
               <p:prevCondLst>
@@ -16755,7 +19050,6 @@
       <p:bldP spid="11" grpId="0" animBg="1"/>
       <p:bldP spid="16" grpId="0" animBg="1"/>
       <p:bldP spid="13" grpId="0" animBg="1"/>
-      <p:bldP spid="14" grpId="0" animBg="1"/>
       <p:bldP spid="18" grpId="0" animBg="1"/>
       <p:bldP spid="15" grpId="0" animBg="1"/>
     </p:bldLst>
@@ -16799,7 +19093,7 @@
           </a:ln>
           <a:extLst>
             <a:ext uri="{C572A759-6A51-4108-AA02-DFA0A04FC94B}">
-              <ma14:wrappingTextBoxFlag xmlns:ma14="http://schemas.microsoft.com/office/mac/drawingml/2011/main" xmlns:a14="http://schemas.microsoft.com/office/drawing/2010/main" xmlns:m="http://schemas.openxmlformats.org/officeDocument/2006/math" xmlns="" val="1"/>
+              <ma14:wrappingTextBoxFlag xmlns="" xmlns:m="http://schemas.openxmlformats.org/officeDocument/2006/math" xmlns:a14="http://schemas.microsoft.com/office/drawing/2010/main" xmlns:ma14="http://schemas.microsoft.com/office/mac/drawingml/2011/main" val="1"/>
             </a:ext>
           </a:extLst>
         </p:spPr>
@@ -16870,7 +19164,7 @@
           </a:ln>
           <a:extLst>
             <a:ext uri="{C572A759-6A51-4108-AA02-DFA0A04FC94B}">
-              <ma14:wrappingTextBoxFlag xmlns:ma14="http://schemas.microsoft.com/office/mac/drawingml/2011/main" xmlns:a14="http://schemas.microsoft.com/office/drawing/2010/main" xmlns:m="http://schemas.openxmlformats.org/officeDocument/2006/math" xmlns="" val="1"/>
+              <ma14:wrappingTextBoxFlag xmlns="" xmlns:m="http://schemas.openxmlformats.org/officeDocument/2006/math" xmlns:a14="http://schemas.microsoft.com/office/drawing/2010/main" xmlns:ma14="http://schemas.microsoft.com/office/mac/drawingml/2011/main" val="1"/>
             </a:ext>
           </a:extLst>
         </p:spPr>
@@ -16916,7 +19210,7 @@
           </a:ln>
           <a:extLst>
             <a:ext uri="{C572A759-6A51-4108-AA02-DFA0A04FC94B}">
-              <ma14:wrappingTextBoxFlag xmlns:ma14="http://schemas.microsoft.com/office/mac/drawingml/2011/main" xmlns:a14="http://schemas.microsoft.com/office/drawing/2010/main" xmlns:m="http://schemas.openxmlformats.org/officeDocument/2006/math" xmlns="" val="1"/>
+              <ma14:wrappingTextBoxFlag xmlns="" xmlns:m="http://schemas.openxmlformats.org/officeDocument/2006/math" xmlns:a14="http://schemas.microsoft.com/office/drawing/2010/main" xmlns:ma14="http://schemas.microsoft.com/office/mac/drawingml/2011/main" val="1"/>
             </a:ext>
           </a:extLst>
         </p:spPr>
@@ -16972,7 +19266,7 @@
           </a:ln>
           <a:extLst>
             <a:ext uri="{C572A759-6A51-4108-AA02-DFA0A04FC94B}">
-              <ma14:wrappingTextBoxFlag xmlns:ma14="http://schemas.microsoft.com/office/mac/drawingml/2011/main" xmlns:a14="http://schemas.microsoft.com/office/drawing/2010/main" xmlns:m="http://schemas.openxmlformats.org/officeDocument/2006/math" xmlns="" val="1"/>
+              <ma14:wrappingTextBoxFlag xmlns="" xmlns:m="http://schemas.openxmlformats.org/officeDocument/2006/math" xmlns:a14="http://schemas.microsoft.com/office/drawing/2010/main" xmlns:ma14="http://schemas.microsoft.com/office/mac/drawingml/2011/main" val="1"/>
             </a:ext>
           </a:extLst>
         </p:spPr>
@@ -17015,7 +19309,7 @@
         <p:spPr>
           <a:xfrm>
             <a:off x="1534496" y="5972001"/>
-            <a:ext cx="9420849" cy="641201"/>
+            <a:ext cx="10392268" cy="641201"/>
           </a:xfrm>
           <a:prstGeom prst="rect">
             <a:avLst/>
@@ -17025,7 +19319,7 @@
           </a:ln>
           <a:extLst>
             <a:ext uri="{C572A759-6A51-4108-AA02-DFA0A04FC94B}">
-              <ma14:wrappingTextBoxFlag xmlns:ma14="http://schemas.microsoft.com/office/mac/drawingml/2011/main" xmlns:a14="http://schemas.microsoft.com/office/drawing/2010/main" xmlns:m="http://schemas.openxmlformats.org/officeDocument/2006/math" xmlns="" val="1"/>
+              <ma14:wrappingTextBoxFlag xmlns="" xmlns:m="http://schemas.openxmlformats.org/officeDocument/2006/math" xmlns:a14="http://schemas.microsoft.com/office/drawing/2010/main" xmlns:ma14="http://schemas.microsoft.com/office/mac/drawingml/2011/main" val="1"/>
             </a:ext>
           </a:extLst>
         </p:spPr>
@@ -17047,15 +19341,45 @@
             </a:pPr>
             <a:r>
               <a:rPr lang="zh-CN" altLang="en-US" dirty="0"/>
-              <a:t>求最大和，负数能舍弃就舍弃（</a:t>
-            </a:r>
-            <a:r>
-              <a:rPr lang="en-US" altLang="zh-CN" dirty="0"/>
-              <a:t>max(0, x)</a:t>
-            </a:r>
-            <a:r>
-              <a:rPr lang="zh-CN" altLang="en-US" dirty="0"/>
-              <a:t>）</a:t>
+              <a:t>求最大和，负数能舍弃就舍弃，使用 </a:t>
+            </a:r>
+            <a:r>
+              <a:rPr lang="en-US" altLang="zh-CN" sz="3500" i="1" dirty="0">
+                <a:solidFill>
+                  <a:srgbClr val="A000A0"/>
+                </a:solidFill>
+                <a:latin typeface="Consolas" panose="020B0609020204030204" pitchFamily="49" charset="0"/>
+                <a:ea typeface="宋体" panose="02010600030101010101" pitchFamily="2" charset="-122"/>
+                <a:cs typeface="新宋体" panose="02010609030101010101" pitchFamily="49" charset="-122"/>
+              </a:rPr>
+              <a:t>max</a:t>
+            </a:r>
+            <a:r>
+              <a:rPr lang="en-US" altLang="zh-CN" sz="3500" dirty="0">
+                <a:latin typeface="Consolas" panose="020B0609020204030204" pitchFamily="49" charset="0"/>
+                <a:ea typeface="宋体" panose="02010600030101010101" pitchFamily="2" charset="-122"/>
+                <a:cs typeface="新宋体" panose="02010609030101010101" pitchFamily="49" charset="-122"/>
+              </a:rPr>
+              <a:t>(</a:t>
+            </a:r>
+            <a:r>
+              <a:rPr lang="en-US" altLang="zh-CN" sz="3500" dirty="0">
+                <a:solidFill>
+                  <a:srgbClr val="000080"/>
+                </a:solidFill>
+                <a:latin typeface="Consolas" panose="020B0609020204030204" pitchFamily="49" charset="0"/>
+                <a:ea typeface="宋体" panose="02010600030101010101" pitchFamily="2" charset="-122"/>
+                <a:cs typeface="新宋体" panose="02010609030101010101" pitchFamily="49" charset="-122"/>
+              </a:rPr>
+              <a:t>0</a:t>
+            </a:r>
+            <a:r>
+              <a:rPr lang="en-US" altLang="zh-CN" sz="3500" dirty="0">
+                <a:latin typeface="Consolas" panose="020B0609020204030204" pitchFamily="49" charset="0"/>
+                <a:ea typeface="宋体" panose="02010600030101010101" pitchFamily="2" charset="-122"/>
+                <a:cs typeface="新宋体" panose="02010609030101010101" pitchFamily="49" charset="-122"/>
+              </a:rPr>
+              <a:t>, x)</a:t>
             </a:r>
             <a:endParaRPr lang="en-US" altLang="zh-CN" dirty="0"/>
           </a:p>
@@ -17076,7 +19400,7 @@
         <p:spPr>
           <a:xfrm>
             <a:off x="1534496" y="6794488"/>
-            <a:ext cx="7870744" cy="641201"/>
+            <a:ext cx="8885446" cy="641201"/>
           </a:xfrm>
           <a:prstGeom prst="rect">
             <a:avLst/>
@@ -17086,7 +19410,7 @@
           </a:ln>
           <a:extLst>
             <a:ext uri="{C572A759-6A51-4108-AA02-DFA0A04FC94B}">
-              <ma14:wrappingTextBoxFlag xmlns:ma14="http://schemas.microsoft.com/office/mac/drawingml/2011/main" xmlns:a14="http://schemas.microsoft.com/office/drawing/2010/main" xmlns:m="http://schemas.openxmlformats.org/officeDocument/2006/math" xmlns="" val="1"/>
+              <ma14:wrappingTextBoxFlag xmlns="" xmlns:m="http://schemas.openxmlformats.org/officeDocument/2006/math" xmlns:a14="http://schemas.microsoft.com/office/drawing/2010/main" xmlns:ma14="http://schemas.microsoft.com/office/mac/drawingml/2011/main" val="1"/>
             </a:ext>
           </a:extLst>
         </p:spPr>
@@ -17108,11 +19432,19 @@
             </a:pPr>
             <a:r>
               <a:rPr lang="zh-CN" altLang="en-US" dirty="0"/>
-              <a:t>但是无论是继续向上，还是连接 </a:t>
+              <a:t>注意：无论是继续向上，还是连接 </a:t>
             </a:r>
             <a:r>
               <a:rPr lang="en-US" altLang="zh-CN" dirty="0"/>
-              <a:t>b c</a:t>
+              <a:t>b </a:t>
+            </a:r>
+            <a:r>
+              <a:rPr lang="zh-CN" altLang="en-US" dirty="0"/>
+              <a:t>和</a:t>
+            </a:r>
+            <a:r>
+              <a:rPr lang="en-US" altLang="zh-CN" dirty="0"/>
+              <a:t> c</a:t>
             </a:r>
             <a:endParaRPr dirty="0"/>
           </a:p>

--- a/problems/binary-tree-maximum-path-sum/124. binary-tree-maximum-path-sum.pptx
+++ b/problems/binary-tree-maximum-path-sum/124. binary-tree-maximum-path-sum.pptx
@@ -6691,8 +6691,8 @@
         </p:nvSpPr>
         <p:spPr bwMode="auto">
           <a:xfrm>
-            <a:off x="2123588" y="5480545"/>
-            <a:ext cx="7046538" cy="5262979"/>
+            <a:off x="2123587" y="6403874"/>
+            <a:ext cx="7583121" cy="3416320"/>
           </a:xfrm>
           <a:prstGeom prst="rect">
             <a:avLst/>
@@ -6716,37 +6716,199 @@
           </a:bodyPr>
           <a:lstStyle/>
           <a:p>
-            <a:pPr marL="0" marR="0" lvl="0" indent="0" algn="l" defTabSz="914400" rtl="0" eaLnBrk="0" fontAlgn="base" latinLnBrk="0" hangingPunct="0">
-              <a:lnSpc>
-                <a:spcPct val="100000"/>
-              </a:lnSpc>
+            <a:pPr lvl="0" algn="l" defTabSz="914400" eaLnBrk="0" fontAlgn="base">
               <a:spcBef>
                 <a:spcPct val="0"/>
               </a:spcBef>
               <a:spcAft>
                 <a:spcPct val="0"/>
               </a:spcAft>
-              <a:buClrTx/>
-              <a:buSzTx/>
-              <a:buFontTx/>
-              <a:buNone/>
-              <a:tabLst/>
             </a:pPr>
             <a:r>
-              <a:rPr kumimoji="0" lang="zh-CN" altLang="zh-CN" sz="2400" b="1" i="0" u="none" strike="noStrike" cap="none" normalizeH="0" baseline="0" dirty="0">
-                <a:ln>
-                  <a:noFill/>
-                </a:ln>
+              <a:rPr lang="zh-CN" altLang="en-US" sz="2400" dirty="0">
                 <a:solidFill>
                   <a:schemeClr val="tx1"/>
                 </a:solidFill>
-                <a:effectLst/>
-                <a:latin typeface="华文细黑" panose="02010600040101010101" pitchFamily="2" charset="-122"/>
-                <a:ea typeface="华文细黑" panose="02010600040101010101" pitchFamily="2" charset="-122"/>
-              </a:rPr>
-              <a:t>示例 1:</a:t>
-            </a:r>
-            <a:endParaRPr kumimoji="0" lang="en-US" altLang="zh-CN" sz="2400" b="1" i="0" u="none" strike="noStrike" cap="none" normalizeH="0" baseline="0" dirty="0">
+                <a:latin typeface="幼圆" panose="02010509060101010101" pitchFamily="49" charset="-122"/>
+                <a:ea typeface="幼圆" panose="02010509060101010101" pitchFamily="49" charset="-122"/>
+              </a:rPr>
+              <a:t>输入</a:t>
+            </a:r>
+            <a:r>
+              <a:rPr lang="en-US" altLang="zh-CN" sz="2400" dirty="0">
+                <a:solidFill>
+                  <a:schemeClr val="tx1"/>
+                </a:solidFill>
+                <a:latin typeface="幼圆" panose="02010509060101010101" pitchFamily="49" charset="-122"/>
+                <a:ea typeface="幼圆" panose="02010509060101010101" pitchFamily="49" charset="-122"/>
+              </a:rPr>
+              <a:t>: [-10,9,20,null,null,15,7]</a:t>
+            </a:r>
+          </a:p>
+          <a:p>
+            <a:pPr lvl="0" algn="l" defTabSz="914400" eaLnBrk="0" fontAlgn="base">
+              <a:spcBef>
+                <a:spcPct val="0"/>
+              </a:spcBef>
+              <a:spcAft>
+                <a:spcPct val="0"/>
+              </a:spcAft>
+            </a:pPr>
+            <a:endParaRPr lang="en-US" altLang="zh-CN" sz="2400" dirty="0">
+              <a:solidFill>
+                <a:schemeClr val="tx1"/>
+              </a:solidFill>
+              <a:latin typeface="幼圆" panose="02010509060101010101" pitchFamily="49" charset="-122"/>
+              <a:ea typeface="幼圆" panose="02010509060101010101" pitchFamily="49" charset="-122"/>
+            </a:endParaRPr>
+          </a:p>
+          <a:p>
+            <a:pPr lvl="0" algn="l" defTabSz="914400" eaLnBrk="0" fontAlgn="base">
+              <a:spcBef>
+                <a:spcPct val="0"/>
+              </a:spcBef>
+              <a:spcAft>
+                <a:spcPct val="0"/>
+              </a:spcAft>
+            </a:pPr>
+            <a:r>
+              <a:rPr lang="en-US" altLang="zh-CN" sz="2400" dirty="0">
+                <a:solidFill>
+                  <a:schemeClr val="tx1"/>
+                </a:solidFill>
+                <a:latin typeface="幼圆" panose="02010509060101010101" pitchFamily="49" charset="-122"/>
+                <a:ea typeface="幼圆" panose="02010509060101010101" pitchFamily="49" charset="-122"/>
+              </a:rPr>
+              <a:t>    -10</a:t>
+            </a:r>
+          </a:p>
+          <a:p>
+            <a:pPr lvl="0" algn="l" defTabSz="914400" eaLnBrk="0" fontAlgn="base">
+              <a:spcBef>
+                <a:spcPct val="0"/>
+              </a:spcBef>
+              <a:spcAft>
+                <a:spcPct val="0"/>
+              </a:spcAft>
+            </a:pPr>
+            <a:r>
+              <a:rPr lang="en-US" altLang="zh-CN" sz="2400" dirty="0">
+                <a:solidFill>
+                  <a:schemeClr val="tx1"/>
+                </a:solidFill>
+                <a:latin typeface="幼圆" panose="02010509060101010101" pitchFamily="49" charset="-122"/>
+                <a:ea typeface="幼圆" panose="02010509060101010101" pitchFamily="49" charset="-122"/>
+              </a:rPr>
+              <a:t>    / \</a:t>
+            </a:r>
+          </a:p>
+          <a:p>
+            <a:pPr lvl="0" algn="l" defTabSz="914400" eaLnBrk="0" fontAlgn="base">
+              <a:spcBef>
+                <a:spcPct val="0"/>
+              </a:spcBef>
+              <a:spcAft>
+                <a:spcPct val="0"/>
+              </a:spcAft>
+            </a:pPr>
+            <a:r>
+              <a:rPr lang="en-US" altLang="zh-CN" sz="2400" dirty="0">
+                <a:solidFill>
+                  <a:schemeClr val="tx1"/>
+                </a:solidFill>
+                <a:latin typeface="幼圆" panose="02010509060101010101" pitchFamily="49" charset="-122"/>
+                <a:ea typeface="幼圆" panose="02010509060101010101" pitchFamily="49" charset="-122"/>
+              </a:rPr>
+              <a:t>   9  20</a:t>
+            </a:r>
+          </a:p>
+          <a:p>
+            <a:pPr lvl="0" algn="l" defTabSz="914400" eaLnBrk="0" fontAlgn="base">
+              <a:spcBef>
+                <a:spcPct val="0"/>
+              </a:spcBef>
+              <a:spcAft>
+                <a:spcPct val="0"/>
+              </a:spcAft>
+            </a:pPr>
+            <a:r>
+              <a:rPr lang="en-US" altLang="zh-CN" sz="2400" dirty="0">
+                <a:solidFill>
+                  <a:schemeClr val="tx1"/>
+                </a:solidFill>
+                <a:latin typeface="幼圆" panose="02010509060101010101" pitchFamily="49" charset="-122"/>
+                <a:ea typeface="幼圆" panose="02010509060101010101" pitchFamily="49" charset="-122"/>
+              </a:rPr>
+              <a:t>      / \</a:t>
+            </a:r>
+          </a:p>
+          <a:p>
+            <a:pPr lvl="0" algn="l" defTabSz="914400" eaLnBrk="0" fontAlgn="base">
+              <a:spcBef>
+                <a:spcPct val="0"/>
+              </a:spcBef>
+              <a:spcAft>
+                <a:spcPct val="0"/>
+              </a:spcAft>
+            </a:pPr>
+            <a:r>
+              <a:rPr lang="en-US" altLang="zh-CN" sz="2400" dirty="0">
+                <a:solidFill>
+                  <a:schemeClr val="tx1"/>
+                </a:solidFill>
+                <a:latin typeface="幼圆" panose="02010509060101010101" pitchFamily="49" charset="-122"/>
+                <a:ea typeface="幼圆" panose="02010509060101010101" pitchFamily="49" charset="-122"/>
+              </a:rPr>
+              <a:t>     15  7</a:t>
+            </a:r>
+          </a:p>
+          <a:p>
+            <a:pPr lvl="0" algn="l" defTabSz="914400" eaLnBrk="0" fontAlgn="base">
+              <a:spcBef>
+                <a:spcPct val="0"/>
+              </a:spcBef>
+              <a:spcAft>
+                <a:spcPct val="0"/>
+              </a:spcAft>
+            </a:pPr>
+            <a:endParaRPr lang="en-US" altLang="zh-CN" sz="2400" dirty="0">
+              <a:solidFill>
+                <a:schemeClr val="tx1"/>
+              </a:solidFill>
+              <a:latin typeface="幼圆" panose="02010509060101010101" pitchFamily="49" charset="-122"/>
+              <a:ea typeface="幼圆" panose="02010509060101010101" pitchFamily="49" charset="-122"/>
+            </a:endParaRPr>
+          </a:p>
+          <a:p>
+            <a:pPr lvl="0" algn="l" defTabSz="914400" eaLnBrk="0" fontAlgn="base">
+              <a:spcBef>
+                <a:spcPct val="0"/>
+              </a:spcBef>
+              <a:spcAft>
+                <a:spcPct val="0"/>
+              </a:spcAft>
+            </a:pPr>
+            <a:r>
+              <a:rPr lang="zh-CN" altLang="en-US" sz="2400" dirty="0">
+                <a:solidFill>
+                  <a:schemeClr val="tx1"/>
+                </a:solidFill>
+                <a:latin typeface="幼圆" panose="02010509060101010101" pitchFamily="49" charset="-122"/>
+                <a:ea typeface="幼圆" panose="02010509060101010101" pitchFamily="49" charset="-122"/>
+              </a:rPr>
+              <a:t>输出</a:t>
+            </a:r>
+            <a:r>
+              <a:rPr lang="en-US" altLang="zh-CN" sz="2400" dirty="0">
+                <a:solidFill>
+                  <a:schemeClr val="tx1"/>
+                </a:solidFill>
+                <a:latin typeface="幼圆" panose="02010509060101010101" pitchFamily="49" charset="-122"/>
+                <a:ea typeface="幼圆" panose="02010509060101010101" pitchFamily="49" charset="-122"/>
+              </a:rPr>
+              <a:t>: 42</a:t>
+            </a:r>
+            <a:endParaRPr kumimoji="0" lang="zh-CN" altLang="zh-CN" sz="2400" b="0" i="0" u="none" strike="noStrike" cap="none" normalizeH="0" baseline="0" dirty="0">
               <a:ln>
                 <a:noFill/>
               </a:ln>
@@ -6754,3781 +6916,222 @@
                 <a:schemeClr val="tx1"/>
               </a:solidFill>
               <a:effectLst/>
-              <a:latin typeface="华文细黑" panose="02010600040101010101" pitchFamily="2" charset="-122"/>
-              <a:ea typeface="华文细黑" panose="02010600040101010101" pitchFamily="2" charset="-122"/>
+              <a:latin typeface="幼圆" panose="02010509060101010101" pitchFamily="49" charset="-122"/>
+              <a:ea typeface="幼圆" panose="02010509060101010101" pitchFamily="49" charset="-122"/>
             </a:endParaRPr>
-          </a:p>
-          <a:p>
-            <a:pPr marL="0" marR="0" lvl="0" indent="0" algn="l" defTabSz="914400" rtl="0" eaLnBrk="0" fontAlgn="base" latinLnBrk="0" hangingPunct="0">
-              <a:lnSpc>
-                <a:spcPct val="100000"/>
-              </a:lnSpc>
-              <a:spcBef>
-                <a:spcPct val="0"/>
-              </a:spcBef>
-              <a:spcAft>
-                <a:spcPct val="0"/>
-              </a:spcAft>
-              <a:buClrTx/>
-              <a:buSzTx/>
-              <a:buFontTx/>
-              <a:buNone/>
-              <a:tabLst/>
-            </a:pPr>
-            <a:endParaRPr kumimoji="0" lang="zh-CN" altLang="zh-CN" sz="2400" b="1" i="0" u="none" strike="noStrike" cap="none" normalizeH="0" baseline="0" dirty="0">
-              <a:ln>
-                <a:noFill/>
-              </a:ln>
-              <a:solidFill>
-                <a:schemeClr val="tx1"/>
-              </a:solidFill>
-              <a:effectLst/>
-              <a:latin typeface="华文细黑" panose="02010600040101010101" pitchFamily="2" charset="-122"/>
-              <a:ea typeface="华文细黑" panose="02010600040101010101" pitchFamily="2" charset="-122"/>
-            </a:endParaRPr>
-          </a:p>
-          <a:p>
-            <a:pPr lvl="0" algn="l" defTabSz="914400" eaLnBrk="0" fontAlgn="base">
-              <a:spcBef>
-                <a:spcPct val="0"/>
-              </a:spcBef>
-              <a:spcAft>
-                <a:spcPct val="0"/>
-              </a:spcAft>
-            </a:pPr>
-            <a:r>
-              <a:rPr kumimoji="0" lang="zh-CN" altLang="zh-CN" sz="2400" b="1" i="0" u="none" strike="noStrike" cap="none" normalizeH="0" baseline="0" dirty="0">
-                <a:ln>
-                  <a:noFill/>
-                </a:ln>
-                <a:solidFill>
-                  <a:schemeClr val="tx1"/>
-                </a:solidFill>
-                <a:effectLst/>
-                <a:latin typeface="华文细黑" panose="02010600040101010101" pitchFamily="2" charset="-122"/>
-                <a:ea typeface="华文细黑" panose="02010600040101010101" pitchFamily="2" charset="-122"/>
-              </a:rPr>
-              <a:t>输入:</a:t>
-            </a:r>
-            <a:r>
-              <a:rPr kumimoji="0" lang="zh-CN" altLang="zh-CN" sz="2400" b="0" i="0" u="none" strike="noStrike" cap="none" normalizeH="0" baseline="0" dirty="0">
-                <a:ln>
-                  <a:noFill/>
-                </a:ln>
-                <a:solidFill>
-                  <a:schemeClr val="tx1"/>
-                </a:solidFill>
-                <a:effectLst/>
-                <a:latin typeface="华文细黑" panose="02010600040101010101" pitchFamily="2" charset="-122"/>
-                <a:ea typeface="华文细黑" panose="02010600040101010101" pitchFamily="2" charset="-122"/>
-              </a:rPr>
-              <a:t> </a:t>
-            </a:r>
-            <a:r>
-              <a:rPr lang="en-US" altLang="zh-CN" sz="2400" b="0" dirty="0">
-                <a:solidFill>
-                  <a:schemeClr val="tx1"/>
-                </a:solidFill>
-                <a:latin typeface="华文细黑" panose="02010600040101010101" pitchFamily="2" charset="-122"/>
-                <a:ea typeface="华文细黑" panose="02010600040101010101" pitchFamily="2" charset="-122"/>
-              </a:rPr>
-              <a:t> </a:t>
-            </a:r>
-            <a:r>
-              <a:rPr lang="it-IT" altLang="zh-CN" sz="2400" b="0" dirty="0">
-                <a:solidFill>
-                  <a:schemeClr val="tx1"/>
-                </a:solidFill>
-                <a:latin typeface="华文细黑" panose="02010600040101010101" pitchFamily="2" charset="-122"/>
-                <a:ea typeface="华文细黑" panose="02010600040101010101" pitchFamily="2" charset="-122"/>
-              </a:rPr>
-              <a:t>[5, 4, 8, 11, null, 13, 4, 7, 2, null, null, null, 1]</a:t>
-            </a:r>
-            <a:endParaRPr kumimoji="0" lang="en-US" altLang="zh-CN" sz="2400" b="0" i="0" u="none" strike="noStrike" cap="none" normalizeH="0" baseline="0" dirty="0">
-              <a:ln>
-                <a:noFill/>
-              </a:ln>
-              <a:solidFill>
-                <a:schemeClr val="tx1"/>
-              </a:solidFill>
-              <a:effectLst/>
-              <a:latin typeface="华文细黑" panose="02010600040101010101" pitchFamily="2" charset="-122"/>
-              <a:ea typeface="华文细黑" panose="02010600040101010101" pitchFamily="2" charset="-122"/>
-            </a:endParaRPr>
-          </a:p>
-          <a:p>
-            <a:pPr marL="0" marR="0" lvl="0" indent="0" algn="l" defTabSz="914400" rtl="0" eaLnBrk="0" fontAlgn="base" latinLnBrk="0" hangingPunct="0">
-              <a:lnSpc>
-                <a:spcPct val="100000"/>
-              </a:lnSpc>
-              <a:spcBef>
-                <a:spcPct val="0"/>
-              </a:spcBef>
-              <a:spcAft>
-                <a:spcPct val="0"/>
-              </a:spcAft>
-              <a:buClrTx/>
-              <a:buSzTx/>
-              <a:buFontTx/>
-              <a:buNone/>
-              <a:tabLst/>
-            </a:pPr>
-            <a:endParaRPr kumimoji="0" lang="en-US" altLang="zh-CN" sz="2400" b="0" i="0" u="none" strike="noStrike" cap="none" normalizeH="0" baseline="0" dirty="0">
-              <a:ln>
-                <a:noFill/>
-              </a:ln>
-              <a:solidFill>
-                <a:schemeClr val="tx1"/>
-              </a:solidFill>
-              <a:effectLst/>
-              <a:latin typeface="华文细黑" panose="02010600040101010101" pitchFamily="2" charset="-122"/>
-              <a:ea typeface="华文细黑" panose="02010600040101010101" pitchFamily="2" charset="-122"/>
-            </a:endParaRPr>
-          </a:p>
-          <a:p>
-            <a:pPr marL="0" marR="0" lvl="0" indent="0" defTabSz="914400" rtl="0" eaLnBrk="0" fontAlgn="base" latinLnBrk="0" hangingPunct="0">
-              <a:lnSpc>
-                <a:spcPct val="100000"/>
-              </a:lnSpc>
-              <a:spcBef>
-                <a:spcPct val="0"/>
-              </a:spcBef>
-              <a:spcAft>
-                <a:spcPct val="0"/>
-              </a:spcAft>
-              <a:buClrTx/>
-              <a:buSzTx/>
-              <a:buFontTx/>
-              <a:buNone/>
-              <a:tabLst/>
-            </a:pPr>
-            <a:r>
-              <a:rPr kumimoji="0" lang="en-US" altLang="zh-CN" sz="2400" b="1" i="0" u="none" strike="noStrike" cap="none" normalizeH="0" baseline="0" dirty="0">
-                <a:ln>
-                  <a:noFill/>
-                </a:ln>
-                <a:solidFill>
-                  <a:schemeClr val="tx1"/>
-                </a:solidFill>
-                <a:effectLst/>
-                <a:latin typeface="华文细黑" panose="02010600040101010101" pitchFamily="2" charset="-122"/>
-                <a:ea typeface="华文细黑" panose="02010600040101010101" pitchFamily="2" charset="-122"/>
-              </a:rPr>
-              <a:t>5</a:t>
-            </a:r>
-            <a:endParaRPr kumimoji="0" lang="en-US" altLang="zh-CN" sz="2400" b="0" i="0" u="none" strike="noStrike" cap="none" normalizeH="0" baseline="0" dirty="0">
-              <a:ln>
-                <a:noFill/>
-              </a:ln>
-              <a:solidFill>
-                <a:schemeClr val="tx1"/>
-              </a:solidFill>
-              <a:effectLst/>
-              <a:latin typeface="华文细黑" panose="02010600040101010101" pitchFamily="2" charset="-122"/>
-              <a:ea typeface="华文细黑" panose="02010600040101010101" pitchFamily="2" charset="-122"/>
-            </a:endParaRPr>
-          </a:p>
-          <a:p>
-            <a:pPr marL="0" marR="0" lvl="0" indent="0" defTabSz="914400" rtl="0" eaLnBrk="0" fontAlgn="base" latinLnBrk="0" hangingPunct="0">
-              <a:lnSpc>
-                <a:spcPct val="100000"/>
-              </a:lnSpc>
-              <a:spcBef>
-                <a:spcPct val="0"/>
-              </a:spcBef>
-              <a:spcAft>
-                <a:spcPct val="0"/>
-              </a:spcAft>
-              <a:buClrTx/>
-              <a:buSzTx/>
-              <a:buFontTx/>
-              <a:buNone/>
-              <a:tabLst/>
-            </a:pPr>
-            <a:r>
-              <a:rPr kumimoji="0" lang="zh-CN" altLang="zh-CN" sz="2400" b="1" i="0" u="none" strike="noStrike" cap="none" normalizeH="0" baseline="0" dirty="0">
-                <a:ln>
-                  <a:noFill/>
-                </a:ln>
-                <a:solidFill>
-                  <a:schemeClr val="tx1"/>
-                </a:solidFill>
-                <a:effectLst/>
-                <a:latin typeface="华文细黑" panose="02010600040101010101" pitchFamily="2" charset="-122"/>
-                <a:ea typeface="华文细黑" panose="02010600040101010101" pitchFamily="2" charset="-122"/>
-              </a:rPr>
-              <a:t>/ \</a:t>
-            </a:r>
-            <a:endParaRPr lang="en-US" altLang="zh-CN" sz="2400" dirty="0">
-              <a:solidFill>
-                <a:schemeClr val="tx1"/>
-              </a:solidFill>
-              <a:latin typeface="华文细黑" panose="02010600040101010101" pitchFamily="2" charset="-122"/>
-              <a:ea typeface="华文细黑" panose="02010600040101010101" pitchFamily="2" charset="-122"/>
-            </a:endParaRPr>
-          </a:p>
-          <a:p>
-            <a:pPr marR="0" lvl="0" defTabSz="914400" rtl="0" eaLnBrk="0" fontAlgn="base" latinLnBrk="0" hangingPunct="0">
-              <a:lnSpc>
-                <a:spcPct val="100000"/>
-              </a:lnSpc>
-              <a:spcBef>
-                <a:spcPct val="0"/>
-              </a:spcBef>
-              <a:spcAft>
-                <a:spcPct val="0"/>
-              </a:spcAft>
-              <a:buClrTx/>
-              <a:buSzTx/>
-              <a:tabLst/>
-            </a:pPr>
-            <a:r>
-              <a:rPr kumimoji="0" lang="en-US" altLang="zh-CN" sz="2400" b="1" i="0" u="none" strike="noStrike" cap="none" normalizeH="0" baseline="0" dirty="0">
-                <a:ln>
-                  <a:noFill/>
-                </a:ln>
-                <a:solidFill>
-                  <a:schemeClr val="tx1"/>
-                </a:solidFill>
-                <a:effectLst/>
-                <a:latin typeface="华文细黑" panose="02010600040101010101" pitchFamily="2" charset="-122"/>
-                <a:ea typeface="华文细黑" panose="02010600040101010101" pitchFamily="2" charset="-122"/>
-              </a:rPr>
-              <a:t>4    8</a:t>
-            </a:r>
-          </a:p>
-          <a:p>
-            <a:pPr defTabSz="914400" eaLnBrk="0" fontAlgn="base">
-              <a:spcBef>
-                <a:spcPct val="0"/>
-              </a:spcBef>
-              <a:spcAft>
-                <a:spcPct val="0"/>
-              </a:spcAft>
-            </a:pPr>
-            <a:r>
-              <a:rPr lang="zh-CN" altLang="zh-CN" sz="2400" dirty="0">
-                <a:solidFill>
-                  <a:schemeClr val="tx1"/>
-                </a:solidFill>
-                <a:latin typeface="华文细黑" panose="02010600040101010101" pitchFamily="2" charset="-122"/>
-                <a:ea typeface="华文细黑" panose="02010600040101010101" pitchFamily="2" charset="-122"/>
-              </a:rPr>
-              <a:t>/ </a:t>
-            </a:r>
-            <a:r>
-              <a:rPr lang="en-US" altLang="zh-CN" sz="2400" dirty="0">
-                <a:solidFill>
-                  <a:schemeClr val="tx1"/>
-                </a:solidFill>
-                <a:latin typeface="华文细黑" panose="02010600040101010101" pitchFamily="2" charset="-122"/>
-                <a:ea typeface="华文细黑" panose="02010600040101010101" pitchFamily="2" charset="-122"/>
-              </a:rPr>
-              <a:t>     </a:t>
-            </a:r>
-            <a:r>
-              <a:rPr lang="zh-CN" altLang="zh-CN" sz="2400" dirty="0">
-                <a:solidFill>
-                  <a:schemeClr val="tx1"/>
-                </a:solidFill>
-                <a:latin typeface="华文细黑" panose="02010600040101010101" pitchFamily="2" charset="-122"/>
-                <a:ea typeface="华文细黑" panose="02010600040101010101" pitchFamily="2" charset="-122"/>
-              </a:rPr>
-              <a:t>/ \</a:t>
-            </a:r>
-            <a:endParaRPr lang="en-US" altLang="zh-CN" sz="2400" dirty="0">
-              <a:solidFill>
-                <a:schemeClr val="tx1"/>
-              </a:solidFill>
-              <a:latin typeface="华文细黑" panose="02010600040101010101" pitchFamily="2" charset="-122"/>
-              <a:ea typeface="华文细黑" panose="02010600040101010101" pitchFamily="2" charset="-122"/>
-            </a:endParaRPr>
-          </a:p>
-          <a:p>
-            <a:pPr marL="457200" marR="0" lvl="0" indent="-457200" defTabSz="914400" rtl="0" eaLnBrk="0" fontAlgn="base" latinLnBrk="0" hangingPunct="0">
-              <a:lnSpc>
-                <a:spcPct val="100000"/>
-              </a:lnSpc>
-              <a:spcBef>
-                <a:spcPct val="0"/>
-              </a:spcBef>
-              <a:spcAft>
-                <a:spcPct val="0"/>
-              </a:spcAft>
-              <a:buClrTx/>
-              <a:buSzTx/>
-              <a:buAutoNum type="arabicPlain" startAt="11"/>
-              <a:tabLst/>
-            </a:pPr>
-            <a:r>
-              <a:rPr lang="en-US" altLang="zh-CN" sz="2400" dirty="0">
-                <a:solidFill>
-                  <a:schemeClr val="tx1"/>
-                </a:solidFill>
-                <a:latin typeface="华文细黑" panose="02010600040101010101" pitchFamily="2" charset="-122"/>
-                <a:ea typeface="华文细黑" panose="02010600040101010101" pitchFamily="2" charset="-122"/>
-              </a:rPr>
-              <a:t>   13  4</a:t>
-            </a:r>
-          </a:p>
-          <a:p>
-            <a:pPr marR="0" lvl="0" defTabSz="914400" rtl="0" eaLnBrk="0" fontAlgn="base" latinLnBrk="0" hangingPunct="0">
-              <a:lnSpc>
-                <a:spcPct val="100000"/>
-              </a:lnSpc>
-              <a:spcBef>
-                <a:spcPct val="0"/>
-              </a:spcBef>
-              <a:spcAft>
-                <a:spcPct val="0"/>
-              </a:spcAft>
-              <a:buClrTx/>
-              <a:buSzTx/>
-              <a:tabLst/>
-            </a:pPr>
-            <a:r>
-              <a:rPr lang="en-US" altLang="zh-CN" sz="2400" dirty="0">
-                <a:solidFill>
-                  <a:schemeClr val="tx1"/>
-                </a:solidFill>
-                <a:latin typeface="华文细黑" panose="02010600040101010101" pitchFamily="2" charset="-122"/>
-                <a:ea typeface="华文细黑" panose="02010600040101010101" pitchFamily="2" charset="-122"/>
-              </a:rPr>
-              <a:t>/  \             \</a:t>
-            </a:r>
-          </a:p>
-          <a:p>
-            <a:pPr marR="0" lvl="0" defTabSz="914400" rtl="0" eaLnBrk="0" fontAlgn="base" latinLnBrk="0" hangingPunct="0">
-              <a:lnSpc>
-                <a:spcPct val="100000"/>
-              </a:lnSpc>
-              <a:spcBef>
-                <a:spcPct val="0"/>
-              </a:spcBef>
-              <a:spcAft>
-                <a:spcPct val="0"/>
-              </a:spcAft>
-              <a:buClrTx/>
-              <a:buSzTx/>
-              <a:tabLst/>
-            </a:pPr>
-            <a:r>
-              <a:rPr lang="en-US" altLang="zh-CN" sz="2400" dirty="0">
-                <a:solidFill>
-                  <a:schemeClr val="tx1"/>
-                </a:solidFill>
-                <a:latin typeface="华文细黑" panose="02010600040101010101" pitchFamily="2" charset="-122"/>
-                <a:ea typeface="华文细黑" panose="02010600040101010101" pitchFamily="2" charset="-122"/>
-              </a:rPr>
-              <a:t>7     2              1   </a:t>
-            </a:r>
-          </a:p>
-          <a:p>
-            <a:pPr marL="457200" marR="0" lvl="0" indent="-457200" defTabSz="914400" rtl="0" eaLnBrk="0" fontAlgn="base" latinLnBrk="0" hangingPunct="0">
-              <a:lnSpc>
-                <a:spcPct val="100000"/>
-              </a:lnSpc>
-              <a:spcBef>
-                <a:spcPct val="0"/>
-              </a:spcBef>
-              <a:spcAft>
-                <a:spcPct val="0"/>
-              </a:spcAft>
-              <a:buClrTx/>
-              <a:buSzTx/>
-              <a:buFontTx/>
-              <a:buAutoNum type="arabicPlain" startAt="4"/>
-              <a:tabLst/>
-            </a:pPr>
-            <a:endParaRPr kumimoji="0" lang="en-US" altLang="zh-CN" sz="2400" b="0" i="0" u="none" strike="noStrike" cap="none" normalizeH="0" baseline="0" dirty="0">
-              <a:ln>
-                <a:noFill/>
-              </a:ln>
-              <a:solidFill>
-                <a:schemeClr val="tx1"/>
-              </a:solidFill>
-              <a:effectLst/>
-              <a:latin typeface="华文细黑" panose="02010600040101010101" pitchFamily="2" charset="-122"/>
-              <a:ea typeface="华文细黑" panose="02010600040101010101" pitchFamily="2" charset="-122"/>
-            </a:endParaRPr>
-          </a:p>
-          <a:p>
-            <a:pPr marL="0" marR="0" lvl="0" indent="0" algn="l" defTabSz="914400" rtl="0" eaLnBrk="0" fontAlgn="base" latinLnBrk="0" hangingPunct="0">
-              <a:lnSpc>
-                <a:spcPct val="100000"/>
-              </a:lnSpc>
-              <a:spcBef>
-                <a:spcPct val="0"/>
-              </a:spcBef>
-              <a:spcAft>
-                <a:spcPct val="0"/>
-              </a:spcAft>
-              <a:buClrTx/>
-              <a:buSzTx/>
-              <a:buFontTx/>
-              <a:buNone/>
-              <a:tabLst/>
-            </a:pPr>
-            <a:endParaRPr kumimoji="0" lang="en-US" altLang="zh-CN" sz="2400" b="1" i="0" u="none" strike="noStrike" cap="none" normalizeH="0" baseline="0" dirty="0">
-              <a:ln>
-                <a:noFill/>
-              </a:ln>
-              <a:solidFill>
-                <a:schemeClr val="tx1"/>
-              </a:solidFill>
-              <a:effectLst/>
-              <a:latin typeface="华文细黑" panose="02010600040101010101" pitchFamily="2" charset="-122"/>
-              <a:ea typeface="华文细黑" panose="02010600040101010101" pitchFamily="2" charset="-122"/>
-            </a:endParaRPr>
-          </a:p>
-          <a:p>
-            <a:pPr marL="0" marR="0" lvl="0" indent="0" algn="l" defTabSz="914400" rtl="0" eaLnBrk="0" fontAlgn="base" latinLnBrk="0" hangingPunct="0">
-              <a:lnSpc>
-                <a:spcPct val="100000"/>
-              </a:lnSpc>
-              <a:spcBef>
-                <a:spcPct val="0"/>
-              </a:spcBef>
-              <a:spcAft>
-                <a:spcPct val="0"/>
-              </a:spcAft>
-              <a:buClrTx/>
-              <a:buSzTx/>
-              <a:buFontTx/>
-              <a:buNone/>
-              <a:tabLst/>
-            </a:pPr>
-            <a:r>
-              <a:rPr kumimoji="0" lang="zh-CN" altLang="zh-CN" sz="2400" b="1" i="0" u="none" strike="noStrike" cap="none" normalizeH="0" baseline="0" dirty="0">
-                <a:ln>
-                  <a:noFill/>
-                </a:ln>
-                <a:solidFill>
-                  <a:schemeClr val="tx1"/>
-                </a:solidFill>
-                <a:effectLst/>
-                <a:latin typeface="华文细黑" panose="02010600040101010101" pitchFamily="2" charset="-122"/>
-                <a:ea typeface="华文细黑" panose="02010600040101010101" pitchFamily="2" charset="-122"/>
-              </a:rPr>
-              <a:t>输出:</a:t>
-            </a:r>
-            <a:r>
-              <a:rPr kumimoji="0" lang="en-US" altLang="zh-CN" sz="2400" b="1" i="0" u="none" strike="noStrike" cap="none" normalizeH="0" baseline="0" dirty="0">
-                <a:ln>
-                  <a:noFill/>
-                </a:ln>
-                <a:solidFill>
-                  <a:schemeClr val="tx1"/>
-                </a:solidFill>
-                <a:effectLst/>
-                <a:latin typeface="华文细黑" panose="02010600040101010101" pitchFamily="2" charset="-122"/>
-                <a:ea typeface="华文细黑" panose="02010600040101010101" pitchFamily="2" charset="-122"/>
-              </a:rPr>
-              <a:t>  </a:t>
-            </a:r>
-            <a:r>
-              <a:rPr kumimoji="0" lang="en-US" altLang="zh-CN" sz="2400" b="0" i="0" u="none" strike="noStrike" cap="none" normalizeH="0" baseline="0" dirty="0">
-                <a:ln>
-                  <a:noFill/>
-                </a:ln>
-                <a:solidFill>
-                  <a:schemeClr val="tx1"/>
-                </a:solidFill>
-                <a:effectLst/>
-                <a:latin typeface="华文细黑" panose="02010600040101010101" pitchFamily="2" charset="-122"/>
-                <a:ea typeface="华文细黑" panose="02010600040101010101" pitchFamily="2" charset="-122"/>
-              </a:rPr>
-              <a:t>48</a:t>
-            </a:r>
-            <a:r>
-              <a:rPr kumimoji="0" lang="zh-CN" altLang="zh-CN" sz="2400" b="0" i="0" u="none" strike="noStrike" cap="none" normalizeH="0" baseline="0" dirty="0">
-                <a:ln>
-                  <a:noFill/>
-                </a:ln>
-                <a:solidFill>
-                  <a:schemeClr val="tx1"/>
-                </a:solidFill>
-                <a:effectLst/>
-                <a:latin typeface="华文细黑" panose="02010600040101010101" pitchFamily="2" charset="-122"/>
-                <a:ea typeface="华文细黑" panose="02010600040101010101" pitchFamily="2" charset="-122"/>
-              </a:rPr>
-              <a:t> </a:t>
-            </a:r>
           </a:p>
         </p:txBody>
       </p:sp>
-      <p:grpSp>
-        <p:nvGrpSpPr>
-          <p:cNvPr id="36" name="组合 35">
+      <p:pic>
+        <p:nvPicPr>
+          <p:cNvPr id="5" name="图片 4">
             <a:extLst>
               <a:ext uri="{FF2B5EF4-FFF2-40B4-BE49-F238E27FC236}">
-                <a16:creationId xmlns:a16="http://schemas.microsoft.com/office/drawing/2014/main" id="{7CA331F4-79CE-48DB-B696-3713ACD355D9}"/>
+                <a16:creationId xmlns:a16="http://schemas.microsoft.com/office/drawing/2014/main" id="{40B73C09-88C1-43F7-9167-C2BCE16F6089}"/>
               </a:ext>
             </a:extLst>
           </p:cNvPr>
-          <p:cNvGrpSpPr/>
+          <p:cNvPicPr>
+            <a:picLocks noChangeAspect="1"/>
+          </p:cNvPicPr>
           <p:nvPr/>
-        </p:nvGrpSpPr>
-        <p:grpSpPr>
-          <a:xfrm>
-            <a:off x="10022983" y="7252330"/>
-            <a:ext cx="10978376" cy="1201779"/>
-            <a:chOff x="10916571" y="7234240"/>
-            <a:chExt cx="10978376" cy="1201779"/>
-          </a:xfrm>
-        </p:grpSpPr>
-        <p:sp>
-          <p:nvSpPr>
-            <p:cNvPr id="25" name="Rectangle 2">
-              <a:extLst>
-                <a:ext uri="{FF2B5EF4-FFF2-40B4-BE49-F238E27FC236}">
-                  <a16:creationId xmlns:a16="http://schemas.microsoft.com/office/drawing/2014/main" id="{EDC9C932-F8B9-49BC-BEEF-260B453AC52C}"/>
-                </a:ext>
-              </a:extLst>
-            </p:cNvPr>
-            <p:cNvSpPr>
-              <a:spLocks noChangeArrowheads="1"/>
-            </p:cNvSpPr>
-            <p:nvPr/>
-          </p:nvSpPr>
-          <p:spPr bwMode="auto">
-            <a:xfrm>
-              <a:off x="10916571" y="7235690"/>
-              <a:ext cx="4971090" cy="1200329"/>
-            </a:xfrm>
-            <a:prstGeom prst="rect">
-              <a:avLst/>
-            </a:prstGeom>
-            <a:noFill/>
-            <a:ln>
-              <a:noFill/>
-            </a:ln>
-            <a:effectLst/>
-          </p:spPr>
-          <p:txBody>
-            <a:bodyPr vert="horz" wrap="square" lIns="91440" tIns="45720" rIns="91440" bIns="45720" numCol="1" anchor="ctr" anchorCtr="0" compatLnSpc="1">
-              <a:prstTxWarp prst="textNoShape">
-                <a:avLst/>
-              </a:prstTxWarp>
-              <a:spAutoFit/>
-            </a:bodyPr>
-            <a:lstStyle/>
-            <a:p>
-              <a:pPr lvl="0" defTabSz="914400" eaLnBrk="0" fontAlgn="base">
-                <a:spcBef>
-                  <a:spcPct val="0"/>
-                </a:spcBef>
-                <a:spcAft>
-                  <a:spcPct val="0"/>
-                </a:spcAft>
-              </a:pPr>
-              <a:r>
-                <a:rPr lang="en-US" altLang="zh-CN" sz="2400" dirty="0">
-                  <a:solidFill>
-                    <a:schemeClr val="tx1"/>
-                  </a:solidFill>
-                  <a:latin typeface="华文细黑" panose="02010600040101010101" pitchFamily="2" charset="-122"/>
-                  <a:ea typeface="华文细黑" panose="02010600040101010101" pitchFamily="2" charset="-122"/>
-                </a:rPr>
-                <a:t>4</a:t>
-              </a:r>
-            </a:p>
-            <a:p>
-              <a:pPr lvl="0" defTabSz="914400" eaLnBrk="0" fontAlgn="base">
-                <a:spcBef>
-                  <a:spcPct val="0"/>
-                </a:spcBef>
-                <a:spcAft>
-                  <a:spcPct val="0"/>
-                </a:spcAft>
-              </a:pPr>
-              <a:r>
-                <a:rPr lang="en-US" altLang="zh-CN" sz="2400" dirty="0">
-                  <a:solidFill>
-                    <a:schemeClr val="tx1"/>
-                  </a:solidFill>
-                  <a:latin typeface="华文细黑" panose="02010600040101010101" pitchFamily="2" charset="-122"/>
-                  <a:ea typeface="华文细黑" panose="02010600040101010101" pitchFamily="2" charset="-122"/>
-                </a:rPr>
-                <a:t>/  </a:t>
-              </a:r>
-              <a:r>
-                <a:rPr lang="en-US" altLang="zh-CN" sz="2400" dirty="0">
-                  <a:solidFill>
-                    <a:schemeClr val="bg1"/>
-                  </a:solidFill>
-                  <a:latin typeface="华文细黑" panose="02010600040101010101" pitchFamily="2" charset="-122"/>
-                  <a:ea typeface="华文细黑" panose="02010600040101010101" pitchFamily="2" charset="-122"/>
-                </a:rPr>
-                <a:t>\</a:t>
-              </a:r>
-            </a:p>
-            <a:p>
-              <a:pPr lvl="0" defTabSz="914400" eaLnBrk="0" fontAlgn="base">
-                <a:spcBef>
-                  <a:spcPct val="0"/>
-                </a:spcBef>
-                <a:spcAft>
-                  <a:spcPct val="0"/>
-                </a:spcAft>
-              </a:pPr>
-              <a:r>
-                <a:rPr lang="en-US" altLang="zh-CN" sz="2400" dirty="0">
-                  <a:solidFill>
-                    <a:schemeClr val="accent3">
-                      <a:lumMod val="75000"/>
-                    </a:schemeClr>
-                  </a:solidFill>
-                  <a:latin typeface="华文细黑" panose="02010600040101010101" pitchFamily="2" charset="-122"/>
-                  <a:ea typeface="华文细黑" panose="02010600040101010101" pitchFamily="2" charset="-122"/>
-                </a:rPr>
-                <a:t>18</a:t>
-              </a:r>
-              <a:r>
-                <a:rPr lang="en-US" altLang="zh-CN" sz="2400" dirty="0">
-                  <a:solidFill>
-                    <a:schemeClr val="tx1"/>
-                  </a:solidFill>
-                  <a:latin typeface="华文细黑" panose="02010600040101010101" pitchFamily="2" charset="-122"/>
-                  <a:ea typeface="华文细黑" panose="02010600040101010101" pitchFamily="2" charset="-122"/>
-                </a:rPr>
-                <a:t>     </a:t>
-              </a:r>
-              <a:r>
-                <a:rPr lang="en-US" altLang="zh-CN" sz="2400" dirty="0">
-                  <a:solidFill>
-                    <a:schemeClr val="bg1"/>
-                  </a:solidFill>
-                  <a:latin typeface="华文细黑" panose="02010600040101010101" pitchFamily="2" charset="-122"/>
-                  <a:ea typeface="华文细黑" panose="02010600040101010101" pitchFamily="2" charset="-122"/>
-                </a:rPr>
-                <a:t>0</a:t>
-              </a:r>
-              <a:endParaRPr lang="en-US" altLang="zh-CN" sz="2400" dirty="0">
-                <a:solidFill>
-                  <a:schemeClr val="tx1"/>
-                </a:solidFill>
-                <a:latin typeface="华文细黑" panose="02010600040101010101" pitchFamily="2" charset="-122"/>
-                <a:ea typeface="华文细黑" panose="02010600040101010101" pitchFamily="2" charset="-122"/>
-              </a:endParaRPr>
-            </a:p>
-          </p:txBody>
-        </p:sp>
-        <p:sp>
-          <p:nvSpPr>
-            <p:cNvPr id="26" name="Rectangle 2">
-              <a:extLst>
-                <a:ext uri="{FF2B5EF4-FFF2-40B4-BE49-F238E27FC236}">
-                  <a16:creationId xmlns:a16="http://schemas.microsoft.com/office/drawing/2014/main" id="{695E887F-7B9A-474F-A016-EFBA9CCC9A59}"/>
-                </a:ext>
-              </a:extLst>
-            </p:cNvPr>
-            <p:cNvSpPr>
-              <a:spLocks noChangeArrowheads="1"/>
-            </p:cNvSpPr>
-            <p:nvPr/>
-          </p:nvSpPr>
-          <p:spPr bwMode="auto">
-            <a:xfrm>
-              <a:off x="15887661" y="7234240"/>
-              <a:ext cx="2454690" cy="1200329"/>
-            </a:xfrm>
-            <a:prstGeom prst="rect">
-              <a:avLst/>
-            </a:prstGeom>
-            <a:noFill/>
-            <a:ln>
-              <a:noFill/>
-            </a:ln>
-            <a:effectLst/>
-          </p:spPr>
-          <p:txBody>
-            <a:bodyPr vert="horz" wrap="square" lIns="91440" tIns="45720" rIns="91440" bIns="45720" numCol="1" anchor="ctr" anchorCtr="0" compatLnSpc="1">
-              <a:prstTxWarp prst="textNoShape">
-                <a:avLst/>
-              </a:prstTxWarp>
-              <a:spAutoFit/>
-            </a:bodyPr>
-            <a:lstStyle/>
-            <a:p>
-              <a:pPr lvl="0" defTabSz="914400" eaLnBrk="0" fontAlgn="base">
-                <a:spcBef>
-                  <a:spcPct val="0"/>
-                </a:spcBef>
-                <a:spcAft>
-                  <a:spcPct val="0"/>
-                </a:spcAft>
-              </a:pPr>
-              <a:r>
-                <a:rPr lang="en-US" altLang="zh-CN" sz="2400" dirty="0">
-                  <a:solidFill>
-                    <a:schemeClr val="tx1"/>
-                  </a:solidFill>
-                  <a:latin typeface="华文细黑" panose="02010600040101010101" pitchFamily="2" charset="-122"/>
-                  <a:ea typeface="华文细黑" panose="02010600040101010101" pitchFamily="2" charset="-122"/>
-                </a:rPr>
-                <a:t>b + a = 22</a:t>
-              </a:r>
-            </a:p>
-            <a:p>
-              <a:pPr lvl="0" defTabSz="914400" eaLnBrk="0" fontAlgn="base">
-                <a:spcBef>
-                  <a:spcPct val="0"/>
-                </a:spcBef>
-                <a:spcAft>
-                  <a:spcPct val="0"/>
-                </a:spcAft>
-              </a:pPr>
-              <a:r>
-                <a:rPr lang="en-US" altLang="zh-CN" sz="2400" dirty="0">
-                  <a:solidFill>
-                    <a:schemeClr val="tx1"/>
-                  </a:solidFill>
-                  <a:latin typeface="华文细黑" panose="02010600040101010101" pitchFamily="2" charset="-122"/>
-                  <a:ea typeface="华文细黑" panose="02010600040101010101" pitchFamily="2" charset="-122"/>
-                </a:rPr>
-                <a:t>c + a = 4</a:t>
-              </a:r>
-            </a:p>
-            <a:p>
-              <a:pPr lvl="0" defTabSz="914400" eaLnBrk="0" fontAlgn="base">
-                <a:spcBef>
-                  <a:spcPct val="0"/>
-                </a:spcBef>
-                <a:spcAft>
-                  <a:spcPct val="0"/>
-                </a:spcAft>
-              </a:pPr>
-              <a:r>
-                <a:rPr lang="en-US" altLang="zh-CN" sz="2400" dirty="0">
-                  <a:solidFill>
-                    <a:schemeClr val="tx1"/>
-                  </a:solidFill>
-                  <a:latin typeface="华文细黑" panose="02010600040101010101" pitchFamily="2" charset="-122"/>
-                  <a:ea typeface="华文细黑" panose="02010600040101010101" pitchFamily="2" charset="-122"/>
-                </a:rPr>
-                <a:t>b + a + c = 22</a:t>
-              </a:r>
-            </a:p>
-          </p:txBody>
-        </p:sp>
-        <p:sp>
-          <p:nvSpPr>
-            <p:cNvPr id="27" name="Rectangle 2">
-              <a:extLst>
-                <a:ext uri="{FF2B5EF4-FFF2-40B4-BE49-F238E27FC236}">
-                  <a16:creationId xmlns:a16="http://schemas.microsoft.com/office/drawing/2014/main" id="{77764C19-F35C-426C-9CA7-7BE5B1BFFFF1}"/>
-                </a:ext>
-              </a:extLst>
-            </p:cNvPr>
-            <p:cNvSpPr>
-              <a:spLocks noChangeArrowheads="1"/>
-            </p:cNvSpPr>
-            <p:nvPr/>
-          </p:nvSpPr>
-          <p:spPr bwMode="auto">
-            <a:xfrm>
-              <a:off x="19440257" y="7234240"/>
-              <a:ext cx="2454690" cy="830997"/>
-            </a:xfrm>
-            <a:prstGeom prst="rect">
-              <a:avLst/>
-            </a:prstGeom>
-            <a:noFill/>
-            <a:ln>
-              <a:noFill/>
-            </a:ln>
-            <a:effectLst/>
-          </p:spPr>
-          <p:txBody>
-            <a:bodyPr vert="horz" wrap="square" lIns="91440" tIns="45720" rIns="91440" bIns="45720" numCol="1" anchor="ctr" anchorCtr="0" compatLnSpc="1">
-              <a:prstTxWarp prst="textNoShape">
-                <a:avLst/>
-              </a:prstTxWarp>
-              <a:spAutoFit/>
-            </a:bodyPr>
-            <a:lstStyle/>
-            <a:p>
-              <a:pPr lvl="0" defTabSz="914400" eaLnBrk="0" fontAlgn="base">
-                <a:spcBef>
-                  <a:spcPct val="0"/>
-                </a:spcBef>
-                <a:spcAft>
-                  <a:spcPct val="0"/>
-                </a:spcAft>
-              </a:pPr>
-              <a:r>
-                <a:rPr lang="zh-CN" altLang="en-US" sz="2400" dirty="0">
-                  <a:solidFill>
-                    <a:schemeClr val="tx1"/>
-                  </a:solidFill>
-                  <a:latin typeface="华文细黑" panose="02010600040101010101" pitchFamily="2" charset="-122"/>
-                  <a:ea typeface="华文细黑" panose="02010600040101010101" pitchFamily="2" charset="-122"/>
-                </a:rPr>
-                <a:t>全局最大和：</a:t>
-              </a:r>
-              <a:r>
-                <a:rPr lang="en-US" altLang="zh-CN" sz="2400" dirty="0">
-                  <a:solidFill>
-                    <a:schemeClr val="tx1"/>
-                  </a:solidFill>
-                  <a:latin typeface="华文细黑" panose="02010600040101010101" pitchFamily="2" charset="-122"/>
-                  <a:ea typeface="华文细黑" panose="02010600040101010101" pitchFamily="2" charset="-122"/>
-                </a:rPr>
-                <a:t>22</a:t>
-              </a:r>
-            </a:p>
-            <a:p>
-              <a:pPr lvl="0" defTabSz="914400" eaLnBrk="0" fontAlgn="base">
-                <a:spcBef>
-                  <a:spcPct val="0"/>
-                </a:spcBef>
-                <a:spcAft>
-                  <a:spcPct val="0"/>
-                </a:spcAft>
-              </a:pPr>
-              <a:r>
-                <a:rPr lang="zh-CN" altLang="en-US" sz="2400" dirty="0">
-                  <a:solidFill>
-                    <a:schemeClr val="tx1"/>
-                  </a:solidFill>
-                  <a:latin typeface="华文细黑" panose="02010600040101010101" pitchFamily="2" charset="-122"/>
-                  <a:ea typeface="华文细黑" panose="02010600040101010101" pitchFamily="2" charset="-122"/>
-                </a:rPr>
-                <a:t>联络最大和：</a:t>
-              </a:r>
-              <a:r>
-                <a:rPr lang="en-US" altLang="zh-CN" sz="2400" dirty="0">
-                  <a:solidFill>
-                    <a:schemeClr val="tx1"/>
-                  </a:solidFill>
-                  <a:latin typeface="华文细黑" panose="02010600040101010101" pitchFamily="2" charset="-122"/>
-                  <a:ea typeface="华文细黑" panose="02010600040101010101" pitchFamily="2" charset="-122"/>
-                </a:rPr>
-                <a:t>22</a:t>
-              </a:r>
-            </a:p>
-          </p:txBody>
-        </p:sp>
-      </p:grpSp>
-      <p:grpSp>
-        <p:nvGrpSpPr>
-          <p:cNvPr id="37" name="组合 36">
-            <a:extLst>
-              <a:ext uri="{FF2B5EF4-FFF2-40B4-BE49-F238E27FC236}">
-                <a16:creationId xmlns:a16="http://schemas.microsoft.com/office/drawing/2014/main" id="{E2DA2AE8-E198-4262-A9C1-18058D6BBCF7}"/>
-              </a:ext>
-            </a:extLst>
-          </p:cNvPr>
-          <p:cNvGrpSpPr/>
-          <p:nvPr/>
-        </p:nvGrpSpPr>
-        <p:grpSpPr>
-          <a:xfrm>
-            <a:off x="10022983" y="7263006"/>
-            <a:ext cx="10978376" cy="1201779"/>
-            <a:chOff x="10916571" y="8487141"/>
-            <a:chExt cx="10978376" cy="1201779"/>
-          </a:xfrm>
-        </p:grpSpPr>
-        <p:sp>
-          <p:nvSpPr>
-            <p:cNvPr id="28" name="Rectangle 2">
-              <a:extLst>
-                <a:ext uri="{FF2B5EF4-FFF2-40B4-BE49-F238E27FC236}">
-                  <a16:creationId xmlns:a16="http://schemas.microsoft.com/office/drawing/2014/main" id="{FC37C588-AB97-41E9-ADE2-00490DDC5377}"/>
-                </a:ext>
-              </a:extLst>
-            </p:cNvPr>
-            <p:cNvSpPr>
-              <a:spLocks noChangeArrowheads="1"/>
-            </p:cNvSpPr>
-            <p:nvPr/>
-          </p:nvSpPr>
-          <p:spPr bwMode="auto">
-            <a:xfrm>
-              <a:off x="10916571" y="8488591"/>
-              <a:ext cx="4971090" cy="1200329"/>
-            </a:xfrm>
-            <a:prstGeom prst="rect">
-              <a:avLst/>
-            </a:prstGeom>
-            <a:noFill/>
-            <a:ln>
-              <a:noFill/>
-            </a:ln>
-            <a:effectLst/>
-          </p:spPr>
-          <p:txBody>
-            <a:bodyPr vert="horz" wrap="square" lIns="91440" tIns="45720" rIns="91440" bIns="45720" numCol="1" anchor="ctr" anchorCtr="0" compatLnSpc="1">
-              <a:prstTxWarp prst="textNoShape">
-                <a:avLst/>
-              </a:prstTxWarp>
-              <a:spAutoFit/>
-            </a:bodyPr>
-            <a:lstStyle/>
-            <a:p>
-              <a:pPr lvl="0" defTabSz="914400" eaLnBrk="0" fontAlgn="base">
-                <a:spcBef>
-                  <a:spcPct val="0"/>
-                </a:spcBef>
-                <a:spcAft>
-                  <a:spcPct val="0"/>
-                </a:spcAft>
-              </a:pPr>
-              <a:r>
-                <a:rPr lang="en-US" altLang="zh-CN" sz="2400" dirty="0">
-                  <a:solidFill>
-                    <a:schemeClr val="tx1"/>
-                  </a:solidFill>
-                  <a:latin typeface="华文细黑" panose="02010600040101010101" pitchFamily="2" charset="-122"/>
-                  <a:ea typeface="华文细黑" panose="02010600040101010101" pitchFamily="2" charset="-122"/>
-                </a:rPr>
-                <a:t>5</a:t>
-              </a:r>
-            </a:p>
-            <a:p>
-              <a:pPr lvl="0" defTabSz="914400" eaLnBrk="0" fontAlgn="base">
-                <a:spcBef>
-                  <a:spcPct val="0"/>
-                </a:spcBef>
-                <a:spcAft>
-                  <a:spcPct val="0"/>
-                </a:spcAft>
-              </a:pPr>
-              <a:r>
-                <a:rPr lang="en-US" altLang="zh-CN" sz="2400" dirty="0">
-                  <a:solidFill>
-                    <a:schemeClr val="tx1"/>
-                  </a:solidFill>
-                  <a:latin typeface="华文细黑" panose="02010600040101010101" pitchFamily="2" charset="-122"/>
-                  <a:ea typeface="华文细黑" panose="02010600040101010101" pitchFamily="2" charset="-122"/>
-                </a:rPr>
-                <a:t>/  \</a:t>
-              </a:r>
-            </a:p>
-            <a:p>
-              <a:pPr lvl="0" defTabSz="914400" eaLnBrk="0" fontAlgn="base">
-                <a:spcBef>
-                  <a:spcPct val="0"/>
-                </a:spcBef>
-                <a:spcAft>
-                  <a:spcPct val="0"/>
-                </a:spcAft>
-              </a:pPr>
-              <a:r>
-                <a:rPr lang="en-US" altLang="zh-CN" sz="2400" dirty="0">
-                  <a:solidFill>
-                    <a:schemeClr val="accent3">
-                      <a:lumMod val="75000"/>
-                    </a:schemeClr>
-                  </a:solidFill>
-                  <a:latin typeface="华文细黑" panose="02010600040101010101" pitchFamily="2" charset="-122"/>
-                  <a:ea typeface="华文细黑" panose="02010600040101010101" pitchFamily="2" charset="-122"/>
-                </a:rPr>
-                <a:t>22</a:t>
-              </a:r>
-              <a:r>
-                <a:rPr lang="en-US" altLang="zh-CN" sz="2400" dirty="0">
-                  <a:solidFill>
-                    <a:schemeClr val="tx1"/>
-                  </a:solidFill>
-                  <a:latin typeface="华文细黑" panose="02010600040101010101" pitchFamily="2" charset="-122"/>
-                  <a:ea typeface="华文细黑" panose="02010600040101010101" pitchFamily="2" charset="-122"/>
-                </a:rPr>
-                <a:t>     </a:t>
-              </a:r>
-              <a:r>
-                <a:rPr lang="en-US" altLang="zh-CN" sz="2400" dirty="0">
-                  <a:solidFill>
-                    <a:schemeClr val="accent1">
-                      <a:lumMod val="75000"/>
-                    </a:schemeClr>
-                  </a:solidFill>
-                  <a:latin typeface="华文细黑" panose="02010600040101010101" pitchFamily="2" charset="-122"/>
-                  <a:ea typeface="华文细黑" panose="02010600040101010101" pitchFamily="2" charset="-122"/>
-                </a:rPr>
-                <a:t>4</a:t>
-              </a:r>
-            </a:p>
-          </p:txBody>
-        </p:sp>
-        <p:sp>
-          <p:nvSpPr>
-            <p:cNvPr id="29" name="Rectangle 2">
-              <a:extLst>
-                <a:ext uri="{FF2B5EF4-FFF2-40B4-BE49-F238E27FC236}">
-                  <a16:creationId xmlns:a16="http://schemas.microsoft.com/office/drawing/2014/main" id="{F6728A7F-96A1-4591-908C-0CAECB15F2DC}"/>
-                </a:ext>
-              </a:extLst>
-            </p:cNvPr>
-            <p:cNvSpPr>
-              <a:spLocks noChangeArrowheads="1"/>
-            </p:cNvSpPr>
-            <p:nvPr/>
-          </p:nvSpPr>
-          <p:spPr bwMode="auto">
-            <a:xfrm>
-              <a:off x="15887661" y="8856473"/>
-              <a:ext cx="2454690" cy="461665"/>
-            </a:xfrm>
-            <a:prstGeom prst="rect">
-              <a:avLst/>
-            </a:prstGeom>
-            <a:noFill/>
-            <a:ln>
-              <a:noFill/>
-            </a:ln>
-            <a:effectLst/>
-          </p:spPr>
-          <p:txBody>
-            <a:bodyPr vert="horz" wrap="square" lIns="91440" tIns="45720" rIns="91440" bIns="45720" numCol="1" anchor="ctr" anchorCtr="0" compatLnSpc="1">
-              <a:prstTxWarp prst="textNoShape">
-                <a:avLst/>
-              </a:prstTxWarp>
-              <a:spAutoFit/>
-            </a:bodyPr>
-            <a:lstStyle/>
-            <a:p>
-              <a:pPr lvl="0" defTabSz="914400" eaLnBrk="0" fontAlgn="base">
-                <a:spcBef>
-                  <a:spcPct val="0"/>
-                </a:spcBef>
-                <a:spcAft>
-                  <a:spcPct val="0"/>
-                </a:spcAft>
-              </a:pPr>
-              <a:endParaRPr lang="en-US" altLang="zh-CN" sz="2400" dirty="0">
-                <a:solidFill>
-                  <a:schemeClr val="tx1"/>
-                </a:solidFill>
-                <a:latin typeface="华文细黑" panose="02010600040101010101" pitchFamily="2" charset="-122"/>
-                <a:ea typeface="华文细黑" panose="02010600040101010101" pitchFamily="2" charset="-122"/>
-              </a:endParaRPr>
-            </a:p>
-          </p:txBody>
-        </p:sp>
-        <p:sp>
-          <p:nvSpPr>
-            <p:cNvPr id="30" name="Rectangle 2">
-              <a:extLst>
-                <a:ext uri="{FF2B5EF4-FFF2-40B4-BE49-F238E27FC236}">
-                  <a16:creationId xmlns:a16="http://schemas.microsoft.com/office/drawing/2014/main" id="{C6E64425-2313-46CC-B01F-BCBCBCF29737}"/>
-                </a:ext>
-              </a:extLst>
-            </p:cNvPr>
-            <p:cNvSpPr>
-              <a:spLocks noChangeArrowheads="1"/>
-            </p:cNvSpPr>
-            <p:nvPr/>
-          </p:nvSpPr>
-          <p:spPr bwMode="auto">
-            <a:xfrm>
-              <a:off x="19440257" y="8487141"/>
-              <a:ext cx="2454690" cy="830997"/>
-            </a:xfrm>
-            <a:prstGeom prst="rect">
-              <a:avLst/>
-            </a:prstGeom>
-            <a:noFill/>
-            <a:ln>
-              <a:noFill/>
-            </a:ln>
-            <a:effectLst/>
-          </p:spPr>
-          <p:txBody>
-            <a:bodyPr vert="horz" wrap="square" lIns="91440" tIns="45720" rIns="91440" bIns="45720" numCol="1" anchor="ctr" anchorCtr="0" compatLnSpc="1">
-              <a:prstTxWarp prst="textNoShape">
-                <a:avLst/>
-              </a:prstTxWarp>
-              <a:spAutoFit/>
-            </a:bodyPr>
-            <a:lstStyle/>
-            <a:p>
-              <a:pPr lvl="0" defTabSz="914400" eaLnBrk="0" fontAlgn="base">
-                <a:spcBef>
-                  <a:spcPct val="0"/>
-                </a:spcBef>
-                <a:spcAft>
-                  <a:spcPct val="0"/>
-                </a:spcAft>
-              </a:pPr>
-              <a:r>
-                <a:rPr lang="zh-CN" altLang="en-US" sz="2400" dirty="0">
-                  <a:solidFill>
-                    <a:schemeClr val="tx1"/>
-                  </a:solidFill>
-                  <a:latin typeface="华文细黑" panose="02010600040101010101" pitchFamily="2" charset="-122"/>
-                  <a:ea typeface="华文细黑" panose="02010600040101010101" pitchFamily="2" charset="-122"/>
-                </a:rPr>
-                <a:t>全局最大和：</a:t>
-              </a:r>
-              <a:r>
-                <a:rPr lang="en-US" altLang="zh-CN" sz="2400" dirty="0">
-                  <a:solidFill>
-                    <a:schemeClr val="tx1"/>
-                  </a:solidFill>
-                  <a:latin typeface="华文细黑" panose="02010600040101010101" pitchFamily="2" charset="-122"/>
-                  <a:ea typeface="华文细黑" panose="02010600040101010101" pitchFamily="2" charset="-122"/>
-                </a:rPr>
-                <a:t>22</a:t>
-              </a:r>
-            </a:p>
-            <a:p>
-              <a:pPr lvl="0" defTabSz="914400" eaLnBrk="0" fontAlgn="base">
-                <a:spcBef>
-                  <a:spcPct val="0"/>
-                </a:spcBef>
-                <a:spcAft>
-                  <a:spcPct val="0"/>
-                </a:spcAft>
-              </a:pPr>
-              <a:r>
-                <a:rPr lang="en-US" altLang="zh-CN" sz="2400" dirty="0">
-                  <a:solidFill>
-                    <a:schemeClr val="tx1"/>
-                  </a:solidFill>
-                  <a:latin typeface="华文细黑" panose="02010600040101010101" pitchFamily="2" charset="-122"/>
-                  <a:ea typeface="华文细黑" panose="02010600040101010101" pitchFamily="2" charset="-122"/>
-                </a:rPr>
-                <a:t> </a:t>
-              </a:r>
-            </a:p>
-          </p:txBody>
-        </p:sp>
-      </p:grpSp>
-      <p:grpSp>
-        <p:nvGrpSpPr>
-          <p:cNvPr id="8" name="组合 7">
-            <a:extLst>
-              <a:ext uri="{FF2B5EF4-FFF2-40B4-BE49-F238E27FC236}">
-                <a16:creationId xmlns:a16="http://schemas.microsoft.com/office/drawing/2014/main" id="{D12EC995-29FD-46E7-BC67-0789AB718965}"/>
-              </a:ext>
-            </a:extLst>
-          </p:cNvPr>
-          <p:cNvGrpSpPr/>
-          <p:nvPr/>
-        </p:nvGrpSpPr>
-        <p:grpSpPr>
-          <a:xfrm>
-            <a:off x="10022983" y="7263006"/>
-            <a:ext cx="10978376" cy="1200329"/>
-            <a:chOff x="10916571" y="3469737"/>
-            <a:chExt cx="10978376" cy="1200329"/>
-          </a:xfrm>
-        </p:grpSpPr>
-        <p:sp>
-          <p:nvSpPr>
-            <p:cNvPr id="13" name="Rectangle 2">
-              <a:extLst>
-                <a:ext uri="{FF2B5EF4-FFF2-40B4-BE49-F238E27FC236}">
-                  <a16:creationId xmlns:a16="http://schemas.microsoft.com/office/drawing/2014/main" id="{B0AAA68D-153E-4BE6-A349-B5D4229DC675}"/>
-                </a:ext>
-              </a:extLst>
-            </p:cNvPr>
-            <p:cNvSpPr>
-              <a:spLocks noChangeArrowheads="1"/>
-            </p:cNvSpPr>
-            <p:nvPr/>
-          </p:nvSpPr>
-          <p:spPr bwMode="auto">
-            <a:xfrm>
-              <a:off x="10916571" y="3469737"/>
-              <a:ext cx="4971090" cy="1200329"/>
-            </a:xfrm>
-            <a:prstGeom prst="rect">
-              <a:avLst/>
-            </a:prstGeom>
-            <a:noFill/>
-            <a:ln>
-              <a:noFill/>
-            </a:ln>
-            <a:effectLst/>
-          </p:spPr>
-          <p:txBody>
-            <a:bodyPr vert="horz" wrap="square" lIns="91440" tIns="45720" rIns="91440" bIns="45720" numCol="1" anchor="ctr" anchorCtr="0" compatLnSpc="1">
-              <a:prstTxWarp prst="textNoShape">
-                <a:avLst/>
-              </a:prstTxWarp>
-              <a:spAutoFit/>
-            </a:bodyPr>
-            <a:lstStyle/>
-            <a:p>
-              <a:pPr lvl="0" defTabSz="914400" eaLnBrk="0" fontAlgn="base">
-                <a:spcBef>
-                  <a:spcPct val="0"/>
-                </a:spcBef>
-                <a:spcAft>
-                  <a:spcPct val="0"/>
-                </a:spcAft>
-              </a:pPr>
-              <a:r>
-                <a:rPr lang="en-US" altLang="zh-CN" sz="2400" dirty="0">
-                  <a:solidFill>
-                    <a:schemeClr val="tx1"/>
-                  </a:solidFill>
-                  <a:latin typeface="华文细黑" panose="02010600040101010101" pitchFamily="2" charset="-122"/>
-                  <a:ea typeface="华文细黑" panose="02010600040101010101" pitchFamily="2" charset="-122"/>
-                </a:rPr>
-                <a:t>5</a:t>
-              </a:r>
-            </a:p>
-            <a:p>
-              <a:pPr lvl="0" defTabSz="914400" eaLnBrk="0" fontAlgn="base">
-                <a:spcBef>
-                  <a:spcPct val="0"/>
-                </a:spcBef>
-                <a:spcAft>
-                  <a:spcPct val="0"/>
-                </a:spcAft>
-              </a:pPr>
-              <a:r>
-                <a:rPr lang="en-US" altLang="zh-CN" sz="2400" dirty="0">
-                  <a:solidFill>
-                    <a:schemeClr val="tx1"/>
-                  </a:solidFill>
-                  <a:latin typeface="华文细黑" panose="02010600040101010101" pitchFamily="2" charset="-122"/>
-                  <a:ea typeface="华文细黑" panose="02010600040101010101" pitchFamily="2" charset="-122"/>
-                </a:rPr>
-                <a:t>/  \</a:t>
-              </a:r>
-            </a:p>
-            <a:p>
-              <a:pPr lvl="0" defTabSz="914400" eaLnBrk="0" fontAlgn="base">
-                <a:spcBef>
-                  <a:spcPct val="0"/>
-                </a:spcBef>
-                <a:spcAft>
-                  <a:spcPct val="0"/>
-                </a:spcAft>
-              </a:pPr>
-              <a:r>
-                <a:rPr lang="en-US" altLang="zh-CN" sz="2400" dirty="0">
-                  <a:solidFill>
-                    <a:schemeClr val="accent1">
-                      <a:lumMod val="75000"/>
-                    </a:schemeClr>
-                  </a:solidFill>
-                  <a:latin typeface="华文细黑" panose="02010600040101010101" pitchFamily="2" charset="-122"/>
-                  <a:ea typeface="华文细黑" panose="02010600040101010101" pitchFamily="2" charset="-122"/>
-                </a:rPr>
-                <a:t>4</a:t>
-              </a:r>
-              <a:r>
-                <a:rPr lang="en-US" altLang="zh-CN" sz="2400" dirty="0">
-                  <a:solidFill>
-                    <a:schemeClr val="tx1"/>
-                  </a:solidFill>
-                  <a:latin typeface="华文细黑" panose="02010600040101010101" pitchFamily="2" charset="-122"/>
-                  <a:ea typeface="华文细黑" panose="02010600040101010101" pitchFamily="2" charset="-122"/>
-                </a:rPr>
-                <a:t>     8</a:t>
-              </a:r>
-            </a:p>
-          </p:txBody>
-        </p:sp>
-        <p:sp>
-          <p:nvSpPr>
-            <p:cNvPr id="23" name="Rectangle 2">
-              <a:extLst>
-                <a:ext uri="{FF2B5EF4-FFF2-40B4-BE49-F238E27FC236}">
-                  <a16:creationId xmlns:a16="http://schemas.microsoft.com/office/drawing/2014/main" id="{39C7B6A8-1CE4-4679-B5AA-ED88A2201221}"/>
-                </a:ext>
-              </a:extLst>
-            </p:cNvPr>
-            <p:cNvSpPr>
-              <a:spLocks noChangeArrowheads="1"/>
-            </p:cNvSpPr>
-            <p:nvPr/>
-          </p:nvSpPr>
-          <p:spPr bwMode="auto">
-            <a:xfrm>
-              <a:off x="19440257" y="3469737"/>
-              <a:ext cx="2454690" cy="830997"/>
-            </a:xfrm>
-            <a:prstGeom prst="rect">
-              <a:avLst/>
-            </a:prstGeom>
-            <a:noFill/>
-            <a:ln>
-              <a:noFill/>
-            </a:ln>
-            <a:effectLst/>
-          </p:spPr>
-          <p:txBody>
-            <a:bodyPr vert="horz" wrap="square" lIns="91440" tIns="45720" rIns="91440" bIns="45720" numCol="1" anchor="ctr" anchorCtr="0" compatLnSpc="1">
-              <a:prstTxWarp prst="textNoShape">
-                <a:avLst/>
-              </a:prstTxWarp>
-              <a:spAutoFit/>
-            </a:bodyPr>
-            <a:lstStyle/>
-            <a:p>
-              <a:pPr lvl="0" defTabSz="914400" eaLnBrk="0" fontAlgn="base">
-                <a:spcBef>
-                  <a:spcPct val="0"/>
-                </a:spcBef>
-                <a:spcAft>
-                  <a:spcPct val="0"/>
-                </a:spcAft>
-              </a:pPr>
-              <a:r>
-                <a:rPr lang="zh-CN" altLang="en-US" sz="2400" dirty="0">
-                  <a:solidFill>
-                    <a:schemeClr val="tx1"/>
-                  </a:solidFill>
-                  <a:latin typeface="华文细黑" panose="02010600040101010101" pitchFamily="2" charset="-122"/>
-                  <a:ea typeface="华文细黑" panose="02010600040101010101" pitchFamily="2" charset="-122"/>
-                </a:rPr>
-                <a:t>全局最大和：</a:t>
-              </a:r>
-              <a:r>
-                <a:rPr lang="en-US" altLang="zh-CN" sz="2400" dirty="0">
-                  <a:solidFill>
-                    <a:schemeClr val="tx1"/>
-                  </a:solidFill>
-                  <a:latin typeface="华文细黑" panose="02010600040101010101" pitchFamily="2" charset="-122"/>
-                  <a:ea typeface="华文细黑" panose="02010600040101010101" pitchFamily="2" charset="-122"/>
-                </a:rPr>
-                <a:t>0</a:t>
-              </a:r>
-            </a:p>
-            <a:p>
-              <a:pPr lvl="0" defTabSz="914400" eaLnBrk="0" fontAlgn="base">
-                <a:spcBef>
-                  <a:spcPct val="0"/>
-                </a:spcBef>
-                <a:spcAft>
-                  <a:spcPct val="0"/>
-                </a:spcAft>
-              </a:pPr>
-              <a:r>
-                <a:rPr lang="en-US" altLang="zh-CN" sz="2400" dirty="0">
-                  <a:solidFill>
-                    <a:schemeClr val="tx1"/>
-                  </a:solidFill>
-                  <a:latin typeface="华文细黑" panose="02010600040101010101" pitchFamily="2" charset="-122"/>
-                  <a:ea typeface="华文细黑" panose="02010600040101010101" pitchFamily="2" charset="-122"/>
-                </a:rPr>
-                <a:t> </a:t>
-              </a:r>
-            </a:p>
-          </p:txBody>
-        </p:sp>
-      </p:grpSp>
-      <p:sp>
-        <p:nvSpPr>
-          <p:cNvPr id="4" name="矩形 3">
-            <a:extLst>
-              <a:ext uri="{FF2B5EF4-FFF2-40B4-BE49-F238E27FC236}">
-                <a16:creationId xmlns:a16="http://schemas.microsoft.com/office/drawing/2014/main" id="{B3EBF6B8-424D-4C94-811F-B8D91D36F5B2}"/>
-              </a:ext>
-            </a:extLst>
-          </p:cNvPr>
-          <p:cNvSpPr/>
-          <p:nvPr/>
-        </p:nvSpPr>
+        </p:nvPicPr>
+        <p:blipFill>
+          <a:blip r:embed="rId3"/>
+          <a:stretch>
+            <a:fillRect/>
+          </a:stretch>
+        </p:blipFill>
         <p:spPr>
           <a:xfrm>
-            <a:off x="4924045" y="6972665"/>
-            <a:ext cx="1445623" cy="1200329"/>
+            <a:off x="8644671" y="2638425"/>
+            <a:ext cx="2990850" cy="4038600"/>
           </a:xfrm>
           <a:prstGeom prst="rect">
             <a:avLst/>
           </a:prstGeom>
-          <a:solidFill>
-            <a:schemeClr val="accent4">
-              <a:lumMod val="20000"/>
-              <a:lumOff val="80000"/>
-            </a:schemeClr>
-          </a:solidFill>
         </p:spPr>
-        <p:txBody>
-          <a:bodyPr wrap="square">
-            <a:spAutoFit/>
-          </a:bodyPr>
-          <a:lstStyle/>
-          <a:p>
-            <a:pPr lvl="0" defTabSz="914400" eaLnBrk="0" fontAlgn="base">
-              <a:spcBef>
-                <a:spcPct val="0"/>
-              </a:spcBef>
-              <a:spcAft>
-                <a:spcPct val="0"/>
-              </a:spcAft>
-            </a:pPr>
-            <a:r>
-              <a:rPr lang="en-US" altLang="zh-CN" sz="2400" dirty="0">
-                <a:solidFill>
-                  <a:schemeClr val="tx1"/>
-                </a:solidFill>
-                <a:latin typeface="华文细黑" panose="02010600040101010101" pitchFamily="2" charset="-122"/>
-                <a:ea typeface="华文细黑" panose="02010600040101010101" pitchFamily="2" charset="-122"/>
-              </a:rPr>
-              <a:t>5</a:t>
-            </a:r>
-          </a:p>
-          <a:p>
-            <a:pPr lvl="0" defTabSz="914400" eaLnBrk="0" fontAlgn="base">
-              <a:spcBef>
-                <a:spcPct val="0"/>
-              </a:spcBef>
-              <a:spcAft>
-                <a:spcPct val="0"/>
-              </a:spcAft>
-            </a:pPr>
-            <a:r>
-              <a:rPr lang="zh-CN" altLang="zh-CN" sz="2400" dirty="0">
-                <a:solidFill>
-                  <a:schemeClr val="tx1"/>
-                </a:solidFill>
-                <a:latin typeface="华文细黑" panose="02010600040101010101" pitchFamily="2" charset="-122"/>
-                <a:ea typeface="华文细黑" panose="02010600040101010101" pitchFamily="2" charset="-122"/>
-              </a:rPr>
-              <a:t>/ \</a:t>
-            </a:r>
-            <a:endParaRPr lang="en-US" altLang="zh-CN" sz="2400" dirty="0">
-              <a:solidFill>
-                <a:schemeClr val="tx1"/>
-              </a:solidFill>
-              <a:latin typeface="华文细黑" panose="02010600040101010101" pitchFamily="2" charset="-122"/>
-              <a:ea typeface="华文细黑" panose="02010600040101010101" pitchFamily="2" charset="-122"/>
-            </a:endParaRPr>
-          </a:p>
-          <a:p>
-            <a:pPr lvl="0" defTabSz="914400" eaLnBrk="0" fontAlgn="base">
-              <a:spcBef>
-                <a:spcPct val="0"/>
-              </a:spcBef>
-              <a:spcAft>
-                <a:spcPct val="0"/>
-              </a:spcAft>
-            </a:pPr>
-            <a:r>
-              <a:rPr lang="en-US" altLang="zh-CN" sz="2400" dirty="0">
-                <a:solidFill>
-                  <a:schemeClr val="tx1"/>
-                </a:solidFill>
-                <a:latin typeface="华文细黑" panose="02010600040101010101" pitchFamily="2" charset="-122"/>
-                <a:ea typeface="华文细黑" panose="02010600040101010101" pitchFamily="2" charset="-122"/>
-              </a:rPr>
-              <a:t>4    8</a:t>
-            </a:r>
-          </a:p>
-        </p:txBody>
-      </p:sp>
-      <p:grpSp>
-        <p:nvGrpSpPr>
-          <p:cNvPr id="9" name="组合 8">
+      </p:pic>
+      <p:pic>
+        <p:nvPicPr>
+          <p:cNvPr id="6" name="图片 5">
             <a:extLst>
               <a:ext uri="{FF2B5EF4-FFF2-40B4-BE49-F238E27FC236}">
-                <a16:creationId xmlns:a16="http://schemas.microsoft.com/office/drawing/2014/main" id="{20669ADD-224E-4CF6-A7AB-9A44762232B6}"/>
+                <a16:creationId xmlns:a16="http://schemas.microsoft.com/office/drawing/2014/main" id="{311344AC-F09E-4648-96F8-3EAEC0B9BC12}"/>
               </a:ext>
             </a:extLst>
           </p:cNvPr>
-          <p:cNvGrpSpPr/>
+          <p:cNvPicPr>
+            <a:picLocks noChangeAspect="1"/>
+          </p:cNvPicPr>
           <p:nvPr/>
-        </p:nvGrpSpPr>
-        <p:grpSpPr>
-          <a:xfrm>
-            <a:off x="10022983" y="7257668"/>
-            <a:ext cx="10978376" cy="1201054"/>
-            <a:chOff x="10916571" y="4724813"/>
-            <a:chExt cx="10978376" cy="1201054"/>
-          </a:xfrm>
-        </p:grpSpPr>
-        <p:sp>
-          <p:nvSpPr>
-            <p:cNvPr id="14" name="Rectangle 2">
-              <a:extLst>
-                <a:ext uri="{FF2B5EF4-FFF2-40B4-BE49-F238E27FC236}">
-                  <a16:creationId xmlns:a16="http://schemas.microsoft.com/office/drawing/2014/main" id="{4531B44D-048C-4F9C-867C-D78ADB91F1D3}"/>
-                </a:ext>
-              </a:extLst>
-            </p:cNvPr>
-            <p:cNvSpPr>
-              <a:spLocks noChangeArrowheads="1"/>
-            </p:cNvSpPr>
-            <p:nvPr/>
-          </p:nvSpPr>
-          <p:spPr bwMode="auto">
-            <a:xfrm>
-              <a:off x="10916571" y="4725538"/>
-              <a:ext cx="4971090" cy="1200329"/>
-            </a:xfrm>
-            <a:prstGeom prst="rect">
-              <a:avLst/>
-            </a:prstGeom>
-            <a:noFill/>
-            <a:ln>
-              <a:noFill/>
-            </a:ln>
-            <a:effectLst/>
-          </p:spPr>
-          <p:txBody>
-            <a:bodyPr vert="horz" wrap="square" lIns="91440" tIns="45720" rIns="91440" bIns="45720" numCol="1" anchor="ctr" anchorCtr="0" compatLnSpc="1">
-              <a:prstTxWarp prst="textNoShape">
-                <a:avLst/>
-              </a:prstTxWarp>
-              <a:spAutoFit/>
-            </a:bodyPr>
-            <a:lstStyle/>
-            <a:p>
-              <a:pPr lvl="0" defTabSz="914400" eaLnBrk="0" fontAlgn="base">
-                <a:spcBef>
-                  <a:spcPct val="0"/>
-                </a:spcBef>
-                <a:spcAft>
-                  <a:spcPct val="0"/>
-                </a:spcAft>
-              </a:pPr>
-              <a:r>
-                <a:rPr lang="en-US" altLang="zh-CN" sz="2400" dirty="0">
-                  <a:solidFill>
-                    <a:schemeClr val="tx1"/>
-                  </a:solidFill>
-                  <a:latin typeface="华文细黑" panose="02010600040101010101" pitchFamily="2" charset="-122"/>
-                  <a:ea typeface="华文细黑" panose="02010600040101010101" pitchFamily="2" charset="-122"/>
-                </a:rPr>
-                <a:t>4</a:t>
-              </a:r>
-            </a:p>
-            <a:p>
-              <a:pPr lvl="0" defTabSz="914400" eaLnBrk="0" fontAlgn="base">
-                <a:spcBef>
-                  <a:spcPct val="0"/>
-                </a:spcBef>
-                <a:spcAft>
-                  <a:spcPct val="0"/>
-                </a:spcAft>
-              </a:pPr>
-              <a:r>
-                <a:rPr lang="en-US" altLang="zh-CN" sz="2400" dirty="0">
-                  <a:solidFill>
-                    <a:schemeClr val="tx1"/>
-                  </a:solidFill>
-                  <a:latin typeface="华文细黑" panose="02010600040101010101" pitchFamily="2" charset="-122"/>
-                  <a:ea typeface="华文细黑" panose="02010600040101010101" pitchFamily="2" charset="-122"/>
-                </a:rPr>
-                <a:t>/  </a:t>
-              </a:r>
-              <a:r>
-                <a:rPr lang="en-US" altLang="zh-CN" sz="2400" dirty="0">
-                  <a:solidFill>
-                    <a:schemeClr val="bg1"/>
-                  </a:solidFill>
-                  <a:latin typeface="华文细黑" panose="02010600040101010101" pitchFamily="2" charset="-122"/>
-                  <a:ea typeface="华文细黑" panose="02010600040101010101" pitchFamily="2" charset="-122"/>
-                </a:rPr>
-                <a:t>\</a:t>
-              </a:r>
-            </a:p>
-            <a:p>
-              <a:pPr lvl="0" defTabSz="914400" eaLnBrk="0" fontAlgn="base">
-                <a:spcBef>
-                  <a:spcPct val="0"/>
-                </a:spcBef>
-                <a:spcAft>
-                  <a:spcPct val="0"/>
-                </a:spcAft>
-              </a:pPr>
-              <a:r>
-                <a:rPr lang="en-US" altLang="zh-CN" sz="2400" dirty="0">
-                  <a:solidFill>
-                    <a:schemeClr val="accent1">
-                      <a:lumMod val="75000"/>
-                    </a:schemeClr>
-                  </a:solidFill>
-                  <a:latin typeface="华文细黑" panose="02010600040101010101" pitchFamily="2" charset="-122"/>
-                  <a:ea typeface="华文细黑" panose="02010600040101010101" pitchFamily="2" charset="-122"/>
-                </a:rPr>
-                <a:t>11</a:t>
-              </a:r>
-              <a:r>
-                <a:rPr lang="en-US" altLang="zh-CN" sz="2400" dirty="0">
-                  <a:solidFill>
-                    <a:schemeClr val="tx1"/>
-                  </a:solidFill>
-                  <a:latin typeface="华文细黑" panose="02010600040101010101" pitchFamily="2" charset="-122"/>
-                  <a:ea typeface="华文细黑" panose="02010600040101010101" pitchFamily="2" charset="-122"/>
-                </a:rPr>
-                <a:t>     </a:t>
-              </a:r>
-              <a:r>
-                <a:rPr lang="en-US" altLang="zh-CN" sz="2400" dirty="0">
-                  <a:solidFill>
-                    <a:schemeClr val="bg1"/>
-                  </a:solidFill>
-                  <a:latin typeface="华文细黑" panose="02010600040101010101" pitchFamily="2" charset="-122"/>
-                  <a:ea typeface="华文细黑" panose="02010600040101010101" pitchFamily="2" charset="-122"/>
-                </a:rPr>
-                <a:t>0</a:t>
-              </a:r>
-            </a:p>
-          </p:txBody>
-        </p:sp>
-        <p:sp>
-          <p:nvSpPr>
-            <p:cNvPr id="24" name="Rectangle 2">
-              <a:extLst>
-                <a:ext uri="{FF2B5EF4-FFF2-40B4-BE49-F238E27FC236}">
-                  <a16:creationId xmlns:a16="http://schemas.microsoft.com/office/drawing/2014/main" id="{56026250-6C40-428F-A059-D8EA071FFE13}"/>
-                </a:ext>
-              </a:extLst>
-            </p:cNvPr>
-            <p:cNvSpPr>
-              <a:spLocks noChangeArrowheads="1"/>
-            </p:cNvSpPr>
-            <p:nvPr/>
-          </p:nvSpPr>
-          <p:spPr bwMode="auto">
-            <a:xfrm>
-              <a:off x="19440257" y="4724813"/>
-              <a:ext cx="2454690" cy="830997"/>
-            </a:xfrm>
-            <a:prstGeom prst="rect">
-              <a:avLst/>
-            </a:prstGeom>
-            <a:noFill/>
-            <a:ln>
-              <a:noFill/>
-            </a:ln>
-            <a:effectLst/>
-          </p:spPr>
-          <p:txBody>
-            <a:bodyPr vert="horz" wrap="square" lIns="91440" tIns="45720" rIns="91440" bIns="45720" numCol="1" anchor="ctr" anchorCtr="0" compatLnSpc="1">
-              <a:prstTxWarp prst="textNoShape">
-                <a:avLst/>
-              </a:prstTxWarp>
-              <a:spAutoFit/>
-            </a:bodyPr>
-            <a:lstStyle/>
-            <a:p>
-              <a:pPr lvl="0" defTabSz="914400" eaLnBrk="0" fontAlgn="base">
-                <a:spcBef>
-                  <a:spcPct val="0"/>
-                </a:spcBef>
-                <a:spcAft>
-                  <a:spcPct val="0"/>
-                </a:spcAft>
-              </a:pPr>
-              <a:r>
-                <a:rPr lang="zh-CN" altLang="en-US" sz="2400" dirty="0">
-                  <a:solidFill>
-                    <a:schemeClr val="tx1"/>
-                  </a:solidFill>
-                  <a:latin typeface="华文细黑" panose="02010600040101010101" pitchFamily="2" charset="-122"/>
-                  <a:ea typeface="华文细黑" panose="02010600040101010101" pitchFamily="2" charset="-122"/>
-                </a:rPr>
-                <a:t>全局最大和：</a:t>
-              </a:r>
-              <a:r>
-                <a:rPr lang="en-US" altLang="zh-CN" sz="2400" dirty="0">
-                  <a:solidFill>
-                    <a:schemeClr val="tx1"/>
-                  </a:solidFill>
-                  <a:latin typeface="华文细黑" panose="02010600040101010101" pitchFamily="2" charset="-122"/>
-                  <a:ea typeface="华文细黑" panose="02010600040101010101" pitchFamily="2" charset="-122"/>
-                </a:rPr>
-                <a:t>0</a:t>
-              </a:r>
-            </a:p>
-            <a:p>
-              <a:pPr lvl="0" defTabSz="914400" eaLnBrk="0" fontAlgn="base">
-                <a:spcBef>
-                  <a:spcPct val="0"/>
-                </a:spcBef>
-                <a:spcAft>
-                  <a:spcPct val="0"/>
-                </a:spcAft>
-              </a:pPr>
-              <a:endParaRPr lang="en-US" altLang="zh-CN" sz="2400" dirty="0">
-                <a:solidFill>
-                  <a:schemeClr val="tx1"/>
-                </a:solidFill>
-                <a:latin typeface="华文细黑" panose="02010600040101010101" pitchFamily="2" charset="-122"/>
-                <a:ea typeface="华文细黑" panose="02010600040101010101" pitchFamily="2" charset="-122"/>
-              </a:endParaRPr>
-            </a:p>
-          </p:txBody>
-        </p:sp>
-      </p:grpSp>
-      <p:sp>
-        <p:nvSpPr>
-          <p:cNvPr id="31" name="矩形 30">
-            <a:extLst>
-              <a:ext uri="{FF2B5EF4-FFF2-40B4-BE49-F238E27FC236}">
-                <a16:creationId xmlns:a16="http://schemas.microsoft.com/office/drawing/2014/main" id="{5799603D-6187-445C-A6E2-B190D7F50AD5}"/>
-              </a:ext>
-            </a:extLst>
-          </p:cNvPr>
-          <p:cNvSpPr/>
-          <p:nvPr/>
-        </p:nvSpPr>
+        </p:nvPicPr>
+        <p:blipFill>
+          <a:blip r:embed="rId4"/>
+          <a:stretch>
+            <a:fillRect/>
+          </a:stretch>
+        </p:blipFill>
         <p:spPr>
           <a:xfrm>
-            <a:off x="4685027" y="7702309"/>
-            <a:ext cx="1256134" cy="1200329"/>
+            <a:off x="12158662" y="2752725"/>
+            <a:ext cx="3057525" cy="3857625"/>
           </a:xfrm>
           <a:prstGeom prst="rect">
             <a:avLst/>
           </a:prstGeom>
-          <a:solidFill>
-            <a:schemeClr val="accent4">
-              <a:lumMod val="20000"/>
-              <a:lumOff val="80000"/>
-            </a:schemeClr>
-          </a:solidFill>
         </p:spPr>
-        <p:txBody>
-          <a:bodyPr wrap="square">
-            <a:spAutoFit/>
-          </a:bodyPr>
-          <a:lstStyle/>
-          <a:p>
-            <a:pPr lvl="0" defTabSz="914400" eaLnBrk="0" fontAlgn="base">
-              <a:spcBef>
-                <a:spcPct val="0"/>
-              </a:spcBef>
-              <a:spcAft>
-                <a:spcPct val="0"/>
-              </a:spcAft>
-            </a:pPr>
-            <a:r>
-              <a:rPr lang="en-US" altLang="zh-CN" sz="2400" dirty="0">
-                <a:solidFill>
-                  <a:schemeClr val="tx1"/>
-                </a:solidFill>
-                <a:latin typeface="华文细黑" panose="02010600040101010101" pitchFamily="2" charset="-122"/>
-                <a:ea typeface="华文细黑" panose="02010600040101010101" pitchFamily="2" charset="-122"/>
-              </a:rPr>
-              <a:t>4</a:t>
-            </a:r>
-          </a:p>
-          <a:p>
-            <a:pPr lvl="0" defTabSz="914400" eaLnBrk="0" fontAlgn="base">
-              <a:spcBef>
-                <a:spcPct val="0"/>
-              </a:spcBef>
-              <a:spcAft>
-                <a:spcPct val="0"/>
-              </a:spcAft>
-            </a:pPr>
-            <a:r>
-              <a:rPr lang="zh-CN" altLang="zh-CN" sz="2400" dirty="0">
-                <a:solidFill>
-                  <a:schemeClr val="tx1"/>
-                </a:solidFill>
-                <a:latin typeface="华文细黑" panose="02010600040101010101" pitchFamily="2" charset="-122"/>
-                <a:ea typeface="华文细黑" panose="02010600040101010101" pitchFamily="2" charset="-122"/>
-              </a:rPr>
-              <a:t>/ </a:t>
-            </a:r>
-            <a:r>
-              <a:rPr lang="zh-CN" altLang="zh-CN" sz="2400" dirty="0">
-                <a:solidFill>
-                  <a:schemeClr val="accent4">
-                    <a:lumMod val="20000"/>
-                    <a:lumOff val="80000"/>
-                  </a:schemeClr>
-                </a:solidFill>
-                <a:latin typeface="华文细黑" panose="02010600040101010101" pitchFamily="2" charset="-122"/>
-                <a:ea typeface="华文细黑" panose="02010600040101010101" pitchFamily="2" charset="-122"/>
-              </a:rPr>
-              <a:t>\</a:t>
-            </a:r>
-            <a:endParaRPr lang="en-US" altLang="zh-CN" sz="2400" dirty="0">
-              <a:solidFill>
-                <a:schemeClr val="accent4">
-                  <a:lumMod val="20000"/>
-                  <a:lumOff val="80000"/>
-                </a:schemeClr>
-              </a:solidFill>
-              <a:latin typeface="华文细黑" panose="02010600040101010101" pitchFamily="2" charset="-122"/>
-              <a:ea typeface="华文细黑" panose="02010600040101010101" pitchFamily="2" charset="-122"/>
-            </a:endParaRPr>
-          </a:p>
-          <a:p>
-            <a:pPr lvl="0" defTabSz="914400" eaLnBrk="0" fontAlgn="base">
-              <a:spcBef>
-                <a:spcPct val="0"/>
-              </a:spcBef>
-              <a:spcAft>
-                <a:spcPct val="0"/>
-              </a:spcAft>
-            </a:pPr>
-            <a:r>
-              <a:rPr lang="en-US" altLang="zh-CN" sz="2400" dirty="0">
-                <a:solidFill>
-                  <a:schemeClr val="tx1"/>
-                </a:solidFill>
-                <a:latin typeface="华文细黑" panose="02010600040101010101" pitchFamily="2" charset="-122"/>
-                <a:ea typeface="华文细黑" panose="02010600040101010101" pitchFamily="2" charset="-122"/>
-              </a:rPr>
-              <a:t>11    </a:t>
-            </a:r>
-            <a:r>
-              <a:rPr lang="en-US" altLang="zh-CN" sz="2400" dirty="0">
-                <a:solidFill>
-                  <a:schemeClr val="accent4">
-                    <a:lumMod val="20000"/>
-                    <a:lumOff val="80000"/>
-                  </a:schemeClr>
-                </a:solidFill>
-                <a:latin typeface="华文细黑" panose="02010600040101010101" pitchFamily="2" charset="-122"/>
-                <a:ea typeface="华文细黑" panose="02010600040101010101" pitchFamily="2" charset="-122"/>
-              </a:rPr>
-              <a:t>0</a:t>
-            </a:r>
-          </a:p>
-        </p:txBody>
-      </p:sp>
-      <p:sp>
-        <p:nvSpPr>
-          <p:cNvPr id="32" name="矩形 31">
+      </p:pic>
+      <p:pic>
+        <p:nvPicPr>
+          <p:cNvPr id="7" name="图片 6">
             <a:extLst>
               <a:ext uri="{FF2B5EF4-FFF2-40B4-BE49-F238E27FC236}">
-                <a16:creationId xmlns:a16="http://schemas.microsoft.com/office/drawing/2014/main" id="{75FCEA69-0511-4CDA-95C4-41C4AA48E0DD}"/>
+                <a16:creationId xmlns:a16="http://schemas.microsoft.com/office/drawing/2014/main" id="{2C34E809-82FE-494A-8E37-08F898048771}"/>
               </a:ext>
             </a:extLst>
           </p:cNvPr>
-          <p:cNvSpPr/>
+          <p:cNvPicPr>
+            <a:picLocks noChangeAspect="1"/>
+          </p:cNvPicPr>
           <p:nvPr/>
-        </p:nvSpPr>
+        </p:nvPicPr>
+        <p:blipFill>
+          <a:blip r:embed="rId5"/>
+          <a:stretch>
+            <a:fillRect/>
+          </a:stretch>
+        </p:blipFill>
         <p:spPr>
           <a:xfrm>
-            <a:off x="5391957" y="7702309"/>
-            <a:ext cx="1184365" cy="1200329"/>
+            <a:off x="15649575" y="2638425"/>
+            <a:ext cx="3409950" cy="3924300"/>
           </a:xfrm>
           <a:prstGeom prst="rect">
             <a:avLst/>
           </a:prstGeom>
-          <a:solidFill>
-            <a:schemeClr val="accent4">
-              <a:lumMod val="20000"/>
-              <a:lumOff val="80000"/>
-            </a:schemeClr>
-          </a:solidFill>
         </p:spPr>
-        <p:txBody>
-          <a:bodyPr wrap="square">
-            <a:spAutoFit/>
-          </a:bodyPr>
-          <a:lstStyle/>
-          <a:p>
-            <a:pPr lvl="0" defTabSz="914400" eaLnBrk="0" fontAlgn="base">
-              <a:spcBef>
-                <a:spcPct val="0"/>
-              </a:spcBef>
-              <a:spcAft>
-                <a:spcPct val="0"/>
-              </a:spcAft>
-            </a:pPr>
-            <a:r>
-              <a:rPr lang="en-US" altLang="zh-CN" sz="2400" dirty="0">
-                <a:solidFill>
-                  <a:schemeClr val="tx1"/>
-                </a:solidFill>
-                <a:latin typeface="华文细黑" panose="02010600040101010101" pitchFamily="2" charset="-122"/>
-                <a:ea typeface="华文细黑" panose="02010600040101010101" pitchFamily="2" charset="-122"/>
-              </a:rPr>
-              <a:t>8</a:t>
-            </a:r>
-          </a:p>
-          <a:p>
-            <a:pPr lvl="0" defTabSz="914400" eaLnBrk="0" fontAlgn="base">
-              <a:spcBef>
-                <a:spcPct val="0"/>
-              </a:spcBef>
-              <a:spcAft>
-                <a:spcPct val="0"/>
-              </a:spcAft>
-            </a:pPr>
-            <a:r>
-              <a:rPr lang="zh-CN" altLang="zh-CN" sz="2400" dirty="0">
-                <a:solidFill>
-                  <a:schemeClr val="tx1"/>
-                </a:solidFill>
-                <a:latin typeface="华文细黑" panose="02010600040101010101" pitchFamily="2" charset="-122"/>
-                <a:ea typeface="华文细黑" panose="02010600040101010101" pitchFamily="2" charset="-122"/>
-              </a:rPr>
-              <a:t>/ \</a:t>
-            </a:r>
-            <a:endParaRPr lang="en-US" altLang="zh-CN" sz="2400" dirty="0">
-              <a:solidFill>
-                <a:schemeClr val="tx1"/>
-              </a:solidFill>
-              <a:latin typeface="华文细黑" panose="02010600040101010101" pitchFamily="2" charset="-122"/>
-              <a:ea typeface="华文细黑" panose="02010600040101010101" pitchFamily="2" charset="-122"/>
-            </a:endParaRPr>
-          </a:p>
-          <a:p>
-            <a:pPr lvl="0" defTabSz="914400" eaLnBrk="0" fontAlgn="base">
-              <a:spcBef>
-                <a:spcPct val="0"/>
-              </a:spcBef>
-              <a:spcAft>
-                <a:spcPct val="0"/>
-              </a:spcAft>
-            </a:pPr>
-            <a:r>
-              <a:rPr lang="en-US" altLang="zh-CN" sz="2400" dirty="0">
-                <a:solidFill>
-                  <a:schemeClr val="tx1"/>
-                </a:solidFill>
-                <a:latin typeface="华文细黑" panose="02010600040101010101" pitchFamily="2" charset="-122"/>
-                <a:ea typeface="华文细黑" panose="02010600040101010101" pitchFamily="2" charset="-122"/>
-              </a:rPr>
-              <a:t>13   </a:t>
-            </a:r>
-            <a:r>
-              <a:rPr lang="en-US" altLang="zh-CN" sz="2400" dirty="0">
-                <a:solidFill>
-                  <a:schemeClr val="accent4">
-                    <a:lumMod val="20000"/>
-                    <a:lumOff val="80000"/>
-                  </a:schemeClr>
-                </a:solidFill>
-                <a:latin typeface="华文细黑" panose="02010600040101010101" pitchFamily="2" charset="-122"/>
-                <a:ea typeface="华文细黑" panose="02010600040101010101" pitchFamily="2" charset="-122"/>
-              </a:rPr>
-              <a:t> </a:t>
-            </a:r>
-            <a:r>
-              <a:rPr lang="en-US" altLang="zh-CN" sz="2400" dirty="0">
-                <a:solidFill>
-                  <a:schemeClr val="tx1"/>
-                </a:solidFill>
-                <a:latin typeface="华文细黑" panose="02010600040101010101" pitchFamily="2" charset="-122"/>
-                <a:ea typeface="华文细黑" panose="02010600040101010101" pitchFamily="2" charset="-122"/>
-              </a:rPr>
-              <a:t>4</a:t>
-            </a:r>
-          </a:p>
-        </p:txBody>
-      </p:sp>
-      <p:grpSp>
-        <p:nvGrpSpPr>
-          <p:cNvPr id="35" name="组合 34">
+      </p:pic>
+      <p:pic>
+        <p:nvPicPr>
+          <p:cNvPr id="16" name="图片 15">
             <a:extLst>
               <a:ext uri="{FF2B5EF4-FFF2-40B4-BE49-F238E27FC236}">
-                <a16:creationId xmlns:a16="http://schemas.microsoft.com/office/drawing/2014/main" id="{90329D34-E375-4C71-ADC8-EA9D7FDA5C99}"/>
+                <a16:creationId xmlns:a16="http://schemas.microsoft.com/office/drawing/2014/main" id="{CDD55D1E-F715-4191-B2C7-B7F851564F53}"/>
               </a:ext>
             </a:extLst>
           </p:cNvPr>
-          <p:cNvGrpSpPr/>
+          <p:cNvPicPr>
+            <a:picLocks noChangeAspect="1"/>
+          </p:cNvPicPr>
           <p:nvPr/>
-        </p:nvGrpSpPr>
-        <p:grpSpPr>
-          <a:xfrm>
-            <a:off x="10022983" y="7263006"/>
-            <a:ext cx="10978376" cy="1201779"/>
-            <a:chOff x="10916571" y="5979889"/>
-            <a:chExt cx="10978376" cy="1201779"/>
-          </a:xfrm>
-        </p:grpSpPr>
-        <p:sp>
-          <p:nvSpPr>
-            <p:cNvPr id="15" name="Rectangle 2">
-              <a:extLst>
-                <a:ext uri="{FF2B5EF4-FFF2-40B4-BE49-F238E27FC236}">
-                  <a16:creationId xmlns:a16="http://schemas.microsoft.com/office/drawing/2014/main" id="{87EA7034-457C-4DC4-8B1E-C9209BE7705F}"/>
-                </a:ext>
-              </a:extLst>
-            </p:cNvPr>
-            <p:cNvSpPr>
-              <a:spLocks noChangeArrowheads="1"/>
-            </p:cNvSpPr>
-            <p:nvPr/>
-          </p:nvSpPr>
-          <p:spPr bwMode="auto">
-            <a:xfrm>
-              <a:off x="10916571" y="5981339"/>
-              <a:ext cx="4971090" cy="1200329"/>
-            </a:xfrm>
-            <a:prstGeom prst="rect">
-              <a:avLst/>
-            </a:prstGeom>
-            <a:noFill/>
-            <a:ln>
-              <a:noFill/>
-            </a:ln>
-            <a:effectLst/>
-          </p:spPr>
-          <p:txBody>
-            <a:bodyPr vert="horz" wrap="square" lIns="91440" tIns="45720" rIns="91440" bIns="45720" numCol="1" anchor="ctr" anchorCtr="0" compatLnSpc="1">
-              <a:prstTxWarp prst="textNoShape">
-                <a:avLst/>
-              </a:prstTxWarp>
-              <a:spAutoFit/>
-            </a:bodyPr>
-            <a:lstStyle/>
-            <a:p>
-              <a:pPr lvl="0" defTabSz="914400" eaLnBrk="0" fontAlgn="base">
-                <a:spcBef>
-                  <a:spcPct val="0"/>
-                </a:spcBef>
-                <a:spcAft>
-                  <a:spcPct val="0"/>
-                </a:spcAft>
-              </a:pPr>
-              <a:r>
-                <a:rPr lang="en-US" altLang="zh-CN" sz="2400" dirty="0">
-                  <a:solidFill>
-                    <a:schemeClr val="tx1"/>
-                  </a:solidFill>
-                  <a:latin typeface="华文细黑" panose="02010600040101010101" pitchFamily="2" charset="-122"/>
-                  <a:ea typeface="华文细黑" panose="02010600040101010101" pitchFamily="2" charset="-122"/>
-                </a:rPr>
-                <a:t>11</a:t>
-              </a:r>
-            </a:p>
-            <a:p>
-              <a:pPr lvl="0" defTabSz="914400" eaLnBrk="0" fontAlgn="base">
-                <a:spcBef>
-                  <a:spcPct val="0"/>
-                </a:spcBef>
-                <a:spcAft>
-                  <a:spcPct val="0"/>
-                </a:spcAft>
-              </a:pPr>
-              <a:r>
-                <a:rPr lang="en-US" altLang="zh-CN" sz="2400" dirty="0">
-                  <a:solidFill>
-                    <a:schemeClr val="tx1"/>
-                  </a:solidFill>
-                  <a:latin typeface="华文细黑" panose="02010600040101010101" pitchFamily="2" charset="-122"/>
-                  <a:ea typeface="华文细黑" panose="02010600040101010101" pitchFamily="2" charset="-122"/>
-                </a:rPr>
-                <a:t>/  \</a:t>
-              </a:r>
-            </a:p>
-            <a:p>
-              <a:pPr lvl="0" defTabSz="914400" eaLnBrk="0" fontAlgn="base">
-                <a:spcBef>
-                  <a:spcPct val="0"/>
-                </a:spcBef>
-                <a:spcAft>
-                  <a:spcPct val="0"/>
-                </a:spcAft>
-              </a:pPr>
-              <a:r>
-                <a:rPr lang="en-US" altLang="zh-CN" sz="2400" dirty="0">
-                  <a:solidFill>
-                    <a:schemeClr val="tx1"/>
-                  </a:solidFill>
-                  <a:latin typeface="华文细黑" panose="02010600040101010101" pitchFamily="2" charset="-122"/>
-                  <a:ea typeface="华文细黑" panose="02010600040101010101" pitchFamily="2" charset="-122"/>
-                </a:rPr>
-                <a:t>7     2</a:t>
-              </a:r>
-            </a:p>
-          </p:txBody>
-        </p:sp>
-        <p:sp>
-          <p:nvSpPr>
-            <p:cNvPr id="20" name="Rectangle 2">
-              <a:extLst>
-                <a:ext uri="{FF2B5EF4-FFF2-40B4-BE49-F238E27FC236}">
-                  <a16:creationId xmlns:a16="http://schemas.microsoft.com/office/drawing/2014/main" id="{3A4DB32B-921D-4EED-B3AC-A13DEB9FBA81}"/>
-                </a:ext>
-              </a:extLst>
-            </p:cNvPr>
-            <p:cNvSpPr>
-              <a:spLocks noChangeArrowheads="1"/>
-            </p:cNvSpPr>
-            <p:nvPr/>
-          </p:nvSpPr>
-          <p:spPr bwMode="auto">
-            <a:xfrm>
-              <a:off x="15887661" y="5979889"/>
-              <a:ext cx="2454690" cy="1200329"/>
-            </a:xfrm>
-            <a:prstGeom prst="rect">
-              <a:avLst/>
-            </a:prstGeom>
-            <a:noFill/>
-            <a:ln>
-              <a:noFill/>
-            </a:ln>
-            <a:effectLst/>
-          </p:spPr>
-          <p:txBody>
-            <a:bodyPr vert="horz" wrap="square" lIns="91440" tIns="45720" rIns="91440" bIns="45720" numCol="1" anchor="ctr" anchorCtr="0" compatLnSpc="1">
-              <a:prstTxWarp prst="textNoShape">
-                <a:avLst/>
-              </a:prstTxWarp>
-              <a:spAutoFit/>
-            </a:bodyPr>
-            <a:lstStyle/>
-            <a:p>
-              <a:pPr lvl="0" defTabSz="914400" eaLnBrk="0" fontAlgn="base">
-                <a:spcBef>
-                  <a:spcPct val="0"/>
-                </a:spcBef>
-                <a:spcAft>
-                  <a:spcPct val="0"/>
-                </a:spcAft>
-              </a:pPr>
-              <a:r>
-                <a:rPr lang="en-US" altLang="zh-CN" sz="2400" dirty="0">
-                  <a:solidFill>
-                    <a:schemeClr val="tx1"/>
-                  </a:solidFill>
-                  <a:latin typeface="华文细黑" panose="02010600040101010101" pitchFamily="2" charset="-122"/>
-                  <a:ea typeface="华文细黑" panose="02010600040101010101" pitchFamily="2" charset="-122"/>
-                </a:rPr>
-                <a:t>b + a = 18</a:t>
-              </a:r>
-            </a:p>
-            <a:p>
-              <a:pPr lvl="0" defTabSz="914400" eaLnBrk="0" fontAlgn="base">
-                <a:spcBef>
-                  <a:spcPct val="0"/>
-                </a:spcBef>
-                <a:spcAft>
-                  <a:spcPct val="0"/>
-                </a:spcAft>
-              </a:pPr>
-              <a:r>
-                <a:rPr lang="en-US" altLang="zh-CN" sz="2400" dirty="0">
-                  <a:solidFill>
-                    <a:schemeClr val="tx1"/>
-                  </a:solidFill>
-                  <a:latin typeface="华文细黑" panose="02010600040101010101" pitchFamily="2" charset="-122"/>
-                  <a:ea typeface="华文细黑" panose="02010600040101010101" pitchFamily="2" charset="-122"/>
-                </a:rPr>
-                <a:t>c + a = 13</a:t>
-              </a:r>
-            </a:p>
-            <a:p>
-              <a:pPr lvl="0" defTabSz="914400" eaLnBrk="0" fontAlgn="base">
-                <a:spcBef>
-                  <a:spcPct val="0"/>
-                </a:spcBef>
-                <a:spcAft>
-                  <a:spcPct val="0"/>
-                </a:spcAft>
-              </a:pPr>
-              <a:r>
-                <a:rPr lang="en-US" altLang="zh-CN" sz="2400" dirty="0">
-                  <a:solidFill>
-                    <a:schemeClr val="tx1"/>
-                  </a:solidFill>
-                  <a:latin typeface="华文细黑" panose="02010600040101010101" pitchFamily="2" charset="-122"/>
-                  <a:ea typeface="华文细黑" panose="02010600040101010101" pitchFamily="2" charset="-122"/>
-                </a:rPr>
-                <a:t>b + a + c = 20</a:t>
-              </a:r>
-            </a:p>
-          </p:txBody>
-        </p:sp>
-        <p:sp>
-          <p:nvSpPr>
-            <p:cNvPr id="21" name="Rectangle 2">
-              <a:extLst>
-                <a:ext uri="{FF2B5EF4-FFF2-40B4-BE49-F238E27FC236}">
-                  <a16:creationId xmlns:a16="http://schemas.microsoft.com/office/drawing/2014/main" id="{9430ADEA-8431-4D60-B906-C8799E20E2BE}"/>
-                </a:ext>
-              </a:extLst>
-            </p:cNvPr>
-            <p:cNvSpPr>
-              <a:spLocks noChangeArrowheads="1"/>
-            </p:cNvSpPr>
-            <p:nvPr/>
-          </p:nvSpPr>
-          <p:spPr bwMode="auto">
-            <a:xfrm>
-              <a:off x="19440257" y="5979889"/>
-              <a:ext cx="2454690" cy="830997"/>
-            </a:xfrm>
-            <a:prstGeom prst="rect">
-              <a:avLst/>
-            </a:prstGeom>
-            <a:noFill/>
-            <a:ln>
-              <a:noFill/>
-            </a:ln>
-            <a:effectLst/>
-          </p:spPr>
-          <p:txBody>
-            <a:bodyPr vert="horz" wrap="square" lIns="91440" tIns="45720" rIns="91440" bIns="45720" numCol="1" anchor="ctr" anchorCtr="0" compatLnSpc="1">
-              <a:prstTxWarp prst="textNoShape">
-                <a:avLst/>
-              </a:prstTxWarp>
-              <a:spAutoFit/>
-            </a:bodyPr>
-            <a:lstStyle/>
-            <a:p>
-              <a:pPr lvl="0" defTabSz="914400" eaLnBrk="0" fontAlgn="base">
-                <a:spcBef>
-                  <a:spcPct val="0"/>
-                </a:spcBef>
-                <a:spcAft>
-                  <a:spcPct val="0"/>
-                </a:spcAft>
-              </a:pPr>
-              <a:r>
-                <a:rPr lang="zh-CN" altLang="en-US" sz="2400" dirty="0">
-                  <a:solidFill>
-                    <a:schemeClr val="tx1"/>
-                  </a:solidFill>
-                  <a:latin typeface="华文细黑" panose="02010600040101010101" pitchFamily="2" charset="-122"/>
-                  <a:ea typeface="华文细黑" panose="02010600040101010101" pitchFamily="2" charset="-122"/>
-                </a:rPr>
-                <a:t>全局最大和：</a:t>
-              </a:r>
-              <a:r>
-                <a:rPr lang="en-US" altLang="zh-CN" sz="2400" dirty="0">
-                  <a:solidFill>
-                    <a:schemeClr val="tx1"/>
-                  </a:solidFill>
-                  <a:latin typeface="华文细黑" panose="02010600040101010101" pitchFamily="2" charset="-122"/>
-                  <a:ea typeface="华文细黑" panose="02010600040101010101" pitchFamily="2" charset="-122"/>
-                </a:rPr>
-                <a:t>20</a:t>
-              </a:r>
-            </a:p>
-            <a:p>
-              <a:pPr lvl="0" defTabSz="914400" eaLnBrk="0" fontAlgn="base">
-                <a:spcBef>
-                  <a:spcPct val="0"/>
-                </a:spcBef>
-                <a:spcAft>
-                  <a:spcPct val="0"/>
-                </a:spcAft>
-              </a:pPr>
-              <a:r>
-                <a:rPr lang="zh-CN" altLang="en-US" sz="2400" dirty="0">
-                  <a:solidFill>
-                    <a:schemeClr val="tx1"/>
-                  </a:solidFill>
-                  <a:latin typeface="华文细黑" panose="02010600040101010101" pitchFamily="2" charset="-122"/>
-                  <a:ea typeface="华文细黑" panose="02010600040101010101" pitchFamily="2" charset="-122"/>
-                </a:rPr>
-                <a:t>联络最大和：</a:t>
-              </a:r>
-              <a:r>
-                <a:rPr lang="en-US" altLang="zh-CN" sz="2400" dirty="0">
-                  <a:solidFill>
-                    <a:schemeClr val="tx1"/>
-                  </a:solidFill>
-                  <a:latin typeface="华文细黑" panose="02010600040101010101" pitchFamily="2" charset="-122"/>
-                  <a:ea typeface="华文细黑" panose="02010600040101010101" pitchFamily="2" charset="-122"/>
-                </a:rPr>
-                <a:t>18</a:t>
-              </a:r>
-            </a:p>
-          </p:txBody>
-        </p:sp>
-      </p:grpSp>
-      <p:sp>
-        <p:nvSpPr>
-          <p:cNvPr id="33" name="矩形 32">
-            <a:extLst>
-              <a:ext uri="{FF2B5EF4-FFF2-40B4-BE49-F238E27FC236}">
-                <a16:creationId xmlns:a16="http://schemas.microsoft.com/office/drawing/2014/main" id="{B565B10C-AD02-4977-819C-8C4ABA69427F}"/>
-              </a:ext>
-            </a:extLst>
-          </p:cNvPr>
-          <p:cNvSpPr/>
-          <p:nvPr/>
-        </p:nvSpPr>
+        </p:nvPicPr>
+        <p:blipFill>
+          <a:blip r:embed="rId6"/>
+          <a:stretch>
+            <a:fillRect/>
+          </a:stretch>
+        </p:blipFill>
         <p:spPr>
           <a:xfrm>
-            <a:off x="4417565" y="8487141"/>
-            <a:ext cx="1256134" cy="1200329"/>
+            <a:off x="9097840" y="7808667"/>
+            <a:ext cx="3771900" cy="4676775"/>
           </a:xfrm>
           <a:prstGeom prst="rect">
             <a:avLst/>
           </a:prstGeom>
-          <a:solidFill>
-            <a:schemeClr val="accent4">
-              <a:lumMod val="20000"/>
-              <a:lumOff val="80000"/>
-            </a:schemeClr>
-          </a:solidFill>
         </p:spPr>
-        <p:txBody>
-          <a:bodyPr wrap="square">
-            <a:spAutoFit/>
-          </a:bodyPr>
-          <a:lstStyle/>
-          <a:p>
-            <a:pPr lvl="0" defTabSz="914400" eaLnBrk="0" fontAlgn="base">
-              <a:spcBef>
-                <a:spcPct val="0"/>
-              </a:spcBef>
-              <a:spcAft>
-                <a:spcPct val="0"/>
-              </a:spcAft>
-            </a:pPr>
-            <a:r>
-              <a:rPr lang="en-US" altLang="zh-CN" sz="2400" dirty="0">
-                <a:solidFill>
-                  <a:schemeClr val="tx1"/>
-                </a:solidFill>
-                <a:latin typeface="华文细黑" panose="02010600040101010101" pitchFamily="2" charset="-122"/>
-                <a:ea typeface="华文细黑" panose="02010600040101010101" pitchFamily="2" charset="-122"/>
-              </a:rPr>
-              <a:t>11</a:t>
-            </a:r>
-          </a:p>
-          <a:p>
-            <a:pPr lvl="0" defTabSz="914400" eaLnBrk="0" fontAlgn="base">
-              <a:spcBef>
-                <a:spcPct val="0"/>
-              </a:spcBef>
-              <a:spcAft>
-                <a:spcPct val="0"/>
-              </a:spcAft>
-            </a:pPr>
-            <a:r>
-              <a:rPr lang="zh-CN" altLang="zh-CN" sz="2400" dirty="0">
-                <a:solidFill>
-                  <a:schemeClr val="tx1"/>
-                </a:solidFill>
-                <a:latin typeface="华文细黑" panose="02010600040101010101" pitchFamily="2" charset="-122"/>
-                <a:ea typeface="华文细黑" panose="02010600040101010101" pitchFamily="2" charset="-122"/>
-              </a:rPr>
-              <a:t>/ \</a:t>
-            </a:r>
-            <a:endParaRPr lang="en-US" altLang="zh-CN" sz="2400" dirty="0">
-              <a:solidFill>
-                <a:schemeClr val="tx1"/>
-              </a:solidFill>
-              <a:latin typeface="华文细黑" panose="02010600040101010101" pitchFamily="2" charset="-122"/>
-              <a:ea typeface="华文细黑" panose="02010600040101010101" pitchFamily="2" charset="-122"/>
-            </a:endParaRPr>
-          </a:p>
-          <a:p>
-            <a:pPr lvl="0" defTabSz="914400" eaLnBrk="0" fontAlgn="base">
-              <a:spcBef>
-                <a:spcPct val="0"/>
-              </a:spcBef>
-              <a:spcAft>
-                <a:spcPct val="0"/>
-              </a:spcAft>
-            </a:pPr>
-            <a:r>
-              <a:rPr lang="en-US" altLang="zh-CN" sz="2400" dirty="0">
-                <a:solidFill>
-                  <a:schemeClr val="tx1"/>
-                </a:solidFill>
-                <a:latin typeface="华文细黑" panose="02010600040101010101" pitchFamily="2" charset="-122"/>
-                <a:ea typeface="华文细黑" panose="02010600040101010101" pitchFamily="2" charset="-122"/>
-              </a:rPr>
-              <a:t>7    2</a:t>
-            </a:r>
-          </a:p>
-        </p:txBody>
-      </p:sp>
-      <p:sp>
-        <p:nvSpPr>
-          <p:cNvPr id="34" name="矩形 33">
+      </p:pic>
+      <p:pic>
+        <p:nvPicPr>
+          <p:cNvPr id="17" name="图片 16">
             <a:extLst>
               <a:ext uri="{FF2B5EF4-FFF2-40B4-BE49-F238E27FC236}">
-                <a16:creationId xmlns:a16="http://schemas.microsoft.com/office/drawing/2014/main" id="{C1E5A988-37A1-491F-8331-923B69D65A5D}"/>
+                <a16:creationId xmlns:a16="http://schemas.microsoft.com/office/drawing/2014/main" id="{E5444284-EF03-434B-B7E7-78E110CCD3BF}"/>
               </a:ext>
             </a:extLst>
           </p:cNvPr>
-          <p:cNvSpPr/>
+          <p:cNvPicPr>
+            <a:picLocks noChangeAspect="1"/>
+          </p:cNvPicPr>
           <p:nvPr/>
-        </p:nvSpPr>
+        </p:nvPicPr>
+        <p:blipFill>
+          <a:blip r:embed="rId7"/>
+          <a:stretch>
+            <a:fillRect/>
+          </a:stretch>
+        </p:blipFill>
         <p:spPr>
           <a:xfrm>
-            <a:off x="5716678" y="8464785"/>
-            <a:ext cx="1184365" cy="1200329"/>
+            <a:off x="19059525" y="3538537"/>
+            <a:ext cx="4943475" cy="2286000"/>
           </a:xfrm>
           <a:prstGeom prst="rect">
             <a:avLst/>
           </a:prstGeom>
-          <a:solidFill>
-            <a:schemeClr val="accent4">
-              <a:lumMod val="20000"/>
-              <a:lumOff val="80000"/>
-            </a:schemeClr>
-          </a:solidFill>
         </p:spPr>
-        <p:txBody>
-          <a:bodyPr wrap="square">
-            <a:spAutoFit/>
-          </a:bodyPr>
-          <a:lstStyle/>
-          <a:p>
-            <a:pPr lvl="0" defTabSz="914400" eaLnBrk="0" fontAlgn="base">
-              <a:spcBef>
-                <a:spcPct val="0"/>
-              </a:spcBef>
-              <a:spcAft>
-                <a:spcPct val="0"/>
-              </a:spcAft>
-            </a:pPr>
-            <a:r>
-              <a:rPr lang="en-US" altLang="zh-CN" sz="2400" dirty="0">
-                <a:solidFill>
-                  <a:schemeClr val="tx1"/>
-                </a:solidFill>
-                <a:latin typeface="华文细黑" panose="02010600040101010101" pitchFamily="2" charset="-122"/>
-                <a:ea typeface="华文细黑" panose="02010600040101010101" pitchFamily="2" charset="-122"/>
-              </a:rPr>
-              <a:t>4</a:t>
-            </a:r>
-          </a:p>
-          <a:p>
-            <a:pPr lvl="0" defTabSz="914400" eaLnBrk="0" fontAlgn="base">
-              <a:spcBef>
-                <a:spcPct val="0"/>
-              </a:spcBef>
-              <a:spcAft>
-                <a:spcPct val="0"/>
-              </a:spcAft>
-            </a:pPr>
-            <a:r>
-              <a:rPr lang="zh-CN" altLang="zh-CN" sz="2400" dirty="0">
-                <a:solidFill>
-                  <a:schemeClr val="accent4">
-                    <a:lumMod val="20000"/>
-                    <a:lumOff val="80000"/>
-                  </a:schemeClr>
-                </a:solidFill>
-                <a:latin typeface="华文细黑" panose="02010600040101010101" pitchFamily="2" charset="-122"/>
-                <a:ea typeface="华文细黑" panose="02010600040101010101" pitchFamily="2" charset="-122"/>
-              </a:rPr>
-              <a:t>/ </a:t>
-            </a:r>
-            <a:r>
-              <a:rPr lang="zh-CN" altLang="zh-CN" sz="2400" dirty="0">
-                <a:solidFill>
-                  <a:schemeClr val="tx1"/>
-                </a:solidFill>
-                <a:latin typeface="华文细黑" panose="02010600040101010101" pitchFamily="2" charset="-122"/>
-                <a:ea typeface="华文细黑" panose="02010600040101010101" pitchFamily="2" charset="-122"/>
-              </a:rPr>
-              <a:t>\</a:t>
-            </a:r>
-            <a:endParaRPr lang="en-US" altLang="zh-CN" sz="2400" dirty="0">
-              <a:solidFill>
-                <a:schemeClr val="tx1"/>
-              </a:solidFill>
-              <a:latin typeface="华文细黑" panose="02010600040101010101" pitchFamily="2" charset="-122"/>
-              <a:ea typeface="华文细黑" panose="02010600040101010101" pitchFamily="2" charset="-122"/>
-            </a:endParaRPr>
-          </a:p>
-          <a:p>
-            <a:pPr lvl="0" defTabSz="914400" eaLnBrk="0" fontAlgn="base">
-              <a:spcBef>
-                <a:spcPct val="0"/>
-              </a:spcBef>
-              <a:spcAft>
-                <a:spcPct val="0"/>
-              </a:spcAft>
-            </a:pPr>
-            <a:r>
-              <a:rPr lang="en-US" altLang="zh-CN" sz="2400" dirty="0">
-                <a:solidFill>
-                  <a:schemeClr val="accent4">
-                    <a:lumMod val="20000"/>
-                    <a:lumOff val="80000"/>
-                  </a:schemeClr>
-                </a:solidFill>
-                <a:latin typeface="华文细黑" panose="02010600040101010101" pitchFamily="2" charset="-122"/>
-                <a:ea typeface="华文细黑" panose="02010600040101010101" pitchFamily="2" charset="-122"/>
-              </a:rPr>
-              <a:t>11   </a:t>
-            </a:r>
-            <a:r>
-              <a:rPr lang="en-US" altLang="zh-CN" sz="2400" dirty="0">
-                <a:solidFill>
-                  <a:schemeClr val="tx1"/>
-                </a:solidFill>
-                <a:latin typeface="华文细黑" panose="02010600040101010101" pitchFamily="2" charset="-122"/>
-                <a:ea typeface="华文细黑" panose="02010600040101010101" pitchFamily="2" charset="-122"/>
-              </a:rPr>
-              <a:t>1</a:t>
-            </a:r>
-          </a:p>
-        </p:txBody>
-      </p:sp>
-      <p:grpSp>
-        <p:nvGrpSpPr>
-          <p:cNvPr id="42" name="组合 41">
+      </p:pic>
+      <p:pic>
+        <p:nvPicPr>
+          <p:cNvPr id="19" name="图片 18">
             <a:extLst>
               <a:ext uri="{FF2B5EF4-FFF2-40B4-BE49-F238E27FC236}">
-                <a16:creationId xmlns:a16="http://schemas.microsoft.com/office/drawing/2014/main" id="{B097C5BC-62B8-43CE-9BE8-C80962858083}"/>
+                <a16:creationId xmlns:a16="http://schemas.microsoft.com/office/drawing/2014/main" id="{BCC59B54-F6E9-45C4-86BB-ADE81664D36F}"/>
               </a:ext>
             </a:extLst>
           </p:cNvPr>
-          <p:cNvGrpSpPr/>
+          <p:cNvPicPr>
+            <a:picLocks noChangeAspect="1"/>
+          </p:cNvPicPr>
           <p:nvPr/>
-        </p:nvGrpSpPr>
-        <p:grpSpPr>
+        </p:nvPicPr>
+        <p:blipFill>
+          <a:blip r:embed="rId8"/>
+          <a:stretch>
+            <a:fillRect/>
+          </a:stretch>
+        </p:blipFill>
+        <p:spPr>
           <a:xfrm>
-            <a:off x="10022983" y="7259249"/>
-            <a:ext cx="10978376" cy="1201779"/>
-            <a:chOff x="10916571" y="8487141"/>
-            <a:chExt cx="10978376" cy="1201779"/>
+            <a:off x="12594002" y="8286383"/>
+            <a:ext cx="4048125" cy="2066925"/>
           </a:xfrm>
-        </p:grpSpPr>
-        <p:sp>
-          <p:nvSpPr>
-            <p:cNvPr id="43" name="Rectangle 2">
-              <a:extLst>
-                <a:ext uri="{FF2B5EF4-FFF2-40B4-BE49-F238E27FC236}">
-                  <a16:creationId xmlns:a16="http://schemas.microsoft.com/office/drawing/2014/main" id="{C41BBDDC-9325-4219-A1B9-0F4E6DE7F916}"/>
-                </a:ext>
-              </a:extLst>
-            </p:cNvPr>
-            <p:cNvSpPr>
-              <a:spLocks noChangeArrowheads="1"/>
-            </p:cNvSpPr>
-            <p:nvPr/>
-          </p:nvSpPr>
-          <p:spPr bwMode="auto">
-            <a:xfrm>
-              <a:off x="10916571" y="8488591"/>
-              <a:ext cx="4971090" cy="1200329"/>
-            </a:xfrm>
-            <a:prstGeom prst="rect">
-              <a:avLst/>
-            </a:prstGeom>
-            <a:noFill/>
-            <a:ln>
-              <a:noFill/>
-            </a:ln>
-            <a:effectLst/>
-          </p:spPr>
-          <p:txBody>
-            <a:bodyPr vert="horz" wrap="square" lIns="91440" tIns="45720" rIns="91440" bIns="45720" numCol="1" anchor="ctr" anchorCtr="0" compatLnSpc="1">
-              <a:prstTxWarp prst="textNoShape">
-                <a:avLst/>
-              </a:prstTxWarp>
-              <a:spAutoFit/>
-            </a:bodyPr>
-            <a:lstStyle/>
-            <a:p>
-              <a:pPr lvl="0" defTabSz="914400" eaLnBrk="0" fontAlgn="base">
-                <a:spcBef>
-                  <a:spcPct val="0"/>
-                </a:spcBef>
-                <a:spcAft>
-                  <a:spcPct val="0"/>
-                </a:spcAft>
-              </a:pPr>
-              <a:r>
-                <a:rPr lang="en-US" altLang="zh-CN" sz="2400" dirty="0">
-                  <a:solidFill>
-                    <a:schemeClr val="tx1"/>
-                  </a:solidFill>
-                  <a:latin typeface="华文细黑" panose="02010600040101010101" pitchFamily="2" charset="-122"/>
-                  <a:ea typeface="华文细黑" panose="02010600040101010101" pitchFamily="2" charset="-122"/>
-                </a:rPr>
-                <a:t>8</a:t>
-              </a:r>
-            </a:p>
-            <a:p>
-              <a:pPr lvl="0" defTabSz="914400" eaLnBrk="0" fontAlgn="base">
-                <a:spcBef>
-                  <a:spcPct val="0"/>
-                </a:spcBef>
-                <a:spcAft>
-                  <a:spcPct val="0"/>
-                </a:spcAft>
-              </a:pPr>
-              <a:r>
-                <a:rPr lang="en-US" altLang="zh-CN" sz="2400" dirty="0">
-                  <a:solidFill>
-                    <a:schemeClr val="tx1"/>
-                  </a:solidFill>
-                  <a:latin typeface="华文细黑" panose="02010600040101010101" pitchFamily="2" charset="-122"/>
-                  <a:ea typeface="华文细黑" panose="02010600040101010101" pitchFamily="2" charset="-122"/>
-                </a:rPr>
-                <a:t>/  \</a:t>
-              </a:r>
-            </a:p>
-            <a:p>
-              <a:pPr lvl="0" defTabSz="914400" eaLnBrk="0" fontAlgn="base">
-                <a:spcBef>
-                  <a:spcPct val="0"/>
-                </a:spcBef>
-                <a:spcAft>
-                  <a:spcPct val="0"/>
-                </a:spcAft>
-              </a:pPr>
-              <a:r>
-                <a:rPr lang="en-US" altLang="zh-CN" sz="2400" dirty="0">
-                  <a:solidFill>
-                    <a:schemeClr val="accent3">
-                      <a:lumMod val="75000"/>
-                    </a:schemeClr>
-                  </a:solidFill>
-                  <a:latin typeface="华文细黑" panose="02010600040101010101" pitchFamily="2" charset="-122"/>
-                  <a:ea typeface="华文细黑" panose="02010600040101010101" pitchFamily="2" charset="-122"/>
-                </a:rPr>
-                <a:t>13</a:t>
-              </a:r>
-              <a:r>
-                <a:rPr lang="en-US" altLang="zh-CN" sz="2400" dirty="0">
-                  <a:solidFill>
-                    <a:schemeClr val="tx1"/>
-                  </a:solidFill>
-                  <a:latin typeface="华文细黑" panose="02010600040101010101" pitchFamily="2" charset="-122"/>
-                  <a:ea typeface="华文细黑" panose="02010600040101010101" pitchFamily="2" charset="-122"/>
-                </a:rPr>
-                <a:t>     </a:t>
-              </a:r>
-              <a:r>
-                <a:rPr lang="en-US" altLang="zh-CN" sz="2400" dirty="0">
-                  <a:solidFill>
-                    <a:schemeClr val="accent1">
-                      <a:lumMod val="75000"/>
-                    </a:schemeClr>
-                  </a:solidFill>
-                  <a:latin typeface="华文细黑" panose="02010600040101010101" pitchFamily="2" charset="-122"/>
-                  <a:ea typeface="华文细黑" panose="02010600040101010101" pitchFamily="2" charset="-122"/>
-                </a:rPr>
-                <a:t>4</a:t>
-              </a:r>
-            </a:p>
-          </p:txBody>
-        </p:sp>
-        <p:sp>
-          <p:nvSpPr>
-            <p:cNvPr id="44" name="Rectangle 2">
-              <a:extLst>
-                <a:ext uri="{FF2B5EF4-FFF2-40B4-BE49-F238E27FC236}">
-                  <a16:creationId xmlns:a16="http://schemas.microsoft.com/office/drawing/2014/main" id="{2EC77297-CEB8-4A50-ADF1-70B5ACF8F94A}"/>
-                </a:ext>
-              </a:extLst>
-            </p:cNvPr>
-            <p:cNvSpPr>
-              <a:spLocks noChangeArrowheads="1"/>
-            </p:cNvSpPr>
-            <p:nvPr/>
-          </p:nvSpPr>
-          <p:spPr bwMode="auto">
-            <a:xfrm>
-              <a:off x="15887661" y="8856473"/>
-              <a:ext cx="2454690" cy="461665"/>
-            </a:xfrm>
-            <a:prstGeom prst="rect">
-              <a:avLst/>
-            </a:prstGeom>
-            <a:noFill/>
-            <a:ln>
-              <a:noFill/>
-            </a:ln>
-            <a:effectLst/>
-          </p:spPr>
-          <p:txBody>
-            <a:bodyPr vert="horz" wrap="square" lIns="91440" tIns="45720" rIns="91440" bIns="45720" numCol="1" anchor="ctr" anchorCtr="0" compatLnSpc="1">
-              <a:prstTxWarp prst="textNoShape">
-                <a:avLst/>
-              </a:prstTxWarp>
-              <a:spAutoFit/>
-            </a:bodyPr>
-            <a:lstStyle/>
-            <a:p>
-              <a:pPr lvl="0" defTabSz="914400" eaLnBrk="0" fontAlgn="base">
-                <a:spcBef>
-                  <a:spcPct val="0"/>
-                </a:spcBef>
-                <a:spcAft>
-                  <a:spcPct val="0"/>
-                </a:spcAft>
-              </a:pPr>
-              <a:endParaRPr lang="en-US" altLang="zh-CN" sz="2400" dirty="0">
-                <a:solidFill>
-                  <a:schemeClr val="tx1"/>
-                </a:solidFill>
-                <a:latin typeface="华文细黑" panose="02010600040101010101" pitchFamily="2" charset="-122"/>
-                <a:ea typeface="华文细黑" panose="02010600040101010101" pitchFamily="2" charset="-122"/>
-              </a:endParaRPr>
-            </a:p>
-          </p:txBody>
-        </p:sp>
-        <p:sp>
-          <p:nvSpPr>
-            <p:cNvPr id="45" name="Rectangle 2">
-              <a:extLst>
-                <a:ext uri="{FF2B5EF4-FFF2-40B4-BE49-F238E27FC236}">
-                  <a16:creationId xmlns:a16="http://schemas.microsoft.com/office/drawing/2014/main" id="{7672717F-D494-41B9-B61A-E0104E96E959}"/>
-                </a:ext>
-              </a:extLst>
-            </p:cNvPr>
-            <p:cNvSpPr>
-              <a:spLocks noChangeArrowheads="1"/>
-            </p:cNvSpPr>
-            <p:nvPr/>
-          </p:nvSpPr>
-          <p:spPr bwMode="auto">
-            <a:xfrm>
-              <a:off x="19440257" y="8487141"/>
-              <a:ext cx="2454690" cy="830997"/>
-            </a:xfrm>
-            <a:prstGeom prst="rect">
-              <a:avLst/>
-            </a:prstGeom>
-            <a:noFill/>
-            <a:ln>
-              <a:noFill/>
-            </a:ln>
-            <a:effectLst/>
-          </p:spPr>
-          <p:txBody>
-            <a:bodyPr vert="horz" wrap="square" lIns="91440" tIns="45720" rIns="91440" bIns="45720" numCol="1" anchor="ctr" anchorCtr="0" compatLnSpc="1">
-              <a:prstTxWarp prst="textNoShape">
-                <a:avLst/>
-              </a:prstTxWarp>
-              <a:spAutoFit/>
-            </a:bodyPr>
-            <a:lstStyle/>
-            <a:p>
-              <a:pPr lvl="0" defTabSz="914400" eaLnBrk="0" fontAlgn="base">
-                <a:spcBef>
-                  <a:spcPct val="0"/>
-                </a:spcBef>
-                <a:spcAft>
-                  <a:spcPct val="0"/>
-                </a:spcAft>
-              </a:pPr>
-              <a:r>
-                <a:rPr lang="zh-CN" altLang="en-US" sz="2400" dirty="0">
-                  <a:solidFill>
-                    <a:schemeClr val="tx1"/>
-                  </a:solidFill>
-                  <a:latin typeface="华文细黑" panose="02010600040101010101" pitchFamily="2" charset="-122"/>
-                  <a:ea typeface="华文细黑" panose="02010600040101010101" pitchFamily="2" charset="-122"/>
-                </a:rPr>
-                <a:t>全局最大和：</a:t>
-              </a:r>
-              <a:r>
-                <a:rPr lang="en-US" altLang="zh-CN" sz="2400" dirty="0">
-                  <a:solidFill>
-                    <a:schemeClr val="tx1"/>
-                  </a:solidFill>
-                  <a:latin typeface="华文细黑" panose="02010600040101010101" pitchFamily="2" charset="-122"/>
-                  <a:ea typeface="华文细黑" panose="02010600040101010101" pitchFamily="2" charset="-122"/>
-                </a:rPr>
-                <a:t>22</a:t>
-              </a:r>
-            </a:p>
-            <a:p>
-              <a:pPr lvl="0" defTabSz="914400" eaLnBrk="0" fontAlgn="base">
-                <a:spcBef>
-                  <a:spcPct val="0"/>
-                </a:spcBef>
-                <a:spcAft>
-                  <a:spcPct val="0"/>
-                </a:spcAft>
-              </a:pPr>
-              <a:r>
-                <a:rPr lang="en-US" altLang="zh-CN" sz="2400" dirty="0">
-                  <a:solidFill>
-                    <a:schemeClr val="tx1"/>
-                  </a:solidFill>
-                  <a:latin typeface="华文细黑" panose="02010600040101010101" pitchFamily="2" charset="-122"/>
-                  <a:ea typeface="华文细黑" panose="02010600040101010101" pitchFamily="2" charset="-122"/>
-                </a:rPr>
-                <a:t> </a:t>
-              </a:r>
-            </a:p>
-          </p:txBody>
-        </p:sp>
-      </p:grpSp>
-      <p:grpSp>
-        <p:nvGrpSpPr>
-          <p:cNvPr id="50" name="组合 49">
+          <a:prstGeom prst="rect">
+            <a:avLst/>
+          </a:prstGeom>
+        </p:spPr>
+      </p:pic>
+      <p:pic>
+        <p:nvPicPr>
+          <p:cNvPr id="22" name="图片 21">
             <a:extLst>
               <a:ext uri="{FF2B5EF4-FFF2-40B4-BE49-F238E27FC236}">
-                <a16:creationId xmlns:a16="http://schemas.microsoft.com/office/drawing/2014/main" id="{415D15A7-E3A3-448B-B007-E2EA8F62D517}"/>
+                <a16:creationId xmlns:a16="http://schemas.microsoft.com/office/drawing/2014/main" id="{0ACA503B-AB61-40E3-8129-58E7E196599F}"/>
               </a:ext>
             </a:extLst>
           </p:cNvPr>
-          <p:cNvGrpSpPr/>
+          <p:cNvPicPr>
+            <a:picLocks noChangeAspect="1"/>
+          </p:cNvPicPr>
           <p:nvPr/>
-        </p:nvGrpSpPr>
-        <p:grpSpPr>
+        </p:nvPicPr>
+        <p:blipFill>
+          <a:blip r:embed="rId9"/>
+          <a:stretch>
+            <a:fillRect/>
+          </a:stretch>
+        </p:blipFill>
+        <p:spPr>
           <a:xfrm>
-            <a:off x="10022983" y="7263006"/>
-            <a:ext cx="10978376" cy="1201779"/>
-            <a:chOff x="10916571" y="5979889"/>
-            <a:chExt cx="10978376" cy="1201779"/>
+            <a:off x="17325746" y="7753348"/>
+            <a:ext cx="4057650" cy="4248150"/>
           </a:xfrm>
-        </p:grpSpPr>
-        <p:sp>
-          <p:nvSpPr>
-            <p:cNvPr id="51" name="Rectangle 2">
-              <a:extLst>
-                <a:ext uri="{FF2B5EF4-FFF2-40B4-BE49-F238E27FC236}">
-                  <a16:creationId xmlns:a16="http://schemas.microsoft.com/office/drawing/2014/main" id="{79C18581-A8D2-4758-89CC-5E58488E555C}"/>
-                </a:ext>
-              </a:extLst>
-            </p:cNvPr>
-            <p:cNvSpPr>
-              <a:spLocks noChangeArrowheads="1"/>
-            </p:cNvSpPr>
-            <p:nvPr/>
-          </p:nvSpPr>
-          <p:spPr bwMode="auto">
-            <a:xfrm>
-              <a:off x="10916571" y="5981339"/>
-              <a:ext cx="4971090" cy="1200329"/>
-            </a:xfrm>
-            <a:prstGeom prst="rect">
-              <a:avLst/>
-            </a:prstGeom>
-            <a:noFill/>
-            <a:ln>
-              <a:noFill/>
-            </a:ln>
-            <a:effectLst/>
-          </p:spPr>
-          <p:txBody>
-            <a:bodyPr vert="horz" wrap="square" lIns="91440" tIns="45720" rIns="91440" bIns="45720" numCol="1" anchor="ctr" anchorCtr="0" compatLnSpc="1">
-              <a:prstTxWarp prst="textNoShape">
-                <a:avLst/>
-              </a:prstTxWarp>
-              <a:spAutoFit/>
-            </a:bodyPr>
-            <a:lstStyle/>
-            <a:p>
-              <a:pPr lvl="0" defTabSz="914400" eaLnBrk="0" fontAlgn="base">
-                <a:spcBef>
-                  <a:spcPct val="0"/>
-                </a:spcBef>
-                <a:spcAft>
-                  <a:spcPct val="0"/>
-                </a:spcAft>
-              </a:pPr>
-              <a:r>
-                <a:rPr lang="en-US" altLang="zh-CN" sz="2400" dirty="0">
-                  <a:solidFill>
-                    <a:schemeClr val="tx1"/>
-                  </a:solidFill>
-                  <a:latin typeface="华文细黑" panose="02010600040101010101" pitchFamily="2" charset="-122"/>
-                  <a:ea typeface="华文细黑" panose="02010600040101010101" pitchFamily="2" charset="-122"/>
-                </a:rPr>
-                <a:t>4</a:t>
-              </a:r>
-            </a:p>
-            <a:p>
-              <a:pPr lvl="0" defTabSz="914400" eaLnBrk="0" fontAlgn="base">
-                <a:spcBef>
-                  <a:spcPct val="0"/>
-                </a:spcBef>
-                <a:spcAft>
-                  <a:spcPct val="0"/>
-                </a:spcAft>
-              </a:pPr>
-              <a:r>
-                <a:rPr lang="en-US" altLang="zh-CN" sz="2400" dirty="0">
-                  <a:solidFill>
-                    <a:schemeClr val="bg1"/>
-                  </a:solidFill>
-                  <a:latin typeface="华文细黑" panose="02010600040101010101" pitchFamily="2" charset="-122"/>
-                  <a:ea typeface="华文细黑" panose="02010600040101010101" pitchFamily="2" charset="-122"/>
-                </a:rPr>
-                <a:t>/</a:t>
-              </a:r>
-              <a:r>
-                <a:rPr lang="en-US" altLang="zh-CN" sz="2400" dirty="0">
-                  <a:solidFill>
-                    <a:schemeClr val="tx1"/>
-                  </a:solidFill>
-                  <a:latin typeface="华文细黑" panose="02010600040101010101" pitchFamily="2" charset="-122"/>
-                  <a:ea typeface="华文细黑" panose="02010600040101010101" pitchFamily="2" charset="-122"/>
-                </a:rPr>
-                <a:t>  \</a:t>
-              </a:r>
-            </a:p>
-            <a:p>
-              <a:pPr lvl="0" defTabSz="914400" eaLnBrk="0" fontAlgn="base">
-                <a:spcBef>
-                  <a:spcPct val="0"/>
-                </a:spcBef>
-                <a:spcAft>
-                  <a:spcPct val="0"/>
-                </a:spcAft>
-              </a:pPr>
-              <a:r>
-                <a:rPr lang="en-US" altLang="zh-CN" sz="2400" dirty="0">
-                  <a:solidFill>
-                    <a:schemeClr val="bg1"/>
-                  </a:solidFill>
-                  <a:latin typeface="华文细黑" panose="02010600040101010101" pitchFamily="2" charset="-122"/>
-                  <a:ea typeface="华文细黑" panose="02010600040101010101" pitchFamily="2" charset="-122"/>
-                </a:rPr>
-                <a:t>7  </a:t>
-              </a:r>
-              <a:r>
-                <a:rPr lang="en-US" altLang="zh-CN" sz="2400" dirty="0">
-                  <a:solidFill>
-                    <a:schemeClr val="tx1"/>
-                  </a:solidFill>
-                  <a:latin typeface="华文细黑" panose="02010600040101010101" pitchFamily="2" charset="-122"/>
-                  <a:ea typeface="华文细黑" panose="02010600040101010101" pitchFamily="2" charset="-122"/>
-                </a:rPr>
-                <a:t>   1</a:t>
-              </a:r>
-            </a:p>
-          </p:txBody>
-        </p:sp>
-        <p:sp>
-          <p:nvSpPr>
-            <p:cNvPr id="52" name="Rectangle 2">
-              <a:extLst>
-                <a:ext uri="{FF2B5EF4-FFF2-40B4-BE49-F238E27FC236}">
-                  <a16:creationId xmlns:a16="http://schemas.microsoft.com/office/drawing/2014/main" id="{C6E1284C-3E11-4873-9DB4-3C0E9333CF2C}"/>
-                </a:ext>
-              </a:extLst>
-            </p:cNvPr>
-            <p:cNvSpPr>
-              <a:spLocks noChangeArrowheads="1"/>
-            </p:cNvSpPr>
-            <p:nvPr/>
-          </p:nvSpPr>
-          <p:spPr bwMode="auto">
-            <a:xfrm>
-              <a:off x="15887661" y="5979889"/>
-              <a:ext cx="2454690" cy="1200329"/>
-            </a:xfrm>
-            <a:prstGeom prst="rect">
-              <a:avLst/>
-            </a:prstGeom>
-            <a:noFill/>
-            <a:ln>
-              <a:noFill/>
-            </a:ln>
-            <a:effectLst/>
-          </p:spPr>
-          <p:txBody>
-            <a:bodyPr vert="horz" wrap="square" lIns="91440" tIns="45720" rIns="91440" bIns="45720" numCol="1" anchor="ctr" anchorCtr="0" compatLnSpc="1">
-              <a:prstTxWarp prst="textNoShape">
-                <a:avLst/>
-              </a:prstTxWarp>
-              <a:spAutoFit/>
-            </a:bodyPr>
-            <a:lstStyle/>
-            <a:p>
-              <a:pPr lvl="0" defTabSz="914400" eaLnBrk="0" fontAlgn="base">
-                <a:spcBef>
-                  <a:spcPct val="0"/>
-                </a:spcBef>
-                <a:spcAft>
-                  <a:spcPct val="0"/>
-                </a:spcAft>
-              </a:pPr>
-              <a:r>
-                <a:rPr lang="en-US" altLang="zh-CN" sz="2400" dirty="0">
-                  <a:solidFill>
-                    <a:schemeClr val="tx1"/>
-                  </a:solidFill>
-                  <a:latin typeface="华文细黑" panose="02010600040101010101" pitchFamily="2" charset="-122"/>
-                  <a:ea typeface="华文细黑" panose="02010600040101010101" pitchFamily="2" charset="-122"/>
-                </a:rPr>
-                <a:t>b + a = 4</a:t>
-              </a:r>
-            </a:p>
-            <a:p>
-              <a:pPr lvl="0" defTabSz="914400" eaLnBrk="0" fontAlgn="base">
-                <a:spcBef>
-                  <a:spcPct val="0"/>
-                </a:spcBef>
-                <a:spcAft>
-                  <a:spcPct val="0"/>
-                </a:spcAft>
-              </a:pPr>
-              <a:r>
-                <a:rPr lang="en-US" altLang="zh-CN" sz="2400" dirty="0">
-                  <a:solidFill>
-                    <a:schemeClr val="tx1"/>
-                  </a:solidFill>
-                  <a:latin typeface="华文细黑" panose="02010600040101010101" pitchFamily="2" charset="-122"/>
-                  <a:ea typeface="华文细黑" panose="02010600040101010101" pitchFamily="2" charset="-122"/>
-                </a:rPr>
-                <a:t>c + a = 5</a:t>
-              </a:r>
-            </a:p>
-            <a:p>
-              <a:pPr lvl="0" defTabSz="914400" eaLnBrk="0" fontAlgn="base">
-                <a:spcBef>
-                  <a:spcPct val="0"/>
-                </a:spcBef>
-                <a:spcAft>
-                  <a:spcPct val="0"/>
-                </a:spcAft>
-              </a:pPr>
-              <a:r>
-                <a:rPr lang="en-US" altLang="zh-CN" sz="2400" dirty="0">
-                  <a:solidFill>
-                    <a:schemeClr val="tx1"/>
-                  </a:solidFill>
-                  <a:latin typeface="华文细黑" panose="02010600040101010101" pitchFamily="2" charset="-122"/>
-                  <a:ea typeface="华文细黑" panose="02010600040101010101" pitchFamily="2" charset="-122"/>
-                </a:rPr>
-                <a:t>b + a + c = 5</a:t>
-              </a:r>
-            </a:p>
-          </p:txBody>
-        </p:sp>
-        <p:sp>
-          <p:nvSpPr>
-            <p:cNvPr id="53" name="Rectangle 2">
-              <a:extLst>
-                <a:ext uri="{FF2B5EF4-FFF2-40B4-BE49-F238E27FC236}">
-                  <a16:creationId xmlns:a16="http://schemas.microsoft.com/office/drawing/2014/main" id="{4BBD15B0-7714-4E2B-823D-AB6BE80CF593}"/>
-                </a:ext>
-              </a:extLst>
-            </p:cNvPr>
-            <p:cNvSpPr>
-              <a:spLocks noChangeArrowheads="1"/>
-            </p:cNvSpPr>
-            <p:nvPr/>
-          </p:nvSpPr>
-          <p:spPr bwMode="auto">
-            <a:xfrm>
-              <a:off x="19440257" y="5979889"/>
-              <a:ext cx="2454690" cy="830997"/>
-            </a:xfrm>
-            <a:prstGeom prst="rect">
-              <a:avLst/>
-            </a:prstGeom>
-            <a:noFill/>
-            <a:ln>
-              <a:noFill/>
-            </a:ln>
-            <a:effectLst/>
-          </p:spPr>
-          <p:txBody>
-            <a:bodyPr vert="horz" wrap="square" lIns="91440" tIns="45720" rIns="91440" bIns="45720" numCol="1" anchor="ctr" anchorCtr="0" compatLnSpc="1">
-              <a:prstTxWarp prst="textNoShape">
-                <a:avLst/>
-              </a:prstTxWarp>
-              <a:spAutoFit/>
-            </a:bodyPr>
-            <a:lstStyle/>
-            <a:p>
-              <a:pPr lvl="0" defTabSz="914400" eaLnBrk="0" fontAlgn="base">
-                <a:spcBef>
-                  <a:spcPct val="0"/>
-                </a:spcBef>
-                <a:spcAft>
-                  <a:spcPct val="0"/>
-                </a:spcAft>
-              </a:pPr>
-              <a:r>
-                <a:rPr lang="zh-CN" altLang="en-US" sz="2400" dirty="0">
-                  <a:solidFill>
-                    <a:schemeClr val="tx1"/>
-                  </a:solidFill>
-                  <a:latin typeface="华文细黑" panose="02010600040101010101" pitchFamily="2" charset="-122"/>
-                  <a:ea typeface="华文细黑" panose="02010600040101010101" pitchFamily="2" charset="-122"/>
-                </a:rPr>
-                <a:t>全局最大和：</a:t>
-              </a:r>
-              <a:r>
-                <a:rPr lang="en-US" altLang="zh-CN" sz="2400" dirty="0">
-                  <a:solidFill>
-                    <a:schemeClr val="tx1"/>
-                  </a:solidFill>
-                  <a:latin typeface="华文细黑" panose="02010600040101010101" pitchFamily="2" charset="-122"/>
-                  <a:ea typeface="华文细黑" panose="02010600040101010101" pitchFamily="2" charset="-122"/>
-                </a:rPr>
-                <a:t>22</a:t>
-              </a:r>
-            </a:p>
-            <a:p>
-              <a:pPr lvl="0" defTabSz="914400" eaLnBrk="0" fontAlgn="base">
-                <a:spcBef>
-                  <a:spcPct val="0"/>
-                </a:spcBef>
-                <a:spcAft>
-                  <a:spcPct val="0"/>
-                </a:spcAft>
-              </a:pPr>
-              <a:r>
-                <a:rPr lang="zh-CN" altLang="en-US" sz="2400" dirty="0">
-                  <a:solidFill>
-                    <a:schemeClr val="tx1"/>
-                  </a:solidFill>
-                  <a:latin typeface="华文细黑" panose="02010600040101010101" pitchFamily="2" charset="-122"/>
-                  <a:ea typeface="华文细黑" panose="02010600040101010101" pitchFamily="2" charset="-122"/>
-                </a:rPr>
-                <a:t>联络最大和：</a:t>
-              </a:r>
-              <a:r>
-                <a:rPr lang="en-US" altLang="zh-CN" sz="2400" dirty="0">
-                  <a:solidFill>
-                    <a:schemeClr val="tx1"/>
-                  </a:solidFill>
-                  <a:latin typeface="华文细黑" panose="02010600040101010101" pitchFamily="2" charset="-122"/>
-                  <a:ea typeface="华文细黑" panose="02010600040101010101" pitchFamily="2" charset="-122"/>
-                </a:rPr>
-                <a:t>5</a:t>
-              </a:r>
-            </a:p>
-          </p:txBody>
-        </p:sp>
-      </p:grpSp>
-      <p:grpSp>
-        <p:nvGrpSpPr>
-          <p:cNvPr id="58" name="组合 57">
-            <a:extLst>
-              <a:ext uri="{FF2B5EF4-FFF2-40B4-BE49-F238E27FC236}">
-                <a16:creationId xmlns:a16="http://schemas.microsoft.com/office/drawing/2014/main" id="{5F302093-07BE-4E6E-93D3-BD944D75CAE8}"/>
-              </a:ext>
-            </a:extLst>
-          </p:cNvPr>
-          <p:cNvGrpSpPr/>
-          <p:nvPr/>
-        </p:nvGrpSpPr>
-        <p:grpSpPr>
-          <a:xfrm>
-            <a:off x="10022983" y="7263006"/>
-            <a:ext cx="10978376" cy="1201779"/>
-            <a:chOff x="10916571" y="5979889"/>
-            <a:chExt cx="10978376" cy="1201779"/>
-          </a:xfrm>
-        </p:grpSpPr>
-        <p:sp>
-          <p:nvSpPr>
-            <p:cNvPr id="59" name="Rectangle 2">
-              <a:extLst>
-                <a:ext uri="{FF2B5EF4-FFF2-40B4-BE49-F238E27FC236}">
-                  <a16:creationId xmlns:a16="http://schemas.microsoft.com/office/drawing/2014/main" id="{D9D9C06C-DE04-40EA-92E1-21B269F1ED2E}"/>
-                </a:ext>
-              </a:extLst>
-            </p:cNvPr>
-            <p:cNvSpPr>
-              <a:spLocks noChangeArrowheads="1"/>
-            </p:cNvSpPr>
-            <p:nvPr/>
-          </p:nvSpPr>
-          <p:spPr bwMode="auto">
-            <a:xfrm>
-              <a:off x="10916571" y="5981339"/>
-              <a:ext cx="4971090" cy="1200329"/>
-            </a:xfrm>
-            <a:prstGeom prst="rect">
-              <a:avLst/>
-            </a:prstGeom>
-            <a:noFill/>
-            <a:ln>
-              <a:noFill/>
-            </a:ln>
-            <a:effectLst/>
-          </p:spPr>
-          <p:txBody>
-            <a:bodyPr vert="horz" wrap="square" lIns="91440" tIns="45720" rIns="91440" bIns="45720" numCol="1" anchor="ctr" anchorCtr="0" compatLnSpc="1">
-              <a:prstTxWarp prst="textNoShape">
-                <a:avLst/>
-              </a:prstTxWarp>
-              <a:spAutoFit/>
-            </a:bodyPr>
-            <a:lstStyle/>
-            <a:p>
-              <a:pPr lvl="0" defTabSz="914400" eaLnBrk="0" fontAlgn="base">
-                <a:spcBef>
-                  <a:spcPct val="0"/>
-                </a:spcBef>
-                <a:spcAft>
-                  <a:spcPct val="0"/>
-                </a:spcAft>
-              </a:pPr>
-              <a:r>
-                <a:rPr lang="en-US" altLang="zh-CN" sz="2400" dirty="0">
-                  <a:solidFill>
-                    <a:schemeClr val="tx1"/>
-                  </a:solidFill>
-                  <a:latin typeface="华文细黑" panose="02010600040101010101" pitchFamily="2" charset="-122"/>
-                  <a:ea typeface="华文细黑" panose="02010600040101010101" pitchFamily="2" charset="-122"/>
-                </a:rPr>
-                <a:t>8</a:t>
-              </a:r>
-            </a:p>
-            <a:p>
-              <a:pPr lvl="0" defTabSz="914400" eaLnBrk="0" fontAlgn="base">
-                <a:spcBef>
-                  <a:spcPct val="0"/>
-                </a:spcBef>
-                <a:spcAft>
-                  <a:spcPct val="0"/>
-                </a:spcAft>
-              </a:pPr>
-              <a:r>
-                <a:rPr lang="en-US" altLang="zh-CN" sz="2400" dirty="0">
-                  <a:solidFill>
-                    <a:schemeClr val="accent3">
-                      <a:lumMod val="75000"/>
-                    </a:schemeClr>
-                  </a:solidFill>
-                  <a:latin typeface="华文细黑" panose="02010600040101010101" pitchFamily="2" charset="-122"/>
-                  <a:ea typeface="华文细黑" panose="02010600040101010101" pitchFamily="2" charset="-122"/>
-                </a:rPr>
-                <a:t>/  \</a:t>
-              </a:r>
-            </a:p>
-            <a:p>
-              <a:pPr lvl="0" defTabSz="914400" eaLnBrk="0" fontAlgn="base">
-                <a:spcBef>
-                  <a:spcPct val="0"/>
-                </a:spcBef>
-                <a:spcAft>
-                  <a:spcPct val="0"/>
-                </a:spcAft>
-              </a:pPr>
-              <a:r>
-                <a:rPr lang="en-US" altLang="zh-CN" sz="2400" dirty="0">
-                  <a:solidFill>
-                    <a:schemeClr val="accent3">
-                      <a:lumMod val="75000"/>
-                    </a:schemeClr>
-                  </a:solidFill>
-                  <a:latin typeface="华文细黑" panose="02010600040101010101" pitchFamily="2" charset="-122"/>
-                  <a:ea typeface="华文细黑" panose="02010600040101010101" pitchFamily="2" charset="-122"/>
-                </a:rPr>
-                <a:t>13     5</a:t>
-              </a:r>
-            </a:p>
-          </p:txBody>
-        </p:sp>
-        <p:sp>
-          <p:nvSpPr>
-            <p:cNvPr id="60" name="Rectangle 2">
-              <a:extLst>
-                <a:ext uri="{FF2B5EF4-FFF2-40B4-BE49-F238E27FC236}">
-                  <a16:creationId xmlns:a16="http://schemas.microsoft.com/office/drawing/2014/main" id="{08A43F0B-B579-4413-B27A-204013BDA78A}"/>
-                </a:ext>
-              </a:extLst>
-            </p:cNvPr>
-            <p:cNvSpPr>
-              <a:spLocks noChangeArrowheads="1"/>
-            </p:cNvSpPr>
-            <p:nvPr/>
-          </p:nvSpPr>
-          <p:spPr bwMode="auto">
-            <a:xfrm>
-              <a:off x="15887661" y="5979889"/>
-              <a:ext cx="2454690" cy="1200329"/>
-            </a:xfrm>
-            <a:prstGeom prst="rect">
-              <a:avLst/>
-            </a:prstGeom>
-            <a:noFill/>
-            <a:ln>
-              <a:noFill/>
-            </a:ln>
-            <a:effectLst/>
-          </p:spPr>
-          <p:txBody>
-            <a:bodyPr vert="horz" wrap="square" lIns="91440" tIns="45720" rIns="91440" bIns="45720" numCol="1" anchor="ctr" anchorCtr="0" compatLnSpc="1">
-              <a:prstTxWarp prst="textNoShape">
-                <a:avLst/>
-              </a:prstTxWarp>
-              <a:spAutoFit/>
-            </a:bodyPr>
-            <a:lstStyle/>
-            <a:p>
-              <a:pPr lvl="0" defTabSz="914400" eaLnBrk="0" fontAlgn="base">
-                <a:spcBef>
-                  <a:spcPct val="0"/>
-                </a:spcBef>
-                <a:spcAft>
-                  <a:spcPct val="0"/>
-                </a:spcAft>
-              </a:pPr>
-              <a:r>
-                <a:rPr lang="en-US" altLang="zh-CN" sz="2400" dirty="0">
-                  <a:solidFill>
-                    <a:schemeClr val="tx1"/>
-                  </a:solidFill>
-                  <a:latin typeface="华文细黑" panose="02010600040101010101" pitchFamily="2" charset="-122"/>
-                  <a:ea typeface="华文细黑" panose="02010600040101010101" pitchFamily="2" charset="-122"/>
-                </a:rPr>
-                <a:t>b + a = 21</a:t>
-              </a:r>
-            </a:p>
-            <a:p>
-              <a:pPr lvl="0" defTabSz="914400" eaLnBrk="0" fontAlgn="base">
-                <a:spcBef>
-                  <a:spcPct val="0"/>
-                </a:spcBef>
-                <a:spcAft>
-                  <a:spcPct val="0"/>
-                </a:spcAft>
-              </a:pPr>
-              <a:r>
-                <a:rPr lang="en-US" altLang="zh-CN" sz="2400" dirty="0">
-                  <a:solidFill>
-                    <a:schemeClr val="tx1"/>
-                  </a:solidFill>
-                  <a:latin typeface="华文细黑" panose="02010600040101010101" pitchFamily="2" charset="-122"/>
-                  <a:ea typeface="华文细黑" panose="02010600040101010101" pitchFamily="2" charset="-122"/>
-                </a:rPr>
-                <a:t>c + a = 13</a:t>
-              </a:r>
-            </a:p>
-            <a:p>
-              <a:pPr lvl="0" defTabSz="914400" eaLnBrk="0" fontAlgn="base">
-                <a:spcBef>
-                  <a:spcPct val="0"/>
-                </a:spcBef>
-                <a:spcAft>
-                  <a:spcPct val="0"/>
-                </a:spcAft>
-              </a:pPr>
-              <a:r>
-                <a:rPr lang="en-US" altLang="zh-CN" sz="2400" dirty="0">
-                  <a:solidFill>
-                    <a:schemeClr val="tx1"/>
-                  </a:solidFill>
-                  <a:latin typeface="华文细黑" panose="02010600040101010101" pitchFamily="2" charset="-122"/>
-                  <a:ea typeface="华文细黑" panose="02010600040101010101" pitchFamily="2" charset="-122"/>
-                </a:rPr>
-                <a:t>b + a + c = 26</a:t>
-              </a:r>
-            </a:p>
-          </p:txBody>
-        </p:sp>
-        <p:sp>
-          <p:nvSpPr>
-            <p:cNvPr id="61" name="Rectangle 2">
-              <a:extLst>
-                <a:ext uri="{FF2B5EF4-FFF2-40B4-BE49-F238E27FC236}">
-                  <a16:creationId xmlns:a16="http://schemas.microsoft.com/office/drawing/2014/main" id="{C457477F-3649-45C5-8ED1-D0A4EF221A7E}"/>
-                </a:ext>
-              </a:extLst>
-            </p:cNvPr>
-            <p:cNvSpPr>
-              <a:spLocks noChangeArrowheads="1"/>
-            </p:cNvSpPr>
-            <p:nvPr/>
-          </p:nvSpPr>
-          <p:spPr bwMode="auto">
-            <a:xfrm>
-              <a:off x="19440257" y="5979889"/>
-              <a:ext cx="2454690" cy="830997"/>
-            </a:xfrm>
-            <a:prstGeom prst="rect">
-              <a:avLst/>
-            </a:prstGeom>
-            <a:noFill/>
-            <a:ln>
-              <a:noFill/>
-            </a:ln>
-            <a:effectLst/>
-          </p:spPr>
-          <p:txBody>
-            <a:bodyPr vert="horz" wrap="square" lIns="91440" tIns="45720" rIns="91440" bIns="45720" numCol="1" anchor="ctr" anchorCtr="0" compatLnSpc="1">
-              <a:prstTxWarp prst="textNoShape">
-                <a:avLst/>
-              </a:prstTxWarp>
-              <a:spAutoFit/>
-            </a:bodyPr>
-            <a:lstStyle/>
-            <a:p>
-              <a:pPr lvl="0" defTabSz="914400" eaLnBrk="0" fontAlgn="base">
-                <a:spcBef>
-                  <a:spcPct val="0"/>
-                </a:spcBef>
-                <a:spcAft>
-                  <a:spcPct val="0"/>
-                </a:spcAft>
-              </a:pPr>
-              <a:r>
-                <a:rPr lang="zh-CN" altLang="en-US" sz="2400" dirty="0">
-                  <a:solidFill>
-                    <a:schemeClr val="tx1"/>
-                  </a:solidFill>
-                  <a:latin typeface="华文细黑" panose="02010600040101010101" pitchFamily="2" charset="-122"/>
-                  <a:ea typeface="华文细黑" panose="02010600040101010101" pitchFamily="2" charset="-122"/>
-                </a:rPr>
-                <a:t>全局最大和：</a:t>
-              </a:r>
-              <a:r>
-                <a:rPr lang="en-US" altLang="zh-CN" sz="2400" dirty="0">
-                  <a:solidFill>
-                    <a:schemeClr val="tx1"/>
-                  </a:solidFill>
-                  <a:latin typeface="华文细黑" panose="02010600040101010101" pitchFamily="2" charset="-122"/>
-                  <a:ea typeface="华文细黑" panose="02010600040101010101" pitchFamily="2" charset="-122"/>
-                </a:rPr>
-                <a:t>26</a:t>
-              </a:r>
-            </a:p>
-            <a:p>
-              <a:pPr lvl="0" defTabSz="914400" eaLnBrk="0" fontAlgn="base">
-                <a:spcBef>
-                  <a:spcPct val="0"/>
-                </a:spcBef>
-                <a:spcAft>
-                  <a:spcPct val="0"/>
-                </a:spcAft>
-              </a:pPr>
-              <a:r>
-                <a:rPr lang="zh-CN" altLang="en-US" sz="2400" dirty="0">
-                  <a:solidFill>
-                    <a:schemeClr val="tx1"/>
-                  </a:solidFill>
-                  <a:latin typeface="华文细黑" panose="02010600040101010101" pitchFamily="2" charset="-122"/>
-                  <a:ea typeface="华文细黑" panose="02010600040101010101" pitchFamily="2" charset="-122"/>
-                </a:rPr>
-                <a:t>联络最大和：</a:t>
-              </a:r>
-              <a:r>
-                <a:rPr lang="en-US" altLang="zh-CN" sz="2400" dirty="0">
-                  <a:solidFill>
-                    <a:schemeClr val="tx1"/>
-                  </a:solidFill>
-                  <a:latin typeface="华文细黑" panose="02010600040101010101" pitchFamily="2" charset="-122"/>
-                  <a:ea typeface="华文细黑" panose="02010600040101010101" pitchFamily="2" charset="-122"/>
-                </a:rPr>
-                <a:t>21</a:t>
-              </a:r>
-            </a:p>
-          </p:txBody>
-        </p:sp>
-      </p:grpSp>
-      <p:grpSp>
-        <p:nvGrpSpPr>
-          <p:cNvPr id="62" name="组合 61">
-            <a:extLst>
-              <a:ext uri="{FF2B5EF4-FFF2-40B4-BE49-F238E27FC236}">
-                <a16:creationId xmlns:a16="http://schemas.microsoft.com/office/drawing/2014/main" id="{1414647B-E762-4212-B03F-53D92F7B7B3B}"/>
-              </a:ext>
-            </a:extLst>
-          </p:cNvPr>
-          <p:cNvGrpSpPr/>
-          <p:nvPr/>
-        </p:nvGrpSpPr>
-        <p:grpSpPr>
-          <a:xfrm>
-            <a:off x="10022983" y="7263006"/>
-            <a:ext cx="10978376" cy="1201779"/>
-            <a:chOff x="10916571" y="5979889"/>
-            <a:chExt cx="10978376" cy="1201779"/>
-          </a:xfrm>
-        </p:grpSpPr>
-        <p:sp>
-          <p:nvSpPr>
-            <p:cNvPr id="63" name="Rectangle 2">
-              <a:extLst>
-                <a:ext uri="{FF2B5EF4-FFF2-40B4-BE49-F238E27FC236}">
-                  <a16:creationId xmlns:a16="http://schemas.microsoft.com/office/drawing/2014/main" id="{BDAFA29E-5908-4189-A634-FC8472F258F5}"/>
-                </a:ext>
-              </a:extLst>
-            </p:cNvPr>
-            <p:cNvSpPr>
-              <a:spLocks noChangeArrowheads="1"/>
-            </p:cNvSpPr>
-            <p:nvPr/>
-          </p:nvSpPr>
-          <p:spPr bwMode="auto">
-            <a:xfrm>
-              <a:off x="10916571" y="5981339"/>
-              <a:ext cx="4971090" cy="1200329"/>
-            </a:xfrm>
-            <a:prstGeom prst="rect">
-              <a:avLst/>
-            </a:prstGeom>
-            <a:noFill/>
-            <a:ln>
-              <a:noFill/>
-            </a:ln>
-            <a:effectLst/>
-          </p:spPr>
-          <p:txBody>
-            <a:bodyPr vert="horz" wrap="square" lIns="91440" tIns="45720" rIns="91440" bIns="45720" numCol="1" anchor="ctr" anchorCtr="0" compatLnSpc="1">
-              <a:prstTxWarp prst="textNoShape">
-                <a:avLst/>
-              </a:prstTxWarp>
-              <a:spAutoFit/>
-            </a:bodyPr>
-            <a:lstStyle/>
-            <a:p>
-              <a:pPr lvl="0" defTabSz="914400" eaLnBrk="0" fontAlgn="base">
-                <a:spcBef>
-                  <a:spcPct val="0"/>
-                </a:spcBef>
-                <a:spcAft>
-                  <a:spcPct val="0"/>
-                </a:spcAft>
-              </a:pPr>
-              <a:r>
-                <a:rPr lang="en-US" altLang="zh-CN" sz="2400" dirty="0">
-                  <a:solidFill>
-                    <a:schemeClr val="tx1"/>
-                  </a:solidFill>
-                  <a:latin typeface="华文细黑" panose="02010600040101010101" pitchFamily="2" charset="-122"/>
-                  <a:ea typeface="华文细黑" panose="02010600040101010101" pitchFamily="2" charset="-122"/>
-                </a:rPr>
-                <a:t>5</a:t>
-              </a:r>
-            </a:p>
-            <a:p>
-              <a:pPr lvl="0" defTabSz="914400" eaLnBrk="0" fontAlgn="base">
-                <a:spcBef>
-                  <a:spcPct val="0"/>
-                </a:spcBef>
-                <a:spcAft>
-                  <a:spcPct val="0"/>
-                </a:spcAft>
-              </a:pPr>
-              <a:r>
-                <a:rPr lang="en-US" altLang="zh-CN" sz="2400" dirty="0">
-                  <a:solidFill>
-                    <a:schemeClr val="tx1"/>
-                  </a:solidFill>
-                  <a:latin typeface="华文细黑" panose="02010600040101010101" pitchFamily="2" charset="-122"/>
-                  <a:ea typeface="华文细黑" panose="02010600040101010101" pitchFamily="2" charset="-122"/>
-                </a:rPr>
-                <a:t>/  \</a:t>
-              </a:r>
-            </a:p>
-            <a:p>
-              <a:pPr lvl="0" defTabSz="914400" eaLnBrk="0" fontAlgn="base">
-                <a:spcBef>
-                  <a:spcPct val="0"/>
-                </a:spcBef>
-                <a:spcAft>
-                  <a:spcPct val="0"/>
-                </a:spcAft>
-              </a:pPr>
-              <a:r>
-                <a:rPr lang="en-US" altLang="zh-CN" sz="2400" dirty="0">
-                  <a:solidFill>
-                    <a:schemeClr val="accent3">
-                      <a:lumMod val="75000"/>
-                    </a:schemeClr>
-                  </a:solidFill>
-                  <a:latin typeface="华文细黑" panose="02010600040101010101" pitchFamily="2" charset="-122"/>
-                  <a:ea typeface="华文细黑" panose="02010600040101010101" pitchFamily="2" charset="-122"/>
-                </a:rPr>
-                <a:t>22</a:t>
-              </a:r>
-              <a:r>
-                <a:rPr lang="en-US" altLang="zh-CN" sz="2400" dirty="0">
-                  <a:solidFill>
-                    <a:schemeClr val="tx1"/>
-                  </a:solidFill>
-                  <a:latin typeface="华文细黑" panose="02010600040101010101" pitchFamily="2" charset="-122"/>
-                  <a:ea typeface="华文细黑" panose="02010600040101010101" pitchFamily="2" charset="-122"/>
-                </a:rPr>
-                <a:t>     </a:t>
-              </a:r>
-              <a:r>
-                <a:rPr lang="en-US" altLang="zh-CN" sz="2400" dirty="0">
-                  <a:solidFill>
-                    <a:schemeClr val="accent3">
-                      <a:lumMod val="75000"/>
-                    </a:schemeClr>
-                  </a:solidFill>
-                  <a:latin typeface="华文细黑" panose="02010600040101010101" pitchFamily="2" charset="-122"/>
-                  <a:ea typeface="华文细黑" panose="02010600040101010101" pitchFamily="2" charset="-122"/>
-                </a:rPr>
-                <a:t>21</a:t>
-              </a:r>
-            </a:p>
-          </p:txBody>
-        </p:sp>
-        <p:sp>
-          <p:nvSpPr>
-            <p:cNvPr id="64" name="Rectangle 2">
-              <a:extLst>
-                <a:ext uri="{FF2B5EF4-FFF2-40B4-BE49-F238E27FC236}">
-                  <a16:creationId xmlns:a16="http://schemas.microsoft.com/office/drawing/2014/main" id="{0AC537FA-2F15-4320-8AA5-5C524A8233A3}"/>
-                </a:ext>
-              </a:extLst>
-            </p:cNvPr>
-            <p:cNvSpPr>
-              <a:spLocks noChangeArrowheads="1"/>
-            </p:cNvSpPr>
-            <p:nvPr/>
-          </p:nvSpPr>
-          <p:spPr bwMode="auto">
-            <a:xfrm>
-              <a:off x="15887661" y="5979889"/>
-              <a:ext cx="2454690" cy="1200329"/>
-            </a:xfrm>
-            <a:prstGeom prst="rect">
-              <a:avLst/>
-            </a:prstGeom>
-            <a:noFill/>
-            <a:ln>
-              <a:noFill/>
-            </a:ln>
-            <a:effectLst/>
-          </p:spPr>
-          <p:txBody>
-            <a:bodyPr vert="horz" wrap="square" lIns="91440" tIns="45720" rIns="91440" bIns="45720" numCol="1" anchor="ctr" anchorCtr="0" compatLnSpc="1">
-              <a:prstTxWarp prst="textNoShape">
-                <a:avLst/>
-              </a:prstTxWarp>
-              <a:spAutoFit/>
-            </a:bodyPr>
-            <a:lstStyle/>
-            <a:p>
-              <a:pPr lvl="0" defTabSz="914400" eaLnBrk="0" fontAlgn="base">
-                <a:spcBef>
-                  <a:spcPct val="0"/>
-                </a:spcBef>
-                <a:spcAft>
-                  <a:spcPct val="0"/>
-                </a:spcAft>
-              </a:pPr>
-              <a:r>
-                <a:rPr lang="en-US" altLang="zh-CN" sz="2400" dirty="0">
-                  <a:solidFill>
-                    <a:schemeClr val="tx1"/>
-                  </a:solidFill>
-                  <a:latin typeface="华文细黑" panose="02010600040101010101" pitchFamily="2" charset="-122"/>
-                  <a:ea typeface="华文细黑" panose="02010600040101010101" pitchFamily="2" charset="-122"/>
-                </a:rPr>
-                <a:t>b + a = 27</a:t>
-              </a:r>
-            </a:p>
-            <a:p>
-              <a:pPr lvl="0" defTabSz="914400" eaLnBrk="0" fontAlgn="base">
-                <a:spcBef>
-                  <a:spcPct val="0"/>
-                </a:spcBef>
-                <a:spcAft>
-                  <a:spcPct val="0"/>
-                </a:spcAft>
-              </a:pPr>
-              <a:r>
-                <a:rPr lang="en-US" altLang="zh-CN" sz="2400" dirty="0">
-                  <a:solidFill>
-                    <a:schemeClr val="tx1"/>
-                  </a:solidFill>
-                  <a:latin typeface="华文细黑" panose="02010600040101010101" pitchFamily="2" charset="-122"/>
-                  <a:ea typeface="华文细黑" panose="02010600040101010101" pitchFamily="2" charset="-122"/>
-                </a:rPr>
-                <a:t>c + a = 26</a:t>
-              </a:r>
-            </a:p>
-            <a:p>
-              <a:pPr lvl="0" defTabSz="914400" eaLnBrk="0" fontAlgn="base">
-                <a:spcBef>
-                  <a:spcPct val="0"/>
-                </a:spcBef>
-                <a:spcAft>
-                  <a:spcPct val="0"/>
-                </a:spcAft>
-              </a:pPr>
-              <a:r>
-                <a:rPr lang="en-US" altLang="zh-CN" sz="2400" dirty="0">
-                  <a:solidFill>
-                    <a:schemeClr val="tx1"/>
-                  </a:solidFill>
-                  <a:latin typeface="华文细黑" panose="02010600040101010101" pitchFamily="2" charset="-122"/>
-                  <a:ea typeface="华文细黑" panose="02010600040101010101" pitchFamily="2" charset="-122"/>
-                </a:rPr>
-                <a:t>b + a + c = 48</a:t>
-              </a:r>
-            </a:p>
-          </p:txBody>
-        </p:sp>
-        <p:sp>
-          <p:nvSpPr>
-            <p:cNvPr id="65" name="Rectangle 2">
-              <a:extLst>
-                <a:ext uri="{FF2B5EF4-FFF2-40B4-BE49-F238E27FC236}">
-                  <a16:creationId xmlns:a16="http://schemas.microsoft.com/office/drawing/2014/main" id="{46059D7C-EB9F-455D-AF5D-46A94F6CE437}"/>
-                </a:ext>
-              </a:extLst>
-            </p:cNvPr>
-            <p:cNvSpPr>
-              <a:spLocks noChangeArrowheads="1"/>
-            </p:cNvSpPr>
-            <p:nvPr/>
-          </p:nvSpPr>
-          <p:spPr bwMode="auto">
-            <a:xfrm>
-              <a:off x="19440257" y="5979889"/>
-              <a:ext cx="2454690" cy="830997"/>
-            </a:xfrm>
-            <a:prstGeom prst="rect">
-              <a:avLst/>
-            </a:prstGeom>
-            <a:noFill/>
-            <a:ln>
-              <a:noFill/>
-            </a:ln>
-            <a:effectLst/>
-          </p:spPr>
-          <p:txBody>
-            <a:bodyPr vert="horz" wrap="square" lIns="91440" tIns="45720" rIns="91440" bIns="45720" numCol="1" anchor="ctr" anchorCtr="0" compatLnSpc="1">
-              <a:prstTxWarp prst="textNoShape">
-                <a:avLst/>
-              </a:prstTxWarp>
-              <a:spAutoFit/>
-            </a:bodyPr>
-            <a:lstStyle/>
-            <a:p>
-              <a:pPr lvl="0" defTabSz="914400" eaLnBrk="0" fontAlgn="base">
-                <a:spcBef>
-                  <a:spcPct val="0"/>
-                </a:spcBef>
-                <a:spcAft>
-                  <a:spcPct val="0"/>
-                </a:spcAft>
-              </a:pPr>
-              <a:r>
-                <a:rPr lang="zh-CN" altLang="en-US" sz="2400" dirty="0">
-                  <a:solidFill>
-                    <a:srgbClr val="FF0000"/>
-                  </a:solidFill>
-                  <a:latin typeface="华文细黑" panose="02010600040101010101" pitchFamily="2" charset="-122"/>
-                  <a:ea typeface="华文细黑" panose="02010600040101010101" pitchFamily="2" charset="-122"/>
-                </a:rPr>
-                <a:t>全局最大和：</a:t>
-              </a:r>
-              <a:r>
-                <a:rPr lang="en-US" altLang="zh-CN" sz="2400" dirty="0">
-                  <a:solidFill>
-                    <a:srgbClr val="FF0000"/>
-                  </a:solidFill>
-                  <a:latin typeface="华文细黑" panose="02010600040101010101" pitchFamily="2" charset="-122"/>
-                  <a:ea typeface="华文细黑" panose="02010600040101010101" pitchFamily="2" charset="-122"/>
-                </a:rPr>
-                <a:t>48</a:t>
-              </a:r>
-            </a:p>
-            <a:p>
-              <a:pPr lvl="0" defTabSz="914400" eaLnBrk="0" fontAlgn="base">
-                <a:spcBef>
-                  <a:spcPct val="0"/>
-                </a:spcBef>
-                <a:spcAft>
-                  <a:spcPct val="0"/>
-                </a:spcAft>
-              </a:pPr>
-              <a:r>
-                <a:rPr lang="zh-CN" altLang="en-US" sz="2400" dirty="0">
-                  <a:solidFill>
-                    <a:schemeClr val="tx1"/>
-                  </a:solidFill>
-                  <a:latin typeface="华文细黑" panose="02010600040101010101" pitchFamily="2" charset="-122"/>
-                  <a:ea typeface="华文细黑" panose="02010600040101010101" pitchFamily="2" charset="-122"/>
-                </a:rPr>
-                <a:t>联络最大和：</a:t>
-              </a:r>
-              <a:r>
-                <a:rPr lang="en-US" altLang="zh-CN" sz="2400" dirty="0">
-                  <a:solidFill>
-                    <a:schemeClr val="tx1"/>
-                  </a:solidFill>
-                  <a:latin typeface="华文细黑" panose="02010600040101010101" pitchFamily="2" charset="-122"/>
-                  <a:ea typeface="华文细黑" panose="02010600040101010101" pitchFamily="2" charset="-122"/>
-                </a:rPr>
-                <a:t>27</a:t>
-              </a:r>
-            </a:p>
-          </p:txBody>
-        </p:sp>
-      </p:grpSp>
+          <a:prstGeom prst="rect">
+            <a:avLst/>
+          </a:prstGeom>
+        </p:spPr>
+      </p:pic>
     </p:spTree>
     <p:extLst>
       <p:ext uri="{BB962C8B-B14F-4D97-AF65-F5344CB8AC3E}">
@@ -10561,7 +7164,7 @@
                             </p:stCondLst>
                             <p:childTnLst>
                               <p:par>
-                                <p:cTn id="5" presetID="1" presetClass="entr" presetSubtype="0" fill="hold" grpId="0" nodeType="clickEffect">
+                                <p:cTn id="5" presetID="1" presetClass="entr" presetSubtype="0" fill="hold" nodeType="clickEffect">
                                   <p:stCondLst>
                                     <p:cond delay="0"/>
                                   </p:stCondLst>
@@ -10574,7 +7177,7 @@
                                           </p:stCondLst>
                                         </p:cTn>
                                         <p:tgtEl>
-                                          <p:spTgt spid="10"/>
+                                          <p:spTgt spid="5"/>
                                         </p:tgtEl>
                                         <p:attrNameLst>
                                           <p:attrName>style.visibility</p:attrName>
@@ -10606,7 +7209,7 @@
                             </p:stCondLst>
                             <p:childTnLst>
                               <p:par>
-                                <p:cTn id="9" presetID="1" presetClass="entr" presetSubtype="0" fill="hold" grpId="0" nodeType="clickEffect">
+                                <p:cTn id="9" presetID="1" presetClass="exit" presetSubtype="0" fill="hold" nodeType="clickEffect">
                                   <p:stCondLst>
                                     <p:cond delay="0"/>
                                   </p:stCondLst>
@@ -10619,14 +7222,14 @@
                                           </p:stCondLst>
                                         </p:cTn>
                                         <p:tgtEl>
-                                          <p:spTgt spid="4"/>
+                                          <p:spTgt spid="5"/>
                                         </p:tgtEl>
                                         <p:attrNameLst>
                                           <p:attrName>style.visibility</p:attrName>
                                         </p:attrNameLst>
                                       </p:cBhvr>
                                       <p:to>
-                                        <p:strVal val="visible"/>
+                                        <p:strVal val="hidden"/>
                                       </p:to>
                                     </p:set>
                                   </p:childTnLst>
@@ -10646,7 +7249,7 @@
                                           </p:stCondLst>
                                         </p:cTn>
                                         <p:tgtEl>
-                                          <p:spTgt spid="8"/>
+                                          <p:spTgt spid="6"/>
                                         </p:tgtEl>
                                         <p:attrNameLst>
                                           <p:attrName>style.visibility</p:attrName>
@@ -10678,7 +7281,7 @@
                             </p:stCondLst>
                             <p:childTnLst>
                               <p:par>
-                                <p:cTn id="15" presetID="1" presetClass="exit" presetSubtype="0" fill="hold" grpId="1" nodeType="clickEffect">
+                                <p:cTn id="15" presetID="1" presetClass="exit" presetSubtype="0" fill="hold" nodeType="clickEffect">
                                   <p:stCondLst>
                                     <p:cond delay="0"/>
                                   </p:stCondLst>
@@ -10691,7 +7294,7 @@
                                           </p:stCondLst>
                                         </p:cTn>
                                         <p:tgtEl>
-                                          <p:spTgt spid="4"/>
+                                          <p:spTgt spid="6"/>
                                         </p:tgtEl>
                                         <p:attrNameLst>
                                           <p:attrName>style.visibility</p:attrName>
@@ -10705,7 +7308,7 @@
                                 </p:cTn>
                               </p:par>
                               <p:par>
-                                <p:cTn id="17" presetID="1" presetClass="exit" presetSubtype="0" fill="hold" nodeType="withEffect">
+                                <p:cTn id="17" presetID="1" presetClass="entr" presetSubtype="0" fill="hold" nodeType="withEffect">
                                   <p:stCondLst>
                                     <p:cond delay="0"/>
                                   </p:stCondLst>
@@ -10718,34 +7321,7 @@
                                           </p:stCondLst>
                                         </p:cTn>
                                         <p:tgtEl>
-                                          <p:spTgt spid="8"/>
-                                        </p:tgtEl>
-                                        <p:attrNameLst>
-                                          <p:attrName>style.visibility</p:attrName>
-                                        </p:attrNameLst>
-                                      </p:cBhvr>
-                                      <p:to>
-                                        <p:strVal val="hidden"/>
-                                      </p:to>
-                                    </p:set>
-                                  </p:childTnLst>
-                                </p:cTn>
-                              </p:par>
-                              <p:par>
-                                <p:cTn id="19" presetID="1" presetClass="entr" presetSubtype="0" fill="hold" grpId="0" nodeType="withEffect">
-                                  <p:stCondLst>
-                                    <p:cond delay="0"/>
-                                  </p:stCondLst>
-                                  <p:childTnLst>
-                                    <p:set>
-                                      <p:cBhvr>
-                                        <p:cTn id="20" dur="1" fill="hold">
-                                          <p:stCondLst>
-                                            <p:cond delay="0"/>
-                                          </p:stCondLst>
-                                        </p:cTn>
-                                        <p:tgtEl>
-                                          <p:spTgt spid="31"/>
+                                          <p:spTgt spid="7"/>
                                         </p:tgtEl>
                                         <p:attrNameLst>
                                           <p:attrName>style.visibility</p:attrName>
@@ -10758,8 +7334,26 @@
                                   </p:childTnLst>
                                 </p:cTn>
                               </p:par>
+                            </p:childTnLst>
+                          </p:cTn>
+                        </p:par>
+                      </p:childTnLst>
+                    </p:cTn>
+                  </p:par>
+                  <p:par>
+                    <p:cTn id="19" fill="hold">
+                      <p:stCondLst>
+                        <p:cond delay="indefinite"/>
+                      </p:stCondLst>
+                      <p:childTnLst>
+                        <p:par>
+                          <p:cTn id="20" fill="hold">
+                            <p:stCondLst>
+                              <p:cond delay="0"/>
+                            </p:stCondLst>
+                            <p:childTnLst>
                               <p:par>
-                                <p:cTn id="21" presetID="1" presetClass="entr" presetSubtype="0" fill="hold" nodeType="withEffect">
+                                <p:cTn id="21" presetID="1" presetClass="entr" presetSubtype="0" fill="hold" nodeType="clickEffect">
                                   <p:stCondLst>
                                     <p:cond delay="0"/>
                                   </p:stCondLst>
@@ -10772,7 +7366,7 @@
                                           </p:stCondLst>
                                         </p:cTn>
                                         <p:tgtEl>
-                                          <p:spTgt spid="9"/>
+                                          <p:spTgt spid="17"/>
                                         </p:tgtEl>
                                         <p:attrNameLst>
                                           <p:attrName>style.visibility</p:attrName>
@@ -10804,7 +7398,7 @@
                             </p:stCondLst>
                             <p:childTnLst>
                               <p:par>
-                                <p:cTn id="25" presetID="1" presetClass="exit" presetSubtype="0" fill="hold" grpId="1" nodeType="clickEffect">
+                                <p:cTn id="25" presetID="1" presetClass="exit" presetSubtype="0" fill="hold" nodeType="clickEffect">
                                   <p:stCondLst>
                                     <p:cond delay="0"/>
                                   </p:stCondLst>
@@ -10817,7 +7411,7 @@
                                           </p:stCondLst>
                                         </p:cTn>
                                         <p:tgtEl>
-                                          <p:spTgt spid="31"/>
+                                          <p:spTgt spid="7"/>
                                         </p:tgtEl>
                                         <p:attrNameLst>
                                           <p:attrName>style.visibility</p:attrName>
@@ -10844,7 +7438,7 @@
                                           </p:stCondLst>
                                         </p:cTn>
                                         <p:tgtEl>
-                                          <p:spTgt spid="9"/>
+                                          <p:spTgt spid="17"/>
                                         </p:tgtEl>
                                         <p:attrNameLst>
                                           <p:attrName>style.visibility</p:attrName>
@@ -10858,7 +7452,7 @@
                                 </p:cTn>
                               </p:par>
                               <p:par>
-                                <p:cTn id="29" presetID="1" presetClass="entr" presetSubtype="0" fill="hold" grpId="0" nodeType="withEffect">
+                                <p:cTn id="29" presetID="1" presetClass="entr" presetSubtype="0" fill="hold" nodeType="withEffect">
                                   <p:stCondLst>
                                     <p:cond delay="0"/>
                                   </p:stCondLst>
@@ -10871,34 +7465,7 @@
                                           </p:stCondLst>
                                         </p:cTn>
                                         <p:tgtEl>
-                                          <p:spTgt spid="33"/>
-                                        </p:tgtEl>
-                                        <p:attrNameLst>
-                                          <p:attrName>style.visibility</p:attrName>
-                                        </p:attrNameLst>
-                                      </p:cBhvr>
-                                      <p:to>
-                                        <p:strVal val="visible"/>
-                                      </p:to>
-                                    </p:set>
-                                  </p:childTnLst>
-                                </p:cTn>
-                              </p:par>
-                              <p:par>
-                                <p:cTn id="31" presetID="1" presetClass="entr" presetSubtype="0" fill="hold" nodeType="withEffect">
-                                  <p:stCondLst>
-                                    <p:cond delay="0"/>
-                                  </p:stCondLst>
-                                  <p:childTnLst>
-                                    <p:set>
-                                      <p:cBhvr>
-                                        <p:cTn id="32" dur="1" fill="hold">
-                                          <p:stCondLst>
-                                            <p:cond delay="0"/>
-                                          </p:stCondLst>
-                                        </p:cTn>
-                                        <p:tgtEl>
-                                          <p:spTgt spid="35"/>
+                                          <p:spTgt spid="16"/>
                                         </p:tgtEl>
                                         <p:attrNameLst>
                                           <p:attrName>style.visibility</p:attrName>
@@ -10918,32 +7485,77 @@
                     </p:cTn>
                   </p:par>
                   <p:par>
-                    <p:cTn id="33" fill="hold">
+                    <p:cTn id="31" fill="hold">
                       <p:stCondLst>
                         <p:cond delay="indefinite"/>
                       </p:stCondLst>
                       <p:childTnLst>
                         <p:par>
-                          <p:cTn id="34" fill="hold">
+                          <p:cTn id="32" fill="hold">
                             <p:stCondLst>
                               <p:cond delay="0"/>
                             </p:stCondLst>
                             <p:childTnLst>
                               <p:par>
-                                <p:cTn id="35" presetID="1" presetClass="exit" presetSubtype="0" fill="hold" grpId="1" nodeType="clickEffect">
+                                <p:cTn id="33" presetID="1" presetClass="entr" presetSubtype="0" fill="hold" nodeType="clickEffect">
                                   <p:stCondLst>
                                     <p:cond delay="0"/>
                                   </p:stCondLst>
                                   <p:childTnLst>
                                     <p:set>
                                       <p:cBhvr>
-                                        <p:cTn id="36" dur="1" fill="hold">
+                                        <p:cTn id="34" dur="1" fill="hold">
                                           <p:stCondLst>
                                             <p:cond delay="0"/>
                                           </p:stCondLst>
                                         </p:cTn>
                                         <p:tgtEl>
-                                          <p:spTgt spid="33"/>
+                                          <p:spTgt spid="19"/>
+                                        </p:tgtEl>
+                                        <p:attrNameLst>
+                                          <p:attrName>style.visibility</p:attrName>
+                                        </p:attrNameLst>
+                                      </p:cBhvr>
+                                      <p:to>
+                                        <p:strVal val="visible"/>
+                                      </p:to>
+                                    </p:set>
+                                  </p:childTnLst>
+                                </p:cTn>
+                              </p:par>
+                            </p:childTnLst>
+                          </p:cTn>
+                        </p:par>
+                      </p:childTnLst>
+                    </p:cTn>
+                  </p:par>
+                  <p:par>
+                    <p:cTn id="35" fill="hold">
+                      <p:stCondLst>
+                        <p:cond delay="indefinite"/>
+                      </p:stCondLst>
+                      <p:childTnLst>
+                        <p:par>
+                          <p:cTn id="36" fill="hold">
+                            <p:stCondLst>
+                              <p:cond delay="0"/>
+                            </p:stCondLst>
+                            <p:childTnLst>
+                              <p:par>
+                                <p:cTn id="37" presetID="1" presetClass="exit" presetSubtype="0" fill="hold" nodeType="clickEffect">
+                                  <p:stCondLst>
+                                    <p:cond delay="0"/>
+                                  </p:stCondLst>
+                                  <p:childTnLst>
+                                    <p:set>
+                                      <p:cBhvr>
+                                        <p:cTn id="38" dur="1" fill="hold">
+                                          <p:stCondLst>
+                                            <p:cond delay="0"/>
+                                          </p:stCondLst>
+                                        </p:cTn>
+                                        <p:tgtEl>
+                                          <p:spTgt spid="16"/>
                                         </p:tgtEl>
                                         <p:attrNameLst>
                                           <p:attrName>style.visibility</p:attrName>
@@ -10957,34 +7569,7 @@
                                 </p:cTn>
                               </p:par>
                               <p:par>
-                                <p:cTn id="37" presetID="1" presetClass="exit" presetSubtype="0" fill="hold" nodeType="withEffect">
-                                  <p:stCondLst>
-                                    <p:cond delay="0"/>
-                                  </p:stCondLst>
-                                  <p:childTnLst>
-                                    <p:set>
-                                      <p:cBhvr>
-                                        <p:cTn id="38" dur="1" fill="hold">
-                                          <p:stCondLst>
-                                            <p:cond delay="0"/>
-                                          </p:stCondLst>
-                                        </p:cTn>
-                                        <p:tgtEl>
-                                          <p:spTgt spid="35"/>
-                                        </p:tgtEl>
-                                        <p:attrNameLst>
-                                          <p:attrName>style.visibility</p:attrName>
-                                        </p:attrNameLst>
-                                      </p:cBhvr>
-                                      <p:to>
-                                        <p:strVal val="hidden"/>
-                                      </p:to>
-                                    </p:set>
-                                  </p:childTnLst>
-                                </p:cTn>
-                              </p:par>
-                              <p:par>
-                                <p:cTn id="39" presetID="1" presetClass="entr" presetSubtype="0" fill="hold" grpId="2" nodeType="withEffect">
+                                <p:cTn id="39" presetID="1" presetClass="exit" presetSubtype="0" fill="hold" nodeType="withEffect">
                                   <p:stCondLst>
                                     <p:cond delay="0"/>
                                   </p:stCondLst>
@@ -10997,14 +7582,14 @@
                                           </p:stCondLst>
                                         </p:cTn>
                                         <p:tgtEl>
-                                          <p:spTgt spid="31"/>
+                                          <p:spTgt spid="19"/>
                                         </p:tgtEl>
                                         <p:attrNameLst>
                                           <p:attrName>style.visibility</p:attrName>
                                         </p:attrNameLst>
                                       </p:cBhvr>
                                       <p:to>
-                                        <p:strVal val="visible"/>
+                                        <p:strVal val="hidden"/>
                                       </p:to>
                                     </p:set>
                                   </p:childTnLst>
@@ -11024,637 +7609,7 @@
                                           </p:stCondLst>
                                         </p:cTn>
                                         <p:tgtEl>
-                                          <p:spTgt spid="36"/>
-                                        </p:tgtEl>
-                                        <p:attrNameLst>
-                                          <p:attrName>style.visibility</p:attrName>
-                                        </p:attrNameLst>
-                                      </p:cBhvr>
-                                      <p:to>
-                                        <p:strVal val="visible"/>
-                                      </p:to>
-                                    </p:set>
-                                  </p:childTnLst>
-                                </p:cTn>
-                              </p:par>
-                            </p:childTnLst>
-                          </p:cTn>
-                        </p:par>
-                      </p:childTnLst>
-                    </p:cTn>
-                  </p:par>
-                  <p:par>
-                    <p:cTn id="43" fill="hold">
-                      <p:stCondLst>
-                        <p:cond delay="indefinite"/>
-                      </p:stCondLst>
-                      <p:childTnLst>
-                        <p:par>
-                          <p:cTn id="44" fill="hold">
-                            <p:stCondLst>
-                              <p:cond delay="0"/>
-                            </p:stCondLst>
-                            <p:childTnLst>
-                              <p:par>
-                                <p:cTn id="45" presetID="1" presetClass="exit" presetSubtype="0" fill="hold" grpId="3" nodeType="clickEffect">
-                                  <p:stCondLst>
-                                    <p:cond delay="0"/>
-                                  </p:stCondLst>
-                                  <p:childTnLst>
-                                    <p:set>
-                                      <p:cBhvr>
-                                        <p:cTn id="46" dur="1" fill="hold">
-                                          <p:stCondLst>
-                                            <p:cond delay="0"/>
-                                          </p:stCondLst>
-                                        </p:cTn>
-                                        <p:tgtEl>
-                                          <p:spTgt spid="31"/>
-                                        </p:tgtEl>
-                                        <p:attrNameLst>
-                                          <p:attrName>style.visibility</p:attrName>
-                                        </p:attrNameLst>
-                                      </p:cBhvr>
-                                      <p:to>
-                                        <p:strVal val="hidden"/>
-                                      </p:to>
-                                    </p:set>
-                                  </p:childTnLst>
-                                </p:cTn>
-                              </p:par>
-                              <p:par>
-                                <p:cTn id="47" presetID="1" presetClass="exit" presetSubtype="0" fill="hold" nodeType="withEffect">
-                                  <p:stCondLst>
-                                    <p:cond delay="0"/>
-                                  </p:stCondLst>
-                                  <p:childTnLst>
-                                    <p:set>
-                                      <p:cBhvr>
-                                        <p:cTn id="48" dur="1" fill="hold">
-                                          <p:stCondLst>
-                                            <p:cond delay="0"/>
-                                          </p:stCondLst>
-                                        </p:cTn>
-                                        <p:tgtEl>
-                                          <p:spTgt spid="36"/>
-                                        </p:tgtEl>
-                                        <p:attrNameLst>
-                                          <p:attrName>style.visibility</p:attrName>
-                                        </p:attrNameLst>
-                                      </p:cBhvr>
-                                      <p:to>
-                                        <p:strVal val="hidden"/>
-                                      </p:to>
-                                    </p:set>
-                                  </p:childTnLst>
-                                </p:cTn>
-                              </p:par>
-                              <p:par>
-                                <p:cTn id="49" presetID="1" presetClass="entr" presetSubtype="0" fill="hold" grpId="2" nodeType="withEffect">
-                                  <p:stCondLst>
-                                    <p:cond delay="0"/>
-                                  </p:stCondLst>
-                                  <p:childTnLst>
-                                    <p:set>
-                                      <p:cBhvr>
-                                        <p:cTn id="50" dur="1" fill="hold">
-                                          <p:stCondLst>
-                                            <p:cond delay="0"/>
-                                          </p:stCondLst>
-                                        </p:cTn>
-                                        <p:tgtEl>
-                                          <p:spTgt spid="4"/>
-                                        </p:tgtEl>
-                                        <p:attrNameLst>
-                                          <p:attrName>style.visibility</p:attrName>
-                                        </p:attrNameLst>
-                                      </p:cBhvr>
-                                      <p:to>
-                                        <p:strVal val="visible"/>
-                                      </p:to>
-                                    </p:set>
-                                  </p:childTnLst>
-                                </p:cTn>
-                              </p:par>
-                              <p:par>
-                                <p:cTn id="51" presetID="1" presetClass="entr" presetSubtype="0" fill="hold" nodeType="withEffect">
-                                  <p:stCondLst>
-                                    <p:cond delay="0"/>
-                                  </p:stCondLst>
-                                  <p:childTnLst>
-                                    <p:set>
-                                      <p:cBhvr>
-                                        <p:cTn id="52" dur="1" fill="hold">
-                                          <p:stCondLst>
-                                            <p:cond delay="0"/>
-                                          </p:stCondLst>
-                                        </p:cTn>
-                                        <p:tgtEl>
-                                          <p:spTgt spid="37"/>
-                                        </p:tgtEl>
-                                        <p:attrNameLst>
-                                          <p:attrName>style.visibility</p:attrName>
-                                        </p:attrNameLst>
-                                      </p:cBhvr>
-                                      <p:to>
-                                        <p:strVal val="visible"/>
-                                      </p:to>
-                                    </p:set>
-                                  </p:childTnLst>
-                                </p:cTn>
-                              </p:par>
-                            </p:childTnLst>
-                          </p:cTn>
-                        </p:par>
-                      </p:childTnLst>
-                    </p:cTn>
-                  </p:par>
-                  <p:par>
-                    <p:cTn id="53" fill="hold">
-                      <p:stCondLst>
-                        <p:cond delay="indefinite"/>
-                      </p:stCondLst>
-                      <p:childTnLst>
-                        <p:par>
-                          <p:cTn id="54" fill="hold">
-                            <p:stCondLst>
-                              <p:cond delay="0"/>
-                            </p:stCondLst>
-                            <p:childTnLst>
-                              <p:par>
-                                <p:cTn id="55" presetID="1" presetClass="exit" presetSubtype="0" fill="hold" grpId="3" nodeType="clickEffect">
-                                  <p:stCondLst>
-                                    <p:cond delay="0"/>
-                                  </p:stCondLst>
-                                  <p:childTnLst>
-                                    <p:set>
-                                      <p:cBhvr>
-                                        <p:cTn id="56" dur="1" fill="hold">
-                                          <p:stCondLst>
-                                            <p:cond delay="0"/>
-                                          </p:stCondLst>
-                                        </p:cTn>
-                                        <p:tgtEl>
-                                          <p:spTgt spid="4"/>
-                                        </p:tgtEl>
-                                        <p:attrNameLst>
-                                          <p:attrName>style.visibility</p:attrName>
-                                        </p:attrNameLst>
-                                      </p:cBhvr>
-                                      <p:to>
-                                        <p:strVal val="hidden"/>
-                                      </p:to>
-                                    </p:set>
-                                  </p:childTnLst>
-                                </p:cTn>
-                              </p:par>
-                              <p:par>
-                                <p:cTn id="57" presetID="1" presetClass="exit" presetSubtype="0" fill="hold" nodeType="withEffect">
-                                  <p:stCondLst>
-                                    <p:cond delay="0"/>
-                                  </p:stCondLst>
-                                  <p:childTnLst>
-                                    <p:set>
-                                      <p:cBhvr>
-                                        <p:cTn id="58" dur="1" fill="hold">
-                                          <p:stCondLst>
-                                            <p:cond delay="0"/>
-                                          </p:stCondLst>
-                                        </p:cTn>
-                                        <p:tgtEl>
-                                          <p:spTgt spid="37"/>
-                                        </p:tgtEl>
-                                        <p:attrNameLst>
-                                          <p:attrName>style.visibility</p:attrName>
-                                        </p:attrNameLst>
-                                      </p:cBhvr>
-                                      <p:to>
-                                        <p:strVal val="hidden"/>
-                                      </p:to>
-                                    </p:set>
-                                  </p:childTnLst>
-                                </p:cTn>
-                              </p:par>
-                              <p:par>
-                                <p:cTn id="59" presetID="1" presetClass="entr" presetSubtype="0" fill="hold" grpId="0" nodeType="withEffect">
-                                  <p:stCondLst>
-                                    <p:cond delay="0"/>
-                                  </p:stCondLst>
-                                  <p:childTnLst>
-                                    <p:set>
-                                      <p:cBhvr>
-                                        <p:cTn id="60" dur="1" fill="hold">
-                                          <p:stCondLst>
-                                            <p:cond delay="0"/>
-                                          </p:stCondLst>
-                                        </p:cTn>
-                                        <p:tgtEl>
-                                          <p:spTgt spid="32"/>
-                                        </p:tgtEl>
-                                        <p:attrNameLst>
-                                          <p:attrName>style.visibility</p:attrName>
-                                        </p:attrNameLst>
-                                      </p:cBhvr>
-                                      <p:to>
-                                        <p:strVal val="visible"/>
-                                      </p:to>
-                                    </p:set>
-                                  </p:childTnLst>
-                                </p:cTn>
-                              </p:par>
-                              <p:par>
-                                <p:cTn id="61" presetID="1" presetClass="entr" presetSubtype="0" fill="hold" nodeType="withEffect">
-                                  <p:stCondLst>
-                                    <p:cond delay="0"/>
-                                  </p:stCondLst>
-                                  <p:childTnLst>
-                                    <p:set>
-                                      <p:cBhvr>
-                                        <p:cTn id="62" dur="1" fill="hold">
-                                          <p:stCondLst>
-                                            <p:cond delay="0"/>
-                                          </p:stCondLst>
-                                        </p:cTn>
-                                        <p:tgtEl>
-                                          <p:spTgt spid="42"/>
-                                        </p:tgtEl>
-                                        <p:attrNameLst>
-                                          <p:attrName>style.visibility</p:attrName>
-                                        </p:attrNameLst>
-                                      </p:cBhvr>
-                                      <p:to>
-                                        <p:strVal val="visible"/>
-                                      </p:to>
-                                    </p:set>
-                                  </p:childTnLst>
-                                </p:cTn>
-                              </p:par>
-                            </p:childTnLst>
-                          </p:cTn>
-                        </p:par>
-                      </p:childTnLst>
-                    </p:cTn>
-                  </p:par>
-                  <p:par>
-                    <p:cTn id="63" fill="hold">
-                      <p:stCondLst>
-                        <p:cond delay="indefinite"/>
-                      </p:stCondLst>
-                      <p:childTnLst>
-                        <p:par>
-                          <p:cTn id="64" fill="hold">
-                            <p:stCondLst>
-                              <p:cond delay="0"/>
-                            </p:stCondLst>
-                            <p:childTnLst>
-                              <p:par>
-                                <p:cTn id="65" presetID="1" presetClass="exit" presetSubtype="0" fill="hold" grpId="1" nodeType="clickEffect">
-                                  <p:stCondLst>
-                                    <p:cond delay="0"/>
-                                  </p:stCondLst>
-                                  <p:childTnLst>
-                                    <p:set>
-                                      <p:cBhvr>
-                                        <p:cTn id="66" dur="1" fill="hold">
-                                          <p:stCondLst>
-                                            <p:cond delay="0"/>
-                                          </p:stCondLst>
-                                        </p:cTn>
-                                        <p:tgtEl>
-                                          <p:spTgt spid="32"/>
-                                        </p:tgtEl>
-                                        <p:attrNameLst>
-                                          <p:attrName>style.visibility</p:attrName>
-                                        </p:attrNameLst>
-                                      </p:cBhvr>
-                                      <p:to>
-                                        <p:strVal val="hidden"/>
-                                      </p:to>
-                                    </p:set>
-                                  </p:childTnLst>
-                                </p:cTn>
-                              </p:par>
-                              <p:par>
-                                <p:cTn id="67" presetID="1" presetClass="exit" presetSubtype="0" fill="hold" nodeType="withEffect">
-                                  <p:stCondLst>
-                                    <p:cond delay="0"/>
-                                  </p:stCondLst>
-                                  <p:childTnLst>
-                                    <p:set>
-                                      <p:cBhvr>
-                                        <p:cTn id="68" dur="1" fill="hold">
-                                          <p:stCondLst>
-                                            <p:cond delay="0"/>
-                                          </p:stCondLst>
-                                        </p:cTn>
-                                        <p:tgtEl>
-                                          <p:spTgt spid="42"/>
-                                        </p:tgtEl>
-                                        <p:attrNameLst>
-                                          <p:attrName>style.visibility</p:attrName>
-                                        </p:attrNameLst>
-                                      </p:cBhvr>
-                                      <p:to>
-                                        <p:strVal val="hidden"/>
-                                      </p:to>
-                                    </p:set>
-                                  </p:childTnLst>
-                                </p:cTn>
-                              </p:par>
-                              <p:par>
-                                <p:cTn id="69" presetID="1" presetClass="entr" presetSubtype="0" fill="hold" grpId="0" nodeType="withEffect">
-                                  <p:stCondLst>
-                                    <p:cond delay="0"/>
-                                  </p:stCondLst>
-                                  <p:childTnLst>
-                                    <p:set>
-                                      <p:cBhvr>
-                                        <p:cTn id="70" dur="1" fill="hold">
-                                          <p:stCondLst>
-                                            <p:cond delay="0"/>
-                                          </p:stCondLst>
-                                        </p:cTn>
-                                        <p:tgtEl>
-                                          <p:spTgt spid="34"/>
-                                        </p:tgtEl>
-                                        <p:attrNameLst>
-                                          <p:attrName>style.visibility</p:attrName>
-                                        </p:attrNameLst>
-                                      </p:cBhvr>
-                                      <p:to>
-                                        <p:strVal val="visible"/>
-                                      </p:to>
-                                    </p:set>
-                                  </p:childTnLst>
-                                </p:cTn>
-                              </p:par>
-                              <p:par>
-                                <p:cTn id="71" presetID="1" presetClass="entr" presetSubtype="0" fill="hold" nodeType="withEffect">
-                                  <p:stCondLst>
-                                    <p:cond delay="0"/>
-                                  </p:stCondLst>
-                                  <p:childTnLst>
-                                    <p:set>
-                                      <p:cBhvr>
-                                        <p:cTn id="72" dur="1" fill="hold">
-                                          <p:stCondLst>
-                                            <p:cond delay="0"/>
-                                          </p:stCondLst>
-                                        </p:cTn>
-                                        <p:tgtEl>
-                                          <p:spTgt spid="50"/>
-                                        </p:tgtEl>
-                                        <p:attrNameLst>
-                                          <p:attrName>style.visibility</p:attrName>
-                                        </p:attrNameLst>
-                                      </p:cBhvr>
-                                      <p:to>
-                                        <p:strVal val="visible"/>
-                                      </p:to>
-                                    </p:set>
-                                  </p:childTnLst>
-                                </p:cTn>
-                              </p:par>
-                            </p:childTnLst>
-                          </p:cTn>
-                        </p:par>
-                      </p:childTnLst>
-                    </p:cTn>
-                  </p:par>
-                  <p:par>
-                    <p:cTn id="73" fill="hold">
-                      <p:stCondLst>
-                        <p:cond delay="indefinite"/>
-                      </p:stCondLst>
-                      <p:childTnLst>
-                        <p:par>
-                          <p:cTn id="74" fill="hold">
-                            <p:stCondLst>
-                              <p:cond delay="0"/>
-                            </p:stCondLst>
-                            <p:childTnLst>
-                              <p:par>
-                                <p:cTn id="75" presetID="1" presetClass="exit" presetSubtype="0" fill="hold" grpId="1" nodeType="clickEffect">
-                                  <p:stCondLst>
-                                    <p:cond delay="0"/>
-                                  </p:stCondLst>
-                                  <p:childTnLst>
-                                    <p:set>
-                                      <p:cBhvr>
-                                        <p:cTn id="76" dur="1" fill="hold">
-                                          <p:stCondLst>
-                                            <p:cond delay="0"/>
-                                          </p:stCondLst>
-                                        </p:cTn>
-                                        <p:tgtEl>
-                                          <p:spTgt spid="34"/>
-                                        </p:tgtEl>
-                                        <p:attrNameLst>
-                                          <p:attrName>style.visibility</p:attrName>
-                                        </p:attrNameLst>
-                                      </p:cBhvr>
-                                      <p:to>
-                                        <p:strVal val="hidden"/>
-                                      </p:to>
-                                    </p:set>
-                                  </p:childTnLst>
-                                </p:cTn>
-                              </p:par>
-                              <p:par>
-                                <p:cTn id="77" presetID="1" presetClass="exit" presetSubtype="0" fill="hold" nodeType="withEffect">
-                                  <p:stCondLst>
-                                    <p:cond delay="0"/>
-                                  </p:stCondLst>
-                                  <p:childTnLst>
-                                    <p:set>
-                                      <p:cBhvr>
-                                        <p:cTn id="78" dur="1" fill="hold">
-                                          <p:stCondLst>
-                                            <p:cond delay="0"/>
-                                          </p:stCondLst>
-                                        </p:cTn>
-                                        <p:tgtEl>
-                                          <p:spTgt spid="50"/>
-                                        </p:tgtEl>
-                                        <p:attrNameLst>
-                                          <p:attrName>style.visibility</p:attrName>
-                                        </p:attrNameLst>
-                                      </p:cBhvr>
-                                      <p:to>
-                                        <p:strVal val="hidden"/>
-                                      </p:to>
-                                    </p:set>
-                                  </p:childTnLst>
-                                </p:cTn>
-                              </p:par>
-                              <p:par>
-                                <p:cTn id="79" presetID="1" presetClass="entr" presetSubtype="0" fill="hold" grpId="2" nodeType="withEffect">
-                                  <p:stCondLst>
-                                    <p:cond delay="0"/>
-                                  </p:stCondLst>
-                                  <p:childTnLst>
-                                    <p:set>
-                                      <p:cBhvr>
-                                        <p:cTn id="80" dur="1" fill="hold">
-                                          <p:stCondLst>
-                                            <p:cond delay="0"/>
-                                          </p:stCondLst>
-                                        </p:cTn>
-                                        <p:tgtEl>
-                                          <p:spTgt spid="32"/>
-                                        </p:tgtEl>
-                                        <p:attrNameLst>
-                                          <p:attrName>style.visibility</p:attrName>
-                                        </p:attrNameLst>
-                                      </p:cBhvr>
-                                      <p:to>
-                                        <p:strVal val="visible"/>
-                                      </p:to>
-                                    </p:set>
-                                  </p:childTnLst>
-                                </p:cTn>
-                              </p:par>
-                              <p:par>
-                                <p:cTn id="81" presetID="1" presetClass="entr" presetSubtype="0" fill="hold" nodeType="withEffect">
-                                  <p:stCondLst>
-                                    <p:cond delay="0"/>
-                                  </p:stCondLst>
-                                  <p:childTnLst>
-                                    <p:set>
-                                      <p:cBhvr>
-                                        <p:cTn id="82" dur="1" fill="hold">
-                                          <p:stCondLst>
-                                            <p:cond delay="0"/>
-                                          </p:stCondLst>
-                                        </p:cTn>
-                                        <p:tgtEl>
-                                          <p:spTgt spid="58"/>
-                                        </p:tgtEl>
-                                        <p:attrNameLst>
-                                          <p:attrName>style.visibility</p:attrName>
-                                        </p:attrNameLst>
-                                      </p:cBhvr>
-                                      <p:to>
-                                        <p:strVal val="visible"/>
-                                      </p:to>
-                                    </p:set>
-                                  </p:childTnLst>
-                                </p:cTn>
-                              </p:par>
-                            </p:childTnLst>
-                          </p:cTn>
-                        </p:par>
-                      </p:childTnLst>
-                    </p:cTn>
-                  </p:par>
-                  <p:par>
-                    <p:cTn id="83" fill="hold">
-                      <p:stCondLst>
-                        <p:cond delay="indefinite"/>
-                      </p:stCondLst>
-                      <p:childTnLst>
-                        <p:par>
-                          <p:cTn id="84" fill="hold">
-                            <p:stCondLst>
-                              <p:cond delay="0"/>
-                            </p:stCondLst>
-                            <p:childTnLst>
-                              <p:par>
-                                <p:cTn id="85" presetID="1" presetClass="exit" presetSubtype="0" fill="hold" grpId="3" nodeType="clickEffect">
-                                  <p:stCondLst>
-                                    <p:cond delay="0"/>
-                                  </p:stCondLst>
-                                  <p:childTnLst>
-                                    <p:set>
-                                      <p:cBhvr>
-                                        <p:cTn id="86" dur="1" fill="hold">
-                                          <p:stCondLst>
-                                            <p:cond delay="0"/>
-                                          </p:stCondLst>
-                                        </p:cTn>
-                                        <p:tgtEl>
-                                          <p:spTgt spid="32"/>
-                                        </p:tgtEl>
-                                        <p:attrNameLst>
-                                          <p:attrName>style.visibility</p:attrName>
-                                        </p:attrNameLst>
-                                      </p:cBhvr>
-                                      <p:to>
-                                        <p:strVal val="hidden"/>
-                                      </p:to>
-                                    </p:set>
-                                  </p:childTnLst>
-                                </p:cTn>
-                              </p:par>
-                              <p:par>
-                                <p:cTn id="87" presetID="1" presetClass="exit" presetSubtype="0" fill="hold" nodeType="withEffect">
-                                  <p:stCondLst>
-                                    <p:cond delay="0"/>
-                                  </p:stCondLst>
-                                  <p:childTnLst>
-                                    <p:set>
-                                      <p:cBhvr>
-                                        <p:cTn id="88" dur="1" fill="hold">
-                                          <p:stCondLst>
-                                            <p:cond delay="0"/>
-                                          </p:stCondLst>
-                                        </p:cTn>
-                                        <p:tgtEl>
-                                          <p:spTgt spid="58"/>
-                                        </p:tgtEl>
-                                        <p:attrNameLst>
-                                          <p:attrName>style.visibility</p:attrName>
-                                        </p:attrNameLst>
-                                      </p:cBhvr>
-                                      <p:to>
-                                        <p:strVal val="hidden"/>
-                                      </p:to>
-                                    </p:set>
-                                  </p:childTnLst>
-                                </p:cTn>
-                              </p:par>
-                              <p:par>
-                                <p:cTn id="89" presetID="1" presetClass="entr" presetSubtype="0" fill="hold" grpId="4" nodeType="withEffect">
-                                  <p:stCondLst>
-                                    <p:cond delay="0"/>
-                                  </p:stCondLst>
-                                  <p:childTnLst>
-                                    <p:set>
-                                      <p:cBhvr>
-                                        <p:cTn id="90" dur="1" fill="hold">
-                                          <p:stCondLst>
-                                            <p:cond delay="0"/>
-                                          </p:stCondLst>
-                                        </p:cTn>
-                                        <p:tgtEl>
-                                          <p:spTgt spid="4"/>
-                                        </p:tgtEl>
-                                        <p:attrNameLst>
-                                          <p:attrName>style.visibility</p:attrName>
-                                        </p:attrNameLst>
-                                      </p:cBhvr>
-                                      <p:to>
-                                        <p:strVal val="visible"/>
-                                      </p:to>
-                                    </p:set>
-                                  </p:childTnLst>
-                                </p:cTn>
-                              </p:par>
-                              <p:par>
-                                <p:cTn id="91" presetID="1" presetClass="entr" presetSubtype="0" fill="hold" nodeType="withEffect">
-                                  <p:stCondLst>
-                                    <p:cond delay="0"/>
-                                  </p:stCondLst>
-                                  <p:childTnLst>
-                                    <p:set>
-                                      <p:cBhvr>
-                                        <p:cTn id="92" dur="1" fill="hold">
-                                          <p:stCondLst>
-                                            <p:cond delay="0"/>
-                                          </p:stCondLst>
-                                        </p:cTn>
-                                        <p:tgtEl>
-                                          <p:spTgt spid="62"/>
+                                          <p:spTgt spid="22"/>
                                         </p:tgtEl>
                                         <p:attrNameLst>
                                           <p:attrName>style.visibility</p:attrName>
@@ -11694,26 +7649,6 @@
         </p:cTn>
       </p:par>
     </p:tnLst>
-    <p:bldLst>
-      <p:bldP spid="10" grpId="0" animBg="1"/>
-      <p:bldP spid="4" grpId="0" animBg="1"/>
-      <p:bldP spid="4" grpId="1" animBg="1"/>
-      <p:bldP spid="4" grpId="2" animBg="1"/>
-      <p:bldP spid="4" grpId="3" animBg="1"/>
-      <p:bldP spid="4" grpId="4" animBg="1"/>
-      <p:bldP spid="31" grpId="0" animBg="1"/>
-      <p:bldP spid="31" grpId="1" animBg="1"/>
-      <p:bldP spid="31" grpId="2" animBg="1"/>
-      <p:bldP spid="31" grpId="3" animBg="1"/>
-      <p:bldP spid="32" grpId="0" animBg="1"/>
-      <p:bldP spid="32" grpId="1" animBg="1"/>
-      <p:bldP spid="32" grpId="2" animBg="1"/>
-      <p:bldP spid="32" grpId="3" animBg="1"/>
-      <p:bldP spid="33" grpId="0" animBg="1"/>
-      <p:bldP spid="33" grpId="1" animBg="1"/>
-      <p:bldP spid="34" grpId="0" animBg="1"/>
-      <p:bldP spid="34" grpId="1" animBg="1"/>
-    </p:bldLst>
   </p:timing>
 </p:sld>
 </file>
@@ -17736,7 +13671,7 @@
         <p:spPr>
           <a:xfrm>
             <a:off x="1524755" y="5149514"/>
-            <a:ext cx="4462760" cy="641201"/>
+            <a:ext cx="3967433" cy="641201"/>
           </a:xfrm>
           <a:prstGeom prst="rect">
             <a:avLst/>
@@ -17768,13 +13703,19 @@
             </a:pPr>
             <a:r>
               <a:rPr lang="zh-CN" altLang="en-US" dirty="0"/>
-              <a:t>设计一个</a:t>
-            </a:r>
-            <a:r>
-              <a:rPr lang="zh-CN" altLang="en-US" sz="3500" b="0" dirty="0">
-                <a:sym typeface="Helvetica Neue Light"/>
-              </a:rPr>
-              <a:t>递归函数</a:t>
+              <a:t>处理情况 </a:t>
+            </a:r>
+            <a:r>
+              <a:rPr lang="en-US" altLang="zh-CN" dirty="0"/>
+              <a:t>2 </a:t>
+            </a:r>
+            <a:r>
+              <a:rPr lang="zh-CN" altLang="en-US" dirty="0"/>
+              <a:t>和 </a:t>
+            </a:r>
+            <a:r>
+              <a:rPr lang="en-US" altLang="zh-CN" dirty="0"/>
+              <a:t>3</a:t>
             </a:r>
             <a:endParaRPr dirty="0"/>
           </a:p>
@@ -17794,8 +13735,8 @@
         </p:nvSpPr>
         <p:spPr>
           <a:xfrm>
-            <a:off x="1534496" y="5972001"/>
-            <a:ext cx="15234940" cy="641201"/>
+            <a:off x="1806109" y="8484416"/>
+            <a:ext cx="10768974" cy="641201"/>
           </a:xfrm>
           <a:prstGeom prst="rect">
             <a:avLst/>
@@ -17826,72 +13767,25 @@
               </a:defRPr>
             </a:pPr>
             <a:r>
-              <a:rPr lang="zh-CN" altLang="en-US" dirty="0"/>
-              <a:t>目的：传入一个节点，得到它通往下方的最大路径和（向下路径最大和）</a:t>
-            </a:r>
-          </a:p>
-        </p:txBody>
-      </p:sp>
-      <p:sp>
-        <p:nvSpPr>
-          <p:cNvPr id="17" name="xxxxx">
-            <a:extLst>
-              <a:ext uri="{FF2B5EF4-FFF2-40B4-BE49-F238E27FC236}">
-                <a16:creationId xmlns:a16="http://schemas.microsoft.com/office/drawing/2014/main" id="{A29ADDA2-DE86-4EAC-A5DC-1E452DCE7C3D}"/>
-              </a:ext>
-            </a:extLst>
-          </p:cNvPr>
-          <p:cNvSpPr txBox="1"/>
-          <p:nvPr/>
-        </p:nvSpPr>
-        <p:spPr>
-          <a:xfrm>
-            <a:off x="1534496" y="6794488"/>
-            <a:ext cx="4416274" cy="641201"/>
-          </a:xfrm>
-          <a:prstGeom prst="rect">
-            <a:avLst/>
-          </a:prstGeom>
-          <a:ln w="12700">
-            <a:miter lim="400000"/>
-          </a:ln>
-          <a:extLst>
-            <a:ext uri="{C572A759-6A51-4108-AA02-DFA0A04FC94B}">
-              <ma14:wrappingTextBoxFlag xmlns="" xmlns:m="http://schemas.openxmlformats.org/officeDocument/2006/math" xmlns:a14="http://schemas.microsoft.com/office/drawing/2010/main" xmlns:ma14="http://schemas.microsoft.com/office/mac/drawingml/2011/main" val="1"/>
-            </a:ext>
-          </a:extLst>
-        </p:spPr>
-        <p:txBody>
-          <a:bodyPr wrap="none" lIns="50800" tIns="50800" rIns="50800" bIns="50800" anchor="ctr">
-            <a:spAutoFit/>
-          </a:bodyPr>
-          <a:lstStyle/>
-          <a:p>
-            <a:pPr marL="762000" lvl="3" indent="-381000" algn="l">
-              <a:buSzPct val="100000"/>
-              <a:buChar char="-"/>
-              <a:defRPr sz="3500" b="0">
+              <a:rPr lang="zh-CN" altLang="en-US" sz="3500" b="0" dirty="0">
                 <a:latin typeface="Helvetica Neue Light"/>
-                <a:ea typeface="Helvetica Neue Light"/>
-                <a:cs typeface="Helvetica Neue Light"/>
                 <a:sym typeface="Helvetica Neue Light"/>
-              </a:defRPr>
-            </a:pPr>
-            <a:r>
-              <a:rPr lang="zh-CN" altLang="en-US" dirty="0"/>
-              <a:t>也就是情况 </a:t>
-            </a:r>
-            <a:r>
-              <a:rPr lang="en-US" altLang="zh-CN" dirty="0"/>
-              <a:t>2 </a:t>
-            </a:r>
-            <a:r>
-              <a:rPr lang="zh-CN" altLang="en-US" dirty="0"/>
-              <a:t>和 </a:t>
-            </a:r>
-            <a:r>
-              <a:rPr lang="en-US" altLang="zh-CN" dirty="0"/>
-              <a:t>3</a:t>
+              </a:rPr>
+              <a:t>要求 </a:t>
+            </a:r>
+            <a:r>
+              <a:rPr lang="en-US" altLang="zh-CN" sz="3500" b="0" dirty="0">
+                <a:latin typeface="Helvetica Neue Light"/>
+                <a:sym typeface="Helvetica Neue Light"/>
+              </a:rPr>
+              <a:t>a </a:t>
+            </a:r>
+            <a:r>
+              <a:rPr lang="zh-CN" altLang="en-US" sz="3500" b="0" dirty="0">
+                <a:latin typeface="Helvetica Neue Light"/>
+                <a:sym typeface="Helvetica Neue Light"/>
+              </a:rPr>
+              <a:t>通往下方的最大路径和（向下路径最大和）</a:t>
             </a:r>
             <a:endParaRPr lang="zh-CN" altLang="en-US" dirty="0"/>
           </a:p>
@@ -17963,8 +13857,8 @@
         </p:nvSpPr>
         <p:spPr>
           <a:xfrm>
-            <a:off x="1534496" y="8439462"/>
-            <a:ext cx="9900146" cy="641201"/>
+            <a:off x="1806109" y="9306903"/>
+            <a:ext cx="7655942" cy="641201"/>
           </a:xfrm>
           <a:prstGeom prst="rect">
             <a:avLst/>
@@ -17996,7 +13890,7 @@
             </a:pPr>
             <a:r>
               <a:rPr lang="zh-CN" altLang="en-US" dirty="0"/>
-              <a:t>对 </a:t>
+              <a:t>需要先求 </a:t>
             </a:r>
             <a:r>
               <a:rPr lang="en-US" altLang="zh-CN" dirty="0"/>
@@ -18012,7 +13906,7 @@
             </a:r>
             <a:r>
               <a:rPr lang="zh-CN" altLang="en-US" dirty="0"/>
-              <a:t>递归，求出其通往下方的路径最大值</a:t>
+              <a:t>的向下路径最大和</a:t>
             </a:r>
           </a:p>
         </p:txBody>
@@ -18031,8 +13925,8 @@
         </p:nvSpPr>
         <p:spPr>
           <a:xfrm>
-            <a:off x="1534496" y="9261949"/>
-            <a:ext cx="9101851" cy="641201"/>
+            <a:off x="1806109" y="10129390"/>
+            <a:ext cx="3948197" cy="641201"/>
           </a:xfrm>
           <a:prstGeom prst="rect">
             <a:avLst/>
@@ -18064,7 +13958,137 @@
             </a:pPr>
             <a:r>
               <a:rPr lang="zh-CN" altLang="en-US" dirty="0"/>
-              <a:t>选择 </a:t>
+              <a:t>递归调用 </a:t>
+            </a:r>
+            <a:r>
+              <a:rPr lang="en-US" altLang="zh-CN" dirty="0"/>
+              <a:t>b </a:t>
+            </a:r>
+            <a:r>
+              <a:rPr lang="zh-CN" altLang="en-US" dirty="0"/>
+              <a:t>和 </a:t>
+            </a:r>
+            <a:r>
+              <a:rPr lang="en-US" altLang="zh-CN" dirty="0"/>
+              <a:t>c</a:t>
+            </a:r>
+            <a:endParaRPr lang="zh-CN" altLang="en-US" dirty="0"/>
+          </a:p>
+        </p:txBody>
+      </p:sp>
+      <p:sp>
+        <p:nvSpPr>
+          <p:cNvPr id="14" name="xxxxx">
+            <a:extLst>
+              <a:ext uri="{FF2B5EF4-FFF2-40B4-BE49-F238E27FC236}">
+                <a16:creationId xmlns:a16="http://schemas.microsoft.com/office/drawing/2014/main" id="{0155C6A1-4812-4F0B-A891-6C78DDE995DB}"/>
+              </a:ext>
+            </a:extLst>
+          </p:cNvPr>
+          <p:cNvSpPr txBox="1"/>
+          <p:nvPr/>
+        </p:nvSpPr>
+        <p:spPr>
+          <a:xfrm>
+            <a:off x="2035441" y="6016955"/>
+            <a:ext cx="11129650" cy="641201"/>
+          </a:xfrm>
+          <a:prstGeom prst="rect">
+            <a:avLst/>
+          </a:prstGeom>
+          <a:ln w="12700">
+            <a:miter lim="400000"/>
+          </a:ln>
+          <a:extLst>
+            <a:ext uri="{C572A759-6A51-4108-AA02-DFA0A04FC94B}">
+              <ma14:wrappingTextBoxFlag xmlns="" xmlns:m="http://schemas.openxmlformats.org/officeDocument/2006/math" xmlns:a14="http://schemas.microsoft.com/office/drawing/2010/main" xmlns:ma14="http://schemas.microsoft.com/office/mac/drawingml/2011/main" val="1"/>
+            </a:ext>
+          </a:extLst>
+        </p:spPr>
+        <p:txBody>
+          <a:bodyPr wrap="none" lIns="50800" tIns="50800" rIns="50800" bIns="50800" anchor="ctr">
+            <a:spAutoFit/>
+          </a:bodyPr>
+          <a:lstStyle/>
+          <a:p>
+            <a:pPr marL="762000" lvl="3" indent="-381000" algn="l">
+              <a:buSzPct val="100000"/>
+              <a:buChar char="-"/>
+              <a:defRPr sz="3500" b="0">
+                <a:latin typeface="Helvetica Neue Light"/>
+                <a:ea typeface="Helvetica Neue Light"/>
+                <a:cs typeface="Helvetica Neue Light"/>
+                <a:sym typeface="Helvetica Neue Light"/>
+              </a:defRPr>
+            </a:pPr>
+            <a:r>
+              <a:rPr lang="zh-CN" altLang="en-US" dirty="0"/>
+              <a:t>通向上方的道路确定了，想知道下方是选择 </a:t>
+            </a:r>
+            <a:r>
+              <a:rPr lang="en-US" altLang="zh-CN" dirty="0"/>
+              <a:t>b </a:t>
+            </a:r>
+            <a:r>
+              <a:rPr lang="zh-CN" altLang="en-US" dirty="0"/>
+              <a:t>还是 </a:t>
+            </a:r>
+            <a:r>
+              <a:rPr lang="en-US" altLang="zh-CN" dirty="0"/>
+              <a:t>c</a:t>
+            </a:r>
+            <a:endParaRPr lang="zh-CN" altLang="en-US" dirty="0"/>
+          </a:p>
+        </p:txBody>
+      </p:sp>
+      <p:sp>
+        <p:nvSpPr>
+          <p:cNvPr id="18" name="xxxxx">
+            <a:extLst>
+              <a:ext uri="{FF2B5EF4-FFF2-40B4-BE49-F238E27FC236}">
+                <a16:creationId xmlns:a16="http://schemas.microsoft.com/office/drawing/2014/main" id="{68C64428-DB8E-486E-8121-25F8CF2B1C11}"/>
+              </a:ext>
+            </a:extLst>
+          </p:cNvPr>
+          <p:cNvSpPr txBox="1"/>
+          <p:nvPr/>
+        </p:nvSpPr>
+        <p:spPr>
+          <a:xfrm>
+            <a:off x="1806108" y="10951877"/>
+            <a:ext cx="9999532" cy="641201"/>
+          </a:xfrm>
+          <a:prstGeom prst="rect">
+            <a:avLst/>
+          </a:prstGeom>
+          <a:ln w="12700">
+            <a:miter lim="400000"/>
+          </a:ln>
+          <a:extLst>
+            <a:ext uri="{C572A759-6A51-4108-AA02-DFA0A04FC94B}">
+              <ma14:wrappingTextBoxFlag xmlns="" xmlns:m="http://schemas.openxmlformats.org/officeDocument/2006/math" xmlns:a14="http://schemas.microsoft.com/office/drawing/2010/main" xmlns:ma14="http://schemas.microsoft.com/office/mac/drawingml/2011/main" val="1"/>
+            </a:ext>
+          </a:extLst>
+        </p:spPr>
+        <p:txBody>
+          <a:bodyPr wrap="none" lIns="50800" tIns="50800" rIns="50800" bIns="50800" anchor="ctr">
+            <a:spAutoFit/>
+          </a:bodyPr>
+          <a:lstStyle/>
+          <a:p>
+            <a:pPr marL="762000" lvl="3" indent="-381000" algn="l">
+              <a:buSzPct val="100000"/>
+              <a:buChar char="-"/>
+              <a:defRPr sz="3500" b="0">
+                <a:latin typeface="Helvetica Neue Light"/>
+                <a:ea typeface="Helvetica Neue Light"/>
+                <a:cs typeface="Helvetica Neue Light"/>
+                <a:sym typeface="Helvetica Neue Light"/>
+              </a:defRPr>
+            </a:pPr>
+            <a:r>
+              <a:rPr lang="zh-CN" altLang="en-US" dirty="0"/>
+              <a:t>计算 </a:t>
             </a:r>
             <a:r>
               <a:rPr lang="en-US" altLang="zh-CN" dirty="0"/>
@@ -18080,11 +14104,41 @@
             </a:r>
             <a:r>
               <a:rPr lang="zh-CN" altLang="en-US" dirty="0"/>
-              <a:t>中较大的值作为返回值</a:t>
+              <a:t>，选择较大的值作为返回值</a:t>
             </a:r>
           </a:p>
         </p:txBody>
       </p:sp>
+      <p:pic>
+        <p:nvPicPr>
+          <p:cNvPr id="2" name="图片 1">
+            <a:extLst>
+              <a:ext uri="{FF2B5EF4-FFF2-40B4-BE49-F238E27FC236}">
+                <a16:creationId xmlns:a16="http://schemas.microsoft.com/office/drawing/2014/main" id="{C2D134CB-5BA5-4037-8B20-D798A3D00D80}"/>
+              </a:ext>
+            </a:extLst>
+          </p:cNvPr>
+          <p:cNvPicPr>
+            <a:picLocks noChangeAspect="1"/>
+          </p:cNvPicPr>
+          <p:nvPr/>
+        </p:nvPicPr>
+        <p:blipFill>
+          <a:blip r:embed="rId3"/>
+          <a:stretch>
+            <a:fillRect/>
+          </a:stretch>
+        </p:blipFill>
+        <p:spPr>
+          <a:xfrm>
+            <a:off x="14402280" y="4577601"/>
+            <a:ext cx="8803609" cy="6182011"/>
+          </a:xfrm>
+          <a:prstGeom prst="rect">
+            <a:avLst/>
+          </a:prstGeom>
+        </p:spPr>
+      </p:pic>
     </p:spTree>
     <p:extLst>
       <p:ext uri="{BB962C8B-B14F-4D97-AF65-F5344CB8AC3E}">
@@ -18188,21 +14242,39 @@
                                   </p:childTnLst>
                                 </p:cTn>
                               </p:par>
+                            </p:childTnLst>
+                          </p:cTn>
+                        </p:par>
+                      </p:childTnLst>
+                    </p:cTn>
+                  </p:par>
+                  <p:par>
+                    <p:cTn id="11" fill="hold">
+                      <p:stCondLst>
+                        <p:cond delay="indefinite"/>
+                      </p:stCondLst>
+                      <p:childTnLst>
+                        <p:par>
+                          <p:cTn id="12" fill="hold">
+                            <p:stCondLst>
+                              <p:cond delay="0"/>
+                            </p:stCondLst>
+                            <p:childTnLst>
                               <p:par>
-                                <p:cTn id="11" presetID="1" presetClass="entr" presetSubtype="0" fill="hold" grpId="0" nodeType="withEffect">
+                                <p:cTn id="13" presetID="1" presetClass="entr" presetSubtype="0" fill="hold" grpId="0" nodeType="clickEffect">
                                   <p:stCondLst>
                                     <p:cond delay="0"/>
                                   </p:stCondLst>
                                   <p:childTnLst>
                                     <p:set>
                                       <p:cBhvr>
-                                        <p:cTn id="12" dur="1" fill="hold">
+                                        <p:cTn id="14" dur="1" fill="hold">
                                           <p:stCondLst>
                                             <p:cond delay="0"/>
                                           </p:stCondLst>
                                         </p:cTn>
                                         <p:tgtEl>
-                                          <p:spTgt spid="17"/>
+                                          <p:spTgt spid="8"/>
                                         </p:tgtEl>
                                         <p:attrNameLst>
                                           <p:attrName>style.visibility</p:attrName>
@@ -18215,26 +14287,8 @@
                                   </p:childTnLst>
                                 </p:cTn>
                               </p:par>
-                            </p:childTnLst>
-                          </p:cTn>
-                        </p:par>
-                      </p:childTnLst>
-                    </p:cTn>
-                  </p:par>
-                  <p:par>
-                    <p:cTn id="13" fill="hold">
-                      <p:stCondLst>
-                        <p:cond delay="indefinite"/>
-                      </p:stCondLst>
-                      <p:childTnLst>
-                        <p:par>
-                          <p:cTn id="14" fill="hold">
-                            <p:stCondLst>
-                              <p:cond delay="0"/>
-                            </p:stCondLst>
-                            <p:childTnLst>
                               <p:par>
-                                <p:cTn id="15" presetID="1" presetClass="entr" presetSubtype="0" fill="hold" grpId="0" nodeType="clickEffect">
+                                <p:cTn id="15" presetID="1" presetClass="entr" presetSubtype="0" fill="hold" grpId="0" nodeType="withEffect">
                                   <p:stCondLst>
                                     <p:cond delay="0"/>
                                   </p:stCondLst>
@@ -18247,7 +14301,7 @@
                                           </p:stCondLst>
                                         </p:cTn>
                                         <p:tgtEl>
-                                          <p:spTgt spid="8"/>
+                                          <p:spTgt spid="12"/>
                                         </p:tgtEl>
                                         <p:attrNameLst>
                                           <p:attrName>style.visibility</p:attrName>
@@ -18274,7 +14328,52 @@
                                           </p:stCondLst>
                                         </p:cTn>
                                         <p:tgtEl>
-                                          <p:spTgt spid="12"/>
+                                          <p:spTgt spid="13"/>
+                                        </p:tgtEl>
+                                        <p:attrNameLst>
+                                          <p:attrName>style.visibility</p:attrName>
+                                        </p:attrNameLst>
+                                      </p:cBhvr>
+                                      <p:to>
+                                        <p:strVal val="visible"/>
+                                      </p:to>
+                                    </p:set>
+                                  </p:childTnLst>
+                                </p:cTn>
+                              </p:par>
+                            </p:childTnLst>
+                          </p:cTn>
+                        </p:par>
+                      </p:childTnLst>
+                    </p:cTn>
+                  </p:par>
+                  <p:par>
+                    <p:cTn id="19" fill="hold">
+                      <p:stCondLst>
+                        <p:cond delay="indefinite"/>
+                      </p:stCondLst>
+                      <p:childTnLst>
+                        <p:par>
+                          <p:cTn id="20" fill="hold">
+                            <p:stCondLst>
+                              <p:cond delay="0"/>
+                            </p:stCondLst>
+                            <p:childTnLst>
+                              <p:par>
+                                <p:cTn id="21" presetID="1" presetClass="entr" presetSubtype="0" fill="hold" grpId="0" nodeType="clickEffect">
+                                  <p:stCondLst>
+                                    <p:cond delay="0"/>
+                                  </p:stCondLst>
+                                  <p:childTnLst>
+                                    <p:set>
+                                      <p:cBhvr>
+                                        <p:cTn id="22" dur="1" fill="hold">
+                                          <p:stCondLst>
+                                            <p:cond delay="0"/>
+                                          </p:stCondLst>
+                                        </p:cTn>
+                                        <p:tgtEl>
+                                          <p:spTgt spid="14"/>
                                         </p:tgtEl>
                                         <p:attrNameLst>
                                           <p:attrName>style.visibility</p:attrName>
@@ -18288,20 +14387,20 @@
                                 </p:cTn>
                               </p:par>
                               <p:par>
-                                <p:cTn id="19" presetID="1" presetClass="entr" presetSubtype="0" fill="hold" grpId="0" nodeType="withEffect">
+                                <p:cTn id="23" presetID="1" presetClass="entr" presetSubtype="0" fill="hold" grpId="0" nodeType="withEffect">
                                   <p:stCondLst>
                                     <p:cond delay="0"/>
                                   </p:stCondLst>
                                   <p:childTnLst>
                                     <p:set>
                                       <p:cBhvr>
-                                        <p:cTn id="20" dur="1" fill="hold">
+                                        <p:cTn id="24" dur="1" fill="hold">
                                           <p:stCondLst>
                                             <p:cond delay="0"/>
                                           </p:stCondLst>
                                         </p:cTn>
                                         <p:tgtEl>
-                                          <p:spTgt spid="13"/>
+                                          <p:spTgt spid="18"/>
                                         </p:tgtEl>
                                         <p:attrNameLst>
                                           <p:attrName>style.visibility</p:attrName>
@@ -18344,10 +14443,11 @@
     <p:bldLst>
       <p:bldP spid="11" grpId="0" animBg="1"/>
       <p:bldP spid="16" grpId="0" animBg="1"/>
-      <p:bldP spid="17" grpId="0" animBg="1"/>
       <p:bldP spid="8" grpId="0" animBg="1"/>
       <p:bldP spid="12" grpId="0" animBg="1"/>
       <p:bldP spid="13" grpId="0" animBg="1"/>
+      <p:bldP spid="14" grpId="0" animBg="1"/>
+      <p:bldP spid="18" grpId="0" animBg="1"/>
     </p:bldLst>
   </p:timing>
 </p:sld>
@@ -18502,7 +14602,7 @@
         <p:spPr>
           <a:xfrm>
             <a:off x="1524755" y="5149514"/>
-            <a:ext cx="7639912" cy="641201"/>
+            <a:ext cx="3034485" cy="641201"/>
           </a:xfrm>
           <a:prstGeom prst="rect">
             <a:avLst/>
@@ -18534,15 +14634,11 @@
             </a:pPr>
             <a:r>
               <a:rPr lang="zh-CN" altLang="en-US" dirty="0"/>
-              <a:t>情况 </a:t>
+              <a:t>处理情况 </a:t>
             </a:r>
             <a:r>
               <a:rPr lang="en-US" altLang="zh-CN" dirty="0"/>
-              <a:t>1 </a:t>
-            </a:r>
-            <a:r>
-              <a:rPr lang="zh-CN" altLang="en-US" dirty="0"/>
-              <a:t>中也有可能产生最大路径和</a:t>
+              <a:t>1</a:t>
             </a:r>
             <a:endParaRPr dirty="0"/>
           </a:p>
@@ -18562,8 +14658,8 @@
         </p:nvSpPr>
         <p:spPr>
           <a:xfrm>
-            <a:off x="1534496" y="6858752"/>
-            <a:ext cx="5809283" cy="641201"/>
+            <a:off x="1989995" y="8467164"/>
+            <a:ext cx="5860579" cy="641201"/>
           </a:xfrm>
           <a:prstGeom prst="rect">
             <a:avLst/>
@@ -18596,7 +14692,23 @@
             </a:pPr>
             <a:r>
               <a:rPr lang="zh-CN" altLang="en-US" dirty="0"/>
-              <a:t>在每个递归函数中都计算</a:t>
+              <a:t>在得到 </a:t>
+            </a:r>
+            <a:r>
+              <a:rPr lang="en-US" altLang="zh-CN" dirty="0"/>
+              <a:t>b </a:t>
+            </a:r>
+            <a:r>
+              <a:rPr lang="zh-CN" altLang="en-US" dirty="0"/>
+              <a:t>和 </a:t>
+            </a:r>
+            <a:r>
+              <a:rPr lang="en-US" altLang="zh-CN" dirty="0"/>
+              <a:t>c </a:t>
+            </a:r>
+            <a:r>
+              <a:rPr lang="zh-CN" altLang="en-US" dirty="0"/>
+              <a:t>递归值之后</a:t>
             </a:r>
             <a:endParaRPr lang="en-US" altLang="zh-CN" dirty="0"/>
           </a:p>
@@ -18665,8 +14777,8 @@
         </p:nvSpPr>
         <p:spPr>
           <a:xfrm>
-            <a:off x="1534495" y="8503726"/>
-            <a:ext cx="8951168" cy="641201"/>
+            <a:off x="1989994" y="11164063"/>
+            <a:ext cx="10746532" cy="641201"/>
           </a:xfrm>
           <a:prstGeom prst="rect">
             <a:avLst/>
@@ -18698,7 +14810,7 @@
             </a:pPr>
             <a:r>
               <a:rPr lang="zh-CN" altLang="en-US" dirty="0"/>
-              <a:t>使用一个全局变量来记录（全局最大和）</a:t>
+              <a:t>而是另外使用一个全局变量来记录（全局最大和）</a:t>
             </a:r>
             <a:endParaRPr lang="en-US" altLang="zh-CN" dirty="0"/>
           </a:p>
@@ -18718,8 +14830,8 @@
         </p:nvSpPr>
         <p:spPr>
           <a:xfrm>
-            <a:off x="1534495" y="7681239"/>
-            <a:ext cx="9579546" cy="641201"/>
+            <a:off x="1980254" y="9147812"/>
+            <a:ext cx="4591000" cy="641201"/>
           </a:xfrm>
           <a:prstGeom prst="rect">
             <a:avLst/>
@@ -18752,23 +14864,7 @@
             </a:pPr>
             <a:r>
               <a:rPr lang="zh-CN" altLang="en-US" dirty="0"/>
-              <a:t>得到 </a:t>
-            </a:r>
-            <a:r>
-              <a:rPr lang="en-US" altLang="zh-CN" dirty="0"/>
-              <a:t>b </a:t>
-            </a:r>
-            <a:r>
-              <a:rPr lang="zh-CN" altLang="en-US" dirty="0"/>
-              <a:t>和 </a:t>
-            </a:r>
-            <a:r>
-              <a:rPr lang="en-US" altLang="zh-CN" dirty="0"/>
-              <a:t>c </a:t>
-            </a:r>
-            <a:r>
-              <a:rPr lang="zh-CN" altLang="en-US" dirty="0"/>
-              <a:t>递归值之后，计算 </a:t>
+              <a:t>计算 </a:t>
             </a:r>
             <a:r>
               <a:rPr lang="en-US" altLang="zh-CN" dirty="0"/>
@@ -18796,7 +14892,7 @@
         </p:nvSpPr>
         <p:spPr>
           <a:xfrm>
-            <a:off x="1524755" y="6040283"/>
+            <a:off x="1534496" y="7657916"/>
             <a:ext cx="2667397" cy="641201"/>
           </a:xfrm>
           <a:prstGeom prst="rect">
@@ -18832,6 +14928,218 @@
               <a:t>实现方法</a:t>
             </a:r>
             <a:endParaRPr dirty="0"/>
+          </a:p>
+        </p:txBody>
+      </p:sp>
+      <p:pic>
+        <p:nvPicPr>
+          <p:cNvPr id="3" name="图片 2">
+            <a:extLst>
+              <a:ext uri="{FF2B5EF4-FFF2-40B4-BE49-F238E27FC236}">
+                <a16:creationId xmlns:a16="http://schemas.microsoft.com/office/drawing/2014/main" id="{B5ACD617-302A-4693-B9A9-B5CB9B6193ED}"/>
+              </a:ext>
+            </a:extLst>
+          </p:cNvPr>
+          <p:cNvPicPr>
+            <a:picLocks noChangeAspect="1"/>
+          </p:cNvPicPr>
+          <p:nvPr/>
+        </p:nvPicPr>
+        <p:blipFill>
+          <a:blip r:embed="rId3"/>
+          <a:stretch>
+            <a:fillRect/>
+          </a:stretch>
+        </p:blipFill>
+        <p:spPr>
+          <a:xfrm>
+            <a:off x="16118131" y="3980856"/>
+            <a:ext cx="6326241" cy="5401255"/>
+          </a:xfrm>
+          <a:prstGeom prst="rect">
+            <a:avLst/>
+          </a:prstGeom>
+        </p:spPr>
+      </p:pic>
+      <p:sp>
+        <p:nvSpPr>
+          <p:cNvPr id="14" name="xxxxx">
+            <a:extLst>
+              <a:ext uri="{FF2B5EF4-FFF2-40B4-BE49-F238E27FC236}">
+                <a16:creationId xmlns:a16="http://schemas.microsoft.com/office/drawing/2014/main" id="{4D82C3BB-7AA3-4195-BE91-A4BF9A6095A3}"/>
+              </a:ext>
+            </a:extLst>
+          </p:cNvPr>
+          <p:cNvSpPr txBox="1"/>
+          <p:nvPr/>
+        </p:nvSpPr>
+        <p:spPr>
+          <a:xfrm>
+            <a:off x="2190123" y="6012942"/>
+            <a:ext cx="7538923" cy="641201"/>
+          </a:xfrm>
+          <a:prstGeom prst="rect">
+            <a:avLst/>
+          </a:prstGeom>
+          <a:ln w="12700">
+            <a:miter lim="400000"/>
+          </a:ln>
+          <a:extLst>
+            <a:ext uri="{C572A759-6A51-4108-AA02-DFA0A04FC94B}">
+              <ma14:wrappingTextBoxFlag xmlns="" xmlns:m="http://schemas.openxmlformats.org/officeDocument/2006/math" xmlns:a14="http://schemas.microsoft.com/office/drawing/2010/main" xmlns:ma14="http://schemas.microsoft.com/office/mac/drawingml/2011/main" val="1"/>
+            </a:ext>
+          </a:extLst>
+        </p:spPr>
+        <p:txBody>
+          <a:bodyPr wrap="none" lIns="50800" tIns="50800" rIns="50800" bIns="50800" anchor="ctr">
+            <a:spAutoFit/>
+          </a:bodyPr>
+          <a:lstStyle/>
+          <a:p>
+            <a:pPr marL="762000" lvl="3" indent="-381000" algn="l">
+              <a:buSzPct val="100000"/>
+              <a:buChar char="-"/>
+              <a:defRPr sz="3500" b="0">
+                <a:latin typeface="Helvetica Neue Light"/>
+                <a:ea typeface="Helvetica Neue Light"/>
+                <a:cs typeface="Helvetica Neue Light"/>
+                <a:sym typeface="Helvetica Neue Light"/>
+              </a:defRPr>
+            </a:pPr>
+            <a:r>
+              <a:rPr lang="zh-CN" altLang="en-US" dirty="0"/>
+              <a:t>放弃向上的通路，选择连接 </a:t>
+            </a:r>
+            <a:r>
+              <a:rPr lang="en-US" altLang="zh-CN" dirty="0"/>
+              <a:t>b </a:t>
+            </a:r>
+            <a:r>
+              <a:rPr lang="zh-CN" altLang="en-US" dirty="0"/>
+              <a:t>和 </a:t>
+            </a:r>
+            <a:r>
+              <a:rPr lang="en-US" altLang="zh-CN" dirty="0"/>
+              <a:t>c</a:t>
+            </a:r>
+            <a:endParaRPr dirty="0"/>
+          </a:p>
+        </p:txBody>
+      </p:sp>
+      <p:sp>
+        <p:nvSpPr>
+          <p:cNvPr id="17" name="xxxxx">
+            <a:extLst>
+              <a:ext uri="{FF2B5EF4-FFF2-40B4-BE49-F238E27FC236}">
+                <a16:creationId xmlns:a16="http://schemas.microsoft.com/office/drawing/2014/main" id="{D6597050-5E1B-4C15-8A7B-95D2B70A2622}"/>
+              </a:ext>
+            </a:extLst>
+          </p:cNvPr>
+          <p:cNvSpPr txBox="1"/>
+          <p:nvPr/>
+        </p:nvSpPr>
+        <p:spPr>
+          <a:xfrm>
+            <a:off x="1989994" y="9828460"/>
+            <a:ext cx="8885446" cy="641201"/>
+          </a:xfrm>
+          <a:prstGeom prst="rect">
+            <a:avLst/>
+          </a:prstGeom>
+          <a:ln w="12700">
+            <a:miter lim="400000"/>
+          </a:ln>
+          <a:extLst>
+            <a:ext uri="{C572A759-6A51-4108-AA02-DFA0A04FC94B}">
+              <ma14:wrappingTextBoxFlag xmlns="" xmlns:m="http://schemas.openxmlformats.org/officeDocument/2006/math" xmlns:a14="http://schemas.microsoft.com/office/drawing/2010/main" xmlns:ma14="http://schemas.microsoft.com/office/mac/drawingml/2011/main" val="1"/>
+            </a:ext>
+          </a:extLst>
+        </p:spPr>
+        <p:txBody>
+          <a:bodyPr wrap="none" lIns="50800" tIns="50800" rIns="50800" bIns="50800" anchor="ctr">
+            <a:spAutoFit/>
+          </a:bodyPr>
+          <a:lstStyle/>
+          <a:p>
+            <a:pPr marL="762000" lvl="3" indent="-381000" algn="l">
+              <a:buSzPct val="100000"/>
+              <a:buChar char="-"/>
+              <a:defRPr sz="3500" b="0">
+                <a:latin typeface="Helvetica Neue Light"/>
+                <a:ea typeface="Helvetica Neue Light"/>
+                <a:cs typeface="Helvetica Neue Light"/>
+                <a:sym typeface="Helvetica Neue Light"/>
+              </a:defRPr>
+            </a:pPr>
+            <a:r>
+              <a:rPr lang="zh-CN" altLang="en-US" dirty="0"/>
+              <a:t>因为放弃了向上的通路，选择连接 </a:t>
+            </a:r>
+            <a:r>
+              <a:rPr lang="en-US" altLang="zh-CN" dirty="0"/>
+              <a:t>b </a:t>
+            </a:r>
+            <a:r>
+              <a:rPr lang="zh-CN" altLang="en-US" dirty="0"/>
+              <a:t>和 </a:t>
+            </a:r>
+            <a:r>
+              <a:rPr lang="en-US" altLang="zh-CN" dirty="0"/>
+              <a:t>c</a:t>
+            </a:r>
+            <a:endParaRPr dirty="0"/>
+          </a:p>
+        </p:txBody>
+      </p:sp>
+      <p:sp>
+        <p:nvSpPr>
+          <p:cNvPr id="19" name="xxxxx">
+            <a:extLst>
+              <a:ext uri="{FF2B5EF4-FFF2-40B4-BE49-F238E27FC236}">
+                <a16:creationId xmlns:a16="http://schemas.microsoft.com/office/drawing/2014/main" id="{9885BB87-34AF-4236-B421-826F0679426E}"/>
+              </a:ext>
+            </a:extLst>
+          </p:cNvPr>
+          <p:cNvSpPr txBox="1"/>
+          <p:nvPr/>
+        </p:nvSpPr>
+        <p:spPr>
+          <a:xfrm>
+            <a:off x="1989994" y="10522862"/>
+            <a:ext cx="7155805" cy="641201"/>
+          </a:xfrm>
+          <a:prstGeom prst="rect">
+            <a:avLst/>
+          </a:prstGeom>
+          <a:ln w="12700">
+            <a:miter lim="400000"/>
+          </a:ln>
+          <a:extLst>
+            <a:ext uri="{C572A759-6A51-4108-AA02-DFA0A04FC94B}">
+              <ma14:wrappingTextBoxFlag xmlns="" xmlns:m="http://schemas.openxmlformats.org/officeDocument/2006/math" xmlns:a14="http://schemas.microsoft.com/office/drawing/2010/main" xmlns:ma14="http://schemas.microsoft.com/office/mac/drawingml/2011/main" val="1"/>
+            </a:ext>
+          </a:extLst>
+        </p:spPr>
+        <p:txBody>
+          <a:bodyPr wrap="none" lIns="50800" tIns="50800" rIns="50800" bIns="50800" anchor="ctr">
+            <a:spAutoFit/>
+          </a:bodyPr>
+          <a:lstStyle/>
+          <a:p>
+            <a:pPr marL="762000" lvl="3" indent="-381000" algn="l">
+              <a:buSzPct val="100000"/>
+              <a:buChar char="-"/>
+              <a:defRPr sz="3500" b="0">
+                <a:latin typeface="Helvetica Neue Light"/>
+                <a:ea typeface="Helvetica Neue Light"/>
+                <a:cs typeface="Helvetica Neue Light"/>
+                <a:sym typeface="Helvetica Neue Light"/>
+              </a:defRPr>
+            </a:pPr>
+            <a:r>
+              <a:rPr lang="zh-CN" altLang="en-US" dirty="0"/>
+              <a:t>所以计算的结果不能当做返回值</a:t>
+            </a:r>
           </a:p>
         </p:txBody>
       </p:sp>
@@ -19025,6 +15333,141 @@
                       </p:childTnLst>
                     </p:cTn>
                   </p:par>
+                  <p:par>
+                    <p:cTn id="17" fill="hold">
+                      <p:stCondLst>
+                        <p:cond delay="indefinite"/>
+                      </p:stCondLst>
+                      <p:childTnLst>
+                        <p:par>
+                          <p:cTn id="18" fill="hold">
+                            <p:stCondLst>
+                              <p:cond delay="0"/>
+                            </p:stCondLst>
+                            <p:childTnLst>
+                              <p:par>
+                                <p:cTn id="19" presetID="1" presetClass="entr" presetSubtype="0" fill="hold" grpId="0" nodeType="clickEffect">
+                                  <p:stCondLst>
+                                    <p:cond delay="0"/>
+                                  </p:stCondLst>
+                                  <p:childTnLst>
+                                    <p:set>
+                                      <p:cBhvr>
+                                        <p:cTn id="20" dur="1" fill="hold">
+                                          <p:stCondLst>
+                                            <p:cond delay="0"/>
+                                          </p:stCondLst>
+                                        </p:cTn>
+                                        <p:tgtEl>
+                                          <p:spTgt spid="14"/>
+                                        </p:tgtEl>
+                                        <p:attrNameLst>
+                                          <p:attrName>style.visibility</p:attrName>
+                                        </p:attrNameLst>
+                                      </p:cBhvr>
+                                      <p:to>
+                                        <p:strVal val="visible"/>
+                                      </p:to>
+                                    </p:set>
+                                  </p:childTnLst>
+                                </p:cTn>
+                              </p:par>
+                            </p:childTnLst>
+                          </p:cTn>
+                        </p:par>
+                      </p:childTnLst>
+                    </p:cTn>
+                  </p:par>
+                  <p:par>
+                    <p:cTn id="21" fill="hold">
+                      <p:stCondLst>
+                        <p:cond delay="indefinite"/>
+                      </p:stCondLst>
+                      <p:childTnLst>
+                        <p:par>
+                          <p:cTn id="22" fill="hold">
+                            <p:stCondLst>
+                              <p:cond delay="0"/>
+                            </p:stCondLst>
+                            <p:childTnLst>
+                              <p:par>
+                                <p:cTn id="23" presetID="1" presetClass="entr" presetSubtype="0" fill="hold" grpId="0" nodeType="clickEffect">
+                                  <p:stCondLst>
+                                    <p:cond delay="0"/>
+                                  </p:stCondLst>
+                                  <p:childTnLst>
+                                    <p:set>
+                                      <p:cBhvr>
+                                        <p:cTn id="24" dur="1" fill="hold">
+                                          <p:stCondLst>
+                                            <p:cond delay="0"/>
+                                          </p:stCondLst>
+                                        </p:cTn>
+                                        <p:tgtEl>
+                                          <p:spTgt spid="17"/>
+                                        </p:tgtEl>
+                                        <p:attrNameLst>
+                                          <p:attrName>style.visibility</p:attrName>
+                                        </p:attrNameLst>
+                                      </p:cBhvr>
+                                      <p:to>
+                                        <p:strVal val="visible"/>
+                                      </p:to>
+                                    </p:set>
+                                  </p:childTnLst>
+                                </p:cTn>
+                              </p:par>
+                            </p:childTnLst>
+                          </p:cTn>
+                        </p:par>
+                      </p:childTnLst>
+                    </p:cTn>
+                  </p:par>
+                  <p:par>
+                    <p:cTn id="25" fill="hold">
+                      <p:stCondLst>
+                        <p:cond delay="indefinite"/>
+                      </p:stCondLst>
+                      <p:childTnLst>
+                        <p:par>
+                          <p:cTn id="26" fill="hold">
+                            <p:stCondLst>
+                              <p:cond delay="0"/>
+                            </p:stCondLst>
+                            <p:childTnLst>
+                              <p:par>
+                                <p:cTn id="27" presetID="1" presetClass="entr" presetSubtype="0" fill="hold" grpId="0" nodeType="clickEffect">
+                                  <p:stCondLst>
+                                    <p:cond delay="0"/>
+                                  </p:stCondLst>
+                                  <p:childTnLst>
+                                    <p:set>
+                                      <p:cBhvr>
+                                        <p:cTn id="28" dur="1" fill="hold">
+                                          <p:stCondLst>
+                                            <p:cond delay="0"/>
+                                          </p:stCondLst>
+                                        </p:cTn>
+                                        <p:tgtEl>
+                                          <p:spTgt spid="19"/>
+                                        </p:tgtEl>
+                                        <p:attrNameLst>
+                                          <p:attrName>style.visibility</p:attrName>
+                                        </p:attrNameLst>
+                                      </p:cBhvr>
+                                      <p:to>
+                                        <p:strVal val="visible"/>
+                                      </p:to>
+                                    </p:set>
+                                  </p:childTnLst>
+                                </p:cTn>
+                              </p:par>
+                            </p:childTnLst>
+                          </p:cTn>
+                        </p:par>
+                      </p:childTnLst>
+                    </p:cTn>
+                  </p:par>
                 </p:childTnLst>
               </p:cTn>
               <p:prevCondLst>
@@ -19052,6 +15495,9 @@
       <p:bldP spid="13" grpId="0" animBg="1"/>
       <p:bldP spid="18" grpId="0" animBg="1"/>
       <p:bldP spid="15" grpId="0" animBg="1"/>
+      <p:bldP spid="14" grpId="0" animBg="1"/>
+      <p:bldP spid="17" grpId="0" animBg="1"/>
+      <p:bldP spid="19" grpId="0" animBg="1"/>
     </p:bldLst>
   </p:timing>
 </p:sld>
